--- a/Android Basics in Kotlin.pptx
+++ b/Android Basics in Kotlin.pptx
@@ -4,13 +4,19 @@
   <p:sldMasterIdLst>
     <p:sldMasterId id="2147483648" r:id="rId1"/>
   </p:sldMasterIdLst>
+  <p:notesMasterIdLst>
+    <p:notesMasterId r:id="rId11"/>
+  </p:notesMasterIdLst>
   <p:sldIdLst>
     <p:sldId id="256" r:id="rId2"/>
-    <p:sldId id="257" r:id="rId3"/>
-    <p:sldId id="258" r:id="rId4"/>
-    <p:sldId id="260" r:id="rId5"/>
-    <p:sldId id="259" r:id="rId6"/>
-    <p:sldId id="261" r:id="rId7"/>
+    <p:sldId id="262" r:id="rId3"/>
+    <p:sldId id="263" r:id="rId4"/>
+    <p:sldId id="264" r:id="rId5"/>
+    <p:sldId id="257" r:id="rId6"/>
+    <p:sldId id="258" r:id="rId7"/>
+    <p:sldId id="260" r:id="rId8"/>
+    <p:sldId id="259" r:id="rId9"/>
+    <p:sldId id="261" r:id="rId10"/>
   </p:sldIdLst>
   <p:sldSz cx="12192000" cy="6858000"/>
   <p:notesSz cx="6858000" cy="9144000"/>
@@ -115,11 +121,18 @@
         <p14:section name="Default Section" id="{83EB77BB-446C-4B58-A750-248E53529936}">
           <p14:sldIdLst>
             <p14:sldId id="256"/>
-            <p14:sldId id="257"/>
+            <p14:sldId id="262"/>
+            <p14:sldId id="263"/>
+          </p14:sldIdLst>
+        </p14:section>
+        <p14:section name="All About Testing" id="{1760EBF3-D43D-40CE-8F81-D3B0E7B48B84}">
+          <p14:sldIdLst>
+            <p14:sldId id="264"/>
           </p14:sldIdLst>
         </p14:section>
         <p14:section name="Adapter &gt; ViewHolder &gt; RecyclerView" id="{ED2873D2-7274-4F37-9EA1-29B6BCF376E0}">
           <p14:sldIdLst>
+            <p14:sldId id="257"/>
             <p14:sldId id="258"/>
             <p14:sldId id="260"/>
             <p14:sldId id="259"/>
@@ -133,6 +146,440 @@
     </p:ext>
   </p:extLst>
 </p:presentation>
+</file>
+
+<file path=ppt/notesMasters/notesMaster1.xml><?xml version="1.0" encoding="utf-8"?>
+<p:notesMaster xmlns:a="http://schemas.openxmlformats.org/drawingml/2006/main" xmlns:r="http://schemas.openxmlformats.org/officeDocument/2006/relationships" xmlns:p="http://schemas.openxmlformats.org/presentationml/2006/main">
+  <p:cSld>
+    <p:bg>
+      <p:bgRef idx="1001">
+        <a:schemeClr val="bg1"/>
+      </p:bgRef>
+    </p:bg>
+    <p:spTree>
+      <p:nvGrpSpPr>
+        <p:cNvPr id="1" name=""/>
+        <p:cNvGrpSpPr/>
+        <p:nvPr/>
+      </p:nvGrpSpPr>
+      <p:grpSpPr>
+        <a:xfrm>
+          <a:off x="0" y="0"/>
+          <a:ext cx="0" cy="0"/>
+          <a:chOff x="0" y="0"/>
+          <a:chExt cx="0" cy="0"/>
+        </a:xfrm>
+      </p:grpSpPr>
+      <p:sp>
+        <p:nvSpPr>
+          <p:cNvPr id="2" name="Header Placeholder 1"/>
+          <p:cNvSpPr>
+            <a:spLocks noGrp="1"/>
+          </p:cNvSpPr>
+          <p:nvPr>
+            <p:ph type="hdr" sz="quarter"/>
+          </p:nvPr>
+        </p:nvSpPr>
+        <p:spPr>
+          <a:xfrm>
+            <a:off x="0" y="0"/>
+            <a:ext cx="2971800" cy="458788"/>
+          </a:xfrm>
+          <a:prstGeom prst="rect">
+            <a:avLst/>
+          </a:prstGeom>
+        </p:spPr>
+        <p:txBody>
+          <a:bodyPr vert="horz" lIns="91440" tIns="45720" rIns="91440" bIns="45720" rtlCol="0"/>
+          <a:lstStyle>
+            <a:lvl1pPr algn="l">
+              <a:defRPr sz="1200"/>
+            </a:lvl1pPr>
+          </a:lstStyle>
+          <a:p>
+            <a:endParaRPr lang="en-SG"/>
+          </a:p>
+        </p:txBody>
+      </p:sp>
+      <p:sp>
+        <p:nvSpPr>
+          <p:cNvPr id="3" name="Date Placeholder 2"/>
+          <p:cNvSpPr>
+            <a:spLocks noGrp="1"/>
+          </p:cNvSpPr>
+          <p:nvPr>
+            <p:ph type="dt" idx="1"/>
+          </p:nvPr>
+        </p:nvSpPr>
+        <p:spPr>
+          <a:xfrm>
+            <a:off x="3884613" y="0"/>
+            <a:ext cx="2971800" cy="458788"/>
+          </a:xfrm>
+          <a:prstGeom prst="rect">
+            <a:avLst/>
+          </a:prstGeom>
+        </p:spPr>
+        <p:txBody>
+          <a:bodyPr vert="horz" lIns="91440" tIns="45720" rIns="91440" bIns="45720" rtlCol="0"/>
+          <a:lstStyle>
+            <a:lvl1pPr algn="r">
+              <a:defRPr sz="1200"/>
+            </a:lvl1pPr>
+          </a:lstStyle>
+          <a:p>
+            <a:fld id="{20B40D95-F8C5-4C4C-B8B1-7273D807A246}" type="datetimeFigureOut">
+              <a:rPr lang="en-SG" smtClean="0"/>
+              <a:t>4/6/2022</a:t>
+            </a:fld>
+            <a:endParaRPr lang="en-SG"/>
+          </a:p>
+        </p:txBody>
+      </p:sp>
+      <p:sp>
+        <p:nvSpPr>
+          <p:cNvPr id="4" name="Slide Image Placeholder 3"/>
+          <p:cNvSpPr>
+            <a:spLocks noGrp="1" noRot="1" noChangeAspect="1"/>
+          </p:cNvSpPr>
+          <p:nvPr>
+            <p:ph type="sldImg" idx="2"/>
+          </p:nvPr>
+        </p:nvSpPr>
+        <p:spPr>
+          <a:xfrm>
+            <a:off x="685800" y="1143000"/>
+            <a:ext cx="5486400" cy="3086100"/>
+          </a:xfrm>
+          <a:prstGeom prst="rect">
+            <a:avLst/>
+          </a:prstGeom>
+          <a:noFill/>
+          <a:ln w="12700">
+            <a:solidFill>
+              <a:prstClr val="black"/>
+            </a:solidFill>
+          </a:ln>
+        </p:spPr>
+        <p:txBody>
+          <a:bodyPr vert="horz" lIns="91440" tIns="45720" rIns="91440" bIns="45720" rtlCol="0" anchor="ctr"/>
+          <a:lstStyle/>
+          <a:p>
+            <a:endParaRPr lang="en-SG"/>
+          </a:p>
+        </p:txBody>
+      </p:sp>
+      <p:sp>
+        <p:nvSpPr>
+          <p:cNvPr id="5" name="Notes Placeholder 4"/>
+          <p:cNvSpPr>
+            <a:spLocks noGrp="1"/>
+          </p:cNvSpPr>
+          <p:nvPr>
+            <p:ph type="body" sz="quarter" idx="3"/>
+          </p:nvPr>
+        </p:nvSpPr>
+        <p:spPr>
+          <a:xfrm>
+            <a:off x="685800" y="4400550"/>
+            <a:ext cx="5486400" cy="3600450"/>
+          </a:xfrm>
+          <a:prstGeom prst="rect">
+            <a:avLst/>
+          </a:prstGeom>
+        </p:spPr>
+        <p:txBody>
+          <a:bodyPr vert="horz" lIns="91440" tIns="45720" rIns="91440" bIns="45720" rtlCol="0"/>
+          <a:lstStyle/>
+          <a:p>
+            <a:pPr lvl="0"/>
+            <a:r>
+              <a:rPr lang="en-US"/>
+              <a:t>Click to edit Master text styles</a:t>
+            </a:r>
+          </a:p>
+          <a:p>
+            <a:pPr lvl="1"/>
+            <a:r>
+              <a:rPr lang="en-US"/>
+              <a:t>Second level</a:t>
+            </a:r>
+          </a:p>
+          <a:p>
+            <a:pPr lvl="2"/>
+            <a:r>
+              <a:rPr lang="en-US"/>
+              <a:t>Third level</a:t>
+            </a:r>
+          </a:p>
+          <a:p>
+            <a:pPr lvl="3"/>
+            <a:r>
+              <a:rPr lang="en-US"/>
+              <a:t>Fourth level</a:t>
+            </a:r>
+          </a:p>
+          <a:p>
+            <a:pPr lvl="4"/>
+            <a:r>
+              <a:rPr lang="en-US"/>
+              <a:t>Fifth level</a:t>
+            </a:r>
+            <a:endParaRPr lang="en-SG"/>
+          </a:p>
+        </p:txBody>
+      </p:sp>
+      <p:sp>
+        <p:nvSpPr>
+          <p:cNvPr id="6" name="Footer Placeholder 5"/>
+          <p:cNvSpPr>
+            <a:spLocks noGrp="1"/>
+          </p:cNvSpPr>
+          <p:nvPr>
+            <p:ph type="ftr" sz="quarter" idx="4"/>
+          </p:nvPr>
+        </p:nvSpPr>
+        <p:spPr>
+          <a:xfrm>
+            <a:off x="0" y="8685213"/>
+            <a:ext cx="2971800" cy="458787"/>
+          </a:xfrm>
+          <a:prstGeom prst="rect">
+            <a:avLst/>
+          </a:prstGeom>
+        </p:spPr>
+        <p:txBody>
+          <a:bodyPr vert="horz" lIns="91440" tIns="45720" rIns="91440" bIns="45720" rtlCol="0" anchor="b"/>
+          <a:lstStyle>
+            <a:lvl1pPr algn="l">
+              <a:defRPr sz="1200"/>
+            </a:lvl1pPr>
+          </a:lstStyle>
+          <a:p>
+            <a:endParaRPr lang="en-SG"/>
+          </a:p>
+        </p:txBody>
+      </p:sp>
+      <p:sp>
+        <p:nvSpPr>
+          <p:cNvPr id="7" name="Slide Number Placeholder 6"/>
+          <p:cNvSpPr>
+            <a:spLocks noGrp="1"/>
+          </p:cNvSpPr>
+          <p:nvPr>
+            <p:ph type="sldNum" sz="quarter" idx="5"/>
+          </p:nvPr>
+        </p:nvSpPr>
+        <p:spPr>
+          <a:xfrm>
+            <a:off x="3884613" y="8685213"/>
+            <a:ext cx="2971800" cy="458787"/>
+          </a:xfrm>
+          <a:prstGeom prst="rect">
+            <a:avLst/>
+          </a:prstGeom>
+        </p:spPr>
+        <p:txBody>
+          <a:bodyPr vert="horz" lIns="91440" tIns="45720" rIns="91440" bIns="45720" rtlCol="0" anchor="b"/>
+          <a:lstStyle>
+            <a:lvl1pPr algn="r">
+              <a:defRPr sz="1200"/>
+            </a:lvl1pPr>
+          </a:lstStyle>
+          <a:p>
+            <a:fld id="{0D292F0F-6BB4-4714-BDBB-674EE16F5C0C}" type="slidenum">
+              <a:rPr lang="en-SG" smtClean="0"/>
+              <a:t>‹#›</a:t>
+            </a:fld>
+            <a:endParaRPr lang="en-SG"/>
+          </a:p>
+        </p:txBody>
+      </p:sp>
+    </p:spTree>
+    <p:extLst>
+      <p:ext uri="{BB962C8B-B14F-4D97-AF65-F5344CB8AC3E}">
+        <p14:creationId xmlns:p14="http://schemas.microsoft.com/office/powerpoint/2010/main" val="1068906375"/>
+      </p:ext>
+    </p:extLst>
+  </p:cSld>
+  <p:clrMap bg1="lt1" tx1="dk1" bg2="lt2" tx2="dk2" accent1="accent1" accent2="accent2" accent3="accent3" accent4="accent4" accent5="accent5" accent6="accent6" hlink="hlink" folHlink="folHlink"/>
+  <p:notesStyle>
+    <a:lvl1pPr marL="0" algn="l" defTabSz="914400" rtl="0" eaLnBrk="1" latinLnBrk="0" hangingPunct="1">
+      <a:defRPr sz="1200" kern="1200">
+        <a:solidFill>
+          <a:schemeClr val="tx1"/>
+        </a:solidFill>
+        <a:latin typeface="+mn-lt"/>
+        <a:ea typeface="+mn-ea"/>
+        <a:cs typeface="+mn-cs"/>
+      </a:defRPr>
+    </a:lvl1pPr>
+    <a:lvl2pPr marL="457200" algn="l" defTabSz="914400" rtl="0" eaLnBrk="1" latinLnBrk="0" hangingPunct="1">
+      <a:defRPr sz="1200" kern="1200">
+        <a:solidFill>
+          <a:schemeClr val="tx1"/>
+        </a:solidFill>
+        <a:latin typeface="+mn-lt"/>
+        <a:ea typeface="+mn-ea"/>
+        <a:cs typeface="+mn-cs"/>
+      </a:defRPr>
+    </a:lvl2pPr>
+    <a:lvl3pPr marL="914400" algn="l" defTabSz="914400" rtl="0" eaLnBrk="1" latinLnBrk="0" hangingPunct="1">
+      <a:defRPr sz="1200" kern="1200">
+        <a:solidFill>
+          <a:schemeClr val="tx1"/>
+        </a:solidFill>
+        <a:latin typeface="+mn-lt"/>
+        <a:ea typeface="+mn-ea"/>
+        <a:cs typeface="+mn-cs"/>
+      </a:defRPr>
+    </a:lvl3pPr>
+    <a:lvl4pPr marL="1371600" algn="l" defTabSz="914400" rtl="0" eaLnBrk="1" latinLnBrk="0" hangingPunct="1">
+      <a:defRPr sz="1200" kern="1200">
+        <a:solidFill>
+          <a:schemeClr val="tx1"/>
+        </a:solidFill>
+        <a:latin typeface="+mn-lt"/>
+        <a:ea typeface="+mn-ea"/>
+        <a:cs typeface="+mn-cs"/>
+      </a:defRPr>
+    </a:lvl4pPr>
+    <a:lvl5pPr marL="1828800" algn="l" defTabSz="914400" rtl="0" eaLnBrk="1" latinLnBrk="0" hangingPunct="1">
+      <a:defRPr sz="1200" kern="1200">
+        <a:solidFill>
+          <a:schemeClr val="tx1"/>
+        </a:solidFill>
+        <a:latin typeface="+mn-lt"/>
+        <a:ea typeface="+mn-ea"/>
+        <a:cs typeface="+mn-cs"/>
+      </a:defRPr>
+    </a:lvl5pPr>
+    <a:lvl6pPr marL="2286000" algn="l" defTabSz="914400" rtl="0" eaLnBrk="1" latinLnBrk="0" hangingPunct="1">
+      <a:defRPr sz="1200" kern="1200">
+        <a:solidFill>
+          <a:schemeClr val="tx1"/>
+        </a:solidFill>
+        <a:latin typeface="+mn-lt"/>
+        <a:ea typeface="+mn-ea"/>
+        <a:cs typeface="+mn-cs"/>
+      </a:defRPr>
+    </a:lvl6pPr>
+    <a:lvl7pPr marL="2743200" algn="l" defTabSz="914400" rtl="0" eaLnBrk="1" latinLnBrk="0" hangingPunct="1">
+      <a:defRPr sz="1200" kern="1200">
+        <a:solidFill>
+          <a:schemeClr val="tx1"/>
+        </a:solidFill>
+        <a:latin typeface="+mn-lt"/>
+        <a:ea typeface="+mn-ea"/>
+        <a:cs typeface="+mn-cs"/>
+      </a:defRPr>
+    </a:lvl7pPr>
+    <a:lvl8pPr marL="3200400" algn="l" defTabSz="914400" rtl="0" eaLnBrk="1" latinLnBrk="0" hangingPunct="1">
+      <a:defRPr sz="1200" kern="1200">
+        <a:solidFill>
+          <a:schemeClr val="tx1"/>
+        </a:solidFill>
+        <a:latin typeface="+mn-lt"/>
+        <a:ea typeface="+mn-ea"/>
+        <a:cs typeface="+mn-cs"/>
+      </a:defRPr>
+    </a:lvl8pPr>
+    <a:lvl9pPr marL="3657600" algn="l" defTabSz="914400" rtl="0" eaLnBrk="1" latinLnBrk="0" hangingPunct="1">
+      <a:defRPr sz="1200" kern="1200">
+        <a:solidFill>
+          <a:schemeClr val="tx1"/>
+        </a:solidFill>
+        <a:latin typeface="+mn-lt"/>
+        <a:ea typeface="+mn-ea"/>
+        <a:cs typeface="+mn-cs"/>
+      </a:defRPr>
+    </a:lvl9pPr>
+  </p:notesStyle>
+</p:notesMaster>
+</file>
+
+<file path=ppt/notesSlides/notesSlide1.xml><?xml version="1.0" encoding="utf-8"?>
+<p:notes xmlns:a="http://schemas.openxmlformats.org/drawingml/2006/main" xmlns:r="http://schemas.openxmlformats.org/officeDocument/2006/relationships" xmlns:p="http://schemas.openxmlformats.org/presentationml/2006/main">
+  <p:cSld>
+    <p:spTree>
+      <p:nvGrpSpPr>
+        <p:cNvPr id="1" name=""/>
+        <p:cNvGrpSpPr/>
+        <p:nvPr/>
+      </p:nvGrpSpPr>
+      <p:grpSpPr>
+        <a:xfrm>
+          <a:off x="0" y="0"/>
+          <a:ext cx="0" cy="0"/>
+          <a:chOff x="0" y="0"/>
+          <a:chExt cx="0" cy="0"/>
+        </a:xfrm>
+      </p:grpSpPr>
+      <p:sp>
+        <p:nvSpPr>
+          <p:cNvPr id="2" name="Slide Image Placeholder 1"/>
+          <p:cNvSpPr>
+            <a:spLocks noGrp="1" noRot="1" noChangeAspect="1"/>
+          </p:cNvSpPr>
+          <p:nvPr>
+            <p:ph type="sldImg"/>
+          </p:nvPr>
+        </p:nvSpPr>
+        <p:spPr/>
+      </p:sp>
+      <p:sp>
+        <p:nvSpPr>
+          <p:cNvPr id="3" name="Notes Placeholder 2"/>
+          <p:cNvSpPr>
+            <a:spLocks noGrp="1"/>
+          </p:cNvSpPr>
+          <p:nvPr>
+            <p:ph type="body" idx="1"/>
+          </p:nvPr>
+        </p:nvSpPr>
+        <p:spPr/>
+        <p:txBody>
+          <a:bodyPr/>
+          <a:lstStyle/>
+          <a:p>
+            <a:endParaRPr lang="en-SG" dirty="0"/>
+          </a:p>
+        </p:txBody>
+      </p:sp>
+      <p:sp>
+        <p:nvSpPr>
+          <p:cNvPr id="4" name="Slide Number Placeholder 3"/>
+          <p:cNvSpPr>
+            <a:spLocks noGrp="1"/>
+          </p:cNvSpPr>
+          <p:nvPr>
+            <p:ph type="sldNum" sz="quarter" idx="5"/>
+          </p:nvPr>
+        </p:nvSpPr>
+        <p:spPr/>
+        <p:txBody>
+          <a:bodyPr/>
+          <a:lstStyle/>
+          <a:p>
+            <a:fld id="{0D292F0F-6BB4-4714-BDBB-674EE16F5C0C}" type="slidenum">
+              <a:rPr lang="en-SG" smtClean="0"/>
+              <a:t>6</a:t>
+            </a:fld>
+            <a:endParaRPr lang="en-SG"/>
+          </a:p>
+        </p:txBody>
+      </p:sp>
+    </p:spTree>
+    <p:extLst>
+      <p:ext uri="{BB962C8B-B14F-4D97-AF65-F5344CB8AC3E}">
+        <p14:creationId xmlns:p14="http://schemas.microsoft.com/office/powerpoint/2010/main" val="1518538729"/>
+      </p:ext>
+    </p:extLst>
+  </p:cSld>
+  <p:clrMapOvr>
+    <a:masterClrMapping/>
+  </p:clrMapOvr>
+</p:notes>
 </file>
 
 <file path=ppt/slideLayouts/slideLayout1.xml><?xml version="1.0" encoding="utf-8"?>
@@ -266,7 +713,7 @@
           <a:p>
             <a:fld id="{D0255EFB-A077-440B-BB8F-918E450D588D}" type="datetimeFigureOut">
               <a:rPr lang="en-SG" smtClean="0"/>
-              <a:t>1/6/2022</a:t>
+              <a:t>4/6/2022</a:t>
             </a:fld>
             <a:endParaRPr lang="en-SG"/>
           </a:p>
@@ -436,7 +883,7 @@
           <a:p>
             <a:fld id="{D0255EFB-A077-440B-BB8F-918E450D588D}" type="datetimeFigureOut">
               <a:rPr lang="en-SG" smtClean="0"/>
-              <a:t>1/6/2022</a:t>
+              <a:t>4/6/2022</a:t>
             </a:fld>
             <a:endParaRPr lang="en-SG"/>
           </a:p>
@@ -616,7 +1063,7 @@
           <a:p>
             <a:fld id="{D0255EFB-A077-440B-BB8F-918E450D588D}" type="datetimeFigureOut">
               <a:rPr lang="en-SG" smtClean="0"/>
-              <a:t>1/6/2022</a:t>
+              <a:t>4/6/2022</a:t>
             </a:fld>
             <a:endParaRPr lang="en-SG"/>
           </a:p>
@@ -786,7 +1233,7 @@
           <a:p>
             <a:fld id="{D0255EFB-A077-440B-BB8F-918E450D588D}" type="datetimeFigureOut">
               <a:rPr lang="en-SG" smtClean="0"/>
-              <a:t>1/6/2022</a:t>
+              <a:t>4/6/2022</a:t>
             </a:fld>
             <a:endParaRPr lang="en-SG"/>
           </a:p>
@@ -1032,7 +1479,7 @@
           <a:p>
             <a:fld id="{D0255EFB-A077-440B-BB8F-918E450D588D}" type="datetimeFigureOut">
               <a:rPr lang="en-SG" smtClean="0"/>
-              <a:t>1/6/2022</a:t>
+              <a:t>4/6/2022</a:t>
             </a:fld>
             <a:endParaRPr lang="en-SG"/>
           </a:p>
@@ -1264,7 +1711,7 @@
           <a:p>
             <a:fld id="{D0255EFB-A077-440B-BB8F-918E450D588D}" type="datetimeFigureOut">
               <a:rPr lang="en-SG" smtClean="0"/>
-              <a:t>1/6/2022</a:t>
+              <a:t>4/6/2022</a:t>
             </a:fld>
             <a:endParaRPr lang="en-SG"/>
           </a:p>
@@ -1631,7 +2078,7 @@
           <a:p>
             <a:fld id="{D0255EFB-A077-440B-BB8F-918E450D588D}" type="datetimeFigureOut">
               <a:rPr lang="en-SG" smtClean="0"/>
-              <a:t>1/6/2022</a:t>
+              <a:t>4/6/2022</a:t>
             </a:fld>
             <a:endParaRPr lang="en-SG"/>
           </a:p>
@@ -1749,7 +2196,7 @@
           <a:p>
             <a:fld id="{D0255EFB-A077-440B-BB8F-918E450D588D}" type="datetimeFigureOut">
               <a:rPr lang="en-SG" smtClean="0"/>
-              <a:t>1/6/2022</a:t>
+              <a:t>4/6/2022</a:t>
             </a:fld>
             <a:endParaRPr lang="en-SG"/>
           </a:p>
@@ -1844,7 +2291,7 @@
           <a:p>
             <a:fld id="{D0255EFB-A077-440B-BB8F-918E450D588D}" type="datetimeFigureOut">
               <a:rPr lang="en-SG" smtClean="0"/>
-              <a:t>1/6/2022</a:t>
+              <a:t>4/6/2022</a:t>
             </a:fld>
             <a:endParaRPr lang="en-SG"/>
           </a:p>
@@ -2121,7 +2568,7 @@
           <a:p>
             <a:fld id="{D0255EFB-A077-440B-BB8F-918E450D588D}" type="datetimeFigureOut">
               <a:rPr lang="en-SG" smtClean="0"/>
-              <a:t>1/6/2022</a:t>
+              <a:t>4/6/2022</a:t>
             </a:fld>
             <a:endParaRPr lang="en-SG"/>
           </a:p>
@@ -2374,7 +2821,7 @@
           <a:p>
             <a:fld id="{D0255EFB-A077-440B-BB8F-918E450D588D}" type="datetimeFigureOut">
               <a:rPr lang="en-SG" smtClean="0"/>
-              <a:t>1/6/2022</a:t>
+              <a:t>4/6/2022</a:t>
             </a:fld>
             <a:endParaRPr lang="en-SG"/>
           </a:p>
@@ -2587,7 +3034,7 @@
           <a:p>
             <a:fld id="{D0255EFB-A077-440B-BB8F-918E450D588D}" type="datetimeFigureOut">
               <a:rPr lang="en-SG" smtClean="0"/>
-              <a:t>1/6/2022</a:t>
+              <a:t>4/6/2022</a:t>
             </a:fld>
             <a:endParaRPr lang="en-SG"/>
           </a:p>
@@ -3009,14 +3456,10 @@
           <a:p>
             <a:r>
               <a:rPr lang="en-US" dirty="0"/>
-              <a:t>Android </a:t>
-            </a:r>
-            <a:r>
-              <a:rPr lang="en-US" dirty="0" smtClean="0"/>
-              <a:t>Basics in </a:t>
-            </a:r>
-            <a:r>
-              <a:rPr lang="en-US" dirty="0" err="1" smtClean="0"/>
+              <a:t>Android Basics in </a:t>
+            </a:r>
+            <a:r>
+              <a:rPr lang="en-US" dirty="0" err="1"/>
               <a:t>Kotlin</a:t>
             </a:r>
             <a:endParaRPr lang="en-SG" dirty="0"/>
@@ -3078,6 +3521,615 @@
       </p:grpSpPr>
       <p:sp>
         <p:nvSpPr>
+          <p:cNvPr id="2" name="Title 1">
+            <a:extLst>
+              <a:ext uri="{FF2B5EF4-FFF2-40B4-BE49-F238E27FC236}">
+                <a16:creationId xmlns:a16="http://schemas.microsoft.com/office/drawing/2014/main" id="{7841D825-D53C-411A-AE73-A9F12A59923E}"/>
+              </a:ext>
+            </a:extLst>
+          </p:cNvPr>
+          <p:cNvSpPr>
+            <a:spLocks noGrp="1"/>
+          </p:cNvSpPr>
+          <p:nvPr>
+            <p:ph type="title"/>
+          </p:nvPr>
+        </p:nvSpPr>
+        <p:spPr/>
+        <p:txBody>
+          <a:bodyPr/>
+          <a:lstStyle/>
+          <a:p>
+            <a:r>
+              <a:rPr lang="en-SG" dirty="0"/>
+              <a:t>Vocabulary</a:t>
+            </a:r>
+          </a:p>
+        </p:txBody>
+      </p:sp>
+      <p:sp>
+        <p:nvSpPr>
+          <p:cNvPr id="3" name="Content Placeholder 2">
+            <a:extLst>
+              <a:ext uri="{FF2B5EF4-FFF2-40B4-BE49-F238E27FC236}">
+                <a16:creationId xmlns:a16="http://schemas.microsoft.com/office/drawing/2014/main" id="{63340896-CE62-499B-BB9B-B63DEE061533}"/>
+              </a:ext>
+            </a:extLst>
+          </p:cNvPr>
+          <p:cNvSpPr>
+            <a:spLocks noGrp="1"/>
+          </p:cNvSpPr>
+          <p:nvPr>
+            <p:ph idx="1"/>
+          </p:nvPr>
+        </p:nvSpPr>
+        <p:spPr/>
+        <p:txBody>
+          <a:bodyPr>
+            <a:normAutofit/>
+          </a:bodyPr>
+          <a:lstStyle/>
+          <a:p>
+            <a:r>
+              <a:rPr lang="en-US" sz="1800" dirty="0">
+                <a:highlight>
+                  <a:srgbClr val="FFFF00"/>
+                </a:highlight>
+                <a:latin typeface="Consolas" panose="020B0609020204030204" pitchFamily="49" charset="0"/>
+              </a:rPr>
+              <a:t>fun</a:t>
+            </a:r>
+            <a:r>
+              <a:rPr lang="en-US" sz="1800" dirty="0"/>
+              <a:t> is a word in the Kotlin programming language. </a:t>
+            </a:r>
+            <a:r>
+              <a:rPr lang="en-US" sz="1800" dirty="0">
+                <a:highlight>
+                  <a:srgbClr val="FFFF00"/>
+                </a:highlight>
+                <a:latin typeface="Consolas" panose="020B0609020204030204" pitchFamily="49" charset="0"/>
+              </a:rPr>
+              <a:t>fun</a:t>
+            </a:r>
+            <a:r>
+              <a:rPr lang="en-US" sz="1800" dirty="0"/>
+              <a:t> stands for function. A function is a section of a program that performs a specific task.</a:t>
+            </a:r>
+          </a:p>
+          <a:p>
+            <a:r>
+              <a:rPr lang="en-US" sz="1800" dirty="0"/>
+              <a:t>Every Kotlin program needs a function named </a:t>
+            </a:r>
+            <a:r>
+              <a:rPr lang="en-US" sz="1800" dirty="0">
+                <a:highlight>
+                  <a:srgbClr val="FFFF00"/>
+                </a:highlight>
+                <a:latin typeface="Consolas" panose="020B0609020204030204" pitchFamily="49" charset="0"/>
+              </a:rPr>
+              <a:t>main</a:t>
+            </a:r>
+            <a:r>
+              <a:rPr lang="en-US" sz="1800" dirty="0"/>
+              <a:t>. It is the first, or main, function that is called when you run a program.</a:t>
+            </a:r>
+          </a:p>
+          <a:p>
+            <a:r>
+              <a:rPr lang="en-US" sz="1800" dirty="0" err="1">
+                <a:highlight>
+                  <a:srgbClr val="FFFF00"/>
+                </a:highlight>
+                <a:latin typeface="Consolas" panose="020B0609020204030204" pitchFamily="49" charset="0"/>
+              </a:rPr>
+              <a:t>println</a:t>
+            </a:r>
+            <a:r>
+              <a:rPr lang="en-US" sz="1800" dirty="0"/>
+              <a:t> tells the system to print a line of text.</a:t>
+            </a:r>
+          </a:p>
+          <a:p>
+            <a:r>
+              <a:rPr lang="en-US" sz="1800" dirty="0">
+                <a:highlight>
+                  <a:srgbClr val="FFFF00"/>
+                </a:highlight>
+              </a:rPr>
+              <a:t>Camel case</a:t>
+            </a:r>
+            <a:r>
+              <a:rPr lang="en-US" sz="1800" dirty="0"/>
+              <a:t> means to capitalize the beginning of each word and remove all spaces in between. This is a convention for naming functions, variables, and classes in Kotlin, such as </a:t>
+            </a:r>
+            <a:r>
+              <a:rPr lang="en-US" sz="1800" dirty="0" err="1">
+                <a:latin typeface="Consolas" panose="020B0609020204030204" pitchFamily="49" charset="0"/>
+              </a:rPr>
+              <a:t>LinearLayout</a:t>
+            </a:r>
+            <a:r>
+              <a:rPr lang="en-US" sz="1800" dirty="0"/>
+              <a:t>, </a:t>
+            </a:r>
+            <a:r>
+              <a:rPr lang="en-US" sz="1800" dirty="0" err="1">
+                <a:latin typeface="Consolas" panose="020B0609020204030204" pitchFamily="49" charset="0"/>
+              </a:rPr>
+              <a:t>MainActivity</a:t>
+            </a:r>
+            <a:r>
+              <a:rPr lang="en-US" sz="1800" dirty="0"/>
+              <a:t>, or </a:t>
+            </a:r>
+            <a:r>
+              <a:rPr lang="en-US" sz="1800" dirty="0" err="1">
+                <a:latin typeface="Consolas" panose="020B0609020204030204" pitchFamily="49" charset="0"/>
+              </a:rPr>
+              <a:t>setOnClickListener</a:t>
+            </a:r>
+            <a:r>
+              <a:rPr lang="en-US" sz="1800" dirty="0"/>
+              <a:t>.</a:t>
+            </a:r>
+          </a:p>
+          <a:p>
+            <a:r>
+              <a:rPr lang="en-US" sz="1800" dirty="0"/>
+              <a:t>A </a:t>
+            </a:r>
+            <a:r>
+              <a:rPr lang="en-US" sz="1800" dirty="0">
+                <a:highlight>
+                  <a:srgbClr val="FFFF00"/>
+                </a:highlight>
+              </a:rPr>
+              <a:t>click listener</a:t>
+            </a:r>
+            <a:r>
+              <a:rPr lang="en-US" sz="1800" dirty="0"/>
+              <a:t> is a small piece of code that can be attached to a View. The click listener waits for the view to be tapped, and when the view is tapped, it executes a click handler.</a:t>
+            </a:r>
+          </a:p>
+          <a:p>
+            <a:r>
+              <a:rPr lang="en-US" sz="1800" dirty="0"/>
+              <a:t>A </a:t>
+            </a:r>
+            <a:r>
+              <a:rPr lang="en-US" sz="1800" dirty="0">
+                <a:highlight>
+                  <a:srgbClr val="FFFF00"/>
+                </a:highlight>
+              </a:rPr>
+              <a:t>click handler</a:t>
+            </a:r>
+            <a:r>
+              <a:rPr lang="en-US" sz="1800" dirty="0"/>
+              <a:t> is a piece of code that is invoked by a click listener when the View is tapped.</a:t>
+            </a:r>
+          </a:p>
+          <a:p>
+            <a:r>
+              <a:rPr lang="en-US" sz="1800" dirty="0">
+                <a:highlight>
+                  <a:srgbClr val="FFFF00"/>
+                </a:highlight>
+              </a:rPr>
+              <a:t>Gradle</a:t>
+            </a:r>
+            <a:r>
+              <a:rPr lang="en-US" sz="1800" dirty="0"/>
+              <a:t> is a tool used by Android Studio to automate and manage the build process for your app. It takes the source code you write for an app, along with platform code, libraries, and resources, and assembles all these parts into an APK that can be installed and run on an Android device.</a:t>
+            </a:r>
+            <a:endParaRPr lang="en-SG" sz="1800" dirty="0"/>
+          </a:p>
+        </p:txBody>
+      </p:sp>
+    </p:spTree>
+    <p:extLst>
+      <p:ext uri="{BB962C8B-B14F-4D97-AF65-F5344CB8AC3E}">
+        <p14:creationId xmlns:p14="http://schemas.microsoft.com/office/powerpoint/2010/main" val="2481658437"/>
+      </p:ext>
+    </p:extLst>
+  </p:cSld>
+  <p:clrMapOvr>
+    <a:masterClrMapping/>
+  </p:clrMapOvr>
+</p:sld>
+</file>
+
+<file path=ppt/slides/slide3.xml><?xml version="1.0" encoding="utf-8"?>
+<p:sld xmlns:a="http://schemas.openxmlformats.org/drawingml/2006/main" xmlns:r="http://schemas.openxmlformats.org/officeDocument/2006/relationships" xmlns:p="http://schemas.openxmlformats.org/presentationml/2006/main">
+  <p:cSld>
+    <p:spTree>
+      <p:nvGrpSpPr>
+        <p:cNvPr id="1" name=""/>
+        <p:cNvGrpSpPr/>
+        <p:nvPr/>
+      </p:nvGrpSpPr>
+      <p:grpSpPr>
+        <a:xfrm>
+          <a:off x="0" y="0"/>
+          <a:ext cx="0" cy="0"/>
+          <a:chOff x="0" y="0"/>
+          <a:chExt cx="0" cy="0"/>
+        </a:xfrm>
+      </p:grpSpPr>
+      <p:sp>
+        <p:nvSpPr>
+          <p:cNvPr id="2" name="Title 1">
+            <a:extLst>
+              <a:ext uri="{FF2B5EF4-FFF2-40B4-BE49-F238E27FC236}">
+                <a16:creationId xmlns:a16="http://schemas.microsoft.com/office/drawing/2014/main" id="{A7E93ABD-AD03-4CA6-893B-E423C18A1FD8}"/>
+              </a:ext>
+            </a:extLst>
+          </p:cNvPr>
+          <p:cNvSpPr>
+            <a:spLocks noGrp="1"/>
+          </p:cNvSpPr>
+          <p:nvPr>
+            <p:ph type="title"/>
+          </p:nvPr>
+        </p:nvSpPr>
+        <p:spPr/>
+        <p:txBody>
+          <a:bodyPr/>
+          <a:lstStyle/>
+          <a:p>
+            <a:r>
+              <a:rPr lang="en-SG" dirty="0"/>
+              <a:t>Vocabulary</a:t>
+            </a:r>
+          </a:p>
+        </p:txBody>
+      </p:sp>
+      <p:sp>
+        <p:nvSpPr>
+          <p:cNvPr id="3" name="Content Placeholder 2">
+            <a:extLst>
+              <a:ext uri="{FF2B5EF4-FFF2-40B4-BE49-F238E27FC236}">
+                <a16:creationId xmlns:a16="http://schemas.microsoft.com/office/drawing/2014/main" id="{6667C15B-3A62-4A76-9665-566B0F49FD91}"/>
+              </a:ext>
+            </a:extLst>
+          </p:cNvPr>
+          <p:cNvSpPr>
+            <a:spLocks noGrp="1"/>
+          </p:cNvSpPr>
+          <p:nvPr>
+            <p:ph idx="1"/>
+          </p:nvPr>
+        </p:nvSpPr>
+        <p:spPr/>
+        <p:txBody>
+          <a:bodyPr>
+            <a:normAutofit/>
+          </a:bodyPr>
+          <a:lstStyle/>
+          <a:p>
+            <a:r>
+              <a:rPr lang="en-US" sz="2000" dirty="0"/>
+              <a:t>Normally non-null properties must be initialized in the constructor, but sometimes that isn't practical. In those cases, a property can be marked with </a:t>
+            </a:r>
+            <a:r>
+              <a:rPr lang="en-US" sz="2000" dirty="0" err="1">
+                <a:highlight>
+                  <a:srgbClr val="FFFF00"/>
+                </a:highlight>
+                <a:latin typeface="Consolas" panose="020B0609020204030204" pitchFamily="49" charset="0"/>
+              </a:rPr>
+              <a:t>lateinit</a:t>
+            </a:r>
+            <a:r>
+              <a:rPr lang="en-US" sz="2000" dirty="0"/>
+              <a:t>, which is a promise that the variable will be initialized before it is used. Note that an exception will be thrown if that property is accessed before being initialized.</a:t>
+            </a:r>
+          </a:p>
+          <a:p>
+            <a:r>
+              <a:rPr lang="en-US" sz="2000" dirty="0"/>
+              <a:t>Null is a special value that means "no value". It's different from a default value, for example, a Double having a value of 0.0 or an empty String with zero characters, "". In Kotlin, it’s preferable to not allow null values and you have to use special operators to permit a </a:t>
+            </a:r>
+            <a:r>
+              <a:rPr lang="en-US" sz="2000" dirty="0">
+                <a:highlight>
+                  <a:srgbClr val="FFFF00"/>
+                </a:highlight>
+                <a:latin typeface="Consolas" panose="020B0609020204030204" pitchFamily="49" charset="0"/>
+              </a:rPr>
+              <a:t>null</a:t>
+            </a:r>
+            <a:r>
+              <a:rPr lang="en-US" sz="2000" dirty="0"/>
+              <a:t> value. </a:t>
+            </a:r>
+            <a:r>
+              <a:rPr lang="en-US" sz="2000" dirty="0">
+                <a:latin typeface="Consolas" panose="020B0609020204030204" pitchFamily="49" charset="0"/>
+              </a:rPr>
+              <a:t>null</a:t>
+            </a:r>
+            <a:r>
+              <a:rPr lang="en-US" sz="2000" dirty="0"/>
+              <a:t> means there is no value. If a method expects a value, passing null will cause an error.</a:t>
+            </a:r>
+            <a:endParaRPr lang="en-SG" sz="2000" dirty="0"/>
+          </a:p>
+        </p:txBody>
+      </p:sp>
+    </p:spTree>
+    <p:extLst>
+      <p:ext uri="{BB962C8B-B14F-4D97-AF65-F5344CB8AC3E}">
+        <p14:creationId xmlns:p14="http://schemas.microsoft.com/office/powerpoint/2010/main" val="3379137901"/>
+      </p:ext>
+    </p:extLst>
+  </p:cSld>
+  <p:clrMapOvr>
+    <a:masterClrMapping/>
+  </p:clrMapOvr>
+</p:sld>
+</file>
+
+<file path=ppt/slides/slide4.xml><?xml version="1.0" encoding="utf-8"?>
+<p:sld xmlns:a="http://schemas.openxmlformats.org/drawingml/2006/main" xmlns:r="http://schemas.openxmlformats.org/officeDocument/2006/relationships" xmlns:p="http://schemas.openxmlformats.org/presentationml/2006/main">
+  <p:cSld>
+    <p:spTree>
+      <p:nvGrpSpPr>
+        <p:cNvPr id="1" name=""/>
+        <p:cNvGrpSpPr/>
+        <p:nvPr/>
+      </p:nvGrpSpPr>
+      <p:grpSpPr>
+        <a:xfrm>
+          <a:off x="0" y="0"/>
+          <a:ext cx="0" cy="0"/>
+          <a:chOff x="0" y="0"/>
+          <a:chExt cx="0" cy="0"/>
+        </a:xfrm>
+      </p:grpSpPr>
+      <p:sp>
+        <p:nvSpPr>
+          <p:cNvPr id="2" name="Title 1">
+            <a:extLst>
+              <a:ext uri="{FF2B5EF4-FFF2-40B4-BE49-F238E27FC236}">
+                <a16:creationId xmlns:a16="http://schemas.microsoft.com/office/drawing/2014/main" id="{3A6E8525-26F5-4F75-AB39-AB3E80C0912F}"/>
+              </a:ext>
+            </a:extLst>
+          </p:cNvPr>
+          <p:cNvSpPr>
+            <a:spLocks noGrp="1"/>
+          </p:cNvSpPr>
+          <p:nvPr>
+            <p:ph type="title"/>
+          </p:nvPr>
+        </p:nvSpPr>
+        <p:spPr/>
+        <p:txBody>
+          <a:bodyPr/>
+          <a:lstStyle/>
+          <a:p>
+            <a:r>
+              <a:rPr lang="en-SG" dirty="0"/>
+              <a:t>Automated Testing</a:t>
+            </a:r>
+          </a:p>
+        </p:txBody>
+      </p:sp>
+      <p:sp>
+        <p:nvSpPr>
+          <p:cNvPr id="3" name="Content Placeholder 2">
+            <a:extLst>
+              <a:ext uri="{FF2B5EF4-FFF2-40B4-BE49-F238E27FC236}">
+                <a16:creationId xmlns:a16="http://schemas.microsoft.com/office/drawing/2014/main" id="{12495BD3-7FD8-4FFB-88EB-ADE6509A853F}"/>
+              </a:ext>
+            </a:extLst>
+          </p:cNvPr>
+          <p:cNvSpPr>
+            <a:spLocks noGrp="1"/>
+          </p:cNvSpPr>
+          <p:nvPr>
+            <p:ph idx="1"/>
+          </p:nvPr>
+        </p:nvSpPr>
+        <p:spPr/>
+        <p:txBody>
+          <a:bodyPr>
+            <a:normAutofit/>
+          </a:bodyPr>
+          <a:lstStyle/>
+          <a:p>
+            <a:r>
+              <a:rPr lang="en-US" sz="2000" dirty="0"/>
+              <a:t>In the </a:t>
+            </a:r>
+            <a:r>
+              <a:rPr lang="en-US" sz="2000" dirty="0">
+                <a:latin typeface="Consolas" panose="020B0609020204030204" pitchFamily="49" charset="0"/>
+              </a:rPr>
+              <a:t>app</a:t>
+            </a:r>
+            <a:r>
+              <a:rPr lang="en-US" sz="2000" dirty="0"/>
+              <a:t> &gt; </a:t>
+            </a:r>
+            <a:r>
+              <a:rPr lang="en-US" sz="2000" dirty="0" err="1">
+                <a:latin typeface="Consolas" panose="020B0609020204030204" pitchFamily="49" charset="0"/>
+              </a:rPr>
+              <a:t>src</a:t>
+            </a:r>
+            <a:r>
+              <a:rPr lang="en-US" sz="2000" dirty="0"/>
+              <a:t> directory of </a:t>
+            </a:r>
+            <a:r>
+              <a:rPr lang="en-US" sz="2000" i="1" dirty="0"/>
+              <a:t>Project Source Files</a:t>
+            </a:r>
+            <a:r>
+              <a:rPr lang="en-US" sz="2000" dirty="0"/>
+              <a:t>, or </a:t>
+            </a:r>
+            <a:r>
+              <a:rPr lang="en-US" sz="2000" dirty="0">
+                <a:latin typeface="Consolas" panose="020B0609020204030204" pitchFamily="49" charset="0"/>
+              </a:rPr>
+              <a:t>app</a:t>
+            </a:r>
+            <a:r>
+              <a:rPr lang="en-US" sz="2000" dirty="0"/>
+              <a:t> &gt; </a:t>
+            </a:r>
+            <a:r>
+              <a:rPr lang="en-US" sz="2000" dirty="0">
+                <a:latin typeface="Consolas" panose="020B0609020204030204" pitchFamily="49" charset="0"/>
+              </a:rPr>
+              <a:t>java</a:t>
+            </a:r>
+            <a:r>
+              <a:rPr lang="en-US" sz="2000" dirty="0"/>
+              <a:t> directory in </a:t>
+            </a:r>
+            <a:r>
+              <a:rPr lang="en-US" sz="2000" i="1" dirty="0"/>
+              <a:t>Android</a:t>
+            </a:r>
+            <a:r>
+              <a:rPr lang="en-US" sz="2000" dirty="0"/>
+              <a:t> there are the </a:t>
+            </a:r>
+            <a:r>
+              <a:rPr lang="en-US" sz="2000" dirty="0">
+                <a:highlight>
+                  <a:srgbClr val="00FF00"/>
+                </a:highlight>
+                <a:latin typeface="Consolas" panose="020B0609020204030204" pitchFamily="49" charset="0"/>
+              </a:rPr>
+              <a:t>test</a:t>
+            </a:r>
+            <a:r>
+              <a:rPr lang="en-US" sz="2000" dirty="0"/>
+              <a:t> and </a:t>
+            </a:r>
+            <a:r>
+              <a:rPr lang="en-US" sz="2000" dirty="0" err="1">
+                <a:highlight>
+                  <a:srgbClr val="00FFFF"/>
+                </a:highlight>
+                <a:latin typeface="Consolas" panose="020B0609020204030204" pitchFamily="49" charset="0"/>
+              </a:rPr>
+              <a:t>androidTest</a:t>
+            </a:r>
+            <a:r>
+              <a:rPr lang="en-US" sz="2000" dirty="0"/>
+              <a:t> directories. There are two types of automated tests in Android development: </a:t>
+            </a:r>
+            <a:r>
+              <a:rPr lang="en-US" sz="2000" dirty="0">
+                <a:highlight>
+                  <a:srgbClr val="00FF00"/>
+                </a:highlight>
+              </a:rPr>
+              <a:t>unit tests</a:t>
+            </a:r>
+            <a:r>
+              <a:rPr lang="en-US" sz="2000" dirty="0"/>
+              <a:t> and </a:t>
+            </a:r>
+            <a:r>
+              <a:rPr lang="en-US" sz="2000" dirty="0">
+                <a:highlight>
+                  <a:srgbClr val="00FFFF"/>
+                </a:highlight>
+              </a:rPr>
+              <a:t>instrumentation tests</a:t>
+            </a:r>
+            <a:r>
+              <a:rPr lang="en-US" sz="2000" dirty="0"/>
+              <a:t>. The two directories represent these two categories of tests.</a:t>
+            </a:r>
+          </a:p>
+          <a:p>
+            <a:r>
+              <a:rPr lang="en-US" sz="2000" dirty="0"/>
+              <a:t>Android Studio automatically generates a simple unit test and instrumentation test each time you create a new project. They are just placeholders.</a:t>
+            </a:r>
+          </a:p>
+          <a:p>
+            <a:r>
+              <a:rPr lang="en-US" sz="2000" dirty="0"/>
+              <a:t>In the context of Android Development, </a:t>
+            </a:r>
+            <a:r>
+              <a:rPr lang="en-US" sz="2000" dirty="0">
+                <a:highlight>
+                  <a:srgbClr val="00FFFF"/>
+                </a:highlight>
+              </a:rPr>
+              <a:t>instrumentation test</a:t>
+            </a:r>
+            <a:r>
+              <a:rPr lang="en-US" sz="2000" dirty="0"/>
+              <a:t> is the term for what is, usually, a </a:t>
+            </a:r>
+            <a:r>
+              <a:rPr lang="en-US" sz="2000" dirty="0">
+                <a:highlight>
+                  <a:srgbClr val="00FFFF"/>
+                </a:highlight>
+              </a:rPr>
+              <a:t>user-interface test (UI test)</a:t>
+            </a:r>
+            <a:r>
+              <a:rPr lang="en-US" sz="2000" dirty="0"/>
+              <a:t>.</a:t>
+            </a:r>
+          </a:p>
+          <a:p>
+            <a:r>
+              <a:rPr lang="en-US" sz="2000" dirty="0"/>
+              <a:t>Instrumentation tests let you test parts of an app that depend on activity and fragment lifecycles, and platform APIs and services. Unlike unit tests, UI tests don't test code directly. Instead, they test the user interface to make sure that the correct UI components are displayed and that the user interface behaves as expected when actions are taken within the UI. </a:t>
+            </a:r>
+          </a:p>
+          <a:p>
+            <a:endParaRPr lang="en-SG" sz="2000" dirty="0"/>
+          </a:p>
+        </p:txBody>
+      </p:sp>
+    </p:spTree>
+    <p:extLst>
+      <p:ext uri="{BB962C8B-B14F-4D97-AF65-F5344CB8AC3E}">
+        <p14:creationId xmlns:p14="http://schemas.microsoft.com/office/powerpoint/2010/main" val="935912040"/>
+      </p:ext>
+    </p:extLst>
+  </p:cSld>
+  <p:clrMapOvr>
+    <a:masterClrMapping/>
+  </p:clrMapOvr>
+</p:sld>
+</file>
+
+<file path=ppt/slides/slide5.xml><?xml version="1.0" encoding="utf-8"?>
+<p:sld xmlns:a="http://schemas.openxmlformats.org/drawingml/2006/main" xmlns:r="http://schemas.openxmlformats.org/officeDocument/2006/relationships" xmlns:p="http://schemas.openxmlformats.org/presentationml/2006/main">
+  <p:cSld>
+    <p:spTree>
+      <p:nvGrpSpPr>
+        <p:cNvPr id="1" name=""/>
+        <p:cNvGrpSpPr/>
+        <p:nvPr/>
+      </p:nvGrpSpPr>
+      <p:grpSpPr>
+        <a:xfrm>
+          <a:off x="0" y="0"/>
+          <a:ext cx="0" cy="0"/>
+          <a:chOff x="0" y="0"/>
+          <a:chExt cx="0" cy="0"/>
+        </a:xfrm>
+      </p:grpSpPr>
+      <p:sp>
+        <p:nvSpPr>
           <p:cNvPr id="2" name="Title 1"/>
           <p:cNvSpPr>
             <a:spLocks noGrp="1"/>
@@ -3171,7 +4223,7 @@
 </p:sld>
 </file>
 
-<file path=ppt/slides/slide3.xml><?xml version="1.0" encoding="utf-8"?>
+<file path=ppt/slides/slide6.xml><?xml version="1.0" encoding="utf-8"?>
 <p:sld xmlns:a="http://schemas.openxmlformats.org/drawingml/2006/main" xmlns:r="http://schemas.openxmlformats.org/officeDocument/2006/relationships" xmlns:p="http://schemas.openxmlformats.org/presentationml/2006/main">
   <p:cSld>
     <p:spTree>
@@ -3707,21 +4759,13 @@
                   <a:schemeClr val="tx1"/>
                 </a:solidFill>
               </a:rPr>
-              <a:t>Data </a:t>
-            </a:r>
-            <a:r>
-              <a:rPr lang="en-US" dirty="0" smtClean="0">
-                <a:solidFill>
-                  <a:schemeClr val="tx1"/>
-                </a:solidFill>
-              </a:rPr>
-              <a:t>Source</a:t>
+              <a:t>Data Source</a:t>
             </a:r>
           </a:p>
           <a:p>
             <a:pPr algn="ctr"/>
             <a:r>
-              <a:rPr lang="en-US" dirty="0" smtClean="0">
+              <a:rPr lang="en-US" dirty="0">
                 <a:solidFill>
                   <a:schemeClr val="tx1"/>
                 </a:solidFill>
@@ -4147,21 +5191,21 @@
               </a:spcAft>
             </a:pPr>
             <a:r>
-              <a:rPr lang="en-US" sz="1400" u="sng" dirty="0" smtClean="0">
+              <a:rPr lang="en-US" sz="1400" u="sng" dirty="0">
                 <a:latin typeface="Segoe UI" panose="020B0502040204020203" pitchFamily="34" charset="0"/>
                 <a:cs typeface="Segoe UI" panose="020B0502040204020203" pitchFamily="34" charset="0"/>
               </a:rPr>
               <a:t>Overriding </a:t>
             </a:r>
             <a:r>
-              <a:rPr lang="en-US" sz="1400" u="sng" dirty="0" err="1" smtClean="0">
+              <a:rPr lang="en-US" sz="1400" u="sng" dirty="0" err="1">
                 <a:latin typeface="Segoe UI" panose="020B0502040204020203" pitchFamily="34" charset="0"/>
                 <a:cs typeface="Segoe UI" panose="020B0502040204020203" pitchFamily="34" charset="0"/>
               </a:rPr>
               <a:t>RecyclerView.Adapter’s</a:t>
             </a:r>
             <a:r>
-              <a:rPr lang="en-US" sz="1400" u="sng" dirty="0" smtClean="0">
+              <a:rPr lang="en-US" sz="1400" u="sng" dirty="0">
                 <a:latin typeface="Segoe UI" panose="020B0502040204020203" pitchFamily="34" charset="0"/>
                 <a:cs typeface="Segoe UI" panose="020B0502040204020203" pitchFamily="34" charset="0"/>
               </a:rPr>
@@ -4176,7 +5220,7 @@
               <a:buAutoNum type="arabicPeriod"/>
             </a:pPr>
             <a:r>
-              <a:rPr lang="en-US" sz="1400" dirty="0" err="1" smtClean="0">
+              <a:rPr lang="en-US" sz="1400" dirty="0" err="1">
                 <a:latin typeface="Segoe UI" panose="020B0502040204020203" pitchFamily="34" charset="0"/>
                 <a:cs typeface="Segoe UI" panose="020B0502040204020203" pitchFamily="34" charset="0"/>
               </a:rPr>
@@ -4366,14 +5410,14 @@
           <a:p>
             <a:pPr algn="ctr"/>
             <a:r>
-              <a:rPr lang="en-US" sz="1200" dirty="0" smtClean="0"/>
+              <a:rPr lang="en-US" sz="1200" dirty="0"/>
               <a:t>View</a:t>
             </a:r>
           </a:p>
           <a:p>
             <a:pPr algn="ctr"/>
             <a:r>
-              <a:rPr lang="en-US" sz="1200" dirty="0" smtClean="0"/>
+              <a:rPr lang="en-US" sz="1200" dirty="0"/>
               <a:t>Model</a:t>
             </a:r>
             <a:endParaRPr lang="en-SG" sz="1200" dirty="0"/>
@@ -4417,7 +5461,7 @@
           <a:p>
             <a:pPr algn="ctr"/>
             <a:r>
-              <a:rPr lang="en-US" sz="1200" dirty="0" smtClean="0"/>
+              <a:rPr lang="en-US" sz="1200" dirty="0"/>
               <a:t>View</a:t>
             </a:r>
           </a:p>
@@ -4436,7 +5480,7 @@
 </p:sld>
 </file>
 
-<file path=ppt/slides/slide4.xml><?xml version="1.0" encoding="utf-8"?>
+<file path=ppt/slides/slide7.xml><?xml version="1.0" encoding="utf-8"?>
 <p:sld xmlns:a="http://schemas.openxmlformats.org/drawingml/2006/main" xmlns:r="http://schemas.openxmlformats.org/officeDocument/2006/relationships" xmlns:p="http://schemas.openxmlformats.org/presentationml/2006/main">
   <p:cSld>
     <p:spTree>
@@ -4469,11 +5513,11 @@
           <a:lstStyle/>
           <a:p>
             <a:r>
-              <a:rPr lang="en-US" dirty="0" smtClean="0"/>
+              <a:rPr lang="en-US" dirty="0"/>
               <a:t>Model vs. </a:t>
             </a:r>
             <a:r>
-              <a:rPr lang="en-US" dirty="0" err="1" smtClean="0"/>
+              <a:rPr lang="en-US" dirty="0" err="1"/>
               <a:t>Datasource</a:t>
             </a:r>
             <a:endParaRPr lang="en-SG" dirty="0"/>
@@ -4496,24 +5540,24 @@
           <a:lstStyle/>
           <a:p>
             <a:r>
-              <a:rPr lang="en-US" dirty="0" smtClean="0"/>
+              <a:rPr lang="en-US" dirty="0"/>
               <a:t>Each model represents certain data you want in your app</a:t>
             </a:r>
           </a:p>
           <a:p>
             <a:pPr lvl="1"/>
             <a:r>
-              <a:rPr lang="en-US" dirty="0" smtClean="0"/>
+              <a:rPr lang="en-US" dirty="0"/>
               <a:t>e.g. Car model, Fruit model, House model</a:t>
             </a:r>
           </a:p>
           <a:p>
             <a:r>
-              <a:rPr lang="en-US" dirty="0" err="1" smtClean="0"/>
+              <a:rPr lang="en-US" dirty="0" err="1"/>
               <a:t>Datasource</a:t>
             </a:r>
             <a:r>
-              <a:rPr lang="en-US" dirty="0" smtClean="0"/>
+              <a:rPr lang="en-US" dirty="0"/>
               <a:t> is a separate class where you can create functions to handle different types of data models</a:t>
             </a:r>
             <a:endParaRPr lang="en-SG" dirty="0"/>
@@ -4533,7 +5577,7 @@
 </p:sld>
 </file>
 
-<file path=ppt/slides/slide5.xml><?xml version="1.0" encoding="utf-8"?>
+<file path=ppt/slides/slide8.xml><?xml version="1.0" encoding="utf-8"?>
 <p:sld xmlns:a="http://schemas.openxmlformats.org/drawingml/2006/main" xmlns:r="http://schemas.openxmlformats.org/officeDocument/2006/relationships" xmlns:p="http://schemas.openxmlformats.org/presentationml/2006/main">
   <p:cSld>
     <p:spTree>
@@ -4596,20 +5640,36 @@
         </p:nvSpPr>
         <p:spPr/>
         <p:txBody>
-          <a:bodyPr/>
-          <a:lstStyle/>
-          <a:p>
-            <a:r>
-              <a:rPr lang="en-SG" dirty="0"/>
+          <a:bodyPr>
+            <a:normAutofit/>
+          </a:bodyPr>
+          <a:lstStyle/>
+          <a:p>
+            <a:r>
+              <a:rPr lang="en-SG" sz="2400" dirty="0"/>
               <a:t>Method or Function?</a:t>
             </a:r>
           </a:p>
           <a:p>
             <a:pPr lvl="1"/>
             <a:r>
-              <a:rPr lang="en-SG" dirty="0"/>
-              <a:t>A method presumes the existence of an object (i.e. defined within a class), while a function is free and independent</a:t>
-            </a:r>
+              <a:rPr lang="en-SG" sz="2000" dirty="0"/>
+              <a:t>A method presumes the existence of an object (i.e. defined within a class), while a function is free and independent.</a:t>
+            </a:r>
+          </a:p>
+          <a:p>
+            <a:r>
+              <a:rPr lang="en-SG" sz="2400" dirty="0"/>
+              <a:t>Parameter or Argument?</a:t>
+            </a:r>
+          </a:p>
+          <a:p>
+            <a:pPr lvl="1"/>
+            <a:r>
+              <a:rPr lang="en-US" sz="2000" dirty="0"/>
+              <a:t>A parameter is variable declaration in the function/method definition. When the function/method is called, the arguments are the data you pass into its parameters.</a:t>
+            </a:r>
+            <a:endParaRPr lang="en-SG" sz="2000" dirty="0"/>
           </a:p>
         </p:txBody>
       </p:sp>
@@ -4626,7 +5686,7 @@
 </p:sld>
 </file>
 
-<file path=ppt/slides/slide6.xml><?xml version="1.0" encoding="utf-8"?>
+<file path=ppt/slides/slide9.xml><?xml version="1.0" encoding="utf-8"?>
 <p:sld xmlns:a="http://schemas.openxmlformats.org/drawingml/2006/main" xmlns:r="http://schemas.openxmlformats.org/officeDocument/2006/relationships" xmlns:p="http://schemas.openxmlformats.org/presentationml/2006/main">
   <p:cSld>
     <p:spTree>
@@ -4659,7 +5719,7 @@
           <a:lstStyle/>
           <a:p>
             <a:r>
-              <a:rPr lang="en-US" dirty="0" smtClean="0"/>
+              <a:rPr lang="en-US" dirty="0"/>
               <a:t>More concepts</a:t>
             </a:r>
             <a:endParaRPr lang="en-SG" dirty="0"/>
@@ -4682,41 +5742,33 @@
           <a:lstStyle/>
           <a:p>
             <a:r>
-              <a:rPr lang="en-US" dirty="0" smtClean="0"/>
+              <a:rPr lang="en-US" dirty="0"/>
               <a:t>Clean Architecture</a:t>
             </a:r>
           </a:p>
           <a:p>
             <a:r>
-              <a:rPr lang="en-US" dirty="0" smtClean="0"/>
+              <a:rPr lang="en-US" dirty="0"/>
               <a:t>MVVM Architecture</a:t>
             </a:r>
           </a:p>
           <a:p>
             <a:pPr lvl="1"/>
             <a:r>
-              <a:rPr lang="en-US" dirty="0" smtClean="0"/>
-              <a:t>Single </a:t>
-            </a:r>
-            <a:r>
               <a:rPr lang="en-US" dirty="0"/>
-              <a:t>Source of </a:t>
-            </a:r>
-            <a:r>
-              <a:rPr lang="en-US" dirty="0" smtClean="0"/>
-              <a:t>Truth </a:t>
-            </a:r>
-            <a:r>
-              <a:rPr lang="en-US" dirty="0" smtClean="0">
+              <a:t>Single Source of Truth </a:t>
+            </a:r>
+            <a:r>
+              <a:rPr lang="en-US" dirty="0">
                 <a:sym typeface="Wingdings" panose="05000000000000000000" pitchFamily="2" charset="2"/>
               </a:rPr>
               <a:t> to implement the repository pattern</a:t>
             </a:r>
-            <a:endParaRPr lang="en-US" dirty="0" smtClean="0"/>
-          </a:p>
-          <a:p>
-            <a:r>
-              <a:rPr lang="en-US" dirty="0" smtClean="0"/>
+            <a:endParaRPr lang="en-US" dirty="0"/>
+          </a:p>
+          <a:p>
+            <a:r>
+              <a:rPr lang="en-US" dirty="0"/>
               <a:t>Dependency Injection</a:t>
             </a:r>
           </a:p>
@@ -4725,19 +5777,13 @@
               <a:rPr lang="en-US" dirty="0">
                 <a:hlinkClick r:id="rId2"/>
               </a:rPr>
-              <a:t>https://</a:t>
-            </a:r>
-            <a:r>
-              <a:rPr lang="en-US" dirty="0" smtClean="0">
-                <a:hlinkClick r:id="rId2"/>
-              </a:rPr>
-              <a:t>developer.android.com/topic/architecture#recommended-app-arch</a:t>
-            </a:r>
-            <a:endParaRPr lang="en-US" dirty="0" smtClean="0"/>
-          </a:p>
-          <a:p>
-            <a:r>
-              <a:rPr lang="en-US" dirty="0" smtClean="0"/>
+              <a:t>https://developer.android.com/topic/architecture#recommended-app-arch</a:t>
+            </a:r>
+            <a:endParaRPr lang="en-US" dirty="0"/>
+          </a:p>
+          <a:p>
+            <a:r>
+              <a:rPr lang="en-US" dirty="0"/>
               <a:t>Data Access Object (DAO)</a:t>
             </a:r>
           </a:p>
@@ -5015,4 +6061,299 @@
     </a:ext>
   </a:extLst>
 </a:theme>
+</file>
+
+<file path=ppt/theme/theme2.xml><?xml version="1.0" encoding="utf-8"?>
+<a:theme xmlns:a="http://schemas.openxmlformats.org/drawingml/2006/main" name="Office Theme">
+  <a:themeElements>
+    <a:clrScheme name="Office">
+      <a:dk1>
+        <a:sysClr val="windowText" lastClr="000000"/>
+      </a:dk1>
+      <a:lt1>
+        <a:sysClr val="window" lastClr="FFFFFF"/>
+      </a:lt1>
+      <a:dk2>
+        <a:srgbClr val="44546A"/>
+      </a:dk2>
+      <a:lt2>
+        <a:srgbClr val="E7E6E6"/>
+      </a:lt2>
+      <a:accent1>
+        <a:srgbClr val="4472C4"/>
+      </a:accent1>
+      <a:accent2>
+        <a:srgbClr val="ED7D31"/>
+      </a:accent2>
+      <a:accent3>
+        <a:srgbClr val="A5A5A5"/>
+      </a:accent3>
+      <a:accent4>
+        <a:srgbClr val="FFC000"/>
+      </a:accent4>
+      <a:accent5>
+        <a:srgbClr val="5B9BD5"/>
+      </a:accent5>
+      <a:accent6>
+        <a:srgbClr val="70AD47"/>
+      </a:accent6>
+      <a:hlink>
+        <a:srgbClr val="0563C1"/>
+      </a:hlink>
+      <a:folHlink>
+        <a:srgbClr val="954F72"/>
+      </a:folHlink>
+    </a:clrScheme>
+    <a:fontScheme name="Office">
+      <a:majorFont>
+        <a:latin typeface="Calibri Light" panose="020F0302020204030204"/>
+        <a:ea typeface=""/>
+        <a:cs typeface=""/>
+        <a:font script="Jpan" typeface="游ゴシック Light"/>
+        <a:font script="Hang" typeface="맑은 고딕"/>
+        <a:font script="Hans" typeface="等线 Light"/>
+        <a:font script="Hant" typeface="新細明體"/>
+        <a:font script="Arab" typeface="Times New Roman"/>
+        <a:font script="Hebr" typeface="Times New Roman"/>
+        <a:font script="Thai" typeface="Angsana New"/>
+        <a:font script="Ethi" typeface="Nyala"/>
+        <a:font script="Beng" typeface="Vrinda"/>
+        <a:font script="Gujr" typeface="Shruti"/>
+        <a:font script="Khmr" typeface="MoolBoran"/>
+        <a:font script="Knda" typeface="Tunga"/>
+        <a:font script="Guru" typeface="Raavi"/>
+        <a:font script="Cans" typeface="Euphemia"/>
+        <a:font script="Cher" typeface="Plantagenet Cherokee"/>
+        <a:font script="Yiii" typeface="Microsoft Yi Baiti"/>
+        <a:font script="Tibt" typeface="Microsoft Himalaya"/>
+        <a:font script="Thaa" typeface="MV Boli"/>
+        <a:font script="Deva" typeface="Mangal"/>
+        <a:font script="Telu" typeface="Gautami"/>
+        <a:font script="Taml" typeface="Latha"/>
+        <a:font script="Syrc" typeface="Estrangelo Edessa"/>
+        <a:font script="Orya" typeface="Kalinga"/>
+        <a:font script="Mlym" typeface="Kartika"/>
+        <a:font script="Laoo" typeface="DokChampa"/>
+        <a:font script="Sinh" typeface="Iskoola Pota"/>
+        <a:font script="Mong" typeface="Mongolian Baiti"/>
+        <a:font script="Viet" typeface="Times New Roman"/>
+        <a:font script="Uigh" typeface="Microsoft Uighur"/>
+        <a:font script="Geor" typeface="Sylfaen"/>
+        <a:font script="Armn" typeface="Arial"/>
+        <a:font script="Bugi" typeface="Leelawadee UI"/>
+        <a:font script="Bopo" typeface="Microsoft JhengHei"/>
+        <a:font script="Java" typeface="Javanese Text"/>
+        <a:font script="Lisu" typeface="Segoe UI"/>
+        <a:font script="Mymr" typeface="Myanmar Text"/>
+        <a:font script="Nkoo" typeface="Ebrima"/>
+        <a:font script="Olck" typeface="Nirmala UI"/>
+        <a:font script="Osma" typeface="Ebrima"/>
+        <a:font script="Phag" typeface="Phagspa"/>
+        <a:font script="Syrn" typeface="Estrangelo Edessa"/>
+        <a:font script="Syrj" typeface="Estrangelo Edessa"/>
+        <a:font script="Syre" typeface="Estrangelo Edessa"/>
+        <a:font script="Sora" typeface="Nirmala UI"/>
+        <a:font script="Tale" typeface="Microsoft Tai Le"/>
+        <a:font script="Talu" typeface="Microsoft New Tai Lue"/>
+        <a:font script="Tfng" typeface="Ebrima"/>
+      </a:majorFont>
+      <a:minorFont>
+        <a:latin typeface="Calibri" panose="020F0502020204030204"/>
+        <a:ea typeface=""/>
+        <a:cs typeface=""/>
+        <a:font script="Jpan" typeface="游ゴシック"/>
+        <a:font script="Hang" typeface="맑은 고딕"/>
+        <a:font script="Hans" typeface="等线"/>
+        <a:font script="Hant" typeface="新細明體"/>
+        <a:font script="Arab" typeface="Arial"/>
+        <a:font script="Hebr" typeface="Arial"/>
+        <a:font script="Thai" typeface="Cordia New"/>
+        <a:font script="Ethi" typeface="Nyala"/>
+        <a:font script="Beng" typeface="Vrinda"/>
+        <a:font script="Gujr" typeface="Shruti"/>
+        <a:font script="Khmr" typeface="DaunPenh"/>
+        <a:font script="Knda" typeface="Tunga"/>
+        <a:font script="Guru" typeface="Raavi"/>
+        <a:font script="Cans" typeface="Euphemia"/>
+        <a:font script="Cher" typeface="Plantagenet Cherokee"/>
+        <a:font script="Yiii" typeface="Microsoft Yi Baiti"/>
+        <a:font script="Tibt" typeface="Microsoft Himalaya"/>
+        <a:font script="Thaa" typeface="MV Boli"/>
+        <a:font script="Deva" typeface="Mangal"/>
+        <a:font script="Telu" typeface="Gautami"/>
+        <a:font script="Taml" typeface="Latha"/>
+        <a:font script="Syrc" typeface="Estrangelo Edessa"/>
+        <a:font script="Orya" typeface="Kalinga"/>
+        <a:font script="Mlym" typeface="Kartika"/>
+        <a:font script="Laoo" typeface="DokChampa"/>
+        <a:font script="Sinh" typeface="Iskoola Pota"/>
+        <a:font script="Mong" typeface="Mongolian Baiti"/>
+        <a:font script="Viet" typeface="Arial"/>
+        <a:font script="Uigh" typeface="Microsoft Uighur"/>
+        <a:font script="Geor" typeface="Sylfaen"/>
+        <a:font script="Armn" typeface="Arial"/>
+        <a:font script="Bugi" typeface="Leelawadee UI"/>
+        <a:font script="Bopo" typeface="Microsoft JhengHei"/>
+        <a:font script="Java" typeface="Javanese Text"/>
+        <a:font script="Lisu" typeface="Segoe UI"/>
+        <a:font script="Mymr" typeface="Myanmar Text"/>
+        <a:font script="Nkoo" typeface="Ebrima"/>
+        <a:font script="Olck" typeface="Nirmala UI"/>
+        <a:font script="Osma" typeface="Ebrima"/>
+        <a:font script="Phag" typeface="Phagspa"/>
+        <a:font script="Syrn" typeface="Estrangelo Edessa"/>
+        <a:font script="Syrj" typeface="Estrangelo Edessa"/>
+        <a:font script="Syre" typeface="Estrangelo Edessa"/>
+        <a:font script="Sora" typeface="Nirmala UI"/>
+        <a:font script="Tale" typeface="Microsoft Tai Le"/>
+        <a:font script="Talu" typeface="Microsoft New Tai Lue"/>
+        <a:font script="Tfng" typeface="Ebrima"/>
+      </a:minorFont>
+    </a:fontScheme>
+    <a:fmtScheme name="Office">
+      <a:fillStyleLst>
+        <a:solidFill>
+          <a:schemeClr val="phClr"/>
+        </a:solidFill>
+        <a:gradFill rotWithShape="1">
+          <a:gsLst>
+            <a:gs pos="0">
+              <a:schemeClr val="phClr">
+                <a:lumMod val="110000"/>
+                <a:satMod val="105000"/>
+                <a:tint val="67000"/>
+              </a:schemeClr>
+            </a:gs>
+            <a:gs pos="50000">
+              <a:schemeClr val="phClr">
+                <a:lumMod val="105000"/>
+                <a:satMod val="103000"/>
+                <a:tint val="73000"/>
+              </a:schemeClr>
+            </a:gs>
+            <a:gs pos="100000">
+              <a:schemeClr val="phClr">
+                <a:lumMod val="105000"/>
+                <a:satMod val="109000"/>
+                <a:tint val="81000"/>
+              </a:schemeClr>
+            </a:gs>
+          </a:gsLst>
+          <a:lin ang="5400000" scaled="0"/>
+        </a:gradFill>
+        <a:gradFill rotWithShape="1">
+          <a:gsLst>
+            <a:gs pos="0">
+              <a:schemeClr val="phClr">
+                <a:satMod val="103000"/>
+                <a:lumMod val="102000"/>
+                <a:tint val="94000"/>
+              </a:schemeClr>
+            </a:gs>
+            <a:gs pos="50000">
+              <a:schemeClr val="phClr">
+                <a:satMod val="110000"/>
+                <a:lumMod val="100000"/>
+                <a:shade val="100000"/>
+              </a:schemeClr>
+            </a:gs>
+            <a:gs pos="100000">
+              <a:schemeClr val="phClr">
+                <a:lumMod val="99000"/>
+                <a:satMod val="120000"/>
+                <a:shade val="78000"/>
+              </a:schemeClr>
+            </a:gs>
+          </a:gsLst>
+          <a:lin ang="5400000" scaled="0"/>
+        </a:gradFill>
+      </a:fillStyleLst>
+      <a:lnStyleLst>
+        <a:ln w="6350" cap="flat" cmpd="sng" algn="ctr">
+          <a:solidFill>
+            <a:schemeClr val="phClr"/>
+          </a:solidFill>
+          <a:prstDash val="solid"/>
+          <a:miter lim="800000"/>
+        </a:ln>
+        <a:ln w="12700" cap="flat" cmpd="sng" algn="ctr">
+          <a:solidFill>
+            <a:schemeClr val="phClr"/>
+          </a:solidFill>
+          <a:prstDash val="solid"/>
+          <a:miter lim="800000"/>
+        </a:ln>
+        <a:ln w="19050" cap="flat" cmpd="sng" algn="ctr">
+          <a:solidFill>
+            <a:schemeClr val="phClr"/>
+          </a:solidFill>
+          <a:prstDash val="solid"/>
+          <a:miter lim="800000"/>
+        </a:ln>
+      </a:lnStyleLst>
+      <a:effectStyleLst>
+        <a:effectStyle>
+          <a:effectLst/>
+        </a:effectStyle>
+        <a:effectStyle>
+          <a:effectLst/>
+        </a:effectStyle>
+        <a:effectStyle>
+          <a:effectLst>
+            <a:outerShdw blurRad="57150" dist="19050" dir="5400000" algn="ctr" rotWithShape="0">
+              <a:srgbClr val="000000">
+                <a:alpha val="63000"/>
+              </a:srgbClr>
+            </a:outerShdw>
+          </a:effectLst>
+        </a:effectStyle>
+      </a:effectStyleLst>
+      <a:bgFillStyleLst>
+        <a:solidFill>
+          <a:schemeClr val="phClr"/>
+        </a:solidFill>
+        <a:solidFill>
+          <a:schemeClr val="phClr">
+            <a:tint val="95000"/>
+            <a:satMod val="170000"/>
+          </a:schemeClr>
+        </a:solidFill>
+        <a:gradFill rotWithShape="1">
+          <a:gsLst>
+            <a:gs pos="0">
+              <a:schemeClr val="phClr">
+                <a:tint val="93000"/>
+                <a:satMod val="150000"/>
+                <a:shade val="98000"/>
+                <a:lumMod val="102000"/>
+              </a:schemeClr>
+            </a:gs>
+            <a:gs pos="50000">
+              <a:schemeClr val="phClr">
+                <a:tint val="98000"/>
+                <a:satMod val="130000"/>
+                <a:shade val="90000"/>
+                <a:lumMod val="103000"/>
+              </a:schemeClr>
+            </a:gs>
+            <a:gs pos="100000">
+              <a:schemeClr val="phClr">
+                <a:shade val="63000"/>
+                <a:satMod val="120000"/>
+              </a:schemeClr>
+            </a:gs>
+          </a:gsLst>
+          <a:lin ang="5400000" scaled="0"/>
+        </a:gradFill>
+      </a:bgFillStyleLst>
+    </a:fmtScheme>
+  </a:themeElements>
+  <a:objectDefaults/>
+  <a:extraClrSchemeLst/>
+  <a:extLst>
+    <a:ext uri="{05A4C25C-085E-4340-85A3-A5531E510DB2}">
+      <thm15:themeFamily xmlns:thm15="http://schemas.microsoft.com/office/thememl/2012/main" name="Office Theme" id="{62F939B6-93AF-4DB8-9C6B-D6C7DFDC589F}" vid="{4A3C46E8-61CC-4603-A589-7422A47A8E4A}"/>
+    </a:ext>
+  </a:extLst>
+</a:theme>
 </file>
--- a/Android Basics in Kotlin.pptx
+++ b/Android Basics in Kotlin.pptx
@@ -5,18 +5,24 @@
     <p:sldMasterId id="2147483648" r:id="rId1"/>
   </p:sldMasterIdLst>
   <p:notesMasterIdLst>
-    <p:notesMasterId r:id="rId11"/>
+    <p:notesMasterId r:id="rId17"/>
   </p:notesMasterIdLst>
   <p:sldIdLst>
     <p:sldId id="256" r:id="rId2"/>
     <p:sldId id="262" r:id="rId3"/>
     <p:sldId id="263" r:id="rId4"/>
     <p:sldId id="264" r:id="rId5"/>
-    <p:sldId id="257" r:id="rId6"/>
-    <p:sldId id="258" r:id="rId7"/>
-    <p:sldId id="260" r:id="rId8"/>
-    <p:sldId id="259" r:id="rId9"/>
-    <p:sldId id="261" r:id="rId10"/>
+    <p:sldId id="265" r:id="rId6"/>
+    <p:sldId id="257" r:id="rId7"/>
+    <p:sldId id="258" r:id="rId8"/>
+    <p:sldId id="260" r:id="rId9"/>
+    <p:sldId id="259" r:id="rId10"/>
+    <p:sldId id="261" r:id="rId11"/>
+    <p:sldId id="267" r:id="rId12"/>
+    <p:sldId id="268" r:id="rId13"/>
+    <p:sldId id="269" r:id="rId14"/>
+    <p:sldId id="270" r:id="rId15"/>
+    <p:sldId id="266" r:id="rId16"/>
   </p:sldIdLst>
   <p:sldSz cx="12192000" cy="6858000"/>
   <p:notesSz cx="6858000" cy="9144000"/>
@@ -128,6 +134,7 @@
         <p14:section name="All About Testing" id="{1760EBF3-D43D-40CE-8F81-D3B0E7B48B84}">
           <p14:sldIdLst>
             <p14:sldId id="264"/>
+            <p14:sldId id="265"/>
           </p14:sldIdLst>
         </p14:section>
         <p14:section name="Adapter &gt; ViewHolder &gt; RecyclerView" id="{ED2873D2-7274-4F37-9EA1-29B6BCF376E0}">
@@ -137,6 +144,15 @@
             <p14:sldId id="260"/>
             <p14:sldId id="259"/>
             <p14:sldId id="261"/>
+          </p14:sldIdLst>
+        </p14:section>
+        <p14:section name="CI/CD" id="{E6169A93-43D0-47AB-A84E-FB0E09D06245}">
+          <p14:sldIdLst>
+            <p14:sldId id="267"/>
+            <p14:sldId id="268"/>
+            <p14:sldId id="269"/>
+            <p14:sldId id="270"/>
+            <p14:sldId id="266"/>
           </p14:sldIdLst>
         </p14:section>
       </p14:sectionLst>
@@ -230,7 +246,7 @@
           <a:p>
             <a:fld id="{20B40D95-F8C5-4C4C-B8B1-7273D807A246}" type="datetimeFigureOut">
               <a:rPr lang="en-SG" smtClean="0"/>
-              <a:t>4/6/2022</a:t>
+              <a:t>7/6/2022</a:t>
             </a:fld>
             <a:endParaRPr lang="en-SG"/>
           </a:p>
@@ -563,7 +579,7 @@
           <a:p>
             <a:fld id="{0D292F0F-6BB4-4714-BDBB-674EE16F5C0C}" type="slidenum">
               <a:rPr lang="en-SG" smtClean="0"/>
-              <a:t>6</a:t>
+              <a:t>7</a:t>
             </a:fld>
             <a:endParaRPr lang="en-SG"/>
           </a:p>
@@ -573,6 +589,93 @@
     <p:extLst>
       <p:ext uri="{BB962C8B-B14F-4D97-AF65-F5344CB8AC3E}">
         <p14:creationId xmlns:p14="http://schemas.microsoft.com/office/powerpoint/2010/main" val="1518538729"/>
+      </p:ext>
+    </p:extLst>
+  </p:cSld>
+  <p:clrMapOvr>
+    <a:masterClrMapping/>
+  </p:clrMapOvr>
+</p:notes>
+</file>
+
+<file path=ppt/notesSlides/notesSlide2.xml><?xml version="1.0" encoding="utf-8"?>
+<p:notes xmlns:a="http://schemas.openxmlformats.org/drawingml/2006/main" xmlns:r="http://schemas.openxmlformats.org/officeDocument/2006/relationships" xmlns:p="http://schemas.openxmlformats.org/presentationml/2006/main">
+  <p:cSld>
+    <p:spTree>
+      <p:nvGrpSpPr>
+        <p:cNvPr id="1" name=""/>
+        <p:cNvGrpSpPr/>
+        <p:nvPr/>
+      </p:nvGrpSpPr>
+      <p:grpSpPr>
+        <a:xfrm>
+          <a:off x="0" y="0"/>
+          <a:ext cx="0" cy="0"/>
+          <a:chOff x="0" y="0"/>
+          <a:chExt cx="0" cy="0"/>
+        </a:xfrm>
+      </p:grpSpPr>
+      <p:sp>
+        <p:nvSpPr>
+          <p:cNvPr id="2" name="Slide Image Placeholder 1"/>
+          <p:cNvSpPr>
+            <a:spLocks noGrp="1" noRot="1" noChangeAspect="1"/>
+          </p:cNvSpPr>
+          <p:nvPr>
+            <p:ph type="sldImg"/>
+          </p:nvPr>
+        </p:nvSpPr>
+        <p:spPr/>
+      </p:sp>
+      <p:sp>
+        <p:nvSpPr>
+          <p:cNvPr id="3" name="Notes Placeholder 2"/>
+          <p:cNvSpPr>
+            <a:spLocks noGrp="1"/>
+          </p:cNvSpPr>
+          <p:nvPr>
+            <p:ph type="body" idx="1"/>
+          </p:nvPr>
+        </p:nvSpPr>
+        <p:spPr/>
+        <p:txBody>
+          <a:bodyPr/>
+          <a:lstStyle/>
+          <a:p>
+            <a:r>
+              <a:rPr lang="en-SG" dirty="0"/>
+              <a:t>https://www.youtube.com/watch?v=BDIOx1QySQs</a:t>
+            </a:r>
+          </a:p>
+        </p:txBody>
+      </p:sp>
+      <p:sp>
+        <p:nvSpPr>
+          <p:cNvPr id="4" name="Slide Number Placeholder 3"/>
+          <p:cNvSpPr>
+            <a:spLocks noGrp="1"/>
+          </p:cNvSpPr>
+          <p:nvPr>
+            <p:ph type="sldNum" sz="quarter" idx="5"/>
+          </p:nvPr>
+        </p:nvSpPr>
+        <p:spPr/>
+        <p:txBody>
+          <a:bodyPr/>
+          <a:lstStyle/>
+          <a:p>
+            <a:fld id="{0D292F0F-6BB4-4714-BDBB-674EE16F5C0C}" type="slidenum">
+              <a:rPr lang="en-SG" smtClean="0"/>
+              <a:t>14</a:t>
+            </a:fld>
+            <a:endParaRPr lang="en-SG"/>
+          </a:p>
+        </p:txBody>
+      </p:sp>
+    </p:spTree>
+    <p:extLst>
+      <p:ext uri="{BB962C8B-B14F-4D97-AF65-F5344CB8AC3E}">
+        <p14:creationId xmlns:p14="http://schemas.microsoft.com/office/powerpoint/2010/main" val="2074408122"/>
       </p:ext>
     </p:extLst>
   </p:cSld>
@@ -713,7 +816,7 @@
           <a:p>
             <a:fld id="{D0255EFB-A077-440B-BB8F-918E450D588D}" type="datetimeFigureOut">
               <a:rPr lang="en-SG" smtClean="0"/>
-              <a:t>4/6/2022</a:t>
+              <a:t>7/6/2022</a:t>
             </a:fld>
             <a:endParaRPr lang="en-SG"/>
           </a:p>
@@ -883,7 +986,7 @@
           <a:p>
             <a:fld id="{D0255EFB-A077-440B-BB8F-918E450D588D}" type="datetimeFigureOut">
               <a:rPr lang="en-SG" smtClean="0"/>
-              <a:t>4/6/2022</a:t>
+              <a:t>7/6/2022</a:t>
             </a:fld>
             <a:endParaRPr lang="en-SG"/>
           </a:p>
@@ -1063,7 +1166,7 @@
           <a:p>
             <a:fld id="{D0255EFB-A077-440B-BB8F-918E450D588D}" type="datetimeFigureOut">
               <a:rPr lang="en-SG" smtClean="0"/>
-              <a:t>4/6/2022</a:t>
+              <a:t>7/6/2022</a:t>
             </a:fld>
             <a:endParaRPr lang="en-SG"/>
           </a:p>
@@ -1233,7 +1336,7 @@
           <a:p>
             <a:fld id="{D0255EFB-A077-440B-BB8F-918E450D588D}" type="datetimeFigureOut">
               <a:rPr lang="en-SG" smtClean="0"/>
-              <a:t>4/6/2022</a:t>
+              <a:t>7/6/2022</a:t>
             </a:fld>
             <a:endParaRPr lang="en-SG"/>
           </a:p>
@@ -1479,7 +1582,7 @@
           <a:p>
             <a:fld id="{D0255EFB-A077-440B-BB8F-918E450D588D}" type="datetimeFigureOut">
               <a:rPr lang="en-SG" smtClean="0"/>
-              <a:t>4/6/2022</a:t>
+              <a:t>7/6/2022</a:t>
             </a:fld>
             <a:endParaRPr lang="en-SG"/>
           </a:p>
@@ -1711,7 +1814,7 @@
           <a:p>
             <a:fld id="{D0255EFB-A077-440B-BB8F-918E450D588D}" type="datetimeFigureOut">
               <a:rPr lang="en-SG" smtClean="0"/>
-              <a:t>4/6/2022</a:t>
+              <a:t>7/6/2022</a:t>
             </a:fld>
             <a:endParaRPr lang="en-SG"/>
           </a:p>
@@ -2078,7 +2181,7 @@
           <a:p>
             <a:fld id="{D0255EFB-A077-440B-BB8F-918E450D588D}" type="datetimeFigureOut">
               <a:rPr lang="en-SG" smtClean="0"/>
-              <a:t>4/6/2022</a:t>
+              <a:t>7/6/2022</a:t>
             </a:fld>
             <a:endParaRPr lang="en-SG"/>
           </a:p>
@@ -2196,7 +2299,7 @@
           <a:p>
             <a:fld id="{D0255EFB-A077-440B-BB8F-918E450D588D}" type="datetimeFigureOut">
               <a:rPr lang="en-SG" smtClean="0"/>
-              <a:t>4/6/2022</a:t>
+              <a:t>7/6/2022</a:t>
             </a:fld>
             <a:endParaRPr lang="en-SG"/>
           </a:p>
@@ -2291,7 +2394,7 @@
           <a:p>
             <a:fld id="{D0255EFB-A077-440B-BB8F-918E450D588D}" type="datetimeFigureOut">
               <a:rPr lang="en-SG" smtClean="0"/>
-              <a:t>4/6/2022</a:t>
+              <a:t>7/6/2022</a:t>
             </a:fld>
             <a:endParaRPr lang="en-SG"/>
           </a:p>
@@ -2568,7 +2671,7 @@
           <a:p>
             <a:fld id="{D0255EFB-A077-440B-BB8F-918E450D588D}" type="datetimeFigureOut">
               <a:rPr lang="en-SG" smtClean="0"/>
-              <a:t>4/6/2022</a:t>
+              <a:t>7/6/2022</a:t>
             </a:fld>
             <a:endParaRPr lang="en-SG"/>
           </a:p>
@@ -2821,7 +2924,7 @@
           <a:p>
             <a:fld id="{D0255EFB-A077-440B-BB8F-918E450D588D}" type="datetimeFigureOut">
               <a:rPr lang="en-SG" smtClean="0"/>
-              <a:t>4/6/2022</a:t>
+              <a:t>7/6/2022</a:t>
             </a:fld>
             <a:endParaRPr lang="en-SG"/>
           </a:p>
@@ -3034,7 +3137,7 @@
           <a:p>
             <a:fld id="{D0255EFB-A077-440B-BB8F-918E450D588D}" type="datetimeFigureOut">
               <a:rPr lang="en-SG" smtClean="0"/>
-              <a:t>4/6/2022</a:t>
+              <a:t>7/6/2022</a:t>
             </a:fld>
             <a:endParaRPr lang="en-SG"/>
           </a:p>
@@ -3502,6 +3605,529 @@
 </p:sld>
 </file>
 
+<file path=ppt/slides/slide10.xml><?xml version="1.0" encoding="utf-8"?>
+<p:sld xmlns:a="http://schemas.openxmlformats.org/drawingml/2006/main" xmlns:r="http://schemas.openxmlformats.org/officeDocument/2006/relationships" xmlns:p="http://schemas.openxmlformats.org/presentationml/2006/main">
+  <p:cSld>
+    <p:spTree>
+      <p:nvGrpSpPr>
+        <p:cNvPr id="1" name=""/>
+        <p:cNvGrpSpPr/>
+        <p:nvPr/>
+      </p:nvGrpSpPr>
+      <p:grpSpPr>
+        <a:xfrm>
+          <a:off x="0" y="0"/>
+          <a:ext cx="0" cy="0"/>
+          <a:chOff x="0" y="0"/>
+          <a:chExt cx="0" cy="0"/>
+        </a:xfrm>
+      </p:grpSpPr>
+      <p:sp>
+        <p:nvSpPr>
+          <p:cNvPr id="2" name="Title 1"/>
+          <p:cNvSpPr>
+            <a:spLocks noGrp="1"/>
+          </p:cNvSpPr>
+          <p:nvPr>
+            <p:ph type="title"/>
+          </p:nvPr>
+        </p:nvSpPr>
+        <p:spPr/>
+        <p:txBody>
+          <a:bodyPr/>
+          <a:lstStyle/>
+          <a:p>
+            <a:r>
+              <a:rPr lang="en-US" dirty="0"/>
+              <a:t>More concepts</a:t>
+            </a:r>
+            <a:endParaRPr lang="en-SG" dirty="0"/>
+          </a:p>
+        </p:txBody>
+      </p:sp>
+      <p:sp>
+        <p:nvSpPr>
+          <p:cNvPr id="3" name="Content Placeholder 2"/>
+          <p:cNvSpPr>
+            <a:spLocks noGrp="1"/>
+          </p:cNvSpPr>
+          <p:nvPr>
+            <p:ph idx="1"/>
+          </p:nvPr>
+        </p:nvSpPr>
+        <p:spPr/>
+        <p:txBody>
+          <a:bodyPr/>
+          <a:lstStyle/>
+          <a:p>
+            <a:r>
+              <a:rPr lang="en-US" dirty="0"/>
+              <a:t>Clean Architecture</a:t>
+            </a:r>
+          </a:p>
+          <a:p>
+            <a:r>
+              <a:rPr lang="en-US" dirty="0"/>
+              <a:t>MVVM Architecture</a:t>
+            </a:r>
+          </a:p>
+          <a:p>
+            <a:pPr lvl="1"/>
+            <a:r>
+              <a:rPr lang="en-US" dirty="0"/>
+              <a:t>Single Source of Truth </a:t>
+            </a:r>
+            <a:r>
+              <a:rPr lang="en-US" dirty="0">
+                <a:sym typeface="Wingdings" panose="05000000000000000000" pitchFamily="2" charset="2"/>
+              </a:rPr>
+              <a:t> to implement the repository pattern</a:t>
+            </a:r>
+            <a:endParaRPr lang="en-US" dirty="0"/>
+          </a:p>
+          <a:p>
+            <a:r>
+              <a:rPr lang="en-US" dirty="0"/>
+              <a:t>Dependency Injection</a:t>
+            </a:r>
+          </a:p>
+          <a:p>
+            <a:r>
+              <a:rPr lang="en-US" dirty="0">
+                <a:hlinkClick r:id="rId2"/>
+              </a:rPr>
+              <a:t>https://developer.android.com/topic/architecture#recommended-app-arch</a:t>
+            </a:r>
+            <a:endParaRPr lang="en-US" dirty="0"/>
+          </a:p>
+          <a:p>
+            <a:r>
+              <a:rPr lang="en-US" dirty="0"/>
+              <a:t>Data Access Object (DAO)</a:t>
+            </a:r>
+          </a:p>
+        </p:txBody>
+      </p:sp>
+    </p:spTree>
+    <p:extLst>
+      <p:ext uri="{BB962C8B-B14F-4D97-AF65-F5344CB8AC3E}">
+        <p14:creationId xmlns:p14="http://schemas.microsoft.com/office/powerpoint/2010/main" val="1846938743"/>
+      </p:ext>
+    </p:extLst>
+  </p:cSld>
+  <p:clrMapOvr>
+    <a:masterClrMapping/>
+  </p:clrMapOvr>
+</p:sld>
+</file>
+
+<file path=ppt/slides/slide11.xml><?xml version="1.0" encoding="utf-8"?>
+<p:sld xmlns:a="http://schemas.openxmlformats.org/drawingml/2006/main" xmlns:r="http://schemas.openxmlformats.org/officeDocument/2006/relationships" xmlns:p="http://schemas.openxmlformats.org/presentationml/2006/main">
+  <p:cSld>
+    <p:spTree>
+      <p:nvGrpSpPr>
+        <p:cNvPr id="1" name=""/>
+        <p:cNvGrpSpPr/>
+        <p:nvPr/>
+      </p:nvGrpSpPr>
+      <p:grpSpPr>
+        <a:xfrm>
+          <a:off x="0" y="0"/>
+          <a:ext cx="0" cy="0"/>
+          <a:chOff x="0" y="0"/>
+          <a:chExt cx="0" cy="0"/>
+        </a:xfrm>
+      </p:grpSpPr>
+      <p:sp>
+        <p:nvSpPr>
+          <p:cNvPr id="2" name="Title 1">
+            <a:extLst>
+              <a:ext uri="{FF2B5EF4-FFF2-40B4-BE49-F238E27FC236}">
+                <a16:creationId xmlns:a16="http://schemas.microsoft.com/office/drawing/2014/main" id="{BB8E556B-5B6F-4633-A2EB-7FE36D45D86C}"/>
+              </a:ext>
+            </a:extLst>
+          </p:cNvPr>
+          <p:cNvSpPr>
+            <a:spLocks noGrp="1"/>
+          </p:cNvSpPr>
+          <p:nvPr>
+            <p:ph type="title"/>
+          </p:nvPr>
+        </p:nvSpPr>
+        <p:spPr/>
+        <p:txBody>
+          <a:bodyPr/>
+          <a:lstStyle/>
+          <a:p>
+            <a:r>
+              <a:rPr lang="en-SG" dirty="0"/>
+              <a:t>What is it??? Too abstract???</a:t>
+            </a:r>
+          </a:p>
+        </p:txBody>
+      </p:sp>
+      <p:sp>
+        <p:nvSpPr>
+          <p:cNvPr id="3" name="Content Placeholder 2">
+            <a:extLst>
+              <a:ext uri="{FF2B5EF4-FFF2-40B4-BE49-F238E27FC236}">
+                <a16:creationId xmlns:a16="http://schemas.microsoft.com/office/drawing/2014/main" id="{3623A9E3-951A-43B9-A39D-3EAC2F574922}"/>
+              </a:ext>
+            </a:extLst>
+          </p:cNvPr>
+          <p:cNvSpPr>
+            <a:spLocks noGrp="1"/>
+          </p:cNvSpPr>
+          <p:nvPr>
+            <p:ph idx="1"/>
+          </p:nvPr>
+        </p:nvSpPr>
+        <p:spPr/>
+        <p:txBody>
+          <a:bodyPr/>
+          <a:lstStyle/>
+          <a:p>
+            <a:r>
+              <a:rPr lang="en-SG" dirty="0"/>
+              <a:t>Releasing mobile apps without the right tooling is a complex process</a:t>
+            </a:r>
+          </a:p>
+          <a:p>
+            <a:r>
+              <a:rPr lang="en-SG" dirty="0"/>
+              <a:t>A mobile-focused CI/CD tool considers the unique challenges of building for mobile and has mobile-first features that help you build, test, and deploy mobile apps faster and more efficiently</a:t>
+            </a:r>
+          </a:p>
+        </p:txBody>
+      </p:sp>
+      <p:pic>
+        <p:nvPicPr>
+          <p:cNvPr id="5" name="Picture 4">
+            <a:extLst>
+              <a:ext uri="{FF2B5EF4-FFF2-40B4-BE49-F238E27FC236}">
+                <a16:creationId xmlns:a16="http://schemas.microsoft.com/office/drawing/2014/main" id="{314E9E67-3284-4D9A-BE30-A7E239A8DAB2}"/>
+              </a:ext>
+            </a:extLst>
+          </p:cNvPr>
+          <p:cNvPicPr>
+            <a:picLocks noChangeAspect="1"/>
+          </p:cNvPicPr>
+          <p:nvPr/>
+        </p:nvPicPr>
+        <p:blipFill>
+          <a:blip r:embed="rId2"/>
+          <a:stretch>
+            <a:fillRect/>
+          </a:stretch>
+        </p:blipFill>
+        <p:spPr>
+          <a:xfrm>
+            <a:off x="2068481" y="3899077"/>
+            <a:ext cx="8055038" cy="2133785"/>
+          </a:xfrm>
+          <a:prstGeom prst="rect">
+            <a:avLst/>
+          </a:prstGeom>
+        </p:spPr>
+      </p:pic>
+    </p:spTree>
+    <p:extLst>
+      <p:ext uri="{BB962C8B-B14F-4D97-AF65-F5344CB8AC3E}">
+        <p14:creationId xmlns:p14="http://schemas.microsoft.com/office/powerpoint/2010/main" val="2703211824"/>
+      </p:ext>
+    </p:extLst>
+  </p:cSld>
+  <p:clrMapOvr>
+    <a:masterClrMapping/>
+  </p:clrMapOvr>
+</p:sld>
+</file>
+
+<file path=ppt/slides/slide12.xml><?xml version="1.0" encoding="utf-8"?>
+<p:sld xmlns:a="http://schemas.openxmlformats.org/drawingml/2006/main" xmlns:r="http://schemas.openxmlformats.org/officeDocument/2006/relationships" xmlns:p="http://schemas.openxmlformats.org/presentationml/2006/main">
+  <p:cSld>
+    <p:spTree>
+      <p:nvGrpSpPr>
+        <p:cNvPr id="1" name=""/>
+        <p:cNvGrpSpPr/>
+        <p:nvPr/>
+      </p:nvGrpSpPr>
+      <p:grpSpPr>
+        <a:xfrm>
+          <a:off x="0" y="0"/>
+          <a:ext cx="0" cy="0"/>
+          <a:chOff x="0" y="0"/>
+          <a:chExt cx="0" cy="0"/>
+        </a:xfrm>
+      </p:grpSpPr>
+      <p:pic>
+        <p:nvPicPr>
+          <p:cNvPr id="5" name="Picture 4">
+            <a:extLst>
+              <a:ext uri="{FF2B5EF4-FFF2-40B4-BE49-F238E27FC236}">
+                <a16:creationId xmlns:a16="http://schemas.microsoft.com/office/drawing/2014/main" id="{5EBC8D79-2182-445E-9A49-630601D5D1D1}"/>
+              </a:ext>
+            </a:extLst>
+          </p:cNvPr>
+          <p:cNvPicPr>
+            <a:picLocks noChangeAspect="1"/>
+          </p:cNvPicPr>
+          <p:nvPr/>
+        </p:nvPicPr>
+        <p:blipFill>
+          <a:blip r:embed="rId2"/>
+          <a:stretch>
+            <a:fillRect/>
+          </a:stretch>
+        </p:blipFill>
+        <p:spPr>
+          <a:xfrm>
+            <a:off x="2182791" y="1192336"/>
+            <a:ext cx="7826418" cy="4473328"/>
+          </a:xfrm>
+          <a:prstGeom prst="rect">
+            <a:avLst/>
+          </a:prstGeom>
+        </p:spPr>
+      </p:pic>
+    </p:spTree>
+    <p:extLst>
+      <p:ext uri="{BB962C8B-B14F-4D97-AF65-F5344CB8AC3E}">
+        <p14:creationId xmlns:p14="http://schemas.microsoft.com/office/powerpoint/2010/main" val="2121470994"/>
+      </p:ext>
+    </p:extLst>
+  </p:cSld>
+  <p:clrMapOvr>
+    <a:masterClrMapping/>
+  </p:clrMapOvr>
+</p:sld>
+</file>
+
+<file path=ppt/slides/slide13.xml><?xml version="1.0" encoding="utf-8"?>
+<p:sld xmlns:a="http://schemas.openxmlformats.org/drawingml/2006/main" xmlns:r="http://schemas.openxmlformats.org/officeDocument/2006/relationships" xmlns:p="http://schemas.openxmlformats.org/presentationml/2006/main">
+  <p:cSld>
+    <p:spTree>
+      <p:nvGrpSpPr>
+        <p:cNvPr id="1" name=""/>
+        <p:cNvGrpSpPr/>
+        <p:nvPr/>
+      </p:nvGrpSpPr>
+      <p:grpSpPr>
+        <a:xfrm>
+          <a:off x="0" y="0"/>
+          <a:ext cx="0" cy="0"/>
+          <a:chOff x="0" y="0"/>
+          <a:chExt cx="0" cy="0"/>
+        </a:xfrm>
+      </p:grpSpPr>
+      <p:pic>
+        <p:nvPicPr>
+          <p:cNvPr id="5" name="Picture 4">
+            <a:extLst>
+              <a:ext uri="{FF2B5EF4-FFF2-40B4-BE49-F238E27FC236}">
+                <a16:creationId xmlns:a16="http://schemas.microsoft.com/office/drawing/2014/main" id="{D68E7847-9FDA-401C-B3F9-95A075E9007B}"/>
+              </a:ext>
+            </a:extLst>
+          </p:cNvPr>
+          <p:cNvPicPr>
+            <a:picLocks noChangeAspect="1"/>
+          </p:cNvPicPr>
+          <p:nvPr/>
+        </p:nvPicPr>
+        <p:blipFill>
+          <a:blip r:embed="rId2"/>
+          <a:stretch>
+            <a:fillRect/>
+          </a:stretch>
+        </p:blipFill>
+        <p:spPr>
+          <a:xfrm>
+            <a:off x="3142994" y="1874385"/>
+            <a:ext cx="5906012" cy="3109229"/>
+          </a:xfrm>
+          <a:prstGeom prst="rect">
+            <a:avLst/>
+          </a:prstGeom>
+        </p:spPr>
+      </p:pic>
+    </p:spTree>
+    <p:extLst>
+      <p:ext uri="{BB962C8B-B14F-4D97-AF65-F5344CB8AC3E}">
+        <p14:creationId xmlns:p14="http://schemas.microsoft.com/office/powerpoint/2010/main" val="3053882218"/>
+      </p:ext>
+    </p:extLst>
+  </p:cSld>
+  <p:clrMapOvr>
+    <a:masterClrMapping/>
+  </p:clrMapOvr>
+</p:sld>
+</file>
+
+<file path=ppt/slides/slide14.xml><?xml version="1.0" encoding="utf-8"?>
+<p:sld xmlns:a="http://schemas.openxmlformats.org/drawingml/2006/main" xmlns:r="http://schemas.openxmlformats.org/officeDocument/2006/relationships" xmlns:p="http://schemas.openxmlformats.org/presentationml/2006/main">
+  <p:cSld>
+    <p:spTree>
+      <p:nvGrpSpPr>
+        <p:cNvPr id="1" name=""/>
+        <p:cNvGrpSpPr/>
+        <p:nvPr/>
+      </p:nvGrpSpPr>
+      <p:grpSpPr>
+        <a:xfrm>
+          <a:off x="0" y="0"/>
+          <a:ext cx="0" cy="0"/>
+          <a:chOff x="0" y="0"/>
+          <a:chExt cx="0" cy="0"/>
+        </a:xfrm>
+      </p:grpSpPr>
+      <p:pic>
+        <p:nvPicPr>
+          <p:cNvPr id="5" name="Picture 4">
+            <a:extLst>
+              <a:ext uri="{FF2B5EF4-FFF2-40B4-BE49-F238E27FC236}">
+                <a16:creationId xmlns:a16="http://schemas.microsoft.com/office/drawing/2014/main" id="{D68E7847-9FDA-401C-B3F9-95A075E9007B}"/>
+              </a:ext>
+            </a:extLst>
+          </p:cNvPr>
+          <p:cNvPicPr>
+            <a:picLocks noChangeAspect="1"/>
+          </p:cNvPicPr>
+          <p:nvPr/>
+        </p:nvPicPr>
+        <p:blipFill>
+          <a:blip r:embed="rId3"/>
+          <a:stretch>
+            <a:fillRect/>
+          </a:stretch>
+        </p:blipFill>
+        <p:spPr>
+          <a:xfrm>
+            <a:off x="3142994" y="1874385"/>
+            <a:ext cx="5906012" cy="3109229"/>
+          </a:xfrm>
+          <a:prstGeom prst="rect">
+            <a:avLst/>
+          </a:prstGeom>
+        </p:spPr>
+      </p:pic>
+    </p:spTree>
+    <p:extLst>
+      <p:ext uri="{BB962C8B-B14F-4D97-AF65-F5344CB8AC3E}">
+        <p14:creationId xmlns:p14="http://schemas.microsoft.com/office/powerpoint/2010/main" val="3984111281"/>
+      </p:ext>
+    </p:extLst>
+  </p:cSld>
+  <p:clrMapOvr>
+    <a:masterClrMapping/>
+  </p:clrMapOvr>
+</p:sld>
+</file>
+
+<file path=ppt/slides/slide15.xml><?xml version="1.0" encoding="utf-8"?>
+<p:sld xmlns:a="http://schemas.openxmlformats.org/drawingml/2006/main" xmlns:r="http://schemas.openxmlformats.org/officeDocument/2006/relationships" xmlns:p="http://schemas.openxmlformats.org/presentationml/2006/main">
+  <p:cSld>
+    <p:spTree>
+      <p:nvGrpSpPr>
+        <p:cNvPr id="1" name=""/>
+        <p:cNvGrpSpPr/>
+        <p:nvPr/>
+      </p:nvGrpSpPr>
+      <p:grpSpPr>
+        <a:xfrm>
+          <a:off x="0" y="0"/>
+          <a:ext cx="0" cy="0"/>
+          <a:chOff x="0" y="0"/>
+          <a:chExt cx="0" cy="0"/>
+        </a:xfrm>
+      </p:grpSpPr>
+      <p:sp>
+        <p:nvSpPr>
+          <p:cNvPr id="2" name="Title 1">
+            <a:extLst>
+              <a:ext uri="{FF2B5EF4-FFF2-40B4-BE49-F238E27FC236}">
+                <a16:creationId xmlns:a16="http://schemas.microsoft.com/office/drawing/2014/main" id="{6F7573BF-2ADD-4A4B-BC81-0B801B9F4733}"/>
+              </a:ext>
+            </a:extLst>
+          </p:cNvPr>
+          <p:cNvSpPr>
+            <a:spLocks noGrp="1"/>
+          </p:cNvSpPr>
+          <p:nvPr>
+            <p:ph type="title"/>
+          </p:nvPr>
+        </p:nvSpPr>
+        <p:spPr/>
+        <p:txBody>
+          <a:bodyPr/>
+          <a:lstStyle/>
+          <a:p>
+            <a:r>
+              <a:rPr lang="en-SG" dirty="0"/>
+              <a:t>Different CI/CD Approaches???</a:t>
+            </a:r>
+          </a:p>
+        </p:txBody>
+      </p:sp>
+      <p:sp>
+        <p:nvSpPr>
+          <p:cNvPr id="3" name="Content Placeholder 2">
+            <a:extLst>
+              <a:ext uri="{FF2B5EF4-FFF2-40B4-BE49-F238E27FC236}">
+                <a16:creationId xmlns:a16="http://schemas.microsoft.com/office/drawing/2014/main" id="{E7493389-75CB-4628-BE01-11A9182F096D}"/>
+              </a:ext>
+            </a:extLst>
+          </p:cNvPr>
+          <p:cNvSpPr>
+            <a:spLocks noGrp="1"/>
+          </p:cNvSpPr>
+          <p:nvPr>
+            <p:ph idx="1"/>
+          </p:nvPr>
+        </p:nvSpPr>
+        <p:spPr/>
+        <p:txBody>
+          <a:bodyPr/>
+          <a:lstStyle/>
+          <a:p>
+            <a:r>
+              <a:rPr lang="en-SG" dirty="0"/>
+              <a:t>Jenkins</a:t>
+            </a:r>
+          </a:p>
+          <a:p>
+            <a:r>
+              <a:rPr lang="en-SG" dirty="0"/>
+              <a:t>GitHub Actions</a:t>
+            </a:r>
+          </a:p>
+          <a:p>
+            <a:r>
+              <a:rPr lang="en-SG" dirty="0"/>
+              <a:t>Fastlane</a:t>
+            </a:r>
+          </a:p>
+          <a:p>
+            <a:r>
+              <a:rPr lang="en-SG" dirty="0" err="1"/>
+              <a:t>CircleCI</a:t>
+            </a:r>
+            <a:endParaRPr lang="en-SG" dirty="0"/>
+          </a:p>
+        </p:txBody>
+      </p:sp>
+    </p:spTree>
+    <p:extLst>
+      <p:ext uri="{BB962C8B-B14F-4D97-AF65-F5344CB8AC3E}">
+        <p14:creationId xmlns:p14="http://schemas.microsoft.com/office/powerpoint/2010/main" val="2038117043"/>
+      </p:ext>
+    </p:extLst>
+  </p:cSld>
+  <p:clrMapOvr>
+    <a:masterClrMapping/>
+  </p:clrMapOvr>
+</p:sld>
+</file>
+
 <file path=ppt/slides/slide2.xml><?xml version="1.0" encoding="utf-8"?>
 <p:sld xmlns:a="http://schemas.openxmlformats.org/drawingml/2006/main" xmlns:r="http://schemas.openxmlformats.org/officeDocument/2006/relationships" xmlns:p="http://schemas.openxmlformats.org/presentationml/2006/main">
   <p:cSld>
@@ -4130,6 +4756,64 @@
       </p:grpSpPr>
       <p:sp>
         <p:nvSpPr>
+          <p:cNvPr id="2" name="Title 1">
+            <a:extLst>
+              <a:ext uri="{FF2B5EF4-FFF2-40B4-BE49-F238E27FC236}">
+                <a16:creationId xmlns:a16="http://schemas.microsoft.com/office/drawing/2014/main" id="{F5220BC9-E72C-4477-933D-27007CC8CFD8}"/>
+              </a:ext>
+            </a:extLst>
+          </p:cNvPr>
+          <p:cNvSpPr>
+            <a:spLocks noGrp="1"/>
+          </p:cNvSpPr>
+          <p:nvPr>
+            <p:ph type="title"/>
+          </p:nvPr>
+        </p:nvSpPr>
+        <p:spPr/>
+        <p:txBody>
+          <a:bodyPr/>
+          <a:lstStyle/>
+          <a:p>
+            <a:r>
+              <a:rPr lang="en-SG" dirty="0"/>
+              <a:t>Testing Pyramid</a:t>
+            </a:r>
+          </a:p>
+        </p:txBody>
+      </p:sp>
+    </p:spTree>
+    <p:extLst>
+      <p:ext uri="{BB962C8B-B14F-4D97-AF65-F5344CB8AC3E}">
+        <p14:creationId xmlns:p14="http://schemas.microsoft.com/office/powerpoint/2010/main" val="1892134390"/>
+      </p:ext>
+    </p:extLst>
+  </p:cSld>
+  <p:clrMapOvr>
+    <a:masterClrMapping/>
+  </p:clrMapOvr>
+</p:sld>
+</file>
+
+<file path=ppt/slides/slide6.xml><?xml version="1.0" encoding="utf-8"?>
+<p:sld xmlns:a="http://schemas.openxmlformats.org/drawingml/2006/main" xmlns:r="http://schemas.openxmlformats.org/officeDocument/2006/relationships" xmlns:p="http://schemas.openxmlformats.org/presentationml/2006/main">
+  <p:cSld>
+    <p:spTree>
+      <p:nvGrpSpPr>
+        <p:cNvPr id="1" name=""/>
+        <p:cNvGrpSpPr/>
+        <p:nvPr/>
+      </p:nvGrpSpPr>
+      <p:grpSpPr>
+        <a:xfrm>
+          <a:off x="0" y="0"/>
+          <a:ext cx="0" cy="0"/>
+          <a:chOff x="0" y="0"/>
+          <a:chExt cx="0" cy="0"/>
+        </a:xfrm>
+      </p:grpSpPr>
+      <p:sp>
+        <p:nvSpPr>
           <p:cNvPr id="2" name="Title 1"/>
           <p:cNvSpPr>
             <a:spLocks noGrp="1"/>
@@ -4223,7 +4907,7 @@
 </p:sld>
 </file>
 
-<file path=ppt/slides/slide6.xml><?xml version="1.0" encoding="utf-8"?>
+<file path=ppt/slides/slide7.xml><?xml version="1.0" encoding="utf-8"?>
 <p:sld xmlns:a="http://schemas.openxmlformats.org/drawingml/2006/main" xmlns:r="http://schemas.openxmlformats.org/officeDocument/2006/relationships" xmlns:p="http://schemas.openxmlformats.org/presentationml/2006/main">
   <p:cSld>
     <p:spTree>
@@ -5480,103 +6164,6 @@
 </p:sld>
 </file>
 
-<file path=ppt/slides/slide7.xml><?xml version="1.0" encoding="utf-8"?>
-<p:sld xmlns:a="http://schemas.openxmlformats.org/drawingml/2006/main" xmlns:r="http://schemas.openxmlformats.org/officeDocument/2006/relationships" xmlns:p="http://schemas.openxmlformats.org/presentationml/2006/main">
-  <p:cSld>
-    <p:spTree>
-      <p:nvGrpSpPr>
-        <p:cNvPr id="1" name=""/>
-        <p:cNvGrpSpPr/>
-        <p:nvPr/>
-      </p:nvGrpSpPr>
-      <p:grpSpPr>
-        <a:xfrm>
-          <a:off x="0" y="0"/>
-          <a:ext cx="0" cy="0"/>
-          <a:chOff x="0" y="0"/>
-          <a:chExt cx="0" cy="0"/>
-        </a:xfrm>
-      </p:grpSpPr>
-      <p:sp>
-        <p:nvSpPr>
-          <p:cNvPr id="2" name="Title 1"/>
-          <p:cNvSpPr>
-            <a:spLocks noGrp="1"/>
-          </p:cNvSpPr>
-          <p:nvPr>
-            <p:ph type="title"/>
-          </p:nvPr>
-        </p:nvSpPr>
-        <p:spPr/>
-        <p:txBody>
-          <a:bodyPr/>
-          <a:lstStyle/>
-          <a:p>
-            <a:r>
-              <a:rPr lang="en-US" dirty="0"/>
-              <a:t>Model vs. </a:t>
-            </a:r>
-            <a:r>
-              <a:rPr lang="en-US" dirty="0" err="1"/>
-              <a:t>Datasource</a:t>
-            </a:r>
-            <a:endParaRPr lang="en-SG" dirty="0"/>
-          </a:p>
-        </p:txBody>
-      </p:sp>
-      <p:sp>
-        <p:nvSpPr>
-          <p:cNvPr id="3" name="Content Placeholder 2"/>
-          <p:cNvSpPr>
-            <a:spLocks noGrp="1"/>
-          </p:cNvSpPr>
-          <p:nvPr>
-            <p:ph idx="1"/>
-          </p:nvPr>
-        </p:nvSpPr>
-        <p:spPr/>
-        <p:txBody>
-          <a:bodyPr/>
-          <a:lstStyle/>
-          <a:p>
-            <a:r>
-              <a:rPr lang="en-US" dirty="0"/>
-              <a:t>Each model represents certain data you want in your app</a:t>
-            </a:r>
-          </a:p>
-          <a:p>
-            <a:pPr lvl="1"/>
-            <a:r>
-              <a:rPr lang="en-US" dirty="0"/>
-              <a:t>e.g. Car model, Fruit model, House model</a:t>
-            </a:r>
-          </a:p>
-          <a:p>
-            <a:r>
-              <a:rPr lang="en-US" dirty="0" err="1"/>
-              <a:t>Datasource</a:t>
-            </a:r>
-            <a:r>
-              <a:rPr lang="en-US" dirty="0"/>
-              <a:t> is a separate class where you can create functions to handle different types of data models</a:t>
-            </a:r>
-            <a:endParaRPr lang="en-SG" dirty="0"/>
-          </a:p>
-        </p:txBody>
-      </p:sp>
-    </p:spTree>
-    <p:extLst>
-      <p:ext uri="{BB962C8B-B14F-4D97-AF65-F5344CB8AC3E}">
-        <p14:creationId xmlns:p14="http://schemas.microsoft.com/office/powerpoint/2010/main" val="2758969986"/>
-      </p:ext>
-    </p:extLst>
-  </p:cSld>
-  <p:clrMapOvr>
-    <a:masterClrMapping/>
-  </p:clrMapOvr>
-</p:sld>
-</file>
-
 <file path=ppt/slides/slide8.xml><?xml version="1.0" encoding="utf-8"?>
 <p:sld xmlns:a="http://schemas.openxmlformats.org/drawingml/2006/main" xmlns:r="http://schemas.openxmlformats.org/officeDocument/2006/relationships" xmlns:p="http://schemas.openxmlformats.org/presentationml/2006/main">
   <p:cSld>
@@ -5596,13 +6183,7 @@
       </p:grpSpPr>
       <p:sp>
         <p:nvSpPr>
-          <p:cNvPr id="2" name="Title 1">
-            <a:extLst>
-              <a:ext uri="{FF2B5EF4-FFF2-40B4-BE49-F238E27FC236}">
-                <a16:creationId xmlns:a16="http://schemas.microsoft.com/office/drawing/2014/main" id="{9D9ADF61-2343-4150-8592-6E0680070EEA}"/>
-              </a:ext>
-            </a:extLst>
-          </p:cNvPr>
+          <p:cNvPr id="2" name="Title 1"/>
           <p:cNvSpPr>
             <a:spLocks noGrp="1"/>
           </p:cNvSpPr>
@@ -5616,21 +6197,20 @@
           <a:lstStyle/>
           <a:p>
             <a:r>
-              <a:rPr lang="en-SG" dirty="0"/>
-              <a:t>Coding nuances that nobody really cares</a:t>
-            </a:r>
-          </a:p>
-        </p:txBody>
-      </p:sp>
-      <p:sp>
-        <p:nvSpPr>
-          <p:cNvPr id="3" name="Content Placeholder 2">
-            <a:extLst>
-              <a:ext uri="{FF2B5EF4-FFF2-40B4-BE49-F238E27FC236}">
-                <a16:creationId xmlns:a16="http://schemas.microsoft.com/office/drawing/2014/main" id="{A7912FF4-9187-4E0A-824C-E0D930645EAF}"/>
-              </a:ext>
-            </a:extLst>
-          </p:cNvPr>
+              <a:rPr lang="en-US" dirty="0"/>
+              <a:t>Model vs. </a:t>
+            </a:r>
+            <a:r>
+              <a:rPr lang="en-US" dirty="0" err="1"/>
+              <a:t>Datasource</a:t>
+            </a:r>
+            <a:endParaRPr lang="en-SG" dirty="0"/>
+          </a:p>
+        </p:txBody>
+      </p:sp>
+      <p:sp>
+        <p:nvSpPr>
+          <p:cNvPr id="3" name="Content Placeholder 2"/>
           <p:cNvSpPr>
             <a:spLocks noGrp="1"/>
           </p:cNvSpPr>
@@ -5640,43 +6220,38 @@
         </p:nvSpPr>
         <p:spPr/>
         <p:txBody>
-          <a:bodyPr>
-            <a:normAutofit/>
-          </a:bodyPr>
-          <a:lstStyle/>
-          <a:p>
-            <a:r>
-              <a:rPr lang="en-SG" sz="2400" dirty="0"/>
-              <a:t>Method or Function?</a:t>
+          <a:bodyPr/>
+          <a:lstStyle/>
+          <a:p>
+            <a:r>
+              <a:rPr lang="en-US" dirty="0"/>
+              <a:t>Each model represents certain data you want in your app</a:t>
             </a:r>
           </a:p>
           <a:p>
             <a:pPr lvl="1"/>
             <a:r>
-              <a:rPr lang="en-SG" sz="2000" dirty="0"/>
-              <a:t>A method presumes the existence of an object (i.e. defined within a class), while a function is free and independent.</a:t>
-            </a:r>
-          </a:p>
-          <a:p>
-            <a:r>
-              <a:rPr lang="en-SG" sz="2400" dirty="0"/>
-              <a:t>Parameter or Argument?</a:t>
-            </a:r>
-          </a:p>
-          <a:p>
-            <a:pPr lvl="1"/>
-            <a:r>
-              <a:rPr lang="en-US" sz="2000" dirty="0"/>
-              <a:t>A parameter is variable declaration in the function/method definition. When the function/method is called, the arguments are the data you pass into its parameters.</a:t>
-            </a:r>
-            <a:endParaRPr lang="en-SG" sz="2000" dirty="0"/>
+              <a:rPr lang="en-US" dirty="0"/>
+              <a:t>e.g. Car model, Fruit model, House model</a:t>
+            </a:r>
+          </a:p>
+          <a:p>
+            <a:r>
+              <a:rPr lang="en-US" dirty="0" err="1"/>
+              <a:t>Datasource</a:t>
+            </a:r>
+            <a:r>
+              <a:rPr lang="en-US" dirty="0"/>
+              <a:t> is a separate class where you can create functions to handle different types of data models</a:t>
+            </a:r>
+            <a:endParaRPr lang="en-SG" dirty="0"/>
           </a:p>
         </p:txBody>
       </p:sp>
     </p:spTree>
     <p:extLst>
       <p:ext uri="{BB962C8B-B14F-4D97-AF65-F5344CB8AC3E}">
-        <p14:creationId xmlns:p14="http://schemas.microsoft.com/office/powerpoint/2010/main" val="831621953"/>
+        <p14:creationId xmlns:p14="http://schemas.microsoft.com/office/powerpoint/2010/main" val="2758969986"/>
       </p:ext>
     </p:extLst>
   </p:cSld>
@@ -5705,7 +6280,13 @@
       </p:grpSpPr>
       <p:sp>
         <p:nvSpPr>
-          <p:cNvPr id="2" name="Title 1"/>
+          <p:cNvPr id="2" name="Title 1">
+            <a:extLst>
+              <a:ext uri="{FF2B5EF4-FFF2-40B4-BE49-F238E27FC236}">
+                <a16:creationId xmlns:a16="http://schemas.microsoft.com/office/drawing/2014/main" id="{9D9ADF61-2343-4150-8592-6E0680070EEA}"/>
+              </a:ext>
+            </a:extLst>
+          </p:cNvPr>
           <p:cNvSpPr>
             <a:spLocks noGrp="1"/>
           </p:cNvSpPr>
@@ -5719,16 +6300,21 @@
           <a:lstStyle/>
           <a:p>
             <a:r>
-              <a:rPr lang="en-US" dirty="0"/>
-              <a:t>More concepts</a:t>
-            </a:r>
-            <a:endParaRPr lang="en-SG" dirty="0"/>
-          </a:p>
-        </p:txBody>
-      </p:sp>
-      <p:sp>
-        <p:nvSpPr>
-          <p:cNvPr id="3" name="Content Placeholder 2"/>
+              <a:rPr lang="en-SG" dirty="0"/>
+              <a:t>Coding nuances that nobody really cares</a:t>
+            </a:r>
+          </a:p>
+        </p:txBody>
+      </p:sp>
+      <p:sp>
+        <p:nvSpPr>
+          <p:cNvPr id="3" name="Content Placeholder 2">
+            <a:extLst>
+              <a:ext uri="{FF2B5EF4-FFF2-40B4-BE49-F238E27FC236}">
+                <a16:creationId xmlns:a16="http://schemas.microsoft.com/office/drawing/2014/main" id="{A7912FF4-9187-4E0A-824C-E0D930645EAF}"/>
+              </a:ext>
+            </a:extLst>
+          </p:cNvPr>
           <p:cNvSpPr>
             <a:spLocks noGrp="1"/>
           </p:cNvSpPr>
@@ -5738,61 +6324,43 @@
         </p:nvSpPr>
         <p:spPr/>
         <p:txBody>
-          <a:bodyPr/>
-          <a:lstStyle/>
-          <a:p>
-            <a:r>
-              <a:rPr lang="en-US" dirty="0"/>
-              <a:t>Clean Architecture</a:t>
-            </a:r>
-          </a:p>
-          <a:p>
-            <a:r>
-              <a:rPr lang="en-US" dirty="0"/>
-              <a:t>MVVM Architecture</a:t>
+          <a:bodyPr>
+            <a:normAutofit/>
+          </a:bodyPr>
+          <a:lstStyle/>
+          <a:p>
+            <a:r>
+              <a:rPr lang="en-SG" sz="2400" dirty="0"/>
+              <a:t>Method or Function?</a:t>
             </a:r>
           </a:p>
           <a:p>
             <a:pPr lvl="1"/>
             <a:r>
-              <a:rPr lang="en-US" dirty="0"/>
-              <a:t>Single Source of Truth </a:t>
-            </a:r>
-            <a:r>
-              <a:rPr lang="en-US" dirty="0">
-                <a:sym typeface="Wingdings" panose="05000000000000000000" pitchFamily="2" charset="2"/>
-              </a:rPr>
-              <a:t> to implement the repository pattern</a:t>
-            </a:r>
-            <a:endParaRPr lang="en-US" dirty="0"/>
-          </a:p>
-          <a:p>
-            <a:r>
-              <a:rPr lang="en-US" dirty="0"/>
-              <a:t>Dependency Injection</a:t>
-            </a:r>
-          </a:p>
-          <a:p>
-            <a:r>
-              <a:rPr lang="en-US" dirty="0">
-                <a:hlinkClick r:id="rId2"/>
-              </a:rPr>
-              <a:t>https://developer.android.com/topic/architecture#recommended-app-arch</a:t>
-            </a:r>
-            <a:endParaRPr lang="en-US" dirty="0"/>
-          </a:p>
-          <a:p>
-            <a:r>
-              <a:rPr lang="en-US" dirty="0"/>
-              <a:t>Data Access Object (DAO)</a:t>
-            </a:r>
+              <a:rPr lang="en-SG" sz="2000" dirty="0"/>
+              <a:t>A method presumes the existence of an object (i.e. defined within a class), while a function is free and independent.</a:t>
+            </a:r>
+          </a:p>
+          <a:p>
+            <a:r>
+              <a:rPr lang="en-SG" sz="2400" dirty="0"/>
+              <a:t>Parameter or Argument?</a:t>
+            </a:r>
+          </a:p>
+          <a:p>
+            <a:pPr lvl="1"/>
+            <a:r>
+              <a:rPr lang="en-US" sz="2000" dirty="0"/>
+              <a:t>A parameter is variable declaration in the function/method definition. When the function/method is called, the arguments are the data you pass into its parameters.</a:t>
+            </a:r>
+            <a:endParaRPr lang="en-SG" sz="2000" dirty="0"/>
           </a:p>
         </p:txBody>
       </p:sp>
     </p:spTree>
     <p:extLst>
       <p:ext uri="{BB962C8B-B14F-4D97-AF65-F5344CB8AC3E}">
-        <p14:creationId xmlns:p14="http://schemas.microsoft.com/office/powerpoint/2010/main" val="1846938743"/>
+        <p14:creationId xmlns:p14="http://schemas.microsoft.com/office/powerpoint/2010/main" val="831621953"/>
       </p:ext>
     </p:extLst>
   </p:cSld>

--- a/Android Basics in Kotlin.pptx
+++ b/Android Basics in Kotlin.pptx
@@ -5,24 +5,25 @@
     <p:sldMasterId id="2147483648" r:id="rId1"/>
   </p:sldMasterIdLst>
   <p:notesMasterIdLst>
-    <p:notesMasterId r:id="rId17"/>
+    <p:notesMasterId r:id="rId18"/>
   </p:notesMasterIdLst>
   <p:sldIdLst>
     <p:sldId id="256" r:id="rId2"/>
     <p:sldId id="262" r:id="rId3"/>
     <p:sldId id="263" r:id="rId4"/>
     <p:sldId id="264" r:id="rId5"/>
-    <p:sldId id="265" r:id="rId6"/>
-    <p:sldId id="257" r:id="rId7"/>
-    <p:sldId id="258" r:id="rId8"/>
-    <p:sldId id="260" r:id="rId9"/>
-    <p:sldId id="259" r:id="rId10"/>
-    <p:sldId id="261" r:id="rId11"/>
-    <p:sldId id="267" r:id="rId12"/>
-    <p:sldId id="268" r:id="rId13"/>
-    <p:sldId id="269" r:id="rId14"/>
-    <p:sldId id="270" r:id="rId15"/>
-    <p:sldId id="266" r:id="rId16"/>
+    <p:sldId id="271" r:id="rId6"/>
+    <p:sldId id="265" r:id="rId7"/>
+    <p:sldId id="257" r:id="rId8"/>
+    <p:sldId id="258" r:id="rId9"/>
+    <p:sldId id="260" r:id="rId10"/>
+    <p:sldId id="259" r:id="rId11"/>
+    <p:sldId id="261" r:id="rId12"/>
+    <p:sldId id="267" r:id="rId13"/>
+    <p:sldId id="268" r:id="rId14"/>
+    <p:sldId id="269" r:id="rId15"/>
+    <p:sldId id="270" r:id="rId16"/>
+    <p:sldId id="266" r:id="rId17"/>
   </p:sldIdLst>
   <p:sldSz cx="12192000" cy="6858000"/>
   <p:notesSz cx="6858000" cy="9144000"/>
@@ -134,6 +135,7 @@
         <p14:section name="All About Testing" id="{1760EBF3-D43D-40CE-8F81-D3B0E7B48B84}">
           <p14:sldIdLst>
             <p14:sldId id="264"/>
+            <p14:sldId id="271"/>
             <p14:sldId id="265"/>
           </p14:sldIdLst>
         </p14:section>
@@ -246,7 +248,7 @@
           <a:p>
             <a:fld id="{20B40D95-F8C5-4C4C-B8B1-7273D807A246}" type="datetimeFigureOut">
               <a:rPr lang="en-SG" smtClean="0"/>
-              <a:t>7/6/2022</a:t>
+              <a:t>9/6/2022</a:t>
             </a:fld>
             <a:endParaRPr lang="en-SG"/>
           </a:p>
@@ -579,7 +581,7 @@
           <a:p>
             <a:fld id="{0D292F0F-6BB4-4714-BDBB-674EE16F5C0C}" type="slidenum">
               <a:rPr lang="en-SG" smtClean="0"/>
-              <a:t>7</a:t>
+              <a:t>8</a:t>
             </a:fld>
             <a:endParaRPr lang="en-SG"/>
           </a:p>
@@ -666,7 +668,7 @@
           <a:p>
             <a:fld id="{0D292F0F-6BB4-4714-BDBB-674EE16F5C0C}" type="slidenum">
               <a:rPr lang="en-SG" smtClean="0"/>
-              <a:t>14</a:t>
+              <a:t>15</a:t>
             </a:fld>
             <a:endParaRPr lang="en-SG"/>
           </a:p>
@@ -816,7 +818,7 @@
           <a:p>
             <a:fld id="{D0255EFB-A077-440B-BB8F-918E450D588D}" type="datetimeFigureOut">
               <a:rPr lang="en-SG" smtClean="0"/>
-              <a:t>7/6/2022</a:t>
+              <a:t>9/6/2022</a:t>
             </a:fld>
             <a:endParaRPr lang="en-SG"/>
           </a:p>
@@ -986,7 +988,7 @@
           <a:p>
             <a:fld id="{D0255EFB-A077-440B-BB8F-918E450D588D}" type="datetimeFigureOut">
               <a:rPr lang="en-SG" smtClean="0"/>
-              <a:t>7/6/2022</a:t>
+              <a:t>9/6/2022</a:t>
             </a:fld>
             <a:endParaRPr lang="en-SG"/>
           </a:p>
@@ -1166,7 +1168,7 @@
           <a:p>
             <a:fld id="{D0255EFB-A077-440B-BB8F-918E450D588D}" type="datetimeFigureOut">
               <a:rPr lang="en-SG" smtClean="0"/>
-              <a:t>7/6/2022</a:t>
+              <a:t>9/6/2022</a:t>
             </a:fld>
             <a:endParaRPr lang="en-SG"/>
           </a:p>
@@ -1336,7 +1338,7 @@
           <a:p>
             <a:fld id="{D0255EFB-A077-440B-BB8F-918E450D588D}" type="datetimeFigureOut">
               <a:rPr lang="en-SG" smtClean="0"/>
-              <a:t>7/6/2022</a:t>
+              <a:t>9/6/2022</a:t>
             </a:fld>
             <a:endParaRPr lang="en-SG"/>
           </a:p>
@@ -1582,7 +1584,7 @@
           <a:p>
             <a:fld id="{D0255EFB-A077-440B-BB8F-918E450D588D}" type="datetimeFigureOut">
               <a:rPr lang="en-SG" smtClean="0"/>
-              <a:t>7/6/2022</a:t>
+              <a:t>9/6/2022</a:t>
             </a:fld>
             <a:endParaRPr lang="en-SG"/>
           </a:p>
@@ -1814,7 +1816,7 @@
           <a:p>
             <a:fld id="{D0255EFB-A077-440B-BB8F-918E450D588D}" type="datetimeFigureOut">
               <a:rPr lang="en-SG" smtClean="0"/>
-              <a:t>7/6/2022</a:t>
+              <a:t>9/6/2022</a:t>
             </a:fld>
             <a:endParaRPr lang="en-SG"/>
           </a:p>
@@ -2181,7 +2183,7 @@
           <a:p>
             <a:fld id="{D0255EFB-A077-440B-BB8F-918E450D588D}" type="datetimeFigureOut">
               <a:rPr lang="en-SG" smtClean="0"/>
-              <a:t>7/6/2022</a:t>
+              <a:t>9/6/2022</a:t>
             </a:fld>
             <a:endParaRPr lang="en-SG"/>
           </a:p>
@@ -2299,7 +2301,7 @@
           <a:p>
             <a:fld id="{D0255EFB-A077-440B-BB8F-918E450D588D}" type="datetimeFigureOut">
               <a:rPr lang="en-SG" smtClean="0"/>
-              <a:t>7/6/2022</a:t>
+              <a:t>9/6/2022</a:t>
             </a:fld>
             <a:endParaRPr lang="en-SG"/>
           </a:p>
@@ -2394,7 +2396,7 @@
           <a:p>
             <a:fld id="{D0255EFB-A077-440B-BB8F-918E450D588D}" type="datetimeFigureOut">
               <a:rPr lang="en-SG" smtClean="0"/>
-              <a:t>7/6/2022</a:t>
+              <a:t>9/6/2022</a:t>
             </a:fld>
             <a:endParaRPr lang="en-SG"/>
           </a:p>
@@ -2671,7 +2673,7 @@
           <a:p>
             <a:fld id="{D0255EFB-A077-440B-BB8F-918E450D588D}" type="datetimeFigureOut">
               <a:rPr lang="en-SG" smtClean="0"/>
-              <a:t>7/6/2022</a:t>
+              <a:t>9/6/2022</a:t>
             </a:fld>
             <a:endParaRPr lang="en-SG"/>
           </a:p>
@@ -2924,7 +2926,7 @@
           <a:p>
             <a:fld id="{D0255EFB-A077-440B-BB8F-918E450D588D}" type="datetimeFigureOut">
               <a:rPr lang="en-SG" smtClean="0"/>
-              <a:t>7/6/2022</a:t>
+              <a:t>9/6/2022</a:t>
             </a:fld>
             <a:endParaRPr lang="en-SG"/>
           </a:p>
@@ -3137,7 +3139,7 @@
           <a:p>
             <a:fld id="{D0255EFB-A077-440B-BB8F-918E450D588D}" type="datetimeFigureOut">
               <a:rPr lang="en-SG" smtClean="0"/>
-              <a:t>7/6/2022</a:t>
+              <a:t>9/6/2022</a:t>
             </a:fld>
             <a:endParaRPr lang="en-SG"/>
           </a:p>
@@ -3624,6 +3626,115 @@
       </p:grpSpPr>
       <p:sp>
         <p:nvSpPr>
+          <p:cNvPr id="2" name="Title 1">
+            <a:extLst>
+              <a:ext uri="{FF2B5EF4-FFF2-40B4-BE49-F238E27FC236}">
+                <a16:creationId xmlns:a16="http://schemas.microsoft.com/office/drawing/2014/main" id="{9D9ADF61-2343-4150-8592-6E0680070EEA}"/>
+              </a:ext>
+            </a:extLst>
+          </p:cNvPr>
+          <p:cNvSpPr>
+            <a:spLocks noGrp="1"/>
+          </p:cNvSpPr>
+          <p:nvPr>
+            <p:ph type="title"/>
+          </p:nvPr>
+        </p:nvSpPr>
+        <p:spPr/>
+        <p:txBody>
+          <a:bodyPr/>
+          <a:lstStyle/>
+          <a:p>
+            <a:r>
+              <a:rPr lang="en-SG" dirty="0"/>
+              <a:t>Coding nuances that nobody really cares</a:t>
+            </a:r>
+          </a:p>
+        </p:txBody>
+      </p:sp>
+      <p:sp>
+        <p:nvSpPr>
+          <p:cNvPr id="3" name="Content Placeholder 2">
+            <a:extLst>
+              <a:ext uri="{FF2B5EF4-FFF2-40B4-BE49-F238E27FC236}">
+                <a16:creationId xmlns:a16="http://schemas.microsoft.com/office/drawing/2014/main" id="{A7912FF4-9187-4E0A-824C-E0D930645EAF}"/>
+              </a:ext>
+            </a:extLst>
+          </p:cNvPr>
+          <p:cNvSpPr>
+            <a:spLocks noGrp="1"/>
+          </p:cNvSpPr>
+          <p:nvPr>
+            <p:ph idx="1"/>
+          </p:nvPr>
+        </p:nvSpPr>
+        <p:spPr/>
+        <p:txBody>
+          <a:bodyPr>
+            <a:normAutofit/>
+          </a:bodyPr>
+          <a:lstStyle/>
+          <a:p>
+            <a:r>
+              <a:rPr lang="en-SG" sz="2400" dirty="0"/>
+              <a:t>Method or Function?</a:t>
+            </a:r>
+          </a:p>
+          <a:p>
+            <a:pPr lvl="1"/>
+            <a:r>
+              <a:rPr lang="en-SG" sz="2000" dirty="0"/>
+              <a:t>A method presumes the existence of an object (i.e. defined within a class), while a function is free and independent.</a:t>
+            </a:r>
+          </a:p>
+          <a:p>
+            <a:r>
+              <a:rPr lang="en-SG" sz="2400" dirty="0"/>
+              <a:t>Parameter or Argument?</a:t>
+            </a:r>
+          </a:p>
+          <a:p>
+            <a:pPr lvl="1"/>
+            <a:r>
+              <a:rPr lang="en-US" sz="2000" dirty="0"/>
+              <a:t>A parameter is variable declaration in the function/method definition. When the function/method is called, the arguments are the data you pass into its parameters.</a:t>
+            </a:r>
+            <a:endParaRPr lang="en-SG" sz="2000" dirty="0"/>
+          </a:p>
+        </p:txBody>
+      </p:sp>
+    </p:spTree>
+    <p:extLst>
+      <p:ext uri="{BB962C8B-B14F-4D97-AF65-F5344CB8AC3E}">
+        <p14:creationId xmlns:p14="http://schemas.microsoft.com/office/powerpoint/2010/main" val="831621953"/>
+      </p:ext>
+    </p:extLst>
+  </p:cSld>
+  <p:clrMapOvr>
+    <a:masterClrMapping/>
+  </p:clrMapOvr>
+</p:sld>
+</file>
+
+<file path=ppt/slides/slide11.xml><?xml version="1.0" encoding="utf-8"?>
+<p:sld xmlns:a="http://schemas.openxmlformats.org/drawingml/2006/main" xmlns:r="http://schemas.openxmlformats.org/officeDocument/2006/relationships" xmlns:p="http://schemas.openxmlformats.org/presentationml/2006/main">
+  <p:cSld>
+    <p:spTree>
+      <p:nvGrpSpPr>
+        <p:cNvPr id="1" name=""/>
+        <p:cNvGrpSpPr/>
+        <p:nvPr/>
+      </p:nvGrpSpPr>
+      <p:grpSpPr>
+        <a:xfrm>
+          <a:off x="0" y="0"/>
+          <a:ext cx="0" cy="0"/>
+          <a:chOff x="0" y="0"/>
+          <a:chExt cx="0" cy="0"/>
+        </a:xfrm>
+      </p:grpSpPr>
+      <p:sp>
+        <p:nvSpPr>
           <p:cNvPr id="2" name="Title 1"/>
           <p:cNvSpPr>
             <a:spLocks noGrp="1"/>
@@ -3721,7 +3832,7 @@
 </p:sld>
 </file>
 
-<file path=ppt/slides/slide11.xml><?xml version="1.0" encoding="utf-8"?>
+<file path=ppt/slides/slide12.xml><?xml version="1.0" encoding="utf-8"?>
 <p:sld xmlns:a="http://schemas.openxmlformats.org/drawingml/2006/main" xmlns:r="http://schemas.openxmlformats.org/officeDocument/2006/relationships" xmlns:p="http://schemas.openxmlformats.org/presentationml/2006/main">
   <p:cSld>
     <p:spTree>
@@ -3843,7 +3954,7 @@
 </p:sld>
 </file>
 
-<file path=ppt/slides/slide12.xml><?xml version="1.0" encoding="utf-8"?>
+<file path=ppt/slides/slide13.xml><?xml version="1.0" encoding="utf-8"?>
 <p:sld xmlns:a="http://schemas.openxmlformats.org/drawingml/2006/main" xmlns:r="http://schemas.openxmlformats.org/officeDocument/2006/relationships" xmlns:p="http://schemas.openxmlformats.org/presentationml/2006/main">
   <p:cSld>
     <p:spTree>
@@ -3903,7 +4014,7 @@
 </p:sld>
 </file>
 
-<file path=ppt/slides/slide13.xml><?xml version="1.0" encoding="utf-8"?>
+<file path=ppt/slides/slide14.xml><?xml version="1.0" encoding="utf-8"?>
 <p:sld xmlns:a="http://schemas.openxmlformats.org/drawingml/2006/main" xmlns:r="http://schemas.openxmlformats.org/officeDocument/2006/relationships" xmlns:p="http://schemas.openxmlformats.org/presentationml/2006/main">
   <p:cSld>
     <p:spTree>
@@ -3963,7 +4074,7 @@
 </p:sld>
 </file>
 
-<file path=ppt/slides/slide14.xml><?xml version="1.0" encoding="utf-8"?>
+<file path=ppt/slides/slide15.xml><?xml version="1.0" encoding="utf-8"?>
 <p:sld xmlns:a="http://schemas.openxmlformats.org/drawingml/2006/main" xmlns:r="http://schemas.openxmlformats.org/officeDocument/2006/relationships" xmlns:p="http://schemas.openxmlformats.org/presentationml/2006/main">
   <p:cSld>
     <p:spTree>
@@ -4023,7 +4134,7 @@
 </p:sld>
 </file>
 
-<file path=ppt/slides/slide15.xml><?xml version="1.0" encoding="utf-8"?>
+<file path=ppt/slides/slide16.xml><?xml version="1.0" encoding="utf-8"?>
 <p:sld xmlns:a="http://schemas.openxmlformats.org/drawingml/2006/main" xmlns:r="http://schemas.openxmlformats.org/officeDocument/2006/relationships" xmlns:p="http://schemas.openxmlformats.org/presentationml/2006/main">
   <p:cSld>
     <p:spTree>
@@ -4112,6 +4223,12 @@
               <a:t>CircleCI</a:t>
             </a:r>
             <a:endParaRPr lang="en-SG" dirty="0"/>
+          </a:p>
+          <a:p>
+            <a:r>
+              <a:rPr lang="en-SG" dirty="0"/>
+              <a:t>GitLab</a:t>
+            </a:r>
           </a:p>
         </p:txBody>
       </p:sp>
@@ -4559,7 +4676,12 @@
             <p:ph idx="1"/>
           </p:nvPr>
         </p:nvSpPr>
-        <p:spPr/>
+        <p:spPr>
+          <a:xfrm>
+            <a:off x="838200" y="1690688"/>
+            <a:ext cx="10515600" cy="4594630"/>
+          </a:xfrm>
+        </p:spPr>
         <p:txBody>
           <a:bodyPr>
             <a:normAutofit/>
@@ -4717,6 +4839,12 @@
             <a:r>
               <a:rPr lang="en-US" sz="2000" dirty="0"/>
               <a:t>Instrumentation tests let you test parts of an app that depend on activity and fragment lifecycles, and platform APIs and services. Unlike unit tests, UI tests don't test code directly. Instead, they test the user interface to make sure that the correct UI components are displayed and that the user interface behaves as expected when actions are taken within the UI. </a:t>
+            </a:r>
+          </a:p>
+          <a:p>
+            <a:r>
+              <a:rPr lang="en-US" sz="2000" dirty="0"/>
+              <a:t>Creating a test every time you create a new feature in your app reduces your workload later as your app grows.</a:t>
             </a:r>
           </a:p>
           <a:p>
@@ -4759,7 +4887,7 @@
           <p:cNvPr id="2" name="Title 1">
             <a:extLst>
               <a:ext uri="{FF2B5EF4-FFF2-40B4-BE49-F238E27FC236}">
-                <a16:creationId xmlns:a16="http://schemas.microsoft.com/office/drawing/2014/main" id="{F5220BC9-E72C-4477-933D-27007CC8CFD8}"/>
+                <a16:creationId xmlns:a16="http://schemas.microsoft.com/office/drawing/2014/main" id="{3A6E8525-26F5-4F75-AB39-AB3E80C0912F}"/>
               </a:ext>
             </a:extLst>
           </p:cNvPr>
@@ -4777,15 +4905,57 @@
           <a:p>
             <a:r>
               <a:rPr lang="en-SG" dirty="0"/>
-              <a:t>Testing Pyramid</a:t>
-            </a:r>
+              <a:t>Automated Testing</a:t>
+            </a:r>
+          </a:p>
+        </p:txBody>
+      </p:sp>
+      <p:sp>
+        <p:nvSpPr>
+          <p:cNvPr id="3" name="Content Placeholder 2">
+            <a:extLst>
+              <a:ext uri="{FF2B5EF4-FFF2-40B4-BE49-F238E27FC236}">
+                <a16:creationId xmlns:a16="http://schemas.microsoft.com/office/drawing/2014/main" id="{12495BD3-7FD8-4FFB-88EB-ADE6509A853F}"/>
+              </a:ext>
+            </a:extLst>
+          </p:cNvPr>
+          <p:cNvSpPr>
+            <a:spLocks noGrp="1"/>
+          </p:cNvSpPr>
+          <p:nvPr>
+            <p:ph idx="1"/>
+          </p:nvPr>
+        </p:nvSpPr>
+        <p:spPr>
+          <a:xfrm>
+            <a:off x="838200" y="1690688"/>
+            <a:ext cx="10515600" cy="4594630"/>
+          </a:xfrm>
+        </p:spPr>
+        <p:txBody>
+          <a:bodyPr>
+            <a:normAutofit/>
+          </a:bodyPr>
+          <a:lstStyle/>
+          <a:p>
+            <a:r>
+              <a:rPr lang="en-US" sz="2000" dirty="0"/>
+              <a:t>With unit tests, you can test functions, classes, and properties. Local tests are executed on the Java Virtual Machine, which means they run in a development environment without needing a device or emulator.</a:t>
+            </a:r>
+          </a:p>
+          <a:p>
+            <a:r>
+              <a:rPr lang="en-US" sz="2000" dirty="0"/>
+              <a:t>On the other hand, all instrumentation tests must run on a physical device or emulator. When you run an instrumentation test on Android, what's really happening is that the test code is actually built into its own test APK, just like a regular Android app. The test APK is installed on the device or emulator along with the regular app APK. The test APK then runs its tests against the app APK.</a:t>
+            </a:r>
+            <a:endParaRPr lang="en-SG" sz="2000" dirty="0"/>
           </a:p>
         </p:txBody>
       </p:sp>
     </p:spTree>
     <p:extLst>
       <p:ext uri="{BB962C8B-B14F-4D97-AF65-F5344CB8AC3E}">
-        <p14:creationId xmlns:p14="http://schemas.microsoft.com/office/powerpoint/2010/main" val="1892134390"/>
+        <p14:creationId xmlns:p14="http://schemas.microsoft.com/office/powerpoint/2010/main" val="3962322152"/>
       </p:ext>
     </p:extLst>
   </p:cSld>
@@ -4814,6 +4984,64 @@
       </p:grpSpPr>
       <p:sp>
         <p:nvSpPr>
+          <p:cNvPr id="2" name="Title 1">
+            <a:extLst>
+              <a:ext uri="{FF2B5EF4-FFF2-40B4-BE49-F238E27FC236}">
+                <a16:creationId xmlns:a16="http://schemas.microsoft.com/office/drawing/2014/main" id="{F5220BC9-E72C-4477-933D-27007CC8CFD8}"/>
+              </a:ext>
+            </a:extLst>
+          </p:cNvPr>
+          <p:cNvSpPr>
+            <a:spLocks noGrp="1"/>
+          </p:cNvSpPr>
+          <p:nvPr>
+            <p:ph type="title"/>
+          </p:nvPr>
+        </p:nvSpPr>
+        <p:spPr/>
+        <p:txBody>
+          <a:bodyPr/>
+          <a:lstStyle/>
+          <a:p>
+            <a:r>
+              <a:rPr lang="en-SG" dirty="0"/>
+              <a:t>Testing Pyramid</a:t>
+            </a:r>
+          </a:p>
+        </p:txBody>
+      </p:sp>
+    </p:spTree>
+    <p:extLst>
+      <p:ext uri="{BB962C8B-B14F-4D97-AF65-F5344CB8AC3E}">
+        <p14:creationId xmlns:p14="http://schemas.microsoft.com/office/powerpoint/2010/main" val="1892134390"/>
+      </p:ext>
+    </p:extLst>
+  </p:cSld>
+  <p:clrMapOvr>
+    <a:masterClrMapping/>
+  </p:clrMapOvr>
+</p:sld>
+</file>
+
+<file path=ppt/slides/slide7.xml><?xml version="1.0" encoding="utf-8"?>
+<p:sld xmlns:a="http://schemas.openxmlformats.org/drawingml/2006/main" xmlns:r="http://schemas.openxmlformats.org/officeDocument/2006/relationships" xmlns:p="http://schemas.openxmlformats.org/presentationml/2006/main">
+  <p:cSld>
+    <p:spTree>
+      <p:nvGrpSpPr>
+        <p:cNvPr id="1" name=""/>
+        <p:cNvGrpSpPr/>
+        <p:nvPr/>
+      </p:nvGrpSpPr>
+      <p:grpSpPr>
+        <a:xfrm>
+          <a:off x="0" y="0"/>
+          <a:ext cx="0" cy="0"/>
+          <a:chOff x="0" y="0"/>
+          <a:chExt cx="0" cy="0"/>
+        </a:xfrm>
+      </p:grpSpPr>
+      <p:sp>
+        <p:nvSpPr>
           <p:cNvPr id="2" name="Title 1"/>
           <p:cNvSpPr>
             <a:spLocks noGrp="1"/>
@@ -4907,7 +5135,7 @@
 </p:sld>
 </file>
 
-<file path=ppt/slides/slide7.xml><?xml version="1.0" encoding="utf-8"?>
+<file path=ppt/slides/slide8.xml><?xml version="1.0" encoding="utf-8"?>
 <p:sld xmlns:a="http://schemas.openxmlformats.org/drawingml/2006/main" xmlns:r="http://schemas.openxmlformats.org/officeDocument/2006/relationships" xmlns:p="http://schemas.openxmlformats.org/presentationml/2006/main">
   <p:cSld>
     <p:spTree>
@@ -6164,103 +6392,6 @@
 </p:sld>
 </file>
 
-<file path=ppt/slides/slide8.xml><?xml version="1.0" encoding="utf-8"?>
-<p:sld xmlns:a="http://schemas.openxmlformats.org/drawingml/2006/main" xmlns:r="http://schemas.openxmlformats.org/officeDocument/2006/relationships" xmlns:p="http://schemas.openxmlformats.org/presentationml/2006/main">
-  <p:cSld>
-    <p:spTree>
-      <p:nvGrpSpPr>
-        <p:cNvPr id="1" name=""/>
-        <p:cNvGrpSpPr/>
-        <p:nvPr/>
-      </p:nvGrpSpPr>
-      <p:grpSpPr>
-        <a:xfrm>
-          <a:off x="0" y="0"/>
-          <a:ext cx="0" cy="0"/>
-          <a:chOff x="0" y="0"/>
-          <a:chExt cx="0" cy="0"/>
-        </a:xfrm>
-      </p:grpSpPr>
-      <p:sp>
-        <p:nvSpPr>
-          <p:cNvPr id="2" name="Title 1"/>
-          <p:cNvSpPr>
-            <a:spLocks noGrp="1"/>
-          </p:cNvSpPr>
-          <p:nvPr>
-            <p:ph type="title"/>
-          </p:nvPr>
-        </p:nvSpPr>
-        <p:spPr/>
-        <p:txBody>
-          <a:bodyPr/>
-          <a:lstStyle/>
-          <a:p>
-            <a:r>
-              <a:rPr lang="en-US" dirty="0"/>
-              <a:t>Model vs. </a:t>
-            </a:r>
-            <a:r>
-              <a:rPr lang="en-US" dirty="0" err="1"/>
-              <a:t>Datasource</a:t>
-            </a:r>
-            <a:endParaRPr lang="en-SG" dirty="0"/>
-          </a:p>
-        </p:txBody>
-      </p:sp>
-      <p:sp>
-        <p:nvSpPr>
-          <p:cNvPr id="3" name="Content Placeholder 2"/>
-          <p:cNvSpPr>
-            <a:spLocks noGrp="1"/>
-          </p:cNvSpPr>
-          <p:nvPr>
-            <p:ph idx="1"/>
-          </p:nvPr>
-        </p:nvSpPr>
-        <p:spPr/>
-        <p:txBody>
-          <a:bodyPr/>
-          <a:lstStyle/>
-          <a:p>
-            <a:r>
-              <a:rPr lang="en-US" dirty="0"/>
-              <a:t>Each model represents certain data you want in your app</a:t>
-            </a:r>
-          </a:p>
-          <a:p>
-            <a:pPr lvl="1"/>
-            <a:r>
-              <a:rPr lang="en-US" dirty="0"/>
-              <a:t>e.g. Car model, Fruit model, House model</a:t>
-            </a:r>
-          </a:p>
-          <a:p>
-            <a:r>
-              <a:rPr lang="en-US" dirty="0" err="1"/>
-              <a:t>Datasource</a:t>
-            </a:r>
-            <a:r>
-              <a:rPr lang="en-US" dirty="0"/>
-              <a:t> is a separate class where you can create functions to handle different types of data models</a:t>
-            </a:r>
-            <a:endParaRPr lang="en-SG" dirty="0"/>
-          </a:p>
-        </p:txBody>
-      </p:sp>
-    </p:spTree>
-    <p:extLst>
-      <p:ext uri="{BB962C8B-B14F-4D97-AF65-F5344CB8AC3E}">
-        <p14:creationId xmlns:p14="http://schemas.microsoft.com/office/powerpoint/2010/main" val="2758969986"/>
-      </p:ext>
-    </p:extLst>
-  </p:cSld>
-  <p:clrMapOvr>
-    <a:masterClrMapping/>
-  </p:clrMapOvr>
-</p:sld>
-</file>
-
 <file path=ppt/slides/slide9.xml><?xml version="1.0" encoding="utf-8"?>
 <p:sld xmlns:a="http://schemas.openxmlformats.org/drawingml/2006/main" xmlns:r="http://schemas.openxmlformats.org/officeDocument/2006/relationships" xmlns:p="http://schemas.openxmlformats.org/presentationml/2006/main">
   <p:cSld>
@@ -6280,13 +6411,7 @@
       </p:grpSpPr>
       <p:sp>
         <p:nvSpPr>
-          <p:cNvPr id="2" name="Title 1">
-            <a:extLst>
-              <a:ext uri="{FF2B5EF4-FFF2-40B4-BE49-F238E27FC236}">
-                <a16:creationId xmlns:a16="http://schemas.microsoft.com/office/drawing/2014/main" id="{9D9ADF61-2343-4150-8592-6E0680070EEA}"/>
-              </a:ext>
-            </a:extLst>
-          </p:cNvPr>
+          <p:cNvPr id="2" name="Title 1"/>
           <p:cNvSpPr>
             <a:spLocks noGrp="1"/>
           </p:cNvSpPr>
@@ -6300,21 +6425,20 @@
           <a:lstStyle/>
           <a:p>
             <a:r>
-              <a:rPr lang="en-SG" dirty="0"/>
-              <a:t>Coding nuances that nobody really cares</a:t>
-            </a:r>
-          </a:p>
-        </p:txBody>
-      </p:sp>
-      <p:sp>
-        <p:nvSpPr>
-          <p:cNvPr id="3" name="Content Placeholder 2">
-            <a:extLst>
-              <a:ext uri="{FF2B5EF4-FFF2-40B4-BE49-F238E27FC236}">
-                <a16:creationId xmlns:a16="http://schemas.microsoft.com/office/drawing/2014/main" id="{A7912FF4-9187-4E0A-824C-E0D930645EAF}"/>
-              </a:ext>
-            </a:extLst>
-          </p:cNvPr>
+              <a:rPr lang="en-US" dirty="0"/>
+              <a:t>Model vs. </a:t>
+            </a:r>
+            <a:r>
+              <a:rPr lang="en-US" dirty="0" err="1"/>
+              <a:t>Datasource</a:t>
+            </a:r>
+            <a:endParaRPr lang="en-SG" dirty="0"/>
+          </a:p>
+        </p:txBody>
+      </p:sp>
+      <p:sp>
+        <p:nvSpPr>
+          <p:cNvPr id="3" name="Content Placeholder 2"/>
           <p:cNvSpPr>
             <a:spLocks noGrp="1"/>
           </p:cNvSpPr>
@@ -6324,43 +6448,38 @@
         </p:nvSpPr>
         <p:spPr/>
         <p:txBody>
-          <a:bodyPr>
-            <a:normAutofit/>
-          </a:bodyPr>
-          <a:lstStyle/>
-          <a:p>
-            <a:r>
-              <a:rPr lang="en-SG" sz="2400" dirty="0"/>
-              <a:t>Method or Function?</a:t>
+          <a:bodyPr/>
+          <a:lstStyle/>
+          <a:p>
+            <a:r>
+              <a:rPr lang="en-US" dirty="0"/>
+              <a:t>Each model represents certain data you want in your app</a:t>
             </a:r>
           </a:p>
           <a:p>
             <a:pPr lvl="1"/>
             <a:r>
-              <a:rPr lang="en-SG" sz="2000" dirty="0"/>
-              <a:t>A method presumes the existence of an object (i.e. defined within a class), while a function is free and independent.</a:t>
-            </a:r>
-          </a:p>
-          <a:p>
-            <a:r>
-              <a:rPr lang="en-SG" sz="2400" dirty="0"/>
-              <a:t>Parameter or Argument?</a:t>
-            </a:r>
-          </a:p>
-          <a:p>
-            <a:pPr lvl="1"/>
-            <a:r>
-              <a:rPr lang="en-US" sz="2000" dirty="0"/>
-              <a:t>A parameter is variable declaration in the function/method definition. When the function/method is called, the arguments are the data you pass into its parameters.</a:t>
-            </a:r>
-            <a:endParaRPr lang="en-SG" sz="2000" dirty="0"/>
+              <a:rPr lang="en-US" dirty="0"/>
+              <a:t>e.g. Car model, Fruit model, House model</a:t>
+            </a:r>
+          </a:p>
+          <a:p>
+            <a:r>
+              <a:rPr lang="en-US" dirty="0" err="1"/>
+              <a:t>Datasource</a:t>
+            </a:r>
+            <a:r>
+              <a:rPr lang="en-US" dirty="0"/>
+              <a:t> is a separate class where you can create functions to handle different types of data models</a:t>
+            </a:r>
+            <a:endParaRPr lang="en-SG" dirty="0"/>
           </a:p>
         </p:txBody>
       </p:sp>
     </p:spTree>
     <p:extLst>
       <p:ext uri="{BB962C8B-B14F-4D97-AF65-F5344CB8AC3E}">
-        <p14:creationId xmlns:p14="http://schemas.microsoft.com/office/powerpoint/2010/main" val="831621953"/>
+        <p14:creationId xmlns:p14="http://schemas.microsoft.com/office/powerpoint/2010/main" val="2758969986"/>
       </p:ext>
     </p:extLst>
   </p:cSld>

--- a/Android Basics in Kotlin.pptx
+++ b/Android Basics in Kotlin.pptx
@@ -248,7 +248,7 @@
           <a:p>
             <a:fld id="{20B40D95-F8C5-4C4C-B8B1-7273D807A246}" type="datetimeFigureOut">
               <a:rPr lang="en-SG" smtClean="0"/>
-              <a:t>9/6/2022</a:t>
+              <a:t>11/6/2022</a:t>
             </a:fld>
             <a:endParaRPr lang="en-SG"/>
           </a:p>
@@ -818,7 +818,7 @@
           <a:p>
             <a:fld id="{D0255EFB-A077-440B-BB8F-918E450D588D}" type="datetimeFigureOut">
               <a:rPr lang="en-SG" smtClean="0"/>
-              <a:t>9/6/2022</a:t>
+              <a:t>11/6/2022</a:t>
             </a:fld>
             <a:endParaRPr lang="en-SG"/>
           </a:p>
@@ -988,7 +988,7 @@
           <a:p>
             <a:fld id="{D0255EFB-A077-440B-BB8F-918E450D588D}" type="datetimeFigureOut">
               <a:rPr lang="en-SG" smtClean="0"/>
-              <a:t>9/6/2022</a:t>
+              <a:t>11/6/2022</a:t>
             </a:fld>
             <a:endParaRPr lang="en-SG"/>
           </a:p>
@@ -1168,7 +1168,7 @@
           <a:p>
             <a:fld id="{D0255EFB-A077-440B-BB8F-918E450D588D}" type="datetimeFigureOut">
               <a:rPr lang="en-SG" smtClean="0"/>
-              <a:t>9/6/2022</a:t>
+              <a:t>11/6/2022</a:t>
             </a:fld>
             <a:endParaRPr lang="en-SG"/>
           </a:p>
@@ -1338,7 +1338,7 @@
           <a:p>
             <a:fld id="{D0255EFB-A077-440B-BB8F-918E450D588D}" type="datetimeFigureOut">
               <a:rPr lang="en-SG" smtClean="0"/>
-              <a:t>9/6/2022</a:t>
+              <a:t>11/6/2022</a:t>
             </a:fld>
             <a:endParaRPr lang="en-SG"/>
           </a:p>
@@ -1584,7 +1584,7 @@
           <a:p>
             <a:fld id="{D0255EFB-A077-440B-BB8F-918E450D588D}" type="datetimeFigureOut">
               <a:rPr lang="en-SG" smtClean="0"/>
-              <a:t>9/6/2022</a:t>
+              <a:t>11/6/2022</a:t>
             </a:fld>
             <a:endParaRPr lang="en-SG"/>
           </a:p>
@@ -1816,7 +1816,7 @@
           <a:p>
             <a:fld id="{D0255EFB-A077-440B-BB8F-918E450D588D}" type="datetimeFigureOut">
               <a:rPr lang="en-SG" smtClean="0"/>
-              <a:t>9/6/2022</a:t>
+              <a:t>11/6/2022</a:t>
             </a:fld>
             <a:endParaRPr lang="en-SG"/>
           </a:p>
@@ -2183,7 +2183,7 @@
           <a:p>
             <a:fld id="{D0255EFB-A077-440B-BB8F-918E450D588D}" type="datetimeFigureOut">
               <a:rPr lang="en-SG" smtClean="0"/>
-              <a:t>9/6/2022</a:t>
+              <a:t>11/6/2022</a:t>
             </a:fld>
             <a:endParaRPr lang="en-SG"/>
           </a:p>
@@ -2301,7 +2301,7 @@
           <a:p>
             <a:fld id="{D0255EFB-A077-440B-BB8F-918E450D588D}" type="datetimeFigureOut">
               <a:rPr lang="en-SG" smtClean="0"/>
-              <a:t>9/6/2022</a:t>
+              <a:t>11/6/2022</a:t>
             </a:fld>
             <a:endParaRPr lang="en-SG"/>
           </a:p>
@@ -2396,7 +2396,7 @@
           <a:p>
             <a:fld id="{D0255EFB-A077-440B-BB8F-918E450D588D}" type="datetimeFigureOut">
               <a:rPr lang="en-SG" smtClean="0"/>
-              <a:t>9/6/2022</a:t>
+              <a:t>11/6/2022</a:t>
             </a:fld>
             <a:endParaRPr lang="en-SG"/>
           </a:p>
@@ -2673,7 +2673,7 @@
           <a:p>
             <a:fld id="{D0255EFB-A077-440B-BB8F-918E450D588D}" type="datetimeFigureOut">
               <a:rPr lang="en-SG" smtClean="0"/>
-              <a:t>9/6/2022</a:t>
+              <a:t>11/6/2022</a:t>
             </a:fld>
             <a:endParaRPr lang="en-SG"/>
           </a:p>
@@ -2926,7 +2926,7 @@
           <a:p>
             <a:fld id="{D0255EFB-A077-440B-BB8F-918E450D588D}" type="datetimeFigureOut">
               <a:rPr lang="en-SG" smtClean="0"/>
-              <a:t>9/6/2022</a:t>
+              <a:t>11/6/2022</a:t>
             </a:fld>
             <a:endParaRPr lang="en-SG"/>
           </a:p>
@@ -3139,7 +3139,7 @@
           <a:p>
             <a:fld id="{D0255EFB-A077-440B-BB8F-918E450D588D}" type="datetimeFigureOut">
               <a:rPr lang="en-SG" smtClean="0"/>
-              <a:t>9/6/2022</a:t>
+              <a:t>11/6/2022</a:t>
             </a:fld>
             <a:endParaRPr lang="en-SG"/>
           </a:p>

--- a/Android Basics in Kotlin.pptx
+++ b/Android Basics in Kotlin.pptx
@@ -5,7 +5,7 @@
     <p:sldMasterId id="2147483648" r:id="rId1"/>
   </p:sldMasterIdLst>
   <p:notesMasterIdLst>
-    <p:notesMasterId r:id="rId38"/>
+    <p:notesMasterId r:id="rId48"/>
   </p:notesMasterIdLst>
   <p:sldIdLst>
     <p:sldId id="256" r:id="rId2"/>
@@ -16,34 +16,44 @@
     <p:sldId id="281" r:id="rId7"/>
     <p:sldId id="275" r:id="rId8"/>
     <p:sldId id="276" r:id="rId9"/>
-    <p:sldId id="290" r:id="rId10"/>
-    <p:sldId id="291" r:id="rId11"/>
-    <p:sldId id="274" r:id="rId12"/>
-    <p:sldId id="288" r:id="rId13"/>
-    <p:sldId id="278" r:id="rId14"/>
-    <p:sldId id="287" r:id="rId15"/>
-    <p:sldId id="284" r:id="rId16"/>
-    <p:sldId id="264" r:id="rId17"/>
-    <p:sldId id="271" r:id="rId18"/>
-    <p:sldId id="265" r:id="rId19"/>
-    <p:sldId id="289" r:id="rId20"/>
-    <p:sldId id="283" r:id="rId21"/>
-    <p:sldId id="282" r:id="rId22"/>
-    <p:sldId id="285" r:id="rId23"/>
-    <p:sldId id="286" r:id="rId24"/>
-    <p:sldId id="277" r:id="rId25"/>
-    <p:sldId id="280" r:id="rId26"/>
-    <p:sldId id="257" r:id="rId27"/>
-    <p:sldId id="258" r:id="rId28"/>
-    <p:sldId id="260" r:id="rId29"/>
-    <p:sldId id="259" r:id="rId30"/>
-    <p:sldId id="279" r:id="rId31"/>
-    <p:sldId id="267" r:id="rId32"/>
-    <p:sldId id="268" r:id="rId33"/>
-    <p:sldId id="269" r:id="rId34"/>
-    <p:sldId id="270" r:id="rId35"/>
-    <p:sldId id="266" r:id="rId36"/>
-    <p:sldId id="261" r:id="rId37"/>
+    <p:sldId id="294" r:id="rId10"/>
+    <p:sldId id="295" r:id="rId11"/>
+    <p:sldId id="290" r:id="rId12"/>
+    <p:sldId id="291" r:id="rId13"/>
+    <p:sldId id="274" r:id="rId14"/>
+    <p:sldId id="288" r:id="rId15"/>
+    <p:sldId id="293" r:id="rId16"/>
+    <p:sldId id="278" r:id="rId17"/>
+    <p:sldId id="287" r:id="rId18"/>
+    <p:sldId id="284" r:id="rId19"/>
+    <p:sldId id="264" r:id="rId20"/>
+    <p:sldId id="271" r:id="rId21"/>
+    <p:sldId id="265" r:id="rId22"/>
+    <p:sldId id="289" r:id="rId23"/>
+    <p:sldId id="283" r:id="rId24"/>
+    <p:sldId id="282" r:id="rId25"/>
+    <p:sldId id="285" r:id="rId26"/>
+    <p:sldId id="286" r:id="rId27"/>
+    <p:sldId id="296" r:id="rId28"/>
+    <p:sldId id="297" r:id="rId29"/>
+    <p:sldId id="298" r:id="rId30"/>
+    <p:sldId id="277" r:id="rId31"/>
+    <p:sldId id="280" r:id="rId32"/>
+    <p:sldId id="299" r:id="rId33"/>
+    <p:sldId id="300" r:id="rId34"/>
+    <p:sldId id="301" r:id="rId35"/>
+    <p:sldId id="257" r:id="rId36"/>
+    <p:sldId id="258" r:id="rId37"/>
+    <p:sldId id="292" r:id="rId38"/>
+    <p:sldId id="260" r:id="rId39"/>
+    <p:sldId id="259" r:id="rId40"/>
+    <p:sldId id="279" r:id="rId41"/>
+    <p:sldId id="267" r:id="rId42"/>
+    <p:sldId id="268" r:id="rId43"/>
+    <p:sldId id="269" r:id="rId44"/>
+    <p:sldId id="270" r:id="rId45"/>
+    <p:sldId id="266" r:id="rId46"/>
+    <p:sldId id="261" r:id="rId47"/>
   </p:sldIdLst>
   <p:sldSz cx="12192000" cy="6858000"/>
   <p:notesSz cx="6858000" cy="9144000"/>
@@ -155,10 +165,13 @@
             <p14:sldId id="281"/>
             <p14:sldId id="275"/>
             <p14:sldId id="276"/>
+            <p14:sldId id="294"/>
+            <p14:sldId id="295"/>
             <p14:sldId id="290"/>
             <p14:sldId id="291"/>
             <p14:sldId id="274"/>
             <p14:sldId id="288"/>
+            <p14:sldId id="293"/>
           </p14:sldIdLst>
         </p14:section>
         <p14:section name="Android Studio" id="{A5880AA5-B5CC-4094-8340-7A2E235FF0C1}">
@@ -182,14 +195,21 @@
         </p14:section>
         <p14:section name="Resources &gt; Layout &gt; Activity" id="{075AA403-EAF5-4876-A8D8-FA1693109801}">
           <p14:sldIdLst>
+            <p14:sldId id="296"/>
+            <p14:sldId id="297"/>
+            <p14:sldId id="298"/>
             <p14:sldId id="277"/>
             <p14:sldId id="280"/>
+            <p14:sldId id="299"/>
+            <p14:sldId id="300"/>
+            <p14:sldId id="301"/>
           </p14:sldIdLst>
         </p14:section>
         <p14:section name="Adapter &gt; ViewHolder &gt; RecyclerView" id="{ED2873D2-7274-4F37-9EA1-29B6BCF376E0}">
           <p14:sldIdLst>
             <p14:sldId id="257"/>
             <p14:sldId id="258"/>
+            <p14:sldId id="292"/>
             <p14:sldId id="260"/>
             <p14:sldId id="259"/>
           </p14:sldIdLst>
@@ -300,7 +320,7 @@
           <a:p>
             <a:fld id="{20B40D95-F8C5-4C4C-B8B1-7273D807A246}" type="datetimeFigureOut">
               <a:rPr lang="en-SG" smtClean="0"/>
-              <a:t>12/6/2022</a:t>
+              <a:t>18/6/2022</a:t>
             </a:fld>
             <a:endParaRPr lang="en-SG"/>
           </a:p>
@@ -633,7 +653,7 @@
           <a:p>
             <a:fld id="{0D292F0F-6BB4-4714-BDBB-674EE16F5C0C}" type="slidenum">
               <a:rPr lang="en-SG" smtClean="0"/>
-              <a:t>27</a:t>
+              <a:t>36</a:t>
             </a:fld>
             <a:endParaRPr lang="en-SG"/>
           </a:p>
@@ -720,7 +740,7 @@
           <a:p>
             <a:fld id="{0D292F0F-6BB4-4714-BDBB-674EE16F5C0C}" type="slidenum">
               <a:rPr lang="en-SG" smtClean="0"/>
-              <a:t>34</a:t>
+              <a:t>44</a:t>
             </a:fld>
             <a:endParaRPr lang="en-SG"/>
           </a:p>
@@ -870,7 +890,7 @@
           <a:p>
             <a:fld id="{D0255EFB-A077-440B-BB8F-918E450D588D}" type="datetimeFigureOut">
               <a:rPr lang="en-SG" smtClean="0"/>
-              <a:t>12/6/2022</a:t>
+              <a:t>18/6/2022</a:t>
             </a:fld>
             <a:endParaRPr lang="en-SG"/>
           </a:p>
@@ -1040,7 +1060,7 @@
           <a:p>
             <a:fld id="{D0255EFB-A077-440B-BB8F-918E450D588D}" type="datetimeFigureOut">
               <a:rPr lang="en-SG" smtClean="0"/>
-              <a:t>12/6/2022</a:t>
+              <a:t>18/6/2022</a:t>
             </a:fld>
             <a:endParaRPr lang="en-SG"/>
           </a:p>
@@ -1220,7 +1240,7 @@
           <a:p>
             <a:fld id="{D0255EFB-A077-440B-BB8F-918E450D588D}" type="datetimeFigureOut">
               <a:rPr lang="en-SG" smtClean="0"/>
-              <a:t>12/6/2022</a:t>
+              <a:t>18/6/2022</a:t>
             </a:fld>
             <a:endParaRPr lang="en-SG"/>
           </a:p>
@@ -1390,7 +1410,7 @@
           <a:p>
             <a:fld id="{D0255EFB-A077-440B-BB8F-918E450D588D}" type="datetimeFigureOut">
               <a:rPr lang="en-SG" smtClean="0"/>
-              <a:t>12/6/2022</a:t>
+              <a:t>18/6/2022</a:t>
             </a:fld>
             <a:endParaRPr lang="en-SG"/>
           </a:p>
@@ -1636,7 +1656,7 @@
           <a:p>
             <a:fld id="{D0255EFB-A077-440B-BB8F-918E450D588D}" type="datetimeFigureOut">
               <a:rPr lang="en-SG" smtClean="0"/>
-              <a:t>12/6/2022</a:t>
+              <a:t>18/6/2022</a:t>
             </a:fld>
             <a:endParaRPr lang="en-SG"/>
           </a:p>
@@ -1868,7 +1888,7 @@
           <a:p>
             <a:fld id="{D0255EFB-A077-440B-BB8F-918E450D588D}" type="datetimeFigureOut">
               <a:rPr lang="en-SG" smtClean="0"/>
-              <a:t>12/6/2022</a:t>
+              <a:t>18/6/2022</a:t>
             </a:fld>
             <a:endParaRPr lang="en-SG"/>
           </a:p>
@@ -2235,7 +2255,7 @@
           <a:p>
             <a:fld id="{D0255EFB-A077-440B-BB8F-918E450D588D}" type="datetimeFigureOut">
               <a:rPr lang="en-SG" smtClean="0"/>
-              <a:t>12/6/2022</a:t>
+              <a:t>18/6/2022</a:t>
             </a:fld>
             <a:endParaRPr lang="en-SG"/>
           </a:p>
@@ -2353,7 +2373,7 @@
           <a:p>
             <a:fld id="{D0255EFB-A077-440B-BB8F-918E450D588D}" type="datetimeFigureOut">
               <a:rPr lang="en-SG" smtClean="0"/>
-              <a:t>12/6/2022</a:t>
+              <a:t>18/6/2022</a:t>
             </a:fld>
             <a:endParaRPr lang="en-SG"/>
           </a:p>
@@ -2448,7 +2468,7 @@
           <a:p>
             <a:fld id="{D0255EFB-A077-440B-BB8F-918E450D588D}" type="datetimeFigureOut">
               <a:rPr lang="en-SG" smtClean="0"/>
-              <a:t>12/6/2022</a:t>
+              <a:t>18/6/2022</a:t>
             </a:fld>
             <a:endParaRPr lang="en-SG"/>
           </a:p>
@@ -2725,7 +2745,7 @@
           <a:p>
             <a:fld id="{D0255EFB-A077-440B-BB8F-918E450D588D}" type="datetimeFigureOut">
               <a:rPr lang="en-SG" smtClean="0"/>
-              <a:t>12/6/2022</a:t>
+              <a:t>18/6/2022</a:t>
             </a:fld>
             <a:endParaRPr lang="en-SG"/>
           </a:p>
@@ -2978,7 +2998,7 @@
           <a:p>
             <a:fld id="{D0255EFB-A077-440B-BB8F-918E450D588D}" type="datetimeFigureOut">
               <a:rPr lang="en-SG" smtClean="0"/>
-              <a:t>12/6/2022</a:t>
+              <a:t>18/6/2022</a:t>
             </a:fld>
             <a:endParaRPr lang="en-SG"/>
           </a:p>
@@ -3191,7 +3211,7 @@
           <a:p>
             <a:fld id="{D0255EFB-A077-440B-BB8F-918E450D588D}" type="datetimeFigureOut">
               <a:rPr lang="en-SG" smtClean="0"/>
-              <a:t>12/6/2022</a:t>
+              <a:t>18/6/2022</a:t>
             </a:fld>
             <a:endParaRPr lang="en-SG"/>
           </a:p>
@@ -3681,6 +3701,945 @@
           <p:cNvPr id="2" name="Title 1">
             <a:extLst>
               <a:ext uri="{FF2B5EF4-FFF2-40B4-BE49-F238E27FC236}">
+                <a16:creationId xmlns:a16="http://schemas.microsoft.com/office/drawing/2014/main" id="{1F1150B8-C409-456F-B1AB-D549F4E2B723}"/>
+              </a:ext>
+            </a:extLst>
+          </p:cNvPr>
+          <p:cNvSpPr>
+            <a:spLocks noGrp="1"/>
+          </p:cNvSpPr>
+          <p:nvPr>
+            <p:ph type="title"/>
+          </p:nvPr>
+        </p:nvSpPr>
+        <p:spPr/>
+        <p:txBody>
+          <a:bodyPr/>
+          <a:lstStyle/>
+          <a:p>
+            <a:r>
+              <a:rPr lang="en-SG" dirty="0"/>
+              <a:t>Class Hierarchy / Inheritance</a:t>
+            </a:r>
+          </a:p>
+        </p:txBody>
+      </p:sp>
+      <p:sp>
+        <p:nvSpPr>
+          <p:cNvPr id="3" name="Content Placeholder 2">
+            <a:extLst>
+              <a:ext uri="{FF2B5EF4-FFF2-40B4-BE49-F238E27FC236}">
+                <a16:creationId xmlns:a16="http://schemas.microsoft.com/office/drawing/2014/main" id="{D864DE4C-4E81-4964-945C-2FCF3BAFDEB1}"/>
+              </a:ext>
+            </a:extLst>
+          </p:cNvPr>
+          <p:cNvSpPr>
+            <a:spLocks noGrp="1"/>
+          </p:cNvSpPr>
+          <p:nvPr>
+            <p:ph idx="1"/>
+          </p:nvPr>
+        </p:nvSpPr>
+        <p:spPr>
+          <a:xfrm>
+            <a:off x="526913" y="1770435"/>
+            <a:ext cx="7323307" cy="4965632"/>
+          </a:xfrm>
+        </p:spPr>
+        <p:txBody>
+          <a:bodyPr>
+            <a:normAutofit/>
+          </a:bodyPr>
+          <a:lstStyle/>
+          <a:p>
+            <a:pPr marL="0" indent="0">
+              <a:buNone/>
+            </a:pPr>
+            <a:r>
+              <a:rPr lang="en-US" sz="1000" dirty="0">
+                <a:highlight>
+                  <a:srgbClr val="FFFF00"/>
+                </a:highlight>
+                <a:latin typeface="Lucida Console" panose="020B0609040504020204" pitchFamily="49" charset="0"/>
+              </a:rPr>
+              <a:t>open</a:t>
+            </a:r>
+            <a:r>
+              <a:rPr lang="en-US" sz="1000" dirty="0">
+                <a:latin typeface="Lucida Console" panose="020B0609040504020204" pitchFamily="49" charset="0"/>
+              </a:rPr>
+              <a:t> class </a:t>
+            </a:r>
+            <a:r>
+              <a:rPr lang="en-US" sz="1000" dirty="0" err="1">
+                <a:latin typeface="Lucida Console" panose="020B0609040504020204" pitchFamily="49" charset="0"/>
+              </a:rPr>
+              <a:t>RoundHut</a:t>
+            </a:r>
+            <a:r>
+              <a:rPr lang="en-US" sz="1000" dirty="0">
+                <a:latin typeface="Lucida Console" panose="020B0609040504020204" pitchFamily="49" charset="0"/>
+              </a:rPr>
+              <a:t>(people: Int, </a:t>
+            </a:r>
+            <a:r>
+              <a:rPr lang="en-US" sz="1000" dirty="0" err="1">
+                <a:highlight>
+                  <a:srgbClr val="FFF169"/>
+                </a:highlight>
+                <a:latin typeface="Lucida Console" panose="020B0609040504020204" pitchFamily="49" charset="0"/>
+              </a:rPr>
+              <a:t>val</a:t>
+            </a:r>
+            <a:r>
+              <a:rPr lang="en-US" sz="1000" dirty="0">
+                <a:highlight>
+                  <a:srgbClr val="FFF169"/>
+                </a:highlight>
+                <a:latin typeface="Lucida Console" panose="020B0609040504020204" pitchFamily="49" charset="0"/>
+              </a:rPr>
+              <a:t> radius: Double</a:t>
+            </a:r>
+            <a:r>
+              <a:rPr lang="en-US" sz="1000" dirty="0">
+                <a:latin typeface="Lucida Console" panose="020B0609040504020204" pitchFamily="49" charset="0"/>
+              </a:rPr>
+              <a:t>) : Dwelling(residents) {</a:t>
+            </a:r>
+          </a:p>
+          <a:p>
+            <a:pPr marL="0" indent="0">
+              <a:buNone/>
+            </a:pPr>
+            <a:r>
+              <a:rPr lang="en-US" sz="1000" dirty="0">
+                <a:latin typeface="Lucida Console" panose="020B0609040504020204" pitchFamily="49" charset="0"/>
+              </a:rPr>
+              <a:t>	</a:t>
+            </a:r>
+            <a:r>
+              <a:rPr lang="en-US" sz="1000" dirty="0">
+                <a:highlight>
+                  <a:srgbClr val="00FFFF"/>
+                </a:highlight>
+                <a:latin typeface="Lucida Console" panose="020B0609040504020204" pitchFamily="49" charset="0"/>
+              </a:rPr>
+              <a:t>override</a:t>
+            </a:r>
+            <a:r>
+              <a:rPr lang="en-US" sz="1000" dirty="0">
+                <a:latin typeface="Lucida Console" panose="020B0609040504020204" pitchFamily="49" charset="0"/>
+              </a:rPr>
+              <a:t> </a:t>
+            </a:r>
+            <a:r>
+              <a:rPr lang="en-US" sz="1000" dirty="0" err="1">
+                <a:latin typeface="Lucida Console" panose="020B0609040504020204" pitchFamily="49" charset="0"/>
+              </a:rPr>
+              <a:t>val</a:t>
+            </a:r>
+            <a:r>
+              <a:rPr lang="en-US" sz="1000" dirty="0">
+                <a:latin typeface="Lucida Console" panose="020B0609040504020204" pitchFamily="49" charset="0"/>
+              </a:rPr>
+              <a:t> capacity: Int = 6</a:t>
+            </a:r>
+          </a:p>
+          <a:p>
+            <a:pPr marL="0" indent="0">
+              <a:buNone/>
+            </a:pPr>
+            <a:r>
+              <a:rPr lang="en-US" sz="1000" dirty="0">
+                <a:latin typeface="Lucida Console" panose="020B0609040504020204" pitchFamily="49" charset="0"/>
+              </a:rPr>
+              <a:t>	</a:t>
+            </a:r>
+            <a:r>
+              <a:rPr lang="en-US" sz="1000" dirty="0">
+                <a:highlight>
+                  <a:srgbClr val="00FFFF"/>
+                </a:highlight>
+                <a:latin typeface="Lucida Console" panose="020B0609040504020204" pitchFamily="49" charset="0"/>
+              </a:rPr>
+              <a:t>override</a:t>
+            </a:r>
+            <a:r>
+              <a:rPr lang="en-US" sz="1000" dirty="0">
+                <a:latin typeface="Lucida Console" panose="020B0609040504020204" pitchFamily="49" charset="0"/>
+              </a:rPr>
+              <a:t> fun </a:t>
+            </a:r>
+            <a:r>
+              <a:rPr lang="en-US" sz="1000" dirty="0" err="1">
+                <a:latin typeface="Lucida Console" panose="020B0609040504020204" pitchFamily="49" charset="0"/>
+              </a:rPr>
+              <a:t>floorSize</a:t>
+            </a:r>
+            <a:r>
+              <a:rPr lang="en-US" sz="1000" dirty="0">
+                <a:latin typeface="Lucida Console" panose="020B0609040504020204" pitchFamily="49" charset="0"/>
+              </a:rPr>
+              <a:t>(): Double {</a:t>
+            </a:r>
+          </a:p>
+          <a:p>
+            <a:pPr marL="0" indent="0">
+              <a:buNone/>
+            </a:pPr>
+            <a:r>
+              <a:rPr lang="en-US" sz="1000" dirty="0">
+                <a:latin typeface="Lucida Console" panose="020B0609040504020204" pitchFamily="49" charset="0"/>
+              </a:rPr>
+              <a:t>		return PI * radius * radius</a:t>
+            </a:r>
+          </a:p>
+          <a:p>
+            <a:pPr marL="0" indent="0">
+              <a:buNone/>
+            </a:pPr>
+            <a:r>
+              <a:rPr lang="en-US" sz="1000" dirty="0">
+                <a:latin typeface="Lucida Console" panose="020B0609040504020204" pitchFamily="49" charset="0"/>
+              </a:rPr>
+              <a:t>	}</a:t>
+            </a:r>
+          </a:p>
+          <a:p>
+            <a:pPr marL="0" indent="0">
+              <a:buNone/>
+            </a:pPr>
+            <a:r>
+              <a:rPr lang="en-US" sz="1000" dirty="0">
+                <a:latin typeface="Lucida Console" panose="020B0609040504020204" pitchFamily="49" charset="0"/>
+              </a:rPr>
+              <a:t>	</a:t>
+            </a:r>
+          </a:p>
+          <a:p>
+            <a:pPr marL="0" indent="0">
+              <a:buNone/>
+            </a:pPr>
+            <a:r>
+              <a:rPr lang="en-US" sz="1000" dirty="0">
+                <a:highlight>
+                  <a:srgbClr val="FFFF00"/>
+                </a:highlight>
+                <a:latin typeface="Lucida Console" panose="020B0609040504020204" pitchFamily="49" charset="0"/>
+              </a:rPr>
+              <a:t>class</a:t>
+            </a:r>
+            <a:r>
+              <a:rPr lang="en-US" sz="1000" dirty="0">
+                <a:latin typeface="Lucida Console" panose="020B0609040504020204" pitchFamily="49" charset="0"/>
+              </a:rPr>
+              <a:t> RoundTower(people: Int, radius: Int, </a:t>
+            </a:r>
+            <a:r>
+              <a:rPr lang="en-US" sz="1000" dirty="0" err="1">
+                <a:highlight>
+                  <a:srgbClr val="FFF169"/>
+                </a:highlight>
+                <a:latin typeface="Lucida Console" panose="020B0609040504020204" pitchFamily="49" charset="0"/>
+              </a:rPr>
+              <a:t>val</a:t>
+            </a:r>
+            <a:r>
+              <a:rPr lang="en-US" sz="1000" dirty="0">
+                <a:highlight>
+                  <a:srgbClr val="FFF169"/>
+                </a:highlight>
+                <a:latin typeface="Lucida Console" panose="020B0609040504020204" pitchFamily="49" charset="0"/>
+              </a:rPr>
+              <a:t> floors: Int = 2</a:t>
+            </a:r>
+            <a:r>
+              <a:rPr lang="en-US" sz="1000" dirty="0">
+                <a:latin typeface="Lucida Console" panose="020B0609040504020204" pitchFamily="49" charset="0"/>
+              </a:rPr>
+              <a:t>) : </a:t>
+            </a:r>
+            <a:r>
+              <a:rPr lang="en-US" sz="1000" dirty="0" err="1">
+                <a:latin typeface="Lucida Console" panose="020B0609040504020204" pitchFamily="49" charset="0"/>
+              </a:rPr>
+              <a:t>RoundHut</a:t>
+            </a:r>
+            <a:r>
+              <a:rPr lang="en-US" sz="1000" dirty="0">
+                <a:latin typeface="Lucida Console" panose="020B0609040504020204" pitchFamily="49" charset="0"/>
+              </a:rPr>
+              <a:t>(people, radius) {</a:t>
+            </a:r>
+          </a:p>
+          <a:p>
+            <a:pPr marL="0" indent="0">
+              <a:buNone/>
+            </a:pPr>
+            <a:r>
+              <a:rPr lang="en-US" sz="1000" dirty="0">
+                <a:latin typeface="Lucida Console" panose="020B0609040504020204" pitchFamily="49" charset="0"/>
+              </a:rPr>
+              <a:t>	</a:t>
+            </a:r>
+            <a:r>
+              <a:rPr lang="en-US" sz="1000" dirty="0">
+                <a:highlight>
+                  <a:srgbClr val="00FFFF"/>
+                </a:highlight>
+                <a:latin typeface="Lucida Console" panose="020B0609040504020204" pitchFamily="49" charset="0"/>
+              </a:rPr>
+              <a:t>override</a:t>
+            </a:r>
+            <a:r>
+              <a:rPr lang="en-US" sz="1000" dirty="0">
+                <a:latin typeface="Lucida Console" panose="020B0609040504020204" pitchFamily="49" charset="0"/>
+              </a:rPr>
+              <a:t> </a:t>
+            </a:r>
+            <a:r>
+              <a:rPr lang="en-US" sz="1000" dirty="0" err="1">
+                <a:latin typeface="Lucida Console" panose="020B0609040504020204" pitchFamily="49" charset="0"/>
+              </a:rPr>
+              <a:t>val</a:t>
+            </a:r>
+            <a:r>
+              <a:rPr lang="en-US" sz="1000" dirty="0">
+                <a:latin typeface="Lucida Console" panose="020B0609040504020204" pitchFamily="49" charset="0"/>
+              </a:rPr>
+              <a:t> capacity = 6</a:t>
+            </a:r>
+          </a:p>
+          <a:p>
+            <a:pPr marL="0" indent="0">
+              <a:buNone/>
+            </a:pPr>
+            <a:r>
+              <a:rPr lang="en-US" sz="1000" dirty="0">
+                <a:latin typeface="Lucida Console" panose="020B0609040504020204" pitchFamily="49" charset="0"/>
+              </a:rPr>
+              <a:t>	override fun </a:t>
+            </a:r>
+            <a:r>
+              <a:rPr lang="en-US" sz="1000" dirty="0" err="1">
+                <a:latin typeface="Lucida Console" panose="020B0609040504020204" pitchFamily="49" charset="0"/>
+              </a:rPr>
+              <a:t>floorSize</a:t>
+            </a:r>
+            <a:r>
+              <a:rPr lang="en-US" sz="1000" dirty="0">
+                <a:latin typeface="Lucida Console" panose="020B0609040504020204" pitchFamily="49" charset="0"/>
+              </a:rPr>
+              <a:t>(): Double {</a:t>
+            </a:r>
+          </a:p>
+          <a:p>
+            <a:pPr marL="0" indent="0">
+              <a:buNone/>
+            </a:pPr>
+            <a:r>
+              <a:rPr lang="en-US" sz="1000" dirty="0">
+                <a:latin typeface="Lucida Console" panose="020B0609040504020204" pitchFamily="49" charset="0"/>
+              </a:rPr>
+              <a:t>		</a:t>
+            </a:r>
+            <a:r>
+              <a:rPr lang="en-US" sz="1000" dirty="0">
+                <a:highlight>
+                  <a:srgbClr val="00FF00"/>
+                </a:highlight>
+                <a:latin typeface="Lucida Console" panose="020B0609040504020204" pitchFamily="49" charset="0"/>
+              </a:rPr>
+              <a:t>return PI * radius * radius * floors</a:t>
+            </a:r>
+          </a:p>
+          <a:p>
+            <a:pPr marL="0" indent="0">
+              <a:buNone/>
+            </a:pPr>
+            <a:r>
+              <a:rPr lang="en-US" sz="1000" dirty="0">
+                <a:latin typeface="Lucida Console" panose="020B0609040504020204" pitchFamily="49" charset="0"/>
+              </a:rPr>
+              <a:t>		</a:t>
+            </a:r>
+            <a:r>
+              <a:rPr lang="en-US" sz="1000" dirty="0">
+                <a:highlight>
+                  <a:srgbClr val="00FF00"/>
+                </a:highlight>
+                <a:latin typeface="Lucida Console" panose="020B0609040504020204" pitchFamily="49" charset="0"/>
+              </a:rPr>
+              <a:t>/* OR */</a:t>
+            </a:r>
+          </a:p>
+          <a:p>
+            <a:pPr marL="0" indent="0">
+              <a:buNone/>
+            </a:pPr>
+            <a:r>
+              <a:rPr lang="en-US" sz="1000" dirty="0">
+                <a:latin typeface="Lucida Console" panose="020B0609040504020204" pitchFamily="49" charset="0"/>
+              </a:rPr>
+              <a:t>		</a:t>
+            </a:r>
+            <a:r>
+              <a:rPr lang="en-US" sz="1000" dirty="0">
+                <a:highlight>
+                  <a:srgbClr val="00FF00"/>
+                </a:highlight>
+                <a:latin typeface="Lucida Console" panose="020B0609040504020204" pitchFamily="49" charset="0"/>
+              </a:rPr>
+              <a:t>return </a:t>
+            </a:r>
+            <a:r>
+              <a:rPr lang="en-US" sz="1000" dirty="0" err="1">
+                <a:highlight>
+                  <a:srgbClr val="00FF00"/>
+                </a:highlight>
+                <a:latin typeface="Lucida Console" panose="020B0609040504020204" pitchFamily="49" charset="0"/>
+              </a:rPr>
+              <a:t>super.floorArea</a:t>
+            </a:r>
+            <a:r>
+              <a:rPr lang="en-US" sz="1000" dirty="0">
+                <a:highlight>
+                  <a:srgbClr val="00FF00"/>
+                </a:highlight>
+                <a:latin typeface="Lucida Console" panose="020B0609040504020204" pitchFamily="49" charset="0"/>
+              </a:rPr>
+              <a:t>() * floors</a:t>
+            </a:r>
+          </a:p>
+          <a:p>
+            <a:pPr marL="0" indent="0">
+              <a:buNone/>
+            </a:pPr>
+            <a:r>
+              <a:rPr lang="en-US" sz="1000" dirty="0">
+                <a:latin typeface="Lucida Console" panose="020B0609040504020204" pitchFamily="49" charset="0"/>
+              </a:rPr>
+              <a:t>	}</a:t>
+            </a:r>
+          </a:p>
+          <a:p>
+            <a:pPr marL="0" indent="0">
+              <a:buNone/>
+            </a:pPr>
+            <a:r>
+              <a:rPr lang="en-US" sz="1000" dirty="0">
+                <a:latin typeface="Lucida Console" panose="020B0609040504020204" pitchFamily="49" charset="0"/>
+              </a:rPr>
+              <a:t>}</a:t>
+            </a:r>
+          </a:p>
+          <a:p>
+            <a:pPr marL="0" indent="0">
+              <a:buNone/>
+            </a:pPr>
+            <a:endParaRPr lang="en-US" sz="1000" dirty="0">
+              <a:latin typeface="Lucida Console" panose="020B0609040504020204" pitchFamily="49" charset="0"/>
+            </a:endParaRPr>
+          </a:p>
+          <a:p>
+            <a:pPr marL="0" indent="0">
+              <a:buNone/>
+            </a:pPr>
+            <a:r>
+              <a:rPr lang="en-US" sz="1000" dirty="0">
+                <a:latin typeface="Lucida Console" panose="020B0609040504020204" pitchFamily="49" charset="0"/>
+              </a:rPr>
+              <a:t>fun main() {</a:t>
+            </a:r>
+            <a:br>
+              <a:rPr lang="en-US" sz="1000" dirty="0">
+                <a:latin typeface="Lucida Console" panose="020B0609040504020204" pitchFamily="49" charset="0"/>
+              </a:rPr>
+            </a:br>
+            <a:r>
+              <a:rPr lang="en-US" sz="1000" dirty="0">
+                <a:latin typeface="Lucida Console" panose="020B0609040504020204" pitchFamily="49" charset="0"/>
+              </a:rPr>
+              <a:t>	</a:t>
+            </a:r>
+            <a:r>
+              <a:rPr lang="en-US" sz="1000" dirty="0" err="1">
+                <a:latin typeface="Lucida Console" panose="020B0609040504020204" pitchFamily="49" charset="0"/>
+              </a:rPr>
+              <a:t>val</a:t>
+            </a:r>
+            <a:r>
+              <a:rPr lang="en-US" sz="1000" dirty="0">
+                <a:latin typeface="Lucida Console" panose="020B0609040504020204" pitchFamily="49" charset="0"/>
+              </a:rPr>
+              <a:t> </a:t>
+            </a:r>
+            <a:r>
+              <a:rPr lang="en-US" sz="1000" dirty="0" err="1">
+                <a:latin typeface="Lucida Console" panose="020B0609040504020204" pitchFamily="49" charset="0"/>
+              </a:rPr>
+              <a:t>roundHut</a:t>
+            </a:r>
+            <a:r>
+              <a:rPr lang="en-US" sz="1000" dirty="0">
+                <a:latin typeface="Lucida Console" panose="020B0609040504020204" pitchFamily="49" charset="0"/>
+              </a:rPr>
+              <a:t> = </a:t>
+            </a:r>
+            <a:r>
+              <a:rPr lang="en-US" sz="1000" dirty="0" err="1">
+                <a:latin typeface="Lucida Console" panose="020B0609040504020204" pitchFamily="49" charset="0"/>
+              </a:rPr>
+              <a:t>RoundHut</a:t>
+            </a:r>
+            <a:r>
+              <a:rPr lang="en-US" sz="1000" dirty="0">
+                <a:latin typeface="Lucida Console" panose="020B0609040504020204" pitchFamily="49" charset="0"/>
+              </a:rPr>
+              <a:t>(3, 40.0)</a:t>
+            </a:r>
+          </a:p>
+          <a:p>
+            <a:pPr marL="0" indent="0">
+              <a:buNone/>
+            </a:pPr>
+            <a:r>
+              <a:rPr lang="en-US" sz="1000" dirty="0">
+                <a:latin typeface="Lucida Console" panose="020B0609040504020204" pitchFamily="49" charset="0"/>
+              </a:rPr>
+              <a:t>	</a:t>
+            </a:r>
+            <a:r>
+              <a:rPr lang="en-US" sz="1000" dirty="0" err="1">
+                <a:latin typeface="Lucida Console" panose="020B0609040504020204" pitchFamily="49" charset="0"/>
+              </a:rPr>
+              <a:t>val</a:t>
+            </a:r>
+            <a:r>
+              <a:rPr lang="en-US" sz="1000" dirty="0">
+                <a:latin typeface="Lucida Console" panose="020B0609040504020204" pitchFamily="49" charset="0"/>
+              </a:rPr>
+              <a:t> </a:t>
+            </a:r>
+            <a:r>
+              <a:rPr lang="en-US" sz="1000" dirty="0" err="1">
+                <a:latin typeface="Lucida Console" panose="020B0609040504020204" pitchFamily="49" charset="0"/>
+              </a:rPr>
+              <a:t>roundTower</a:t>
+            </a:r>
+            <a:r>
+              <a:rPr lang="en-US" sz="1000" dirty="0">
+                <a:latin typeface="Lucida Console" panose="020B0609040504020204" pitchFamily="49" charset="0"/>
+              </a:rPr>
+              <a:t> = RoundTower(3, 15.5)</a:t>
+            </a:r>
+          </a:p>
+          <a:p>
+            <a:pPr marL="0" indent="0">
+              <a:buNone/>
+            </a:pPr>
+            <a:r>
+              <a:rPr lang="en-US" sz="1000" dirty="0">
+                <a:latin typeface="Lucida Console" panose="020B0609040504020204" pitchFamily="49" charset="0"/>
+              </a:rPr>
+              <a:t>}</a:t>
+            </a:r>
+            <a:endParaRPr lang="en-SG" sz="1000" dirty="0">
+              <a:latin typeface="Lucida Console" panose="020B0609040504020204" pitchFamily="49" charset="0"/>
+            </a:endParaRPr>
+          </a:p>
+        </p:txBody>
+      </p:sp>
+      <p:sp>
+        <p:nvSpPr>
+          <p:cNvPr id="7" name="TextBox 6">
+            <a:extLst>
+              <a:ext uri="{FF2B5EF4-FFF2-40B4-BE49-F238E27FC236}">
+                <a16:creationId xmlns:a16="http://schemas.microsoft.com/office/drawing/2014/main" id="{BE67928A-57EA-4386-A190-E6E8EDCA1239}"/>
+              </a:ext>
+            </a:extLst>
+          </p:cNvPr>
+          <p:cNvSpPr txBox="1"/>
+          <p:nvPr/>
+        </p:nvSpPr>
+        <p:spPr>
+          <a:xfrm>
+            <a:off x="6765452" y="2117505"/>
+            <a:ext cx="5076218" cy="4524315"/>
+          </a:xfrm>
+          <a:prstGeom prst="rect">
+            <a:avLst/>
+          </a:prstGeom>
+          <a:noFill/>
+        </p:spPr>
+        <p:txBody>
+          <a:bodyPr wrap="square" rtlCol="0">
+            <a:spAutoFit/>
+          </a:bodyPr>
+          <a:lstStyle/>
+          <a:p>
+            <a:pPr marL="342900" indent="-342900">
+              <a:buAutoNum type="arabicPeriod"/>
+            </a:pPr>
+            <a:r>
+              <a:rPr lang="en-SG" sz="1600" dirty="0"/>
+              <a:t>To </a:t>
+            </a:r>
+            <a:r>
+              <a:rPr lang="en-SG" sz="1600" dirty="0">
+                <a:highlight>
+                  <a:srgbClr val="FFFF00"/>
+                </a:highlight>
+              </a:rPr>
+              <a:t>inherit/extend from</a:t>
+            </a:r>
+            <a:r>
+              <a:rPr lang="en-SG" sz="1600" dirty="0"/>
+              <a:t> a superclass, the superclass itself must be marked with the </a:t>
+            </a:r>
+            <a:r>
+              <a:rPr lang="en-SG" sz="1600" dirty="0">
+                <a:highlight>
+                  <a:srgbClr val="FFFF00"/>
+                </a:highlight>
+                <a:latin typeface="Lucida Console" panose="020B0609040504020204" pitchFamily="49" charset="0"/>
+              </a:rPr>
+              <a:t>open/abstract</a:t>
+            </a:r>
+            <a:r>
+              <a:rPr lang="en-SG" sz="1600" dirty="0"/>
+              <a:t> modifier. (In this case, </a:t>
+            </a:r>
+            <a:r>
+              <a:rPr lang="en-SG" sz="1600" dirty="0" err="1"/>
+              <a:t>RoundHut</a:t>
+            </a:r>
+            <a:r>
+              <a:rPr lang="en-SG" sz="1600" dirty="0"/>
+              <a:t> uses </a:t>
+            </a:r>
+            <a:r>
+              <a:rPr lang="en-SG" sz="1600" dirty="0">
+                <a:highlight>
+                  <a:srgbClr val="FFFF00"/>
+                </a:highlight>
+                <a:latin typeface="Lucida Console" panose="020B0609040504020204" pitchFamily="49" charset="0"/>
+              </a:rPr>
+              <a:t>open</a:t>
+            </a:r>
+            <a:r>
+              <a:rPr lang="en-SG" sz="1600" dirty="0"/>
+              <a:t> because it makes sense that I can instantiate a </a:t>
+            </a:r>
+            <a:r>
+              <a:rPr lang="en-SG" sz="1600" dirty="0" err="1"/>
+              <a:t>RoundHut</a:t>
+            </a:r>
+            <a:r>
+              <a:rPr lang="en-SG" sz="1600" dirty="0"/>
+              <a:t> object)</a:t>
+            </a:r>
+          </a:p>
+          <a:p>
+            <a:pPr marL="342900" indent="-342900">
+              <a:buAutoNum type="arabicPeriod"/>
+            </a:pPr>
+            <a:endParaRPr lang="en-SG" sz="1600" dirty="0"/>
+          </a:p>
+          <a:p>
+            <a:pPr marL="342900" indent="-342900">
+              <a:buAutoNum type="arabicPeriod"/>
+            </a:pPr>
+            <a:endParaRPr lang="en-SG" sz="1600" dirty="0"/>
+          </a:p>
+          <a:p>
+            <a:pPr marL="342900" indent="-342900">
+              <a:buAutoNum type="arabicPeriod"/>
+            </a:pPr>
+            <a:endParaRPr lang="en-SG" sz="1600" dirty="0"/>
+          </a:p>
+          <a:p>
+            <a:pPr marL="342900" indent="-342900">
+              <a:buAutoNum type="arabicPeriod"/>
+            </a:pPr>
+            <a:r>
+              <a:rPr lang="en-SG" sz="1600" dirty="0"/>
+              <a:t>Since an </a:t>
+            </a:r>
+            <a:r>
+              <a:rPr lang="en-SG" sz="1600" dirty="0">
+                <a:highlight>
+                  <a:srgbClr val="00FFFF"/>
+                </a:highlight>
+                <a:latin typeface="Lucida Console" panose="020B0609040504020204" pitchFamily="49" charset="0"/>
+              </a:rPr>
+              <a:t>abstract</a:t>
+            </a:r>
+            <a:r>
+              <a:rPr lang="en-SG" sz="1600" dirty="0"/>
+              <a:t> property of </a:t>
+            </a:r>
+            <a:r>
+              <a:rPr lang="en-SG" sz="1600" dirty="0">
+                <a:highlight>
+                  <a:srgbClr val="00FFFF"/>
+                </a:highlight>
+                <a:latin typeface="Lucida Console" panose="020B0609040504020204" pitchFamily="49" charset="0"/>
+              </a:rPr>
+              <a:t>capacity</a:t>
+            </a:r>
+            <a:r>
+              <a:rPr lang="en-SG" sz="1600" dirty="0"/>
+              <a:t> is defined in the superclass, the subclass must override it by providing it a value, and be marked with the </a:t>
+            </a:r>
+            <a:r>
+              <a:rPr lang="en-SG" sz="1600" dirty="0">
+                <a:highlight>
+                  <a:srgbClr val="00FFFF"/>
+                </a:highlight>
+                <a:latin typeface="Lucida Console" panose="020B0609040504020204" pitchFamily="49" charset="0"/>
+              </a:rPr>
+              <a:t>override</a:t>
+            </a:r>
+            <a:r>
+              <a:rPr lang="en-SG" sz="1600" dirty="0"/>
+              <a:t> modifier</a:t>
+            </a:r>
+          </a:p>
+          <a:p>
+            <a:pPr marL="342900" indent="-342900">
+              <a:buAutoNum type="arabicPeriod"/>
+            </a:pPr>
+            <a:endParaRPr lang="en-US" sz="1600" dirty="0"/>
+          </a:p>
+          <a:p>
+            <a:pPr marL="342900" indent="-342900">
+              <a:buAutoNum type="arabicPeriod"/>
+            </a:pPr>
+            <a:r>
+              <a:rPr lang="en-US" sz="1600" dirty="0"/>
+              <a:t>Defining </a:t>
+            </a:r>
+            <a:r>
+              <a:rPr lang="en-US" sz="1600" dirty="0">
+                <a:highlight>
+                  <a:srgbClr val="FFF169"/>
+                </a:highlight>
+              </a:rPr>
+              <a:t>new parameters for sub-subclasses</a:t>
+            </a:r>
+            <a:r>
+              <a:rPr lang="en-US" sz="1600" dirty="0"/>
+              <a:t> are allowed too.</a:t>
+            </a:r>
+          </a:p>
+          <a:p>
+            <a:pPr marL="342900" indent="-342900">
+              <a:buAutoNum type="arabicPeriod"/>
+            </a:pPr>
+            <a:endParaRPr lang="en-US" sz="1600" dirty="0"/>
+          </a:p>
+          <a:p>
+            <a:pPr marL="342900" indent="-342900">
+              <a:buAutoNum type="arabicPeriod"/>
+            </a:pPr>
+            <a:r>
+              <a:rPr lang="en-US" sz="1600" dirty="0"/>
+              <a:t>Can use the </a:t>
+            </a:r>
+            <a:r>
+              <a:rPr lang="en-US" sz="1600" dirty="0">
+                <a:highlight>
+                  <a:srgbClr val="00FF00"/>
+                </a:highlight>
+                <a:latin typeface="Lucida Console" panose="020B0609040504020204" pitchFamily="49" charset="0"/>
+              </a:rPr>
+              <a:t>super</a:t>
+            </a:r>
+            <a:r>
+              <a:rPr lang="en-US" sz="1600" dirty="0"/>
+              <a:t> keyword in the subclass for whatever you need from the superclass to avoid repetitive implementation.</a:t>
+            </a:r>
+            <a:endParaRPr lang="en-SG" sz="1600" dirty="0"/>
+          </a:p>
+        </p:txBody>
+      </p:sp>
+    </p:spTree>
+    <p:extLst>
+      <p:ext uri="{BB962C8B-B14F-4D97-AF65-F5344CB8AC3E}">
+        <p14:creationId xmlns:p14="http://schemas.microsoft.com/office/powerpoint/2010/main" val="2253805605"/>
+      </p:ext>
+    </p:extLst>
+  </p:cSld>
+  <p:clrMapOvr>
+    <a:masterClrMapping/>
+  </p:clrMapOvr>
+</p:sld>
+</file>
+
+<file path=ppt/slides/slide11.xml><?xml version="1.0" encoding="utf-8"?>
+<p:sld xmlns:a="http://schemas.openxmlformats.org/drawingml/2006/main" xmlns:r="http://schemas.openxmlformats.org/officeDocument/2006/relationships" xmlns:p="http://schemas.openxmlformats.org/presentationml/2006/main">
+  <p:cSld>
+    <p:spTree>
+      <p:nvGrpSpPr>
+        <p:cNvPr id="1" name=""/>
+        <p:cNvGrpSpPr/>
+        <p:nvPr/>
+      </p:nvGrpSpPr>
+      <p:grpSpPr>
+        <a:xfrm>
+          <a:off x="0" y="0"/>
+          <a:ext cx="0" cy="0"/>
+          <a:chOff x="0" y="0"/>
+          <a:chExt cx="0" cy="0"/>
+        </a:xfrm>
+      </p:grpSpPr>
+      <p:sp>
+        <p:nvSpPr>
+          <p:cNvPr id="2" name="Title 1">
+            <a:extLst>
+              <a:ext uri="{FF2B5EF4-FFF2-40B4-BE49-F238E27FC236}">
+                <a16:creationId xmlns:a16="http://schemas.microsoft.com/office/drawing/2014/main" id="{A141A61E-F79F-4A21-95F9-E6A31DCF630F}"/>
+              </a:ext>
+            </a:extLst>
+          </p:cNvPr>
+          <p:cNvSpPr>
+            <a:spLocks noGrp="1"/>
+          </p:cNvSpPr>
+          <p:nvPr>
+            <p:ph type="title"/>
+          </p:nvPr>
+        </p:nvSpPr>
+        <p:spPr/>
+        <p:txBody>
+          <a:bodyPr/>
+          <a:lstStyle/>
+          <a:p>
+            <a:r>
+              <a:rPr lang="en-SG" dirty="0"/>
+              <a:t>Abstract? Wtf is that??</a:t>
+            </a:r>
+          </a:p>
+        </p:txBody>
+      </p:sp>
+      <p:sp>
+        <p:nvSpPr>
+          <p:cNvPr id="3" name="Content Placeholder 2">
+            <a:extLst>
+              <a:ext uri="{FF2B5EF4-FFF2-40B4-BE49-F238E27FC236}">
+                <a16:creationId xmlns:a16="http://schemas.microsoft.com/office/drawing/2014/main" id="{07872F3D-ED3D-4EEB-9792-88BD6D22154F}"/>
+              </a:ext>
+            </a:extLst>
+          </p:cNvPr>
+          <p:cNvSpPr>
+            <a:spLocks noGrp="1"/>
+          </p:cNvSpPr>
+          <p:nvPr>
+            <p:ph idx="1"/>
+          </p:nvPr>
+        </p:nvSpPr>
+        <p:spPr>
+          <a:xfrm>
+            <a:off x="838200" y="1821046"/>
+            <a:ext cx="10515600" cy="4591354"/>
+          </a:xfrm>
+        </p:spPr>
+        <p:txBody>
+          <a:bodyPr>
+            <a:normAutofit/>
+          </a:bodyPr>
+          <a:lstStyle/>
+          <a:p>
+            <a:pPr marL="0" indent="0">
+              <a:buNone/>
+            </a:pPr>
+            <a:r>
+              <a:rPr lang="en-SG" sz="1800" dirty="0"/>
+              <a:t>You define a class as abstract when that class should not be instantiated on its own, and therefore cannot create an instance from it.</a:t>
+            </a:r>
+          </a:p>
+          <a:p>
+            <a:pPr marL="0" indent="0">
+              <a:buNone/>
+            </a:pPr>
+            <a:endParaRPr lang="en-SG" sz="1800" dirty="0"/>
+          </a:p>
+          <a:p>
+            <a:pPr marL="0" indent="0">
+              <a:buNone/>
+            </a:pPr>
+            <a:r>
+              <a:rPr lang="en-SG" sz="1800" dirty="0"/>
+              <a:t>For example… an Animal class. Doesn’t make sense to create an Animal object when there are so many different animals and they do different things and have different attributes. Makes more sense to have a Cat or Dog subclass that extends from an Animal class.</a:t>
+            </a:r>
+          </a:p>
+          <a:p>
+            <a:pPr marL="0" indent="0">
+              <a:buNone/>
+            </a:pPr>
+            <a:endParaRPr lang="en-SG" sz="1800" dirty="0"/>
+          </a:p>
+          <a:p>
+            <a:pPr marL="0" indent="0">
+              <a:buNone/>
+            </a:pPr>
+            <a:r>
+              <a:rPr lang="en-SG" sz="1800" dirty="0"/>
+              <a:t>You define a method in an abstract class as abstract when that method should not be implemented in the class. So if you determine that method to be abstract, you just need to declare the function, without the body (i.e. must remove the curly brackets).</a:t>
+            </a:r>
+          </a:p>
+          <a:p>
+            <a:pPr marL="0" indent="0">
+              <a:buNone/>
+            </a:pPr>
+            <a:endParaRPr lang="en-SG" sz="1800" dirty="0"/>
+          </a:p>
+          <a:p>
+            <a:pPr marL="0" indent="0">
+              <a:buNone/>
+            </a:pPr>
+            <a:r>
+              <a:rPr lang="en-SG" sz="1800" dirty="0"/>
+              <a:t>Properties/Fields can also be abstract. Properties/Fields in an abstract class must be abstract or initialised.</a:t>
+            </a:r>
+          </a:p>
+        </p:txBody>
+      </p:sp>
+    </p:spTree>
+    <p:extLst>
+      <p:ext uri="{BB962C8B-B14F-4D97-AF65-F5344CB8AC3E}">
+        <p14:creationId xmlns:p14="http://schemas.microsoft.com/office/powerpoint/2010/main" val="33737928"/>
+      </p:ext>
+    </p:extLst>
+  </p:cSld>
+  <p:clrMapOvr>
+    <a:masterClrMapping/>
+  </p:clrMapOvr>
+</p:sld>
+</file>
+
+<file path=ppt/slides/slide12.xml><?xml version="1.0" encoding="utf-8"?>
+<p:sld xmlns:a="http://schemas.openxmlformats.org/drawingml/2006/main" xmlns:r="http://schemas.openxmlformats.org/officeDocument/2006/relationships" xmlns:p="http://schemas.openxmlformats.org/presentationml/2006/main">
+  <p:cSld>
+    <p:spTree>
+      <p:nvGrpSpPr>
+        <p:cNvPr id="1" name=""/>
+        <p:cNvGrpSpPr/>
+        <p:nvPr/>
+      </p:nvGrpSpPr>
+      <p:grpSpPr>
+        <a:xfrm>
+          <a:off x="0" y="0"/>
+          <a:ext cx="0" cy="0"/>
+          <a:chOff x="0" y="0"/>
+          <a:chExt cx="0" cy="0"/>
+        </a:xfrm>
+      </p:grpSpPr>
+      <p:sp>
+        <p:nvSpPr>
+          <p:cNvPr id="2" name="Title 1">
+            <a:extLst>
+              <a:ext uri="{FF2B5EF4-FFF2-40B4-BE49-F238E27FC236}">
                 <a16:creationId xmlns:a16="http://schemas.microsoft.com/office/drawing/2014/main" id="{A141A61E-F79F-4A21-95F9-E6A31DCF630F}"/>
               </a:ext>
             </a:extLst>
@@ -3985,7 +4944,7 @@
 </p:sld>
 </file>
 
-<file path=ppt/slides/slide11.xml><?xml version="1.0" encoding="utf-8"?>
+<file path=ppt/slides/slide13.xml><?xml version="1.0" encoding="utf-8"?>
 <p:sld xmlns:a="http://schemas.openxmlformats.org/drawingml/2006/main" xmlns:r="http://schemas.openxmlformats.org/officeDocument/2006/relationships" xmlns:p="http://schemas.openxmlformats.org/presentationml/2006/main">
   <p:cSld>
     <p:spTree>
@@ -4111,7 +5070,7 @@
 </p:sld>
 </file>
 
-<file path=ppt/slides/slide12.xml><?xml version="1.0" encoding="utf-8"?>
+<file path=ppt/slides/slide14.xml><?xml version="1.0" encoding="utf-8"?>
 <p:sld xmlns:a="http://schemas.openxmlformats.org/drawingml/2006/main" xmlns:r="http://schemas.openxmlformats.org/officeDocument/2006/relationships" xmlns:p="http://schemas.openxmlformats.org/presentationml/2006/main">
   <p:cSld>
     <p:spTree>
@@ -4579,7 +5538,899 @@
 </p:sld>
 </file>
 
-<file path=ppt/slides/slide13.xml><?xml version="1.0" encoding="utf-8"?>
+<file path=ppt/slides/slide15.xml><?xml version="1.0" encoding="utf-8"?>
+<p:sld xmlns:a="http://schemas.openxmlformats.org/drawingml/2006/main" xmlns:r="http://schemas.openxmlformats.org/officeDocument/2006/relationships" xmlns:p="http://schemas.openxmlformats.org/presentationml/2006/main">
+  <p:cSld>
+    <p:spTree>
+      <p:nvGrpSpPr>
+        <p:cNvPr id="1" name=""/>
+        <p:cNvGrpSpPr/>
+        <p:nvPr/>
+      </p:nvGrpSpPr>
+      <p:grpSpPr>
+        <a:xfrm>
+          <a:off x="0" y="0"/>
+          <a:ext cx="0" cy="0"/>
+          <a:chOff x="0" y="0"/>
+          <a:chExt cx="0" cy="0"/>
+        </a:xfrm>
+      </p:grpSpPr>
+      <p:sp>
+        <p:nvSpPr>
+          <p:cNvPr id="2" name="Title 1">
+            <a:extLst>
+              <a:ext uri="{FF2B5EF4-FFF2-40B4-BE49-F238E27FC236}">
+                <a16:creationId xmlns:a16="http://schemas.microsoft.com/office/drawing/2014/main" id="{CA3131DA-8E9E-48AA-A0C6-9253AA46BD1D}"/>
+              </a:ext>
+            </a:extLst>
+          </p:cNvPr>
+          <p:cNvSpPr>
+            <a:spLocks noGrp="1"/>
+          </p:cNvSpPr>
+          <p:nvPr>
+            <p:ph type="title"/>
+          </p:nvPr>
+        </p:nvSpPr>
+        <p:spPr/>
+        <p:txBody>
+          <a:bodyPr/>
+          <a:lstStyle/>
+          <a:p>
+            <a:r>
+              <a:rPr lang="en-SG" dirty="0"/>
+              <a:t>With</a:t>
+            </a:r>
+          </a:p>
+        </p:txBody>
+      </p:sp>
+      <p:sp>
+        <p:nvSpPr>
+          <p:cNvPr id="5" name="Rectangle 1">
+            <a:extLst>
+              <a:ext uri="{FF2B5EF4-FFF2-40B4-BE49-F238E27FC236}">
+                <a16:creationId xmlns:a16="http://schemas.microsoft.com/office/drawing/2014/main" id="{52979DE2-EB75-4889-827D-1459994C12A1}"/>
+              </a:ext>
+            </a:extLst>
+          </p:cNvPr>
+          <p:cNvSpPr txBox="1">
+            <a:spLocks noChangeArrowheads="1"/>
+          </p:cNvSpPr>
+          <p:nvPr/>
+        </p:nvSpPr>
+        <p:spPr bwMode="auto">
+          <a:xfrm>
+            <a:off x="6665914" y="3447296"/>
+            <a:ext cx="4090863" cy="1107996"/>
+          </a:xfrm>
+          <a:prstGeom prst="rect">
+            <a:avLst/>
+          </a:prstGeom>
+          <a:noFill/>
+          <a:ln>
+            <a:noFill/>
+          </a:ln>
+          <a:effectLst/>
+          <a:extLst>
+            <a:ext uri="{909E8E84-426E-40DD-AFC4-6F175D3DCCD1}">
+              <a14:hiddenFill xmlns:a14="http://schemas.microsoft.com/office/drawing/2010/main">
+                <a:solidFill>
+                  <a:schemeClr val="accent1"/>
+                </a:solidFill>
+              </a14:hiddenFill>
+            </a:ext>
+            <a:ext uri="{91240B29-F687-4F45-9708-019B960494DF}">
+              <a14:hiddenLine xmlns:a14="http://schemas.microsoft.com/office/drawing/2010/main" w="9525">
+                <a:solidFill>
+                  <a:schemeClr val="tx1"/>
+                </a:solidFill>
+                <a:miter lim="800000"/>
+                <a:headEnd/>
+                <a:tailEnd/>
+              </a14:hiddenLine>
+            </a:ext>
+            <a:ext uri="{AF507438-7753-43E0-B8FC-AC1667EBCBE1}">
+              <a14:hiddenEffects xmlns:a14="http://schemas.microsoft.com/office/drawing/2010/main">
+                <a:effectLst>
+                  <a:outerShdw dist="35921" dir="2700000" algn="ctr" rotWithShape="0">
+                    <a:schemeClr val="bg2"/>
+                  </a:outerShdw>
+                </a:effectLst>
+              </a14:hiddenEffects>
+            </a:ext>
+          </a:extLst>
+        </p:spPr>
+        <p:txBody>
+          <a:bodyPr vert="horz" wrap="none" lIns="0" tIns="0" rIns="0" bIns="0" numCol="1" rtlCol="0" anchor="ctr" anchorCtr="0" compatLnSpc="1">
+            <a:prstTxWarp prst="textNoShape">
+              <a:avLst/>
+            </a:prstTxWarp>
+            <a:spAutoFit/>
+          </a:bodyPr>
+          <a:lstStyle>
+            <a:lvl1pPr marL="228600" indent="-228600" algn="l" defTabSz="914400" rtl="0" eaLnBrk="1" latinLnBrk="0" hangingPunct="1">
+              <a:lnSpc>
+                <a:spcPct val="90000"/>
+              </a:lnSpc>
+              <a:spcBef>
+                <a:spcPts val="1000"/>
+              </a:spcBef>
+              <a:buFont typeface="Arial" panose="020B0604020202020204" pitchFamily="34" charset="0"/>
+              <a:buChar char="•"/>
+              <a:defRPr sz="2800" kern="1200">
+                <a:solidFill>
+                  <a:schemeClr val="tx1"/>
+                </a:solidFill>
+                <a:latin typeface="+mn-lt"/>
+                <a:ea typeface="+mn-ea"/>
+                <a:cs typeface="+mn-cs"/>
+              </a:defRPr>
+            </a:lvl1pPr>
+            <a:lvl2pPr marL="685800" indent="-228600" algn="l" defTabSz="914400" rtl="0" eaLnBrk="1" latinLnBrk="0" hangingPunct="1">
+              <a:lnSpc>
+                <a:spcPct val="90000"/>
+              </a:lnSpc>
+              <a:spcBef>
+                <a:spcPts val="500"/>
+              </a:spcBef>
+              <a:buFont typeface="Arial" panose="020B0604020202020204" pitchFamily="34" charset="0"/>
+              <a:buChar char="•"/>
+              <a:defRPr sz="2400" kern="1200">
+                <a:solidFill>
+                  <a:schemeClr val="tx1"/>
+                </a:solidFill>
+                <a:latin typeface="+mn-lt"/>
+                <a:ea typeface="+mn-ea"/>
+                <a:cs typeface="+mn-cs"/>
+              </a:defRPr>
+            </a:lvl2pPr>
+            <a:lvl3pPr marL="1143000" indent="-228600" algn="l" defTabSz="914400" rtl="0" eaLnBrk="1" latinLnBrk="0" hangingPunct="1">
+              <a:lnSpc>
+                <a:spcPct val="90000"/>
+              </a:lnSpc>
+              <a:spcBef>
+                <a:spcPts val="500"/>
+              </a:spcBef>
+              <a:buFont typeface="Arial" panose="020B0604020202020204" pitchFamily="34" charset="0"/>
+              <a:buChar char="•"/>
+              <a:defRPr sz="2000" kern="1200">
+                <a:solidFill>
+                  <a:schemeClr val="tx1"/>
+                </a:solidFill>
+                <a:latin typeface="+mn-lt"/>
+                <a:ea typeface="+mn-ea"/>
+                <a:cs typeface="+mn-cs"/>
+              </a:defRPr>
+            </a:lvl3pPr>
+            <a:lvl4pPr marL="1600200" indent="-228600" algn="l" defTabSz="914400" rtl="0" eaLnBrk="1" latinLnBrk="0" hangingPunct="1">
+              <a:lnSpc>
+                <a:spcPct val="90000"/>
+              </a:lnSpc>
+              <a:spcBef>
+                <a:spcPts val="500"/>
+              </a:spcBef>
+              <a:buFont typeface="Arial" panose="020B0604020202020204" pitchFamily="34" charset="0"/>
+              <a:buChar char="•"/>
+              <a:defRPr sz="1800" kern="1200">
+                <a:solidFill>
+                  <a:schemeClr val="tx1"/>
+                </a:solidFill>
+                <a:latin typeface="+mn-lt"/>
+                <a:ea typeface="+mn-ea"/>
+                <a:cs typeface="+mn-cs"/>
+              </a:defRPr>
+            </a:lvl4pPr>
+            <a:lvl5pPr marL="2057400" indent="-228600" algn="l" defTabSz="914400" rtl="0" eaLnBrk="1" latinLnBrk="0" hangingPunct="1">
+              <a:lnSpc>
+                <a:spcPct val="90000"/>
+              </a:lnSpc>
+              <a:spcBef>
+                <a:spcPts val="500"/>
+              </a:spcBef>
+              <a:buFont typeface="Arial" panose="020B0604020202020204" pitchFamily="34" charset="0"/>
+              <a:buChar char="•"/>
+              <a:defRPr sz="1800" kern="1200">
+                <a:solidFill>
+                  <a:schemeClr val="tx1"/>
+                </a:solidFill>
+                <a:latin typeface="+mn-lt"/>
+                <a:ea typeface="+mn-ea"/>
+                <a:cs typeface="+mn-cs"/>
+              </a:defRPr>
+            </a:lvl5pPr>
+            <a:lvl6pPr marL="2514600" indent="-228600" algn="l" defTabSz="914400" rtl="0" eaLnBrk="1" latinLnBrk="0" hangingPunct="1">
+              <a:lnSpc>
+                <a:spcPct val="90000"/>
+              </a:lnSpc>
+              <a:spcBef>
+                <a:spcPts val="500"/>
+              </a:spcBef>
+              <a:buFont typeface="Arial" panose="020B0604020202020204" pitchFamily="34" charset="0"/>
+              <a:buChar char="•"/>
+              <a:defRPr sz="1800" kern="1200">
+                <a:solidFill>
+                  <a:schemeClr val="tx1"/>
+                </a:solidFill>
+                <a:latin typeface="+mn-lt"/>
+                <a:ea typeface="+mn-ea"/>
+                <a:cs typeface="+mn-cs"/>
+              </a:defRPr>
+            </a:lvl6pPr>
+            <a:lvl7pPr marL="2971800" indent="-228600" algn="l" defTabSz="914400" rtl="0" eaLnBrk="1" latinLnBrk="0" hangingPunct="1">
+              <a:lnSpc>
+                <a:spcPct val="90000"/>
+              </a:lnSpc>
+              <a:spcBef>
+                <a:spcPts val="500"/>
+              </a:spcBef>
+              <a:buFont typeface="Arial" panose="020B0604020202020204" pitchFamily="34" charset="0"/>
+              <a:buChar char="•"/>
+              <a:defRPr sz="1800" kern="1200">
+                <a:solidFill>
+                  <a:schemeClr val="tx1"/>
+                </a:solidFill>
+                <a:latin typeface="+mn-lt"/>
+                <a:ea typeface="+mn-ea"/>
+                <a:cs typeface="+mn-cs"/>
+              </a:defRPr>
+            </a:lvl7pPr>
+            <a:lvl8pPr marL="3429000" indent="-228600" algn="l" defTabSz="914400" rtl="0" eaLnBrk="1" latinLnBrk="0" hangingPunct="1">
+              <a:lnSpc>
+                <a:spcPct val="90000"/>
+              </a:lnSpc>
+              <a:spcBef>
+                <a:spcPts val="500"/>
+              </a:spcBef>
+              <a:buFont typeface="Arial" panose="020B0604020202020204" pitchFamily="34" charset="0"/>
+              <a:buChar char="•"/>
+              <a:defRPr sz="1800" kern="1200">
+                <a:solidFill>
+                  <a:schemeClr val="tx1"/>
+                </a:solidFill>
+                <a:latin typeface="+mn-lt"/>
+                <a:ea typeface="+mn-ea"/>
+                <a:cs typeface="+mn-cs"/>
+              </a:defRPr>
+            </a:lvl8pPr>
+            <a:lvl9pPr marL="3886200" indent="-228600" algn="l" defTabSz="914400" rtl="0" eaLnBrk="1" latinLnBrk="0" hangingPunct="1">
+              <a:lnSpc>
+                <a:spcPct val="90000"/>
+              </a:lnSpc>
+              <a:spcBef>
+                <a:spcPts val="500"/>
+              </a:spcBef>
+              <a:buFont typeface="Arial" panose="020B0604020202020204" pitchFamily="34" charset="0"/>
+              <a:buChar char="•"/>
+              <a:defRPr sz="1800" kern="1200">
+                <a:solidFill>
+                  <a:schemeClr val="tx1"/>
+                </a:solidFill>
+                <a:latin typeface="+mn-lt"/>
+                <a:ea typeface="+mn-ea"/>
+                <a:cs typeface="+mn-cs"/>
+              </a:defRPr>
+            </a:lvl9pPr>
+          </a:lstStyle>
+          <a:p>
+            <a:pPr marL="0" indent="0" eaLnBrk="0" fontAlgn="base" hangingPunct="0">
+              <a:lnSpc>
+                <a:spcPct val="100000"/>
+              </a:lnSpc>
+              <a:spcBef>
+                <a:spcPct val="0"/>
+              </a:spcBef>
+              <a:spcAft>
+                <a:spcPct val="0"/>
+              </a:spcAft>
+              <a:buFontTx/>
+              <a:buNone/>
+            </a:pPr>
+            <a:r>
+              <a:rPr lang="en-US" altLang="en-US" sz="1200">
+                <a:latin typeface="Lucida Console" panose="020B0609040504020204" pitchFamily="49" charset="0"/>
+                <a:ea typeface="var(--devsite-code-font-family)"/>
+              </a:rPr>
+              <a:t>with(squareCabin) {</a:t>
+            </a:r>
+            <a:br>
+              <a:rPr lang="en-US" altLang="en-US" sz="1200">
+                <a:latin typeface="Lucida Console" panose="020B0609040504020204" pitchFamily="49" charset="0"/>
+                <a:ea typeface="var(--devsite-code-font-family)"/>
+              </a:rPr>
+            </a:br>
+            <a:r>
+              <a:rPr lang="en-US" altLang="en-US" sz="1200">
+                <a:latin typeface="Lucida Console" panose="020B0609040504020204" pitchFamily="49" charset="0"/>
+                <a:ea typeface="var(--devsite-code-font-family)"/>
+              </a:rPr>
+              <a:t>    println("\nSquare Cabin\n============")</a:t>
+            </a:r>
+            <a:br>
+              <a:rPr lang="en-US" altLang="en-US" sz="1200">
+                <a:latin typeface="Lucida Console" panose="020B0609040504020204" pitchFamily="49" charset="0"/>
+                <a:ea typeface="var(--devsite-code-font-family)"/>
+              </a:rPr>
+            </a:br>
+            <a:r>
+              <a:rPr lang="en-US" altLang="en-US" sz="1200">
+                <a:latin typeface="Lucida Console" panose="020B0609040504020204" pitchFamily="49" charset="0"/>
+                <a:ea typeface="var(--devsite-code-font-family)"/>
+              </a:rPr>
+              <a:t>    println("Capacity: ${capacity}")</a:t>
+            </a:r>
+            <a:br>
+              <a:rPr lang="en-US" altLang="en-US" sz="1200">
+                <a:latin typeface="Lucida Console" panose="020B0609040504020204" pitchFamily="49" charset="0"/>
+                <a:ea typeface="var(--devsite-code-font-family)"/>
+              </a:rPr>
+            </a:br>
+            <a:r>
+              <a:rPr lang="en-US" altLang="en-US" sz="1200">
+                <a:latin typeface="Lucida Console" panose="020B0609040504020204" pitchFamily="49" charset="0"/>
+                <a:ea typeface="var(--devsite-code-font-family)"/>
+              </a:rPr>
+              <a:t>    println("Material: ${buildingMaterial}")</a:t>
+            </a:r>
+            <a:br>
+              <a:rPr lang="en-US" altLang="en-US" sz="1200">
+                <a:latin typeface="Lucida Console" panose="020B0609040504020204" pitchFamily="49" charset="0"/>
+                <a:ea typeface="var(--devsite-code-font-family)"/>
+              </a:rPr>
+            </a:br>
+            <a:r>
+              <a:rPr lang="en-US" altLang="en-US" sz="1200">
+                <a:latin typeface="Lucida Console" panose="020B0609040504020204" pitchFamily="49" charset="0"/>
+                <a:ea typeface="var(--devsite-code-font-family)"/>
+              </a:rPr>
+              <a:t>    println("Has room? ${hasRoom()}")</a:t>
+            </a:r>
+            <a:br>
+              <a:rPr lang="en-US" altLang="en-US" sz="1200">
+                <a:latin typeface="Lucida Console" panose="020B0609040504020204" pitchFamily="49" charset="0"/>
+                <a:ea typeface="var(--devsite-code-font-family)"/>
+              </a:rPr>
+            </a:br>
+            <a:r>
+              <a:rPr lang="en-US" altLang="en-US" sz="1200">
+                <a:latin typeface="Lucida Console" panose="020B0609040504020204" pitchFamily="49" charset="0"/>
+                <a:ea typeface="var(--devsite-code-font-family)"/>
+              </a:rPr>
+              <a:t>}</a:t>
+            </a:r>
+            <a:r>
+              <a:rPr lang="en-US" altLang="en-US" sz="1200">
+                <a:latin typeface="Lucida Console" panose="020B0609040504020204" pitchFamily="49" charset="0"/>
+              </a:rPr>
+              <a:t> </a:t>
+            </a:r>
+            <a:endParaRPr lang="en-US" altLang="en-US" sz="1200" dirty="0">
+              <a:latin typeface="Lucida Console" panose="020B0609040504020204" pitchFamily="49" charset="0"/>
+            </a:endParaRPr>
+          </a:p>
+        </p:txBody>
+      </p:sp>
+      <p:sp>
+        <p:nvSpPr>
+          <p:cNvPr id="7" name="Rectangle 3">
+            <a:extLst>
+              <a:ext uri="{FF2B5EF4-FFF2-40B4-BE49-F238E27FC236}">
+                <a16:creationId xmlns:a16="http://schemas.microsoft.com/office/drawing/2014/main" id="{FACB5103-476B-470F-9A54-AF8543C6F9C9}"/>
+              </a:ext>
+            </a:extLst>
+          </p:cNvPr>
+          <p:cNvSpPr>
+            <a:spLocks noGrp="1" noChangeArrowheads="1"/>
+          </p:cNvSpPr>
+          <p:nvPr>
+            <p:ph idx="1"/>
+          </p:nvPr>
+        </p:nvSpPr>
+        <p:spPr bwMode="auto">
+          <a:xfrm>
+            <a:off x="838200" y="3447296"/>
+            <a:ext cx="5257801" cy="738664"/>
+          </a:xfrm>
+          <a:prstGeom prst="rect">
+            <a:avLst/>
+          </a:prstGeom>
+          <a:noFill/>
+          <a:ln>
+            <a:noFill/>
+          </a:ln>
+          <a:effectLst/>
+          <a:extLst>
+            <a:ext uri="{909E8E84-426E-40DD-AFC4-6F175D3DCCD1}">
+              <a14:hiddenFill xmlns:a14="http://schemas.microsoft.com/office/drawing/2010/main">
+                <a:solidFill>
+                  <a:schemeClr val="accent1"/>
+                </a:solidFill>
+              </a14:hiddenFill>
+            </a:ext>
+            <a:ext uri="{91240B29-F687-4F45-9708-019B960494DF}">
+              <a14:hiddenLine xmlns:a14="http://schemas.microsoft.com/office/drawing/2010/main" w="9525">
+                <a:solidFill>
+                  <a:schemeClr val="tx1"/>
+                </a:solidFill>
+                <a:miter lim="800000"/>
+                <a:headEnd/>
+                <a:tailEnd/>
+              </a14:hiddenLine>
+            </a:ext>
+            <a:ext uri="{AF507438-7753-43E0-B8FC-AC1667EBCBE1}">
+              <a14:hiddenEffects xmlns:a14="http://schemas.microsoft.com/office/drawing/2010/main">
+                <a:effectLst>
+                  <a:outerShdw dist="35921" dir="2700000" algn="ctr" rotWithShape="0">
+                    <a:schemeClr val="bg2"/>
+                  </a:outerShdw>
+                </a:effectLst>
+              </a14:hiddenEffects>
+            </a:ext>
+          </a:extLst>
+        </p:spPr>
+        <p:txBody>
+          <a:bodyPr vert="horz" wrap="square" lIns="0" tIns="0" rIns="0" bIns="0" numCol="1" anchor="ctr" anchorCtr="0" compatLnSpc="1">
+            <a:prstTxWarp prst="textNoShape">
+              <a:avLst/>
+            </a:prstTxWarp>
+            <a:spAutoFit/>
+          </a:bodyPr>
+          <a:lstStyle/>
+          <a:p>
+            <a:pPr marL="0" marR="0" lvl="0" indent="0" algn="l" defTabSz="914400" rtl="0" eaLnBrk="0" fontAlgn="base" latinLnBrk="0" hangingPunct="0">
+              <a:lnSpc>
+                <a:spcPct val="100000"/>
+              </a:lnSpc>
+              <a:spcBef>
+                <a:spcPct val="0"/>
+              </a:spcBef>
+              <a:spcAft>
+                <a:spcPct val="0"/>
+              </a:spcAft>
+              <a:buClrTx/>
+              <a:buSzTx/>
+              <a:buFontTx/>
+              <a:buNone/>
+              <a:tabLst/>
+            </a:pPr>
+            <a:r>
+              <a:rPr kumimoji="0" lang="en-US" altLang="en-US" sz="1200" b="0" i="0" u="none" strike="noStrike" cap="none" normalizeH="0" baseline="0" dirty="0">
+                <a:ln>
+                  <a:noFill/>
+                </a:ln>
+                <a:solidFill>
+                  <a:schemeClr val="tx1"/>
+                </a:solidFill>
+                <a:effectLst/>
+                <a:latin typeface="Lucida Console" panose="020B0609040504020204" pitchFamily="49" charset="0"/>
+                <a:ea typeface="var(--devsite-code-font-family)"/>
+              </a:rPr>
+              <a:t>println("\</a:t>
+            </a:r>
+            <a:r>
+              <a:rPr kumimoji="0" lang="en-US" altLang="en-US" sz="1200" b="0" i="0" u="none" strike="noStrike" cap="none" normalizeH="0" baseline="0" dirty="0" err="1">
+                <a:ln>
+                  <a:noFill/>
+                </a:ln>
+                <a:solidFill>
+                  <a:schemeClr val="tx1"/>
+                </a:solidFill>
+                <a:effectLst/>
+                <a:latin typeface="Lucida Console" panose="020B0609040504020204" pitchFamily="49" charset="0"/>
+                <a:ea typeface="var(--devsite-code-font-family)"/>
+              </a:rPr>
+              <a:t>nSquare</a:t>
+            </a:r>
+            <a:r>
+              <a:rPr kumimoji="0" lang="en-US" altLang="en-US" sz="1200" b="0" i="0" u="none" strike="noStrike" cap="none" normalizeH="0" baseline="0" dirty="0">
+                <a:ln>
+                  <a:noFill/>
+                </a:ln>
+                <a:solidFill>
+                  <a:schemeClr val="tx1"/>
+                </a:solidFill>
+                <a:effectLst/>
+                <a:latin typeface="Lucida Console" panose="020B0609040504020204" pitchFamily="49" charset="0"/>
+                <a:ea typeface="var(--devsite-code-font-family)"/>
+              </a:rPr>
+              <a:t> Cabin\n============")</a:t>
+            </a:r>
+            <a:br>
+              <a:rPr kumimoji="0" lang="en-US" altLang="en-US" sz="1200" b="0" i="0" u="none" strike="noStrike" cap="none" normalizeH="0" baseline="0" dirty="0">
+                <a:ln>
+                  <a:noFill/>
+                </a:ln>
+                <a:solidFill>
+                  <a:schemeClr val="tx1"/>
+                </a:solidFill>
+                <a:effectLst/>
+                <a:latin typeface="Lucida Console" panose="020B0609040504020204" pitchFamily="49" charset="0"/>
+                <a:ea typeface="var(--devsite-code-font-family)"/>
+              </a:rPr>
+            </a:br>
+            <a:r>
+              <a:rPr kumimoji="0" lang="en-US" altLang="en-US" sz="1200" b="0" i="0" u="none" strike="noStrike" cap="none" normalizeH="0" baseline="0" dirty="0">
+                <a:ln>
+                  <a:noFill/>
+                </a:ln>
+                <a:solidFill>
+                  <a:schemeClr val="tx1"/>
+                </a:solidFill>
+                <a:effectLst/>
+                <a:latin typeface="Lucida Console" panose="020B0609040504020204" pitchFamily="49" charset="0"/>
+                <a:ea typeface="var(--devsite-code-font-family)"/>
+              </a:rPr>
+              <a:t>println("Capacity: ${</a:t>
+            </a:r>
+            <a:r>
+              <a:rPr kumimoji="0" lang="en-US" altLang="en-US" sz="1200" b="0" i="0" u="none" strike="noStrike" cap="none" normalizeH="0" baseline="0" dirty="0" err="1">
+                <a:ln>
+                  <a:noFill/>
+                </a:ln>
+                <a:solidFill>
+                  <a:schemeClr val="tx1"/>
+                </a:solidFill>
+                <a:effectLst/>
+                <a:latin typeface="Lucida Console" panose="020B0609040504020204" pitchFamily="49" charset="0"/>
+                <a:ea typeface="var(--devsite-code-font-family)"/>
+              </a:rPr>
+              <a:t>squareCabin.capacity</a:t>
+            </a:r>
+            <a:r>
+              <a:rPr kumimoji="0" lang="en-US" altLang="en-US" sz="1200" b="0" i="0" u="none" strike="noStrike" cap="none" normalizeH="0" baseline="0" dirty="0">
+                <a:ln>
+                  <a:noFill/>
+                </a:ln>
+                <a:solidFill>
+                  <a:schemeClr val="tx1"/>
+                </a:solidFill>
+                <a:effectLst/>
+                <a:latin typeface="Lucida Console" panose="020B0609040504020204" pitchFamily="49" charset="0"/>
+                <a:ea typeface="var(--devsite-code-font-family)"/>
+              </a:rPr>
+              <a:t>}")</a:t>
+            </a:r>
+            <a:br>
+              <a:rPr kumimoji="0" lang="en-US" altLang="en-US" sz="1200" b="0" i="0" u="none" strike="noStrike" cap="none" normalizeH="0" baseline="0" dirty="0">
+                <a:ln>
+                  <a:noFill/>
+                </a:ln>
+                <a:solidFill>
+                  <a:schemeClr val="tx1"/>
+                </a:solidFill>
+                <a:effectLst/>
+                <a:latin typeface="Lucida Console" panose="020B0609040504020204" pitchFamily="49" charset="0"/>
+                <a:ea typeface="var(--devsite-code-font-family)"/>
+              </a:rPr>
+            </a:br>
+            <a:r>
+              <a:rPr kumimoji="0" lang="en-US" altLang="en-US" sz="1200" b="0" i="0" u="none" strike="noStrike" cap="none" normalizeH="0" baseline="0" dirty="0">
+                <a:ln>
+                  <a:noFill/>
+                </a:ln>
+                <a:solidFill>
+                  <a:schemeClr val="tx1"/>
+                </a:solidFill>
+                <a:effectLst/>
+                <a:latin typeface="Lucida Console" panose="020B0609040504020204" pitchFamily="49" charset="0"/>
+                <a:ea typeface="var(--devsite-code-font-family)"/>
+              </a:rPr>
+              <a:t>println("Material: ${</a:t>
+            </a:r>
+            <a:r>
+              <a:rPr kumimoji="0" lang="en-US" altLang="en-US" sz="1200" b="0" i="0" u="none" strike="noStrike" cap="none" normalizeH="0" baseline="0" dirty="0" err="1">
+                <a:ln>
+                  <a:noFill/>
+                </a:ln>
+                <a:solidFill>
+                  <a:schemeClr val="tx1"/>
+                </a:solidFill>
+                <a:effectLst/>
+                <a:latin typeface="Lucida Console" panose="020B0609040504020204" pitchFamily="49" charset="0"/>
+                <a:ea typeface="var(--devsite-code-font-family)"/>
+              </a:rPr>
+              <a:t>squareCabin.buildingMaterial</a:t>
+            </a:r>
+            <a:r>
+              <a:rPr kumimoji="0" lang="en-US" altLang="en-US" sz="1200" b="0" i="0" u="none" strike="noStrike" cap="none" normalizeH="0" baseline="0" dirty="0">
+                <a:ln>
+                  <a:noFill/>
+                </a:ln>
+                <a:solidFill>
+                  <a:schemeClr val="tx1"/>
+                </a:solidFill>
+                <a:effectLst/>
+                <a:latin typeface="Lucida Console" panose="020B0609040504020204" pitchFamily="49" charset="0"/>
+                <a:ea typeface="var(--devsite-code-font-family)"/>
+              </a:rPr>
+              <a:t>}")</a:t>
+            </a:r>
+            <a:br>
+              <a:rPr kumimoji="0" lang="en-US" altLang="en-US" sz="1200" b="0" i="0" u="none" strike="noStrike" cap="none" normalizeH="0" baseline="0" dirty="0">
+                <a:ln>
+                  <a:noFill/>
+                </a:ln>
+                <a:solidFill>
+                  <a:schemeClr val="tx1"/>
+                </a:solidFill>
+                <a:effectLst/>
+                <a:latin typeface="Lucida Console" panose="020B0609040504020204" pitchFamily="49" charset="0"/>
+                <a:ea typeface="var(--devsite-code-font-family)"/>
+              </a:rPr>
+            </a:br>
+            <a:r>
+              <a:rPr kumimoji="0" lang="en-US" altLang="en-US" sz="1200" b="0" i="0" u="none" strike="noStrike" cap="none" normalizeH="0" baseline="0" dirty="0">
+                <a:ln>
+                  <a:noFill/>
+                </a:ln>
+                <a:solidFill>
+                  <a:schemeClr val="tx1"/>
+                </a:solidFill>
+                <a:effectLst/>
+                <a:latin typeface="Lucida Console" panose="020B0609040504020204" pitchFamily="49" charset="0"/>
+                <a:ea typeface="var(--devsite-code-font-family)"/>
+              </a:rPr>
+              <a:t>println("Has room? ${</a:t>
+            </a:r>
+            <a:r>
+              <a:rPr kumimoji="0" lang="en-US" altLang="en-US" sz="1200" b="0" i="0" u="none" strike="noStrike" cap="none" normalizeH="0" baseline="0" dirty="0" err="1">
+                <a:ln>
+                  <a:noFill/>
+                </a:ln>
+                <a:solidFill>
+                  <a:schemeClr val="tx1"/>
+                </a:solidFill>
+                <a:effectLst/>
+                <a:latin typeface="Lucida Console" panose="020B0609040504020204" pitchFamily="49" charset="0"/>
+                <a:ea typeface="var(--devsite-code-font-family)"/>
+              </a:rPr>
+              <a:t>squareCabin.hasRoom</a:t>
+            </a:r>
+            <a:r>
+              <a:rPr kumimoji="0" lang="en-US" altLang="en-US" sz="1200" b="0" i="0" u="none" strike="noStrike" cap="none" normalizeH="0" baseline="0" dirty="0">
+                <a:ln>
+                  <a:noFill/>
+                </a:ln>
+                <a:solidFill>
+                  <a:schemeClr val="tx1"/>
+                </a:solidFill>
+                <a:effectLst/>
+                <a:latin typeface="Lucida Console" panose="020B0609040504020204" pitchFamily="49" charset="0"/>
+                <a:ea typeface="var(--devsite-code-font-family)"/>
+              </a:rPr>
+              <a:t>()}")</a:t>
+            </a:r>
+            <a:r>
+              <a:rPr kumimoji="0" lang="en-US" altLang="en-US" sz="1200" b="0" i="0" u="none" strike="noStrike" cap="none" normalizeH="0" baseline="0" dirty="0">
+                <a:ln>
+                  <a:noFill/>
+                </a:ln>
+                <a:solidFill>
+                  <a:schemeClr val="tx1"/>
+                </a:solidFill>
+                <a:effectLst/>
+                <a:latin typeface="Lucida Console" panose="020B0609040504020204" pitchFamily="49" charset="0"/>
+              </a:rPr>
+              <a:t> </a:t>
+            </a:r>
+          </a:p>
+        </p:txBody>
+      </p:sp>
+      <p:sp>
+        <p:nvSpPr>
+          <p:cNvPr id="8" name="Content Placeholder 2">
+            <a:extLst>
+              <a:ext uri="{FF2B5EF4-FFF2-40B4-BE49-F238E27FC236}">
+                <a16:creationId xmlns:a16="http://schemas.microsoft.com/office/drawing/2014/main" id="{112A39FC-D924-4FDB-95E7-3ED6A92366B3}"/>
+              </a:ext>
+            </a:extLst>
+          </p:cNvPr>
+          <p:cNvSpPr txBox="1">
+            <a:spLocks/>
+          </p:cNvSpPr>
+          <p:nvPr/>
+        </p:nvSpPr>
+        <p:spPr>
+          <a:xfrm>
+            <a:off x="838200" y="1825625"/>
+            <a:ext cx="10515600" cy="460375"/>
+          </a:xfrm>
+          <a:prstGeom prst="rect">
+            <a:avLst/>
+          </a:prstGeom>
+        </p:spPr>
+        <p:txBody>
+          <a:bodyPr vert="horz" lIns="91440" tIns="45720" rIns="91440" bIns="45720" rtlCol="0">
+            <a:normAutofit/>
+          </a:bodyPr>
+          <a:lstStyle>
+            <a:lvl1pPr marL="228600" indent="-228600" algn="l" defTabSz="914400" rtl="0" eaLnBrk="1" latinLnBrk="0" hangingPunct="1">
+              <a:lnSpc>
+                <a:spcPct val="90000"/>
+              </a:lnSpc>
+              <a:spcBef>
+                <a:spcPts val="1000"/>
+              </a:spcBef>
+              <a:buFont typeface="Arial" panose="020B0604020202020204" pitchFamily="34" charset="0"/>
+              <a:buChar char="•"/>
+              <a:defRPr sz="2800" kern="1200">
+                <a:solidFill>
+                  <a:schemeClr val="tx1"/>
+                </a:solidFill>
+                <a:latin typeface="+mn-lt"/>
+                <a:ea typeface="+mn-ea"/>
+                <a:cs typeface="+mn-cs"/>
+              </a:defRPr>
+            </a:lvl1pPr>
+            <a:lvl2pPr marL="685800" indent="-228600" algn="l" defTabSz="914400" rtl="0" eaLnBrk="1" latinLnBrk="0" hangingPunct="1">
+              <a:lnSpc>
+                <a:spcPct val="90000"/>
+              </a:lnSpc>
+              <a:spcBef>
+                <a:spcPts val="500"/>
+              </a:spcBef>
+              <a:buFont typeface="Arial" panose="020B0604020202020204" pitchFamily="34" charset="0"/>
+              <a:buChar char="•"/>
+              <a:defRPr sz="2400" kern="1200">
+                <a:solidFill>
+                  <a:schemeClr val="tx1"/>
+                </a:solidFill>
+                <a:latin typeface="+mn-lt"/>
+                <a:ea typeface="+mn-ea"/>
+                <a:cs typeface="+mn-cs"/>
+              </a:defRPr>
+            </a:lvl2pPr>
+            <a:lvl3pPr marL="1143000" indent="-228600" algn="l" defTabSz="914400" rtl="0" eaLnBrk="1" latinLnBrk="0" hangingPunct="1">
+              <a:lnSpc>
+                <a:spcPct val="90000"/>
+              </a:lnSpc>
+              <a:spcBef>
+                <a:spcPts val="500"/>
+              </a:spcBef>
+              <a:buFont typeface="Arial" panose="020B0604020202020204" pitchFamily="34" charset="0"/>
+              <a:buChar char="•"/>
+              <a:defRPr sz="2000" kern="1200">
+                <a:solidFill>
+                  <a:schemeClr val="tx1"/>
+                </a:solidFill>
+                <a:latin typeface="+mn-lt"/>
+                <a:ea typeface="+mn-ea"/>
+                <a:cs typeface="+mn-cs"/>
+              </a:defRPr>
+            </a:lvl3pPr>
+            <a:lvl4pPr marL="1600200" indent="-228600" algn="l" defTabSz="914400" rtl="0" eaLnBrk="1" latinLnBrk="0" hangingPunct="1">
+              <a:lnSpc>
+                <a:spcPct val="90000"/>
+              </a:lnSpc>
+              <a:spcBef>
+                <a:spcPts val="500"/>
+              </a:spcBef>
+              <a:buFont typeface="Arial" panose="020B0604020202020204" pitchFamily="34" charset="0"/>
+              <a:buChar char="•"/>
+              <a:defRPr sz="1800" kern="1200">
+                <a:solidFill>
+                  <a:schemeClr val="tx1"/>
+                </a:solidFill>
+                <a:latin typeface="+mn-lt"/>
+                <a:ea typeface="+mn-ea"/>
+                <a:cs typeface="+mn-cs"/>
+              </a:defRPr>
+            </a:lvl4pPr>
+            <a:lvl5pPr marL="2057400" indent="-228600" algn="l" defTabSz="914400" rtl="0" eaLnBrk="1" latinLnBrk="0" hangingPunct="1">
+              <a:lnSpc>
+                <a:spcPct val="90000"/>
+              </a:lnSpc>
+              <a:spcBef>
+                <a:spcPts val="500"/>
+              </a:spcBef>
+              <a:buFont typeface="Arial" panose="020B0604020202020204" pitchFamily="34" charset="0"/>
+              <a:buChar char="•"/>
+              <a:defRPr sz="1800" kern="1200">
+                <a:solidFill>
+                  <a:schemeClr val="tx1"/>
+                </a:solidFill>
+                <a:latin typeface="+mn-lt"/>
+                <a:ea typeface="+mn-ea"/>
+                <a:cs typeface="+mn-cs"/>
+              </a:defRPr>
+            </a:lvl5pPr>
+            <a:lvl6pPr marL="2514600" indent="-228600" algn="l" defTabSz="914400" rtl="0" eaLnBrk="1" latinLnBrk="0" hangingPunct="1">
+              <a:lnSpc>
+                <a:spcPct val="90000"/>
+              </a:lnSpc>
+              <a:spcBef>
+                <a:spcPts val="500"/>
+              </a:spcBef>
+              <a:buFont typeface="Arial" panose="020B0604020202020204" pitchFamily="34" charset="0"/>
+              <a:buChar char="•"/>
+              <a:defRPr sz="1800" kern="1200">
+                <a:solidFill>
+                  <a:schemeClr val="tx1"/>
+                </a:solidFill>
+                <a:latin typeface="+mn-lt"/>
+                <a:ea typeface="+mn-ea"/>
+                <a:cs typeface="+mn-cs"/>
+              </a:defRPr>
+            </a:lvl6pPr>
+            <a:lvl7pPr marL="2971800" indent="-228600" algn="l" defTabSz="914400" rtl="0" eaLnBrk="1" latinLnBrk="0" hangingPunct="1">
+              <a:lnSpc>
+                <a:spcPct val="90000"/>
+              </a:lnSpc>
+              <a:spcBef>
+                <a:spcPts val="500"/>
+              </a:spcBef>
+              <a:buFont typeface="Arial" panose="020B0604020202020204" pitchFamily="34" charset="0"/>
+              <a:buChar char="•"/>
+              <a:defRPr sz="1800" kern="1200">
+                <a:solidFill>
+                  <a:schemeClr val="tx1"/>
+                </a:solidFill>
+                <a:latin typeface="+mn-lt"/>
+                <a:ea typeface="+mn-ea"/>
+                <a:cs typeface="+mn-cs"/>
+              </a:defRPr>
+            </a:lvl7pPr>
+            <a:lvl8pPr marL="3429000" indent="-228600" algn="l" defTabSz="914400" rtl="0" eaLnBrk="1" latinLnBrk="0" hangingPunct="1">
+              <a:lnSpc>
+                <a:spcPct val="90000"/>
+              </a:lnSpc>
+              <a:spcBef>
+                <a:spcPts val="500"/>
+              </a:spcBef>
+              <a:buFont typeface="Arial" panose="020B0604020202020204" pitchFamily="34" charset="0"/>
+              <a:buChar char="•"/>
+              <a:defRPr sz="1800" kern="1200">
+                <a:solidFill>
+                  <a:schemeClr val="tx1"/>
+                </a:solidFill>
+                <a:latin typeface="+mn-lt"/>
+                <a:ea typeface="+mn-ea"/>
+                <a:cs typeface="+mn-cs"/>
+              </a:defRPr>
+            </a:lvl8pPr>
+            <a:lvl9pPr marL="3886200" indent="-228600" algn="l" defTabSz="914400" rtl="0" eaLnBrk="1" latinLnBrk="0" hangingPunct="1">
+              <a:lnSpc>
+                <a:spcPct val="90000"/>
+              </a:lnSpc>
+              <a:spcBef>
+                <a:spcPts val="500"/>
+              </a:spcBef>
+              <a:buFont typeface="Arial" panose="020B0604020202020204" pitchFamily="34" charset="0"/>
+              <a:buChar char="•"/>
+              <a:defRPr sz="1800" kern="1200">
+                <a:solidFill>
+                  <a:schemeClr val="tx1"/>
+                </a:solidFill>
+                <a:latin typeface="+mn-lt"/>
+                <a:ea typeface="+mn-ea"/>
+                <a:cs typeface="+mn-cs"/>
+              </a:defRPr>
+            </a:lvl9pPr>
+          </a:lstStyle>
+          <a:p>
+            <a:pPr marL="0" indent="0">
+              <a:buFont typeface="Arial" panose="020B0604020202020204" pitchFamily="34" charset="0"/>
+              <a:buNone/>
+            </a:pPr>
+            <a:r>
+              <a:rPr lang="en-SG" sz="1800" dirty="0"/>
+              <a:t>Don’t have to repeat the instance name, especially when it has many methods or attributes.</a:t>
+            </a:r>
+          </a:p>
+        </p:txBody>
+      </p:sp>
+    </p:spTree>
+    <p:extLst>
+      <p:ext uri="{BB962C8B-B14F-4D97-AF65-F5344CB8AC3E}">
+        <p14:creationId xmlns:p14="http://schemas.microsoft.com/office/powerpoint/2010/main" val="3841037368"/>
+      </p:ext>
+    </p:extLst>
+  </p:cSld>
+  <p:clrMapOvr>
+    <a:masterClrMapping/>
+  </p:clrMapOvr>
+</p:sld>
+</file>
+
+<file path=ppt/slides/slide16.xml><?xml version="1.0" encoding="utf-8"?>
 <p:sld xmlns:a="http://schemas.openxmlformats.org/drawingml/2006/main" xmlns:r="http://schemas.openxmlformats.org/officeDocument/2006/relationships" xmlns:p="http://schemas.openxmlformats.org/presentationml/2006/main">
   <p:cSld>
     <p:spTree>
@@ -4894,7 +6745,7 @@
 </p:sld>
 </file>
 
-<file path=ppt/slides/slide14.xml><?xml version="1.0" encoding="utf-8"?>
+<file path=ppt/slides/slide17.xml><?xml version="1.0" encoding="utf-8"?>
 <p:sld xmlns:a="http://schemas.openxmlformats.org/drawingml/2006/main" xmlns:r="http://schemas.openxmlformats.org/officeDocument/2006/relationships" xmlns:p="http://schemas.openxmlformats.org/presentationml/2006/main">
   <p:cSld>
     <p:spTree>
@@ -6230,7 +8081,7 @@
 </p:sld>
 </file>
 
-<file path=ppt/slides/slide15.xml><?xml version="1.0" encoding="utf-8"?>
+<file path=ppt/slides/slide18.xml><?xml version="1.0" encoding="utf-8"?>
 <p:sld xmlns:a="http://schemas.openxmlformats.org/drawingml/2006/main" xmlns:r="http://schemas.openxmlformats.org/officeDocument/2006/relationships" xmlns:p="http://schemas.openxmlformats.org/presentationml/2006/main">
   <p:cSld>
     <p:spTree>
@@ -6288,7 +8139,7 @@
 </p:sld>
 </file>
 
-<file path=ppt/slides/slide16.xml><?xml version="1.0" encoding="utf-8"?>
+<file path=ppt/slides/slide19.xml><?xml version="1.0" encoding="utf-8"?>
 <p:sld xmlns:a="http://schemas.openxmlformats.org/drawingml/2006/main" xmlns:r="http://schemas.openxmlformats.org/officeDocument/2006/relationships" xmlns:p="http://schemas.openxmlformats.org/presentationml/2006/main">
   <p:cSld>
     <p:spTree>
@@ -6538,7 +8389,7 @@
 </p:sld>
 </file>
 
-<file path=ppt/slides/slide17.xml><?xml version="1.0" encoding="utf-8"?>
+<file path=ppt/slides/slide2.xml><?xml version="1.0" encoding="utf-8"?>
 <p:sld xmlns:a="http://schemas.openxmlformats.org/drawingml/2006/main" xmlns:r="http://schemas.openxmlformats.org/officeDocument/2006/relationships" xmlns:p="http://schemas.openxmlformats.org/presentationml/2006/main">
   <p:cSld>
     <p:spTree>
@@ -6560,6 +8411,245 @@
           <p:cNvPr id="2" name="Title 1">
             <a:extLst>
               <a:ext uri="{FF2B5EF4-FFF2-40B4-BE49-F238E27FC236}">
+                <a16:creationId xmlns:a16="http://schemas.microsoft.com/office/drawing/2014/main" id="{7841D825-D53C-411A-AE73-A9F12A59923E}"/>
+              </a:ext>
+            </a:extLst>
+          </p:cNvPr>
+          <p:cNvSpPr>
+            <a:spLocks noGrp="1"/>
+          </p:cNvSpPr>
+          <p:nvPr>
+            <p:ph type="title"/>
+          </p:nvPr>
+        </p:nvSpPr>
+        <p:spPr/>
+        <p:txBody>
+          <a:bodyPr/>
+          <a:lstStyle/>
+          <a:p>
+            <a:r>
+              <a:rPr lang="en-SG" dirty="0"/>
+              <a:t>Vocabulary</a:t>
+            </a:r>
+          </a:p>
+        </p:txBody>
+      </p:sp>
+      <p:sp>
+        <p:nvSpPr>
+          <p:cNvPr id="3" name="Content Placeholder 2">
+            <a:extLst>
+              <a:ext uri="{FF2B5EF4-FFF2-40B4-BE49-F238E27FC236}">
+                <a16:creationId xmlns:a16="http://schemas.microsoft.com/office/drawing/2014/main" id="{63340896-CE62-499B-BB9B-B63DEE061533}"/>
+              </a:ext>
+            </a:extLst>
+          </p:cNvPr>
+          <p:cNvSpPr>
+            <a:spLocks noGrp="1"/>
+          </p:cNvSpPr>
+          <p:nvPr>
+            <p:ph idx="1"/>
+          </p:nvPr>
+        </p:nvSpPr>
+        <p:spPr/>
+        <p:txBody>
+          <a:bodyPr>
+            <a:normAutofit/>
+          </a:bodyPr>
+          <a:lstStyle/>
+          <a:p>
+            <a:r>
+              <a:rPr lang="en-US" sz="1800" dirty="0">
+                <a:highlight>
+                  <a:srgbClr val="FFFF00"/>
+                </a:highlight>
+                <a:latin typeface="Consolas" panose="020B0609020204030204" pitchFamily="49" charset="0"/>
+              </a:rPr>
+              <a:t>fun</a:t>
+            </a:r>
+            <a:r>
+              <a:rPr lang="en-US" sz="1800" dirty="0"/>
+              <a:t> is a word in the Kotlin programming language. </a:t>
+            </a:r>
+            <a:r>
+              <a:rPr lang="en-US" sz="1800" dirty="0">
+                <a:highlight>
+                  <a:srgbClr val="FFFF00"/>
+                </a:highlight>
+                <a:latin typeface="Consolas" panose="020B0609020204030204" pitchFamily="49" charset="0"/>
+              </a:rPr>
+              <a:t>fun</a:t>
+            </a:r>
+            <a:r>
+              <a:rPr lang="en-US" sz="1800" dirty="0"/>
+              <a:t> stands for function. A function is a section of a program that performs a specific task.</a:t>
+            </a:r>
+          </a:p>
+          <a:p>
+            <a:r>
+              <a:rPr lang="en-US" sz="1800" dirty="0"/>
+              <a:t>Every Kotlin program needs a function named </a:t>
+            </a:r>
+            <a:r>
+              <a:rPr lang="en-US" sz="1800" dirty="0">
+                <a:highlight>
+                  <a:srgbClr val="FFFF00"/>
+                </a:highlight>
+                <a:latin typeface="Consolas" panose="020B0609020204030204" pitchFamily="49" charset="0"/>
+              </a:rPr>
+              <a:t>main</a:t>
+            </a:r>
+            <a:r>
+              <a:rPr lang="en-US" sz="1800" dirty="0"/>
+              <a:t>. It is the first, or main, function that is called when you run a program.</a:t>
+            </a:r>
+          </a:p>
+          <a:p>
+            <a:r>
+              <a:rPr lang="en-US" sz="1800" dirty="0" err="1">
+                <a:highlight>
+                  <a:srgbClr val="FFFF00"/>
+                </a:highlight>
+                <a:latin typeface="Consolas" panose="020B0609020204030204" pitchFamily="49" charset="0"/>
+              </a:rPr>
+              <a:t>println</a:t>
+            </a:r>
+            <a:r>
+              <a:rPr lang="en-US" sz="1800" dirty="0"/>
+              <a:t> tells the system to print a line of text.</a:t>
+            </a:r>
+          </a:p>
+          <a:p>
+            <a:r>
+              <a:rPr lang="en-US" sz="1800" dirty="0">
+                <a:highlight>
+                  <a:srgbClr val="FFFF00"/>
+                </a:highlight>
+              </a:rPr>
+              <a:t>Camel case</a:t>
+            </a:r>
+            <a:r>
+              <a:rPr lang="en-US" sz="1800" dirty="0"/>
+              <a:t> means to capitalize the beginning of each word and remove all spaces in between. This is a convention for naming functions, variables, and classes in Kotlin, such as </a:t>
+            </a:r>
+            <a:r>
+              <a:rPr lang="en-US" sz="1800" dirty="0" err="1">
+                <a:latin typeface="Consolas" panose="020B0609020204030204" pitchFamily="49" charset="0"/>
+              </a:rPr>
+              <a:t>LinearLayout</a:t>
+            </a:r>
+            <a:r>
+              <a:rPr lang="en-US" sz="1800" dirty="0"/>
+              <a:t>, </a:t>
+            </a:r>
+            <a:r>
+              <a:rPr lang="en-US" sz="1800" dirty="0" err="1">
+                <a:latin typeface="Consolas" panose="020B0609020204030204" pitchFamily="49" charset="0"/>
+              </a:rPr>
+              <a:t>MainActivity</a:t>
+            </a:r>
+            <a:r>
+              <a:rPr lang="en-US" sz="1800" dirty="0"/>
+              <a:t>, or </a:t>
+            </a:r>
+            <a:r>
+              <a:rPr lang="en-US" sz="1800" dirty="0" err="1">
+                <a:latin typeface="Consolas" panose="020B0609020204030204" pitchFamily="49" charset="0"/>
+              </a:rPr>
+              <a:t>setOnClickListener</a:t>
+            </a:r>
+            <a:r>
+              <a:rPr lang="en-US" sz="1800" dirty="0"/>
+              <a:t>.</a:t>
+            </a:r>
+          </a:p>
+          <a:p>
+            <a:r>
+              <a:rPr lang="en-US" sz="1800" dirty="0"/>
+              <a:t>A </a:t>
+            </a:r>
+            <a:r>
+              <a:rPr lang="en-US" sz="1800" dirty="0">
+                <a:highlight>
+                  <a:srgbClr val="FFFF00"/>
+                </a:highlight>
+              </a:rPr>
+              <a:t>click listener</a:t>
+            </a:r>
+            <a:r>
+              <a:rPr lang="en-US" sz="1800" dirty="0"/>
+              <a:t> is a small piece of code that can be attached to a View. The click listener waits for the view to be tapped, and when the view is tapped, it executes a click handler.</a:t>
+            </a:r>
+          </a:p>
+          <a:p>
+            <a:r>
+              <a:rPr lang="en-US" sz="1800" dirty="0"/>
+              <a:t>A </a:t>
+            </a:r>
+            <a:r>
+              <a:rPr lang="en-US" sz="1800" dirty="0">
+                <a:highlight>
+                  <a:srgbClr val="FFFF00"/>
+                </a:highlight>
+              </a:rPr>
+              <a:t>click handler</a:t>
+            </a:r>
+            <a:r>
+              <a:rPr lang="en-US" sz="1800" dirty="0"/>
+              <a:t> is a piece of code that is invoked by a click listener when the View is tapped.</a:t>
+            </a:r>
+          </a:p>
+          <a:p>
+            <a:r>
+              <a:rPr lang="en-US" sz="1800" dirty="0">
+                <a:highlight>
+                  <a:srgbClr val="FFFF00"/>
+                </a:highlight>
+              </a:rPr>
+              <a:t>Gradle</a:t>
+            </a:r>
+            <a:r>
+              <a:rPr lang="en-US" sz="1800" dirty="0"/>
+              <a:t> is a tool used by Android Studio to automate and manage the build process for your app. It takes the source code you write for an app, along with platform code, libraries, and resources, and assembles all these parts into an APK that can be installed and run on an Android device.</a:t>
+            </a:r>
+            <a:endParaRPr lang="en-SG" sz="1800" dirty="0"/>
+          </a:p>
+        </p:txBody>
+      </p:sp>
+    </p:spTree>
+    <p:extLst>
+      <p:ext uri="{BB962C8B-B14F-4D97-AF65-F5344CB8AC3E}">
+        <p14:creationId xmlns:p14="http://schemas.microsoft.com/office/powerpoint/2010/main" val="2481658437"/>
+      </p:ext>
+    </p:extLst>
+  </p:cSld>
+  <p:clrMapOvr>
+    <a:masterClrMapping/>
+  </p:clrMapOvr>
+</p:sld>
+</file>
+
+<file path=ppt/slides/slide20.xml><?xml version="1.0" encoding="utf-8"?>
+<p:sld xmlns:a="http://schemas.openxmlformats.org/drawingml/2006/main" xmlns:r="http://schemas.openxmlformats.org/officeDocument/2006/relationships" xmlns:p="http://schemas.openxmlformats.org/presentationml/2006/main">
+  <p:cSld>
+    <p:spTree>
+      <p:nvGrpSpPr>
+        <p:cNvPr id="1" name=""/>
+        <p:cNvGrpSpPr/>
+        <p:nvPr/>
+      </p:nvGrpSpPr>
+      <p:grpSpPr>
+        <a:xfrm>
+          <a:off x="0" y="0"/>
+          <a:ext cx="0" cy="0"/>
+          <a:chOff x="0" y="0"/>
+          <a:chExt cx="0" cy="0"/>
+        </a:xfrm>
+      </p:grpSpPr>
+      <p:sp>
+        <p:nvSpPr>
+          <p:cNvPr id="2" name="Title 1">
+            <a:extLst>
+              <a:ext uri="{FF2B5EF4-FFF2-40B4-BE49-F238E27FC236}">
                 <a16:creationId xmlns:a16="http://schemas.microsoft.com/office/drawing/2014/main" id="{3A6E8525-26F5-4F75-AB39-AB3E80C0912F}"/>
               </a:ext>
             </a:extLst>
@@ -6613,7 +8703,7 @@
           <a:p>
             <a:r>
               <a:rPr lang="en-US" sz="2000" dirty="0"/>
-              <a:t>With unit tests, you can test functions, classes, and properties. Local tests are executed on the Java Virtual Machine, which means they run in a development environment without needing a device or emulator.</a:t>
+              <a:t>With unit tests, you can test functions, classes, and properties. Local tests are executed on the Java Virtual Machine (JVM), which means they run in a development environment without needing a device or emulator.</a:t>
             </a:r>
           </a:p>
           <a:p>
@@ -6761,7 +8851,7 @@
 </p:sld>
 </file>
 
-<file path=ppt/slides/slide18.xml><?xml version="1.0" encoding="utf-8"?>
+<file path=ppt/slides/slide21.xml><?xml version="1.0" encoding="utf-8"?>
 <p:sld xmlns:a="http://schemas.openxmlformats.org/drawingml/2006/main" xmlns:r="http://schemas.openxmlformats.org/officeDocument/2006/relationships" xmlns:p="http://schemas.openxmlformats.org/presentationml/2006/main">
   <p:cSld>
     <p:spTree>
@@ -6852,7 +8942,7 @@
                   <a:srgbClr val="FFFF00"/>
                 </a:highlight>
               </a:rPr>
-              <a:t>org.junit.test</a:t>
+              <a:t>org.junit.Test</a:t>
             </a:r>
             <a:r>
               <a:rPr lang="en-US" sz="2000" dirty="0"/>
@@ -6974,7 +9064,7 @@
 </p:sld>
 </file>
 
-<file path=ppt/slides/slide19.xml><?xml version="1.0" encoding="utf-8"?>
+<file path=ppt/slides/slide22.xml><?xml version="1.0" encoding="utf-8"?>
 <p:sld xmlns:a="http://schemas.openxmlformats.org/drawingml/2006/main" xmlns:r="http://schemas.openxmlformats.org/officeDocument/2006/relationships" xmlns:p="http://schemas.openxmlformats.org/presentationml/2006/main">
   <p:cSld>
     <p:spTree>
@@ -7333,246 +9423,7 @@
 </p:sld>
 </file>
 
-<file path=ppt/slides/slide2.xml><?xml version="1.0" encoding="utf-8"?>
-<p:sld xmlns:a="http://schemas.openxmlformats.org/drawingml/2006/main" xmlns:r="http://schemas.openxmlformats.org/officeDocument/2006/relationships" xmlns:p="http://schemas.openxmlformats.org/presentationml/2006/main">
-  <p:cSld>
-    <p:spTree>
-      <p:nvGrpSpPr>
-        <p:cNvPr id="1" name=""/>
-        <p:cNvGrpSpPr/>
-        <p:nvPr/>
-      </p:nvGrpSpPr>
-      <p:grpSpPr>
-        <a:xfrm>
-          <a:off x="0" y="0"/>
-          <a:ext cx="0" cy="0"/>
-          <a:chOff x="0" y="0"/>
-          <a:chExt cx="0" cy="0"/>
-        </a:xfrm>
-      </p:grpSpPr>
-      <p:sp>
-        <p:nvSpPr>
-          <p:cNvPr id="2" name="Title 1">
-            <a:extLst>
-              <a:ext uri="{FF2B5EF4-FFF2-40B4-BE49-F238E27FC236}">
-                <a16:creationId xmlns:a16="http://schemas.microsoft.com/office/drawing/2014/main" id="{7841D825-D53C-411A-AE73-A9F12A59923E}"/>
-              </a:ext>
-            </a:extLst>
-          </p:cNvPr>
-          <p:cNvSpPr>
-            <a:spLocks noGrp="1"/>
-          </p:cNvSpPr>
-          <p:nvPr>
-            <p:ph type="title"/>
-          </p:nvPr>
-        </p:nvSpPr>
-        <p:spPr/>
-        <p:txBody>
-          <a:bodyPr/>
-          <a:lstStyle/>
-          <a:p>
-            <a:r>
-              <a:rPr lang="en-SG" dirty="0"/>
-              <a:t>Vocabulary</a:t>
-            </a:r>
-          </a:p>
-        </p:txBody>
-      </p:sp>
-      <p:sp>
-        <p:nvSpPr>
-          <p:cNvPr id="3" name="Content Placeholder 2">
-            <a:extLst>
-              <a:ext uri="{FF2B5EF4-FFF2-40B4-BE49-F238E27FC236}">
-                <a16:creationId xmlns:a16="http://schemas.microsoft.com/office/drawing/2014/main" id="{63340896-CE62-499B-BB9B-B63DEE061533}"/>
-              </a:ext>
-            </a:extLst>
-          </p:cNvPr>
-          <p:cNvSpPr>
-            <a:spLocks noGrp="1"/>
-          </p:cNvSpPr>
-          <p:nvPr>
-            <p:ph idx="1"/>
-          </p:nvPr>
-        </p:nvSpPr>
-        <p:spPr/>
-        <p:txBody>
-          <a:bodyPr>
-            <a:normAutofit/>
-          </a:bodyPr>
-          <a:lstStyle/>
-          <a:p>
-            <a:r>
-              <a:rPr lang="en-US" sz="1800" dirty="0">
-                <a:highlight>
-                  <a:srgbClr val="FFFF00"/>
-                </a:highlight>
-                <a:latin typeface="Consolas" panose="020B0609020204030204" pitchFamily="49" charset="0"/>
-              </a:rPr>
-              <a:t>fun</a:t>
-            </a:r>
-            <a:r>
-              <a:rPr lang="en-US" sz="1800" dirty="0"/>
-              <a:t> is a word in the Kotlin programming language. </a:t>
-            </a:r>
-            <a:r>
-              <a:rPr lang="en-US" sz="1800" dirty="0">
-                <a:highlight>
-                  <a:srgbClr val="FFFF00"/>
-                </a:highlight>
-                <a:latin typeface="Consolas" panose="020B0609020204030204" pitchFamily="49" charset="0"/>
-              </a:rPr>
-              <a:t>fun</a:t>
-            </a:r>
-            <a:r>
-              <a:rPr lang="en-US" sz="1800" dirty="0"/>
-              <a:t> stands for function. A function is a section of a program that performs a specific task.</a:t>
-            </a:r>
-          </a:p>
-          <a:p>
-            <a:r>
-              <a:rPr lang="en-US" sz="1800" dirty="0"/>
-              <a:t>Every Kotlin program needs a function named </a:t>
-            </a:r>
-            <a:r>
-              <a:rPr lang="en-US" sz="1800" dirty="0">
-                <a:highlight>
-                  <a:srgbClr val="FFFF00"/>
-                </a:highlight>
-                <a:latin typeface="Consolas" panose="020B0609020204030204" pitchFamily="49" charset="0"/>
-              </a:rPr>
-              <a:t>main</a:t>
-            </a:r>
-            <a:r>
-              <a:rPr lang="en-US" sz="1800" dirty="0"/>
-              <a:t>. It is the first, or main, function that is called when you run a program.</a:t>
-            </a:r>
-          </a:p>
-          <a:p>
-            <a:r>
-              <a:rPr lang="en-US" sz="1800" dirty="0" err="1">
-                <a:highlight>
-                  <a:srgbClr val="FFFF00"/>
-                </a:highlight>
-                <a:latin typeface="Consolas" panose="020B0609020204030204" pitchFamily="49" charset="0"/>
-              </a:rPr>
-              <a:t>println</a:t>
-            </a:r>
-            <a:r>
-              <a:rPr lang="en-US" sz="1800" dirty="0"/>
-              <a:t> tells the system to print a line of text.</a:t>
-            </a:r>
-          </a:p>
-          <a:p>
-            <a:r>
-              <a:rPr lang="en-US" sz="1800" dirty="0">
-                <a:highlight>
-                  <a:srgbClr val="FFFF00"/>
-                </a:highlight>
-              </a:rPr>
-              <a:t>Camel case</a:t>
-            </a:r>
-            <a:r>
-              <a:rPr lang="en-US" sz="1800" dirty="0"/>
-              <a:t> means to capitalize the beginning of each word and remove all spaces in between. This is a convention for naming functions, variables, and classes in Kotlin, such as </a:t>
-            </a:r>
-            <a:r>
-              <a:rPr lang="en-US" sz="1800" dirty="0" err="1">
-                <a:latin typeface="Consolas" panose="020B0609020204030204" pitchFamily="49" charset="0"/>
-              </a:rPr>
-              <a:t>LinearLayout</a:t>
-            </a:r>
-            <a:r>
-              <a:rPr lang="en-US" sz="1800" dirty="0"/>
-              <a:t>, </a:t>
-            </a:r>
-            <a:r>
-              <a:rPr lang="en-US" sz="1800" dirty="0" err="1">
-                <a:latin typeface="Consolas" panose="020B0609020204030204" pitchFamily="49" charset="0"/>
-              </a:rPr>
-              <a:t>MainActivity</a:t>
-            </a:r>
-            <a:r>
-              <a:rPr lang="en-US" sz="1800" dirty="0"/>
-              <a:t>, or </a:t>
-            </a:r>
-            <a:r>
-              <a:rPr lang="en-US" sz="1800" dirty="0" err="1">
-                <a:latin typeface="Consolas" panose="020B0609020204030204" pitchFamily="49" charset="0"/>
-              </a:rPr>
-              <a:t>setOnClickListener</a:t>
-            </a:r>
-            <a:r>
-              <a:rPr lang="en-US" sz="1800" dirty="0"/>
-              <a:t>.</a:t>
-            </a:r>
-          </a:p>
-          <a:p>
-            <a:r>
-              <a:rPr lang="en-US" sz="1800" dirty="0"/>
-              <a:t>A </a:t>
-            </a:r>
-            <a:r>
-              <a:rPr lang="en-US" sz="1800" dirty="0">
-                <a:highlight>
-                  <a:srgbClr val="FFFF00"/>
-                </a:highlight>
-              </a:rPr>
-              <a:t>click listener</a:t>
-            </a:r>
-            <a:r>
-              <a:rPr lang="en-US" sz="1800" dirty="0"/>
-              <a:t> is a small piece of code that can be attached to a View. The click listener waits for the view to be tapped, and when the view is tapped, it executes a click handler.</a:t>
-            </a:r>
-          </a:p>
-          <a:p>
-            <a:r>
-              <a:rPr lang="en-US" sz="1800" dirty="0"/>
-              <a:t>A </a:t>
-            </a:r>
-            <a:r>
-              <a:rPr lang="en-US" sz="1800" dirty="0">
-                <a:highlight>
-                  <a:srgbClr val="FFFF00"/>
-                </a:highlight>
-              </a:rPr>
-              <a:t>click handler</a:t>
-            </a:r>
-            <a:r>
-              <a:rPr lang="en-US" sz="1800" dirty="0"/>
-              <a:t> is a piece of code that is invoked by a click listener when the View is tapped.</a:t>
-            </a:r>
-          </a:p>
-          <a:p>
-            <a:r>
-              <a:rPr lang="en-US" sz="1800" dirty="0">
-                <a:highlight>
-                  <a:srgbClr val="FFFF00"/>
-                </a:highlight>
-              </a:rPr>
-              <a:t>Gradle</a:t>
-            </a:r>
-            <a:r>
-              <a:rPr lang="en-US" sz="1800" dirty="0"/>
-              <a:t> is a tool used by Android Studio to automate and manage the build process for your app. It takes the source code you write for an app, along with platform code, libraries, and resources, and assembles all these parts into an APK that can be installed and run on an Android device.</a:t>
-            </a:r>
-            <a:endParaRPr lang="en-SG" sz="1800" dirty="0"/>
-          </a:p>
-        </p:txBody>
-      </p:sp>
-    </p:spTree>
-    <p:extLst>
-      <p:ext uri="{BB962C8B-B14F-4D97-AF65-F5344CB8AC3E}">
-        <p14:creationId xmlns:p14="http://schemas.microsoft.com/office/powerpoint/2010/main" val="2481658437"/>
-      </p:ext>
-    </p:extLst>
-  </p:cSld>
-  <p:clrMapOvr>
-    <a:masterClrMapping/>
-  </p:clrMapOvr>
-</p:sld>
-</file>
-
-<file path=ppt/slides/slide20.xml><?xml version="1.0" encoding="utf-8"?>
+<file path=ppt/slides/slide23.xml><?xml version="1.0" encoding="utf-8"?>
 <p:sld xmlns:a="http://schemas.openxmlformats.org/drawingml/2006/main" xmlns:r="http://schemas.openxmlformats.org/officeDocument/2006/relationships" xmlns:p="http://schemas.openxmlformats.org/presentationml/2006/main">
   <p:cSld>
     <p:spTree>
@@ -8041,7 +9892,7 @@
 </p:sld>
 </file>
 
-<file path=ppt/slides/slide21.xml><?xml version="1.0" encoding="utf-8"?>
+<file path=ppt/slides/slide24.xml><?xml version="1.0" encoding="utf-8"?>
 <p:sld xmlns:a="http://schemas.openxmlformats.org/drawingml/2006/main" xmlns:r="http://schemas.openxmlformats.org/officeDocument/2006/relationships" xmlns:p="http://schemas.openxmlformats.org/presentationml/2006/main">
   <p:cSld>
     <p:spTree>
@@ -8178,7 +10029,7 @@
 </p:sld>
 </file>
 
-<file path=ppt/slides/slide22.xml><?xml version="1.0" encoding="utf-8"?>
+<file path=ppt/slides/slide25.xml><?xml version="1.0" encoding="utf-8"?>
 <p:sld xmlns:a="http://schemas.openxmlformats.org/drawingml/2006/main" xmlns:r="http://schemas.openxmlformats.org/officeDocument/2006/relationships" xmlns:p="http://schemas.openxmlformats.org/presentationml/2006/main">
   <p:cSld>
     <p:spTree>
@@ -8989,7 +10840,7 @@
 </p:sld>
 </file>
 
-<file path=ppt/slides/slide23.xml><?xml version="1.0" encoding="utf-8"?>
+<file path=ppt/slides/slide26.xml><?xml version="1.0" encoding="utf-8"?>
 <p:sld xmlns:a="http://schemas.openxmlformats.org/drawingml/2006/main" xmlns:r="http://schemas.openxmlformats.org/officeDocument/2006/relationships" xmlns:p="http://schemas.openxmlformats.org/presentationml/2006/main">
   <p:cSld>
     <p:spTree>
@@ -9049,7 +10900,7 @@
           <p:nvPr>
             <p:extLst>
               <p:ext uri="{D42A27DB-BD31-4B8C-83A1-F6EECF244321}">
-                <p14:modId xmlns:p14="http://schemas.microsoft.com/office/powerpoint/2010/main" val="1663133657"/>
+                <p14:modId xmlns:p14="http://schemas.microsoft.com/office/powerpoint/2010/main" val="3504552903"/>
               </p:ext>
             </p:extLst>
           </p:nvPr>
@@ -9261,7 +11112,7 @@
                         <a:rPr lang="en-US" sz="1400" dirty="0">
                           <a:effectLst/>
                         </a:rPr>
-                        <a:t> ASSERT logs things that you're certain will never occur.</a:t>
+                        <a:t>ASSERT logs things that you're certain will never occur.</a:t>
                       </a:r>
                     </a:p>
                   </a:txBody>
@@ -10145,7 +11996,7 @@
 </p:sld>
 </file>
 
-<file path=ppt/slides/slide24.xml><?xml version="1.0" encoding="utf-8"?>
+<file path=ppt/slides/slide27.xml><?xml version="1.0" encoding="utf-8"?>
 <p:sld xmlns:a="http://schemas.openxmlformats.org/drawingml/2006/main" xmlns:r="http://schemas.openxmlformats.org/officeDocument/2006/relationships" xmlns:p="http://schemas.openxmlformats.org/presentationml/2006/main">
   <p:cSld>
     <p:spTree>
@@ -10167,6 +12018,923 @@
           <p:cNvPr id="2" name="Title 1">
             <a:extLst>
               <a:ext uri="{FF2B5EF4-FFF2-40B4-BE49-F238E27FC236}">
+                <a16:creationId xmlns:a16="http://schemas.microsoft.com/office/drawing/2014/main" id="{2DB8A734-5419-4198-A47C-11CB0BB36D3A}"/>
+              </a:ext>
+            </a:extLst>
+          </p:cNvPr>
+          <p:cNvSpPr>
+            <a:spLocks noGrp="1"/>
+          </p:cNvSpPr>
+          <p:nvPr>
+            <p:ph type="title"/>
+          </p:nvPr>
+        </p:nvSpPr>
+        <p:spPr/>
+        <p:txBody>
+          <a:bodyPr/>
+          <a:lstStyle/>
+          <a:p>
+            <a:r>
+              <a:rPr lang="en-SG" dirty="0"/>
+              <a:t>XML</a:t>
+            </a:r>
+          </a:p>
+        </p:txBody>
+      </p:sp>
+      <p:sp>
+        <p:nvSpPr>
+          <p:cNvPr id="3" name="Content Placeholder 2">
+            <a:extLst>
+              <a:ext uri="{FF2B5EF4-FFF2-40B4-BE49-F238E27FC236}">
+                <a16:creationId xmlns:a16="http://schemas.microsoft.com/office/drawing/2014/main" id="{D6C30A2D-07CF-45E6-B2C2-AF663AAF6A22}"/>
+              </a:ext>
+            </a:extLst>
+          </p:cNvPr>
+          <p:cNvSpPr>
+            <a:spLocks noGrp="1"/>
+          </p:cNvSpPr>
+          <p:nvPr>
+            <p:ph idx="1"/>
+          </p:nvPr>
+        </p:nvSpPr>
+        <p:spPr/>
+        <p:txBody>
+          <a:bodyPr>
+            <a:normAutofit/>
+          </a:bodyPr>
+          <a:lstStyle/>
+          <a:p>
+            <a:r>
+              <a:rPr lang="en-US" sz="2000" dirty="0" err="1"/>
+              <a:t>eXtensible</a:t>
+            </a:r>
+            <a:r>
+              <a:rPr lang="en-US" sz="2000" dirty="0"/>
+              <a:t> Markup Language</a:t>
+            </a:r>
+          </a:p>
+          <a:p>
+            <a:r>
+              <a:rPr lang="en-US" sz="2000" dirty="0"/>
+              <a:t>A way of describing data using a text-based document</a:t>
+            </a:r>
+          </a:p>
+          <a:p>
+            <a:r>
+              <a:rPr lang="en-US" sz="2000" dirty="0"/>
+              <a:t>Because XML is extensible and very flexible, it's used for many different things, including defining the UI layout of Android apps.</a:t>
+            </a:r>
+            <a:endParaRPr lang="en-SG" sz="2000" dirty="0"/>
+          </a:p>
+        </p:txBody>
+      </p:sp>
+      <p:pic>
+        <p:nvPicPr>
+          <p:cNvPr id="5" name="Picture 4">
+            <a:extLst>
+              <a:ext uri="{FF2B5EF4-FFF2-40B4-BE49-F238E27FC236}">
+                <a16:creationId xmlns:a16="http://schemas.microsoft.com/office/drawing/2014/main" id="{832B2DE8-BEA8-4A9A-BF3C-2CA3384E3F3F}"/>
+              </a:ext>
+            </a:extLst>
+          </p:cNvPr>
+          <p:cNvPicPr>
+            <a:picLocks noChangeAspect="1"/>
+          </p:cNvPicPr>
+          <p:nvPr/>
+        </p:nvPicPr>
+        <p:blipFill>
+          <a:blip r:embed="rId2"/>
+          <a:stretch>
+            <a:fillRect/>
+          </a:stretch>
+        </p:blipFill>
+        <p:spPr>
+          <a:xfrm>
+            <a:off x="47922" y="3907993"/>
+            <a:ext cx="6416596" cy="2789162"/>
+          </a:xfrm>
+          <a:prstGeom prst="rect">
+            <a:avLst/>
+          </a:prstGeom>
+        </p:spPr>
+      </p:pic>
+      <p:pic>
+        <p:nvPicPr>
+          <p:cNvPr id="7" name="Picture 6">
+            <a:extLst>
+              <a:ext uri="{FF2B5EF4-FFF2-40B4-BE49-F238E27FC236}">
+                <a16:creationId xmlns:a16="http://schemas.microsoft.com/office/drawing/2014/main" id="{322736E4-8219-40B7-BEAE-E0B30040CF8E}"/>
+              </a:ext>
+            </a:extLst>
+          </p:cNvPr>
+          <p:cNvPicPr>
+            <a:picLocks noChangeAspect="1"/>
+          </p:cNvPicPr>
+          <p:nvPr/>
+        </p:nvPicPr>
+        <p:blipFill>
+          <a:blip r:embed="rId3"/>
+          <a:stretch>
+            <a:fillRect/>
+          </a:stretch>
+        </p:blipFill>
+        <p:spPr>
+          <a:xfrm>
+            <a:off x="6464518" y="4379481"/>
+            <a:ext cx="5585944" cy="1371719"/>
+          </a:xfrm>
+          <a:prstGeom prst="rect">
+            <a:avLst/>
+          </a:prstGeom>
+        </p:spPr>
+      </p:pic>
+    </p:spTree>
+    <p:extLst>
+      <p:ext uri="{BB962C8B-B14F-4D97-AF65-F5344CB8AC3E}">
+        <p14:creationId xmlns:p14="http://schemas.microsoft.com/office/powerpoint/2010/main" val="3599154724"/>
+      </p:ext>
+    </p:extLst>
+  </p:cSld>
+  <p:clrMapOvr>
+    <a:masterClrMapping/>
+  </p:clrMapOvr>
+</p:sld>
+</file>
+
+<file path=ppt/slides/slide28.xml><?xml version="1.0" encoding="utf-8"?>
+<p:sld xmlns:a="http://schemas.openxmlformats.org/drawingml/2006/main" xmlns:r="http://schemas.openxmlformats.org/officeDocument/2006/relationships" xmlns:p="http://schemas.openxmlformats.org/presentationml/2006/main">
+  <p:cSld>
+    <p:spTree>
+      <p:nvGrpSpPr>
+        <p:cNvPr id="1" name=""/>
+        <p:cNvGrpSpPr/>
+        <p:nvPr/>
+      </p:nvGrpSpPr>
+      <p:grpSpPr>
+        <a:xfrm>
+          <a:off x="0" y="0"/>
+          <a:ext cx="0" cy="0"/>
+          <a:chOff x="0" y="0"/>
+          <a:chExt cx="0" cy="0"/>
+        </a:xfrm>
+      </p:grpSpPr>
+      <p:sp>
+        <p:nvSpPr>
+          <p:cNvPr id="2" name="Title 1">
+            <a:extLst>
+              <a:ext uri="{FF2B5EF4-FFF2-40B4-BE49-F238E27FC236}">
+                <a16:creationId xmlns:a16="http://schemas.microsoft.com/office/drawing/2014/main" id="{2DB8A734-5419-4198-A47C-11CB0BB36D3A}"/>
+              </a:ext>
+            </a:extLst>
+          </p:cNvPr>
+          <p:cNvSpPr>
+            <a:spLocks noGrp="1"/>
+          </p:cNvSpPr>
+          <p:nvPr>
+            <p:ph type="title"/>
+          </p:nvPr>
+        </p:nvSpPr>
+        <p:spPr/>
+        <p:txBody>
+          <a:bodyPr/>
+          <a:lstStyle/>
+          <a:p>
+            <a:r>
+              <a:rPr lang="en-SG" dirty="0"/>
+              <a:t>XML</a:t>
+            </a:r>
+          </a:p>
+        </p:txBody>
+      </p:sp>
+      <p:sp>
+        <p:nvSpPr>
+          <p:cNvPr id="3" name="Content Placeholder 2">
+            <a:extLst>
+              <a:ext uri="{FF2B5EF4-FFF2-40B4-BE49-F238E27FC236}">
+                <a16:creationId xmlns:a16="http://schemas.microsoft.com/office/drawing/2014/main" id="{D6C30A2D-07CF-45E6-B2C2-AF663AAF6A22}"/>
+              </a:ext>
+            </a:extLst>
+          </p:cNvPr>
+          <p:cNvSpPr>
+            <a:spLocks noGrp="1"/>
+          </p:cNvSpPr>
+          <p:nvPr>
+            <p:ph idx="1"/>
+          </p:nvPr>
+        </p:nvSpPr>
+        <p:spPr>
+          <a:xfrm>
+            <a:off x="838200" y="1645174"/>
+            <a:ext cx="10515600" cy="4351338"/>
+          </a:xfrm>
+        </p:spPr>
+        <p:txBody>
+          <a:bodyPr>
+            <a:normAutofit/>
+          </a:bodyPr>
+          <a:lstStyle/>
+          <a:p>
+            <a:r>
+              <a:rPr lang="en-US" sz="1600" dirty="0"/>
+              <a:t>ConstraintLayout tag: </a:t>
+            </a:r>
+            <a:r>
+              <a:rPr lang="en-US" sz="1600" dirty="0">
+                <a:latin typeface="Lucida Console" panose="020B0609040504020204" pitchFamily="49" charset="0"/>
+              </a:rPr>
+              <a:t>&lt;</a:t>
+            </a:r>
+            <a:r>
+              <a:rPr lang="en-SG" sz="1600" b="0" i="0" dirty="0">
+                <a:effectLst/>
+                <a:latin typeface="Lucida Console" panose="020B0609040504020204" pitchFamily="49" charset="0"/>
+              </a:rPr>
+              <a:t>androidx.constraintlayout.widget.ConstraintLayout</a:t>
+            </a:r>
+            <a:r>
+              <a:rPr lang="en-SG" sz="1600" dirty="0">
+                <a:latin typeface="Lucida Console" panose="020B0609040504020204" pitchFamily="49" charset="0"/>
+              </a:rPr>
+              <a:t>&gt;</a:t>
+            </a:r>
+            <a:endParaRPr lang="en-US" sz="1600" dirty="0">
+              <a:latin typeface="Lucida Console" panose="020B0609040504020204" pitchFamily="49" charset="0"/>
+            </a:endParaRPr>
+          </a:p>
+          <a:p>
+            <a:r>
+              <a:rPr lang="en-US" sz="1600" dirty="0"/>
+              <a:t>ConstraintLayout is part of Android Jetpack, which contains libraries of code which offers additional functionality on top of the core Android platform. </a:t>
+            </a:r>
+          </a:p>
+          <a:p>
+            <a:r>
+              <a:rPr lang="en-US" sz="1600" dirty="0"/>
+              <a:t>Jetpack has useful functionality you can take advantage of to make building apps easier. You'll recognize this UI component is part of Jetpack because it starts with "</a:t>
+            </a:r>
+            <a:r>
+              <a:rPr lang="en-US" sz="1600" dirty="0" err="1">
+                <a:latin typeface="Lucida Console" panose="020B0609040504020204" pitchFamily="49" charset="0"/>
+              </a:rPr>
+              <a:t>androidx</a:t>
+            </a:r>
+            <a:r>
+              <a:rPr lang="en-US" sz="1600" dirty="0"/>
+              <a:t>".</a:t>
+            </a:r>
+          </a:p>
+          <a:p>
+            <a:pPr marL="0" indent="0">
+              <a:buNone/>
+            </a:pPr>
+            <a:endParaRPr lang="en-US" sz="2000" dirty="0"/>
+          </a:p>
+          <a:p>
+            <a:pPr marL="0" indent="0">
+              <a:buNone/>
+            </a:pPr>
+            <a:r>
+              <a:rPr lang="en-US" sz="1400" dirty="0">
+                <a:highlight>
+                  <a:srgbClr val="C0C0C0"/>
+                </a:highlight>
+                <a:latin typeface="Lucida Console" panose="020B0609040504020204" pitchFamily="49" charset="0"/>
+              </a:rPr>
+              <a:t>&lt;?xml version="1.0" encoding="utf-8"?&gt;</a:t>
+            </a:r>
+            <a:r>
+              <a:rPr lang="en-US" sz="1400" dirty="0"/>
+              <a:t>	</a:t>
+            </a:r>
+            <a:r>
+              <a:rPr lang="en-US" sz="1400" dirty="0">
+                <a:sym typeface="Wingdings" panose="05000000000000000000" pitchFamily="2" charset="2"/>
+              </a:rPr>
+              <a:t> indicates that this is an XML file, but not every XML file will have this</a:t>
+            </a:r>
+            <a:endParaRPr lang="en-US" sz="1400" dirty="0"/>
+          </a:p>
+          <a:p>
+            <a:pPr marL="0" indent="0">
+              <a:buNone/>
+            </a:pPr>
+            <a:r>
+              <a:rPr lang="en-US" sz="1400" dirty="0">
+                <a:latin typeface="Lucida Console" panose="020B0609040504020204" pitchFamily="49" charset="0"/>
+              </a:rPr>
+              <a:t>&lt;</a:t>
+            </a:r>
+            <a:r>
+              <a:rPr lang="en-SG" sz="1400" b="0" i="0" dirty="0">
+                <a:effectLst/>
+                <a:latin typeface="Lucida Console" panose="020B0609040504020204" pitchFamily="49" charset="0"/>
+              </a:rPr>
+              <a:t>androidx.constraintlayout.widget.ConstraintLayout</a:t>
+            </a:r>
+            <a:endParaRPr lang="en-SG" sz="1400" dirty="0">
+              <a:highlight>
+                <a:srgbClr val="FFFF00"/>
+              </a:highlight>
+              <a:latin typeface="Lucida Console" panose="020B0609040504020204" pitchFamily="49" charset="0"/>
+            </a:endParaRPr>
+          </a:p>
+          <a:p>
+            <a:pPr marL="457200" lvl="1" indent="0">
+              <a:buNone/>
+            </a:pPr>
+            <a:r>
+              <a:rPr lang="en-SG" sz="1400" dirty="0" err="1">
+                <a:highlight>
+                  <a:srgbClr val="FFFF00"/>
+                </a:highlight>
+                <a:latin typeface="Lucida Console" panose="020B0609040504020204" pitchFamily="49" charset="0"/>
+              </a:rPr>
+              <a:t>xmlns</a:t>
+            </a:r>
+            <a:r>
+              <a:rPr lang="en-SG" sz="1400" dirty="0" err="1">
+                <a:latin typeface="Lucida Console" panose="020B0609040504020204" pitchFamily="49" charset="0"/>
+              </a:rPr>
+              <a:t>:</a:t>
+            </a:r>
+            <a:r>
+              <a:rPr lang="en-SG" sz="1400" dirty="0" err="1">
+                <a:highlight>
+                  <a:srgbClr val="00FF00"/>
+                </a:highlight>
+                <a:latin typeface="Lucida Console" panose="020B0609040504020204" pitchFamily="49" charset="0"/>
+              </a:rPr>
+              <a:t>android</a:t>
+            </a:r>
+            <a:r>
+              <a:rPr lang="en-SG" sz="1400" dirty="0">
+                <a:latin typeface="Lucida Console" panose="020B0609040504020204" pitchFamily="49" charset="0"/>
+              </a:rPr>
+              <a:t>="http://schemas.android.com/</a:t>
+            </a:r>
+            <a:r>
+              <a:rPr lang="en-SG" sz="1400" dirty="0" err="1">
+                <a:latin typeface="Lucida Console" panose="020B0609040504020204" pitchFamily="49" charset="0"/>
+              </a:rPr>
+              <a:t>apk</a:t>
+            </a:r>
+            <a:r>
+              <a:rPr lang="en-SG" sz="1400" dirty="0">
+                <a:latin typeface="Lucida Console" panose="020B0609040504020204" pitchFamily="49" charset="0"/>
+              </a:rPr>
+              <a:t>/res/android"</a:t>
+            </a:r>
+          </a:p>
+          <a:p>
+            <a:pPr marL="457200" lvl="1" indent="0">
+              <a:buNone/>
+            </a:pPr>
+            <a:r>
+              <a:rPr lang="en-SG" sz="1400" dirty="0" err="1">
+                <a:latin typeface="Lucida Console" panose="020B0609040504020204" pitchFamily="49" charset="0"/>
+              </a:rPr>
+              <a:t>xmlns:app</a:t>
+            </a:r>
+            <a:r>
+              <a:rPr lang="en-SG" sz="1400" dirty="0">
+                <a:latin typeface="Lucida Console" panose="020B0609040504020204" pitchFamily="49" charset="0"/>
+              </a:rPr>
+              <a:t>="http://schemas.android.com/</a:t>
+            </a:r>
+            <a:r>
+              <a:rPr lang="en-SG" sz="1400" dirty="0" err="1">
+                <a:latin typeface="Lucida Console" panose="020B0609040504020204" pitchFamily="49" charset="0"/>
+              </a:rPr>
+              <a:t>apk</a:t>
+            </a:r>
+            <a:r>
+              <a:rPr lang="en-SG" sz="1400" dirty="0">
+                <a:latin typeface="Lucida Console" panose="020B0609040504020204" pitchFamily="49" charset="0"/>
+              </a:rPr>
+              <a:t>/res-auto"</a:t>
+            </a:r>
+          </a:p>
+          <a:p>
+            <a:pPr marL="457200" lvl="1" indent="0">
+              <a:buNone/>
+            </a:pPr>
+            <a:r>
+              <a:rPr lang="en-SG" sz="1400" dirty="0" err="1">
+                <a:latin typeface="Lucida Console" panose="020B0609040504020204" pitchFamily="49" charset="0"/>
+              </a:rPr>
+              <a:t>xmlns:tools</a:t>
+            </a:r>
+            <a:r>
+              <a:rPr lang="en-SG" sz="1400" dirty="0">
+                <a:latin typeface="Lucida Console" panose="020B0609040504020204" pitchFamily="49" charset="0"/>
+              </a:rPr>
+              <a:t>="http://schemas.android.com/tools"&gt;</a:t>
+            </a:r>
+          </a:p>
+          <a:p>
+            <a:pPr marL="457200" lvl="1" indent="0">
+              <a:buNone/>
+            </a:pPr>
+            <a:r>
+              <a:rPr lang="en-SG" sz="1400" dirty="0">
+                <a:latin typeface="Lucida Console" panose="020B0609040504020204" pitchFamily="49" charset="0"/>
+              </a:rPr>
+              <a:t>...</a:t>
+            </a:r>
+          </a:p>
+          <a:p>
+            <a:pPr marL="0" indent="0">
+              <a:buNone/>
+            </a:pPr>
+            <a:r>
+              <a:rPr lang="en-US" sz="1400" dirty="0">
+                <a:latin typeface="Lucida Console" panose="020B0609040504020204" pitchFamily="49" charset="0"/>
+              </a:rPr>
+              <a:t>&lt;/</a:t>
+            </a:r>
+            <a:r>
+              <a:rPr lang="en-SG" sz="1400" b="0" i="0" dirty="0">
+                <a:effectLst/>
+                <a:latin typeface="Lucida Console" panose="020B0609040504020204" pitchFamily="49" charset="0"/>
+              </a:rPr>
+              <a:t>androidx.constraintlayout.widget.ConstraintLayout&gt;</a:t>
+            </a:r>
+            <a:endParaRPr lang="en-SG" sz="1400" dirty="0">
+              <a:highlight>
+                <a:srgbClr val="FFFF00"/>
+              </a:highlight>
+              <a:latin typeface="Lucida Console" panose="020B0609040504020204" pitchFamily="49" charset="0"/>
+            </a:endParaRPr>
+          </a:p>
+        </p:txBody>
+      </p:sp>
+      <p:sp>
+        <p:nvSpPr>
+          <p:cNvPr id="6" name="TextBox 5">
+            <a:extLst>
+              <a:ext uri="{FF2B5EF4-FFF2-40B4-BE49-F238E27FC236}">
+                <a16:creationId xmlns:a16="http://schemas.microsoft.com/office/drawing/2014/main" id="{94B09F14-FBA2-4CA9-B862-510CBCE82567}"/>
+              </a:ext>
+            </a:extLst>
+          </p:cNvPr>
+          <p:cNvSpPr txBox="1"/>
+          <p:nvPr/>
+        </p:nvSpPr>
+        <p:spPr>
+          <a:xfrm>
+            <a:off x="6648720" y="5084442"/>
+            <a:ext cx="5076218" cy="1323439"/>
+          </a:xfrm>
+          <a:prstGeom prst="rect">
+            <a:avLst/>
+          </a:prstGeom>
+          <a:noFill/>
+        </p:spPr>
+        <p:txBody>
+          <a:bodyPr wrap="square" rtlCol="0">
+            <a:spAutoFit/>
+          </a:bodyPr>
+          <a:lstStyle/>
+          <a:p>
+            <a:pPr marL="342900" indent="-342900">
+              <a:buAutoNum type="arabicPeriod"/>
+            </a:pPr>
+            <a:r>
+              <a:rPr lang="en-SG" sz="1600" dirty="0" err="1">
+                <a:highlight>
+                  <a:srgbClr val="FFFF00"/>
+                </a:highlight>
+                <a:latin typeface="Lucida Console" panose="020B0609040504020204" pitchFamily="49" charset="0"/>
+              </a:rPr>
+              <a:t>xmlns</a:t>
+            </a:r>
+            <a:r>
+              <a:rPr lang="en-SG" sz="1600" dirty="0"/>
+              <a:t> stands for XML namespace, and each line defines a schema, or vocab for attributes related to the words.</a:t>
+            </a:r>
+          </a:p>
+          <a:p>
+            <a:pPr marL="342900" indent="-342900">
+              <a:buAutoNum type="arabicPeriod"/>
+            </a:pPr>
+            <a:r>
+              <a:rPr lang="en-SG" sz="1600" dirty="0">
+                <a:highlight>
+                  <a:srgbClr val="00FF00"/>
+                </a:highlight>
+                <a:latin typeface="Lucida Console" panose="020B0609040504020204" pitchFamily="49" charset="0"/>
+              </a:rPr>
+              <a:t>android</a:t>
+            </a:r>
+            <a:r>
+              <a:rPr lang="en-SG" sz="1600" dirty="0"/>
+              <a:t> namespace, for example, marks attributes that are defined by the Android system.</a:t>
+            </a:r>
+          </a:p>
+        </p:txBody>
+      </p:sp>
+    </p:spTree>
+    <p:extLst>
+      <p:ext uri="{BB962C8B-B14F-4D97-AF65-F5344CB8AC3E}">
+        <p14:creationId xmlns:p14="http://schemas.microsoft.com/office/powerpoint/2010/main" val="1410262679"/>
+      </p:ext>
+    </p:extLst>
+  </p:cSld>
+  <p:clrMapOvr>
+    <a:masterClrMapping/>
+  </p:clrMapOvr>
+</p:sld>
+</file>
+
+<file path=ppt/slides/slide29.xml><?xml version="1.0" encoding="utf-8"?>
+<p:sld xmlns:a="http://schemas.openxmlformats.org/drawingml/2006/main" xmlns:r="http://schemas.openxmlformats.org/officeDocument/2006/relationships" xmlns:p="http://schemas.openxmlformats.org/presentationml/2006/main">
+  <p:cSld>
+    <p:spTree>
+      <p:nvGrpSpPr>
+        <p:cNvPr id="1" name=""/>
+        <p:cNvGrpSpPr/>
+        <p:nvPr/>
+      </p:nvGrpSpPr>
+      <p:grpSpPr>
+        <a:xfrm>
+          <a:off x="0" y="0"/>
+          <a:ext cx="0" cy="0"/>
+          <a:chOff x="0" y="0"/>
+          <a:chExt cx="0" cy="0"/>
+        </a:xfrm>
+      </p:grpSpPr>
+      <p:sp>
+        <p:nvSpPr>
+          <p:cNvPr id="2" name="Title 1">
+            <a:extLst>
+              <a:ext uri="{FF2B5EF4-FFF2-40B4-BE49-F238E27FC236}">
+                <a16:creationId xmlns:a16="http://schemas.microsoft.com/office/drawing/2014/main" id="{7622DF46-D35E-4F8A-90BE-6F8FEE73E338}"/>
+              </a:ext>
+            </a:extLst>
+          </p:cNvPr>
+          <p:cNvSpPr>
+            <a:spLocks noGrp="1"/>
+          </p:cNvSpPr>
+          <p:nvPr>
+            <p:ph type="title"/>
+          </p:nvPr>
+        </p:nvSpPr>
+        <p:spPr/>
+        <p:txBody>
+          <a:bodyPr/>
+          <a:lstStyle/>
+          <a:p>
+            <a:r>
+              <a:rPr lang="en-SG" dirty="0"/>
+              <a:t>XML</a:t>
+            </a:r>
+          </a:p>
+        </p:txBody>
+      </p:sp>
+      <p:sp>
+        <p:nvSpPr>
+          <p:cNvPr id="3" name="Content Placeholder 2">
+            <a:extLst>
+              <a:ext uri="{FF2B5EF4-FFF2-40B4-BE49-F238E27FC236}">
+                <a16:creationId xmlns:a16="http://schemas.microsoft.com/office/drawing/2014/main" id="{2AF5FAD8-8FD1-4CFC-A64E-169CEDC5BE34}"/>
+              </a:ext>
+            </a:extLst>
+          </p:cNvPr>
+          <p:cNvSpPr>
+            <a:spLocks noGrp="1"/>
+          </p:cNvSpPr>
+          <p:nvPr>
+            <p:ph idx="1"/>
+          </p:nvPr>
+        </p:nvSpPr>
+        <p:spPr/>
+        <p:txBody>
+          <a:bodyPr>
+            <a:normAutofit/>
+          </a:bodyPr>
+          <a:lstStyle/>
+          <a:p>
+            <a:r>
+              <a:rPr lang="en-SG" sz="2000" dirty="0"/>
+              <a:t>Padding vs. Margin?</a:t>
+            </a:r>
+          </a:p>
+          <a:p>
+            <a:pPr lvl="1"/>
+            <a:r>
+              <a:rPr lang="en-SG" sz="1800" dirty="0"/>
+              <a:t>Padding adds space within the element (e.g. ConstraintLayout), while margin adds space outside the element</a:t>
+            </a:r>
+          </a:p>
+          <a:p>
+            <a:r>
+              <a:rPr lang="en-US" sz="2000" dirty="0"/>
+              <a:t>You cannot use </a:t>
+            </a:r>
+            <a:r>
+              <a:rPr lang="en-US" sz="2000" dirty="0" err="1">
+                <a:latin typeface="Lucida Console" panose="020B0609040504020204" pitchFamily="49" charset="0"/>
+              </a:rPr>
+              <a:t>match_parent</a:t>
+            </a:r>
+            <a:r>
+              <a:rPr lang="en-US" sz="2000" dirty="0"/>
+              <a:t> for any view in a ConstraintLayout. Instead use 0dp, which means match constraints.</a:t>
+            </a:r>
+          </a:p>
+          <a:p>
+            <a:pPr lvl="1"/>
+            <a:endParaRPr lang="en-SG" sz="1800" dirty="0"/>
+          </a:p>
+        </p:txBody>
+      </p:sp>
+    </p:spTree>
+    <p:extLst>
+      <p:ext uri="{BB962C8B-B14F-4D97-AF65-F5344CB8AC3E}">
+        <p14:creationId xmlns:p14="http://schemas.microsoft.com/office/powerpoint/2010/main" val="146549033"/>
+      </p:ext>
+    </p:extLst>
+  </p:cSld>
+  <p:clrMapOvr>
+    <a:masterClrMapping/>
+  </p:clrMapOvr>
+</p:sld>
+</file>
+
+<file path=ppt/slides/slide3.xml><?xml version="1.0" encoding="utf-8"?>
+<p:sld xmlns:a="http://schemas.openxmlformats.org/drawingml/2006/main" xmlns:r="http://schemas.openxmlformats.org/officeDocument/2006/relationships" xmlns:p="http://schemas.openxmlformats.org/presentationml/2006/main">
+  <p:cSld>
+    <p:spTree>
+      <p:nvGrpSpPr>
+        <p:cNvPr id="1" name=""/>
+        <p:cNvGrpSpPr/>
+        <p:nvPr/>
+      </p:nvGrpSpPr>
+      <p:grpSpPr>
+        <a:xfrm>
+          <a:off x="0" y="0"/>
+          <a:ext cx="0" cy="0"/>
+          <a:chOff x="0" y="0"/>
+          <a:chExt cx="0" cy="0"/>
+        </a:xfrm>
+      </p:grpSpPr>
+      <p:sp>
+        <p:nvSpPr>
+          <p:cNvPr id="2" name="Title 1">
+            <a:extLst>
+              <a:ext uri="{FF2B5EF4-FFF2-40B4-BE49-F238E27FC236}">
+                <a16:creationId xmlns:a16="http://schemas.microsoft.com/office/drawing/2014/main" id="{A7E93ABD-AD03-4CA6-893B-E423C18A1FD8}"/>
+              </a:ext>
+            </a:extLst>
+          </p:cNvPr>
+          <p:cNvSpPr>
+            <a:spLocks noGrp="1"/>
+          </p:cNvSpPr>
+          <p:nvPr>
+            <p:ph type="title"/>
+          </p:nvPr>
+        </p:nvSpPr>
+        <p:spPr/>
+        <p:txBody>
+          <a:bodyPr/>
+          <a:lstStyle/>
+          <a:p>
+            <a:r>
+              <a:rPr lang="en-SG" dirty="0"/>
+              <a:t>Vocabulary</a:t>
+            </a:r>
+          </a:p>
+        </p:txBody>
+      </p:sp>
+      <p:sp>
+        <p:nvSpPr>
+          <p:cNvPr id="3" name="Content Placeholder 2">
+            <a:extLst>
+              <a:ext uri="{FF2B5EF4-FFF2-40B4-BE49-F238E27FC236}">
+                <a16:creationId xmlns:a16="http://schemas.microsoft.com/office/drawing/2014/main" id="{6667C15B-3A62-4A76-9665-566B0F49FD91}"/>
+              </a:ext>
+            </a:extLst>
+          </p:cNvPr>
+          <p:cNvSpPr>
+            <a:spLocks noGrp="1"/>
+          </p:cNvSpPr>
+          <p:nvPr>
+            <p:ph idx="1"/>
+          </p:nvPr>
+        </p:nvSpPr>
+        <p:spPr>
+          <a:xfrm>
+            <a:off x="838200" y="1690688"/>
+            <a:ext cx="10515600" cy="4750273"/>
+          </a:xfrm>
+        </p:spPr>
+        <p:txBody>
+          <a:bodyPr>
+            <a:normAutofit/>
+          </a:bodyPr>
+          <a:lstStyle/>
+          <a:p>
+            <a:r>
+              <a:rPr lang="en-US" sz="2000" dirty="0"/>
+              <a:t>Normally non-null properties must be initialized in the constructor, but sometimes that isn't practical. In those cases, a property can be marked with </a:t>
+            </a:r>
+            <a:r>
+              <a:rPr lang="en-US" sz="2000" dirty="0" err="1">
+                <a:highlight>
+                  <a:srgbClr val="FFFF00"/>
+                </a:highlight>
+                <a:latin typeface="Consolas" panose="020B0609020204030204" pitchFamily="49" charset="0"/>
+              </a:rPr>
+              <a:t>lateinit</a:t>
+            </a:r>
+            <a:r>
+              <a:rPr lang="en-US" sz="2000" dirty="0"/>
+              <a:t>, which is a promise that the variable will be initialized before it is used. Note that an exception will be thrown if that property is accessed before being initialized.</a:t>
+            </a:r>
+          </a:p>
+          <a:p>
+            <a:r>
+              <a:rPr lang="en-US" sz="2000" dirty="0"/>
+              <a:t>Null is a special value that means "no value". It's different from a default value, for example, a Double having a value of 0.0 or an empty String with zero characters, "". In Kotlin, it’s preferable to not allow null values and you have to use special operators to permit a </a:t>
+            </a:r>
+            <a:r>
+              <a:rPr lang="en-US" sz="2000" dirty="0">
+                <a:highlight>
+                  <a:srgbClr val="FFFF00"/>
+                </a:highlight>
+                <a:latin typeface="Consolas" panose="020B0609020204030204" pitchFamily="49" charset="0"/>
+              </a:rPr>
+              <a:t>null</a:t>
+            </a:r>
+            <a:r>
+              <a:rPr lang="en-US" sz="2000" dirty="0"/>
+              <a:t> value. </a:t>
+            </a:r>
+            <a:r>
+              <a:rPr lang="en-US" sz="2000" dirty="0">
+                <a:latin typeface="Consolas" panose="020B0609020204030204" pitchFamily="49" charset="0"/>
+              </a:rPr>
+              <a:t>null</a:t>
+            </a:r>
+            <a:r>
+              <a:rPr lang="en-US" sz="2000" dirty="0"/>
+              <a:t> means there is no value. If a method expects a value, passing null will cause an error.</a:t>
+            </a:r>
+          </a:p>
+          <a:p>
+            <a:r>
+              <a:rPr lang="en-US" sz="2000" dirty="0"/>
+              <a:t>To organize Views, you put them in a container. A </a:t>
+            </a:r>
+            <a:r>
+              <a:rPr lang="en-US" sz="2000" dirty="0" err="1">
+                <a:highlight>
+                  <a:srgbClr val="FFFF00"/>
+                </a:highlight>
+              </a:rPr>
+              <a:t>ViewGroup</a:t>
+            </a:r>
+            <a:r>
+              <a:rPr lang="en-US" sz="2000" dirty="0"/>
+              <a:t> is a container that </a:t>
+            </a:r>
+            <a:r>
+              <a:rPr lang="en-US" sz="2000" dirty="0">
+                <a:highlight>
+                  <a:srgbClr val="FFFF00"/>
+                </a:highlight>
+              </a:rPr>
+              <a:t>View</a:t>
+            </a:r>
+            <a:r>
+              <a:rPr lang="en-US" sz="2000" dirty="0"/>
+              <a:t> objects can sit in, and is responsible for arranging the Views inside it. One kind of </a:t>
+            </a:r>
+            <a:r>
+              <a:rPr lang="en-US" sz="2000" dirty="0" err="1"/>
+              <a:t>ViewGroup</a:t>
+            </a:r>
+            <a:r>
+              <a:rPr lang="en-US" sz="2000" dirty="0"/>
+              <a:t> is a </a:t>
+            </a:r>
+            <a:r>
+              <a:rPr lang="en-US" sz="2000" dirty="0">
+                <a:highlight>
+                  <a:srgbClr val="FFFF00"/>
+                </a:highlight>
+                <a:latin typeface="Consolas" panose="020B0609020204030204" pitchFamily="49" charset="0"/>
+              </a:rPr>
+              <a:t>ConstraintLayout</a:t>
+            </a:r>
+            <a:r>
+              <a:rPr lang="en-US" sz="2000" dirty="0"/>
+              <a:t>, which helps you arrange the Views inside it in a flexible way. </a:t>
+            </a:r>
+            <a:r>
+              <a:rPr lang="en-US" sz="2000" dirty="0">
+                <a:highlight>
+                  <a:srgbClr val="FFFF00"/>
+                </a:highlight>
+              </a:rPr>
+              <a:t>Views need to be constrained horizontally and vertically within a </a:t>
+            </a:r>
+            <a:r>
+              <a:rPr lang="en-US" sz="2000" dirty="0">
+                <a:highlight>
+                  <a:srgbClr val="FFFF00"/>
+                </a:highlight>
+                <a:latin typeface="Consolas" panose="020B0609020204030204" pitchFamily="49" charset="0"/>
+              </a:rPr>
+              <a:t>ConstraintLayout</a:t>
+            </a:r>
+            <a:r>
+              <a:rPr lang="en-US" sz="2000" dirty="0"/>
+              <a:t>.</a:t>
+            </a:r>
+          </a:p>
+          <a:p>
+            <a:r>
+              <a:rPr lang="en-US" sz="2000" dirty="0" err="1">
+                <a:highlight>
+                  <a:srgbClr val="FFFF00"/>
+                </a:highlight>
+              </a:rPr>
+              <a:t>dp</a:t>
+            </a:r>
+            <a:r>
+              <a:rPr lang="en-US" sz="2000" dirty="0"/>
+              <a:t> is a unit of measure for distances on the screen, </a:t>
+            </a:r>
+            <a:r>
+              <a:rPr lang="en-US" sz="2000" dirty="0" err="1">
+                <a:highlight>
+                  <a:srgbClr val="FFFF00"/>
+                </a:highlight>
+              </a:rPr>
+              <a:t>sp</a:t>
+            </a:r>
+            <a:r>
+              <a:rPr lang="en-US" sz="2000" dirty="0"/>
+              <a:t> is a unit of measure for the font size.</a:t>
+            </a:r>
+          </a:p>
+          <a:p>
+            <a:r>
+              <a:rPr lang="en-US" sz="2000" dirty="0"/>
+              <a:t>In Android, a graphic that can be drawn to the screen is generally referred to as a </a:t>
+            </a:r>
+            <a:r>
+              <a:rPr lang="en-US" sz="2000" dirty="0">
+                <a:highlight>
+                  <a:srgbClr val="FFFF00"/>
+                </a:highlight>
+              </a:rPr>
+              <a:t>drawable</a:t>
+            </a:r>
+            <a:r>
+              <a:rPr lang="en-US" sz="2000" dirty="0"/>
+              <a:t>.</a:t>
+            </a:r>
+            <a:endParaRPr lang="en-SG" sz="2000" dirty="0"/>
+          </a:p>
+        </p:txBody>
+      </p:sp>
+    </p:spTree>
+    <p:extLst>
+      <p:ext uri="{BB962C8B-B14F-4D97-AF65-F5344CB8AC3E}">
+        <p14:creationId xmlns:p14="http://schemas.microsoft.com/office/powerpoint/2010/main" val="3379137901"/>
+      </p:ext>
+    </p:extLst>
+  </p:cSld>
+  <p:clrMapOvr>
+    <a:masterClrMapping/>
+  </p:clrMapOvr>
+</p:sld>
+</file>
+
+<file path=ppt/slides/slide30.xml><?xml version="1.0" encoding="utf-8"?>
+<p:sld xmlns:a="http://schemas.openxmlformats.org/drawingml/2006/main" xmlns:r="http://schemas.openxmlformats.org/officeDocument/2006/relationships" xmlns:p="http://schemas.openxmlformats.org/presentationml/2006/main">
+  <p:cSld>
+    <p:spTree>
+      <p:nvGrpSpPr>
+        <p:cNvPr id="1" name=""/>
+        <p:cNvGrpSpPr/>
+        <p:nvPr/>
+      </p:nvGrpSpPr>
+      <p:grpSpPr>
+        <a:xfrm>
+          <a:off x="0" y="0"/>
+          <a:ext cx="0" cy="0"/>
+          <a:chOff x="0" y="0"/>
+          <a:chExt cx="0" cy="0"/>
+        </a:xfrm>
+      </p:grpSpPr>
+      <p:sp>
+        <p:nvSpPr>
+          <p:cNvPr id="2" name="Title 1">
+            <a:extLst>
+              <a:ext uri="{FF2B5EF4-FFF2-40B4-BE49-F238E27FC236}">
                 <a16:creationId xmlns:a16="http://schemas.microsoft.com/office/drawing/2014/main" id="{F5220BC9-E72C-4477-933D-27007CC8CFD8}"/>
               </a:ext>
             </a:extLst>
@@ -10185,7 +12953,7 @@
           <a:p>
             <a:r>
               <a:rPr lang="en-SG" dirty="0"/>
-              <a:t>Activity Display Flow</a:t>
+              <a:t>Display Flow #1</a:t>
             </a:r>
           </a:p>
         </p:txBody>
@@ -10607,7 +13375,7 @@
         </p:nvSpPr>
         <p:spPr>
           <a:xfrm>
-            <a:off x="6869349" y="1160813"/>
+            <a:off x="7268184" y="1511010"/>
             <a:ext cx="4484451" cy="530157"/>
           </a:xfrm>
           <a:prstGeom prst="rect">
@@ -10664,7 +13432,7 @@
         </p:blipFill>
         <p:spPr>
           <a:xfrm>
-            <a:off x="6869349" y="1896984"/>
+            <a:off x="7268184" y="2247181"/>
             <a:ext cx="4549534" cy="1981372"/>
           </a:xfrm>
           <a:prstGeom prst="rect">
@@ -10738,7 +13506,7 @@
         </p:nvSpPr>
         <p:spPr>
           <a:xfrm>
-            <a:off x="7214682" y="2994523"/>
+            <a:off x="7613517" y="3344720"/>
             <a:ext cx="2182238" cy="225331"/>
           </a:xfrm>
           <a:prstGeom prst="rect">
@@ -10840,7 +13608,7 @@
         </p:nvCxnSpPr>
         <p:spPr>
           <a:xfrm flipH="1">
-            <a:off x="8305801" y="1690970"/>
+            <a:off x="8704636" y="2041167"/>
             <a:ext cx="805774" cy="1303553"/>
           </a:xfrm>
           <a:prstGeom prst="straightConnector1">
@@ -10919,7 +13687,7 @@
         </p:nvSpPr>
         <p:spPr>
           <a:xfrm>
-            <a:off x="6480331" y="1745244"/>
+            <a:off x="6879166" y="2095441"/>
             <a:ext cx="1305165" cy="276999"/>
           </a:xfrm>
           <a:prstGeom prst="rect">
@@ -10993,7 +13761,7 @@
 </p:sld>
 </file>
 
-<file path=ppt/slides/slide25.xml><?xml version="1.0" encoding="utf-8"?>
+<file path=ppt/slides/slide31.xml><?xml version="1.0" encoding="utf-8"?>
 <p:sld xmlns:a="http://schemas.openxmlformats.org/drawingml/2006/main" xmlns:r="http://schemas.openxmlformats.org/officeDocument/2006/relationships" xmlns:p="http://schemas.openxmlformats.org/presentationml/2006/main">
   <p:cSld>
     <p:spTree>
@@ -11063,7 +13831,7 @@
           <a:p>
             <a:r>
               <a:rPr lang="en-SG" dirty="0"/>
-              <a:t>Activity Display Flow</a:t>
+              <a:t>Display Flow #1</a:t>
             </a:r>
           </a:p>
         </p:txBody>
@@ -11712,7 +14480,7 @@
 </p:sld>
 </file>
 
-<file path=ppt/slides/slide26.xml><?xml version="1.0" encoding="utf-8"?>
+<file path=ppt/slides/slide32.xml><?xml version="1.0" encoding="utf-8"?>
 <p:sld xmlns:a="http://schemas.openxmlformats.org/drawingml/2006/main" xmlns:r="http://schemas.openxmlformats.org/officeDocument/2006/relationships" xmlns:p="http://schemas.openxmlformats.org/presentationml/2006/main">
   <p:cSld>
     <p:spTree>
@@ -11731,6 +14499,977 @@
       </p:grpSpPr>
       <p:sp>
         <p:nvSpPr>
+          <p:cNvPr id="2" name="Title 1">
+            <a:extLst>
+              <a:ext uri="{FF2B5EF4-FFF2-40B4-BE49-F238E27FC236}">
+                <a16:creationId xmlns:a16="http://schemas.microsoft.com/office/drawing/2014/main" id="{F0EDAE7F-9CD2-49C7-A5BF-876EA531D0FE}"/>
+              </a:ext>
+            </a:extLst>
+          </p:cNvPr>
+          <p:cNvSpPr>
+            <a:spLocks noGrp="1"/>
+          </p:cNvSpPr>
+          <p:nvPr>
+            <p:ph type="title"/>
+          </p:nvPr>
+        </p:nvSpPr>
+        <p:spPr/>
+        <p:txBody>
+          <a:bodyPr/>
+          <a:lstStyle/>
+          <a:p>
+            <a:r>
+              <a:rPr lang="en-SG" dirty="0"/>
+              <a:t>Display Flow #2: View Binding</a:t>
+            </a:r>
+          </a:p>
+        </p:txBody>
+      </p:sp>
+      <p:sp>
+        <p:nvSpPr>
+          <p:cNvPr id="3" name="Content Placeholder 2">
+            <a:extLst>
+              <a:ext uri="{FF2B5EF4-FFF2-40B4-BE49-F238E27FC236}">
+                <a16:creationId xmlns:a16="http://schemas.microsoft.com/office/drawing/2014/main" id="{BBBB0B4A-3172-4FAF-9A64-E1090293992B}"/>
+              </a:ext>
+            </a:extLst>
+          </p:cNvPr>
+          <p:cNvSpPr>
+            <a:spLocks noGrp="1"/>
+          </p:cNvSpPr>
+          <p:nvPr>
+            <p:ph idx="1"/>
+          </p:nvPr>
+        </p:nvSpPr>
+        <p:spPr>
+          <a:xfrm>
+            <a:off x="838200" y="1825625"/>
+            <a:ext cx="7157936" cy="4351338"/>
+          </a:xfrm>
+        </p:spPr>
+        <p:txBody>
+          <a:bodyPr>
+            <a:normAutofit/>
+          </a:bodyPr>
+          <a:lstStyle/>
+          <a:p>
+            <a:pPr marL="457200" indent="-457200">
+              <a:buAutoNum type="arabicPeriod"/>
+            </a:pPr>
+            <a:r>
+              <a:rPr lang="en-US" sz="2000" dirty="0"/>
+              <a:t>Need to enable view binding for your app in Gradle (module </a:t>
+            </a:r>
+            <a:r>
+              <a:rPr lang="en-US" sz="2000" dirty="0" err="1"/>
+              <a:t>build.gradle</a:t>
+            </a:r>
+            <a:r>
+              <a:rPr lang="en-US" sz="2000" dirty="0"/>
+              <a:t>) and sync.</a:t>
+            </a:r>
+            <a:endParaRPr lang="en-SG" sz="2000" dirty="0"/>
+          </a:p>
+          <a:p>
+            <a:pPr marL="457200" indent="-457200">
+              <a:buAutoNum type="arabicPeriod"/>
+            </a:pPr>
+            <a:r>
+              <a:rPr lang="en-US" sz="2000" dirty="0"/>
+              <a:t>Instead of calling </a:t>
+            </a:r>
+            <a:r>
+              <a:rPr lang="en-US" sz="2000" dirty="0" err="1">
+                <a:latin typeface="Lucida Console" panose="020B0609040504020204" pitchFamily="49" charset="0"/>
+              </a:rPr>
+              <a:t>findViewById</a:t>
+            </a:r>
+            <a:r>
+              <a:rPr lang="en-US" sz="2000" dirty="0">
+                <a:latin typeface="Lucida Console" panose="020B0609040504020204" pitchFamily="49" charset="0"/>
+              </a:rPr>
+              <a:t>()</a:t>
+            </a:r>
+            <a:r>
+              <a:rPr lang="en-US" sz="2000" dirty="0"/>
+              <a:t> for each </a:t>
+            </a:r>
+            <a:r>
+              <a:rPr lang="en-US" sz="2000" dirty="0">
+                <a:latin typeface="Lucida Console" panose="020B0609040504020204" pitchFamily="49" charset="0"/>
+              </a:rPr>
+              <a:t>View</a:t>
+            </a:r>
+            <a:r>
+              <a:rPr lang="en-US" sz="2000" dirty="0"/>
+              <a:t> in your app, you'll create and initialize a binding object once in the</a:t>
+            </a:r>
+            <a:r>
+              <a:rPr lang="en-SG" sz="2000" dirty="0"/>
+              <a:t> Activity.</a:t>
+            </a:r>
+          </a:p>
+        </p:txBody>
+      </p:sp>
+      <p:pic>
+        <p:nvPicPr>
+          <p:cNvPr id="5" name="Picture 4">
+            <a:extLst>
+              <a:ext uri="{FF2B5EF4-FFF2-40B4-BE49-F238E27FC236}">
+                <a16:creationId xmlns:a16="http://schemas.microsoft.com/office/drawing/2014/main" id="{57580692-2199-4A8E-9C74-43780982E850}"/>
+              </a:ext>
+            </a:extLst>
+          </p:cNvPr>
+          <p:cNvPicPr>
+            <a:picLocks noChangeAspect="1"/>
+          </p:cNvPicPr>
+          <p:nvPr/>
+        </p:nvPicPr>
+        <p:blipFill>
+          <a:blip r:embed="rId2"/>
+          <a:stretch>
+            <a:fillRect/>
+          </a:stretch>
+        </p:blipFill>
+        <p:spPr>
+          <a:xfrm>
+            <a:off x="8595309" y="365125"/>
+            <a:ext cx="3055885" cy="2834886"/>
+          </a:xfrm>
+          <a:prstGeom prst="rect">
+            <a:avLst/>
+          </a:prstGeom>
+        </p:spPr>
+      </p:pic>
+      <p:pic>
+        <p:nvPicPr>
+          <p:cNvPr id="7" name="Picture 6">
+            <a:extLst>
+              <a:ext uri="{FF2B5EF4-FFF2-40B4-BE49-F238E27FC236}">
+                <a16:creationId xmlns:a16="http://schemas.microsoft.com/office/drawing/2014/main" id="{329C64E1-8CBD-45A2-839F-D93F43633F08}"/>
+              </a:ext>
+            </a:extLst>
+          </p:cNvPr>
+          <p:cNvPicPr>
+            <a:picLocks noChangeAspect="1"/>
+          </p:cNvPicPr>
+          <p:nvPr/>
+        </p:nvPicPr>
+        <p:blipFill>
+          <a:blip r:embed="rId3"/>
+          <a:stretch>
+            <a:fillRect/>
+          </a:stretch>
+        </p:blipFill>
+        <p:spPr>
+          <a:xfrm>
+            <a:off x="3360901" y="3339970"/>
+            <a:ext cx="4761694" cy="3392152"/>
+          </a:xfrm>
+          <a:prstGeom prst="rect">
+            <a:avLst/>
+          </a:prstGeom>
+        </p:spPr>
+      </p:pic>
+    </p:spTree>
+    <p:extLst>
+      <p:ext uri="{BB962C8B-B14F-4D97-AF65-F5344CB8AC3E}">
+        <p14:creationId xmlns:p14="http://schemas.microsoft.com/office/powerpoint/2010/main" val="3905387567"/>
+      </p:ext>
+    </p:extLst>
+  </p:cSld>
+  <p:clrMapOvr>
+    <a:masterClrMapping/>
+  </p:clrMapOvr>
+</p:sld>
+</file>
+
+<file path=ppt/slides/slide33.xml><?xml version="1.0" encoding="utf-8"?>
+<p:sld xmlns:a="http://schemas.openxmlformats.org/drawingml/2006/main" xmlns:r="http://schemas.openxmlformats.org/officeDocument/2006/relationships" xmlns:p="http://schemas.openxmlformats.org/presentationml/2006/main">
+  <p:cSld>
+    <p:spTree>
+      <p:nvGrpSpPr>
+        <p:cNvPr id="1" name=""/>
+        <p:cNvGrpSpPr/>
+        <p:nvPr/>
+      </p:nvGrpSpPr>
+      <p:grpSpPr>
+        <a:xfrm>
+          <a:off x="0" y="0"/>
+          <a:ext cx="0" cy="0"/>
+          <a:chOff x="0" y="0"/>
+          <a:chExt cx="0" cy="0"/>
+        </a:xfrm>
+      </p:grpSpPr>
+      <p:sp>
+        <p:nvSpPr>
+          <p:cNvPr id="2" name="Title 1">
+            <a:extLst>
+              <a:ext uri="{FF2B5EF4-FFF2-40B4-BE49-F238E27FC236}">
+                <a16:creationId xmlns:a16="http://schemas.microsoft.com/office/drawing/2014/main" id="{F0EDAE7F-9CD2-49C7-A5BF-876EA531D0FE}"/>
+              </a:ext>
+            </a:extLst>
+          </p:cNvPr>
+          <p:cNvSpPr>
+            <a:spLocks noGrp="1"/>
+          </p:cNvSpPr>
+          <p:nvPr>
+            <p:ph type="title"/>
+          </p:nvPr>
+        </p:nvSpPr>
+        <p:spPr/>
+        <p:txBody>
+          <a:bodyPr/>
+          <a:lstStyle/>
+          <a:p>
+            <a:r>
+              <a:rPr lang="en-SG" dirty="0"/>
+              <a:t>Display Flow #2: View Binding</a:t>
+            </a:r>
+          </a:p>
+        </p:txBody>
+      </p:sp>
+      <p:sp>
+        <p:nvSpPr>
+          <p:cNvPr id="3" name="Content Placeholder 2">
+            <a:extLst>
+              <a:ext uri="{FF2B5EF4-FFF2-40B4-BE49-F238E27FC236}">
+                <a16:creationId xmlns:a16="http://schemas.microsoft.com/office/drawing/2014/main" id="{BBBB0B4A-3172-4FAF-9A64-E1090293992B}"/>
+              </a:ext>
+            </a:extLst>
+          </p:cNvPr>
+          <p:cNvSpPr>
+            <a:spLocks noGrp="1"/>
+          </p:cNvSpPr>
+          <p:nvPr>
+            <p:ph idx="1"/>
+          </p:nvPr>
+        </p:nvSpPr>
+        <p:spPr>
+          <a:xfrm>
+            <a:off x="838200" y="1825624"/>
+            <a:ext cx="10251332" cy="3981789"/>
+          </a:xfrm>
+        </p:spPr>
+        <p:txBody>
+          <a:bodyPr>
+            <a:normAutofit lnSpcReduction="10000"/>
+          </a:bodyPr>
+          <a:lstStyle/>
+          <a:p>
+            <a:pPr marL="0" indent="0">
+              <a:buNone/>
+            </a:pPr>
+            <a:r>
+              <a:rPr lang="en-SG" sz="2000" u="sng" dirty="0"/>
+              <a:t>Without View Binding</a:t>
+            </a:r>
+          </a:p>
+          <a:p>
+            <a:pPr marL="0" indent="0">
+              <a:buNone/>
+            </a:pPr>
+            <a:r>
+              <a:rPr lang="en-SG" sz="2000" dirty="0"/>
+              <a:t>	</a:t>
+            </a:r>
+            <a:r>
+              <a:rPr lang="en-SG" sz="1800" dirty="0" err="1">
+                <a:latin typeface="Lucida Console" panose="020B0609040504020204" pitchFamily="49" charset="0"/>
+              </a:rPr>
+              <a:t>val</a:t>
+            </a:r>
+            <a:r>
+              <a:rPr lang="en-SG" sz="1800" dirty="0">
+                <a:latin typeface="Lucida Console" panose="020B0609040504020204" pitchFamily="49" charset="0"/>
+              </a:rPr>
+              <a:t> action: Button = </a:t>
+            </a:r>
+            <a:r>
+              <a:rPr lang="en-SG" sz="1800" dirty="0" err="1">
+                <a:latin typeface="Lucida Console" panose="020B0609040504020204" pitchFamily="49" charset="0"/>
+              </a:rPr>
+              <a:t>findViewById</a:t>
+            </a:r>
+            <a:r>
+              <a:rPr lang="en-SG" sz="1800" dirty="0">
+                <a:latin typeface="Lucida Console" panose="020B0609040504020204" pitchFamily="49" charset="0"/>
+              </a:rPr>
+              <a:t>(</a:t>
+            </a:r>
+            <a:r>
+              <a:rPr lang="en-SG" sz="1800" dirty="0" err="1">
+                <a:latin typeface="Lucida Console" panose="020B0609040504020204" pitchFamily="49" charset="0"/>
+              </a:rPr>
+              <a:t>R.id.</a:t>
+            </a:r>
+            <a:r>
+              <a:rPr lang="en-SG" sz="1800" dirty="0" err="1">
+                <a:highlight>
+                  <a:srgbClr val="00FFFF"/>
+                </a:highlight>
+                <a:latin typeface="Lucida Console" panose="020B0609040504020204" pitchFamily="49" charset="0"/>
+              </a:rPr>
+              <a:t>button_action</a:t>
+            </a:r>
+            <a:r>
+              <a:rPr lang="en-SG" sz="1800" dirty="0">
+                <a:latin typeface="Lucida Console" panose="020B0609040504020204" pitchFamily="49" charset="0"/>
+              </a:rPr>
+              <a:t>)</a:t>
+            </a:r>
+          </a:p>
+          <a:p>
+            <a:pPr marL="0" indent="0">
+              <a:buNone/>
+            </a:pPr>
+            <a:r>
+              <a:rPr lang="en-SG" sz="1800" dirty="0">
+                <a:latin typeface="Lucida Console" panose="020B0609040504020204" pitchFamily="49" charset="0"/>
+              </a:rPr>
+              <a:t>	</a:t>
+            </a:r>
+            <a:r>
+              <a:rPr lang="en-SG" sz="1800" dirty="0" err="1">
+                <a:latin typeface="Lucida Console" panose="020B0609040504020204" pitchFamily="49" charset="0"/>
+              </a:rPr>
+              <a:t>action.setOnClickListener</a:t>
+            </a:r>
+            <a:r>
+              <a:rPr lang="en-SG" sz="1800" dirty="0">
+                <a:latin typeface="Lucida Console" panose="020B0609040504020204" pitchFamily="49" charset="0"/>
+              </a:rPr>
+              <a:t>() {…}</a:t>
+            </a:r>
+          </a:p>
+          <a:p>
+            <a:pPr marL="0" indent="0">
+              <a:buNone/>
+            </a:pPr>
+            <a:endParaRPr lang="en-SG" sz="1800" dirty="0">
+              <a:latin typeface="Lucida Console" panose="020B0609040504020204" pitchFamily="49" charset="0"/>
+            </a:endParaRPr>
+          </a:p>
+          <a:p>
+            <a:pPr marL="0" indent="0">
+              <a:buNone/>
+            </a:pPr>
+            <a:r>
+              <a:rPr lang="en-SG" sz="1800" dirty="0">
+                <a:latin typeface="Lucida Console" panose="020B0609040504020204" pitchFamily="49" charset="0"/>
+              </a:rPr>
+              <a:t>	</a:t>
+            </a:r>
+            <a:r>
+              <a:rPr lang="en-SG" sz="1800" dirty="0" err="1">
+                <a:latin typeface="Lucida Console" panose="020B0609040504020204" pitchFamily="49" charset="0"/>
+              </a:rPr>
+              <a:t>val</a:t>
+            </a:r>
+            <a:r>
+              <a:rPr lang="en-SG" sz="1800" dirty="0">
+                <a:latin typeface="Lucida Console" panose="020B0609040504020204" pitchFamily="49" charset="0"/>
+              </a:rPr>
+              <a:t> amount: </a:t>
+            </a:r>
+            <a:r>
+              <a:rPr lang="en-SG" sz="1800" dirty="0" err="1">
+                <a:latin typeface="Lucida Console" panose="020B0609040504020204" pitchFamily="49" charset="0"/>
+              </a:rPr>
+              <a:t>TextView</a:t>
+            </a:r>
+            <a:r>
+              <a:rPr lang="en-SG" sz="1800" dirty="0">
+                <a:latin typeface="Lucida Console" panose="020B0609040504020204" pitchFamily="49" charset="0"/>
+              </a:rPr>
+              <a:t> = </a:t>
+            </a:r>
+            <a:r>
+              <a:rPr lang="en-SG" sz="1800" dirty="0" err="1">
+                <a:latin typeface="Lucida Console" panose="020B0609040504020204" pitchFamily="49" charset="0"/>
+              </a:rPr>
+              <a:t>findViewById</a:t>
+            </a:r>
+            <a:r>
+              <a:rPr lang="en-SG" sz="1800" dirty="0">
+                <a:latin typeface="Lucida Console" panose="020B0609040504020204" pitchFamily="49" charset="0"/>
+              </a:rPr>
+              <a:t>(</a:t>
+            </a:r>
+            <a:r>
+              <a:rPr lang="en-SG" sz="1800" dirty="0" err="1">
+                <a:latin typeface="Lucida Console" panose="020B0609040504020204" pitchFamily="49" charset="0"/>
+              </a:rPr>
+              <a:t>R.id.</a:t>
+            </a:r>
+            <a:r>
+              <a:rPr lang="en-SG" sz="1800" dirty="0" err="1">
+                <a:highlight>
+                  <a:srgbClr val="FFF169"/>
+                </a:highlight>
+                <a:latin typeface="Lucida Console" panose="020B0609040504020204" pitchFamily="49" charset="0"/>
+              </a:rPr>
+              <a:t>tip_result</a:t>
+            </a:r>
+            <a:r>
+              <a:rPr lang="en-SG" sz="1800" dirty="0">
+                <a:latin typeface="Lucida Console" panose="020B0609040504020204" pitchFamily="49" charset="0"/>
+              </a:rPr>
+              <a:t>)</a:t>
+            </a:r>
+          </a:p>
+          <a:p>
+            <a:pPr marL="0" indent="0">
+              <a:buNone/>
+            </a:pPr>
+            <a:r>
+              <a:rPr lang="en-SG" sz="1800" dirty="0">
+                <a:latin typeface="Lucida Console" panose="020B0609040504020204" pitchFamily="49" charset="0"/>
+              </a:rPr>
+              <a:t>	</a:t>
+            </a:r>
+            <a:r>
+              <a:rPr lang="en-SG" sz="1800" dirty="0" err="1">
+                <a:latin typeface="Lucida Console" panose="020B0609040504020204" pitchFamily="49" charset="0"/>
+              </a:rPr>
+              <a:t>amount.text</a:t>
+            </a:r>
+            <a:r>
+              <a:rPr lang="en-SG" sz="1800" dirty="0">
+                <a:latin typeface="Lucida Console" panose="020B0609040504020204" pitchFamily="49" charset="0"/>
+              </a:rPr>
+              <a:t> = getString(</a:t>
+            </a:r>
+            <a:r>
+              <a:rPr lang="en-SG" sz="1800" dirty="0" err="1">
+                <a:latin typeface="Lucida Console" panose="020B0609040504020204" pitchFamily="49" charset="0"/>
+              </a:rPr>
+              <a:t>formatted_tip</a:t>
+            </a:r>
+            <a:r>
+              <a:rPr lang="en-SG" sz="1800" dirty="0">
+                <a:latin typeface="Lucida Console" panose="020B0609040504020204" pitchFamily="49" charset="0"/>
+              </a:rPr>
+              <a:t>)</a:t>
+            </a:r>
+          </a:p>
+          <a:p>
+            <a:pPr marL="0" indent="0">
+              <a:buNone/>
+            </a:pPr>
+            <a:endParaRPr lang="en-SG" sz="2000" dirty="0"/>
+          </a:p>
+          <a:p>
+            <a:pPr marL="0" indent="0">
+              <a:buNone/>
+            </a:pPr>
+            <a:r>
+              <a:rPr lang="en-SG" sz="2000" u="sng" dirty="0"/>
+              <a:t>With View Binding</a:t>
+            </a:r>
+          </a:p>
+          <a:p>
+            <a:pPr marL="0" indent="0">
+              <a:buNone/>
+            </a:pPr>
+            <a:r>
+              <a:rPr lang="en-SG" sz="2000" dirty="0"/>
+              <a:t>	</a:t>
+            </a:r>
+            <a:r>
+              <a:rPr lang="en-SG" sz="1800" dirty="0" err="1">
+                <a:latin typeface="Lucida Console" panose="020B0609040504020204" pitchFamily="49" charset="0"/>
+              </a:rPr>
+              <a:t>binding.</a:t>
+            </a:r>
+            <a:r>
+              <a:rPr lang="en-SG" sz="1800" dirty="0" err="1">
+                <a:highlight>
+                  <a:srgbClr val="00FFFF"/>
+                </a:highlight>
+                <a:latin typeface="Lucida Console" panose="020B0609040504020204" pitchFamily="49" charset="0"/>
+              </a:rPr>
+              <a:t>buttonAction</a:t>
+            </a:r>
+            <a:r>
+              <a:rPr lang="en-SG" sz="1800" dirty="0" err="1">
+                <a:latin typeface="Lucida Console" panose="020B0609040504020204" pitchFamily="49" charset="0"/>
+              </a:rPr>
+              <a:t>.setOnClickListener</a:t>
+            </a:r>
+            <a:r>
+              <a:rPr lang="en-SG" sz="1800" dirty="0">
+                <a:latin typeface="Lucida Console" panose="020B0609040504020204" pitchFamily="49" charset="0"/>
+              </a:rPr>
+              <a:t>() {…}</a:t>
+            </a:r>
+          </a:p>
+          <a:p>
+            <a:pPr marL="0" indent="0">
+              <a:buNone/>
+            </a:pPr>
+            <a:endParaRPr lang="en-SG" sz="2000" dirty="0"/>
+          </a:p>
+          <a:p>
+            <a:pPr marL="0" indent="0">
+              <a:buNone/>
+            </a:pPr>
+            <a:r>
+              <a:rPr lang="en-SG" sz="2000" dirty="0"/>
+              <a:t>	</a:t>
+            </a:r>
+            <a:r>
+              <a:rPr lang="en-SG" sz="1800" dirty="0" err="1">
+                <a:latin typeface="Lucida Console" panose="020B0609040504020204" pitchFamily="49" charset="0"/>
+              </a:rPr>
+              <a:t>binding.</a:t>
+            </a:r>
+            <a:r>
+              <a:rPr lang="en-SG" sz="1800" dirty="0" err="1">
+                <a:highlight>
+                  <a:srgbClr val="FFF169"/>
+                </a:highlight>
+                <a:latin typeface="Lucida Console" panose="020B0609040504020204" pitchFamily="49" charset="0"/>
+              </a:rPr>
+              <a:t>tipResult</a:t>
+            </a:r>
+            <a:r>
+              <a:rPr lang="en-SG" sz="1800" dirty="0" err="1">
+                <a:latin typeface="Lucida Console" panose="020B0609040504020204" pitchFamily="49" charset="0"/>
+              </a:rPr>
+              <a:t>.text</a:t>
+            </a:r>
+            <a:r>
+              <a:rPr lang="en-SG" sz="1800" dirty="0">
+                <a:latin typeface="Lucida Console" panose="020B0609040504020204" pitchFamily="49" charset="0"/>
+              </a:rPr>
+              <a:t> = getString(</a:t>
+            </a:r>
+            <a:r>
+              <a:rPr lang="en-SG" sz="1800" dirty="0" err="1">
+                <a:latin typeface="Lucida Console" panose="020B0609040504020204" pitchFamily="49" charset="0"/>
+              </a:rPr>
+              <a:t>formatted_tip</a:t>
+            </a:r>
+            <a:r>
+              <a:rPr lang="en-SG" sz="1800" dirty="0">
+                <a:latin typeface="Lucida Console" panose="020B0609040504020204" pitchFamily="49" charset="0"/>
+              </a:rPr>
+              <a:t>)</a:t>
+            </a:r>
+            <a:endParaRPr lang="en-SG" sz="2000" dirty="0">
+              <a:latin typeface="Lucida Console" panose="020B0609040504020204" pitchFamily="49" charset="0"/>
+            </a:endParaRPr>
+          </a:p>
+        </p:txBody>
+      </p:sp>
+    </p:spTree>
+    <p:extLst>
+      <p:ext uri="{BB962C8B-B14F-4D97-AF65-F5344CB8AC3E}">
+        <p14:creationId xmlns:p14="http://schemas.microsoft.com/office/powerpoint/2010/main" val="968709329"/>
+      </p:ext>
+    </p:extLst>
+  </p:cSld>
+  <p:clrMapOvr>
+    <a:masterClrMapping/>
+  </p:clrMapOvr>
+</p:sld>
+</file>
+
+<file path=ppt/slides/slide34.xml><?xml version="1.0" encoding="utf-8"?>
+<p:sld xmlns:a="http://schemas.openxmlformats.org/drawingml/2006/main" xmlns:r="http://schemas.openxmlformats.org/officeDocument/2006/relationships" xmlns:p="http://schemas.openxmlformats.org/presentationml/2006/main">
+  <p:cSld>
+    <p:spTree>
+      <p:nvGrpSpPr>
+        <p:cNvPr id="1" name=""/>
+        <p:cNvGrpSpPr/>
+        <p:nvPr/>
+      </p:nvGrpSpPr>
+      <p:grpSpPr>
+        <a:xfrm>
+          <a:off x="0" y="0"/>
+          <a:ext cx="0" cy="0"/>
+          <a:chOff x="0" y="0"/>
+          <a:chExt cx="0" cy="0"/>
+        </a:xfrm>
+      </p:grpSpPr>
+      <p:sp>
+        <p:nvSpPr>
+          <p:cNvPr id="2" name="Title 1">
+            <a:extLst>
+              <a:ext uri="{FF2B5EF4-FFF2-40B4-BE49-F238E27FC236}">
+                <a16:creationId xmlns:a16="http://schemas.microsoft.com/office/drawing/2014/main" id="{F0EDAE7F-9CD2-49C7-A5BF-876EA531D0FE}"/>
+              </a:ext>
+            </a:extLst>
+          </p:cNvPr>
+          <p:cNvSpPr>
+            <a:spLocks noGrp="1"/>
+          </p:cNvSpPr>
+          <p:nvPr>
+            <p:ph type="title"/>
+          </p:nvPr>
+        </p:nvSpPr>
+        <p:spPr/>
+        <p:txBody>
+          <a:bodyPr/>
+          <a:lstStyle/>
+          <a:p>
+            <a:r>
+              <a:rPr lang="en-SG" dirty="0"/>
+              <a:t>Display Flow #2: View Binding</a:t>
+            </a:r>
+          </a:p>
+        </p:txBody>
+      </p:sp>
+      <p:sp>
+        <p:nvSpPr>
+          <p:cNvPr id="3" name="Content Placeholder 2">
+            <a:extLst>
+              <a:ext uri="{FF2B5EF4-FFF2-40B4-BE49-F238E27FC236}">
+                <a16:creationId xmlns:a16="http://schemas.microsoft.com/office/drawing/2014/main" id="{BBBB0B4A-3172-4FAF-9A64-E1090293992B}"/>
+              </a:ext>
+            </a:extLst>
+          </p:cNvPr>
+          <p:cNvSpPr>
+            <a:spLocks noGrp="1"/>
+          </p:cNvSpPr>
+          <p:nvPr>
+            <p:ph idx="1"/>
+          </p:nvPr>
+        </p:nvSpPr>
+        <p:spPr>
+          <a:xfrm>
+            <a:off x="838200" y="1825625"/>
+            <a:ext cx="10251332" cy="1131584"/>
+          </a:xfrm>
+        </p:spPr>
+        <p:txBody>
+          <a:bodyPr>
+            <a:normAutofit/>
+          </a:bodyPr>
+          <a:lstStyle/>
+          <a:p>
+            <a:pPr marL="457200" indent="-457200">
+              <a:buAutoNum type="arabicPeriod"/>
+            </a:pPr>
+            <a:r>
+              <a:rPr lang="en-SG" sz="2000" dirty="0"/>
+              <a:t>Before </a:t>
+            </a:r>
+            <a:r>
+              <a:rPr lang="en-SG" sz="2000" dirty="0">
+                <a:latin typeface="Lucida Console" panose="020B0609040504020204" pitchFamily="49" charset="0"/>
+              </a:rPr>
+              <a:t>onCreate()</a:t>
+            </a:r>
+            <a:r>
+              <a:rPr lang="en-SG" sz="2000" dirty="0"/>
+              <a:t>, </a:t>
+            </a:r>
+            <a:r>
+              <a:rPr lang="en-SG" sz="2000" dirty="0">
+                <a:highlight>
+                  <a:srgbClr val="00FF00"/>
+                </a:highlight>
+              </a:rPr>
+              <a:t>create</a:t>
+            </a:r>
+            <a:r>
+              <a:rPr lang="en-SG" sz="2000" dirty="0"/>
+              <a:t> a binding object.</a:t>
+            </a:r>
+          </a:p>
+          <a:p>
+            <a:pPr marL="457200" indent="-457200">
+              <a:buAutoNum type="arabicPeriod"/>
+            </a:pPr>
+            <a:r>
+              <a:rPr lang="en-SG" sz="2000" dirty="0"/>
+              <a:t>Within </a:t>
+            </a:r>
+            <a:r>
+              <a:rPr lang="en-SG" sz="2000" dirty="0">
+                <a:latin typeface="Lucida Console" panose="020B0609040504020204" pitchFamily="49" charset="0"/>
+              </a:rPr>
+              <a:t>onCreate()</a:t>
+            </a:r>
+            <a:r>
+              <a:rPr lang="en-SG" sz="2000" dirty="0"/>
+              <a:t>, </a:t>
+            </a:r>
+            <a:r>
+              <a:rPr lang="en-SG" sz="2000" dirty="0">
+                <a:highlight>
+                  <a:srgbClr val="FFFF00"/>
+                </a:highlight>
+              </a:rPr>
+              <a:t>initialise</a:t>
+            </a:r>
+            <a:r>
+              <a:rPr lang="en-SG" sz="2000" dirty="0"/>
+              <a:t> the binding object and </a:t>
+            </a:r>
+            <a:r>
+              <a:rPr lang="en-SG" sz="2000" dirty="0">
+                <a:highlight>
+                  <a:srgbClr val="00FFFF"/>
+                </a:highlight>
+              </a:rPr>
+              <a:t>specify</a:t>
+            </a:r>
+            <a:r>
+              <a:rPr lang="en-SG" sz="2000" dirty="0"/>
+              <a:t> the root hierarchy of views in this app, instead of using </a:t>
+            </a:r>
+            <a:r>
+              <a:rPr lang="en-SG" sz="2000" dirty="0">
+                <a:latin typeface="Lucida Console" panose="020B0609040504020204" pitchFamily="49" charset="0"/>
+              </a:rPr>
+              <a:t>R.layout.activity_main</a:t>
+            </a:r>
+            <a:r>
+              <a:rPr lang="en-SG" sz="2000" dirty="0"/>
+              <a:t>.</a:t>
+            </a:r>
+          </a:p>
+          <a:p>
+            <a:pPr marL="457200" indent="-457200">
+              <a:buAutoNum type="arabicPeriod"/>
+            </a:pPr>
+            <a:endParaRPr lang="en-SG" sz="2000" dirty="0"/>
+          </a:p>
+          <a:p>
+            <a:pPr marL="0" indent="0">
+              <a:buNone/>
+            </a:pPr>
+            <a:endParaRPr lang="en-SG" sz="2000" dirty="0"/>
+          </a:p>
+        </p:txBody>
+      </p:sp>
+      <p:pic>
+        <p:nvPicPr>
+          <p:cNvPr id="6" name="Picture 5">
+            <a:extLst>
+              <a:ext uri="{FF2B5EF4-FFF2-40B4-BE49-F238E27FC236}">
+                <a16:creationId xmlns:a16="http://schemas.microsoft.com/office/drawing/2014/main" id="{4D71B9C9-47C0-43B7-948C-87144FA77A58}"/>
+              </a:ext>
+            </a:extLst>
+          </p:cNvPr>
+          <p:cNvPicPr>
+            <a:picLocks noChangeAspect="1"/>
+          </p:cNvPicPr>
+          <p:nvPr/>
+        </p:nvPicPr>
+        <p:blipFill>
+          <a:blip r:embed="rId2"/>
+          <a:stretch>
+            <a:fillRect/>
+          </a:stretch>
+        </p:blipFill>
+        <p:spPr>
+          <a:xfrm>
+            <a:off x="838200" y="3408295"/>
+            <a:ext cx="10132499" cy="2331024"/>
+          </a:xfrm>
+          <a:prstGeom prst="rect">
+            <a:avLst/>
+          </a:prstGeom>
+        </p:spPr>
+      </p:pic>
+      <p:sp>
+        <p:nvSpPr>
+          <p:cNvPr id="8" name="Rectangle 7">
+            <a:extLst>
+              <a:ext uri="{FF2B5EF4-FFF2-40B4-BE49-F238E27FC236}">
+                <a16:creationId xmlns:a16="http://schemas.microsoft.com/office/drawing/2014/main" id="{B5B4A0C1-9C44-4A4A-9B6E-F33D6A3CAF0E}"/>
+              </a:ext>
+            </a:extLst>
+          </p:cNvPr>
+          <p:cNvSpPr/>
+          <p:nvPr/>
+        </p:nvSpPr>
+        <p:spPr>
+          <a:xfrm>
+            <a:off x="1079770" y="3910520"/>
+            <a:ext cx="3998068" cy="243192"/>
+          </a:xfrm>
+          <a:prstGeom prst="rect">
+            <a:avLst/>
+          </a:prstGeom>
+          <a:solidFill>
+            <a:srgbClr val="00FF00">
+              <a:alpha val="23000"/>
+            </a:srgbClr>
+          </a:solidFill>
+          <a:ln>
+            <a:noFill/>
+          </a:ln>
+        </p:spPr>
+        <p:style>
+          <a:lnRef idx="2">
+            <a:schemeClr val="accent1">
+              <a:shade val="50000"/>
+            </a:schemeClr>
+          </a:lnRef>
+          <a:fillRef idx="1">
+            <a:schemeClr val="accent1"/>
+          </a:fillRef>
+          <a:effectRef idx="0">
+            <a:schemeClr val="accent1"/>
+          </a:effectRef>
+          <a:fontRef idx="minor">
+            <a:schemeClr val="lt1"/>
+          </a:fontRef>
+        </p:style>
+        <p:txBody>
+          <a:bodyPr rtlCol="0" anchor="ctr"/>
+          <a:lstStyle/>
+          <a:p>
+            <a:pPr algn="ctr"/>
+            <a:endParaRPr lang="en-SG"/>
+          </a:p>
+        </p:txBody>
+      </p:sp>
+      <p:sp>
+        <p:nvSpPr>
+          <p:cNvPr id="9" name="Rectangle 8">
+            <a:extLst>
+              <a:ext uri="{FF2B5EF4-FFF2-40B4-BE49-F238E27FC236}">
+                <a16:creationId xmlns:a16="http://schemas.microsoft.com/office/drawing/2014/main" id="{8B1808D9-586B-46DC-AB70-1F3EC7D7B054}"/>
+              </a:ext>
+            </a:extLst>
+          </p:cNvPr>
+          <p:cNvSpPr/>
+          <p:nvPr/>
+        </p:nvSpPr>
+        <p:spPr>
+          <a:xfrm>
+            <a:off x="1407267" y="4996775"/>
+            <a:ext cx="4273685" cy="243192"/>
+          </a:xfrm>
+          <a:prstGeom prst="rect">
+            <a:avLst/>
+          </a:prstGeom>
+          <a:solidFill>
+            <a:srgbClr val="FFFF00">
+              <a:alpha val="23000"/>
+            </a:srgbClr>
+          </a:solidFill>
+          <a:ln>
+            <a:noFill/>
+          </a:ln>
+        </p:spPr>
+        <p:style>
+          <a:lnRef idx="2">
+            <a:schemeClr val="accent1">
+              <a:shade val="50000"/>
+            </a:schemeClr>
+          </a:lnRef>
+          <a:fillRef idx="1">
+            <a:schemeClr val="accent1"/>
+          </a:fillRef>
+          <a:effectRef idx="0">
+            <a:schemeClr val="accent1"/>
+          </a:effectRef>
+          <a:fontRef idx="minor">
+            <a:schemeClr val="lt1"/>
+          </a:fontRef>
+        </p:style>
+        <p:txBody>
+          <a:bodyPr rtlCol="0" anchor="ctr"/>
+          <a:lstStyle/>
+          <a:p>
+            <a:pPr algn="ctr"/>
+            <a:endParaRPr lang="en-SG"/>
+          </a:p>
+        </p:txBody>
+      </p:sp>
+      <p:sp>
+        <p:nvSpPr>
+          <p:cNvPr id="10" name="Rectangle 9">
+            <a:extLst>
+              <a:ext uri="{FF2B5EF4-FFF2-40B4-BE49-F238E27FC236}">
+                <a16:creationId xmlns:a16="http://schemas.microsoft.com/office/drawing/2014/main" id="{3DE19178-B6A3-4C30-9BDF-88E8B6AD028F}"/>
+              </a:ext>
+            </a:extLst>
+          </p:cNvPr>
+          <p:cNvSpPr/>
+          <p:nvPr/>
+        </p:nvSpPr>
+        <p:spPr>
+          <a:xfrm>
+            <a:off x="1407268" y="5447861"/>
+            <a:ext cx="2347610" cy="174726"/>
+          </a:xfrm>
+          <a:prstGeom prst="rect">
+            <a:avLst/>
+          </a:prstGeom>
+          <a:solidFill>
+            <a:srgbClr val="00FFFF">
+              <a:alpha val="34000"/>
+            </a:srgbClr>
+          </a:solidFill>
+          <a:ln>
+            <a:noFill/>
+          </a:ln>
+        </p:spPr>
+        <p:style>
+          <a:lnRef idx="2">
+            <a:schemeClr val="accent1">
+              <a:shade val="50000"/>
+            </a:schemeClr>
+          </a:lnRef>
+          <a:fillRef idx="1">
+            <a:schemeClr val="accent1"/>
+          </a:fillRef>
+          <a:effectRef idx="0">
+            <a:schemeClr val="accent1"/>
+          </a:effectRef>
+          <a:fontRef idx="minor">
+            <a:schemeClr val="lt1"/>
+          </a:fontRef>
+        </p:style>
+        <p:txBody>
+          <a:bodyPr rtlCol="0" anchor="ctr"/>
+          <a:lstStyle/>
+          <a:p>
+            <a:pPr algn="ctr"/>
+            <a:endParaRPr lang="en-SG"/>
+          </a:p>
+        </p:txBody>
+      </p:sp>
+    </p:spTree>
+    <p:extLst>
+      <p:ext uri="{BB962C8B-B14F-4D97-AF65-F5344CB8AC3E}">
+        <p14:creationId xmlns:p14="http://schemas.microsoft.com/office/powerpoint/2010/main" val="2722019150"/>
+      </p:ext>
+    </p:extLst>
+  </p:cSld>
+  <p:clrMapOvr>
+    <a:masterClrMapping/>
+  </p:clrMapOvr>
+</p:sld>
+</file>
+
+<file path=ppt/slides/slide35.xml><?xml version="1.0" encoding="utf-8"?>
+<p:sld xmlns:a="http://schemas.openxmlformats.org/drawingml/2006/main" xmlns:r="http://schemas.openxmlformats.org/officeDocument/2006/relationships" xmlns:p="http://schemas.openxmlformats.org/presentationml/2006/main">
+  <p:cSld>
+    <p:spTree>
+      <p:nvGrpSpPr>
+        <p:cNvPr id="1" name=""/>
+        <p:cNvGrpSpPr/>
+        <p:nvPr/>
+      </p:nvGrpSpPr>
+      <p:grpSpPr>
+        <a:xfrm>
+          <a:off x="0" y="0"/>
+          <a:ext cx="0" cy="0"/>
+          <a:chOff x="0" y="0"/>
+          <a:chExt cx="0" cy="0"/>
+        </a:xfrm>
+      </p:grpSpPr>
+      <p:sp>
+        <p:nvSpPr>
           <p:cNvPr id="2" name="Title 1"/>
           <p:cNvSpPr>
             <a:spLocks noGrp="1"/>
@@ -11824,7 +15563,7 @@
 </p:sld>
 </file>
 
-<file path=ppt/slides/slide27.xml><?xml version="1.0" encoding="utf-8"?>
+<file path=ppt/slides/slide36.xml><?xml version="1.0" encoding="utf-8"?>
 <p:sld xmlns:a="http://schemas.openxmlformats.org/drawingml/2006/main" xmlns:r="http://schemas.openxmlformats.org/officeDocument/2006/relationships" xmlns:p="http://schemas.openxmlformats.org/presentationml/2006/main">
   <p:cSld>
     <p:spTree>
@@ -12566,7 +16305,7 @@
                   <a:schemeClr val="accent1"/>
                 </a:solidFill>
               </a:rPr>
-              <a:t>ViewHolders</a:t>
+              <a:t>ViewHolder</a:t>
             </a:r>
             <a:r>
               <a:rPr lang="en-US" sz="1400" dirty="0">
@@ -13081,7 +16820,7 @@
 </p:sld>
 </file>
 
-<file path=ppt/slides/slide28.xml><?xml version="1.0" encoding="utf-8"?>
+<file path=ppt/slides/slide37.xml><?xml version="1.0" encoding="utf-8"?>
 <p:sld xmlns:a="http://schemas.openxmlformats.org/drawingml/2006/main" xmlns:r="http://schemas.openxmlformats.org/officeDocument/2006/relationships" xmlns:p="http://schemas.openxmlformats.org/presentationml/2006/main">
   <p:cSld>
     <p:spTree>
@@ -13100,7 +16839,13 @@
       </p:grpSpPr>
       <p:sp>
         <p:nvSpPr>
-          <p:cNvPr id="2" name="Title 1"/>
+          <p:cNvPr id="2" name="Title 1">
+            <a:extLst>
+              <a:ext uri="{FF2B5EF4-FFF2-40B4-BE49-F238E27FC236}">
+                <a16:creationId xmlns:a16="http://schemas.microsoft.com/office/drawing/2014/main" id="{1C9561BB-87FB-4861-A38F-FD8436BE4124}"/>
+              </a:ext>
+            </a:extLst>
+          </p:cNvPr>
           <p:cNvSpPr>
             <a:spLocks noGrp="1"/>
           </p:cNvSpPr>
@@ -13114,61 +16859,24 @@
           <a:lstStyle/>
           <a:p>
             <a:r>
-              <a:rPr lang="en-US" dirty="0"/>
-              <a:t>Model vs. </a:t>
-            </a:r>
-            <a:r>
-              <a:rPr lang="en-US" dirty="0" err="1"/>
-              <a:t>Datasource</a:t>
-            </a:r>
-            <a:endParaRPr lang="en-SG" dirty="0"/>
-          </a:p>
-        </p:txBody>
-      </p:sp>
-      <p:sp>
-        <p:nvSpPr>
-          <p:cNvPr id="3" name="Content Placeholder 2"/>
-          <p:cNvSpPr>
-            <a:spLocks noGrp="1"/>
-          </p:cNvSpPr>
-          <p:nvPr>
-            <p:ph idx="1"/>
-          </p:nvPr>
-        </p:nvSpPr>
-        <p:spPr/>
-        <p:txBody>
-          <a:bodyPr/>
-          <a:lstStyle/>
-          <a:p>
-            <a:r>
-              <a:rPr lang="en-US" dirty="0"/>
-              <a:t>Each model represents certain data you want in your app</a:t>
-            </a:r>
-          </a:p>
-          <a:p>
-            <a:pPr lvl="1"/>
-            <a:r>
-              <a:rPr lang="en-US" dirty="0"/>
-              <a:t>e.g. Car model, Fruit model, House model</a:t>
-            </a:r>
-          </a:p>
-          <a:p>
-            <a:r>
-              <a:rPr lang="en-US" dirty="0" err="1"/>
-              <a:t>Datasource</a:t>
-            </a:r>
-            <a:r>
-              <a:rPr lang="en-US" dirty="0"/>
-              <a:t> is a separate class where you can create functions to handle different types of data models</a:t>
-            </a:r>
-            <a:endParaRPr lang="en-SG" dirty="0"/>
+              <a:rPr lang="en-SG" dirty="0"/>
+              <a:t>Data &gt; Adapter &gt; </a:t>
+            </a:r>
+            <a:r>
+              <a:rPr lang="en-SG" dirty="0" err="1"/>
+              <a:t>RecyclerView</a:t>
+            </a:r>
+            <a:r>
+              <a:rPr lang="en-SG" dirty="0"/>
+              <a:t> &gt; View</a:t>
+            </a:r>
           </a:p>
         </p:txBody>
       </p:sp>
     </p:spTree>
     <p:extLst>
       <p:ext uri="{BB962C8B-B14F-4D97-AF65-F5344CB8AC3E}">
-        <p14:creationId xmlns:p14="http://schemas.microsoft.com/office/powerpoint/2010/main" val="2758969986"/>
+        <p14:creationId xmlns:p14="http://schemas.microsoft.com/office/powerpoint/2010/main" val="917581518"/>
       </p:ext>
     </p:extLst>
   </p:cSld>
@@ -13178,7 +16886,7 @@
 </p:sld>
 </file>
 
-<file path=ppt/slides/slide29.xml><?xml version="1.0" encoding="utf-8"?>
+<file path=ppt/slides/slide38.xml><?xml version="1.0" encoding="utf-8"?>
 <p:sld xmlns:a="http://schemas.openxmlformats.org/drawingml/2006/main" xmlns:r="http://schemas.openxmlformats.org/officeDocument/2006/relationships" xmlns:p="http://schemas.openxmlformats.org/presentationml/2006/main">
   <p:cSld>
     <p:spTree>
@@ -13197,13 +16905,7 @@
       </p:grpSpPr>
       <p:sp>
         <p:nvSpPr>
-          <p:cNvPr id="2" name="Title 1">
-            <a:extLst>
-              <a:ext uri="{FF2B5EF4-FFF2-40B4-BE49-F238E27FC236}">
-                <a16:creationId xmlns:a16="http://schemas.microsoft.com/office/drawing/2014/main" id="{9D9ADF61-2343-4150-8592-6E0680070EEA}"/>
-              </a:ext>
-            </a:extLst>
-          </p:cNvPr>
+          <p:cNvPr id="2" name="Title 1"/>
           <p:cNvSpPr>
             <a:spLocks noGrp="1"/>
           </p:cNvSpPr>
@@ -13217,21 +16919,20 @@
           <a:lstStyle/>
           <a:p>
             <a:r>
-              <a:rPr lang="en-SG" dirty="0"/>
-              <a:t>Coding nuances that nobody really cares</a:t>
-            </a:r>
-          </a:p>
-        </p:txBody>
-      </p:sp>
-      <p:sp>
-        <p:nvSpPr>
-          <p:cNvPr id="3" name="Content Placeholder 2">
-            <a:extLst>
-              <a:ext uri="{FF2B5EF4-FFF2-40B4-BE49-F238E27FC236}">
-                <a16:creationId xmlns:a16="http://schemas.microsoft.com/office/drawing/2014/main" id="{A7912FF4-9187-4E0A-824C-E0D930645EAF}"/>
-              </a:ext>
-            </a:extLst>
-          </p:cNvPr>
+              <a:rPr lang="en-US" dirty="0"/>
+              <a:t>Model vs. </a:t>
+            </a:r>
+            <a:r>
+              <a:rPr lang="en-US" dirty="0" err="1"/>
+              <a:t>Datasource</a:t>
+            </a:r>
+            <a:endParaRPr lang="en-SG" dirty="0"/>
+          </a:p>
+        </p:txBody>
+      </p:sp>
+      <p:sp>
+        <p:nvSpPr>
+          <p:cNvPr id="3" name="Content Placeholder 2"/>
           <p:cNvSpPr>
             <a:spLocks noGrp="1"/>
           </p:cNvSpPr>
@@ -13241,64 +16942,38 @@
         </p:nvSpPr>
         <p:spPr/>
         <p:txBody>
-          <a:bodyPr>
-            <a:normAutofit/>
-          </a:bodyPr>
-          <a:lstStyle/>
-          <a:p>
-            <a:r>
-              <a:rPr lang="en-SG" sz="2400" dirty="0"/>
-              <a:t>Method or Function?</a:t>
+          <a:bodyPr/>
+          <a:lstStyle/>
+          <a:p>
+            <a:r>
+              <a:rPr lang="en-US" dirty="0"/>
+              <a:t>Each model represents certain data you want in your app</a:t>
             </a:r>
           </a:p>
           <a:p>
             <a:pPr lvl="1"/>
             <a:r>
-              <a:rPr lang="en-SG" sz="2000" dirty="0"/>
-              <a:t>A method presumes the existence of an object (i.e. defined within a class), while a function is free and independent.</a:t>
-            </a:r>
-          </a:p>
-          <a:p>
-            <a:r>
-              <a:rPr lang="en-SG" sz="2400" dirty="0"/>
-              <a:t>Parameter or Argument?</a:t>
-            </a:r>
-          </a:p>
-          <a:p>
-            <a:pPr lvl="1"/>
-            <a:r>
-              <a:rPr lang="en-US" sz="2000" dirty="0"/>
-              <a:t>A parameter is variable declaration in the function/method definition. When the function/method is called, the arguments are the data you pass into its parameters.</a:t>
-            </a:r>
-          </a:p>
-          <a:p>
-            <a:r>
-              <a:rPr lang="en-US" sz="2400" dirty="0"/>
-              <a:t>Property or Attribute?</a:t>
-            </a:r>
-          </a:p>
-          <a:p>
-            <a:pPr lvl="1"/>
-            <a:r>
-              <a:rPr lang="en-US" sz="2000" dirty="0"/>
-              <a:t>A property is something that </a:t>
-            </a:r>
-            <a:r>
-              <a:rPr lang="en-US" sz="2000" dirty="0" err="1"/>
-              <a:t>characterises</a:t>
-            </a:r>
-            <a:r>
-              <a:rPr lang="en-US" sz="2000" dirty="0"/>
-              <a:t> a class (e.g. age and gender are properties of human) and the property becomes an attribute when it is given a value or description (e.g. age is 20, gender is female)</a:t>
-            </a:r>
-            <a:endParaRPr lang="en-SG" sz="2000" dirty="0"/>
+              <a:rPr lang="en-US" dirty="0"/>
+              <a:t>e.g. Car model, Fruit model, House model</a:t>
+            </a:r>
+          </a:p>
+          <a:p>
+            <a:r>
+              <a:rPr lang="en-US" dirty="0" err="1"/>
+              <a:t>Datasource</a:t>
+            </a:r>
+            <a:r>
+              <a:rPr lang="en-US" dirty="0"/>
+              <a:t> is a separate class where you can create functions to handle different types of data models</a:t>
+            </a:r>
+            <a:endParaRPr lang="en-SG" dirty="0"/>
           </a:p>
         </p:txBody>
       </p:sp>
     </p:spTree>
     <p:extLst>
       <p:ext uri="{BB962C8B-B14F-4D97-AF65-F5344CB8AC3E}">
-        <p14:creationId xmlns:p14="http://schemas.microsoft.com/office/powerpoint/2010/main" val="831621953"/>
+        <p14:creationId xmlns:p14="http://schemas.microsoft.com/office/powerpoint/2010/main" val="2758969986"/>
       </p:ext>
     </p:extLst>
   </p:cSld>
@@ -13308,7 +16983,7 @@
 </p:sld>
 </file>
 
-<file path=ppt/slides/slide3.xml><?xml version="1.0" encoding="utf-8"?>
+<file path=ppt/slides/slide39.xml><?xml version="1.0" encoding="utf-8"?>
 <p:sld xmlns:a="http://schemas.openxmlformats.org/drawingml/2006/main" xmlns:r="http://schemas.openxmlformats.org/officeDocument/2006/relationships" xmlns:p="http://schemas.openxmlformats.org/presentationml/2006/main">
   <p:cSld>
     <p:spTree>
@@ -13330,7 +17005,7 @@
           <p:cNvPr id="2" name="Title 1">
             <a:extLst>
               <a:ext uri="{FF2B5EF4-FFF2-40B4-BE49-F238E27FC236}">
-                <a16:creationId xmlns:a16="http://schemas.microsoft.com/office/drawing/2014/main" id="{A7E93ABD-AD03-4CA6-893B-E423C18A1FD8}"/>
+                <a16:creationId xmlns:a16="http://schemas.microsoft.com/office/drawing/2014/main" id="{9D9ADF61-2343-4150-8592-6E0680070EEA}"/>
               </a:ext>
             </a:extLst>
           </p:cNvPr>
@@ -13348,7 +17023,7 @@
           <a:p>
             <a:r>
               <a:rPr lang="en-SG" dirty="0"/>
-              <a:t>Vocabulary</a:t>
+              <a:t>Coding nuances that nobody really cares</a:t>
             </a:r>
           </a:p>
         </p:txBody>
@@ -13358,7 +17033,7 @@
           <p:cNvPr id="3" name="Content Placeholder 2">
             <a:extLst>
               <a:ext uri="{FF2B5EF4-FFF2-40B4-BE49-F238E27FC236}">
-                <a16:creationId xmlns:a16="http://schemas.microsoft.com/office/drawing/2014/main" id="{6667C15B-3A62-4A76-9665-566B0F49FD91}"/>
+                <a16:creationId xmlns:a16="http://schemas.microsoft.com/office/drawing/2014/main" id="{A7912FF4-9187-4E0A-824C-E0D930645EAF}"/>
               </a:ext>
             </a:extLst>
           </p:cNvPr>
@@ -13369,12 +17044,7 @@
             <p:ph idx="1"/>
           </p:nvPr>
         </p:nvSpPr>
-        <p:spPr>
-          <a:xfrm>
-            <a:off x="838200" y="1690688"/>
-            <a:ext cx="10515600" cy="4750273"/>
-          </a:xfrm>
-        </p:spPr>
+        <p:spPr/>
         <p:txBody>
           <a:bodyPr>
             <a:normAutofit/>
@@ -13382,166 +17052,49 @@
           <a:lstStyle/>
           <a:p>
             <a:r>
+              <a:rPr lang="en-SG" sz="2400" dirty="0"/>
+              <a:t>Method or Function?</a:t>
+            </a:r>
+          </a:p>
+          <a:p>
+            <a:pPr lvl="1"/>
+            <a:r>
+              <a:rPr lang="en-SG" sz="2000" dirty="0"/>
+              <a:t>A method presumes the existence of an object (i.e. defined within a class), while a function is free and independent.</a:t>
+            </a:r>
+          </a:p>
+          <a:p>
+            <a:r>
+              <a:rPr lang="en-SG" sz="2400" dirty="0"/>
+              <a:t>Parameter or Argument?</a:t>
+            </a:r>
+          </a:p>
+          <a:p>
+            <a:pPr lvl="1"/>
+            <a:r>
               <a:rPr lang="en-US" sz="2000" dirty="0"/>
-              <a:t>Normally non-null properties must be initialized in the constructor, but sometimes that isn't practical. In those cases, a property can be marked with </a:t>
-            </a:r>
-            <a:r>
-              <a:rPr lang="en-US" sz="2000" dirty="0" err="1">
-                <a:highlight>
-                  <a:srgbClr val="FFFF00"/>
-                </a:highlight>
-                <a:latin typeface="Consolas" panose="020B0609020204030204" pitchFamily="49" charset="0"/>
-              </a:rPr>
-              <a:t>lateinit</a:t>
-            </a:r>
+              <a:t>A parameter is variable declaration in the function/method definition. When the function/method is called, the arguments are the data you pass into its parameters.</a:t>
+            </a:r>
+          </a:p>
+          <a:p>
+            <a:r>
+              <a:rPr lang="en-US" sz="2400" dirty="0"/>
+              <a:t>Property or Attribute?</a:t>
+            </a:r>
+          </a:p>
+          <a:p>
+            <a:pPr lvl="1"/>
             <a:r>
               <a:rPr lang="en-US" sz="2000" dirty="0"/>
-              <a:t>, which is a promise that the variable will be initialized before it is used. Note that an exception will be thrown if that property is accessed before being initialized.</a:t>
-            </a:r>
-          </a:p>
-          <a:p>
+              <a:t>A property is something that </a:t>
+            </a:r>
+            <a:r>
+              <a:rPr lang="en-US" sz="2000" dirty="0" err="1"/>
+              <a:t>characterises</a:t>
+            </a:r>
             <a:r>
               <a:rPr lang="en-US" sz="2000" dirty="0"/>
-              <a:t>Null is a special value that means "no value". It's different from a default value, for example, a Double having a value of 0.0 or an empty String with zero characters, "". In Kotlin, it’s preferable to not allow null values and you have to use special operators to permit a </a:t>
-            </a:r>
-            <a:r>
-              <a:rPr lang="en-US" sz="2000" dirty="0">
-                <a:highlight>
-                  <a:srgbClr val="FFFF00"/>
-                </a:highlight>
-                <a:latin typeface="Consolas" panose="020B0609020204030204" pitchFamily="49" charset="0"/>
-              </a:rPr>
-              <a:t>null</a:t>
-            </a:r>
-            <a:r>
-              <a:rPr lang="en-US" sz="2000" dirty="0"/>
-              <a:t> value. </a:t>
-            </a:r>
-            <a:r>
-              <a:rPr lang="en-US" sz="2000" dirty="0">
-                <a:latin typeface="Consolas" panose="020B0609020204030204" pitchFamily="49" charset="0"/>
-              </a:rPr>
-              <a:t>null</a:t>
-            </a:r>
-            <a:r>
-              <a:rPr lang="en-US" sz="2000" dirty="0"/>
-              <a:t> means there is no value. If a method expects a value, passing null will cause an error.</a:t>
-            </a:r>
-          </a:p>
-          <a:p>
-            <a:r>
-              <a:rPr lang="en-US" sz="2000" dirty="0"/>
-              <a:t>To organize Views, you put them in a container. A </a:t>
-            </a:r>
-            <a:r>
-              <a:rPr lang="en-US" sz="2000" dirty="0" err="1">
-                <a:highlight>
-                  <a:srgbClr val="FFFF00"/>
-                </a:highlight>
-              </a:rPr>
-              <a:t>ViewGroup</a:t>
-            </a:r>
-            <a:r>
-              <a:rPr lang="en-US" sz="2000" dirty="0"/>
-              <a:t> is a container that </a:t>
-            </a:r>
-            <a:r>
-              <a:rPr lang="en-US" sz="2000" dirty="0">
-                <a:highlight>
-                  <a:srgbClr val="FFFF00"/>
-                </a:highlight>
-              </a:rPr>
-              <a:t>View</a:t>
-            </a:r>
-            <a:r>
-              <a:rPr lang="en-US" sz="2000" dirty="0"/>
-              <a:t> objects can sit in, and is responsible for arranging the Views inside it. One kind of </a:t>
-            </a:r>
-            <a:r>
-              <a:rPr lang="en-US" sz="2000" dirty="0" err="1"/>
-              <a:t>ViewGroup</a:t>
-            </a:r>
-            <a:r>
-              <a:rPr lang="en-US" sz="2000" dirty="0"/>
-              <a:t> is a </a:t>
-            </a:r>
-            <a:r>
-              <a:rPr lang="en-US" sz="2000" dirty="0" err="1">
-                <a:highlight>
-                  <a:srgbClr val="FFFF00"/>
-                </a:highlight>
-                <a:latin typeface="Consolas" panose="020B0609020204030204" pitchFamily="49" charset="0"/>
-              </a:rPr>
-              <a:t>ConstraintLayout</a:t>
-            </a:r>
-            <a:r>
-              <a:rPr lang="en-US" sz="2000" dirty="0"/>
-              <a:t>, which helps you arrange the Views inside it in a flexible way. </a:t>
-            </a:r>
-            <a:r>
-              <a:rPr lang="en-US" sz="2000" dirty="0">
-                <a:highlight>
-                  <a:srgbClr val="FFFF00"/>
-                </a:highlight>
-              </a:rPr>
-              <a:t>Views need to be constrained horizontally and vertically within a </a:t>
-            </a:r>
-            <a:r>
-              <a:rPr lang="en-US" sz="2000" dirty="0" err="1">
-                <a:highlight>
-                  <a:srgbClr val="FFFF00"/>
-                </a:highlight>
-                <a:latin typeface="Consolas" panose="020B0609020204030204" pitchFamily="49" charset="0"/>
-              </a:rPr>
-              <a:t>ConstraintLayout</a:t>
-            </a:r>
-            <a:r>
-              <a:rPr lang="en-US" sz="2000" dirty="0"/>
-              <a:t>.</a:t>
-            </a:r>
-          </a:p>
-          <a:p>
-            <a:r>
-              <a:rPr lang="en-US" sz="2000" dirty="0" err="1">
-                <a:highlight>
-                  <a:srgbClr val="FFFF00"/>
-                </a:highlight>
-              </a:rPr>
-              <a:t>dp</a:t>
-            </a:r>
-            <a:r>
-              <a:rPr lang="en-US" sz="2000" dirty="0"/>
-              <a:t> is a unit of measure for distances on the screen, </a:t>
-            </a:r>
-            <a:r>
-              <a:rPr lang="en-US" sz="2000" dirty="0" err="1">
-                <a:highlight>
-                  <a:srgbClr val="FFFF00"/>
-                </a:highlight>
-              </a:rPr>
-              <a:t>sp</a:t>
-            </a:r>
-            <a:r>
-              <a:rPr lang="en-US" sz="2000" dirty="0"/>
-              <a:t> is a unit of measure for the font size.</a:t>
-            </a:r>
-          </a:p>
-          <a:p>
-            <a:r>
-              <a:rPr lang="en-US" sz="2000" dirty="0"/>
-              <a:t>In Android, a graphic that can be drawn to the screen is generally referred to as a </a:t>
-            </a:r>
-            <a:r>
-              <a:rPr lang="en-US" sz="2000" dirty="0">
-                <a:highlight>
-                  <a:srgbClr val="FFFF00"/>
-                </a:highlight>
-              </a:rPr>
-              <a:t>drawable</a:t>
-            </a:r>
-            <a:r>
-              <a:rPr lang="en-US" sz="2000" dirty="0"/>
-              <a:t>.</a:t>
+              <a:t> a class (e.g. age and gender are properties of human) and the property becomes an attribute when it is given a value or description (e.g. age is 20, gender is female)</a:t>
             </a:r>
             <a:endParaRPr lang="en-SG" sz="2000" dirty="0"/>
           </a:p>
@@ -13550,633 +17103,7 @@
     </p:spTree>
     <p:extLst>
       <p:ext uri="{BB962C8B-B14F-4D97-AF65-F5344CB8AC3E}">
-        <p14:creationId xmlns:p14="http://schemas.microsoft.com/office/powerpoint/2010/main" val="3379137901"/>
-      </p:ext>
-    </p:extLst>
-  </p:cSld>
-  <p:clrMapOvr>
-    <a:masterClrMapping/>
-  </p:clrMapOvr>
-</p:sld>
-</file>
-
-<file path=ppt/slides/slide30.xml><?xml version="1.0" encoding="utf-8"?>
-<p:sld xmlns:a="http://schemas.openxmlformats.org/drawingml/2006/main" xmlns:r="http://schemas.openxmlformats.org/officeDocument/2006/relationships" xmlns:p="http://schemas.openxmlformats.org/presentationml/2006/main">
-  <p:cSld>
-    <p:spTree>
-      <p:nvGrpSpPr>
-        <p:cNvPr id="1" name=""/>
-        <p:cNvGrpSpPr/>
-        <p:nvPr/>
-      </p:nvGrpSpPr>
-      <p:grpSpPr>
-        <a:xfrm>
-          <a:off x="0" y="0"/>
-          <a:ext cx="0" cy="0"/>
-          <a:chOff x="0" y="0"/>
-          <a:chExt cx="0" cy="0"/>
-        </a:xfrm>
-      </p:grpSpPr>
-      <p:sp>
-        <p:nvSpPr>
-          <p:cNvPr id="2" name="Title 1">
-            <a:extLst>
-              <a:ext uri="{FF2B5EF4-FFF2-40B4-BE49-F238E27FC236}">
-                <a16:creationId xmlns:a16="http://schemas.microsoft.com/office/drawing/2014/main" id="{1997268C-0A37-45CF-9EAB-464D9AEBB375}"/>
-              </a:ext>
-            </a:extLst>
-          </p:cNvPr>
-          <p:cNvSpPr>
-            <a:spLocks noGrp="1"/>
-          </p:cNvSpPr>
-          <p:nvPr>
-            <p:ph type="title"/>
-          </p:nvPr>
-        </p:nvSpPr>
-        <p:spPr/>
-        <p:txBody>
-          <a:bodyPr/>
-          <a:lstStyle/>
-          <a:p>
-            <a:r>
-              <a:rPr lang="en-SG" dirty="0"/>
-              <a:t>Gradle</a:t>
-            </a:r>
-          </a:p>
-        </p:txBody>
-      </p:sp>
-      <p:sp>
-        <p:nvSpPr>
-          <p:cNvPr id="3" name="Content Placeholder 2">
-            <a:extLst>
-              <a:ext uri="{FF2B5EF4-FFF2-40B4-BE49-F238E27FC236}">
-                <a16:creationId xmlns:a16="http://schemas.microsoft.com/office/drawing/2014/main" id="{AE86A37D-CE0D-4D61-A496-5876950F08FF}"/>
-              </a:ext>
-            </a:extLst>
-          </p:cNvPr>
-          <p:cNvSpPr>
-            <a:spLocks noGrp="1"/>
-          </p:cNvSpPr>
-          <p:nvPr>
-            <p:ph idx="1"/>
-          </p:nvPr>
-        </p:nvSpPr>
-        <p:spPr/>
-        <p:txBody>
-          <a:bodyPr/>
-          <a:lstStyle/>
-          <a:p>
-            <a:endParaRPr lang="en-SG"/>
-          </a:p>
-        </p:txBody>
-      </p:sp>
-    </p:spTree>
-    <p:extLst>
-      <p:ext uri="{BB962C8B-B14F-4D97-AF65-F5344CB8AC3E}">
-        <p14:creationId xmlns:p14="http://schemas.microsoft.com/office/powerpoint/2010/main" val="171894058"/>
-      </p:ext>
-    </p:extLst>
-  </p:cSld>
-  <p:clrMapOvr>
-    <a:masterClrMapping/>
-  </p:clrMapOvr>
-</p:sld>
-</file>
-
-<file path=ppt/slides/slide31.xml><?xml version="1.0" encoding="utf-8"?>
-<p:sld xmlns:a="http://schemas.openxmlformats.org/drawingml/2006/main" xmlns:r="http://schemas.openxmlformats.org/officeDocument/2006/relationships" xmlns:p="http://schemas.openxmlformats.org/presentationml/2006/main">
-  <p:cSld>
-    <p:spTree>
-      <p:nvGrpSpPr>
-        <p:cNvPr id="1" name=""/>
-        <p:cNvGrpSpPr/>
-        <p:nvPr/>
-      </p:nvGrpSpPr>
-      <p:grpSpPr>
-        <a:xfrm>
-          <a:off x="0" y="0"/>
-          <a:ext cx="0" cy="0"/>
-          <a:chOff x="0" y="0"/>
-          <a:chExt cx="0" cy="0"/>
-        </a:xfrm>
-      </p:grpSpPr>
-      <p:sp>
-        <p:nvSpPr>
-          <p:cNvPr id="2" name="Title 1">
-            <a:extLst>
-              <a:ext uri="{FF2B5EF4-FFF2-40B4-BE49-F238E27FC236}">
-                <a16:creationId xmlns:a16="http://schemas.microsoft.com/office/drawing/2014/main" id="{BB8E556B-5B6F-4633-A2EB-7FE36D45D86C}"/>
-              </a:ext>
-            </a:extLst>
-          </p:cNvPr>
-          <p:cNvSpPr>
-            <a:spLocks noGrp="1"/>
-          </p:cNvSpPr>
-          <p:nvPr>
-            <p:ph type="title"/>
-          </p:nvPr>
-        </p:nvSpPr>
-        <p:spPr/>
-        <p:txBody>
-          <a:bodyPr/>
-          <a:lstStyle/>
-          <a:p>
-            <a:r>
-              <a:rPr lang="en-SG" dirty="0"/>
-              <a:t>What is it??? Too abstract???</a:t>
-            </a:r>
-          </a:p>
-        </p:txBody>
-      </p:sp>
-      <p:sp>
-        <p:nvSpPr>
-          <p:cNvPr id="3" name="Content Placeholder 2">
-            <a:extLst>
-              <a:ext uri="{FF2B5EF4-FFF2-40B4-BE49-F238E27FC236}">
-                <a16:creationId xmlns:a16="http://schemas.microsoft.com/office/drawing/2014/main" id="{3623A9E3-951A-43B9-A39D-3EAC2F574922}"/>
-              </a:ext>
-            </a:extLst>
-          </p:cNvPr>
-          <p:cNvSpPr>
-            <a:spLocks noGrp="1"/>
-          </p:cNvSpPr>
-          <p:nvPr>
-            <p:ph idx="1"/>
-          </p:nvPr>
-        </p:nvSpPr>
-        <p:spPr/>
-        <p:txBody>
-          <a:bodyPr/>
-          <a:lstStyle/>
-          <a:p>
-            <a:r>
-              <a:rPr lang="en-SG" dirty="0"/>
-              <a:t>Releasing mobile apps without the right tooling is a complex process</a:t>
-            </a:r>
-          </a:p>
-          <a:p>
-            <a:r>
-              <a:rPr lang="en-SG" dirty="0"/>
-              <a:t>A mobile-focused CI/CD tool considers the unique challenges of building for mobile and has mobile-first features that help you build, test, and deploy mobile apps faster and more efficiently</a:t>
-            </a:r>
-          </a:p>
-        </p:txBody>
-      </p:sp>
-      <p:pic>
-        <p:nvPicPr>
-          <p:cNvPr id="5" name="Picture 4">
-            <a:extLst>
-              <a:ext uri="{FF2B5EF4-FFF2-40B4-BE49-F238E27FC236}">
-                <a16:creationId xmlns:a16="http://schemas.microsoft.com/office/drawing/2014/main" id="{314E9E67-3284-4D9A-BE30-A7E239A8DAB2}"/>
-              </a:ext>
-            </a:extLst>
-          </p:cNvPr>
-          <p:cNvPicPr>
-            <a:picLocks noChangeAspect="1"/>
-          </p:cNvPicPr>
-          <p:nvPr/>
-        </p:nvPicPr>
-        <p:blipFill>
-          <a:blip r:embed="rId2"/>
-          <a:stretch>
-            <a:fillRect/>
-          </a:stretch>
-        </p:blipFill>
-        <p:spPr>
-          <a:xfrm>
-            <a:off x="2068481" y="3899077"/>
-            <a:ext cx="8055038" cy="2133785"/>
-          </a:xfrm>
-          <a:prstGeom prst="rect">
-            <a:avLst/>
-          </a:prstGeom>
-        </p:spPr>
-      </p:pic>
-    </p:spTree>
-    <p:extLst>
-      <p:ext uri="{BB962C8B-B14F-4D97-AF65-F5344CB8AC3E}">
-        <p14:creationId xmlns:p14="http://schemas.microsoft.com/office/powerpoint/2010/main" val="2703211824"/>
-      </p:ext>
-    </p:extLst>
-  </p:cSld>
-  <p:clrMapOvr>
-    <a:masterClrMapping/>
-  </p:clrMapOvr>
-</p:sld>
-</file>
-
-<file path=ppt/slides/slide32.xml><?xml version="1.0" encoding="utf-8"?>
-<p:sld xmlns:a="http://schemas.openxmlformats.org/drawingml/2006/main" xmlns:r="http://schemas.openxmlformats.org/officeDocument/2006/relationships" xmlns:p="http://schemas.openxmlformats.org/presentationml/2006/main">
-  <p:cSld>
-    <p:spTree>
-      <p:nvGrpSpPr>
-        <p:cNvPr id="1" name=""/>
-        <p:cNvGrpSpPr/>
-        <p:nvPr/>
-      </p:nvGrpSpPr>
-      <p:grpSpPr>
-        <a:xfrm>
-          <a:off x="0" y="0"/>
-          <a:ext cx="0" cy="0"/>
-          <a:chOff x="0" y="0"/>
-          <a:chExt cx="0" cy="0"/>
-        </a:xfrm>
-      </p:grpSpPr>
-      <p:pic>
-        <p:nvPicPr>
-          <p:cNvPr id="5" name="Picture 4">
-            <a:extLst>
-              <a:ext uri="{FF2B5EF4-FFF2-40B4-BE49-F238E27FC236}">
-                <a16:creationId xmlns:a16="http://schemas.microsoft.com/office/drawing/2014/main" id="{5EBC8D79-2182-445E-9A49-630601D5D1D1}"/>
-              </a:ext>
-            </a:extLst>
-          </p:cNvPr>
-          <p:cNvPicPr>
-            <a:picLocks noChangeAspect="1"/>
-          </p:cNvPicPr>
-          <p:nvPr/>
-        </p:nvPicPr>
-        <p:blipFill>
-          <a:blip r:embed="rId2"/>
-          <a:stretch>
-            <a:fillRect/>
-          </a:stretch>
-        </p:blipFill>
-        <p:spPr>
-          <a:xfrm>
-            <a:off x="2182791" y="1192336"/>
-            <a:ext cx="7826418" cy="4473328"/>
-          </a:xfrm>
-          <a:prstGeom prst="rect">
-            <a:avLst/>
-          </a:prstGeom>
-        </p:spPr>
-      </p:pic>
-    </p:spTree>
-    <p:extLst>
-      <p:ext uri="{BB962C8B-B14F-4D97-AF65-F5344CB8AC3E}">
-        <p14:creationId xmlns:p14="http://schemas.microsoft.com/office/powerpoint/2010/main" val="2121470994"/>
-      </p:ext>
-    </p:extLst>
-  </p:cSld>
-  <p:clrMapOvr>
-    <a:masterClrMapping/>
-  </p:clrMapOvr>
-</p:sld>
-</file>
-
-<file path=ppt/slides/slide33.xml><?xml version="1.0" encoding="utf-8"?>
-<p:sld xmlns:a="http://schemas.openxmlformats.org/drawingml/2006/main" xmlns:r="http://schemas.openxmlformats.org/officeDocument/2006/relationships" xmlns:p="http://schemas.openxmlformats.org/presentationml/2006/main">
-  <p:cSld>
-    <p:spTree>
-      <p:nvGrpSpPr>
-        <p:cNvPr id="1" name=""/>
-        <p:cNvGrpSpPr/>
-        <p:nvPr/>
-      </p:nvGrpSpPr>
-      <p:grpSpPr>
-        <a:xfrm>
-          <a:off x="0" y="0"/>
-          <a:ext cx="0" cy="0"/>
-          <a:chOff x="0" y="0"/>
-          <a:chExt cx="0" cy="0"/>
-        </a:xfrm>
-      </p:grpSpPr>
-      <p:pic>
-        <p:nvPicPr>
-          <p:cNvPr id="5" name="Picture 4">
-            <a:extLst>
-              <a:ext uri="{FF2B5EF4-FFF2-40B4-BE49-F238E27FC236}">
-                <a16:creationId xmlns:a16="http://schemas.microsoft.com/office/drawing/2014/main" id="{D68E7847-9FDA-401C-B3F9-95A075E9007B}"/>
-              </a:ext>
-            </a:extLst>
-          </p:cNvPr>
-          <p:cNvPicPr>
-            <a:picLocks noChangeAspect="1"/>
-          </p:cNvPicPr>
-          <p:nvPr/>
-        </p:nvPicPr>
-        <p:blipFill>
-          <a:blip r:embed="rId2"/>
-          <a:stretch>
-            <a:fillRect/>
-          </a:stretch>
-        </p:blipFill>
-        <p:spPr>
-          <a:xfrm>
-            <a:off x="3142994" y="1874385"/>
-            <a:ext cx="5906012" cy="3109229"/>
-          </a:xfrm>
-          <a:prstGeom prst="rect">
-            <a:avLst/>
-          </a:prstGeom>
-        </p:spPr>
-      </p:pic>
-    </p:spTree>
-    <p:extLst>
-      <p:ext uri="{BB962C8B-B14F-4D97-AF65-F5344CB8AC3E}">
-        <p14:creationId xmlns:p14="http://schemas.microsoft.com/office/powerpoint/2010/main" val="3053882218"/>
-      </p:ext>
-    </p:extLst>
-  </p:cSld>
-  <p:clrMapOvr>
-    <a:masterClrMapping/>
-  </p:clrMapOvr>
-</p:sld>
-</file>
-
-<file path=ppt/slides/slide34.xml><?xml version="1.0" encoding="utf-8"?>
-<p:sld xmlns:a="http://schemas.openxmlformats.org/drawingml/2006/main" xmlns:r="http://schemas.openxmlformats.org/officeDocument/2006/relationships" xmlns:p="http://schemas.openxmlformats.org/presentationml/2006/main">
-  <p:cSld>
-    <p:spTree>
-      <p:nvGrpSpPr>
-        <p:cNvPr id="1" name=""/>
-        <p:cNvGrpSpPr/>
-        <p:nvPr/>
-      </p:nvGrpSpPr>
-      <p:grpSpPr>
-        <a:xfrm>
-          <a:off x="0" y="0"/>
-          <a:ext cx="0" cy="0"/>
-          <a:chOff x="0" y="0"/>
-          <a:chExt cx="0" cy="0"/>
-        </a:xfrm>
-      </p:grpSpPr>
-      <p:pic>
-        <p:nvPicPr>
-          <p:cNvPr id="5" name="Picture 4">
-            <a:extLst>
-              <a:ext uri="{FF2B5EF4-FFF2-40B4-BE49-F238E27FC236}">
-                <a16:creationId xmlns:a16="http://schemas.microsoft.com/office/drawing/2014/main" id="{D68E7847-9FDA-401C-B3F9-95A075E9007B}"/>
-              </a:ext>
-            </a:extLst>
-          </p:cNvPr>
-          <p:cNvPicPr>
-            <a:picLocks noChangeAspect="1"/>
-          </p:cNvPicPr>
-          <p:nvPr/>
-        </p:nvPicPr>
-        <p:blipFill>
-          <a:blip r:embed="rId3"/>
-          <a:stretch>
-            <a:fillRect/>
-          </a:stretch>
-        </p:blipFill>
-        <p:spPr>
-          <a:xfrm>
-            <a:off x="3142994" y="1874385"/>
-            <a:ext cx="5906012" cy="3109229"/>
-          </a:xfrm>
-          <a:prstGeom prst="rect">
-            <a:avLst/>
-          </a:prstGeom>
-        </p:spPr>
-      </p:pic>
-    </p:spTree>
-    <p:extLst>
-      <p:ext uri="{BB962C8B-B14F-4D97-AF65-F5344CB8AC3E}">
-        <p14:creationId xmlns:p14="http://schemas.microsoft.com/office/powerpoint/2010/main" val="3984111281"/>
-      </p:ext>
-    </p:extLst>
-  </p:cSld>
-  <p:clrMapOvr>
-    <a:masterClrMapping/>
-  </p:clrMapOvr>
-</p:sld>
-</file>
-
-<file path=ppt/slides/slide35.xml><?xml version="1.0" encoding="utf-8"?>
-<p:sld xmlns:a="http://schemas.openxmlformats.org/drawingml/2006/main" xmlns:r="http://schemas.openxmlformats.org/officeDocument/2006/relationships" xmlns:p="http://schemas.openxmlformats.org/presentationml/2006/main">
-  <p:cSld>
-    <p:spTree>
-      <p:nvGrpSpPr>
-        <p:cNvPr id="1" name=""/>
-        <p:cNvGrpSpPr/>
-        <p:nvPr/>
-      </p:nvGrpSpPr>
-      <p:grpSpPr>
-        <a:xfrm>
-          <a:off x="0" y="0"/>
-          <a:ext cx="0" cy="0"/>
-          <a:chOff x="0" y="0"/>
-          <a:chExt cx="0" cy="0"/>
-        </a:xfrm>
-      </p:grpSpPr>
-      <p:sp>
-        <p:nvSpPr>
-          <p:cNvPr id="2" name="Title 1">
-            <a:extLst>
-              <a:ext uri="{FF2B5EF4-FFF2-40B4-BE49-F238E27FC236}">
-                <a16:creationId xmlns:a16="http://schemas.microsoft.com/office/drawing/2014/main" id="{6F7573BF-2ADD-4A4B-BC81-0B801B9F4733}"/>
-              </a:ext>
-            </a:extLst>
-          </p:cNvPr>
-          <p:cNvSpPr>
-            <a:spLocks noGrp="1"/>
-          </p:cNvSpPr>
-          <p:nvPr>
-            <p:ph type="title"/>
-          </p:nvPr>
-        </p:nvSpPr>
-        <p:spPr/>
-        <p:txBody>
-          <a:bodyPr/>
-          <a:lstStyle/>
-          <a:p>
-            <a:r>
-              <a:rPr lang="en-SG" dirty="0"/>
-              <a:t>Different CI/CD Approaches???</a:t>
-            </a:r>
-          </a:p>
-        </p:txBody>
-      </p:sp>
-      <p:sp>
-        <p:nvSpPr>
-          <p:cNvPr id="3" name="Content Placeholder 2">
-            <a:extLst>
-              <a:ext uri="{FF2B5EF4-FFF2-40B4-BE49-F238E27FC236}">
-                <a16:creationId xmlns:a16="http://schemas.microsoft.com/office/drawing/2014/main" id="{E7493389-75CB-4628-BE01-11A9182F096D}"/>
-              </a:ext>
-            </a:extLst>
-          </p:cNvPr>
-          <p:cNvSpPr>
-            <a:spLocks noGrp="1"/>
-          </p:cNvSpPr>
-          <p:nvPr>
-            <p:ph idx="1"/>
-          </p:nvPr>
-        </p:nvSpPr>
-        <p:spPr/>
-        <p:txBody>
-          <a:bodyPr/>
-          <a:lstStyle/>
-          <a:p>
-            <a:r>
-              <a:rPr lang="en-SG" dirty="0"/>
-              <a:t>Jenkins</a:t>
-            </a:r>
-          </a:p>
-          <a:p>
-            <a:r>
-              <a:rPr lang="en-SG" dirty="0"/>
-              <a:t>GitHub Actions</a:t>
-            </a:r>
-          </a:p>
-          <a:p>
-            <a:r>
-              <a:rPr lang="en-SG" dirty="0"/>
-              <a:t>Fastlane</a:t>
-            </a:r>
-          </a:p>
-          <a:p>
-            <a:r>
-              <a:rPr lang="en-SG" dirty="0" err="1"/>
-              <a:t>CircleCI</a:t>
-            </a:r>
-            <a:endParaRPr lang="en-SG" dirty="0"/>
-          </a:p>
-          <a:p>
-            <a:r>
-              <a:rPr lang="en-SG" dirty="0"/>
-              <a:t>GitLab</a:t>
-            </a:r>
-          </a:p>
-        </p:txBody>
-      </p:sp>
-    </p:spTree>
-    <p:extLst>
-      <p:ext uri="{BB962C8B-B14F-4D97-AF65-F5344CB8AC3E}">
-        <p14:creationId xmlns:p14="http://schemas.microsoft.com/office/powerpoint/2010/main" val="2038117043"/>
-      </p:ext>
-    </p:extLst>
-  </p:cSld>
-  <p:clrMapOvr>
-    <a:masterClrMapping/>
-  </p:clrMapOvr>
-</p:sld>
-</file>
-
-<file path=ppt/slides/slide36.xml><?xml version="1.0" encoding="utf-8"?>
-<p:sld xmlns:a="http://schemas.openxmlformats.org/drawingml/2006/main" xmlns:r="http://schemas.openxmlformats.org/officeDocument/2006/relationships" xmlns:p="http://schemas.openxmlformats.org/presentationml/2006/main">
-  <p:cSld>
-    <p:spTree>
-      <p:nvGrpSpPr>
-        <p:cNvPr id="1" name=""/>
-        <p:cNvGrpSpPr/>
-        <p:nvPr/>
-      </p:nvGrpSpPr>
-      <p:grpSpPr>
-        <a:xfrm>
-          <a:off x="0" y="0"/>
-          <a:ext cx="0" cy="0"/>
-          <a:chOff x="0" y="0"/>
-          <a:chExt cx="0" cy="0"/>
-        </a:xfrm>
-      </p:grpSpPr>
-      <p:sp>
-        <p:nvSpPr>
-          <p:cNvPr id="2" name="Title 1"/>
-          <p:cNvSpPr>
-            <a:spLocks noGrp="1"/>
-          </p:cNvSpPr>
-          <p:nvPr>
-            <p:ph type="title"/>
-          </p:nvPr>
-        </p:nvSpPr>
-        <p:spPr/>
-        <p:txBody>
-          <a:bodyPr/>
-          <a:lstStyle/>
-          <a:p>
-            <a:r>
-              <a:rPr lang="en-US" dirty="0"/>
-              <a:t>More concepts</a:t>
-            </a:r>
-            <a:endParaRPr lang="en-SG" dirty="0"/>
-          </a:p>
-        </p:txBody>
-      </p:sp>
-      <p:sp>
-        <p:nvSpPr>
-          <p:cNvPr id="3" name="Content Placeholder 2"/>
-          <p:cNvSpPr>
-            <a:spLocks noGrp="1"/>
-          </p:cNvSpPr>
-          <p:nvPr>
-            <p:ph idx="1"/>
-          </p:nvPr>
-        </p:nvSpPr>
-        <p:spPr/>
-        <p:txBody>
-          <a:bodyPr/>
-          <a:lstStyle/>
-          <a:p>
-            <a:r>
-              <a:rPr lang="en-US" dirty="0"/>
-              <a:t>Clean Architecture</a:t>
-            </a:r>
-          </a:p>
-          <a:p>
-            <a:r>
-              <a:rPr lang="en-US" dirty="0"/>
-              <a:t>MVVM Architecture</a:t>
-            </a:r>
-          </a:p>
-          <a:p>
-            <a:pPr lvl="1"/>
-            <a:r>
-              <a:rPr lang="en-US" dirty="0"/>
-              <a:t>Single Source of Truth </a:t>
-            </a:r>
-            <a:r>
-              <a:rPr lang="en-US" dirty="0">
-                <a:sym typeface="Wingdings" panose="05000000000000000000" pitchFamily="2" charset="2"/>
-              </a:rPr>
-              <a:t> to implement the repository pattern</a:t>
-            </a:r>
-            <a:endParaRPr lang="en-US" dirty="0"/>
-          </a:p>
-          <a:p>
-            <a:r>
-              <a:rPr lang="en-US" dirty="0"/>
-              <a:t>Dependency Injection</a:t>
-            </a:r>
-          </a:p>
-          <a:p>
-            <a:r>
-              <a:rPr lang="en-US" dirty="0">
-                <a:hlinkClick r:id="rId2"/>
-              </a:rPr>
-              <a:t>https://developer.android.com/topic/architecture#recommended-app-arch</a:t>
-            </a:r>
-            <a:endParaRPr lang="en-US" dirty="0"/>
-          </a:p>
-          <a:p>
-            <a:r>
-              <a:rPr lang="en-US" dirty="0"/>
-              <a:t>Data Access Object (DAO)</a:t>
-            </a:r>
-          </a:p>
-          <a:p>
-            <a:r>
-              <a:rPr lang="en-US" dirty="0"/>
-              <a:t>Why need </a:t>
-            </a:r>
-            <a:r>
-              <a:rPr lang="en-US" dirty="0" err="1"/>
-              <a:t>contentDescription</a:t>
-            </a:r>
-            <a:r>
-              <a:rPr lang="en-US" dirty="0"/>
-              <a:t> for Views???</a:t>
-            </a:r>
-          </a:p>
-        </p:txBody>
-      </p:sp>
-    </p:spTree>
-    <p:extLst>
-      <p:ext uri="{BB962C8B-B14F-4D97-AF65-F5344CB8AC3E}">
-        <p14:creationId xmlns:p14="http://schemas.microsoft.com/office/powerpoint/2010/main" val="1846938743"/>
+        <p14:creationId xmlns:p14="http://schemas.microsoft.com/office/powerpoint/2010/main" val="831621953"/>
       </p:ext>
     </p:extLst>
   </p:cSld>
@@ -14876,6 +17803,650 @@
 </p:sld>
 </file>
 
+<file path=ppt/slides/slide40.xml><?xml version="1.0" encoding="utf-8"?>
+<p:sld xmlns:a="http://schemas.openxmlformats.org/drawingml/2006/main" xmlns:r="http://schemas.openxmlformats.org/officeDocument/2006/relationships" xmlns:p="http://schemas.openxmlformats.org/presentationml/2006/main">
+  <p:cSld>
+    <p:spTree>
+      <p:nvGrpSpPr>
+        <p:cNvPr id="1" name=""/>
+        <p:cNvGrpSpPr/>
+        <p:nvPr/>
+      </p:nvGrpSpPr>
+      <p:grpSpPr>
+        <a:xfrm>
+          <a:off x="0" y="0"/>
+          <a:ext cx="0" cy="0"/>
+          <a:chOff x="0" y="0"/>
+          <a:chExt cx="0" cy="0"/>
+        </a:xfrm>
+      </p:grpSpPr>
+      <p:sp>
+        <p:nvSpPr>
+          <p:cNvPr id="2" name="Title 1">
+            <a:extLst>
+              <a:ext uri="{FF2B5EF4-FFF2-40B4-BE49-F238E27FC236}">
+                <a16:creationId xmlns:a16="http://schemas.microsoft.com/office/drawing/2014/main" id="{1997268C-0A37-45CF-9EAB-464D9AEBB375}"/>
+              </a:ext>
+            </a:extLst>
+          </p:cNvPr>
+          <p:cNvSpPr>
+            <a:spLocks noGrp="1"/>
+          </p:cNvSpPr>
+          <p:nvPr>
+            <p:ph type="title"/>
+          </p:nvPr>
+        </p:nvSpPr>
+        <p:spPr/>
+        <p:txBody>
+          <a:bodyPr/>
+          <a:lstStyle/>
+          <a:p>
+            <a:r>
+              <a:rPr lang="en-SG" dirty="0"/>
+              <a:t>Gradle</a:t>
+            </a:r>
+          </a:p>
+        </p:txBody>
+      </p:sp>
+      <p:sp>
+        <p:nvSpPr>
+          <p:cNvPr id="3" name="Content Placeholder 2">
+            <a:extLst>
+              <a:ext uri="{FF2B5EF4-FFF2-40B4-BE49-F238E27FC236}">
+                <a16:creationId xmlns:a16="http://schemas.microsoft.com/office/drawing/2014/main" id="{AE86A37D-CE0D-4D61-A496-5876950F08FF}"/>
+              </a:ext>
+            </a:extLst>
+          </p:cNvPr>
+          <p:cNvSpPr>
+            <a:spLocks noGrp="1"/>
+          </p:cNvSpPr>
+          <p:nvPr>
+            <p:ph idx="1"/>
+          </p:nvPr>
+        </p:nvSpPr>
+        <p:spPr/>
+        <p:txBody>
+          <a:bodyPr>
+            <a:normAutofit/>
+          </a:bodyPr>
+          <a:lstStyle/>
+          <a:p>
+            <a:r>
+              <a:rPr lang="en-US" sz="2400" dirty="0"/>
+              <a:t>Automated build system used by Android Studio.</a:t>
+            </a:r>
+          </a:p>
+          <a:p>
+            <a:r>
+              <a:rPr lang="en-US" sz="2400" dirty="0"/>
+              <a:t>Whenever you change code, add a resource, or make other changes to your app, Gradle figures out what has changed and takes the necessary steps to rebuild your app. </a:t>
+            </a:r>
+          </a:p>
+          <a:p>
+            <a:r>
+              <a:rPr lang="en-US" sz="2400" dirty="0"/>
+              <a:t>It also installs your app in the emulator or physical device and controls its execution.</a:t>
+            </a:r>
+            <a:endParaRPr lang="en-SG" sz="2400" dirty="0"/>
+          </a:p>
+        </p:txBody>
+      </p:sp>
+    </p:spTree>
+    <p:extLst>
+      <p:ext uri="{BB962C8B-B14F-4D97-AF65-F5344CB8AC3E}">
+        <p14:creationId xmlns:p14="http://schemas.microsoft.com/office/powerpoint/2010/main" val="171894058"/>
+      </p:ext>
+    </p:extLst>
+  </p:cSld>
+  <p:clrMapOvr>
+    <a:masterClrMapping/>
+  </p:clrMapOvr>
+</p:sld>
+</file>
+
+<file path=ppt/slides/slide41.xml><?xml version="1.0" encoding="utf-8"?>
+<p:sld xmlns:a="http://schemas.openxmlformats.org/drawingml/2006/main" xmlns:r="http://schemas.openxmlformats.org/officeDocument/2006/relationships" xmlns:p="http://schemas.openxmlformats.org/presentationml/2006/main">
+  <p:cSld>
+    <p:spTree>
+      <p:nvGrpSpPr>
+        <p:cNvPr id="1" name=""/>
+        <p:cNvGrpSpPr/>
+        <p:nvPr/>
+      </p:nvGrpSpPr>
+      <p:grpSpPr>
+        <a:xfrm>
+          <a:off x="0" y="0"/>
+          <a:ext cx="0" cy="0"/>
+          <a:chOff x="0" y="0"/>
+          <a:chExt cx="0" cy="0"/>
+        </a:xfrm>
+      </p:grpSpPr>
+      <p:sp>
+        <p:nvSpPr>
+          <p:cNvPr id="2" name="Title 1">
+            <a:extLst>
+              <a:ext uri="{FF2B5EF4-FFF2-40B4-BE49-F238E27FC236}">
+                <a16:creationId xmlns:a16="http://schemas.microsoft.com/office/drawing/2014/main" id="{BB8E556B-5B6F-4633-A2EB-7FE36D45D86C}"/>
+              </a:ext>
+            </a:extLst>
+          </p:cNvPr>
+          <p:cNvSpPr>
+            <a:spLocks noGrp="1"/>
+          </p:cNvSpPr>
+          <p:nvPr>
+            <p:ph type="title"/>
+          </p:nvPr>
+        </p:nvSpPr>
+        <p:spPr/>
+        <p:txBody>
+          <a:bodyPr/>
+          <a:lstStyle/>
+          <a:p>
+            <a:r>
+              <a:rPr lang="en-SG" dirty="0"/>
+              <a:t>What is it??? Too abstract???</a:t>
+            </a:r>
+          </a:p>
+        </p:txBody>
+      </p:sp>
+      <p:sp>
+        <p:nvSpPr>
+          <p:cNvPr id="3" name="Content Placeholder 2">
+            <a:extLst>
+              <a:ext uri="{FF2B5EF4-FFF2-40B4-BE49-F238E27FC236}">
+                <a16:creationId xmlns:a16="http://schemas.microsoft.com/office/drawing/2014/main" id="{3623A9E3-951A-43B9-A39D-3EAC2F574922}"/>
+              </a:ext>
+            </a:extLst>
+          </p:cNvPr>
+          <p:cNvSpPr>
+            <a:spLocks noGrp="1"/>
+          </p:cNvSpPr>
+          <p:nvPr>
+            <p:ph idx="1"/>
+          </p:nvPr>
+        </p:nvSpPr>
+        <p:spPr/>
+        <p:txBody>
+          <a:bodyPr/>
+          <a:lstStyle/>
+          <a:p>
+            <a:r>
+              <a:rPr lang="en-SG" dirty="0"/>
+              <a:t>Releasing mobile apps without the right tooling is a complex process</a:t>
+            </a:r>
+          </a:p>
+          <a:p>
+            <a:r>
+              <a:rPr lang="en-SG" dirty="0"/>
+              <a:t>A mobile-focused CI/CD tool considers the unique challenges of building for mobile and has mobile-first features that help you build, test, and deploy mobile apps faster and more efficiently</a:t>
+            </a:r>
+          </a:p>
+        </p:txBody>
+      </p:sp>
+      <p:pic>
+        <p:nvPicPr>
+          <p:cNvPr id="5" name="Picture 4">
+            <a:extLst>
+              <a:ext uri="{FF2B5EF4-FFF2-40B4-BE49-F238E27FC236}">
+                <a16:creationId xmlns:a16="http://schemas.microsoft.com/office/drawing/2014/main" id="{314E9E67-3284-4D9A-BE30-A7E239A8DAB2}"/>
+              </a:ext>
+            </a:extLst>
+          </p:cNvPr>
+          <p:cNvPicPr>
+            <a:picLocks noChangeAspect="1"/>
+          </p:cNvPicPr>
+          <p:nvPr/>
+        </p:nvPicPr>
+        <p:blipFill>
+          <a:blip r:embed="rId2"/>
+          <a:stretch>
+            <a:fillRect/>
+          </a:stretch>
+        </p:blipFill>
+        <p:spPr>
+          <a:xfrm>
+            <a:off x="2068481" y="3899077"/>
+            <a:ext cx="8055038" cy="2133785"/>
+          </a:xfrm>
+          <a:prstGeom prst="rect">
+            <a:avLst/>
+          </a:prstGeom>
+        </p:spPr>
+      </p:pic>
+    </p:spTree>
+    <p:extLst>
+      <p:ext uri="{BB962C8B-B14F-4D97-AF65-F5344CB8AC3E}">
+        <p14:creationId xmlns:p14="http://schemas.microsoft.com/office/powerpoint/2010/main" val="2703211824"/>
+      </p:ext>
+    </p:extLst>
+  </p:cSld>
+  <p:clrMapOvr>
+    <a:masterClrMapping/>
+  </p:clrMapOvr>
+</p:sld>
+</file>
+
+<file path=ppt/slides/slide42.xml><?xml version="1.0" encoding="utf-8"?>
+<p:sld xmlns:a="http://schemas.openxmlformats.org/drawingml/2006/main" xmlns:r="http://schemas.openxmlformats.org/officeDocument/2006/relationships" xmlns:p="http://schemas.openxmlformats.org/presentationml/2006/main">
+  <p:cSld>
+    <p:spTree>
+      <p:nvGrpSpPr>
+        <p:cNvPr id="1" name=""/>
+        <p:cNvGrpSpPr/>
+        <p:nvPr/>
+      </p:nvGrpSpPr>
+      <p:grpSpPr>
+        <a:xfrm>
+          <a:off x="0" y="0"/>
+          <a:ext cx="0" cy="0"/>
+          <a:chOff x="0" y="0"/>
+          <a:chExt cx="0" cy="0"/>
+        </a:xfrm>
+      </p:grpSpPr>
+      <p:pic>
+        <p:nvPicPr>
+          <p:cNvPr id="5" name="Picture 4">
+            <a:extLst>
+              <a:ext uri="{FF2B5EF4-FFF2-40B4-BE49-F238E27FC236}">
+                <a16:creationId xmlns:a16="http://schemas.microsoft.com/office/drawing/2014/main" id="{5EBC8D79-2182-445E-9A49-630601D5D1D1}"/>
+              </a:ext>
+            </a:extLst>
+          </p:cNvPr>
+          <p:cNvPicPr>
+            <a:picLocks noChangeAspect="1"/>
+          </p:cNvPicPr>
+          <p:nvPr/>
+        </p:nvPicPr>
+        <p:blipFill>
+          <a:blip r:embed="rId2"/>
+          <a:stretch>
+            <a:fillRect/>
+          </a:stretch>
+        </p:blipFill>
+        <p:spPr>
+          <a:xfrm>
+            <a:off x="2182791" y="1192336"/>
+            <a:ext cx="7826418" cy="4473328"/>
+          </a:xfrm>
+          <a:prstGeom prst="rect">
+            <a:avLst/>
+          </a:prstGeom>
+        </p:spPr>
+      </p:pic>
+    </p:spTree>
+    <p:extLst>
+      <p:ext uri="{BB962C8B-B14F-4D97-AF65-F5344CB8AC3E}">
+        <p14:creationId xmlns:p14="http://schemas.microsoft.com/office/powerpoint/2010/main" val="2121470994"/>
+      </p:ext>
+    </p:extLst>
+  </p:cSld>
+  <p:clrMapOvr>
+    <a:masterClrMapping/>
+  </p:clrMapOvr>
+</p:sld>
+</file>
+
+<file path=ppt/slides/slide43.xml><?xml version="1.0" encoding="utf-8"?>
+<p:sld xmlns:a="http://schemas.openxmlformats.org/drawingml/2006/main" xmlns:r="http://schemas.openxmlformats.org/officeDocument/2006/relationships" xmlns:p="http://schemas.openxmlformats.org/presentationml/2006/main">
+  <p:cSld>
+    <p:spTree>
+      <p:nvGrpSpPr>
+        <p:cNvPr id="1" name=""/>
+        <p:cNvGrpSpPr/>
+        <p:nvPr/>
+      </p:nvGrpSpPr>
+      <p:grpSpPr>
+        <a:xfrm>
+          <a:off x="0" y="0"/>
+          <a:ext cx="0" cy="0"/>
+          <a:chOff x="0" y="0"/>
+          <a:chExt cx="0" cy="0"/>
+        </a:xfrm>
+      </p:grpSpPr>
+      <p:pic>
+        <p:nvPicPr>
+          <p:cNvPr id="5" name="Picture 4">
+            <a:extLst>
+              <a:ext uri="{FF2B5EF4-FFF2-40B4-BE49-F238E27FC236}">
+                <a16:creationId xmlns:a16="http://schemas.microsoft.com/office/drawing/2014/main" id="{D68E7847-9FDA-401C-B3F9-95A075E9007B}"/>
+              </a:ext>
+            </a:extLst>
+          </p:cNvPr>
+          <p:cNvPicPr>
+            <a:picLocks noChangeAspect="1"/>
+          </p:cNvPicPr>
+          <p:nvPr/>
+        </p:nvPicPr>
+        <p:blipFill>
+          <a:blip r:embed="rId2"/>
+          <a:stretch>
+            <a:fillRect/>
+          </a:stretch>
+        </p:blipFill>
+        <p:spPr>
+          <a:xfrm>
+            <a:off x="3142994" y="1874385"/>
+            <a:ext cx="5906012" cy="3109229"/>
+          </a:xfrm>
+          <a:prstGeom prst="rect">
+            <a:avLst/>
+          </a:prstGeom>
+        </p:spPr>
+      </p:pic>
+    </p:spTree>
+    <p:extLst>
+      <p:ext uri="{BB962C8B-B14F-4D97-AF65-F5344CB8AC3E}">
+        <p14:creationId xmlns:p14="http://schemas.microsoft.com/office/powerpoint/2010/main" val="3053882218"/>
+      </p:ext>
+    </p:extLst>
+  </p:cSld>
+  <p:clrMapOvr>
+    <a:masterClrMapping/>
+  </p:clrMapOvr>
+</p:sld>
+</file>
+
+<file path=ppt/slides/slide44.xml><?xml version="1.0" encoding="utf-8"?>
+<p:sld xmlns:a="http://schemas.openxmlformats.org/drawingml/2006/main" xmlns:r="http://schemas.openxmlformats.org/officeDocument/2006/relationships" xmlns:p="http://schemas.openxmlformats.org/presentationml/2006/main">
+  <p:cSld>
+    <p:spTree>
+      <p:nvGrpSpPr>
+        <p:cNvPr id="1" name=""/>
+        <p:cNvGrpSpPr/>
+        <p:nvPr/>
+      </p:nvGrpSpPr>
+      <p:grpSpPr>
+        <a:xfrm>
+          <a:off x="0" y="0"/>
+          <a:ext cx="0" cy="0"/>
+          <a:chOff x="0" y="0"/>
+          <a:chExt cx="0" cy="0"/>
+        </a:xfrm>
+      </p:grpSpPr>
+      <p:pic>
+        <p:nvPicPr>
+          <p:cNvPr id="5" name="Picture 4">
+            <a:extLst>
+              <a:ext uri="{FF2B5EF4-FFF2-40B4-BE49-F238E27FC236}">
+                <a16:creationId xmlns:a16="http://schemas.microsoft.com/office/drawing/2014/main" id="{D68E7847-9FDA-401C-B3F9-95A075E9007B}"/>
+              </a:ext>
+            </a:extLst>
+          </p:cNvPr>
+          <p:cNvPicPr>
+            <a:picLocks noChangeAspect="1"/>
+          </p:cNvPicPr>
+          <p:nvPr/>
+        </p:nvPicPr>
+        <p:blipFill>
+          <a:blip r:embed="rId3"/>
+          <a:stretch>
+            <a:fillRect/>
+          </a:stretch>
+        </p:blipFill>
+        <p:spPr>
+          <a:xfrm>
+            <a:off x="3142994" y="1874385"/>
+            <a:ext cx="5906012" cy="3109229"/>
+          </a:xfrm>
+          <a:prstGeom prst="rect">
+            <a:avLst/>
+          </a:prstGeom>
+        </p:spPr>
+      </p:pic>
+    </p:spTree>
+    <p:extLst>
+      <p:ext uri="{BB962C8B-B14F-4D97-AF65-F5344CB8AC3E}">
+        <p14:creationId xmlns:p14="http://schemas.microsoft.com/office/powerpoint/2010/main" val="3984111281"/>
+      </p:ext>
+    </p:extLst>
+  </p:cSld>
+  <p:clrMapOvr>
+    <a:masterClrMapping/>
+  </p:clrMapOvr>
+</p:sld>
+</file>
+
+<file path=ppt/slides/slide45.xml><?xml version="1.0" encoding="utf-8"?>
+<p:sld xmlns:a="http://schemas.openxmlformats.org/drawingml/2006/main" xmlns:r="http://schemas.openxmlformats.org/officeDocument/2006/relationships" xmlns:p="http://schemas.openxmlformats.org/presentationml/2006/main">
+  <p:cSld>
+    <p:spTree>
+      <p:nvGrpSpPr>
+        <p:cNvPr id="1" name=""/>
+        <p:cNvGrpSpPr/>
+        <p:nvPr/>
+      </p:nvGrpSpPr>
+      <p:grpSpPr>
+        <a:xfrm>
+          <a:off x="0" y="0"/>
+          <a:ext cx="0" cy="0"/>
+          <a:chOff x="0" y="0"/>
+          <a:chExt cx="0" cy="0"/>
+        </a:xfrm>
+      </p:grpSpPr>
+      <p:sp>
+        <p:nvSpPr>
+          <p:cNvPr id="2" name="Title 1">
+            <a:extLst>
+              <a:ext uri="{FF2B5EF4-FFF2-40B4-BE49-F238E27FC236}">
+                <a16:creationId xmlns:a16="http://schemas.microsoft.com/office/drawing/2014/main" id="{6F7573BF-2ADD-4A4B-BC81-0B801B9F4733}"/>
+              </a:ext>
+            </a:extLst>
+          </p:cNvPr>
+          <p:cNvSpPr>
+            <a:spLocks noGrp="1"/>
+          </p:cNvSpPr>
+          <p:nvPr>
+            <p:ph type="title"/>
+          </p:nvPr>
+        </p:nvSpPr>
+        <p:spPr/>
+        <p:txBody>
+          <a:bodyPr/>
+          <a:lstStyle/>
+          <a:p>
+            <a:r>
+              <a:rPr lang="en-SG" dirty="0"/>
+              <a:t>Different CI/CD Approaches???</a:t>
+            </a:r>
+          </a:p>
+        </p:txBody>
+      </p:sp>
+      <p:sp>
+        <p:nvSpPr>
+          <p:cNvPr id="3" name="Content Placeholder 2">
+            <a:extLst>
+              <a:ext uri="{FF2B5EF4-FFF2-40B4-BE49-F238E27FC236}">
+                <a16:creationId xmlns:a16="http://schemas.microsoft.com/office/drawing/2014/main" id="{E7493389-75CB-4628-BE01-11A9182F096D}"/>
+              </a:ext>
+            </a:extLst>
+          </p:cNvPr>
+          <p:cNvSpPr>
+            <a:spLocks noGrp="1"/>
+          </p:cNvSpPr>
+          <p:nvPr>
+            <p:ph idx="1"/>
+          </p:nvPr>
+        </p:nvSpPr>
+        <p:spPr/>
+        <p:txBody>
+          <a:bodyPr/>
+          <a:lstStyle/>
+          <a:p>
+            <a:r>
+              <a:rPr lang="en-SG" dirty="0"/>
+              <a:t>Jenkins</a:t>
+            </a:r>
+          </a:p>
+          <a:p>
+            <a:r>
+              <a:rPr lang="en-SG" dirty="0"/>
+              <a:t>GitHub Actions</a:t>
+            </a:r>
+          </a:p>
+          <a:p>
+            <a:r>
+              <a:rPr lang="en-SG" dirty="0"/>
+              <a:t>Fastlane</a:t>
+            </a:r>
+          </a:p>
+          <a:p>
+            <a:r>
+              <a:rPr lang="en-SG" dirty="0" err="1"/>
+              <a:t>CircleCI</a:t>
+            </a:r>
+            <a:endParaRPr lang="en-SG" dirty="0"/>
+          </a:p>
+          <a:p>
+            <a:r>
+              <a:rPr lang="en-SG" dirty="0"/>
+              <a:t>GitLab</a:t>
+            </a:r>
+          </a:p>
+        </p:txBody>
+      </p:sp>
+    </p:spTree>
+    <p:extLst>
+      <p:ext uri="{BB962C8B-B14F-4D97-AF65-F5344CB8AC3E}">
+        <p14:creationId xmlns:p14="http://schemas.microsoft.com/office/powerpoint/2010/main" val="2038117043"/>
+      </p:ext>
+    </p:extLst>
+  </p:cSld>
+  <p:clrMapOvr>
+    <a:masterClrMapping/>
+  </p:clrMapOvr>
+</p:sld>
+</file>
+
+<file path=ppt/slides/slide46.xml><?xml version="1.0" encoding="utf-8"?>
+<p:sld xmlns:a="http://schemas.openxmlformats.org/drawingml/2006/main" xmlns:r="http://schemas.openxmlformats.org/officeDocument/2006/relationships" xmlns:p="http://schemas.openxmlformats.org/presentationml/2006/main">
+  <p:cSld>
+    <p:spTree>
+      <p:nvGrpSpPr>
+        <p:cNvPr id="1" name=""/>
+        <p:cNvGrpSpPr/>
+        <p:nvPr/>
+      </p:nvGrpSpPr>
+      <p:grpSpPr>
+        <a:xfrm>
+          <a:off x="0" y="0"/>
+          <a:ext cx="0" cy="0"/>
+          <a:chOff x="0" y="0"/>
+          <a:chExt cx="0" cy="0"/>
+        </a:xfrm>
+      </p:grpSpPr>
+      <p:sp>
+        <p:nvSpPr>
+          <p:cNvPr id="2" name="Title 1"/>
+          <p:cNvSpPr>
+            <a:spLocks noGrp="1"/>
+          </p:cNvSpPr>
+          <p:nvPr>
+            <p:ph type="title"/>
+          </p:nvPr>
+        </p:nvSpPr>
+        <p:spPr/>
+        <p:txBody>
+          <a:bodyPr/>
+          <a:lstStyle/>
+          <a:p>
+            <a:r>
+              <a:rPr lang="en-US" dirty="0"/>
+              <a:t>More concepts</a:t>
+            </a:r>
+            <a:endParaRPr lang="en-SG" dirty="0"/>
+          </a:p>
+        </p:txBody>
+      </p:sp>
+      <p:sp>
+        <p:nvSpPr>
+          <p:cNvPr id="3" name="Content Placeholder 2"/>
+          <p:cNvSpPr>
+            <a:spLocks noGrp="1"/>
+          </p:cNvSpPr>
+          <p:nvPr>
+            <p:ph idx="1"/>
+          </p:nvPr>
+        </p:nvSpPr>
+        <p:spPr/>
+        <p:txBody>
+          <a:bodyPr/>
+          <a:lstStyle/>
+          <a:p>
+            <a:r>
+              <a:rPr lang="en-US" dirty="0"/>
+              <a:t>Clean Architecture</a:t>
+            </a:r>
+          </a:p>
+          <a:p>
+            <a:r>
+              <a:rPr lang="en-US" dirty="0"/>
+              <a:t>MVVM Architecture</a:t>
+            </a:r>
+          </a:p>
+          <a:p>
+            <a:pPr lvl="1"/>
+            <a:r>
+              <a:rPr lang="en-US" dirty="0"/>
+              <a:t>Single Source of Truth </a:t>
+            </a:r>
+            <a:r>
+              <a:rPr lang="en-US" dirty="0">
+                <a:sym typeface="Wingdings" panose="05000000000000000000" pitchFamily="2" charset="2"/>
+              </a:rPr>
+              <a:t> to implement the repository pattern</a:t>
+            </a:r>
+            <a:endParaRPr lang="en-US" dirty="0"/>
+          </a:p>
+          <a:p>
+            <a:r>
+              <a:rPr lang="en-US" dirty="0"/>
+              <a:t>Dependency Injection</a:t>
+            </a:r>
+          </a:p>
+          <a:p>
+            <a:r>
+              <a:rPr lang="en-US" dirty="0">
+                <a:hlinkClick r:id="rId2"/>
+              </a:rPr>
+              <a:t>https://developer.android.com/topic/architecture#recommended-app-arch</a:t>
+            </a:r>
+            <a:endParaRPr lang="en-US" dirty="0"/>
+          </a:p>
+          <a:p>
+            <a:r>
+              <a:rPr lang="en-US" dirty="0"/>
+              <a:t>Data Access Object (DAO)</a:t>
+            </a:r>
+          </a:p>
+          <a:p>
+            <a:r>
+              <a:rPr lang="en-US" dirty="0"/>
+              <a:t>Why need </a:t>
+            </a:r>
+            <a:r>
+              <a:rPr lang="en-US" dirty="0" err="1"/>
+              <a:t>contentDescription</a:t>
+            </a:r>
+            <a:r>
+              <a:rPr lang="en-US" dirty="0"/>
+              <a:t> for Views???</a:t>
+            </a:r>
+          </a:p>
+        </p:txBody>
+      </p:sp>
+    </p:spTree>
+    <p:extLst>
+      <p:ext uri="{BB962C8B-B14F-4D97-AF65-F5344CB8AC3E}">
+        <p14:creationId xmlns:p14="http://schemas.microsoft.com/office/powerpoint/2010/main" val="1846938743"/>
+      </p:ext>
+    </p:extLst>
+  </p:cSld>
+  <p:clrMapOvr>
+    <a:masterClrMapping/>
+  </p:clrMapOvr>
+</p:sld>
+</file>
+
 <file path=ppt/slides/slide5.xml><?xml version="1.0" encoding="utf-8"?>
 <p:sld xmlns:a="http://schemas.openxmlformats.org/drawingml/2006/main" xmlns:r="http://schemas.openxmlformats.org/officeDocument/2006/relationships" xmlns:p="http://schemas.openxmlformats.org/presentationml/2006/main">
   <p:cSld>
@@ -16489,7 +20060,7 @@
                 </a:highlight>
                 <a:latin typeface="Lucida Console" panose="020B0609040504020204" pitchFamily="49" charset="0"/>
               </a:rPr>
-              <a:t>open</a:t>
+              <a:t>open/abstract</a:t>
             </a:r>
             <a:r>
               <a:rPr lang="en-SG" sz="1600" dirty="0"/>
@@ -16730,7 +20301,7 @@
           <p:cNvPr id="2" name="Title 1">
             <a:extLst>
               <a:ext uri="{FF2B5EF4-FFF2-40B4-BE49-F238E27FC236}">
-                <a16:creationId xmlns:a16="http://schemas.microsoft.com/office/drawing/2014/main" id="{A141A61E-F79F-4A21-95F9-E6A31DCF630F}"/>
+                <a16:creationId xmlns:a16="http://schemas.microsoft.com/office/drawing/2014/main" id="{1F1150B8-C409-456F-B1AB-D549F4E2B723}"/>
               </a:ext>
             </a:extLst>
           </p:cNvPr>
@@ -16748,7 +20319,7 @@
           <a:p>
             <a:r>
               <a:rPr lang="en-SG" dirty="0"/>
-              <a:t>Abstract? Wtf is that??</a:t>
+              <a:t>Class Hierarchy / Inheritance</a:t>
             </a:r>
           </a:p>
         </p:txBody>
@@ -16758,7 +20329,7 @@
           <p:cNvPr id="3" name="Content Placeholder 2">
             <a:extLst>
               <a:ext uri="{FF2B5EF4-FFF2-40B4-BE49-F238E27FC236}">
-                <a16:creationId xmlns:a16="http://schemas.microsoft.com/office/drawing/2014/main" id="{07872F3D-ED3D-4EEB-9792-88BD6D22154F}"/>
+                <a16:creationId xmlns:a16="http://schemas.microsoft.com/office/drawing/2014/main" id="{D864DE4C-4E81-4964-945C-2FCF3BAFDEB1}"/>
               </a:ext>
             </a:extLst>
           </p:cNvPr>
@@ -16771,13 +20342,13 @@
         </p:nvSpPr>
         <p:spPr>
           <a:xfrm>
-            <a:off x="838200" y="1821046"/>
-            <a:ext cx="10515600" cy="4591354"/>
+            <a:off x="838199" y="1527244"/>
+            <a:ext cx="6798013" cy="4965632"/>
           </a:xfrm>
         </p:spPr>
         <p:txBody>
           <a:bodyPr>
-            <a:normAutofit/>
+            <a:normAutofit fontScale="92500" lnSpcReduction="10000"/>
           </a:bodyPr>
           <a:lstStyle/>
           <a:p>
@@ -16785,61 +20356,789 @@
               <a:buNone/>
             </a:pPr>
             <a:r>
-              <a:rPr lang="en-SG" sz="1800" dirty="0"/>
-              <a:t>You define a class as abstract when that class should not be instantiated on its own, and therefore cannot create an instance from it.</a:t>
+              <a:rPr lang="en-US" sz="1200" dirty="0">
+                <a:highlight>
+                  <a:srgbClr val="FFFF00"/>
+                </a:highlight>
+                <a:latin typeface="Lucida Console" panose="020B0609040504020204" pitchFamily="49" charset="0"/>
+              </a:rPr>
+              <a:t>abstract</a:t>
+            </a:r>
+            <a:r>
+              <a:rPr lang="en-US" sz="1200" dirty="0">
+                <a:latin typeface="Lucida Console" panose="020B0609040504020204" pitchFamily="49" charset="0"/>
+              </a:rPr>
+              <a:t> class Dwelling(private var </a:t>
+            </a:r>
+            <a:r>
+              <a:rPr lang="en-US" sz="1200" dirty="0">
+                <a:highlight>
+                  <a:srgbClr val="00FF00"/>
+                </a:highlight>
+                <a:latin typeface="Lucida Console" panose="020B0609040504020204" pitchFamily="49" charset="0"/>
+              </a:rPr>
+              <a:t>residents</a:t>
+            </a:r>
+            <a:r>
+              <a:rPr lang="en-US" sz="1200" dirty="0">
+                <a:latin typeface="Lucida Console" panose="020B0609040504020204" pitchFamily="49" charset="0"/>
+              </a:rPr>
+              <a:t>: Int) {</a:t>
             </a:r>
           </a:p>
           <a:p>
             <a:pPr marL="0" indent="0">
               <a:buNone/>
             </a:pPr>
-            <a:endParaRPr lang="en-SG" sz="1800" dirty="0"/>
+            <a:r>
+              <a:rPr lang="en-US" sz="1200" dirty="0">
+                <a:latin typeface="Lucida Console" panose="020B0609040504020204" pitchFamily="49" charset="0"/>
+              </a:rPr>
+              <a:t>	</a:t>
+            </a:r>
+            <a:r>
+              <a:rPr lang="en-US" sz="1200" dirty="0">
+                <a:highlight>
+                  <a:srgbClr val="00FFFF"/>
+                </a:highlight>
+                <a:latin typeface="Lucida Console" panose="020B0609040504020204" pitchFamily="49" charset="0"/>
+              </a:rPr>
+              <a:t>abstract</a:t>
+            </a:r>
+            <a:r>
+              <a:rPr lang="en-US" sz="1200" dirty="0">
+                <a:latin typeface="Lucida Console" panose="020B0609040504020204" pitchFamily="49" charset="0"/>
+              </a:rPr>
+              <a:t> </a:t>
+            </a:r>
+            <a:r>
+              <a:rPr lang="en-US" sz="1200" dirty="0" err="1">
+                <a:latin typeface="Lucida Console" panose="020B0609040504020204" pitchFamily="49" charset="0"/>
+              </a:rPr>
+              <a:t>val</a:t>
+            </a:r>
+            <a:r>
+              <a:rPr lang="en-US" sz="1200" dirty="0">
+                <a:latin typeface="Lucida Console" panose="020B0609040504020204" pitchFamily="49" charset="0"/>
+              </a:rPr>
+              <a:t> capacity: Int</a:t>
+            </a:r>
           </a:p>
           <a:p>
             <a:pPr marL="0" indent="0">
               <a:buNone/>
             </a:pPr>
             <a:r>
-              <a:rPr lang="en-SG" sz="1800" dirty="0"/>
-              <a:t>For example… an Animal class. Doesn’t make sense to create an Animal object when there are so many different animals and they do different things and have different attributes. Makes more sense to have a Cat or Dog subclass that extends from an Animal class.</a:t>
+              <a:rPr lang="en-US" sz="1200" dirty="0">
+                <a:latin typeface="Lucida Console" panose="020B0609040504020204" pitchFamily="49" charset="0"/>
+              </a:rPr>
+              <a:t>	</a:t>
+            </a:r>
+            <a:r>
+              <a:rPr lang="en-US" sz="1200" dirty="0">
+                <a:highlight>
+                  <a:srgbClr val="00FFFF"/>
+                </a:highlight>
+                <a:latin typeface="Lucida Console" panose="020B0609040504020204" pitchFamily="49" charset="0"/>
+              </a:rPr>
+              <a:t>abstract</a:t>
+            </a:r>
+            <a:r>
+              <a:rPr lang="en-US" sz="1200" dirty="0">
+                <a:latin typeface="Lucida Console" panose="020B0609040504020204" pitchFamily="49" charset="0"/>
+              </a:rPr>
+              <a:t> fun </a:t>
+            </a:r>
+            <a:r>
+              <a:rPr lang="en-US" sz="1200" dirty="0" err="1">
+                <a:latin typeface="Lucida Console" panose="020B0609040504020204" pitchFamily="49" charset="0"/>
+              </a:rPr>
+              <a:t>floorSize</a:t>
+            </a:r>
+            <a:r>
+              <a:rPr lang="en-US" sz="1200" dirty="0">
+                <a:latin typeface="Lucida Console" panose="020B0609040504020204" pitchFamily="49" charset="0"/>
+              </a:rPr>
+              <a:t>(): Double</a:t>
             </a:r>
           </a:p>
           <a:p>
             <a:pPr marL="0" indent="0">
               <a:buNone/>
             </a:pPr>
-            <a:endParaRPr lang="en-SG" sz="1800" dirty="0"/>
+            <a:r>
+              <a:rPr lang="en-US" sz="1200" dirty="0">
+                <a:latin typeface="Lucida Console" panose="020B0609040504020204" pitchFamily="49" charset="0"/>
+              </a:rPr>
+              <a:t>	fun </a:t>
+            </a:r>
+            <a:r>
+              <a:rPr lang="en-US" sz="1200" dirty="0" err="1">
+                <a:latin typeface="Lucida Console" panose="020B0609040504020204" pitchFamily="49" charset="0"/>
+              </a:rPr>
+              <a:t>hasRoom</a:t>
+            </a:r>
+            <a:r>
+              <a:rPr lang="en-US" sz="1200" dirty="0">
+                <a:latin typeface="Lucida Console" panose="020B0609040504020204" pitchFamily="49" charset="0"/>
+              </a:rPr>
+              <a:t>()</a:t>
+            </a:r>
+            <a:r>
+              <a:rPr lang="en-US" sz="1200" dirty="0">
+                <a:highlight>
+                  <a:srgbClr val="C0C0C0"/>
+                </a:highlight>
+                <a:latin typeface="Lucida Console" panose="020B0609040504020204" pitchFamily="49" charset="0"/>
+              </a:rPr>
+              <a:t>: Boolean</a:t>
+            </a:r>
+            <a:r>
+              <a:rPr lang="en-US" sz="1200" dirty="0">
+                <a:latin typeface="Lucida Console" panose="020B0609040504020204" pitchFamily="49" charset="0"/>
+              </a:rPr>
+              <a:t> {</a:t>
+            </a:r>
           </a:p>
           <a:p>
             <a:pPr marL="0" indent="0">
               <a:buNone/>
             </a:pPr>
             <a:r>
-              <a:rPr lang="en-SG" sz="1800" dirty="0"/>
-              <a:t>You define a method in an abstract class as abstract when that method should not be implemented in the class. So if you determine that method to be abstract, you just need to declare the function, without the body.</a:t>
+              <a:rPr lang="en-US" sz="1200" dirty="0">
+                <a:latin typeface="Lucida Console" panose="020B0609040504020204" pitchFamily="49" charset="0"/>
+              </a:rPr>
+              <a:t>		return capacity &lt; residents</a:t>
             </a:r>
           </a:p>
           <a:p>
             <a:pPr marL="0" indent="0">
               <a:buNone/>
             </a:pPr>
-            <a:endParaRPr lang="en-SG" sz="1800" dirty="0"/>
+            <a:r>
+              <a:rPr lang="en-US" sz="1200" dirty="0">
+                <a:latin typeface="Lucida Console" panose="020B0609040504020204" pitchFamily="49" charset="0"/>
+              </a:rPr>
+              <a:t>	}</a:t>
+            </a:r>
           </a:p>
           <a:p>
             <a:pPr marL="0" indent="0">
               <a:buNone/>
             </a:pPr>
             <a:r>
-              <a:rPr lang="en-SG" sz="1800" dirty="0"/>
-              <a:t>Properties/Fields can also be abstract.</a:t>
-            </a:r>
-          </a:p>
-        </p:txBody>
-      </p:sp>
+              <a:rPr lang="en-US" sz="1200" dirty="0">
+                <a:latin typeface="Lucida Console" panose="020B0609040504020204" pitchFamily="49" charset="0"/>
+              </a:rPr>
+              <a:t>}</a:t>
+            </a:r>
+          </a:p>
+          <a:p>
+            <a:pPr marL="0" indent="0">
+              <a:buNone/>
+            </a:pPr>
+            <a:endParaRPr lang="en-US" sz="1200" dirty="0">
+              <a:latin typeface="Lucida Console" panose="020B0609040504020204" pitchFamily="49" charset="0"/>
+            </a:endParaRPr>
+          </a:p>
+          <a:p>
+            <a:pPr marL="0" indent="0">
+              <a:buNone/>
+            </a:pPr>
+            <a:r>
+              <a:rPr lang="en-US" sz="1200" dirty="0">
+                <a:highlight>
+                  <a:srgbClr val="FFFF00"/>
+                </a:highlight>
+                <a:latin typeface="Lucida Console" panose="020B0609040504020204" pitchFamily="49" charset="0"/>
+              </a:rPr>
+              <a:t>class</a:t>
+            </a:r>
+            <a:r>
+              <a:rPr lang="en-US" sz="1200" dirty="0">
+                <a:latin typeface="Lucida Console" panose="020B0609040504020204" pitchFamily="49" charset="0"/>
+              </a:rPr>
+              <a:t> </a:t>
+            </a:r>
+            <a:r>
+              <a:rPr lang="en-US" sz="1200" dirty="0" err="1">
+                <a:latin typeface="Lucida Console" panose="020B0609040504020204" pitchFamily="49" charset="0"/>
+              </a:rPr>
+              <a:t>SquareCabin</a:t>
+            </a:r>
+            <a:r>
+              <a:rPr lang="en-US" sz="1200" dirty="0">
+                <a:latin typeface="Lucida Console" panose="020B0609040504020204" pitchFamily="49" charset="0"/>
+              </a:rPr>
+              <a:t>(</a:t>
+            </a:r>
+            <a:r>
+              <a:rPr lang="en-US" sz="1200" dirty="0">
+                <a:highlight>
+                  <a:srgbClr val="00FF00"/>
+                </a:highlight>
+                <a:latin typeface="Lucida Console" panose="020B0609040504020204" pitchFamily="49" charset="0"/>
+              </a:rPr>
+              <a:t>people</a:t>
+            </a:r>
+            <a:r>
+              <a:rPr lang="en-US" sz="1200" dirty="0">
+                <a:latin typeface="Lucida Console" panose="020B0609040504020204" pitchFamily="49" charset="0"/>
+              </a:rPr>
+              <a:t>: Int, </a:t>
+            </a:r>
+            <a:r>
+              <a:rPr lang="en-US" sz="1200" dirty="0" err="1">
+                <a:highlight>
+                  <a:srgbClr val="FFF169"/>
+                </a:highlight>
+                <a:latin typeface="Lucida Console" panose="020B0609040504020204" pitchFamily="49" charset="0"/>
+              </a:rPr>
+              <a:t>val</a:t>
+            </a:r>
+            <a:r>
+              <a:rPr lang="en-US" sz="1200" dirty="0">
+                <a:highlight>
+                  <a:srgbClr val="FFF169"/>
+                </a:highlight>
+                <a:latin typeface="Lucida Console" panose="020B0609040504020204" pitchFamily="49" charset="0"/>
+              </a:rPr>
+              <a:t> length: Double</a:t>
+            </a:r>
+            <a:r>
+              <a:rPr lang="en-US" sz="1200" dirty="0">
+                <a:latin typeface="Lucida Console" panose="020B0609040504020204" pitchFamily="49" charset="0"/>
+              </a:rPr>
+              <a:t>) : Dwelling(</a:t>
+            </a:r>
+            <a:r>
+              <a:rPr lang="en-US" sz="1200" dirty="0">
+                <a:highlight>
+                  <a:srgbClr val="00FF00"/>
+                </a:highlight>
+                <a:latin typeface="Lucida Console" panose="020B0609040504020204" pitchFamily="49" charset="0"/>
+              </a:rPr>
+              <a:t>people</a:t>
+            </a:r>
+            <a:r>
+              <a:rPr lang="en-US" sz="1200" dirty="0">
+                <a:latin typeface="Lucida Console" panose="020B0609040504020204" pitchFamily="49" charset="0"/>
+              </a:rPr>
+              <a:t>) {</a:t>
+            </a:r>
+          </a:p>
+          <a:p>
+            <a:pPr marL="0" indent="0">
+              <a:buNone/>
+            </a:pPr>
+            <a:r>
+              <a:rPr lang="en-US" sz="1200" dirty="0">
+                <a:latin typeface="Lucida Console" panose="020B0609040504020204" pitchFamily="49" charset="0"/>
+              </a:rPr>
+              <a:t>	</a:t>
+            </a:r>
+            <a:r>
+              <a:rPr lang="en-US" sz="1200" dirty="0">
+                <a:highlight>
+                  <a:srgbClr val="00FFFF"/>
+                </a:highlight>
+                <a:latin typeface="Lucida Console" panose="020B0609040504020204" pitchFamily="49" charset="0"/>
+              </a:rPr>
+              <a:t>override</a:t>
+            </a:r>
+            <a:r>
+              <a:rPr lang="en-US" sz="1200" dirty="0">
+                <a:latin typeface="Lucida Console" panose="020B0609040504020204" pitchFamily="49" charset="0"/>
+              </a:rPr>
+              <a:t> fun </a:t>
+            </a:r>
+            <a:r>
+              <a:rPr lang="en-US" sz="1200" dirty="0" err="1">
+                <a:latin typeface="Lucida Console" panose="020B0609040504020204" pitchFamily="49" charset="0"/>
+              </a:rPr>
+              <a:t>floorSize</a:t>
+            </a:r>
+            <a:r>
+              <a:rPr lang="en-US" sz="1200" dirty="0">
+                <a:latin typeface="Lucida Console" panose="020B0609040504020204" pitchFamily="49" charset="0"/>
+              </a:rPr>
+              <a:t>() {</a:t>
+            </a:r>
+          </a:p>
+          <a:p>
+            <a:pPr marL="0" indent="0">
+              <a:buNone/>
+            </a:pPr>
+            <a:r>
+              <a:rPr lang="en-US" sz="1200" dirty="0">
+                <a:latin typeface="Lucida Console" panose="020B0609040504020204" pitchFamily="49" charset="0"/>
+              </a:rPr>
+              <a:t>		return </a:t>
+            </a:r>
+            <a:r>
+              <a:rPr lang="en-US" sz="1200" dirty="0">
+                <a:highlight>
+                  <a:srgbClr val="FFF169"/>
+                </a:highlight>
+                <a:latin typeface="Lucida Console" panose="020B0609040504020204" pitchFamily="49" charset="0"/>
+              </a:rPr>
+              <a:t>length * length</a:t>
+            </a:r>
+          </a:p>
+          <a:p>
+            <a:pPr marL="0" indent="0">
+              <a:buNone/>
+            </a:pPr>
+            <a:r>
+              <a:rPr lang="en-US" sz="1200" dirty="0">
+                <a:latin typeface="Lucida Console" panose="020B0609040504020204" pitchFamily="49" charset="0"/>
+              </a:rPr>
+              <a:t>	}</a:t>
+            </a:r>
+          </a:p>
+          <a:p>
+            <a:pPr marL="0" indent="0">
+              <a:buNone/>
+            </a:pPr>
+            <a:r>
+              <a:rPr lang="en-US" sz="1200" dirty="0">
+                <a:latin typeface="Lucida Console" panose="020B0609040504020204" pitchFamily="49" charset="0"/>
+              </a:rPr>
+              <a:t>	</a:t>
+            </a:r>
+            <a:r>
+              <a:rPr lang="en-US" sz="1200" dirty="0">
+                <a:highlight>
+                  <a:srgbClr val="00FFFF"/>
+                </a:highlight>
+                <a:latin typeface="Lucida Console" panose="020B0609040504020204" pitchFamily="49" charset="0"/>
+              </a:rPr>
+              <a:t>override</a:t>
+            </a:r>
+            <a:r>
+              <a:rPr lang="en-US" sz="1200" dirty="0">
+                <a:latin typeface="Lucida Console" panose="020B0609040504020204" pitchFamily="49" charset="0"/>
+              </a:rPr>
+              <a:t> </a:t>
+            </a:r>
+            <a:r>
+              <a:rPr lang="en-US" sz="1200" dirty="0" err="1">
+                <a:latin typeface="Lucida Console" panose="020B0609040504020204" pitchFamily="49" charset="0"/>
+              </a:rPr>
+              <a:t>val</a:t>
+            </a:r>
+            <a:r>
+              <a:rPr lang="en-US" sz="1200" dirty="0">
+                <a:latin typeface="Lucida Console" panose="020B0609040504020204" pitchFamily="49" charset="0"/>
+              </a:rPr>
+              <a:t> capacity = 6</a:t>
+            </a:r>
+          </a:p>
+          <a:p>
+            <a:pPr marL="0" indent="0">
+              <a:buNone/>
+            </a:pPr>
+            <a:r>
+              <a:rPr lang="en-US" sz="1200" dirty="0">
+                <a:latin typeface="Lucida Console" panose="020B0609040504020204" pitchFamily="49" charset="0"/>
+              </a:rPr>
+              <a:t>}</a:t>
+            </a:r>
+          </a:p>
+          <a:p>
+            <a:pPr marL="0" indent="0">
+              <a:buNone/>
+            </a:pPr>
+            <a:endParaRPr lang="en-US" sz="1200" dirty="0">
+              <a:latin typeface="Lucida Console" panose="020B0609040504020204" pitchFamily="49" charset="0"/>
+            </a:endParaRPr>
+          </a:p>
+          <a:p>
+            <a:pPr marL="0" indent="0">
+              <a:buNone/>
+            </a:pPr>
+            <a:r>
+              <a:rPr lang="en-US" sz="1200" dirty="0">
+                <a:latin typeface="Lucida Console" panose="020B0609040504020204" pitchFamily="49" charset="0"/>
+              </a:rPr>
+              <a:t>fun main() {</a:t>
+            </a:r>
+            <a:br>
+              <a:rPr lang="en-US" sz="1200" dirty="0">
+                <a:latin typeface="Lucida Console" panose="020B0609040504020204" pitchFamily="49" charset="0"/>
+              </a:rPr>
+            </a:br>
+            <a:r>
+              <a:rPr lang="en-US" sz="1200" dirty="0">
+                <a:latin typeface="Lucida Console" panose="020B0609040504020204" pitchFamily="49" charset="0"/>
+              </a:rPr>
+              <a:t>	</a:t>
+            </a:r>
+            <a:r>
+              <a:rPr lang="en-US" sz="1200" dirty="0" err="1">
+                <a:latin typeface="Lucida Console" panose="020B0609040504020204" pitchFamily="49" charset="0"/>
+              </a:rPr>
+              <a:t>val</a:t>
+            </a:r>
+            <a:r>
+              <a:rPr lang="en-US" sz="1200" dirty="0">
+                <a:latin typeface="Lucida Console" panose="020B0609040504020204" pitchFamily="49" charset="0"/>
+              </a:rPr>
+              <a:t> cabin = </a:t>
+            </a:r>
+            <a:r>
+              <a:rPr lang="en-US" sz="1200" dirty="0" err="1">
+                <a:latin typeface="Lucida Console" panose="020B0609040504020204" pitchFamily="49" charset="0"/>
+              </a:rPr>
+              <a:t>SquareCabin</a:t>
+            </a:r>
+            <a:r>
+              <a:rPr lang="en-US" sz="1200" dirty="0">
+                <a:latin typeface="Lucida Console" panose="020B0609040504020204" pitchFamily="49" charset="0"/>
+              </a:rPr>
+              <a:t>(</a:t>
+            </a:r>
+            <a:r>
+              <a:rPr lang="en-US" sz="1200" dirty="0">
+                <a:highlight>
+                  <a:srgbClr val="00FF00"/>
+                </a:highlight>
+                <a:latin typeface="Lucida Console" panose="020B0609040504020204" pitchFamily="49" charset="0"/>
+              </a:rPr>
+              <a:t>3</a:t>
+            </a:r>
+            <a:r>
+              <a:rPr lang="en-US" sz="1200" dirty="0">
+                <a:latin typeface="Lucida Console" panose="020B0609040504020204" pitchFamily="49" charset="0"/>
+              </a:rPr>
+              <a:t>, </a:t>
+            </a:r>
+            <a:r>
+              <a:rPr lang="en-US" sz="1200" dirty="0">
+                <a:highlight>
+                  <a:srgbClr val="FFF169"/>
+                </a:highlight>
+                <a:latin typeface="Lucida Console" panose="020B0609040504020204" pitchFamily="49" charset="0"/>
+              </a:rPr>
+              <a:t>40.0</a:t>
+            </a:r>
+            <a:r>
+              <a:rPr lang="en-US" sz="1200" dirty="0">
+                <a:latin typeface="Lucida Console" panose="020B0609040504020204" pitchFamily="49" charset="0"/>
+              </a:rPr>
+              <a:t>)</a:t>
+            </a:r>
+          </a:p>
+          <a:p>
+            <a:pPr marL="0" indent="0">
+              <a:buNone/>
+            </a:pPr>
+            <a:r>
+              <a:rPr lang="en-US" sz="1200" dirty="0">
+                <a:latin typeface="Lucida Console" panose="020B0609040504020204" pitchFamily="49" charset="0"/>
+              </a:rPr>
+              <a:t>	println(“${</a:t>
+            </a:r>
+            <a:r>
+              <a:rPr lang="en-US" sz="1200" dirty="0" err="1">
+                <a:latin typeface="Lucida Console" panose="020B0609040504020204" pitchFamily="49" charset="0"/>
+              </a:rPr>
+              <a:t>cabin.hasRoom</a:t>
+            </a:r>
+            <a:r>
+              <a:rPr lang="en-US" sz="1200" dirty="0">
+                <a:latin typeface="Lucida Console" panose="020B0609040504020204" pitchFamily="49" charset="0"/>
+              </a:rPr>
+              <a:t>()}”)</a:t>
+            </a:r>
+          </a:p>
+          <a:p>
+            <a:pPr marL="0" indent="0">
+              <a:buNone/>
+            </a:pPr>
+            <a:r>
+              <a:rPr lang="en-US" sz="1200" dirty="0">
+                <a:latin typeface="Lucida Console" panose="020B0609040504020204" pitchFamily="49" charset="0"/>
+              </a:rPr>
+              <a:t>}</a:t>
+            </a:r>
+            <a:endParaRPr lang="en-SG" sz="1200" dirty="0">
+              <a:latin typeface="Lucida Console" panose="020B0609040504020204" pitchFamily="49" charset="0"/>
+            </a:endParaRPr>
+          </a:p>
+        </p:txBody>
+      </p:sp>
+      <p:sp>
+        <p:nvSpPr>
+          <p:cNvPr id="7" name="TextBox 6">
+            <a:extLst>
+              <a:ext uri="{FF2B5EF4-FFF2-40B4-BE49-F238E27FC236}">
+                <a16:creationId xmlns:a16="http://schemas.microsoft.com/office/drawing/2014/main" id="{BE67928A-57EA-4386-A190-E6E8EDCA1239}"/>
+              </a:ext>
+            </a:extLst>
+          </p:cNvPr>
+          <p:cNvSpPr txBox="1"/>
+          <p:nvPr/>
+        </p:nvSpPr>
+        <p:spPr>
+          <a:xfrm>
+            <a:off x="6804362" y="1398988"/>
+            <a:ext cx="5076218" cy="5016758"/>
+          </a:xfrm>
+          <a:prstGeom prst="rect">
+            <a:avLst/>
+          </a:prstGeom>
+          <a:noFill/>
+        </p:spPr>
+        <p:txBody>
+          <a:bodyPr wrap="square" rtlCol="0">
+            <a:spAutoFit/>
+          </a:bodyPr>
+          <a:lstStyle/>
+          <a:p>
+            <a:pPr marL="342900" indent="-342900">
+              <a:buAutoNum type="arabicPeriod"/>
+            </a:pPr>
+            <a:r>
+              <a:rPr lang="en-SG" sz="1600" dirty="0"/>
+              <a:t>To </a:t>
+            </a:r>
+            <a:r>
+              <a:rPr lang="en-SG" sz="1600" dirty="0">
+                <a:highlight>
+                  <a:srgbClr val="FFFF00"/>
+                </a:highlight>
+              </a:rPr>
+              <a:t>inherit/extend from</a:t>
+            </a:r>
+            <a:r>
+              <a:rPr lang="en-SG" sz="1600" dirty="0"/>
+              <a:t> a superclass, the superclass itself must be marked with the </a:t>
+            </a:r>
+            <a:r>
+              <a:rPr lang="en-SG" sz="1600" dirty="0">
+                <a:highlight>
+                  <a:srgbClr val="FFFF00"/>
+                </a:highlight>
+                <a:latin typeface="Lucida Console" panose="020B0609040504020204" pitchFamily="49" charset="0"/>
+              </a:rPr>
+              <a:t>open/abstract</a:t>
+            </a:r>
+            <a:r>
+              <a:rPr lang="en-SG" sz="1600" dirty="0"/>
+              <a:t> modifier</a:t>
+            </a:r>
+          </a:p>
+          <a:p>
+            <a:pPr marL="342900" indent="-342900">
+              <a:buAutoNum type="arabicPeriod"/>
+            </a:pPr>
+            <a:endParaRPr lang="en-SG" sz="1600" dirty="0"/>
+          </a:p>
+          <a:p>
+            <a:pPr marL="342900" indent="-342900">
+              <a:buAutoNum type="arabicPeriod"/>
+            </a:pPr>
+            <a:r>
+              <a:rPr lang="en-SG" sz="1600" dirty="0"/>
+              <a:t>Since an </a:t>
+            </a:r>
+            <a:r>
+              <a:rPr lang="en-SG" sz="1600" dirty="0">
+                <a:highlight>
+                  <a:srgbClr val="00FFFF"/>
+                </a:highlight>
+                <a:latin typeface="Lucida Console" panose="020B0609040504020204" pitchFamily="49" charset="0"/>
+              </a:rPr>
+              <a:t>abstract</a:t>
+            </a:r>
+            <a:r>
+              <a:rPr lang="en-SG" sz="1600" dirty="0"/>
+              <a:t> property of </a:t>
+            </a:r>
+            <a:r>
+              <a:rPr lang="en-SG" sz="1600" dirty="0">
+                <a:highlight>
+                  <a:srgbClr val="00FFFF"/>
+                </a:highlight>
+                <a:latin typeface="Lucida Console" panose="020B0609040504020204" pitchFamily="49" charset="0"/>
+              </a:rPr>
+              <a:t>capacity</a:t>
+            </a:r>
+            <a:r>
+              <a:rPr lang="en-SG" sz="1600" dirty="0"/>
+              <a:t> is defined in the superclass, the subclass must override it by providing it a value, and be marked with the </a:t>
+            </a:r>
+            <a:r>
+              <a:rPr lang="en-SG" sz="1600" dirty="0">
+                <a:highlight>
+                  <a:srgbClr val="00FFFF"/>
+                </a:highlight>
+                <a:latin typeface="Lucida Console" panose="020B0609040504020204" pitchFamily="49" charset="0"/>
+              </a:rPr>
+              <a:t>override</a:t>
+            </a:r>
+            <a:r>
+              <a:rPr lang="en-SG" sz="1600" dirty="0"/>
+              <a:t> modifier</a:t>
+            </a:r>
+          </a:p>
+          <a:p>
+            <a:pPr marL="342900" indent="-342900">
+              <a:buAutoNum type="arabicPeriod"/>
+            </a:pPr>
+            <a:endParaRPr lang="en-SG" sz="1600" dirty="0"/>
+          </a:p>
+          <a:p>
+            <a:pPr marL="342900" indent="-342900">
+              <a:buAutoNum type="arabicPeriod"/>
+            </a:pPr>
+            <a:endParaRPr lang="en-SG" sz="1600" dirty="0"/>
+          </a:p>
+          <a:p>
+            <a:pPr marL="342900" indent="-342900">
+              <a:buAutoNum type="arabicPeriod"/>
+            </a:pPr>
+            <a:endParaRPr lang="en-SG" sz="1600" dirty="0"/>
+          </a:p>
+          <a:p>
+            <a:pPr marL="342900" indent="-342900">
+              <a:buAutoNum type="arabicPeriod"/>
+            </a:pPr>
+            <a:r>
+              <a:rPr lang="en-US" sz="1600" dirty="0"/>
+              <a:t>When extending from a superclass, you must </a:t>
+            </a:r>
+            <a:r>
+              <a:rPr lang="en-US" sz="1600" dirty="0">
+                <a:highlight>
+                  <a:srgbClr val="00FF00"/>
+                </a:highlight>
+              </a:rPr>
+              <a:t>pass in the required parameters expected by the superclass</a:t>
+            </a:r>
+            <a:r>
+              <a:rPr lang="en-US" sz="1600" dirty="0"/>
+              <a:t>.</a:t>
+            </a:r>
+          </a:p>
+          <a:p>
+            <a:pPr marL="342900" indent="-342900">
+              <a:buAutoNum type="arabicPeriod"/>
+            </a:pPr>
+            <a:endParaRPr lang="en-US" sz="1600" dirty="0"/>
+          </a:p>
+          <a:p>
+            <a:pPr marL="342900" indent="-342900">
+              <a:buAutoNum type="arabicPeriod"/>
+            </a:pPr>
+            <a:r>
+              <a:rPr lang="en-US" sz="1600" dirty="0"/>
+              <a:t>If the </a:t>
+            </a:r>
+            <a:r>
+              <a:rPr lang="en-US" sz="1600" dirty="0">
+                <a:highlight>
+                  <a:srgbClr val="C0C0C0"/>
+                </a:highlight>
+              </a:rPr>
+              <a:t>return type</a:t>
+            </a:r>
+            <a:r>
+              <a:rPr lang="en-US" sz="1600" dirty="0"/>
+              <a:t> is not specified when supposed to, it will show an error of ‘</a:t>
+            </a:r>
+            <a:r>
+              <a:rPr lang="en-US" sz="1600" dirty="0">
+                <a:latin typeface="Lucida Console" panose="020B0609040504020204" pitchFamily="49" charset="0"/>
+              </a:rPr>
+              <a:t>Type mismatch: inferred type is &lt;return type&gt; but Unit was expected</a:t>
+            </a:r>
+            <a:r>
+              <a:rPr lang="en-US" sz="1600" dirty="0"/>
+              <a:t>’</a:t>
+            </a:r>
+          </a:p>
+          <a:p>
+            <a:pPr marL="342900" indent="-342900">
+              <a:buAutoNum type="arabicPeriod"/>
+            </a:pPr>
+            <a:endParaRPr lang="en-US" sz="1600" dirty="0"/>
+          </a:p>
+          <a:p>
+            <a:pPr marL="342900" indent="-342900">
+              <a:buAutoNum type="arabicPeriod"/>
+            </a:pPr>
+            <a:r>
+              <a:rPr lang="en-US" sz="1600" dirty="0"/>
+              <a:t>Defining </a:t>
+            </a:r>
+            <a:r>
+              <a:rPr lang="en-US" sz="1600" dirty="0">
+                <a:highlight>
+                  <a:srgbClr val="FFF169"/>
+                </a:highlight>
+              </a:rPr>
+              <a:t>new parameters for subclasses</a:t>
+            </a:r>
+            <a:r>
+              <a:rPr lang="en-US" sz="1600" dirty="0"/>
+              <a:t> are allowed.</a:t>
+            </a:r>
+            <a:endParaRPr lang="en-SG" sz="1600" dirty="0"/>
+          </a:p>
+        </p:txBody>
+      </p:sp>
+      <p:cxnSp>
+        <p:nvCxnSpPr>
+          <p:cNvPr id="8" name="Connector: Elbow 7">
+            <a:extLst>
+              <a:ext uri="{FF2B5EF4-FFF2-40B4-BE49-F238E27FC236}">
+                <a16:creationId xmlns:a16="http://schemas.microsoft.com/office/drawing/2014/main" id="{F1066A3E-545D-43C7-BC7C-A17588248E26}"/>
+              </a:ext>
+            </a:extLst>
+          </p:cNvPr>
+          <p:cNvCxnSpPr>
+            <a:cxnSpLocks/>
+          </p:cNvCxnSpPr>
+          <p:nvPr/>
+        </p:nvCxnSpPr>
+        <p:spPr>
+          <a:xfrm rot="5400000" flipH="1" flipV="1">
+            <a:off x="4510119" y="1663937"/>
+            <a:ext cx="12700" cy="3912950"/>
+          </a:xfrm>
+          <a:prstGeom prst="bentConnector3">
+            <a:avLst>
+              <a:gd name="adj1" fmla="val 1800000"/>
+            </a:avLst>
+          </a:prstGeom>
+          <a:ln>
+            <a:solidFill>
+              <a:srgbClr val="00B050"/>
+            </a:solidFill>
+            <a:tailEnd type="triangle"/>
+          </a:ln>
+        </p:spPr>
+        <p:style>
+          <a:lnRef idx="1">
+            <a:schemeClr val="accent1"/>
+          </a:lnRef>
+          <a:fillRef idx="0">
+            <a:schemeClr val="accent1"/>
+          </a:fillRef>
+          <a:effectRef idx="0">
+            <a:schemeClr val="accent1"/>
+          </a:effectRef>
+          <a:fontRef idx="minor">
+            <a:schemeClr val="tx1"/>
+          </a:fontRef>
+        </p:style>
+      </p:cxnSp>
     </p:spTree>
     <p:extLst>
       <p:ext uri="{BB962C8B-B14F-4D97-AF65-F5344CB8AC3E}">
-        <p14:creationId xmlns:p14="http://schemas.microsoft.com/office/powerpoint/2010/main" val="33737928"/>
+        <p14:creationId xmlns:p14="http://schemas.microsoft.com/office/powerpoint/2010/main" val="1806064300"/>
       </p:ext>
     </p:extLst>
   </p:cSld>

--- a/Android Basics in Kotlin.pptx
+++ b/Android Basics in Kotlin.pptx
@@ -5,7 +5,7 @@
     <p:sldMasterId id="2147483648" r:id="rId1"/>
   </p:sldMasterIdLst>
   <p:notesMasterIdLst>
-    <p:notesMasterId r:id="rId48"/>
+    <p:notesMasterId r:id="rId50"/>
   </p:notesMasterIdLst>
   <p:sldIdLst>
     <p:sldId id="256" r:id="rId2"/>
@@ -30,30 +30,32 @@
     <p:sldId id="271" r:id="rId21"/>
     <p:sldId id="265" r:id="rId22"/>
     <p:sldId id="289" r:id="rId23"/>
-    <p:sldId id="283" r:id="rId24"/>
-    <p:sldId id="282" r:id="rId25"/>
-    <p:sldId id="285" r:id="rId26"/>
-    <p:sldId id="286" r:id="rId27"/>
-    <p:sldId id="296" r:id="rId28"/>
-    <p:sldId id="297" r:id="rId29"/>
-    <p:sldId id="298" r:id="rId30"/>
-    <p:sldId id="277" r:id="rId31"/>
-    <p:sldId id="280" r:id="rId32"/>
-    <p:sldId id="299" r:id="rId33"/>
-    <p:sldId id="300" r:id="rId34"/>
-    <p:sldId id="301" r:id="rId35"/>
-    <p:sldId id="257" r:id="rId36"/>
-    <p:sldId id="258" r:id="rId37"/>
-    <p:sldId id="292" r:id="rId38"/>
-    <p:sldId id="260" r:id="rId39"/>
-    <p:sldId id="259" r:id="rId40"/>
-    <p:sldId id="279" r:id="rId41"/>
-    <p:sldId id="267" r:id="rId42"/>
-    <p:sldId id="268" r:id="rId43"/>
-    <p:sldId id="269" r:id="rId44"/>
-    <p:sldId id="270" r:id="rId45"/>
-    <p:sldId id="266" r:id="rId46"/>
-    <p:sldId id="261" r:id="rId47"/>
+    <p:sldId id="302" r:id="rId24"/>
+    <p:sldId id="303" r:id="rId25"/>
+    <p:sldId id="283" r:id="rId26"/>
+    <p:sldId id="282" r:id="rId27"/>
+    <p:sldId id="285" r:id="rId28"/>
+    <p:sldId id="286" r:id="rId29"/>
+    <p:sldId id="296" r:id="rId30"/>
+    <p:sldId id="297" r:id="rId31"/>
+    <p:sldId id="298" r:id="rId32"/>
+    <p:sldId id="277" r:id="rId33"/>
+    <p:sldId id="280" r:id="rId34"/>
+    <p:sldId id="299" r:id="rId35"/>
+    <p:sldId id="300" r:id="rId36"/>
+    <p:sldId id="301" r:id="rId37"/>
+    <p:sldId id="257" r:id="rId38"/>
+    <p:sldId id="258" r:id="rId39"/>
+    <p:sldId id="292" r:id="rId40"/>
+    <p:sldId id="260" r:id="rId41"/>
+    <p:sldId id="259" r:id="rId42"/>
+    <p:sldId id="279" r:id="rId43"/>
+    <p:sldId id="267" r:id="rId44"/>
+    <p:sldId id="268" r:id="rId45"/>
+    <p:sldId id="269" r:id="rId46"/>
+    <p:sldId id="270" r:id="rId47"/>
+    <p:sldId id="266" r:id="rId48"/>
+    <p:sldId id="261" r:id="rId49"/>
   </p:sldIdLst>
   <p:sldSz cx="12192000" cy="6858000"/>
   <p:notesSz cx="6858000" cy="9144000"/>
@@ -187,6 +189,8 @@
             <p14:sldId id="271"/>
             <p14:sldId id="265"/>
             <p14:sldId id="289"/>
+            <p14:sldId id="302"/>
+            <p14:sldId id="303"/>
             <p14:sldId id="283"/>
             <p14:sldId id="282"/>
             <p14:sldId id="285"/>
@@ -653,7 +657,7 @@
           <a:p>
             <a:fld id="{0D292F0F-6BB4-4714-BDBB-674EE16F5C0C}" type="slidenum">
               <a:rPr lang="en-SG" smtClean="0"/>
-              <a:t>36</a:t>
+              <a:t>38</a:t>
             </a:fld>
             <a:endParaRPr lang="en-SG"/>
           </a:p>
@@ -740,7 +744,7 @@
           <a:p>
             <a:fld id="{0D292F0F-6BB4-4714-BDBB-674EE16F5C0C}" type="slidenum">
               <a:rPr lang="en-SG" smtClean="0"/>
-              <a:t>44</a:t>
+              <a:t>46</a:t>
             </a:fld>
             <a:endParaRPr lang="en-SG"/>
           </a:p>
@@ -9131,7 +9135,7 @@
         </p:blipFill>
         <p:spPr>
           <a:xfrm>
-            <a:off x="838200" y="2546126"/>
+            <a:off x="838200" y="2894359"/>
             <a:ext cx="3642676" cy="2057578"/>
           </a:xfrm>
           <a:prstGeom prst="rect">
@@ -9153,7 +9157,7 @@
         </p:nvCxnSpPr>
         <p:spPr>
           <a:xfrm>
-            <a:off x="4480876" y="4046706"/>
+            <a:off x="4480876" y="3910517"/>
             <a:ext cx="574909" cy="0"/>
           </a:xfrm>
           <a:prstGeom prst="straightConnector1">
@@ -9192,7 +9196,7 @@
         </p:nvSpPr>
         <p:spPr>
           <a:xfrm>
-            <a:off x="5055785" y="3892817"/>
+            <a:off x="5055785" y="3754663"/>
             <a:ext cx="1710725" cy="307777"/>
           </a:xfrm>
           <a:prstGeom prst="rect">
@@ -9227,7 +9231,7 @@
         </p:nvSpPr>
         <p:spPr>
           <a:xfrm>
-            <a:off x="5580406" y="1974477"/>
+            <a:off x="5911147" y="1938781"/>
             <a:ext cx="6094378" cy="1600438"/>
           </a:xfrm>
           <a:prstGeom prst="rect">
@@ -9342,7 +9346,7 @@
         </p:nvCxnSpPr>
         <p:spPr>
           <a:xfrm>
-            <a:off x="3028212" y="4490936"/>
+            <a:off x="3028212" y="4354747"/>
             <a:ext cx="2027573" cy="0"/>
           </a:xfrm>
           <a:prstGeom prst="straightConnector1">
@@ -9381,7 +9385,7 @@
         </p:nvSpPr>
         <p:spPr>
           <a:xfrm>
-            <a:off x="5055785" y="4337047"/>
+            <a:off x="5055785" y="4198893"/>
             <a:ext cx="3473515" cy="307777"/>
           </a:xfrm>
           <a:prstGeom prst="rect">
@@ -9424,6 +9428,1081 @@
 </file>
 
 <file path=ppt/slides/slide23.xml><?xml version="1.0" encoding="utf-8"?>
+<p:sld xmlns:a="http://schemas.openxmlformats.org/drawingml/2006/main" xmlns:r="http://schemas.openxmlformats.org/officeDocument/2006/relationships" xmlns:p="http://schemas.openxmlformats.org/presentationml/2006/main">
+  <p:cSld>
+    <p:spTree>
+      <p:nvGrpSpPr>
+        <p:cNvPr id="1" name=""/>
+        <p:cNvGrpSpPr/>
+        <p:nvPr/>
+      </p:nvGrpSpPr>
+      <p:grpSpPr>
+        <a:xfrm>
+          <a:off x="0" y="0"/>
+          <a:ext cx="0" cy="0"/>
+          <a:chOff x="0" y="0"/>
+          <a:chExt cx="0" cy="0"/>
+        </a:xfrm>
+      </p:grpSpPr>
+      <p:sp>
+        <p:nvSpPr>
+          <p:cNvPr id="2" name="Title 1">
+            <a:extLst>
+              <a:ext uri="{FF2B5EF4-FFF2-40B4-BE49-F238E27FC236}">
+                <a16:creationId xmlns:a16="http://schemas.microsoft.com/office/drawing/2014/main" id="{CA7F3BCF-756D-4957-BAA4-DEC81E102FDD}"/>
+              </a:ext>
+            </a:extLst>
+          </p:cNvPr>
+          <p:cNvSpPr>
+            <a:spLocks noGrp="1"/>
+          </p:cNvSpPr>
+          <p:nvPr>
+            <p:ph type="title"/>
+          </p:nvPr>
+        </p:nvSpPr>
+        <p:spPr/>
+        <p:txBody>
+          <a:bodyPr/>
+          <a:lstStyle/>
+          <a:p>
+            <a:r>
+              <a:rPr lang="en-SG" dirty="0"/>
+              <a:t>Instrumentation Tests</a:t>
+            </a:r>
+          </a:p>
+        </p:txBody>
+      </p:sp>
+      <p:sp>
+        <p:nvSpPr>
+          <p:cNvPr id="9" name="TextBox 8">
+            <a:extLst>
+              <a:ext uri="{FF2B5EF4-FFF2-40B4-BE49-F238E27FC236}">
+                <a16:creationId xmlns:a16="http://schemas.microsoft.com/office/drawing/2014/main" id="{164B065C-B36D-47D0-869E-BDA1721DE734}"/>
+              </a:ext>
+            </a:extLst>
+          </p:cNvPr>
+          <p:cNvSpPr txBox="1"/>
+          <p:nvPr/>
+        </p:nvSpPr>
+        <p:spPr>
+          <a:xfrm>
+            <a:off x="838200" y="1690688"/>
+            <a:ext cx="10698804" cy="1015663"/>
+          </a:xfrm>
+          <a:prstGeom prst="rect">
+            <a:avLst/>
+          </a:prstGeom>
+          <a:noFill/>
+        </p:spPr>
+        <p:txBody>
+          <a:bodyPr wrap="square" rtlCol="0">
+            <a:spAutoFit/>
+          </a:bodyPr>
+          <a:lstStyle/>
+          <a:p>
+            <a:r>
+              <a:rPr lang="en-US" sz="2000" dirty="0"/>
+              <a:t>Instrumentation tests require an </a:t>
+            </a:r>
+            <a:r>
+              <a:rPr lang="en-US" sz="2000" dirty="0" err="1"/>
+              <a:t>InstrumentationTestRunner</a:t>
+            </a:r>
+            <a:r>
+              <a:rPr lang="en-US" sz="2000" dirty="0"/>
+              <a:t>, which allows the test to execute on a device or emulator. There are several other instrumentation runners, but for this test we'll use the AndroidJUnit4 test runner. To specify the test runner, we need to annotate the class with @RunWith.</a:t>
+            </a:r>
+            <a:endParaRPr lang="en-SG" sz="2000" dirty="0"/>
+          </a:p>
+        </p:txBody>
+      </p:sp>
+      <p:pic>
+        <p:nvPicPr>
+          <p:cNvPr id="4" name="Picture 3">
+            <a:extLst>
+              <a:ext uri="{FF2B5EF4-FFF2-40B4-BE49-F238E27FC236}">
+                <a16:creationId xmlns:a16="http://schemas.microsoft.com/office/drawing/2014/main" id="{5928F23A-B012-4489-9F2B-C8CDA36DDDD1}"/>
+              </a:ext>
+            </a:extLst>
+          </p:cNvPr>
+          <p:cNvPicPr>
+            <a:picLocks noChangeAspect="1"/>
+          </p:cNvPicPr>
+          <p:nvPr/>
+        </p:nvPicPr>
+        <p:blipFill>
+          <a:blip r:embed="rId2"/>
+          <a:stretch>
+            <a:fillRect/>
+          </a:stretch>
+        </p:blipFill>
+        <p:spPr>
+          <a:xfrm>
+            <a:off x="963625" y="2940695"/>
+            <a:ext cx="4130398" cy="1691787"/>
+          </a:xfrm>
+          <a:prstGeom prst="rect">
+            <a:avLst/>
+          </a:prstGeom>
+        </p:spPr>
+      </p:pic>
+      <p:sp>
+        <p:nvSpPr>
+          <p:cNvPr id="12" name="TextBox 11">
+            <a:extLst>
+              <a:ext uri="{FF2B5EF4-FFF2-40B4-BE49-F238E27FC236}">
+                <a16:creationId xmlns:a16="http://schemas.microsoft.com/office/drawing/2014/main" id="{E02574AC-92C5-47AE-B47F-7F9FEA48ACFC}"/>
+              </a:ext>
+            </a:extLst>
+          </p:cNvPr>
+          <p:cNvSpPr txBox="1"/>
+          <p:nvPr/>
+        </p:nvSpPr>
+        <p:spPr>
+          <a:xfrm>
+            <a:off x="838200" y="4866826"/>
+            <a:ext cx="10698804" cy="707886"/>
+          </a:xfrm>
+          <a:prstGeom prst="rect">
+            <a:avLst/>
+          </a:prstGeom>
+          <a:noFill/>
+        </p:spPr>
+        <p:txBody>
+          <a:bodyPr wrap="square" rtlCol="0">
+            <a:spAutoFit/>
+          </a:bodyPr>
+          <a:lstStyle/>
+          <a:p>
+            <a:r>
+              <a:rPr lang="en-US" sz="2000"/>
+              <a:t>Espresso is a library that comes ready to use with an Android project when created with Android Studio, and lets you interact with UI components through code.</a:t>
+            </a:r>
+            <a:endParaRPr lang="en-SG" sz="2000" dirty="0"/>
+          </a:p>
+        </p:txBody>
+      </p:sp>
+    </p:spTree>
+    <p:extLst>
+      <p:ext uri="{BB962C8B-B14F-4D97-AF65-F5344CB8AC3E}">
+        <p14:creationId xmlns:p14="http://schemas.microsoft.com/office/powerpoint/2010/main" val="4146103658"/>
+      </p:ext>
+    </p:extLst>
+  </p:cSld>
+  <p:clrMapOvr>
+    <a:masterClrMapping/>
+  </p:clrMapOvr>
+</p:sld>
+</file>
+
+<file path=ppt/slides/slide24.xml><?xml version="1.0" encoding="utf-8"?>
+<p:sld xmlns:a="http://schemas.openxmlformats.org/drawingml/2006/main" xmlns:r="http://schemas.openxmlformats.org/officeDocument/2006/relationships" xmlns:p="http://schemas.openxmlformats.org/presentationml/2006/main">
+  <p:cSld>
+    <p:spTree>
+      <p:nvGrpSpPr>
+        <p:cNvPr id="1" name=""/>
+        <p:cNvGrpSpPr/>
+        <p:nvPr/>
+      </p:nvGrpSpPr>
+      <p:grpSpPr>
+        <a:xfrm>
+          <a:off x="0" y="0"/>
+          <a:ext cx="0" cy="0"/>
+          <a:chOff x="0" y="0"/>
+          <a:chExt cx="0" cy="0"/>
+        </a:xfrm>
+      </p:grpSpPr>
+      <p:sp>
+        <p:nvSpPr>
+          <p:cNvPr id="2" name="Title 1">
+            <a:extLst>
+              <a:ext uri="{FF2B5EF4-FFF2-40B4-BE49-F238E27FC236}">
+                <a16:creationId xmlns:a16="http://schemas.microsoft.com/office/drawing/2014/main" id="{CA7F3BCF-756D-4957-BAA4-DEC81E102FDD}"/>
+              </a:ext>
+            </a:extLst>
+          </p:cNvPr>
+          <p:cNvSpPr>
+            <a:spLocks noGrp="1"/>
+          </p:cNvSpPr>
+          <p:nvPr>
+            <p:ph type="title"/>
+          </p:nvPr>
+        </p:nvSpPr>
+        <p:spPr/>
+        <p:txBody>
+          <a:bodyPr/>
+          <a:lstStyle/>
+          <a:p>
+            <a:r>
+              <a:rPr lang="en-SG" dirty="0"/>
+              <a:t>Instrumentation Tests (with Espresso)</a:t>
+            </a:r>
+          </a:p>
+        </p:txBody>
+      </p:sp>
+      <p:sp>
+        <p:nvSpPr>
+          <p:cNvPr id="8" name="TextBox 7">
+            <a:extLst>
+              <a:ext uri="{FF2B5EF4-FFF2-40B4-BE49-F238E27FC236}">
+                <a16:creationId xmlns:a16="http://schemas.microsoft.com/office/drawing/2014/main" id="{9D537906-6EFD-4611-838C-EF316179784E}"/>
+              </a:ext>
+            </a:extLst>
+          </p:cNvPr>
+          <p:cNvSpPr txBox="1"/>
+          <p:nvPr/>
+        </p:nvSpPr>
+        <p:spPr>
+          <a:xfrm>
+            <a:off x="935476" y="3091471"/>
+            <a:ext cx="10183238" cy="3647152"/>
+          </a:xfrm>
+          <a:prstGeom prst="rect">
+            <a:avLst/>
+          </a:prstGeom>
+          <a:noFill/>
+        </p:spPr>
+        <p:txBody>
+          <a:bodyPr wrap="square">
+            <a:spAutoFit/>
+          </a:bodyPr>
+          <a:lstStyle/>
+          <a:p>
+            <a:r>
+              <a:rPr lang="en-SG" sz="1400" dirty="0">
+                <a:solidFill>
+                  <a:srgbClr val="FF0000"/>
+                </a:solidFill>
+                <a:latin typeface="Lucida Console" panose="020B0609040504020204" pitchFamily="49" charset="0"/>
+              </a:rPr>
+              <a:t>@Test</a:t>
+            </a:r>
+          </a:p>
+          <a:p>
+            <a:r>
+              <a:rPr lang="en-SG" sz="1400" dirty="0">
+                <a:latin typeface="Lucida Console" panose="020B0609040504020204" pitchFamily="49" charset="0"/>
+              </a:rPr>
+              <a:t>fun calculate_20_percent_tip() {</a:t>
+            </a:r>
+          </a:p>
+          <a:p>
+            <a:r>
+              <a:rPr lang="en-SG" sz="1050" dirty="0">
+                <a:latin typeface="Lucida Console" panose="020B0609040504020204" pitchFamily="49" charset="0"/>
+              </a:rPr>
+              <a:t>        /* 1. Test </a:t>
+            </a:r>
+            <a:r>
+              <a:rPr lang="en-SG" sz="1050" dirty="0" err="1">
+                <a:latin typeface="Lucida Console" panose="020B0609040504020204" pitchFamily="49" charset="0"/>
+              </a:rPr>
+              <a:t>EditText</a:t>
+            </a:r>
+            <a:r>
+              <a:rPr lang="en-SG" sz="1050" dirty="0">
+                <a:latin typeface="Lucida Console" panose="020B0609040504020204" pitchFamily="49" charset="0"/>
+              </a:rPr>
+              <a:t> element with input */    	</a:t>
+            </a:r>
+            <a:r>
+              <a:rPr lang="en-SG" sz="1050" dirty="0" err="1">
+                <a:latin typeface="Lucida Console" panose="020B0609040504020204" pitchFamily="49" charset="0"/>
+              </a:rPr>
+              <a:t>onView</a:t>
+            </a:r>
+            <a:r>
+              <a:rPr lang="en-SG" sz="1050" dirty="0">
+                <a:latin typeface="Lucida Console" panose="020B0609040504020204" pitchFamily="49" charset="0"/>
+              </a:rPr>
+              <a:t>(</a:t>
+            </a:r>
+            <a:r>
+              <a:rPr lang="en-SG" sz="1050" dirty="0" err="1">
+                <a:latin typeface="Lucida Console" panose="020B0609040504020204" pitchFamily="49" charset="0"/>
+              </a:rPr>
+              <a:t>withId</a:t>
+            </a:r>
+            <a:r>
+              <a:rPr lang="en-SG" sz="1050" dirty="0">
+                <a:latin typeface="Lucida Console" panose="020B0609040504020204" pitchFamily="49" charset="0"/>
+              </a:rPr>
+              <a:t>(</a:t>
+            </a:r>
+            <a:r>
+              <a:rPr lang="en-SG" sz="1050" dirty="0" err="1">
+                <a:latin typeface="Lucida Console" panose="020B0609040504020204" pitchFamily="49" charset="0"/>
+              </a:rPr>
+              <a:t>R.id.new_cost_of_service</a:t>
+            </a:r>
+            <a:r>
+              <a:rPr lang="en-SG" sz="1050" dirty="0">
+                <a:latin typeface="Lucida Console" panose="020B0609040504020204" pitchFamily="49" charset="0"/>
+              </a:rPr>
+              <a:t>)).perform(</a:t>
+            </a:r>
+            <a:r>
+              <a:rPr lang="en-SG" sz="1050" dirty="0" err="1">
+                <a:latin typeface="Lucida Console" panose="020B0609040504020204" pitchFamily="49" charset="0"/>
+              </a:rPr>
+              <a:t>typeText</a:t>
+            </a:r>
+            <a:r>
+              <a:rPr lang="en-SG" sz="1050" dirty="0">
+                <a:latin typeface="Lucida Console" panose="020B0609040504020204" pitchFamily="49" charset="0"/>
+              </a:rPr>
+              <a:t>("50.00")).perform(</a:t>
+            </a:r>
+            <a:r>
+              <a:rPr lang="en-SG" sz="1050" dirty="0" err="1">
+                <a:latin typeface="Lucida Console" panose="020B0609040504020204" pitchFamily="49" charset="0"/>
+              </a:rPr>
+              <a:t>ViewActions.closeSoftKeyboard</a:t>
+            </a:r>
+            <a:r>
+              <a:rPr lang="en-SG" sz="1050" dirty="0">
+                <a:latin typeface="Lucida Console" panose="020B0609040504020204" pitchFamily="49" charset="0"/>
+              </a:rPr>
+              <a:t>())</a:t>
+            </a:r>
+          </a:p>
+          <a:p>
+            <a:r>
+              <a:rPr lang="en-SG" sz="1050" dirty="0">
+                <a:latin typeface="Lucida Console" panose="020B0609040504020204" pitchFamily="49" charset="0"/>
+              </a:rPr>
+              <a:t>        /* 2. Test click Button element to calculate */</a:t>
+            </a:r>
+          </a:p>
+          <a:p>
+            <a:r>
+              <a:rPr lang="en-SG" sz="1050" dirty="0">
+                <a:latin typeface="Lucida Console" panose="020B0609040504020204" pitchFamily="49" charset="0"/>
+              </a:rPr>
+              <a:t>        	</a:t>
+            </a:r>
+            <a:r>
+              <a:rPr lang="en-SG" sz="1050" dirty="0" err="1">
+                <a:latin typeface="Lucida Console" panose="020B0609040504020204" pitchFamily="49" charset="0"/>
+              </a:rPr>
+              <a:t>onView</a:t>
+            </a:r>
+            <a:r>
+              <a:rPr lang="en-SG" sz="1050" dirty="0">
+                <a:latin typeface="Lucida Console" panose="020B0609040504020204" pitchFamily="49" charset="0"/>
+              </a:rPr>
+              <a:t>(</a:t>
+            </a:r>
+            <a:r>
+              <a:rPr lang="en-SG" sz="1050" dirty="0" err="1">
+                <a:latin typeface="Lucida Console" panose="020B0609040504020204" pitchFamily="49" charset="0"/>
+              </a:rPr>
+              <a:t>withId</a:t>
+            </a:r>
+            <a:r>
+              <a:rPr lang="en-SG" sz="1050" dirty="0">
+                <a:latin typeface="Lucida Console" panose="020B0609040504020204" pitchFamily="49" charset="0"/>
+              </a:rPr>
+              <a:t>(</a:t>
+            </a:r>
+            <a:r>
+              <a:rPr lang="en-SG" sz="1050" dirty="0" err="1">
+                <a:latin typeface="Lucida Console" panose="020B0609040504020204" pitchFamily="49" charset="0"/>
+              </a:rPr>
+              <a:t>R.id.calculate_button</a:t>
+            </a:r>
+            <a:r>
+              <a:rPr lang="en-SG" sz="1050" dirty="0">
+                <a:latin typeface="Lucida Console" panose="020B0609040504020204" pitchFamily="49" charset="0"/>
+              </a:rPr>
+              <a:t>)).perform(click())</a:t>
+            </a:r>
+          </a:p>
+          <a:p>
+            <a:r>
+              <a:rPr lang="en-SG" sz="1050" dirty="0">
+                <a:latin typeface="Lucida Console" panose="020B0609040504020204" pitchFamily="49" charset="0"/>
+              </a:rPr>
+              <a:t>        /* 3. Test check if tip amount matches $10 - because 20% of $50 is $10 */</a:t>
+            </a:r>
+          </a:p>
+          <a:p>
+            <a:r>
+              <a:rPr lang="en-SG" sz="1050" dirty="0">
+                <a:latin typeface="Lucida Console" panose="020B0609040504020204" pitchFamily="49" charset="0"/>
+              </a:rPr>
+              <a:t>        	</a:t>
+            </a:r>
+            <a:r>
+              <a:rPr lang="en-SG" sz="1050" dirty="0" err="1">
+                <a:latin typeface="Lucida Console" panose="020B0609040504020204" pitchFamily="49" charset="0"/>
+              </a:rPr>
+              <a:t>onView</a:t>
+            </a:r>
+            <a:r>
+              <a:rPr lang="en-SG" sz="1050" dirty="0">
+                <a:latin typeface="Lucida Console" panose="020B0609040504020204" pitchFamily="49" charset="0"/>
+              </a:rPr>
+              <a:t>(</a:t>
+            </a:r>
+            <a:r>
+              <a:rPr lang="en-SG" sz="1050" dirty="0" err="1">
+                <a:latin typeface="Lucida Console" panose="020B0609040504020204" pitchFamily="49" charset="0"/>
+              </a:rPr>
+              <a:t>withId</a:t>
+            </a:r>
+            <a:r>
+              <a:rPr lang="en-SG" sz="1050" dirty="0">
+                <a:latin typeface="Lucida Console" panose="020B0609040504020204" pitchFamily="49" charset="0"/>
+              </a:rPr>
+              <a:t>(</a:t>
+            </a:r>
+            <a:r>
+              <a:rPr lang="en-SG" sz="1050" dirty="0" err="1">
+                <a:latin typeface="Lucida Console" panose="020B0609040504020204" pitchFamily="49" charset="0"/>
+              </a:rPr>
+              <a:t>R.id.tip_result</a:t>
+            </a:r>
+            <a:r>
+              <a:rPr lang="en-SG" sz="1050" dirty="0">
+                <a:latin typeface="Lucida Console" panose="020B0609040504020204" pitchFamily="49" charset="0"/>
+              </a:rPr>
+              <a:t>)).check(matches(</a:t>
+            </a:r>
+            <a:r>
+              <a:rPr lang="en-SG" sz="1050" dirty="0" err="1">
+                <a:latin typeface="Lucida Console" panose="020B0609040504020204" pitchFamily="49" charset="0"/>
+              </a:rPr>
+              <a:t>withText</a:t>
+            </a:r>
+            <a:r>
+              <a:rPr lang="en-SG" sz="1050" dirty="0">
+                <a:latin typeface="Lucida Console" panose="020B0609040504020204" pitchFamily="49" charset="0"/>
+              </a:rPr>
+              <a:t>(</a:t>
+            </a:r>
+            <a:r>
+              <a:rPr lang="en-SG" sz="1050" dirty="0" err="1">
+                <a:latin typeface="Lucida Console" panose="020B0609040504020204" pitchFamily="49" charset="0"/>
+              </a:rPr>
+              <a:t>containsString</a:t>
+            </a:r>
+            <a:r>
+              <a:rPr lang="en-SG" sz="1050" dirty="0">
+                <a:latin typeface="Lucida Console" panose="020B0609040504020204" pitchFamily="49" charset="0"/>
+              </a:rPr>
+              <a:t>("$10.00"))))</a:t>
+            </a:r>
+          </a:p>
+          <a:p>
+            <a:r>
+              <a:rPr lang="en-SG" sz="1400" dirty="0">
+                <a:latin typeface="Lucida Console" panose="020B0609040504020204" pitchFamily="49" charset="0"/>
+              </a:rPr>
+              <a:t>}</a:t>
+            </a:r>
+          </a:p>
+          <a:p>
+            <a:endParaRPr lang="en-SG" sz="1400" dirty="0">
+              <a:latin typeface="Lucida Console" panose="020B0609040504020204" pitchFamily="49" charset="0"/>
+            </a:endParaRPr>
+          </a:p>
+          <a:p>
+            <a:r>
+              <a:rPr lang="en-SG" sz="1400" dirty="0">
+                <a:solidFill>
+                  <a:srgbClr val="FF0000"/>
+                </a:solidFill>
+                <a:latin typeface="Lucida Console" panose="020B0609040504020204" pitchFamily="49" charset="0"/>
+              </a:rPr>
+              <a:t>@Test</a:t>
+            </a:r>
+          </a:p>
+          <a:p>
+            <a:r>
+              <a:rPr lang="en-SG" sz="1400" dirty="0">
+                <a:latin typeface="Lucida Console" panose="020B0609040504020204" pitchFamily="49" charset="0"/>
+              </a:rPr>
+              <a:t>fun calculate_15_percent_tip_roundup() {</a:t>
+            </a:r>
+          </a:p>
+          <a:p>
+            <a:r>
+              <a:rPr lang="en-SG" sz="1400" dirty="0">
+                <a:latin typeface="Lucida Console" panose="020B0609040504020204" pitchFamily="49" charset="0"/>
+              </a:rPr>
+              <a:t>       </a:t>
+            </a:r>
+            <a:r>
+              <a:rPr lang="en-SG" sz="1200" dirty="0" err="1">
+                <a:highlight>
+                  <a:srgbClr val="FFF169"/>
+                </a:highlight>
+                <a:latin typeface="Lucida Console" panose="020B0609040504020204" pitchFamily="49" charset="0"/>
+              </a:rPr>
+              <a:t>onView</a:t>
+            </a:r>
+            <a:r>
+              <a:rPr lang="en-SG" sz="1200" dirty="0">
+                <a:latin typeface="Lucida Console" panose="020B0609040504020204" pitchFamily="49" charset="0"/>
+              </a:rPr>
+              <a:t>(</a:t>
+            </a:r>
+            <a:r>
+              <a:rPr lang="en-SG" sz="1200" dirty="0" err="1">
+                <a:highlight>
+                  <a:srgbClr val="FFF169"/>
+                </a:highlight>
+                <a:latin typeface="Lucida Console" panose="020B0609040504020204" pitchFamily="49" charset="0"/>
+              </a:rPr>
+              <a:t>withId</a:t>
+            </a:r>
+            <a:r>
+              <a:rPr lang="en-SG" sz="1200" dirty="0">
+                <a:latin typeface="Lucida Console" panose="020B0609040504020204" pitchFamily="49" charset="0"/>
+              </a:rPr>
+              <a:t>(</a:t>
+            </a:r>
+            <a:r>
+              <a:rPr lang="en-SG" sz="1200" dirty="0" err="1">
+                <a:latin typeface="Lucida Console" panose="020B0609040504020204" pitchFamily="49" charset="0"/>
+              </a:rPr>
+              <a:t>R.id.new_cost_of_service</a:t>
+            </a:r>
+            <a:r>
+              <a:rPr lang="en-SG" sz="1200" dirty="0">
+                <a:latin typeface="Lucida Console" panose="020B0609040504020204" pitchFamily="49" charset="0"/>
+              </a:rPr>
+              <a:t>)).perform(</a:t>
+            </a:r>
+            <a:r>
+              <a:rPr lang="en-SG" sz="1200" dirty="0" err="1">
+                <a:highlight>
+                  <a:srgbClr val="00FFFF"/>
+                </a:highlight>
+                <a:latin typeface="Lucida Console" panose="020B0609040504020204" pitchFamily="49" charset="0"/>
+              </a:rPr>
+              <a:t>typeText</a:t>
+            </a:r>
+            <a:r>
+              <a:rPr lang="en-SG" sz="1200" dirty="0">
+                <a:latin typeface="Lucida Console" panose="020B0609040504020204" pitchFamily="49" charset="0"/>
+              </a:rPr>
+              <a:t>("15"))</a:t>
+            </a:r>
+          </a:p>
+          <a:p>
+            <a:r>
+              <a:rPr lang="en-SG" sz="1200" dirty="0">
+                <a:latin typeface="Lucida Console" panose="020B0609040504020204" pitchFamily="49" charset="0"/>
+              </a:rPr>
+              <a:t>        </a:t>
+            </a:r>
+            <a:r>
+              <a:rPr lang="en-SG" sz="1200" dirty="0" err="1">
+                <a:latin typeface="Lucida Console" panose="020B0609040504020204" pitchFamily="49" charset="0"/>
+              </a:rPr>
+              <a:t>onView</a:t>
+            </a:r>
+            <a:r>
+              <a:rPr lang="en-SG" sz="1200" dirty="0">
+                <a:latin typeface="Lucida Console" panose="020B0609040504020204" pitchFamily="49" charset="0"/>
+              </a:rPr>
+              <a:t>(</a:t>
+            </a:r>
+            <a:r>
+              <a:rPr lang="en-SG" sz="1200" dirty="0" err="1">
+                <a:latin typeface="Lucida Console" panose="020B0609040504020204" pitchFamily="49" charset="0"/>
+              </a:rPr>
+              <a:t>withId</a:t>
+            </a:r>
+            <a:r>
+              <a:rPr lang="en-SG" sz="1200" dirty="0">
+                <a:latin typeface="Lucida Console" panose="020B0609040504020204" pitchFamily="49" charset="0"/>
+              </a:rPr>
+              <a:t>(</a:t>
+            </a:r>
+            <a:r>
+              <a:rPr lang="en-SG" sz="1200" dirty="0" err="1">
+                <a:latin typeface="Lucida Console" panose="020B0609040504020204" pitchFamily="49" charset="0"/>
+              </a:rPr>
+              <a:t>R.id.option_fifteen_percent</a:t>
+            </a:r>
+            <a:r>
+              <a:rPr lang="en-SG" sz="1200" dirty="0">
+                <a:latin typeface="Lucida Console" panose="020B0609040504020204" pitchFamily="49" charset="0"/>
+              </a:rPr>
+              <a:t>)).perform(</a:t>
+            </a:r>
+            <a:r>
+              <a:rPr lang="en-SG" sz="1200" dirty="0">
+                <a:highlight>
+                  <a:srgbClr val="00FF00"/>
+                </a:highlight>
+                <a:latin typeface="Lucida Console" panose="020B0609040504020204" pitchFamily="49" charset="0"/>
+              </a:rPr>
+              <a:t>click</a:t>
+            </a:r>
+            <a:r>
+              <a:rPr lang="en-SG" sz="1200" dirty="0">
+                <a:latin typeface="Lucida Console" panose="020B0609040504020204" pitchFamily="49" charset="0"/>
+              </a:rPr>
+              <a:t>())</a:t>
+            </a:r>
+          </a:p>
+          <a:p>
+            <a:r>
+              <a:rPr lang="en-SG" sz="1200" dirty="0">
+                <a:latin typeface="Lucida Console" panose="020B0609040504020204" pitchFamily="49" charset="0"/>
+              </a:rPr>
+              <a:t>        </a:t>
+            </a:r>
+            <a:r>
+              <a:rPr lang="en-SG" sz="1200" dirty="0" err="1">
+                <a:latin typeface="Lucida Console" panose="020B0609040504020204" pitchFamily="49" charset="0"/>
+              </a:rPr>
+              <a:t>onView</a:t>
+            </a:r>
+            <a:r>
+              <a:rPr lang="en-SG" sz="1200" dirty="0">
+                <a:latin typeface="Lucida Console" panose="020B0609040504020204" pitchFamily="49" charset="0"/>
+              </a:rPr>
+              <a:t>(</a:t>
+            </a:r>
+            <a:r>
+              <a:rPr lang="en-SG" sz="1200" dirty="0" err="1">
+                <a:latin typeface="Lucida Console" panose="020B0609040504020204" pitchFamily="49" charset="0"/>
+              </a:rPr>
+              <a:t>withId</a:t>
+            </a:r>
+            <a:r>
+              <a:rPr lang="en-SG" sz="1200" dirty="0">
+                <a:latin typeface="Lucida Console" panose="020B0609040504020204" pitchFamily="49" charset="0"/>
+              </a:rPr>
+              <a:t>(</a:t>
+            </a:r>
+            <a:r>
+              <a:rPr lang="en-SG" sz="1200" dirty="0" err="1">
+                <a:latin typeface="Lucida Console" panose="020B0609040504020204" pitchFamily="49" charset="0"/>
+              </a:rPr>
+              <a:t>R.id.round_up_switch</a:t>
+            </a:r>
+            <a:r>
+              <a:rPr lang="en-SG" sz="1200" dirty="0">
+                <a:latin typeface="Lucida Console" panose="020B0609040504020204" pitchFamily="49" charset="0"/>
+              </a:rPr>
+              <a:t>)).perform(click())</a:t>
+            </a:r>
+          </a:p>
+          <a:p>
+            <a:r>
+              <a:rPr lang="en-SG" sz="1200" dirty="0">
+                <a:latin typeface="Lucida Console" panose="020B0609040504020204" pitchFamily="49" charset="0"/>
+              </a:rPr>
+              <a:t>        </a:t>
+            </a:r>
+            <a:r>
+              <a:rPr lang="en-SG" sz="1200" dirty="0" err="1">
+                <a:latin typeface="Lucida Console" panose="020B0609040504020204" pitchFamily="49" charset="0"/>
+              </a:rPr>
+              <a:t>onView</a:t>
+            </a:r>
+            <a:r>
+              <a:rPr lang="en-SG" sz="1200" dirty="0">
+                <a:latin typeface="Lucida Console" panose="020B0609040504020204" pitchFamily="49" charset="0"/>
+              </a:rPr>
+              <a:t>(</a:t>
+            </a:r>
+            <a:r>
+              <a:rPr lang="en-SG" sz="1200" dirty="0" err="1">
+                <a:latin typeface="Lucida Console" panose="020B0609040504020204" pitchFamily="49" charset="0"/>
+              </a:rPr>
+              <a:t>withId</a:t>
+            </a:r>
+            <a:r>
+              <a:rPr lang="en-SG" sz="1200" dirty="0">
+                <a:latin typeface="Lucida Console" panose="020B0609040504020204" pitchFamily="49" charset="0"/>
+              </a:rPr>
+              <a:t>(</a:t>
+            </a:r>
+            <a:r>
+              <a:rPr lang="en-SG" sz="1200" dirty="0" err="1">
+                <a:latin typeface="Lucida Console" panose="020B0609040504020204" pitchFamily="49" charset="0"/>
+              </a:rPr>
+              <a:t>R.id.calculate_button</a:t>
+            </a:r>
+            <a:r>
+              <a:rPr lang="en-SG" sz="1200" dirty="0">
+                <a:latin typeface="Lucida Console" panose="020B0609040504020204" pitchFamily="49" charset="0"/>
+              </a:rPr>
+              <a:t>)).perform(click())</a:t>
+            </a:r>
+          </a:p>
+          <a:p>
+            <a:r>
+              <a:rPr lang="en-SG" sz="1200" dirty="0">
+                <a:latin typeface="Lucida Console" panose="020B0609040504020204" pitchFamily="49" charset="0"/>
+              </a:rPr>
+              <a:t>        </a:t>
+            </a:r>
+            <a:r>
+              <a:rPr lang="en-SG" sz="1200" dirty="0" err="1">
+                <a:latin typeface="Lucida Console" panose="020B0609040504020204" pitchFamily="49" charset="0"/>
+              </a:rPr>
+              <a:t>onView</a:t>
+            </a:r>
+            <a:r>
+              <a:rPr lang="en-SG" sz="1200" dirty="0">
+                <a:latin typeface="Lucida Console" panose="020B0609040504020204" pitchFamily="49" charset="0"/>
+              </a:rPr>
+              <a:t>(</a:t>
+            </a:r>
+            <a:r>
+              <a:rPr lang="en-SG" sz="1200" dirty="0" err="1">
+                <a:latin typeface="Lucida Console" panose="020B0609040504020204" pitchFamily="49" charset="0"/>
+              </a:rPr>
+              <a:t>withId</a:t>
+            </a:r>
+            <a:r>
+              <a:rPr lang="en-SG" sz="1200" dirty="0">
+                <a:latin typeface="Lucida Console" panose="020B0609040504020204" pitchFamily="49" charset="0"/>
+              </a:rPr>
+              <a:t>(</a:t>
+            </a:r>
+            <a:r>
+              <a:rPr lang="en-SG" sz="1200" dirty="0" err="1">
+                <a:latin typeface="Lucida Console" panose="020B0609040504020204" pitchFamily="49" charset="0"/>
+              </a:rPr>
+              <a:t>R.id.tip_result</a:t>
+            </a:r>
+            <a:r>
+              <a:rPr lang="en-SG" sz="1200" dirty="0">
+                <a:latin typeface="Lucida Console" panose="020B0609040504020204" pitchFamily="49" charset="0"/>
+              </a:rPr>
+              <a:t>)).check(</a:t>
+            </a:r>
+            <a:r>
+              <a:rPr lang="en-SG" sz="1200" dirty="0">
+                <a:highlight>
+                  <a:srgbClr val="C0C0C0"/>
+                </a:highlight>
+                <a:latin typeface="Lucida Console" panose="020B0609040504020204" pitchFamily="49" charset="0"/>
+              </a:rPr>
+              <a:t>matches</a:t>
+            </a:r>
+            <a:r>
+              <a:rPr lang="en-SG" sz="1200" dirty="0">
+                <a:latin typeface="Lucida Console" panose="020B0609040504020204" pitchFamily="49" charset="0"/>
+              </a:rPr>
+              <a:t>(</a:t>
+            </a:r>
+            <a:r>
+              <a:rPr lang="en-SG" sz="1200" dirty="0" err="1">
+                <a:highlight>
+                  <a:srgbClr val="FFF169"/>
+                </a:highlight>
+                <a:latin typeface="Lucida Console" panose="020B0609040504020204" pitchFamily="49" charset="0"/>
+              </a:rPr>
+              <a:t>withText</a:t>
+            </a:r>
+            <a:r>
+              <a:rPr lang="en-SG" sz="1200" dirty="0">
+                <a:latin typeface="Lucida Console" panose="020B0609040504020204" pitchFamily="49" charset="0"/>
+              </a:rPr>
+              <a:t>(</a:t>
+            </a:r>
+            <a:r>
+              <a:rPr lang="en-SG" sz="1200" dirty="0" err="1">
+                <a:highlight>
+                  <a:srgbClr val="C0C0C0"/>
+                </a:highlight>
+                <a:latin typeface="Lucida Console" panose="020B0609040504020204" pitchFamily="49" charset="0"/>
+              </a:rPr>
+              <a:t>containsString</a:t>
+            </a:r>
+            <a:r>
+              <a:rPr lang="en-SG" sz="1200" dirty="0">
+                <a:latin typeface="Lucida Console" panose="020B0609040504020204" pitchFamily="49" charset="0"/>
+              </a:rPr>
+              <a:t>("$2"))))</a:t>
+            </a:r>
+            <a:endParaRPr lang="en-SG" sz="1400" dirty="0">
+              <a:latin typeface="Lucida Console" panose="020B0609040504020204" pitchFamily="49" charset="0"/>
+            </a:endParaRPr>
+          </a:p>
+          <a:p>
+            <a:r>
+              <a:rPr lang="en-SG" sz="1400" dirty="0">
+                <a:latin typeface="Lucida Console" panose="020B0609040504020204" pitchFamily="49" charset="0"/>
+              </a:rPr>
+              <a:t>}</a:t>
+            </a:r>
+          </a:p>
+        </p:txBody>
+      </p:sp>
+      <p:sp>
+        <p:nvSpPr>
+          <p:cNvPr id="13" name="TextBox 12">
+            <a:extLst>
+              <a:ext uri="{FF2B5EF4-FFF2-40B4-BE49-F238E27FC236}">
+                <a16:creationId xmlns:a16="http://schemas.microsoft.com/office/drawing/2014/main" id="{91DB8B0B-8058-43F6-9811-B7DBBCD3A0E2}"/>
+              </a:ext>
+            </a:extLst>
+          </p:cNvPr>
+          <p:cNvSpPr txBox="1"/>
+          <p:nvPr/>
+        </p:nvSpPr>
+        <p:spPr>
+          <a:xfrm>
+            <a:off x="935476" y="1567260"/>
+            <a:ext cx="8071525" cy="1323439"/>
+          </a:xfrm>
+          <a:prstGeom prst="rect">
+            <a:avLst/>
+          </a:prstGeom>
+          <a:noFill/>
+        </p:spPr>
+        <p:txBody>
+          <a:bodyPr wrap="square">
+            <a:spAutoFit/>
+          </a:bodyPr>
+          <a:lstStyle/>
+          <a:p>
+            <a:r>
+              <a:rPr lang="en-SG" sz="1000" dirty="0">
+                <a:latin typeface="Lucida Console" panose="020B0609040504020204" pitchFamily="49" charset="0"/>
+              </a:rPr>
+              <a:t>import </a:t>
+            </a:r>
+            <a:r>
+              <a:rPr lang="en-SG" sz="1000" dirty="0" err="1">
+                <a:latin typeface="Lucida Console" panose="020B0609040504020204" pitchFamily="49" charset="0"/>
+              </a:rPr>
+              <a:t>androidx.test.espresso.Espresso.</a:t>
+            </a:r>
+            <a:r>
+              <a:rPr lang="en-SG" sz="1000" dirty="0" err="1">
+                <a:highlight>
+                  <a:srgbClr val="FFFF00"/>
+                </a:highlight>
+                <a:latin typeface="Lucida Console" panose="020B0609040504020204" pitchFamily="49" charset="0"/>
+              </a:rPr>
+              <a:t>onView</a:t>
+            </a:r>
+            <a:endParaRPr lang="en-SG" sz="1000" dirty="0">
+              <a:highlight>
+                <a:srgbClr val="FFFF00"/>
+              </a:highlight>
+              <a:latin typeface="Lucida Console" panose="020B0609040504020204" pitchFamily="49" charset="0"/>
+            </a:endParaRPr>
+          </a:p>
+          <a:p>
+            <a:r>
+              <a:rPr lang="en-SG" sz="1000" dirty="0">
+                <a:latin typeface="Lucida Console" panose="020B0609040504020204" pitchFamily="49" charset="0"/>
+              </a:rPr>
+              <a:t>import </a:t>
+            </a:r>
+            <a:r>
+              <a:rPr lang="en-SG" sz="1000" dirty="0" err="1">
+                <a:latin typeface="Lucida Console" panose="020B0609040504020204" pitchFamily="49" charset="0"/>
+              </a:rPr>
+              <a:t>androidx.test.espresso.action.ViewActions</a:t>
+            </a:r>
+            <a:endParaRPr lang="en-SG" sz="1000" dirty="0">
+              <a:latin typeface="Lucida Console" panose="020B0609040504020204" pitchFamily="49" charset="0"/>
+            </a:endParaRPr>
+          </a:p>
+          <a:p>
+            <a:r>
+              <a:rPr lang="en-SG" sz="1000" dirty="0">
+                <a:latin typeface="Lucida Console" panose="020B0609040504020204" pitchFamily="49" charset="0"/>
+              </a:rPr>
+              <a:t>import </a:t>
+            </a:r>
+            <a:r>
+              <a:rPr lang="en-SG" sz="1000" dirty="0" err="1">
+                <a:latin typeface="Lucida Console" panose="020B0609040504020204" pitchFamily="49" charset="0"/>
+              </a:rPr>
+              <a:t>androidx.test.espresso.action.ViewActions.</a:t>
+            </a:r>
+            <a:r>
+              <a:rPr lang="en-SG" sz="1000" dirty="0" err="1">
+                <a:highlight>
+                  <a:srgbClr val="00FF00"/>
+                </a:highlight>
+                <a:latin typeface="Lucida Console" panose="020B0609040504020204" pitchFamily="49" charset="0"/>
+              </a:rPr>
+              <a:t>click</a:t>
+            </a:r>
+            <a:endParaRPr lang="en-SG" sz="1000" dirty="0">
+              <a:highlight>
+                <a:srgbClr val="00FF00"/>
+              </a:highlight>
+              <a:latin typeface="Lucida Console" panose="020B0609040504020204" pitchFamily="49" charset="0"/>
+            </a:endParaRPr>
+          </a:p>
+          <a:p>
+            <a:r>
+              <a:rPr lang="en-SG" sz="1000" dirty="0">
+                <a:latin typeface="Lucida Console" panose="020B0609040504020204" pitchFamily="49" charset="0"/>
+              </a:rPr>
+              <a:t>import </a:t>
+            </a:r>
+            <a:r>
+              <a:rPr lang="en-SG" sz="1000" dirty="0" err="1">
+                <a:latin typeface="Lucida Console" panose="020B0609040504020204" pitchFamily="49" charset="0"/>
+              </a:rPr>
+              <a:t>androidx.test.espresso.action.ViewActions.</a:t>
+            </a:r>
+            <a:r>
+              <a:rPr lang="en-SG" sz="1000" dirty="0" err="1">
+                <a:highlight>
+                  <a:srgbClr val="00FFFF"/>
+                </a:highlight>
+                <a:latin typeface="Lucida Console" panose="020B0609040504020204" pitchFamily="49" charset="0"/>
+              </a:rPr>
+              <a:t>typeText</a:t>
+            </a:r>
+            <a:endParaRPr lang="en-SG" sz="1000" dirty="0">
+              <a:highlight>
+                <a:srgbClr val="00FFFF"/>
+              </a:highlight>
+              <a:latin typeface="Lucida Console" panose="020B0609040504020204" pitchFamily="49" charset="0"/>
+            </a:endParaRPr>
+          </a:p>
+          <a:p>
+            <a:r>
+              <a:rPr lang="en-SG" sz="1000" dirty="0">
+                <a:latin typeface="Lucida Console" panose="020B0609040504020204" pitchFamily="49" charset="0"/>
+              </a:rPr>
+              <a:t>import </a:t>
+            </a:r>
+            <a:r>
+              <a:rPr lang="en-SG" sz="1000" dirty="0" err="1">
+                <a:latin typeface="Lucida Console" panose="020B0609040504020204" pitchFamily="49" charset="0"/>
+              </a:rPr>
+              <a:t>androidx.test.espresso.assertion.ViewAssertions.</a:t>
+            </a:r>
+            <a:r>
+              <a:rPr lang="en-SG" sz="1000" dirty="0" err="1">
+                <a:highlight>
+                  <a:srgbClr val="C0C0C0"/>
+                </a:highlight>
+                <a:latin typeface="Lucida Console" panose="020B0609040504020204" pitchFamily="49" charset="0"/>
+              </a:rPr>
+              <a:t>matches</a:t>
+            </a:r>
+            <a:endParaRPr lang="en-SG" sz="1000" dirty="0">
+              <a:highlight>
+                <a:srgbClr val="C0C0C0"/>
+              </a:highlight>
+              <a:latin typeface="Lucida Console" panose="020B0609040504020204" pitchFamily="49" charset="0"/>
+            </a:endParaRPr>
+          </a:p>
+          <a:p>
+            <a:r>
+              <a:rPr lang="en-SG" sz="1000" dirty="0">
+                <a:latin typeface="Lucida Console" panose="020B0609040504020204" pitchFamily="49" charset="0"/>
+              </a:rPr>
+              <a:t>import </a:t>
+            </a:r>
+            <a:r>
+              <a:rPr lang="en-SG" sz="1000" dirty="0" err="1">
+                <a:latin typeface="Lucida Console" panose="020B0609040504020204" pitchFamily="49" charset="0"/>
+              </a:rPr>
+              <a:t>androidx.test.espresso.matcher.ViewMatchers.</a:t>
+            </a:r>
+            <a:r>
+              <a:rPr lang="en-SG" sz="1000" dirty="0" err="1">
+                <a:highlight>
+                  <a:srgbClr val="FFF169"/>
+                </a:highlight>
+                <a:latin typeface="Lucida Console" panose="020B0609040504020204" pitchFamily="49" charset="0"/>
+              </a:rPr>
+              <a:t>withId</a:t>
+            </a:r>
+            <a:endParaRPr lang="en-SG" sz="1000" dirty="0">
+              <a:highlight>
+                <a:srgbClr val="FFF169"/>
+              </a:highlight>
+              <a:latin typeface="Lucida Console" panose="020B0609040504020204" pitchFamily="49" charset="0"/>
+            </a:endParaRPr>
+          </a:p>
+          <a:p>
+            <a:r>
+              <a:rPr lang="en-SG" sz="1000" dirty="0">
+                <a:latin typeface="Lucida Console" panose="020B0609040504020204" pitchFamily="49" charset="0"/>
+              </a:rPr>
+              <a:t>import </a:t>
+            </a:r>
+            <a:r>
+              <a:rPr lang="en-SG" sz="1000" dirty="0" err="1">
+                <a:latin typeface="Lucida Console" panose="020B0609040504020204" pitchFamily="49" charset="0"/>
+              </a:rPr>
+              <a:t>androidx.test.espresso.matcher.ViewMatchers.</a:t>
+            </a:r>
+            <a:r>
+              <a:rPr lang="en-SG" sz="1000" dirty="0" err="1">
+                <a:highlight>
+                  <a:srgbClr val="FFF169"/>
+                </a:highlight>
+                <a:latin typeface="Lucida Console" panose="020B0609040504020204" pitchFamily="49" charset="0"/>
+              </a:rPr>
+              <a:t>withText</a:t>
+            </a:r>
+            <a:endParaRPr lang="en-SG" sz="1000" dirty="0">
+              <a:highlight>
+                <a:srgbClr val="FFF169"/>
+              </a:highlight>
+              <a:latin typeface="Lucida Console" panose="020B0609040504020204" pitchFamily="49" charset="0"/>
+            </a:endParaRPr>
+          </a:p>
+          <a:p>
+            <a:r>
+              <a:rPr lang="en-SG" sz="1000" dirty="0">
+                <a:latin typeface="Lucida Console" panose="020B0609040504020204" pitchFamily="49" charset="0"/>
+              </a:rPr>
+              <a:t>import </a:t>
+            </a:r>
+            <a:r>
+              <a:rPr lang="en-SG" sz="1000" dirty="0" err="1">
+                <a:latin typeface="Lucida Console" panose="020B0609040504020204" pitchFamily="49" charset="0"/>
+              </a:rPr>
+              <a:t>org.hamcrest.Matchers.</a:t>
+            </a:r>
+            <a:r>
+              <a:rPr lang="en-SG" sz="1000" dirty="0" err="1">
+                <a:highlight>
+                  <a:srgbClr val="C0C0C0"/>
+                </a:highlight>
+                <a:latin typeface="Lucida Console" panose="020B0609040504020204" pitchFamily="49" charset="0"/>
+              </a:rPr>
+              <a:t>containsString</a:t>
+            </a:r>
+            <a:endParaRPr lang="en-SG" sz="1000" dirty="0">
+              <a:highlight>
+                <a:srgbClr val="C0C0C0"/>
+              </a:highlight>
+              <a:latin typeface="Lucida Console" panose="020B0609040504020204" pitchFamily="49" charset="0"/>
+            </a:endParaRPr>
+          </a:p>
+        </p:txBody>
+      </p:sp>
+    </p:spTree>
+    <p:extLst>
+      <p:ext uri="{BB962C8B-B14F-4D97-AF65-F5344CB8AC3E}">
+        <p14:creationId xmlns:p14="http://schemas.microsoft.com/office/powerpoint/2010/main" val="917774831"/>
+      </p:ext>
+    </p:extLst>
+  </p:cSld>
+  <p:clrMapOvr>
+    <a:masterClrMapping/>
+  </p:clrMapOvr>
+</p:sld>
+</file>
+
+<file path=ppt/slides/slide25.xml><?xml version="1.0" encoding="utf-8"?>
 <p:sld xmlns:a="http://schemas.openxmlformats.org/drawingml/2006/main" xmlns:r="http://schemas.openxmlformats.org/officeDocument/2006/relationships" xmlns:p="http://schemas.openxmlformats.org/presentationml/2006/main">
   <p:cSld>
     <p:spTree>
@@ -9892,7 +10971,7 @@
 </p:sld>
 </file>
 
-<file path=ppt/slides/slide24.xml><?xml version="1.0" encoding="utf-8"?>
+<file path=ppt/slides/slide26.xml><?xml version="1.0" encoding="utf-8"?>
 <p:sld xmlns:a="http://schemas.openxmlformats.org/drawingml/2006/main" xmlns:r="http://schemas.openxmlformats.org/officeDocument/2006/relationships" xmlns:p="http://schemas.openxmlformats.org/presentationml/2006/main">
   <p:cSld>
     <p:spTree>
@@ -10029,7 +11108,7 @@
 </p:sld>
 </file>
 
-<file path=ppt/slides/slide25.xml><?xml version="1.0" encoding="utf-8"?>
+<file path=ppt/slides/slide27.xml><?xml version="1.0" encoding="utf-8"?>
 <p:sld xmlns:a="http://schemas.openxmlformats.org/drawingml/2006/main" xmlns:r="http://schemas.openxmlformats.org/officeDocument/2006/relationships" xmlns:p="http://schemas.openxmlformats.org/presentationml/2006/main">
   <p:cSld>
     <p:spTree>
@@ -10840,7 +11919,7 @@
 </p:sld>
 </file>
 
-<file path=ppt/slides/slide26.xml><?xml version="1.0" encoding="utf-8"?>
+<file path=ppt/slides/slide28.xml><?xml version="1.0" encoding="utf-8"?>
 <p:sld xmlns:a="http://schemas.openxmlformats.org/drawingml/2006/main" xmlns:r="http://schemas.openxmlformats.org/officeDocument/2006/relationships" xmlns:p="http://schemas.openxmlformats.org/presentationml/2006/main">
   <p:cSld>
     <p:spTree>
@@ -11996,7 +13075,7 @@
 </p:sld>
 </file>
 
-<file path=ppt/slides/slide27.xml><?xml version="1.0" encoding="utf-8"?>
+<file path=ppt/slides/slide29.xml><?xml version="1.0" encoding="utf-8"?>
 <p:sld xmlns:a="http://schemas.openxmlformats.org/drawingml/2006/main" xmlns:r="http://schemas.openxmlformats.org/officeDocument/2006/relationships" xmlns:p="http://schemas.openxmlformats.org/presentationml/2006/main">
   <p:cSld>
     <p:spTree>
@@ -12161,506 +13240,6 @@
 </p:sld>
 </file>
 
-<file path=ppt/slides/slide28.xml><?xml version="1.0" encoding="utf-8"?>
-<p:sld xmlns:a="http://schemas.openxmlformats.org/drawingml/2006/main" xmlns:r="http://schemas.openxmlformats.org/officeDocument/2006/relationships" xmlns:p="http://schemas.openxmlformats.org/presentationml/2006/main">
-  <p:cSld>
-    <p:spTree>
-      <p:nvGrpSpPr>
-        <p:cNvPr id="1" name=""/>
-        <p:cNvGrpSpPr/>
-        <p:nvPr/>
-      </p:nvGrpSpPr>
-      <p:grpSpPr>
-        <a:xfrm>
-          <a:off x="0" y="0"/>
-          <a:ext cx="0" cy="0"/>
-          <a:chOff x="0" y="0"/>
-          <a:chExt cx="0" cy="0"/>
-        </a:xfrm>
-      </p:grpSpPr>
-      <p:sp>
-        <p:nvSpPr>
-          <p:cNvPr id="2" name="Title 1">
-            <a:extLst>
-              <a:ext uri="{FF2B5EF4-FFF2-40B4-BE49-F238E27FC236}">
-                <a16:creationId xmlns:a16="http://schemas.microsoft.com/office/drawing/2014/main" id="{2DB8A734-5419-4198-A47C-11CB0BB36D3A}"/>
-              </a:ext>
-            </a:extLst>
-          </p:cNvPr>
-          <p:cNvSpPr>
-            <a:spLocks noGrp="1"/>
-          </p:cNvSpPr>
-          <p:nvPr>
-            <p:ph type="title"/>
-          </p:nvPr>
-        </p:nvSpPr>
-        <p:spPr/>
-        <p:txBody>
-          <a:bodyPr/>
-          <a:lstStyle/>
-          <a:p>
-            <a:r>
-              <a:rPr lang="en-SG" dirty="0"/>
-              <a:t>XML</a:t>
-            </a:r>
-          </a:p>
-        </p:txBody>
-      </p:sp>
-      <p:sp>
-        <p:nvSpPr>
-          <p:cNvPr id="3" name="Content Placeholder 2">
-            <a:extLst>
-              <a:ext uri="{FF2B5EF4-FFF2-40B4-BE49-F238E27FC236}">
-                <a16:creationId xmlns:a16="http://schemas.microsoft.com/office/drawing/2014/main" id="{D6C30A2D-07CF-45E6-B2C2-AF663AAF6A22}"/>
-              </a:ext>
-            </a:extLst>
-          </p:cNvPr>
-          <p:cNvSpPr>
-            <a:spLocks noGrp="1"/>
-          </p:cNvSpPr>
-          <p:nvPr>
-            <p:ph idx="1"/>
-          </p:nvPr>
-        </p:nvSpPr>
-        <p:spPr>
-          <a:xfrm>
-            <a:off x="838200" y="1645174"/>
-            <a:ext cx="10515600" cy="4351338"/>
-          </a:xfrm>
-        </p:spPr>
-        <p:txBody>
-          <a:bodyPr>
-            <a:normAutofit/>
-          </a:bodyPr>
-          <a:lstStyle/>
-          <a:p>
-            <a:r>
-              <a:rPr lang="en-US" sz="1600" dirty="0"/>
-              <a:t>ConstraintLayout tag: </a:t>
-            </a:r>
-            <a:r>
-              <a:rPr lang="en-US" sz="1600" dirty="0">
-                <a:latin typeface="Lucida Console" panose="020B0609040504020204" pitchFamily="49" charset="0"/>
-              </a:rPr>
-              <a:t>&lt;</a:t>
-            </a:r>
-            <a:r>
-              <a:rPr lang="en-SG" sz="1600" b="0" i="0" dirty="0">
-                <a:effectLst/>
-                <a:latin typeface="Lucida Console" panose="020B0609040504020204" pitchFamily="49" charset="0"/>
-              </a:rPr>
-              <a:t>androidx.constraintlayout.widget.ConstraintLayout</a:t>
-            </a:r>
-            <a:r>
-              <a:rPr lang="en-SG" sz="1600" dirty="0">
-                <a:latin typeface="Lucida Console" panose="020B0609040504020204" pitchFamily="49" charset="0"/>
-              </a:rPr>
-              <a:t>&gt;</a:t>
-            </a:r>
-            <a:endParaRPr lang="en-US" sz="1600" dirty="0">
-              <a:latin typeface="Lucida Console" panose="020B0609040504020204" pitchFamily="49" charset="0"/>
-            </a:endParaRPr>
-          </a:p>
-          <a:p>
-            <a:r>
-              <a:rPr lang="en-US" sz="1600" dirty="0"/>
-              <a:t>ConstraintLayout is part of Android Jetpack, which contains libraries of code which offers additional functionality on top of the core Android platform. </a:t>
-            </a:r>
-          </a:p>
-          <a:p>
-            <a:r>
-              <a:rPr lang="en-US" sz="1600" dirty="0"/>
-              <a:t>Jetpack has useful functionality you can take advantage of to make building apps easier. You'll recognize this UI component is part of Jetpack because it starts with "</a:t>
-            </a:r>
-            <a:r>
-              <a:rPr lang="en-US" sz="1600" dirty="0" err="1">
-                <a:latin typeface="Lucida Console" panose="020B0609040504020204" pitchFamily="49" charset="0"/>
-              </a:rPr>
-              <a:t>androidx</a:t>
-            </a:r>
-            <a:r>
-              <a:rPr lang="en-US" sz="1600" dirty="0"/>
-              <a:t>".</a:t>
-            </a:r>
-          </a:p>
-          <a:p>
-            <a:pPr marL="0" indent="0">
-              <a:buNone/>
-            </a:pPr>
-            <a:endParaRPr lang="en-US" sz="2000" dirty="0"/>
-          </a:p>
-          <a:p>
-            <a:pPr marL="0" indent="0">
-              <a:buNone/>
-            </a:pPr>
-            <a:r>
-              <a:rPr lang="en-US" sz="1400" dirty="0">
-                <a:highlight>
-                  <a:srgbClr val="C0C0C0"/>
-                </a:highlight>
-                <a:latin typeface="Lucida Console" panose="020B0609040504020204" pitchFamily="49" charset="0"/>
-              </a:rPr>
-              <a:t>&lt;?xml version="1.0" encoding="utf-8"?&gt;</a:t>
-            </a:r>
-            <a:r>
-              <a:rPr lang="en-US" sz="1400" dirty="0"/>
-              <a:t>	</a:t>
-            </a:r>
-            <a:r>
-              <a:rPr lang="en-US" sz="1400" dirty="0">
-                <a:sym typeface="Wingdings" panose="05000000000000000000" pitchFamily="2" charset="2"/>
-              </a:rPr>
-              <a:t> indicates that this is an XML file, but not every XML file will have this</a:t>
-            </a:r>
-            <a:endParaRPr lang="en-US" sz="1400" dirty="0"/>
-          </a:p>
-          <a:p>
-            <a:pPr marL="0" indent="0">
-              <a:buNone/>
-            </a:pPr>
-            <a:r>
-              <a:rPr lang="en-US" sz="1400" dirty="0">
-                <a:latin typeface="Lucida Console" panose="020B0609040504020204" pitchFamily="49" charset="0"/>
-              </a:rPr>
-              <a:t>&lt;</a:t>
-            </a:r>
-            <a:r>
-              <a:rPr lang="en-SG" sz="1400" b="0" i="0" dirty="0">
-                <a:effectLst/>
-                <a:latin typeface="Lucida Console" panose="020B0609040504020204" pitchFamily="49" charset="0"/>
-              </a:rPr>
-              <a:t>androidx.constraintlayout.widget.ConstraintLayout</a:t>
-            </a:r>
-            <a:endParaRPr lang="en-SG" sz="1400" dirty="0">
-              <a:highlight>
-                <a:srgbClr val="FFFF00"/>
-              </a:highlight>
-              <a:latin typeface="Lucida Console" panose="020B0609040504020204" pitchFamily="49" charset="0"/>
-            </a:endParaRPr>
-          </a:p>
-          <a:p>
-            <a:pPr marL="457200" lvl="1" indent="0">
-              <a:buNone/>
-            </a:pPr>
-            <a:r>
-              <a:rPr lang="en-SG" sz="1400" dirty="0" err="1">
-                <a:highlight>
-                  <a:srgbClr val="FFFF00"/>
-                </a:highlight>
-                <a:latin typeface="Lucida Console" panose="020B0609040504020204" pitchFamily="49" charset="0"/>
-              </a:rPr>
-              <a:t>xmlns</a:t>
-            </a:r>
-            <a:r>
-              <a:rPr lang="en-SG" sz="1400" dirty="0" err="1">
-                <a:latin typeface="Lucida Console" panose="020B0609040504020204" pitchFamily="49" charset="0"/>
-              </a:rPr>
-              <a:t>:</a:t>
-            </a:r>
-            <a:r>
-              <a:rPr lang="en-SG" sz="1400" dirty="0" err="1">
-                <a:highlight>
-                  <a:srgbClr val="00FF00"/>
-                </a:highlight>
-                <a:latin typeface="Lucida Console" panose="020B0609040504020204" pitchFamily="49" charset="0"/>
-              </a:rPr>
-              <a:t>android</a:t>
-            </a:r>
-            <a:r>
-              <a:rPr lang="en-SG" sz="1400" dirty="0">
-                <a:latin typeface="Lucida Console" panose="020B0609040504020204" pitchFamily="49" charset="0"/>
-              </a:rPr>
-              <a:t>="http://schemas.android.com/</a:t>
-            </a:r>
-            <a:r>
-              <a:rPr lang="en-SG" sz="1400" dirty="0" err="1">
-                <a:latin typeface="Lucida Console" panose="020B0609040504020204" pitchFamily="49" charset="0"/>
-              </a:rPr>
-              <a:t>apk</a:t>
-            </a:r>
-            <a:r>
-              <a:rPr lang="en-SG" sz="1400" dirty="0">
-                <a:latin typeface="Lucida Console" panose="020B0609040504020204" pitchFamily="49" charset="0"/>
-              </a:rPr>
-              <a:t>/res/android"</a:t>
-            </a:r>
-          </a:p>
-          <a:p>
-            <a:pPr marL="457200" lvl="1" indent="0">
-              <a:buNone/>
-            </a:pPr>
-            <a:r>
-              <a:rPr lang="en-SG" sz="1400" dirty="0" err="1">
-                <a:latin typeface="Lucida Console" panose="020B0609040504020204" pitchFamily="49" charset="0"/>
-              </a:rPr>
-              <a:t>xmlns:app</a:t>
-            </a:r>
-            <a:r>
-              <a:rPr lang="en-SG" sz="1400" dirty="0">
-                <a:latin typeface="Lucida Console" panose="020B0609040504020204" pitchFamily="49" charset="0"/>
-              </a:rPr>
-              <a:t>="http://schemas.android.com/</a:t>
-            </a:r>
-            <a:r>
-              <a:rPr lang="en-SG" sz="1400" dirty="0" err="1">
-                <a:latin typeface="Lucida Console" panose="020B0609040504020204" pitchFamily="49" charset="0"/>
-              </a:rPr>
-              <a:t>apk</a:t>
-            </a:r>
-            <a:r>
-              <a:rPr lang="en-SG" sz="1400" dirty="0">
-                <a:latin typeface="Lucida Console" panose="020B0609040504020204" pitchFamily="49" charset="0"/>
-              </a:rPr>
-              <a:t>/res-auto"</a:t>
-            </a:r>
-          </a:p>
-          <a:p>
-            <a:pPr marL="457200" lvl="1" indent="0">
-              <a:buNone/>
-            </a:pPr>
-            <a:r>
-              <a:rPr lang="en-SG" sz="1400" dirty="0" err="1">
-                <a:latin typeface="Lucida Console" panose="020B0609040504020204" pitchFamily="49" charset="0"/>
-              </a:rPr>
-              <a:t>xmlns:tools</a:t>
-            </a:r>
-            <a:r>
-              <a:rPr lang="en-SG" sz="1400" dirty="0">
-                <a:latin typeface="Lucida Console" panose="020B0609040504020204" pitchFamily="49" charset="0"/>
-              </a:rPr>
-              <a:t>="http://schemas.android.com/tools"&gt;</a:t>
-            </a:r>
-          </a:p>
-          <a:p>
-            <a:pPr marL="457200" lvl="1" indent="0">
-              <a:buNone/>
-            </a:pPr>
-            <a:r>
-              <a:rPr lang="en-SG" sz="1400" dirty="0">
-                <a:latin typeface="Lucida Console" panose="020B0609040504020204" pitchFamily="49" charset="0"/>
-              </a:rPr>
-              <a:t>...</a:t>
-            </a:r>
-          </a:p>
-          <a:p>
-            <a:pPr marL="0" indent="0">
-              <a:buNone/>
-            </a:pPr>
-            <a:r>
-              <a:rPr lang="en-US" sz="1400" dirty="0">
-                <a:latin typeface="Lucida Console" panose="020B0609040504020204" pitchFamily="49" charset="0"/>
-              </a:rPr>
-              <a:t>&lt;/</a:t>
-            </a:r>
-            <a:r>
-              <a:rPr lang="en-SG" sz="1400" b="0" i="0" dirty="0">
-                <a:effectLst/>
-                <a:latin typeface="Lucida Console" panose="020B0609040504020204" pitchFamily="49" charset="0"/>
-              </a:rPr>
-              <a:t>androidx.constraintlayout.widget.ConstraintLayout&gt;</a:t>
-            </a:r>
-            <a:endParaRPr lang="en-SG" sz="1400" dirty="0">
-              <a:highlight>
-                <a:srgbClr val="FFFF00"/>
-              </a:highlight>
-              <a:latin typeface="Lucida Console" panose="020B0609040504020204" pitchFamily="49" charset="0"/>
-            </a:endParaRPr>
-          </a:p>
-        </p:txBody>
-      </p:sp>
-      <p:sp>
-        <p:nvSpPr>
-          <p:cNvPr id="6" name="TextBox 5">
-            <a:extLst>
-              <a:ext uri="{FF2B5EF4-FFF2-40B4-BE49-F238E27FC236}">
-                <a16:creationId xmlns:a16="http://schemas.microsoft.com/office/drawing/2014/main" id="{94B09F14-FBA2-4CA9-B862-510CBCE82567}"/>
-              </a:ext>
-            </a:extLst>
-          </p:cNvPr>
-          <p:cNvSpPr txBox="1"/>
-          <p:nvPr/>
-        </p:nvSpPr>
-        <p:spPr>
-          <a:xfrm>
-            <a:off x="6648720" y="5084442"/>
-            <a:ext cx="5076218" cy="1323439"/>
-          </a:xfrm>
-          <a:prstGeom prst="rect">
-            <a:avLst/>
-          </a:prstGeom>
-          <a:noFill/>
-        </p:spPr>
-        <p:txBody>
-          <a:bodyPr wrap="square" rtlCol="0">
-            <a:spAutoFit/>
-          </a:bodyPr>
-          <a:lstStyle/>
-          <a:p>
-            <a:pPr marL="342900" indent="-342900">
-              <a:buAutoNum type="arabicPeriod"/>
-            </a:pPr>
-            <a:r>
-              <a:rPr lang="en-SG" sz="1600" dirty="0" err="1">
-                <a:highlight>
-                  <a:srgbClr val="FFFF00"/>
-                </a:highlight>
-                <a:latin typeface="Lucida Console" panose="020B0609040504020204" pitchFamily="49" charset="0"/>
-              </a:rPr>
-              <a:t>xmlns</a:t>
-            </a:r>
-            <a:r>
-              <a:rPr lang="en-SG" sz="1600" dirty="0"/>
-              <a:t> stands for XML namespace, and each line defines a schema, or vocab for attributes related to the words.</a:t>
-            </a:r>
-          </a:p>
-          <a:p>
-            <a:pPr marL="342900" indent="-342900">
-              <a:buAutoNum type="arabicPeriod"/>
-            </a:pPr>
-            <a:r>
-              <a:rPr lang="en-SG" sz="1600" dirty="0">
-                <a:highlight>
-                  <a:srgbClr val="00FF00"/>
-                </a:highlight>
-                <a:latin typeface="Lucida Console" panose="020B0609040504020204" pitchFamily="49" charset="0"/>
-              </a:rPr>
-              <a:t>android</a:t>
-            </a:r>
-            <a:r>
-              <a:rPr lang="en-SG" sz="1600" dirty="0"/>
-              <a:t> namespace, for example, marks attributes that are defined by the Android system.</a:t>
-            </a:r>
-          </a:p>
-        </p:txBody>
-      </p:sp>
-    </p:spTree>
-    <p:extLst>
-      <p:ext uri="{BB962C8B-B14F-4D97-AF65-F5344CB8AC3E}">
-        <p14:creationId xmlns:p14="http://schemas.microsoft.com/office/powerpoint/2010/main" val="1410262679"/>
-      </p:ext>
-    </p:extLst>
-  </p:cSld>
-  <p:clrMapOvr>
-    <a:masterClrMapping/>
-  </p:clrMapOvr>
-</p:sld>
-</file>
-
-<file path=ppt/slides/slide29.xml><?xml version="1.0" encoding="utf-8"?>
-<p:sld xmlns:a="http://schemas.openxmlformats.org/drawingml/2006/main" xmlns:r="http://schemas.openxmlformats.org/officeDocument/2006/relationships" xmlns:p="http://schemas.openxmlformats.org/presentationml/2006/main">
-  <p:cSld>
-    <p:spTree>
-      <p:nvGrpSpPr>
-        <p:cNvPr id="1" name=""/>
-        <p:cNvGrpSpPr/>
-        <p:nvPr/>
-      </p:nvGrpSpPr>
-      <p:grpSpPr>
-        <a:xfrm>
-          <a:off x="0" y="0"/>
-          <a:ext cx="0" cy="0"/>
-          <a:chOff x="0" y="0"/>
-          <a:chExt cx="0" cy="0"/>
-        </a:xfrm>
-      </p:grpSpPr>
-      <p:sp>
-        <p:nvSpPr>
-          <p:cNvPr id="2" name="Title 1">
-            <a:extLst>
-              <a:ext uri="{FF2B5EF4-FFF2-40B4-BE49-F238E27FC236}">
-                <a16:creationId xmlns:a16="http://schemas.microsoft.com/office/drawing/2014/main" id="{7622DF46-D35E-4F8A-90BE-6F8FEE73E338}"/>
-              </a:ext>
-            </a:extLst>
-          </p:cNvPr>
-          <p:cNvSpPr>
-            <a:spLocks noGrp="1"/>
-          </p:cNvSpPr>
-          <p:nvPr>
-            <p:ph type="title"/>
-          </p:nvPr>
-        </p:nvSpPr>
-        <p:spPr/>
-        <p:txBody>
-          <a:bodyPr/>
-          <a:lstStyle/>
-          <a:p>
-            <a:r>
-              <a:rPr lang="en-SG" dirty="0"/>
-              <a:t>XML</a:t>
-            </a:r>
-          </a:p>
-        </p:txBody>
-      </p:sp>
-      <p:sp>
-        <p:nvSpPr>
-          <p:cNvPr id="3" name="Content Placeholder 2">
-            <a:extLst>
-              <a:ext uri="{FF2B5EF4-FFF2-40B4-BE49-F238E27FC236}">
-                <a16:creationId xmlns:a16="http://schemas.microsoft.com/office/drawing/2014/main" id="{2AF5FAD8-8FD1-4CFC-A64E-169CEDC5BE34}"/>
-              </a:ext>
-            </a:extLst>
-          </p:cNvPr>
-          <p:cNvSpPr>
-            <a:spLocks noGrp="1"/>
-          </p:cNvSpPr>
-          <p:nvPr>
-            <p:ph idx="1"/>
-          </p:nvPr>
-        </p:nvSpPr>
-        <p:spPr/>
-        <p:txBody>
-          <a:bodyPr>
-            <a:normAutofit/>
-          </a:bodyPr>
-          <a:lstStyle/>
-          <a:p>
-            <a:r>
-              <a:rPr lang="en-SG" sz="2000" dirty="0"/>
-              <a:t>Padding vs. Margin?</a:t>
-            </a:r>
-          </a:p>
-          <a:p>
-            <a:pPr lvl="1"/>
-            <a:r>
-              <a:rPr lang="en-SG" sz="1800" dirty="0"/>
-              <a:t>Padding adds space within the element (e.g. ConstraintLayout), while margin adds space outside the element</a:t>
-            </a:r>
-          </a:p>
-          <a:p>
-            <a:r>
-              <a:rPr lang="en-US" sz="2000" dirty="0"/>
-              <a:t>You cannot use </a:t>
-            </a:r>
-            <a:r>
-              <a:rPr lang="en-US" sz="2000" dirty="0" err="1">
-                <a:latin typeface="Lucida Console" panose="020B0609040504020204" pitchFamily="49" charset="0"/>
-              </a:rPr>
-              <a:t>match_parent</a:t>
-            </a:r>
-            <a:r>
-              <a:rPr lang="en-US" sz="2000" dirty="0"/>
-              <a:t> for any view in a ConstraintLayout. Instead use 0dp, which means match constraints.</a:t>
-            </a:r>
-          </a:p>
-          <a:p>
-            <a:pPr lvl="1"/>
-            <a:endParaRPr lang="en-SG" sz="1800" dirty="0"/>
-          </a:p>
-        </p:txBody>
-      </p:sp>
-    </p:spTree>
-    <p:extLst>
-      <p:ext uri="{BB962C8B-B14F-4D97-AF65-F5344CB8AC3E}">
-        <p14:creationId xmlns:p14="http://schemas.microsoft.com/office/powerpoint/2010/main" val="146549033"/>
-      </p:ext>
-    </p:extLst>
-  </p:cSld>
-  <p:clrMapOvr>
-    <a:masterClrMapping/>
-  </p:clrMapOvr>
-</p:sld>
-</file>
-
 <file path=ppt/slides/slide3.xml><?xml version="1.0" encoding="utf-8"?>
 <p:sld xmlns:a="http://schemas.openxmlformats.org/drawingml/2006/main" xmlns:r="http://schemas.openxmlformats.org/officeDocument/2006/relationships" xmlns:p="http://schemas.openxmlformats.org/presentationml/2006/main">
   <p:cSld>
@@ -12914,6 +13493,506 @@
 </file>
 
 <file path=ppt/slides/slide30.xml><?xml version="1.0" encoding="utf-8"?>
+<p:sld xmlns:a="http://schemas.openxmlformats.org/drawingml/2006/main" xmlns:r="http://schemas.openxmlformats.org/officeDocument/2006/relationships" xmlns:p="http://schemas.openxmlformats.org/presentationml/2006/main">
+  <p:cSld>
+    <p:spTree>
+      <p:nvGrpSpPr>
+        <p:cNvPr id="1" name=""/>
+        <p:cNvGrpSpPr/>
+        <p:nvPr/>
+      </p:nvGrpSpPr>
+      <p:grpSpPr>
+        <a:xfrm>
+          <a:off x="0" y="0"/>
+          <a:ext cx="0" cy="0"/>
+          <a:chOff x="0" y="0"/>
+          <a:chExt cx="0" cy="0"/>
+        </a:xfrm>
+      </p:grpSpPr>
+      <p:sp>
+        <p:nvSpPr>
+          <p:cNvPr id="2" name="Title 1">
+            <a:extLst>
+              <a:ext uri="{FF2B5EF4-FFF2-40B4-BE49-F238E27FC236}">
+                <a16:creationId xmlns:a16="http://schemas.microsoft.com/office/drawing/2014/main" id="{2DB8A734-5419-4198-A47C-11CB0BB36D3A}"/>
+              </a:ext>
+            </a:extLst>
+          </p:cNvPr>
+          <p:cNvSpPr>
+            <a:spLocks noGrp="1"/>
+          </p:cNvSpPr>
+          <p:nvPr>
+            <p:ph type="title"/>
+          </p:nvPr>
+        </p:nvSpPr>
+        <p:spPr/>
+        <p:txBody>
+          <a:bodyPr/>
+          <a:lstStyle/>
+          <a:p>
+            <a:r>
+              <a:rPr lang="en-SG" dirty="0"/>
+              <a:t>XML</a:t>
+            </a:r>
+          </a:p>
+        </p:txBody>
+      </p:sp>
+      <p:sp>
+        <p:nvSpPr>
+          <p:cNvPr id="3" name="Content Placeholder 2">
+            <a:extLst>
+              <a:ext uri="{FF2B5EF4-FFF2-40B4-BE49-F238E27FC236}">
+                <a16:creationId xmlns:a16="http://schemas.microsoft.com/office/drawing/2014/main" id="{D6C30A2D-07CF-45E6-B2C2-AF663AAF6A22}"/>
+              </a:ext>
+            </a:extLst>
+          </p:cNvPr>
+          <p:cNvSpPr>
+            <a:spLocks noGrp="1"/>
+          </p:cNvSpPr>
+          <p:nvPr>
+            <p:ph idx="1"/>
+          </p:nvPr>
+        </p:nvSpPr>
+        <p:spPr>
+          <a:xfrm>
+            <a:off x="838200" y="1645174"/>
+            <a:ext cx="10515600" cy="4351338"/>
+          </a:xfrm>
+        </p:spPr>
+        <p:txBody>
+          <a:bodyPr>
+            <a:normAutofit/>
+          </a:bodyPr>
+          <a:lstStyle/>
+          <a:p>
+            <a:r>
+              <a:rPr lang="en-US" sz="1600" dirty="0"/>
+              <a:t>ConstraintLayout tag: </a:t>
+            </a:r>
+            <a:r>
+              <a:rPr lang="en-US" sz="1600" dirty="0">
+                <a:latin typeface="Lucida Console" panose="020B0609040504020204" pitchFamily="49" charset="0"/>
+              </a:rPr>
+              <a:t>&lt;</a:t>
+            </a:r>
+            <a:r>
+              <a:rPr lang="en-SG" sz="1600" b="0" i="0" dirty="0">
+                <a:effectLst/>
+                <a:latin typeface="Lucida Console" panose="020B0609040504020204" pitchFamily="49" charset="0"/>
+              </a:rPr>
+              <a:t>androidx.constraintlayout.widget.ConstraintLayout</a:t>
+            </a:r>
+            <a:r>
+              <a:rPr lang="en-SG" sz="1600" dirty="0">
+                <a:latin typeface="Lucida Console" panose="020B0609040504020204" pitchFamily="49" charset="0"/>
+              </a:rPr>
+              <a:t>&gt;</a:t>
+            </a:r>
+            <a:endParaRPr lang="en-US" sz="1600" dirty="0">
+              <a:latin typeface="Lucida Console" panose="020B0609040504020204" pitchFamily="49" charset="0"/>
+            </a:endParaRPr>
+          </a:p>
+          <a:p>
+            <a:r>
+              <a:rPr lang="en-US" sz="1600" dirty="0"/>
+              <a:t>ConstraintLayout is part of Android Jetpack, which contains libraries of code which offers additional functionality on top of the core Android platform. </a:t>
+            </a:r>
+          </a:p>
+          <a:p>
+            <a:r>
+              <a:rPr lang="en-US" sz="1600" dirty="0"/>
+              <a:t>Jetpack has useful functionality you can take advantage of to make building apps easier. You'll recognize this UI component is part of Jetpack because it starts with "</a:t>
+            </a:r>
+            <a:r>
+              <a:rPr lang="en-US" sz="1600" dirty="0" err="1">
+                <a:latin typeface="Lucida Console" panose="020B0609040504020204" pitchFamily="49" charset="0"/>
+              </a:rPr>
+              <a:t>androidx</a:t>
+            </a:r>
+            <a:r>
+              <a:rPr lang="en-US" sz="1600" dirty="0"/>
+              <a:t>".</a:t>
+            </a:r>
+          </a:p>
+          <a:p>
+            <a:pPr marL="0" indent="0">
+              <a:buNone/>
+            </a:pPr>
+            <a:endParaRPr lang="en-US" sz="2000" dirty="0"/>
+          </a:p>
+          <a:p>
+            <a:pPr marL="0" indent="0">
+              <a:buNone/>
+            </a:pPr>
+            <a:r>
+              <a:rPr lang="en-US" sz="1400" dirty="0">
+                <a:highlight>
+                  <a:srgbClr val="C0C0C0"/>
+                </a:highlight>
+                <a:latin typeface="Lucida Console" panose="020B0609040504020204" pitchFamily="49" charset="0"/>
+              </a:rPr>
+              <a:t>&lt;?xml version="1.0" encoding="utf-8"?&gt;</a:t>
+            </a:r>
+            <a:r>
+              <a:rPr lang="en-US" sz="1400" dirty="0"/>
+              <a:t>	</a:t>
+            </a:r>
+            <a:r>
+              <a:rPr lang="en-US" sz="1400" dirty="0">
+                <a:sym typeface="Wingdings" panose="05000000000000000000" pitchFamily="2" charset="2"/>
+              </a:rPr>
+              <a:t> indicates that this is an XML file, but not every XML file will have this</a:t>
+            </a:r>
+            <a:endParaRPr lang="en-US" sz="1400" dirty="0"/>
+          </a:p>
+          <a:p>
+            <a:pPr marL="0" indent="0">
+              <a:buNone/>
+            </a:pPr>
+            <a:r>
+              <a:rPr lang="en-US" sz="1400" dirty="0">
+                <a:latin typeface="Lucida Console" panose="020B0609040504020204" pitchFamily="49" charset="0"/>
+              </a:rPr>
+              <a:t>&lt;</a:t>
+            </a:r>
+            <a:r>
+              <a:rPr lang="en-SG" sz="1400" b="0" i="0" dirty="0">
+                <a:effectLst/>
+                <a:latin typeface="Lucida Console" panose="020B0609040504020204" pitchFamily="49" charset="0"/>
+              </a:rPr>
+              <a:t>androidx.constraintlayout.widget.ConstraintLayout</a:t>
+            </a:r>
+            <a:endParaRPr lang="en-SG" sz="1400" dirty="0">
+              <a:highlight>
+                <a:srgbClr val="FFFF00"/>
+              </a:highlight>
+              <a:latin typeface="Lucida Console" panose="020B0609040504020204" pitchFamily="49" charset="0"/>
+            </a:endParaRPr>
+          </a:p>
+          <a:p>
+            <a:pPr marL="457200" lvl="1" indent="0">
+              <a:buNone/>
+            </a:pPr>
+            <a:r>
+              <a:rPr lang="en-SG" sz="1400" dirty="0" err="1">
+                <a:highlight>
+                  <a:srgbClr val="FFFF00"/>
+                </a:highlight>
+                <a:latin typeface="Lucida Console" panose="020B0609040504020204" pitchFamily="49" charset="0"/>
+              </a:rPr>
+              <a:t>xmlns</a:t>
+            </a:r>
+            <a:r>
+              <a:rPr lang="en-SG" sz="1400" dirty="0" err="1">
+                <a:latin typeface="Lucida Console" panose="020B0609040504020204" pitchFamily="49" charset="0"/>
+              </a:rPr>
+              <a:t>:</a:t>
+            </a:r>
+            <a:r>
+              <a:rPr lang="en-SG" sz="1400" dirty="0" err="1">
+                <a:highlight>
+                  <a:srgbClr val="00FF00"/>
+                </a:highlight>
+                <a:latin typeface="Lucida Console" panose="020B0609040504020204" pitchFamily="49" charset="0"/>
+              </a:rPr>
+              <a:t>android</a:t>
+            </a:r>
+            <a:r>
+              <a:rPr lang="en-SG" sz="1400" dirty="0">
+                <a:latin typeface="Lucida Console" panose="020B0609040504020204" pitchFamily="49" charset="0"/>
+              </a:rPr>
+              <a:t>="http://schemas.android.com/</a:t>
+            </a:r>
+            <a:r>
+              <a:rPr lang="en-SG" sz="1400" dirty="0" err="1">
+                <a:latin typeface="Lucida Console" panose="020B0609040504020204" pitchFamily="49" charset="0"/>
+              </a:rPr>
+              <a:t>apk</a:t>
+            </a:r>
+            <a:r>
+              <a:rPr lang="en-SG" sz="1400" dirty="0">
+                <a:latin typeface="Lucida Console" panose="020B0609040504020204" pitchFamily="49" charset="0"/>
+              </a:rPr>
+              <a:t>/res/android"</a:t>
+            </a:r>
+          </a:p>
+          <a:p>
+            <a:pPr marL="457200" lvl="1" indent="0">
+              <a:buNone/>
+            </a:pPr>
+            <a:r>
+              <a:rPr lang="en-SG" sz="1400" dirty="0" err="1">
+                <a:latin typeface="Lucida Console" panose="020B0609040504020204" pitchFamily="49" charset="0"/>
+              </a:rPr>
+              <a:t>xmlns:app</a:t>
+            </a:r>
+            <a:r>
+              <a:rPr lang="en-SG" sz="1400" dirty="0">
+                <a:latin typeface="Lucida Console" panose="020B0609040504020204" pitchFamily="49" charset="0"/>
+              </a:rPr>
+              <a:t>="http://schemas.android.com/</a:t>
+            </a:r>
+            <a:r>
+              <a:rPr lang="en-SG" sz="1400" dirty="0" err="1">
+                <a:latin typeface="Lucida Console" panose="020B0609040504020204" pitchFamily="49" charset="0"/>
+              </a:rPr>
+              <a:t>apk</a:t>
+            </a:r>
+            <a:r>
+              <a:rPr lang="en-SG" sz="1400" dirty="0">
+                <a:latin typeface="Lucida Console" panose="020B0609040504020204" pitchFamily="49" charset="0"/>
+              </a:rPr>
+              <a:t>/res-auto"</a:t>
+            </a:r>
+          </a:p>
+          <a:p>
+            <a:pPr marL="457200" lvl="1" indent="0">
+              <a:buNone/>
+            </a:pPr>
+            <a:r>
+              <a:rPr lang="en-SG" sz="1400" dirty="0" err="1">
+                <a:latin typeface="Lucida Console" panose="020B0609040504020204" pitchFamily="49" charset="0"/>
+              </a:rPr>
+              <a:t>xmlns:tools</a:t>
+            </a:r>
+            <a:r>
+              <a:rPr lang="en-SG" sz="1400" dirty="0">
+                <a:latin typeface="Lucida Console" panose="020B0609040504020204" pitchFamily="49" charset="0"/>
+              </a:rPr>
+              <a:t>="http://schemas.android.com/tools"&gt;</a:t>
+            </a:r>
+          </a:p>
+          <a:p>
+            <a:pPr marL="457200" lvl="1" indent="0">
+              <a:buNone/>
+            </a:pPr>
+            <a:r>
+              <a:rPr lang="en-SG" sz="1400" dirty="0">
+                <a:latin typeface="Lucida Console" panose="020B0609040504020204" pitchFamily="49" charset="0"/>
+              </a:rPr>
+              <a:t>...</a:t>
+            </a:r>
+          </a:p>
+          <a:p>
+            <a:pPr marL="0" indent="0">
+              <a:buNone/>
+            </a:pPr>
+            <a:r>
+              <a:rPr lang="en-US" sz="1400" dirty="0">
+                <a:latin typeface="Lucida Console" panose="020B0609040504020204" pitchFamily="49" charset="0"/>
+              </a:rPr>
+              <a:t>&lt;/</a:t>
+            </a:r>
+            <a:r>
+              <a:rPr lang="en-SG" sz="1400" b="0" i="0" dirty="0">
+                <a:effectLst/>
+                <a:latin typeface="Lucida Console" panose="020B0609040504020204" pitchFamily="49" charset="0"/>
+              </a:rPr>
+              <a:t>androidx.constraintlayout.widget.ConstraintLayout&gt;</a:t>
+            </a:r>
+            <a:endParaRPr lang="en-SG" sz="1400" dirty="0">
+              <a:highlight>
+                <a:srgbClr val="FFFF00"/>
+              </a:highlight>
+              <a:latin typeface="Lucida Console" panose="020B0609040504020204" pitchFamily="49" charset="0"/>
+            </a:endParaRPr>
+          </a:p>
+        </p:txBody>
+      </p:sp>
+      <p:sp>
+        <p:nvSpPr>
+          <p:cNvPr id="6" name="TextBox 5">
+            <a:extLst>
+              <a:ext uri="{FF2B5EF4-FFF2-40B4-BE49-F238E27FC236}">
+                <a16:creationId xmlns:a16="http://schemas.microsoft.com/office/drawing/2014/main" id="{94B09F14-FBA2-4CA9-B862-510CBCE82567}"/>
+              </a:ext>
+            </a:extLst>
+          </p:cNvPr>
+          <p:cNvSpPr txBox="1"/>
+          <p:nvPr/>
+        </p:nvSpPr>
+        <p:spPr>
+          <a:xfrm>
+            <a:off x="6648720" y="5084442"/>
+            <a:ext cx="5076218" cy="1323439"/>
+          </a:xfrm>
+          <a:prstGeom prst="rect">
+            <a:avLst/>
+          </a:prstGeom>
+          <a:noFill/>
+        </p:spPr>
+        <p:txBody>
+          <a:bodyPr wrap="square" rtlCol="0">
+            <a:spAutoFit/>
+          </a:bodyPr>
+          <a:lstStyle/>
+          <a:p>
+            <a:pPr marL="342900" indent="-342900">
+              <a:buAutoNum type="arabicPeriod"/>
+            </a:pPr>
+            <a:r>
+              <a:rPr lang="en-SG" sz="1600" dirty="0" err="1">
+                <a:highlight>
+                  <a:srgbClr val="FFFF00"/>
+                </a:highlight>
+                <a:latin typeface="Lucida Console" panose="020B0609040504020204" pitchFamily="49" charset="0"/>
+              </a:rPr>
+              <a:t>xmlns</a:t>
+            </a:r>
+            <a:r>
+              <a:rPr lang="en-SG" sz="1600" dirty="0"/>
+              <a:t> stands for XML namespace, and each line defines a schema, or vocab for attributes related to the words.</a:t>
+            </a:r>
+          </a:p>
+          <a:p>
+            <a:pPr marL="342900" indent="-342900">
+              <a:buAutoNum type="arabicPeriod"/>
+            </a:pPr>
+            <a:r>
+              <a:rPr lang="en-SG" sz="1600" dirty="0">
+                <a:highlight>
+                  <a:srgbClr val="00FF00"/>
+                </a:highlight>
+                <a:latin typeface="Lucida Console" panose="020B0609040504020204" pitchFamily="49" charset="0"/>
+              </a:rPr>
+              <a:t>android</a:t>
+            </a:r>
+            <a:r>
+              <a:rPr lang="en-SG" sz="1600" dirty="0"/>
+              <a:t> namespace, for example, marks attributes that are defined by the Android system.</a:t>
+            </a:r>
+          </a:p>
+        </p:txBody>
+      </p:sp>
+    </p:spTree>
+    <p:extLst>
+      <p:ext uri="{BB962C8B-B14F-4D97-AF65-F5344CB8AC3E}">
+        <p14:creationId xmlns:p14="http://schemas.microsoft.com/office/powerpoint/2010/main" val="1410262679"/>
+      </p:ext>
+    </p:extLst>
+  </p:cSld>
+  <p:clrMapOvr>
+    <a:masterClrMapping/>
+  </p:clrMapOvr>
+</p:sld>
+</file>
+
+<file path=ppt/slides/slide31.xml><?xml version="1.0" encoding="utf-8"?>
+<p:sld xmlns:a="http://schemas.openxmlformats.org/drawingml/2006/main" xmlns:r="http://schemas.openxmlformats.org/officeDocument/2006/relationships" xmlns:p="http://schemas.openxmlformats.org/presentationml/2006/main">
+  <p:cSld>
+    <p:spTree>
+      <p:nvGrpSpPr>
+        <p:cNvPr id="1" name=""/>
+        <p:cNvGrpSpPr/>
+        <p:nvPr/>
+      </p:nvGrpSpPr>
+      <p:grpSpPr>
+        <a:xfrm>
+          <a:off x="0" y="0"/>
+          <a:ext cx="0" cy="0"/>
+          <a:chOff x="0" y="0"/>
+          <a:chExt cx="0" cy="0"/>
+        </a:xfrm>
+      </p:grpSpPr>
+      <p:sp>
+        <p:nvSpPr>
+          <p:cNvPr id="2" name="Title 1">
+            <a:extLst>
+              <a:ext uri="{FF2B5EF4-FFF2-40B4-BE49-F238E27FC236}">
+                <a16:creationId xmlns:a16="http://schemas.microsoft.com/office/drawing/2014/main" id="{7622DF46-D35E-4F8A-90BE-6F8FEE73E338}"/>
+              </a:ext>
+            </a:extLst>
+          </p:cNvPr>
+          <p:cNvSpPr>
+            <a:spLocks noGrp="1"/>
+          </p:cNvSpPr>
+          <p:nvPr>
+            <p:ph type="title"/>
+          </p:nvPr>
+        </p:nvSpPr>
+        <p:spPr/>
+        <p:txBody>
+          <a:bodyPr/>
+          <a:lstStyle/>
+          <a:p>
+            <a:r>
+              <a:rPr lang="en-SG" dirty="0"/>
+              <a:t>XML</a:t>
+            </a:r>
+          </a:p>
+        </p:txBody>
+      </p:sp>
+      <p:sp>
+        <p:nvSpPr>
+          <p:cNvPr id="3" name="Content Placeholder 2">
+            <a:extLst>
+              <a:ext uri="{FF2B5EF4-FFF2-40B4-BE49-F238E27FC236}">
+                <a16:creationId xmlns:a16="http://schemas.microsoft.com/office/drawing/2014/main" id="{2AF5FAD8-8FD1-4CFC-A64E-169CEDC5BE34}"/>
+              </a:ext>
+            </a:extLst>
+          </p:cNvPr>
+          <p:cNvSpPr>
+            <a:spLocks noGrp="1"/>
+          </p:cNvSpPr>
+          <p:nvPr>
+            <p:ph idx="1"/>
+          </p:nvPr>
+        </p:nvSpPr>
+        <p:spPr/>
+        <p:txBody>
+          <a:bodyPr>
+            <a:normAutofit/>
+          </a:bodyPr>
+          <a:lstStyle/>
+          <a:p>
+            <a:r>
+              <a:rPr lang="en-SG" sz="2000" dirty="0"/>
+              <a:t>Padding vs. Margin?</a:t>
+            </a:r>
+          </a:p>
+          <a:p>
+            <a:pPr lvl="1"/>
+            <a:r>
+              <a:rPr lang="en-SG" sz="1800" dirty="0"/>
+              <a:t>Padding adds space within the element (e.g. ConstraintLayout), while margin adds space outside the element</a:t>
+            </a:r>
+          </a:p>
+          <a:p>
+            <a:r>
+              <a:rPr lang="en-US" sz="2000" dirty="0"/>
+              <a:t>You cannot use </a:t>
+            </a:r>
+            <a:r>
+              <a:rPr lang="en-US" sz="2000" dirty="0" err="1">
+                <a:latin typeface="Lucida Console" panose="020B0609040504020204" pitchFamily="49" charset="0"/>
+              </a:rPr>
+              <a:t>match_parent</a:t>
+            </a:r>
+            <a:r>
+              <a:rPr lang="en-US" sz="2000" dirty="0"/>
+              <a:t> for any view in a ConstraintLayout. Instead use 0dp, which means match constraints.</a:t>
+            </a:r>
+          </a:p>
+          <a:p>
+            <a:pPr lvl="1"/>
+            <a:endParaRPr lang="en-SG" sz="1800" dirty="0"/>
+          </a:p>
+        </p:txBody>
+      </p:sp>
+    </p:spTree>
+    <p:extLst>
+      <p:ext uri="{BB962C8B-B14F-4D97-AF65-F5344CB8AC3E}">
+        <p14:creationId xmlns:p14="http://schemas.microsoft.com/office/powerpoint/2010/main" val="146549033"/>
+      </p:ext>
+    </p:extLst>
+  </p:cSld>
+  <p:clrMapOvr>
+    <a:masterClrMapping/>
+  </p:clrMapOvr>
+</p:sld>
+</file>
+
+<file path=ppt/slides/slide32.xml><?xml version="1.0" encoding="utf-8"?>
 <p:sld xmlns:a="http://schemas.openxmlformats.org/drawingml/2006/main" xmlns:r="http://schemas.openxmlformats.org/officeDocument/2006/relationships" xmlns:p="http://schemas.openxmlformats.org/presentationml/2006/main">
   <p:cSld>
     <p:spTree>
@@ -13761,7 +14840,7 @@
 </p:sld>
 </file>
 
-<file path=ppt/slides/slide31.xml><?xml version="1.0" encoding="utf-8"?>
+<file path=ppt/slides/slide33.xml><?xml version="1.0" encoding="utf-8"?>
 <p:sld xmlns:a="http://schemas.openxmlformats.org/drawingml/2006/main" xmlns:r="http://schemas.openxmlformats.org/officeDocument/2006/relationships" xmlns:p="http://schemas.openxmlformats.org/presentationml/2006/main">
   <p:cSld>
     <p:spTree>
@@ -14480,7 +15559,7 @@
 </p:sld>
 </file>
 
-<file path=ppt/slides/slide32.xml><?xml version="1.0" encoding="utf-8"?>
+<file path=ppt/slides/slide34.xml><?xml version="1.0" encoding="utf-8"?>
 <p:sld xmlns:a="http://schemas.openxmlformats.org/drawingml/2006/main" xmlns:r="http://schemas.openxmlformats.org/officeDocument/2006/relationships" xmlns:p="http://schemas.openxmlformats.org/presentationml/2006/main">
   <p:cSld>
     <p:spTree>
@@ -14684,7 +15763,7 @@
 </p:sld>
 </file>
 
-<file path=ppt/slides/slide33.xml><?xml version="1.0" encoding="utf-8"?>
+<file path=ppt/slides/slide35.xml><?xml version="1.0" encoding="utf-8"?>
 <p:sld xmlns:a="http://schemas.openxmlformats.org/drawingml/2006/main" xmlns:r="http://schemas.openxmlformats.org/officeDocument/2006/relationships" xmlns:p="http://schemas.openxmlformats.org/presentationml/2006/main">
   <p:cSld>
     <p:spTree>
@@ -15076,7 +16155,7 @@
 </p:sld>
 </file>
 
-<file path=ppt/slides/slide34.xml><?xml version="1.0" encoding="utf-8"?>
+<file path=ppt/slides/slide36.xml><?xml version="1.0" encoding="utf-8"?>
 <p:sld xmlns:a="http://schemas.openxmlformats.org/drawingml/2006/main" xmlns:r="http://schemas.openxmlformats.org/officeDocument/2006/relationships" xmlns:p="http://schemas.openxmlformats.org/presentationml/2006/main">
   <p:cSld>
     <p:spTree>
@@ -15451,7 +16530,7 @@
 </p:sld>
 </file>
 
-<file path=ppt/slides/slide35.xml><?xml version="1.0" encoding="utf-8"?>
+<file path=ppt/slides/slide37.xml><?xml version="1.0" encoding="utf-8"?>
 <p:sld xmlns:a="http://schemas.openxmlformats.org/drawingml/2006/main" xmlns:r="http://schemas.openxmlformats.org/officeDocument/2006/relationships" xmlns:p="http://schemas.openxmlformats.org/presentationml/2006/main">
   <p:cSld>
     <p:spTree>
@@ -15563,7 +16642,7 @@
 </p:sld>
 </file>
 
-<file path=ppt/slides/slide36.xml><?xml version="1.0" encoding="utf-8"?>
+<file path=ppt/slides/slide38.xml><?xml version="1.0" encoding="utf-8"?>
 <p:sld xmlns:a="http://schemas.openxmlformats.org/drawingml/2006/main" xmlns:r="http://schemas.openxmlformats.org/officeDocument/2006/relationships" xmlns:p="http://schemas.openxmlformats.org/presentationml/2006/main">
   <p:cSld>
     <p:spTree>
@@ -16820,169 +17899,6 @@
 </p:sld>
 </file>
 
-<file path=ppt/slides/slide37.xml><?xml version="1.0" encoding="utf-8"?>
-<p:sld xmlns:a="http://schemas.openxmlformats.org/drawingml/2006/main" xmlns:r="http://schemas.openxmlformats.org/officeDocument/2006/relationships" xmlns:p="http://schemas.openxmlformats.org/presentationml/2006/main">
-  <p:cSld>
-    <p:spTree>
-      <p:nvGrpSpPr>
-        <p:cNvPr id="1" name=""/>
-        <p:cNvGrpSpPr/>
-        <p:nvPr/>
-      </p:nvGrpSpPr>
-      <p:grpSpPr>
-        <a:xfrm>
-          <a:off x="0" y="0"/>
-          <a:ext cx="0" cy="0"/>
-          <a:chOff x="0" y="0"/>
-          <a:chExt cx="0" cy="0"/>
-        </a:xfrm>
-      </p:grpSpPr>
-      <p:sp>
-        <p:nvSpPr>
-          <p:cNvPr id="2" name="Title 1">
-            <a:extLst>
-              <a:ext uri="{FF2B5EF4-FFF2-40B4-BE49-F238E27FC236}">
-                <a16:creationId xmlns:a16="http://schemas.microsoft.com/office/drawing/2014/main" id="{1C9561BB-87FB-4861-A38F-FD8436BE4124}"/>
-              </a:ext>
-            </a:extLst>
-          </p:cNvPr>
-          <p:cNvSpPr>
-            <a:spLocks noGrp="1"/>
-          </p:cNvSpPr>
-          <p:nvPr>
-            <p:ph type="title"/>
-          </p:nvPr>
-        </p:nvSpPr>
-        <p:spPr/>
-        <p:txBody>
-          <a:bodyPr/>
-          <a:lstStyle/>
-          <a:p>
-            <a:r>
-              <a:rPr lang="en-SG" dirty="0"/>
-              <a:t>Data &gt; Adapter &gt; </a:t>
-            </a:r>
-            <a:r>
-              <a:rPr lang="en-SG" dirty="0" err="1"/>
-              <a:t>RecyclerView</a:t>
-            </a:r>
-            <a:r>
-              <a:rPr lang="en-SG" dirty="0"/>
-              <a:t> &gt; View</a:t>
-            </a:r>
-          </a:p>
-        </p:txBody>
-      </p:sp>
-    </p:spTree>
-    <p:extLst>
-      <p:ext uri="{BB962C8B-B14F-4D97-AF65-F5344CB8AC3E}">
-        <p14:creationId xmlns:p14="http://schemas.microsoft.com/office/powerpoint/2010/main" val="917581518"/>
-      </p:ext>
-    </p:extLst>
-  </p:cSld>
-  <p:clrMapOvr>
-    <a:masterClrMapping/>
-  </p:clrMapOvr>
-</p:sld>
-</file>
-
-<file path=ppt/slides/slide38.xml><?xml version="1.0" encoding="utf-8"?>
-<p:sld xmlns:a="http://schemas.openxmlformats.org/drawingml/2006/main" xmlns:r="http://schemas.openxmlformats.org/officeDocument/2006/relationships" xmlns:p="http://schemas.openxmlformats.org/presentationml/2006/main">
-  <p:cSld>
-    <p:spTree>
-      <p:nvGrpSpPr>
-        <p:cNvPr id="1" name=""/>
-        <p:cNvGrpSpPr/>
-        <p:nvPr/>
-      </p:nvGrpSpPr>
-      <p:grpSpPr>
-        <a:xfrm>
-          <a:off x="0" y="0"/>
-          <a:ext cx="0" cy="0"/>
-          <a:chOff x="0" y="0"/>
-          <a:chExt cx="0" cy="0"/>
-        </a:xfrm>
-      </p:grpSpPr>
-      <p:sp>
-        <p:nvSpPr>
-          <p:cNvPr id="2" name="Title 1"/>
-          <p:cNvSpPr>
-            <a:spLocks noGrp="1"/>
-          </p:cNvSpPr>
-          <p:nvPr>
-            <p:ph type="title"/>
-          </p:nvPr>
-        </p:nvSpPr>
-        <p:spPr/>
-        <p:txBody>
-          <a:bodyPr/>
-          <a:lstStyle/>
-          <a:p>
-            <a:r>
-              <a:rPr lang="en-US" dirty="0"/>
-              <a:t>Model vs. </a:t>
-            </a:r>
-            <a:r>
-              <a:rPr lang="en-US" dirty="0" err="1"/>
-              <a:t>Datasource</a:t>
-            </a:r>
-            <a:endParaRPr lang="en-SG" dirty="0"/>
-          </a:p>
-        </p:txBody>
-      </p:sp>
-      <p:sp>
-        <p:nvSpPr>
-          <p:cNvPr id="3" name="Content Placeholder 2"/>
-          <p:cNvSpPr>
-            <a:spLocks noGrp="1"/>
-          </p:cNvSpPr>
-          <p:nvPr>
-            <p:ph idx="1"/>
-          </p:nvPr>
-        </p:nvSpPr>
-        <p:spPr/>
-        <p:txBody>
-          <a:bodyPr/>
-          <a:lstStyle/>
-          <a:p>
-            <a:r>
-              <a:rPr lang="en-US" dirty="0"/>
-              <a:t>Each model represents certain data you want in your app</a:t>
-            </a:r>
-          </a:p>
-          <a:p>
-            <a:pPr lvl="1"/>
-            <a:r>
-              <a:rPr lang="en-US" dirty="0"/>
-              <a:t>e.g. Car model, Fruit model, House model</a:t>
-            </a:r>
-          </a:p>
-          <a:p>
-            <a:r>
-              <a:rPr lang="en-US" dirty="0" err="1"/>
-              <a:t>Datasource</a:t>
-            </a:r>
-            <a:r>
-              <a:rPr lang="en-US" dirty="0"/>
-              <a:t> is a separate class where you can create functions to handle different types of data models</a:t>
-            </a:r>
-            <a:endParaRPr lang="en-SG" dirty="0"/>
-          </a:p>
-        </p:txBody>
-      </p:sp>
-    </p:spTree>
-    <p:extLst>
-      <p:ext uri="{BB962C8B-B14F-4D97-AF65-F5344CB8AC3E}">
-        <p14:creationId xmlns:p14="http://schemas.microsoft.com/office/powerpoint/2010/main" val="2758969986"/>
-      </p:ext>
-    </p:extLst>
-  </p:cSld>
-  <p:clrMapOvr>
-    <a:masterClrMapping/>
-  </p:clrMapOvr>
-</p:sld>
-</file>
-
 <file path=ppt/slides/slide39.xml><?xml version="1.0" encoding="utf-8"?>
 <p:sld xmlns:a="http://schemas.openxmlformats.org/drawingml/2006/main" xmlns:r="http://schemas.openxmlformats.org/officeDocument/2006/relationships" xmlns:p="http://schemas.openxmlformats.org/presentationml/2006/main">
   <p:cSld>
@@ -17005,7 +17921,7 @@
           <p:cNvPr id="2" name="Title 1">
             <a:extLst>
               <a:ext uri="{FF2B5EF4-FFF2-40B4-BE49-F238E27FC236}">
-                <a16:creationId xmlns:a16="http://schemas.microsoft.com/office/drawing/2014/main" id="{9D9ADF61-2343-4150-8592-6E0680070EEA}"/>
+                <a16:creationId xmlns:a16="http://schemas.microsoft.com/office/drawing/2014/main" id="{1C9561BB-87FB-4861-A38F-FD8436BE4124}"/>
               </a:ext>
             </a:extLst>
           </p:cNvPr>
@@ -17023,87 +17939,23 @@
           <a:p>
             <a:r>
               <a:rPr lang="en-SG" dirty="0"/>
-              <a:t>Coding nuances that nobody really cares</a:t>
-            </a:r>
-          </a:p>
-        </p:txBody>
-      </p:sp>
-      <p:sp>
-        <p:nvSpPr>
-          <p:cNvPr id="3" name="Content Placeholder 2">
-            <a:extLst>
-              <a:ext uri="{FF2B5EF4-FFF2-40B4-BE49-F238E27FC236}">
-                <a16:creationId xmlns:a16="http://schemas.microsoft.com/office/drawing/2014/main" id="{A7912FF4-9187-4E0A-824C-E0D930645EAF}"/>
-              </a:ext>
-            </a:extLst>
-          </p:cNvPr>
-          <p:cNvSpPr>
-            <a:spLocks noGrp="1"/>
-          </p:cNvSpPr>
-          <p:nvPr>
-            <p:ph idx="1"/>
-          </p:nvPr>
-        </p:nvSpPr>
-        <p:spPr/>
-        <p:txBody>
-          <a:bodyPr>
-            <a:normAutofit/>
-          </a:bodyPr>
-          <a:lstStyle/>
-          <a:p>
-            <a:r>
-              <a:rPr lang="en-SG" sz="2400" dirty="0"/>
-              <a:t>Method or Function?</a:t>
-            </a:r>
-          </a:p>
-          <a:p>
-            <a:pPr lvl="1"/>
-            <a:r>
-              <a:rPr lang="en-SG" sz="2000" dirty="0"/>
-              <a:t>A method presumes the existence of an object (i.e. defined within a class), while a function is free and independent.</a:t>
-            </a:r>
-          </a:p>
-          <a:p>
-            <a:r>
-              <a:rPr lang="en-SG" sz="2400" dirty="0"/>
-              <a:t>Parameter or Argument?</a:t>
-            </a:r>
-          </a:p>
-          <a:p>
-            <a:pPr lvl="1"/>
-            <a:r>
-              <a:rPr lang="en-US" sz="2000" dirty="0"/>
-              <a:t>A parameter is variable declaration in the function/method definition. When the function/method is called, the arguments are the data you pass into its parameters.</a:t>
-            </a:r>
-          </a:p>
-          <a:p>
-            <a:r>
-              <a:rPr lang="en-US" sz="2400" dirty="0"/>
-              <a:t>Property or Attribute?</a:t>
-            </a:r>
-          </a:p>
-          <a:p>
-            <a:pPr lvl="1"/>
-            <a:r>
-              <a:rPr lang="en-US" sz="2000" dirty="0"/>
-              <a:t>A property is something that </a:t>
-            </a:r>
-            <a:r>
-              <a:rPr lang="en-US" sz="2000" dirty="0" err="1"/>
-              <a:t>characterises</a:t>
-            </a:r>
-            <a:r>
-              <a:rPr lang="en-US" sz="2000" dirty="0"/>
-              <a:t> a class (e.g. age and gender are properties of human) and the property becomes an attribute when it is given a value or description (e.g. age is 20, gender is female)</a:t>
-            </a:r>
-            <a:endParaRPr lang="en-SG" sz="2000" dirty="0"/>
+              <a:t>Data &gt; Adapter &gt; </a:t>
+            </a:r>
+            <a:r>
+              <a:rPr lang="en-SG" dirty="0" err="1"/>
+              <a:t>RecyclerView</a:t>
+            </a:r>
+            <a:r>
+              <a:rPr lang="en-SG" dirty="0"/>
+              <a:t> &gt; View</a:t>
+            </a:r>
           </a:p>
         </p:txBody>
       </p:sp>
     </p:spTree>
     <p:extLst>
       <p:ext uri="{BB962C8B-B14F-4D97-AF65-F5344CB8AC3E}">
-        <p14:creationId xmlns:p14="http://schemas.microsoft.com/office/powerpoint/2010/main" val="831621953"/>
+        <p14:creationId xmlns:p14="http://schemas.microsoft.com/office/powerpoint/2010/main" val="917581518"/>
       </p:ext>
     </p:extLst>
   </p:cSld>
@@ -17822,6 +18674,233 @@
       </p:grpSpPr>
       <p:sp>
         <p:nvSpPr>
+          <p:cNvPr id="2" name="Title 1"/>
+          <p:cNvSpPr>
+            <a:spLocks noGrp="1"/>
+          </p:cNvSpPr>
+          <p:nvPr>
+            <p:ph type="title"/>
+          </p:nvPr>
+        </p:nvSpPr>
+        <p:spPr/>
+        <p:txBody>
+          <a:bodyPr/>
+          <a:lstStyle/>
+          <a:p>
+            <a:r>
+              <a:rPr lang="en-US" dirty="0"/>
+              <a:t>Model vs. </a:t>
+            </a:r>
+            <a:r>
+              <a:rPr lang="en-US" dirty="0" err="1"/>
+              <a:t>Datasource</a:t>
+            </a:r>
+            <a:endParaRPr lang="en-SG" dirty="0"/>
+          </a:p>
+        </p:txBody>
+      </p:sp>
+      <p:sp>
+        <p:nvSpPr>
+          <p:cNvPr id="3" name="Content Placeholder 2"/>
+          <p:cNvSpPr>
+            <a:spLocks noGrp="1"/>
+          </p:cNvSpPr>
+          <p:nvPr>
+            <p:ph idx="1"/>
+          </p:nvPr>
+        </p:nvSpPr>
+        <p:spPr/>
+        <p:txBody>
+          <a:bodyPr/>
+          <a:lstStyle/>
+          <a:p>
+            <a:r>
+              <a:rPr lang="en-US" dirty="0"/>
+              <a:t>Each model represents certain data you want in your app</a:t>
+            </a:r>
+          </a:p>
+          <a:p>
+            <a:pPr lvl="1"/>
+            <a:r>
+              <a:rPr lang="en-US" dirty="0"/>
+              <a:t>e.g. Car model, Fruit model, House model</a:t>
+            </a:r>
+          </a:p>
+          <a:p>
+            <a:r>
+              <a:rPr lang="en-US" dirty="0" err="1"/>
+              <a:t>Datasource</a:t>
+            </a:r>
+            <a:r>
+              <a:rPr lang="en-US" dirty="0"/>
+              <a:t> is a separate class where you can create functions to handle different types of data models</a:t>
+            </a:r>
+            <a:endParaRPr lang="en-SG" dirty="0"/>
+          </a:p>
+        </p:txBody>
+      </p:sp>
+    </p:spTree>
+    <p:extLst>
+      <p:ext uri="{BB962C8B-B14F-4D97-AF65-F5344CB8AC3E}">
+        <p14:creationId xmlns:p14="http://schemas.microsoft.com/office/powerpoint/2010/main" val="2758969986"/>
+      </p:ext>
+    </p:extLst>
+  </p:cSld>
+  <p:clrMapOvr>
+    <a:masterClrMapping/>
+  </p:clrMapOvr>
+</p:sld>
+</file>
+
+<file path=ppt/slides/slide41.xml><?xml version="1.0" encoding="utf-8"?>
+<p:sld xmlns:a="http://schemas.openxmlformats.org/drawingml/2006/main" xmlns:r="http://schemas.openxmlformats.org/officeDocument/2006/relationships" xmlns:p="http://schemas.openxmlformats.org/presentationml/2006/main">
+  <p:cSld>
+    <p:spTree>
+      <p:nvGrpSpPr>
+        <p:cNvPr id="1" name=""/>
+        <p:cNvGrpSpPr/>
+        <p:nvPr/>
+      </p:nvGrpSpPr>
+      <p:grpSpPr>
+        <a:xfrm>
+          <a:off x="0" y="0"/>
+          <a:ext cx="0" cy="0"/>
+          <a:chOff x="0" y="0"/>
+          <a:chExt cx="0" cy="0"/>
+        </a:xfrm>
+      </p:grpSpPr>
+      <p:sp>
+        <p:nvSpPr>
+          <p:cNvPr id="2" name="Title 1">
+            <a:extLst>
+              <a:ext uri="{FF2B5EF4-FFF2-40B4-BE49-F238E27FC236}">
+                <a16:creationId xmlns:a16="http://schemas.microsoft.com/office/drawing/2014/main" id="{9D9ADF61-2343-4150-8592-6E0680070EEA}"/>
+              </a:ext>
+            </a:extLst>
+          </p:cNvPr>
+          <p:cNvSpPr>
+            <a:spLocks noGrp="1"/>
+          </p:cNvSpPr>
+          <p:nvPr>
+            <p:ph type="title"/>
+          </p:nvPr>
+        </p:nvSpPr>
+        <p:spPr/>
+        <p:txBody>
+          <a:bodyPr/>
+          <a:lstStyle/>
+          <a:p>
+            <a:r>
+              <a:rPr lang="en-SG" dirty="0"/>
+              <a:t>Coding nuances that nobody really cares</a:t>
+            </a:r>
+          </a:p>
+        </p:txBody>
+      </p:sp>
+      <p:sp>
+        <p:nvSpPr>
+          <p:cNvPr id="3" name="Content Placeholder 2">
+            <a:extLst>
+              <a:ext uri="{FF2B5EF4-FFF2-40B4-BE49-F238E27FC236}">
+                <a16:creationId xmlns:a16="http://schemas.microsoft.com/office/drawing/2014/main" id="{A7912FF4-9187-4E0A-824C-E0D930645EAF}"/>
+              </a:ext>
+            </a:extLst>
+          </p:cNvPr>
+          <p:cNvSpPr>
+            <a:spLocks noGrp="1"/>
+          </p:cNvSpPr>
+          <p:nvPr>
+            <p:ph idx="1"/>
+          </p:nvPr>
+        </p:nvSpPr>
+        <p:spPr/>
+        <p:txBody>
+          <a:bodyPr>
+            <a:normAutofit/>
+          </a:bodyPr>
+          <a:lstStyle/>
+          <a:p>
+            <a:r>
+              <a:rPr lang="en-SG" sz="2400" dirty="0"/>
+              <a:t>Method or Function?</a:t>
+            </a:r>
+          </a:p>
+          <a:p>
+            <a:pPr lvl="1"/>
+            <a:r>
+              <a:rPr lang="en-SG" sz="2000" dirty="0"/>
+              <a:t>A method presumes the existence of an object (i.e. defined within a class), while a function is free and independent.</a:t>
+            </a:r>
+          </a:p>
+          <a:p>
+            <a:r>
+              <a:rPr lang="en-SG" sz="2400" dirty="0"/>
+              <a:t>Parameter or Argument?</a:t>
+            </a:r>
+          </a:p>
+          <a:p>
+            <a:pPr lvl="1"/>
+            <a:r>
+              <a:rPr lang="en-US" sz="2000" dirty="0"/>
+              <a:t>A parameter is variable declaration in the function/method definition. When the function/method is called, the arguments are the data you pass into its parameters.</a:t>
+            </a:r>
+          </a:p>
+          <a:p>
+            <a:r>
+              <a:rPr lang="en-US" sz="2400" dirty="0"/>
+              <a:t>Property or Attribute?</a:t>
+            </a:r>
+          </a:p>
+          <a:p>
+            <a:pPr lvl="1"/>
+            <a:r>
+              <a:rPr lang="en-US" sz="2000" dirty="0"/>
+              <a:t>A property is something that </a:t>
+            </a:r>
+            <a:r>
+              <a:rPr lang="en-US" sz="2000" dirty="0" err="1"/>
+              <a:t>characterises</a:t>
+            </a:r>
+            <a:r>
+              <a:rPr lang="en-US" sz="2000" dirty="0"/>
+              <a:t> a class (e.g. age and gender are properties of human) and the property becomes an attribute when it is given a value or description (e.g. age is 20, gender is female)</a:t>
+            </a:r>
+            <a:endParaRPr lang="en-SG" sz="2000" dirty="0"/>
+          </a:p>
+        </p:txBody>
+      </p:sp>
+    </p:spTree>
+    <p:extLst>
+      <p:ext uri="{BB962C8B-B14F-4D97-AF65-F5344CB8AC3E}">
+        <p14:creationId xmlns:p14="http://schemas.microsoft.com/office/powerpoint/2010/main" val="831621953"/>
+      </p:ext>
+    </p:extLst>
+  </p:cSld>
+  <p:clrMapOvr>
+    <a:masterClrMapping/>
+  </p:clrMapOvr>
+</p:sld>
+</file>
+
+<file path=ppt/slides/slide42.xml><?xml version="1.0" encoding="utf-8"?>
+<p:sld xmlns:a="http://schemas.openxmlformats.org/drawingml/2006/main" xmlns:r="http://schemas.openxmlformats.org/officeDocument/2006/relationships" xmlns:p="http://schemas.openxmlformats.org/presentationml/2006/main">
+  <p:cSld>
+    <p:spTree>
+      <p:nvGrpSpPr>
+        <p:cNvPr id="1" name=""/>
+        <p:cNvGrpSpPr/>
+        <p:nvPr/>
+      </p:nvGrpSpPr>
+      <p:grpSpPr>
+        <a:xfrm>
+          <a:off x="0" y="0"/>
+          <a:ext cx="0" cy="0"/>
+          <a:chOff x="0" y="0"/>
+          <a:chExt cx="0" cy="0"/>
+        </a:xfrm>
+      </p:grpSpPr>
+      <p:sp>
+        <p:nvSpPr>
           <p:cNvPr id="2" name="Title 1">
             <a:extLst>
               <a:ext uri="{FF2B5EF4-FFF2-40B4-BE49-F238E27FC236}">
@@ -17904,7 +18983,7 @@
 </p:sld>
 </file>
 
-<file path=ppt/slides/slide41.xml><?xml version="1.0" encoding="utf-8"?>
+<file path=ppt/slides/slide43.xml><?xml version="1.0" encoding="utf-8"?>
 <p:sld xmlns:a="http://schemas.openxmlformats.org/drawingml/2006/main" xmlns:r="http://schemas.openxmlformats.org/officeDocument/2006/relationships" xmlns:p="http://schemas.openxmlformats.org/presentationml/2006/main">
   <p:cSld>
     <p:spTree>
@@ -18026,7 +19105,7 @@
 </p:sld>
 </file>
 
-<file path=ppt/slides/slide42.xml><?xml version="1.0" encoding="utf-8"?>
+<file path=ppt/slides/slide44.xml><?xml version="1.0" encoding="utf-8"?>
 <p:sld xmlns:a="http://schemas.openxmlformats.org/drawingml/2006/main" xmlns:r="http://schemas.openxmlformats.org/officeDocument/2006/relationships" xmlns:p="http://schemas.openxmlformats.org/presentationml/2006/main">
   <p:cSld>
     <p:spTree>
@@ -18086,7 +19165,7 @@
 </p:sld>
 </file>
 
-<file path=ppt/slides/slide43.xml><?xml version="1.0" encoding="utf-8"?>
+<file path=ppt/slides/slide45.xml><?xml version="1.0" encoding="utf-8"?>
 <p:sld xmlns:a="http://schemas.openxmlformats.org/drawingml/2006/main" xmlns:r="http://schemas.openxmlformats.org/officeDocument/2006/relationships" xmlns:p="http://schemas.openxmlformats.org/presentationml/2006/main">
   <p:cSld>
     <p:spTree>
@@ -18146,7 +19225,7 @@
 </p:sld>
 </file>
 
-<file path=ppt/slides/slide44.xml><?xml version="1.0" encoding="utf-8"?>
+<file path=ppt/slides/slide46.xml><?xml version="1.0" encoding="utf-8"?>
 <p:sld xmlns:a="http://schemas.openxmlformats.org/drawingml/2006/main" xmlns:r="http://schemas.openxmlformats.org/officeDocument/2006/relationships" xmlns:p="http://schemas.openxmlformats.org/presentationml/2006/main">
   <p:cSld>
     <p:spTree>
@@ -18206,7 +19285,7 @@
 </p:sld>
 </file>
 
-<file path=ppt/slides/slide45.xml><?xml version="1.0" encoding="utf-8"?>
+<file path=ppt/slides/slide47.xml><?xml version="1.0" encoding="utf-8"?>
 <p:sld xmlns:a="http://schemas.openxmlformats.org/drawingml/2006/main" xmlns:r="http://schemas.openxmlformats.org/officeDocument/2006/relationships" xmlns:p="http://schemas.openxmlformats.org/presentationml/2006/main">
   <p:cSld>
     <p:spTree>
@@ -18317,7 +19396,7 @@
 </p:sld>
 </file>
 
-<file path=ppt/slides/slide46.xml><?xml version="1.0" encoding="utf-8"?>
+<file path=ppt/slides/slide48.xml><?xml version="1.0" encoding="utf-8"?>
 <p:sld xmlns:a="http://schemas.openxmlformats.org/drawingml/2006/main" xmlns:r="http://schemas.openxmlformats.org/officeDocument/2006/relationships" xmlns:p="http://schemas.openxmlformats.org/presentationml/2006/main">
   <p:cSld>
     <p:spTree>

--- a/Android Basics in Kotlin.pptx
+++ b/Android Basics in Kotlin.pptx
@@ -5,7 +5,7 @@
     <p:sldMasterId id="2147483648" r:id="rId1"/>
   </p:sldMasterIdLst>
   <p:notesMasterIdLst>
-    <p:notesMasterId r:id="rId56"/>
+    <p:notesMasterId r:id="rId59"/>
   </p:notesMasterIdLst>
   <p:sldIdLst>
     <p:sldId id="256" r:id="rId2"/>
@@ -25,43 +25,46 @@
     <p:sldId id="293" r:id="rId16"/>
     <p:sldId id="306" r:id="rId17"/>
     <p:sldId id="305" r:id="rId18"/>
-    <p:sldId id="259" r:id="rId19"/>
-    <p:sldId id="279" r:id="rId20"/>
-    <p:sldId id="278" r:id="rId21"/>
-    <p:sldId id="287" r:id="rId22"/>
-    <p:sldId id="257" r:id="rId23"/>
-    <p:sldId id="258" r:id="rId24"/>
-    <p:sldId id="260" r:id="rId25"/>
-    <p:sldId id="307" r:id="rId26"/>
-    <p:sldId id="292" r:id="rId27"/>
-    <p:sldId id="304" r:id="rId28"/>
-    <p:sldId id="296" r:id="rId29"/>
-    <p:sldId id="297" r:id="rId30"/>
-    <p:sldId id="298" r:id="rId31"/>
-    <p:sldId id="308" r:id="rId32"/>
-    <p:sldId id="277" r:id="rId33"/>
-    <p:sldId id="280" r:id="rId34"/>
-    <p:sldId id="299" r:id="rId35"/>
-    <p:sldId id="300" r:id="rId36"/>
-    <p:sldId id="301" r:id="rId37"/>
-    <p:sldId id="284" r:id="rId38"/>
-    <p:sldId id="264" r:id="rId39"/>
-    <p:sldId id="271" r:id="rId40"/>
-    <p:sldId id="309" r:id="rId41"/>
-    <p:sldId id="265" r:id="rId42"/>
-    <p:sldId id="289" r:id="rId43"/>
-    <p:sldId id="302" r:id="rId44"/>
-    <p:sldId id="303" r:id="rId45"/>
-    <p:sldId id="283" r:id="rId46"/>
-    <p:sldId id="282" r:id="rId47"/>
-    <p:sldId id="285" r:id="rId48"/>
-    <p:sldId id="286" r:id="rId49"/>
-    <p:sldId id="267" r:id="rId50"/>
-    <p:sldId id="268" r:id="rId51"/>
-    <p:sldId id="269" r:id="rId52"/>
-    <p:sldId id="270" r:id="rId53"/>
-    <p:sldId id="266" r:id="rId54"/>
-    <p:sldId id="261" r:id="rId55"/>
+    <p:sldId id="310" r:id="rId19"/>
+    <p:sldId id="312" r:id="rId20"/>
+    <p:sldId id="311" r:id="rId21"/>
+    <p:sldId id="259" r:id="rId22"/>
+    <p:sldId id="279" r:id="rId23"/>
+    <p:sldId id="278" r:id="rId24"/>
+    <p:sldId id="287" r:id="rId25"/>
+    <p:sldId id="257" r:id="rId26"/>
+    <p:sldId id="258" r:id="rId27"/>
+    <p:sldId id="260" r:id="rId28"/>
+    <p:sldId id="307" r:id="rId29"/>
+    <p:sldId id="292" r:id="rId30"/>
+    <p:sldId id="304" r:id="rId31"/>
+    <p:sldId id="296" r:id="rId32"/>
+    <p:sldId id="297" r:id="rId33"/>
+    <p:sldId id="298" r:id="rId34"/>
+    <p:sldId id="308" r:id="rId35"/>
+    <p:sldId id="277" r:id="rId36"/>
+    <p:sldId id="280" r:id="rId37"/>
+    <p:sldId id="299" r:id="rId38"/>
+    <p:sldId id="300" r:id="rId39"/>
+    <p:sldId id="301" r:id="rId40"/>
+    <p:sldId id="284" r:id="rId41"/>
+    <p:sldId id="264" r:id="rId42"/>
+    <p:sldId id="271" r:id="rId43"/>
+    <p:sldId id="309" r:id="rId44"/>
+    <p:sldId id="265" r:id="rId45"/>
+    <p:sldId id="289" r:id="rId46"/>
+    <p:sldId id="302" r:id="rId47"/>
+    <p:sldId id="303" r:id="rId48"/>
+    <p:sldId id="283" r:id="rId49"/>
+    <p:sldId id="282" r:id="rId50"/>
+    <p:sldId id="285" r:id="rId51"/>
+    <p:sldId id="286" r:id="rId52"/>
+    <p:sldId id="267" r:id="rId53"/>
+    <p:sldId id="268" r:id="rId54"/>
+    <p:sldId id="269" r:id="rId55"/>
+    <p:sldId id="270" r:id="rId56"/>
+    <p:sldId id="266" r:id="rId57"/>
+    <p:sldId id="261" r:id="rId58"/>
   </p:sldIdLst>
   <p:sldSz cx="12192000" cy="6858000"/>
   <p:notesSz cx="6858000" cy="9144000"/>
@@ -182,6 +185,9 @@
             <p14:sldId id="293"/>
             <p14:sldId id="306"/>
             <p14:sldId id="305"/>
+            <p14:sldId id="310"/>
+            <p14:sldId id="312"/>
+            <p14:sldId id="311"/>
             <p14:sldId id="259"/>
           </p14:sldIdLst>
         </p14:section>
@@ -348,7 +354,7 @@
           <a:p>
             <a:fld id="{20B40D95-F8C5-4C4C-B8B1-7273D807A246}" type="datetimeFigureOut">
               <a:rPr lang="en-SG" smtClean="0"/>
-              <a:t>24/6/2022</a:t>
+              <a:t>25/6/2022</a:t>
             </a:fld>
             <a:endParaRPr lang="en-SG"/>
           </a:p>
@@ -681,7 +687,7 @@
           <a:p>
             <a:fld id="{0D292F0F-6BB4-4714-BDBB-674EE16F5C0C}" type="slidenum">
               <a:rPr lang="en-SG" smtClean="0"/>
-              <a:t>23</a:t>
+              <a:t>26</a:t>
             </a:fld>
             <a:endParaRPr lang="en-SG"/>
           </a:p>
@@ -768,7 +774,7 @@
           <a:p>
             <a:fld id="{0D292F0F-6BB4-4714-BDBB-674EE16F5C0C}" type="slidenum">
               <a:rPr lang="en-SG" smtClean="0"/>
-              <a:t>52</a:t>
+              <a:t>55</a:t>
             </a:fld>
             <a:endParaRPr lang="en-SG"/>
           </a:p>
@@ -918,7 +924,7 @@
           <a:p>
             <a:fld id="{D0255EFB-A077-440B-BB8F-918E450D588D}" type="datetimeFigureOut">
               <a:rPr lang="en-SG" smtClean="0"/>
-              <a:t>24/6/2022</a:t>
+              <a:t>25/6/2022</a:t>
             </a:fld>
             <a:endParaRPr lang="en-SG"/>
           </a:p>
@@ -1088,7 +1094,7 @@
           <a:p>
             <a:fld id="{D0255EFB-A077-440B-BB8F-918E450D588D}" type="datetimeFigureOut">
               <a:rPr lang="en-SG" smtClean="0"/>
-              <a:t>24/6/2022</a:t>
+              <a:t>25/6/2022</a:t>
             </a:fld>
             <a:endParaRPr lang="en-SG"/>
           </a:p>
@@ -1268,7 +1274,7 @@
           <a:p>
             <a:fld id="{D0255EFB-A077-440B-BB8F-918E450D588D}" type="datetimeFigureOut">
               <a:rPr lang="en-SG" smtClean="0"/>
-              <a:t>24/6/2022</a:t>
+              <a:t>25/6/2022</a:t>
             </a:fld>
             <a:endParaRPr lang="en-SG"/>
           </a:p>
@@ -1438,7 +1444,7 @@
           <a:p>
             <a:fld id="{D0255EFB-A077-440B-BB8F-918E450D588D}" type="datetimeFigureOut">
               <a:rPr lang="en-SG" smtClean="0"/>
-              <a:t>24/6/2022</a:t>
+              <a:t>25/6/2022</a:t>
             </a:fld>
             <a:endParaRPr lang="en-SG"/>
           </a:p>
@@ -1684,7 +1690,7 @@
           <a:p>
             <a:fld id="{D0255EFB-A077-440B-BB8F-918E450D588D}" type="datetimeFigureOut">
               <a:rPr lang="en-SG" smtClean="0"/>
-              <a:t>24/6/2022</a:t>
+              <a:t>25/6/2022</a:t>
             </a:fld>
             <a:endParaRPr lang="en-SG"/>
           </a:p>
@@ -1916,7 +1922,7 @@
           <a:p>
             <a:fld id="{D0255EFB-A077-440B-BB8F-918E450D588D}" type="datetimeFigureOut">
               <a:rPr lang="en-SG" smtClean="0"/>
-              <a:t>24/6/2022</a:t>
+              <a:t>25/6/2022</a:t>
             </a:fld>
             <a:endParaRPr lang="en-SG"/>
           </a:p>
@@ -2283,7 +2289,7 @@
           <a:p>
             <a:fld id="{D0255EFB-A077-440B-BB8F-918E450D588D}" type="datetimeFigureOut">
               <a:rPr lang="en-SG" smtClean="0"/>
-              <a:t>24/6/2022</a:t>
+              <a:t>25/6/2022</a:t>
             </a:fld>
             <a:endParaRPr lang="en-SG"/>
           </a:p>
@@ -2401,7 +2407,7 @@
           <a:p>
             <a:fld id="{D0255EFB-A077-440B-BB8F-918E450D588D}" type="datetimeFigureOut">
               <a:rPr lang="en-SG" smtClean="0"/>
-              <a:t>24/6/2022</a:t>
+              <a:t>25/6/2022</a:t>
             </a:fld>
             <a:endParaRPr lang="en-SG"/>
           </a:p>
@@ -2496,7 +2502,7 @@
           <a:p>
             <a:fld id="{D0255EFB-A077-440B-BB8F-918E450D588D}" type="datetimeFigureOut">
               <a:rPr lang="en-SG" smtClean="0"/>
-              <a:t>24/6/2022</a:t>
+              <a:t>25/6/2022</a:t>
             </a:fld>
             <a:endParaRPr lang="en-SG"/>
           </a:p>
@@ -2773,7 +2779,7 @@
           <a:p>
             <a:fld id="{D0255EFB-A077-440B-BB8F-918E450D588D}" type="datetimeFigureOut">
               <a:rPr lang="en-SG" smtClean="0"/>
-              <a:t>24/6/2022</a:t>
+              <a:t>25/6/2022</a:t>
             </a:fld>
             <a:endParaRPr lang="en-SG"/>
           </a:p>
@@ -3026,7 +3032,7 @@
           <a:p>
             <a:fld id="{D0255EFB-A077-440B-BB8F-918E450D588D}" type="datetimeFigureOut">
               <a:rPr lang="en-SG" smtClean="0"/>
-              <a:t>24/6/2022</a:t>
+              <a:t>25/6/2022</a:t>
             </a:fld>
             <a:endParaRPr lang="en-SG"/>
           </a:p>
@@ -3239,7 +3245,7 @@
           <a:p>
             <a:fld id="{D0255EFB-A077-440B-BB8F-918E450D588D}" type="datetimeFigureOut">
               <a:rPr lang="en-SG" smtClean="0"/>
-              <a:t>24/6/2022</a:t>
+              <a:t>25/6/2022</a:t>
             </a:fld>
             <a:endParaRPr lang="en-SG"/>
           </a:p>
@@ -7617,7 +7623,7 @@
           <p:cNvPr id="2" name="Title 1">
             <a:extLst>
               <a:ext uri="{FF2B5EF4-FFF2-40B4-BE49-F238E27FC236}">
-                <a16:creationId xmlns:a16="http://schemas.microsoft.com/office/drawing/2014/main" id="{9D9ADF61-2343-4150-8592-6E0680070EEA}"/>
+                <a16:creationId xmlns:a16="http://schemas.microsoft.com/office/drawing/2014/main" id="{02D08A11-4659-42E4-996B-FBB1002F6B2B}"/>
               </a:ext>
             </a:extLst>
           </p:cNvPr>
@@ -7635,7 +7641,7 @@
           <a:p>
             <a:r>
               <a:rPr lang="en-SG" dirty="0"/>
-              <a:t>Coding nuances that nobody really cares</a:t>
+              <a:t>Lambda Expressions (or lambdas in short)</a:t>
             </a:r>
           </a:p>
         </p:txBody>
@@ -7645,7 +7651,7 @@
           <p:cNvPr id="3" name="Content Placeholder 2">
             <a:extLst>
               <a:ext uri="{FF2B5EF4-FFF2-40B4-BE49-F238E27FC236}">
-                <a16:creationId xmlns:a16="http://schemas.microsoft.com/office/drawing/2014/main" id="{A7912FF4-9187-4E0A-824C-E0D930645EAF}"/>
+                <a16:creationId xmlns:a16="http://schemas.microsoft.com/office/drawing/2014/main" id="{7E580A39-80B6-486C-9865-7D097AE4C55B}"/>
               </a:ext>
             </a:extLst>
           </p:cNvPr>
@@ -7658,64 +7664,117 @@
         </p:nvSpPr>
         <p:spPr/>
         <p:txBody>
-          <a:bodyPr>
-            <a:normAutofit/>
-          </a:bodyPr>
+          <a:bodyPr/>
           <a:lstStyle/>
           <a:p>
-            <a:r>
-              <a:rPr lang="en-SG" sz="2400" dirty="0"/>
-              <a:t>Method or Function?</a:t>
-            </a:r>
-          </a:p>
-          <a:p>
-            <a:pPr lvl="1"/>
-            <a:r>
-              <a:rPr lang="en-SG" sz="2000" dirty="0"/>
-              <a:t>A method presumes the existence of an object (i.e. defined within a class), while a function is free and independent.</a:t>
-            </a:r>
-          </a:p>
-          <a:p>
-            <a:r>
-              <a:rPr lang="en-SG" sz="2400" dirty="0"/>
-              <a:t>Parameter or Argument?</a:t>
-            </a:r>
-          </a:p>
-          <a:p>
-            <a:pPr lvl="1"/>
-            <a:r>
-              <a:rPr lang="en-US" sz="2000" dirty="0"/>
-              <a:t>A parameter is variable declaration in the function/method definition. When the function/method is called, the arguments are the data you pass into its parameters.</a:t>
-            </a:r>
-          </a:p>
-          <a:p>
-            <a:r>
-              <a:rPr lang="en-US" sz="2400" dirty="0"/>
-              <a:t>Property or Attribute?</a:t>
-            </a:r>
-          </a:p>
-          <a:p>
-            <a:pPr lvl="1"/>
-            <a:r>
-              <a:rPr lang="en-US" sz="2000" dirty="0"/>
-              <a:t>A property is something that </a:t>
-            </a:r>
-            <a:r>
-              <a:rPr lang="en-US" sz="2000" dirty="0" err="1"/>
-              <a:t>characterises</a:t>
-            </a:r>
-            <a:r>
-              <a:rPr lang="en-US" sz="2000" dirty="0"/>
-              <a:t> a class (e.g. age and gender are properties of human) and the property becomes an attribute when it is given a value or description (e.g. age is 20, gender is female)</a:t>
-            </a:r>
-            <a:endParaRPr lang="en-SG" sz="2000" dirty="0"/>
+            <a:pPr marL="0" indent="0">
+              <a:buNone/>
+            </a:pPr>
+            <a:r>
+              <a:rPr lang="en-SG" u="sng" dirty="0"/>
+              <a:t>Normal function</a:t>
+            </a:r>
+          </a:p>
+          <a:p>
+            <a:pPr marL="0" indent="0">
+              <a:buNone/>
+            </a:pPr>
+            <a:r>
+              <a:rPr lang="en-SG" sz="1400" dirty="0">
+                <a:latin typeface="Lucida Console" panose="020B0609040504020204" pitchFamily="49" charset="0"/>
+              </a:rPr>
+              <a:t>fun triple(</a:t>
+            </a:r>
+            <a:r>
+              <a:rPr lang="en-SG" sz="1400" dirty="0" err="1">
+                <a:latin typeface="Lucida Console" panose="020B0609040504020204" pitchFamily="49" charset="0"/>
+              </a:rPr>
+              <a:t>val</a:t>
+            </a:r>
+            <a:r>
+              <a:rPr lang="en-SG" sz="1400" dirty="0">
+                <a:latin typeface="Lucida Console" panose="020B0609040504020204" pitchFamily="49" charset="0"/>
+              </a:rPr>
+              <a:t> a: Int) {</a:t>
+            </a:r>
+          </a:p>
+          <a:p>
+            <a:pPr marL="0" indent="0">
+              <a:buNone/>
+            </a:pPr>
+            <a:r>
+              <a:rPr lang="en-SG" sz="1400" dirty="0">
+                <a:latin typeface="Lucida Console" panose="020B0609040504020204" pitchFamily="49" charset="0"/>
+              </a:rPr>
+              <a:t>	return a*3	</a:t>
+            </a:r>
+          </a:p>
+          <a:p>
+            <a:pPr marL="0" indent="0">
+              <a:buNone/>
+            </a:pPr>
+            <a:r>
+              <a:rPr lang="en-SG" sz="1400" dirty="0">
+                <a:latin typeface="Lucida Console" panose="020B0609040504020204" pitchFamily="49" charset="0"/>
+              </a:rPr>
+              <a:t>}</a:t>
+            </a:r>
+          </a:p>
+          <a:p>
+            <a:pPr marL="0" indent="0">
+              <a:buNone/>
+            </a:pPr>
+            <a:endParaRPr lang="en-SG" dirty="0"/>
+          </a:p>
+          <a:p>
+            <a:pPr marL="0" indent="0">
+              <a:buNone/>
+            </a:pPr>
+            <a:r>
+              <a:rPr lang="en-SG" u="sng" dirty="0"/>
+              <a:t>Lambda</a:t>
+            </a:r>
+          </a:p>
+          <a:p>
+            <a:pPr marL="0" indent="0">
+              <a:buNone/>
+            </a:pPr>
+            <a:r>
+              <a:rPr lang="en-SG" sz="1400" dirty="0" err="1">
+                <a:latin typeface="Lucida Console" panose="020B0609040504020204" pitchFamily="49" charset="0"/>
+              </a:rPr>
+              <a:t>val</a:t>
+            </a:r>
+            <a:r>
+              <a:rPr lang="en-SG" sz="1400" dirty="0">
+                <a:latin typeface="Lucida Console" panose="020B0609040504020204" pitchFamily="49" charset="0"/>
+              </a:rPr>
+              <a:t> triple: (Int) -&gt; Int = { a: Int -&gt; a*3 }</a:t>
+            </a:r>
+          </a:p>
+          <a:p>
+            <a:pPr marL="0" indent="0">
+              <a:buNone/>
+            </a:pPr>
+            <a:r>
+              <a:rPr lang="en-SG" sz="1400" dirty="0" err="1">
+                <a:latin typeface="Lucida Console" panose="020B0609040504020204" pitchFamily="49" charset="0"/>
+              </a:rPr>
+              <a:t>val</a:t>
+            </a:r>
+            <a:r>
+              <a:rPr lang="en-SG" sz="1400" dirty="0">
+                <a:latin typeface="Lucida Console" panose="020B0609040504020204" pitchFamily="49" charset="0"/>
+              </a:rPr>
+              <a:t> triple: (Int) -&gt; Int = { it*3 } </a:t>
+            </a:r>
           </a:p>
         </p:txBody>
       </p:sp>
     </p:spTree>
     <p:extLst>
       <p:ext uri="{BB962C8B-B14F-4D97-AF65-F5344CB8AC3E}">
-        <p14:creationId xmlns:p14="http://schemas.microsoft.com/office/powerpoint/2010/main" val="831621953"/>
+        <p14:creationId xmlns:p14="http://schemas.microsoft.com/office/powerpoint/2010/main" val="3637480554"/>
       </p:ext>
     </p:extLst>
   </p:cSld>
@@ -7744,10 +7803,314 @@
       </p:grpSpPr>
       <p:sp>
         <p:nvSpPr>
+          <p:cNvPr id="3" name="Content Placeholder 2">
+            <a:extLst>
+              <a:ext uri="{FF2B5EF4-FFF2-40B4-BE49-F238E27FC236}">
+                <a16:creationId xmlns:a16="http://schemas.microsoft.com/office/drawing/2014/main" id="{7E580A39-80B6-486C-9865-7D097AE4C55B}"/>
+              </a:ext>
+            </a:extLst>
+          </p:cNvPr>
+          <p:cNvSpPr>
+            <a:spLocks noGrp="1"/>
+          </p:cNvSpPr>
+          <p:nvPr>
+            <p:ph idx="1"/>
+          </p:nvPr>
+        </p:nvSpPr>
+        <p:spPr/>
+        <p:txBody>
+          <a:bodyPr/>
+          <a:lstStyle/>
+          <a:p>
+            <a:pPr marL="0" indent="0">
+              <a:buNone/>
+            </a:pPr>
+            <a:r>
+              <a:rPr lang="en-SG" u="sng" dirty="0"/>
+              <a:t>Normal function</a:t>
+            </a:r>
+          </a:p>
+          <a:p>
+            <a:pPr marL="0" indent="0">
+              <a:buNone/>
+            </a:pPr>
+            <a:r>
+              <a:rPr lang="en-SG" sz="1400" dirty="0" err="1">
+                <a:latin typeface="Lucida Console" panose="020B0609040504020204" pitchFamily="49" charset="0"/>
+              </a:rPr>
+              <a:t>calculateButton.setOnClickListener</a:t>
+            </a:r>
+            <a:r>
+              <a:rPr lang="en-SG" sz="1400" dirty="0">
+                <a:latin typeface="Lucida Console" panose="020B0609040504020204" pitchFamily="49" charset="0"/>
+              </a:rPr>
+              <a:t>(object: </a:t>
+            </a:r>
+            <a:r>
+              <a:rPr lang="en-SG" sz="1400" dirty="0" err="1">
+                <a:latin typeface="Lucida Console" panose="020B0609040504020204" pitchFamily="49" charset="0"/>
+              </a:rPr>
+              <a:t>View.onClickListener</a:t>
+            </a:r>
+            <a:r>
+              <a:rPr lang="en-SG" sz="1400" dirty="0">
+                <a:latin typeface="Lucida Console" panose="020B0609040504020204" pitchFamily="49" charset="0"/>
+              </a:rPr>
+              <a:t> {</a:t>
+            </a:r>
+          </a:p>
+          <a:p>
+            <a:pPr marL="0" indent="0">
+              <a:buNone/>
+            </a:pPr>
+            <a:r>
+              <a:rPr lang="en-SG" sz="1400" dirty="0">
+                <a:latin typeface="Lucida Console" panose="020B0609040504020204" pitchFamily="49" charset="0"/>
+              </a:rPr>
+              <a:t>	override fun </a:t>
+            </a:r>
+            <a:r>
+              <a:rPr lang="en-SG" sz="1400" dirty="0" err="1">
+                <a:latin typeface="Lucida Console" panose="020B0609040504020204" pitchFamily="49" charset="0"/>
+              </a:rPr>
+              <a:t>onClick</a:t>
+            </a:r>
+            <a:r>
+              <a:rPr lang="en-SG" sz="1400" dirty="0">
+                <a:latin typeface="Lucida Console" panose="020B0609040504020204" pitchFamily="49" charset="0"/>
+              </a:rPr>
+              <a:t>(view: View?) {</a:t>
+            </a:r>
+          </a:p>
+          <a:p>
+            <a:pPr marL="0" indent="0">
+              <a:buNone/>
+            </a:pPr>
+            <a:r>
+              <a:rPr lang="en-SG" sz="1400" dirty="0">
+                <a:latin typeface="Lucida Console" panose="020B0609040504020204" pitchFamily="49" charset="0"/>
+              </a:rPr>
+              <a:t>		</a:t>
+            </a:r>
+            <a:r>
+              <a:rPr lang="en-SG" sz="1400" dirty="0" err="1">
+                <a:latin typeface="Lucida Console" panose="020B0609040504020204" pitchFamily="49" charset="0"/>
+              </a:rPr>
+              <a:t>calculateTip</a:t>
+            </a:r>
+            <a:r>
+              <a:rPr lang="en-SG" sz="1400" dirty="0">
+                <a:latin typeface="Lucida Console" panose="020B0609040504020204" pitchFamily="49" charset="0"/>
+              </a:rPr>
+              <a:t>()</a:t>
+            </a:r>
+          </a:p>
+          <a:p>
+            <a:pPr marL="0" indent="0">
+              <a:buNone/>
+            </a:pPr>
+            <a:r>
+              <a:rPr lang="en-SG" sz="1400" dirty="0">
+                <a:latin typeface="Lucida Console" panose="020B0609040504020204" pitchFamily="49" charset="0"/>
+              </a:rPr>
+              <a:t>	}</a:t>
+            </a:r>
+          </a:p>
+          <a:p>
+            <a:pPr marL="0" indent="0">
+              <a:buNone/>
+            </a:pPr>
+            <a:r>
+              <a:rPr lang="en-SG" sz="1400" dirty="0">
+                <a:latin typeface="Lucida Console" panose="020B0609040504020204" pitchFamily="49" charset="0"/>
+              </a:rPr>
+              <a:t>})</a:t>
+            </a:r>
+          </a:p>
+          <a:p>
+            <a:pPr marL="0" indent="0">
+              <a:buNone/>
+            </a:pPr>
+            <a:endParaRPr lang="en-SG" dirty="0"/>
+          </a:p>
+          <a:p>
+            <a:pPr marL="0" indent="0">
+              <a:buNone/>
+            </a:pPr>
+            <a:r>
+              <a:rPr lang="en-SG" u="sng" dirty="0"/>
+              <a:t>Lambda</a:t>
+            </a:r>
+          </a:p>
+          <a:p>
+            <a:pPr marL="0" indent="0">
+              <a:buNone/>
+            </a:pPr>
+            <a:r>
+              <a:rPr lang="en-SG" sz="1400" dirty="0" err="1">
+                <a:latin typeface="Lucida Console" panose="020B0609040504020204" pitchFamily="49" charset="0"/>
+              </a:rPr>
+              <a:t>calculateButton.setOnClickListener</a:t>
+            </a:r>
+            <a:r>
+              <a:rPr lang="en-SG" sz="1400" dirty="0">
+                <a:latin typeface="Lucida Console" panose="020B0609040504020204" pitchFamily="49" charset="0"/>
+              </a:rPr>
+              <a:t>{ </a:t>
+            </a:r>
+            <a:r>
+              <a:rPr lang="en-SG" sz="1400" dirty="0">
+                <a:highlight>
+                  <a:srgbClr val="FFFF00"/>
+                </a:highlight>
+                <a:latin typeface="Lucida Console" panose="020B0609040504020204" pitchFamily="49" charset="0"/>
+              </a:rPr>
+              <a:t>view</a:t>
+            </a:r>
+            <a:r>
+              <a:rPr lang="en-SG" sz="1400" dirty="0">
+                <a:latin typeface="Lucida Console" panose="020B0609040504020204" pitchFamily="49" charset="0"/>
+              </a:rPr>
+              <a:t>: </a:t>
+            </a:r>
+            <a:r>
+              <a:rPr lang="en-SG" sz="1400" dirty="0" err="1">
+                <a:latin typeface="Lucida Console" panose="020B0609040504020204" pitchFamily="49" charset="0"/>
+              </a:rPr>
+              <a:t>calculateTip</a:t>
+            </a:r>
+            <a:r>
+              <a:rPr lang="en-SG" sz="1400" dirty="0">
+                <a:latin typeface="Lucida Console" panose="020B0609040504020204" pitchFamily="49" charset="0"/>
+              </a:rPr>
+              <a:t>() }</a:t>
+            </a:r>
+          </a:p>
+          <a:p>
+            <a:pPr marL="0" indent="0">
+              <a:buNone/>
+            </a:pPr>
+            <a:r>
+              <a:rPr lang="en-SG" sz="1400" dirty="0" err="1">
+                <a:latin typeface="Lucida Console" panose="020B0609040504020204" pitchFamily="49" charset="0"/>
+              </a:rPr>
+              <a:t>calculateButton</a:t>
+            </a:r>
+            <a:r>
+              <a:rPr lang="en-SG" sz="1400" dirty="0">
+                <a:latin typeface="Lucida Console" panose="020B0609040504020204" pitchFamily="49" charset="0"/>
+              </a:rPr>
+              <a:t>. </a:t>
+            </a:r>
+            <a:r>
+              <a:rPr lang="en-SG" sz="1400" dirty="0" err="1">
+                <a:latin typeface="Lucida Console" panose="020B0609040504020204" pitchFamily="49" charset="0"/>
+              </a:rPr>
+              <a:t>setOnClickListener</a:t>
+            </a:r>
+            <a:r>
+              <a:rPr lang="en-SG" sz="1400" dirty="0">
+                <a:latin typeface="Lucida Console" panose="020B0609040504020204" pitchFamily="49" charset="0"/>
+              </a:rPr>
+              <a:t>{ </a:t>
+            </a:r>
+            <a:r>
+              <a:rPr lang="en-SG" sz="1400" dirty="0" err="1">
+                <a:latin typeface="Lucida Console" panose="020B0609040504020204" pitchFamily="49" charset="0"/>
+              </a:rPr>
+              <a:t>calculateTip</a:t>
+            </a:r>
+            <a:r>
+              <a:rPr lang="en-SG" sz="1400" dirty="0">
+                <a:latin typeface="Lucida Console" panose="020B0609040504020204" pitchFamily="49" charset="0"/>
+              </a:rPr>
+              <a:t>() }</a:t>
+            </a:r>
+          </a:p>
+          <a:p>
+            <a:pPr marL="0" indent="0">
+              <a:buNone/>
+            </a:pPr>
+            <a:r>
+              <a:rPr lang="en-SG" sz="1400" dirty="0" err="1">
+                <a:latin typeface="Lucida Console" panose="020B0609040504020204" pitchFamily="49" charset="0"/>
+              </a:rPr>
+              <a:t>costOfServiceEditText.setOnKeyListener</a:t>
+            </a:r>
+            <a:r>
+              <a:rPr lang="en-SG" sz="1400" dirty="0">
+                <a:latin typeface="Lucida Console" panose="020B0609040504020204" pitchFamily="49" charset="0"/>
+              </a:rPr>
+              <a:t> { view, </a:t>
+            </a:r>
+            <a:r>
+              <a:rPr lang="en-SG" sz="1400" dirty="0" err="1">
+                <a:latin typeface="Lucida Console" panose="020B0609040504020204" pitchFamily="49" charset="0"/>
+              </a:rPr>
+              <a:t>keyCode</a:t>
+            </a:r>
+            <a:r>
+              <a:rPr lang="en-SG" sz="1400" dirty="0">
+                <a:latin typeface="Lucida Console" panose="020B0609040504020204" pitchFamily="49" charset="0"/>
+              </a:rPr>
+              <a:t>, </a:t>
+            </a:r>
+            <a:r>
+              <a:rPr lang="en-SG" sz="1400" dirty="0">
+                <a:highlight>
+                  <a:srgbClr val="FFFF00"/>
+                </a:highlight>
+                <a:latin typeface="Lucida Console" panose="020B0609040504020204" pitchFamily="49" charset="0"/>
+              </a:rPr>
+              <a:t>_</a:t>
+            </a:r>
+            <a:r>
+              <a:rPr lang="en-SG" sz="1400" dirty="0">
+                <a:latin typeface="Lucida Console" panose="020B0609040504020204" pitchFamily="49" charset="0"/>
+              </a:rPr>
+              <a:t> -&gt; </a:t>
+            </a:r>
+            <a:r>
+              <a:rPr lang="en-SG" sz="1400" dirty="0" err="1">
+                <a:latin typeface="Lucida Console" panose="020B0609040504020204" pitchFamily="49" charset="0"/>
+              </a:rPr>
+              <a:t>handleKeyEvent</a:t>
+            </a:r>
+            <a:r>
+              <a:rPr lang="en-SG" sz="1400" dirty="0">
+                <a:latin typeface="Lucida Console" panose="020B0609040504020204" pitchFamily="49" charset="0"/>
+              </a:rPr>
+              <a:t>(view, </a:t>
+            </a:r>
+            <a:r>
+              <a:rPr lang="en-SG" sz="1400" dirty="0" err="1">
+                <a:latin typeface="Lucida Console" panose="020B0609040504020204" pitchFamily="49" charset="0"/>
+              </a:rPr>
+              <a:t>keyCode</a:t>
+            </a:r>
+            <a:r>
+              <a:rPr lang="en-SG" sz="1400" dirty="0">
+                <a:latin typeface="Lucida Console" panose="020B0609040504020204" pitchFamily="49" charset="0"/>
+              </a:rPr>
+              <a:t>) }</a:t>
+            </a:r>
+          </a:p>
+          <a:p>
+            <a:pPr marL="0" indent="0">
+              <a:buNone/>
+            </a:pPr>
+            <a:endParaRPr lang="en-SG" sz="1400" dirty="0">
+              <a:latin typeface="Lucida Console" panose="020B0609040504020204" pitchFamily="49" charset="0"/>
+            </a:endParaRPr>
+          </a:p>
+        </p:txBody>
+      </p:sp>
+      <p:sp>
+        <p:nvSpPr>
           <p:cNvPr id="2" name="Title 1">
             <a:extLst>
               <a:ext uri="{FF2B5EF4-FFF2-40B4-BE49-F238E27FC236}">
-                <a16:creationId xmlns:a16="http://schemas.microsoft.com/office/drawing/2014/main" id="{1997268C-0A37-45CF-9EAB-464D9AEBB375}"/>
+                <a16:creationId xmlns:a16="http://schemas.microsoft.com/office/drawing/2014/main" id="{02D08A11-4659-42E4-996B-FBB1002F6B2B}"/>
               </a:ext>
             </a:extLst>
           </p:cNvPr>
@@ -7765,58 +8128,90 @@
           <a:p>
             <a:r>
               <a:rPr lang="en-SG" dirty="0"/>
-              <a:t>Gradle</a:t>
-            </a:r>
-          </a:p>
-        </p:txBody>
-      </p:sp>
-      <p:sp>
-        <p:nvSpPr>
-          <p:cNvPr id="3" name="Content Placeholder 2">
+              <a:t>Lambda Expressions (or lambdas in short)</a:t>
+            </a:r>
+          </a:p>
+        </p:txBody>
+      </p:sp>
+      <p:sp>
+        <p:nvSpPr>
+          <p:cNvPr id="5" name="TextBox 4">
             <a:extLst>
               <a:ext uri="{FF2B5EF4-FFF2-40B4-BE49-F238E27FC236}">
-                <a16:creationId xmlns:a16="http://schemas.microsoft.com/office/drawing/2014/main" id="{AE86A37D-CE0D-4D61-A496-5876950F08FF}"/>
+                <a16:creationId xmlns:a16="http://schemas.microsoft.com/office/drawing/2014/main" id="{522D4431-E334-452B-B10C-7717E3CE5A7E}"/>
               </a:ext>
             </a:extLst>
           </p:cNvPr>
-          <p:cNvSpPr>
-            <a:spLocks noGrp="1"/>
-          </p:cNvSpPr>
-          <p:nvPr>
-            <p:ph idx="1"/>
-          </p:nvPr>
-        </p:nvSpPr>
-        <p:spPr/>
-        <p:txBody>
-          <a:bodyPr>
-            <a:normAutofit/>
+          <p:cNvSpPr txBox="1"/>
+          <p:nvPr/>
+        </p:nvSpPr>
+        <p:spPr>
+          <a:xfrm>
+            <a:off x="7486242" y="4640094"/>
+            <a:ext cx="4511203" cy="584775"/>
+          </a:xfrm>
+          <a:prstGeom prst="rect">
+            <a:avLst/>
+          </a:prstGeom>
+          <a:solidFill>
+            <a:schemeClr val="accent4"/>
+          </a:solidFill>
+        </p:spPr>
+        <p:txBody>
+          <a:bodyPr wrap="square" rtlCol="0">
+            <a:spAutoFit/>
           </a:bodyPr>
           <a:lstStyle/>
           <a:p>
             <a:r>
-              <a:rPr lang="en-US" sz="2400" dirty="0"/>
-              <a:t>Automated build system used by Android Studio.</a:t>
-            </a:r>
-          </a:p>
-          <a:p>
-            <a:r>
-              <a:rPr lang="en-US" sz="2400" dirty="0"/>
-              <a:t>Whenever you change code, add a resource, or make other changes to your app, Gradle figures out what has changed and takes the necessary steps to rebuild your app. </a:t>
-            </a:r>
-          </a:p>
-          <a:p>
-            <a:r>
-              <a:rPr lang="en-US" sz="2400" dirty="0"/>
-              <a:t>It also installs your app in the emulator or physical device and controls its execution.</a:t>
-            </a:r>
-            <a:endParaRPr lang="en-SG" sz="2400" dirty="0"/>
+              <a:rPr lang="en-SG" sz="1600" dirty="0"/>
+              <a:t>Since the view parameter isn’t used in the lambda, it can be omitted.</a:t>
+            </a:r>
+          </a:p>
+        </p:txBody>
+      </p:sp>
+      <p:sp>
+        <p:nvSpPr>
+          <p:cNvPr id="23" name="TextBox 22">
+            <a:extLst>
+              <a:ext uri="{FF2B5EF4-FFF2-40B4-BE49-F238E27FC236}">
+                <a16:creationId xmlns:a16="http://schemas.microsoft.com/office/drawing/2014/main" id="{19E2ACA9-8F19-4B6D-AD6E-C6ABCD6F2ABC}"/>
+              </a:ext>
+            </a:extLst>
+          </p:cNvPr>
+          <p:cNvSpPr txBox="1"/>
+          <p:nvPr/>
+        </p:nvSpPr>
+        <p:spPr>
+          <a:xfrm>
+            <a:off x="7486242" y="5942568"/>
+            <a:ext cx="4429325" cy="738664"/>
+          </a:xfrm>
+          <a:prstGeom prst="rect">
+            <a:avLst/>
+          </a:prstGeom>
+          <a:solidFill>
+            <a:schemeClr val="accent4"/>
+          </a:solidFill>
+        </p:spPr>
+        <p:txBody>
+          <a:bodyPr wrap="square">
+            <a:spAutoFit/>
+          </a:bodyPr>
+          <a:lstStyle/>
+          <a:p>
+            <a:r>
+              <a:rPr lang="en-US" sz="1400" dirty="0"/>
+              <a:t>If you don't use a lambda parameter in the function body, you can name it _ to make your code more readable and less cluttered. This code has the same behavior.</a:t>
+            </a:r>
+            <a:endParaRPr lang="en-SG" sz="1400" dirty="0"/>
           </a:p>
         </p:txBody>
       </p:sp>
     </p:spTree>
     <p:extLst>
       <p:ext uri="{BB962C8B-B14F-4D97-AF65-F5344CB8AC3E}">
-        <p14:creationId xmlns:p14="http://schemas.microsoft.com/office/powerpoint/2010/main" val="171894058"/>
+        <p14:creationId xmlns:p14="http://schemas.microsoft.com/office/powerpoint/2010/main" val="869607253"/>
       </p:ext>
     </p:extLst>
   </p:cSld>
@@ -8066,6 +8461,326 @@
 </file>
 
 <file path=ppt/slides/slide20.xml><?xml version="1.0" encoding="utf-8"?>
+<p:sld xmlns:a="http://schemas.openxmlformats.org/drawingml/2006/main" xmlns:r="http://schemas.openxmlformats.org/officeDocument/2006/relationships" xmlns:p="http://schemas.openxmlformats.org/presentationml/2006/main">
+  <p:cSld>
+    <p:spTree>
+      <p:nvGrpSpPr>
+        <p:cNvPr id="1" name=""/>
+        <p:cNvGrpSpPr/>
+        <p:nvPr/>
+      </p:nvGrpSpPr>
+      <p:grpSpPr>
+        <a:xfrm>
+          <a:off x="0" y="0"/>
+          <a:ext cx="0" cy="0"/>
+          <a:chOff x="0" y="0"/>
+          <a:chExt cx="0" cy="0"/>
+        </a:xfrm>
+      </p:grpSpPr>
+      <p:sp>
+        <p:nvSpPr>
+          <p:cNvPr id="2" name="Title 1">
+            <a:extLst>
+              <a:ext uri="{FF2B5EF4-FFF2-40B4-BE49-F238E27FC236}">
+                <a16:creationId xmlns:a16="http://schemas.microsoft.com/office/drawing/2014/main" id="{02D08A11-4659-42E4-996B-FBB1002F6B2B}"/>
+              </a:ext>
+            </a:extLst>
+          </p:cNvPr>
+          <p:cNvSpPr>
+            <a:spLocks noGrp="1"/>
+          </p:cNvSpPr>
+          <p:nvPr>
+            <p:ph type="title"/>
+          </p:nvPr>
+        </p:nvSpPr>
+        <p:spPr/>
+        <p:txBody>
+          <a:bodyPr/>
+          <a:lstStyle/>
+          <a:p>
+            <a:r>
+              <a:rPr lang="en-SG" dirty="0"/>
+              <a:t>Higher-order Functions</a:t>
+            </a:r>
+          </a:p>
+        </p:txBody>
+      </p:sp>
+      <p:sp>
+        <p:nvSpPr>
+          <p:cNvPr id="3" name="Content Placeholder 2">
+            <a:extLst>
+              <a:ext uri="{FF2B5EF4-FFF2-40B4-BE49-F238E27FC236}">
+                <a16:creationId xmlns:a16="http://schemas.microsoft.com/office/drawing/2014/main" id="{7E580A39-80B6-486C-9865-7D097AE4C55B}"/>
+              </a:ext>
+            </a:extLst>
+          </p:cNvPr>
+          <p:cNvSpPr>
+            <a:spLocks noGrp="1"/>
+          </p:cNvSpPr>
+          <p:nvPr>
+            <p:ph idx="1"/>
+          </p:nvPr>
+        </p:nvSpPr>
+        <p:spPr/>
+        <p:txBody>
+          <a:bodyPr>
+            <a:normAutofit/>
+          </a:bodyPr>
+          <a:lstStyle/>
+          <a:p>
+            <a:r>
+              <a:rPr lang="en-SG" sz="2400" dirty="0"/>
+              <a:t>Passing a function/lambda into another function, or returning a function from another function</a:t>
+            </a:r>
+            <a:endParaRPr lang="en-SG" sz="1800" dirty="0"/>
+          </a:p>
+        </p:txBody>
+      </p:sp>
+    </p:spTree>
+    <p:extLst>
+      <p:ext uri="{BB962C8B-B14F-4D97-AF65-F5344CB8AC3E}">
+        <p14:creationId xmlns:p14="http://schemas.microsoft.com/office/powerpoint/2010/main" val="1968286698"/>
+      </p:ext>
+    </p:extLst>
+  </p:cSld>
+  <p:clrMapOvr>
+    <a:masterClrMapping/>
+  </p:clrMapOvr>
+</p:sld>
+</file>
+
+<file path=ppt/slides/slide21.xml><?xml version="1.0" encoding="utf-8"?>
+<p:sld xmlns:a="http://schemas.openxmlformats.org/drawingml/2006/main" xmlns:r="http://schemas.openxmlformats.org/officeDocument/2006/relationships" xmlns:p="http://schemas.openxmlformats.org/presentationml/2006/main">
+  <p:cSld>
+    <p:spTree>
+      <p:nvGrpSpPr>
+        <p:cNvPr id="1" name=""/>
+        <p:cNvGrpSpPr/>
+        <p:nvPr/>
+      </p:nvGrpSpPr>
+      <p:grpSpPr>
+        <a:xfrm>
+          <a:off x="0" y="0"/>
+          <a:ext cx="0" cy="0"/>
+          <a:chOff x="0" y="0"/>
+          <a:chExt cx="0" cy="0"/>
+        </a:xfrm>
+      </p:grpSpPr>
+      <p:sp>
+        <p:nvSpPr>
+          <p:cNvPr id="2" name="Title 1">
+            <a:extLst>
+              <a:ext uri="{FF2B5EF4-FFF2-40B4-BE49-F238E27FC236}">
+                <a16:creationId xmlns:a16="http://schemas.microsoft.com/office/drawing/2014/main" id="{9D9ADF61-2343-4150-8592-6E0680070EEA}"/>
+              </a:ext>
+            </a:extLst>
+          </p:cNvPr>
+          <p:cNvSpPr>
+            <a:spLocks noGrp="1"/>
+          </p:cNvSpPr>
+          <p:nvPr>
+            <p:ph type="title"/>
+          </p:nvPr>
+        </p:nvSpPr>
+        <p:spPr/>
+        <p:txBody>
+          <a:bodyPr/>
+          <a:lstStyle/>
+          <a:p>
+            <a:r>
+              <a:rPr lang="en-SG" dirty="0"/>
+              <a:t>Coding nuances that nobody really cares</a:t>
+            </a:r>
+          </a:p>
+        </p:txBody>
+      </p:sp>
+      <p:sp>
+        <p:nvSpPr>
+          <p:cNvPr id="3" name="Content Placeholder 2">
+            <a:extLst>
+              <a:ext uri="{FF2B5EF4-FFF2-40B4-BE49-F238E27FC236}">
+                <a16:creationId xmlns:a16="http://schemas.microsoft.com/office/drawing/2014/main" id="{A7912FF4-9187-4E0A-824C-E0D930645EAF}"/>
+              </a:ext>
+            </a:extLst>
+          </p:cNvPr>
+          <p:cNvSpPr>
+            <a:spLocks noGrp="1"/>
+          </p:cNvSpPr>
+          <p:nvPr>
+            <p:ph idx="1"/>
+          </p:nvPr>
+        </p:nvSpPr>
+        <p:spPr/>
+        <p:txBody>
+          <a:bodyPr>
+            <a:normAutofit/>
+          </a:bodyPr>
+          <a:lstStyle/>
+          <a:p>
+            <a:r>
+              <a:rPr lang="en-SG" sz="2400" dirty="0"/>
+              <a:t>Method or Function?</a:t>
+            </a:r>
+          </a:p>
+          <a:p>
+            <a:pPr lvl="1"/>
+            <a:r>
+              <a:rPr lang="en-SG" sz="2000" dirty="0"/>
+              <a:t>A method presumes the existence of an object (i.e. defined within a class), while a function is free and independent.</a:t>
+            </a:r>
+          </a:p>
+          <a:p>
+            <a:r>
+              <a:rPr lang="en-SG" sz="2400" dirty="0"/>
+              <a:t>Parameter or Argument?</a:t>
+            </a:r>
+          </a:p>
+          <a:p>
+            <a:pPr lvl="1"/>
+            <a:r>
+              <a:rPr lang="en-US" sz="2000" dirty="0"/>
+              <a:t>A parameter is variable declaration in the function/method definition. When the function/method is called, the arguments are the data you pass into its parameters.</a:t>
+            </a:r>
+          </a:p>
+          <a:p>
+            <a:r>
+              <a:rPr lang="en-US" sz="2400" dirty="0"/>
+              <a:t>Property or Attribute?</a:t>
+            </a:r>
+          </a:p>
+          <a:p>
+            <a:pPr lvl="1"/>
+            <a:r>
+              <a:rPr lang="en-US" sz="2000" dirty="0"/>
+              <a:t>A property is something that </a:t>
+            </a:r>
+            <a:r>
+              <a:rPr lang="en-US" sz="2000" dirty="0" err="1"/>
+              <a:t>characterises</a:t>
+            </a:r>
+            <a:r>
+              <a:rPr lang="en-US" sz="2000" dirty="0"/>
+              <a:t> a class (e.g. age and gender are properties of human) and the property becomes an attribute when it is given a value or description (e.g. age is 20, gender is female)</a:t>
+            </a:r>
+            <a:endParaRPr lang="en-SG" sz="2000" dirty="0"/>
+          </a:p>
+        </p:txBody>
+      </p:sp>
+    </p:spTree>
+    <p:extLst>
+      <p:ext uri="{BB962C8B-B14F-4D97-AF65-F5344CB8AC3E}">
+        <p14:creationId xmlns:p14="http://schemas.microsoft.com/office/powerpoint/2010/main" val="831621953"/>
+      </p:ext>
+    </p:extLst>
+  </p:cSld>
+  <p:clrMapOvr>
+    <a:masterClrMapping/>
+  </p:clrMapOvr>
+</p:sld>
+</file>
+
+<file path=ppt/slides/slide22.xml><?xml version="1.0" encoding="utf-8"?>
+<p:sld xmlns:a="http://schemas.openxmlformats.org/drawingml/2006/main" xmlns:r="http://schemas.openxmlformats.org/officeDocument/2006/relationships" xmlns:p="http://schemas.openxmlformats.org/presentationml/2006/main">
+  <p:cSld>
+    <p:spTree>
+      <p:nvGrpSpPr>
+        <p:cNvPr id="1" name=""/>
+        <p:cNvGrpSpPr/>
+        <p:nvPr/>
+      </p:nvGrpSpPr>
+      <p:grpSpPr>
+        <a:xfrm>
+          <a:off x="0" y="0"/>
+          <a:ext cx="0" cy="0"/>
+          <a:chOff x="0" y="0"/>
+          <a:chExt cx="0" cy="0"/>
+        </a:xfrm>
+      </p:grpSpPr>
+      <p:sp>
+        <p:nvSpPr>
+          <p:cNvPr id="2" name="Title 1">
+            <a:extLst>
+              <a:ext uri="{FF2B5EF4-FFF2-40B4-BE49-F238E27FC236}">
+                <a16:creationId xmlns:a16="http://schemas.microsoft.com/office/drawing/2014/main" id="{1997268C-0A37-45CF-9EAB-464D9AEBB375}"/>
+              </a:ext>
+            </a:extLst>
+          </p:cNvPr>
+          <p:cNvSpPr>
+            <a:spLocks noGrp="1"/>
+          </p:cNvSpPr>
+          <p:nvPr>
+            <p:ph type="title"/>
+          </p:nvPr>
+        </p:nvSpPr>
+        <p:spPr/>
+        <p:txBody>
+          <a:bodyPr/>
+          <a:lstStyle/>
+          <a:p>
+            <a:r>
+              <a:rPr lang="en-SG" dirty="0"/>
+              <a:t>Gradle</a:t>
+            </a:r>
+          </a:p>
+        </p:txBody>
+      </p:sp>
+      <p:sp>
+        <p:nvSpPr>
+          <p:cNvPr id="3" name="Content Placeholder 2">
+            <a:extLst>
+              <a:ext uri="{FF2B5EF4-FFF2-40B4-BE49-F238E27FC236}">
+                <a16:creationId xmlns:a16="http://schemas.microsoft.com/office/drawing/2014/main" id="{AE86A37D-CE0D-4D61-A496-5876950F08FF}"/>
+              </a:ext>
+            </a:extLst>
+          </p:cNvPr>
+          <p:cNvSpPr>
+            <a:spLocks noGrp="1"/>
+          </p:cNvSpPr>
+          <p:nvPr>
+            <p:ph idx="1"/>
+          </p:nvPr>
+        </p:nvSpPr>
+        <p:spPr/>
+        <p:txBody>
+          <a:bodyPr>
+            <a:normAutofit/>
+          </a:bodyPr>
+          <a:lstStyle/>
+          <a:p>
+            <a:r>
+              <a:rPr lang="en-US" sz="2400" dirty="0"/>
+              <a:t>Automated build system used by Android Studio.</a:t>
+            </a:r>
+          </a:p>
+          <a:p>
+            <a:r>
+              <a:rPr lang="en-US" sz="2400" dirty="0"/>
+              <a:t>Whenever you change code, add a resource, or make other changes to your app, Gradle figures out what has changed and takes the necessary steps to rebuild your app. </a:t>
+            </a:r>
+          </a:p>
+          <a:p>
+            <a:r>
+              <a:rPr lang="en-US" sz="2400" dirty="0"/>
+              <a:t>It also installs your app in the emulator or physical device and controls its execution.</a:t>
+            </a:r>
+            <a:endParaRPr lang="en-SG" sz="2400" dirty="0"/>
+          </a:p>
+        </p:txBody>
+      </p:sp>
+    </p:spTree>
+    <p:extLst>
+      <p:ext uri="{BB962C8B-B14F-4D97-AF65-F5344CB8AC3E}">
+        <p14:creationId xmlns:p14="http://schemas.microsoft.com/office/powerpoint/2010/main" val="171894058"/>
+      </p:ext>
+    </p:extLst>
+  </p:cSld>
+  <p:clrMapOvr>
+    <a:masterClrMapping/>
+  </p:clrMapOvr>
+</p:sld>
+</file>
+
+<file path=ppt/slides/slide23.xml><?xml version="1.0" encoding="utf-8"?>
 <p:sld xmlns:a="http://schemas.openxmlformats.org/drawingml/2006/main" xmlns:r="http://schemas.openxmlformats.org/officeDocument/2006/relationships" xmlns:p="http://schemas.openxmlformats.org/presentationml/2006/main">
   <p:cSld>
     <p:spTree>
@@ -8380,7 +9095,7 @@
 </p:sld>
 </file>
 
-<file path=ppt/slides/slide21.xml><?xml version="1.0" encoding="utf-8"?>
+<file path=ppt/slides/slide24.xml><?xml version="1.0" encoding="utf-8"?>
 <p:sld xmlns:a="http://schemas.openxmlformats.org/drawingml/2006/main" xmlns:r="http://schemas.openxmlformats.org/officeDocument/2006/relationships" xmlns:p="http://schemas.openxmlformats.org/presentationml/2006/main">
   <p:cSld>
     <p:spTree>
@@ -9716,7 +10431,7 @@
 </p:sld>
 </file>
 
-<file path=ppt/slides/slide22.xml><?xml version="1.0" encoding="utf-8"?>
+<file path=ppt/slides/slide25.xml><?xml version="1.0" encoding="utf-8"?>
 <p:sld xmlns:a="http://schemas.openxmlformats.org/drawingml/2006/main" xmlns:r="http://schemas.openxmlformats.org/officeDocument/2006/relationships" xmlns:p="http://schemas.openxmlformats.org/presentationml/2006/main">
   <p:cSld>
     <p:spTree>
@@ -9944,7 +10659,7 @@
 </p:sld>
 </file>
 
-<file path=ppt/slides/slide23.xml><?xml version="1.0" encoding="utf-8"?>
+<file path=ppt/slides/slide26.xml><?xml version="1.0" encoding="utf-8"?>
 <p:sld xmlns:a="http://schemas.openxmlformats.org/drawingml/2006/main" xmlns:r="http://schemas.openxmlformats.org/officeDocument/2006/relationships" xmlns:p="http://schemas.openxmlformats.org/presentationml/2006/main">
   <p:cSld>
     <p:spTree>
@@ -11201,7 +11916,7 @@
 </p:sld>
 </file>
 
-<file path=ppt/slides/slide24.xml><?xml version="1.0" encoding="utf-8"?>
+<file path=ppt/slides/slide27.xml><?xml version="1.0" encoding="utf-8"?>
 <p:sld xmlns:a="http://schemas.openxmlformats.org/drawingml/2006/main" xmlns:r="http://schemas.openxmlformats.org/officeDocument/2006/relationships" xmlns:p="http://schemas.openxmlformats.org/presentationml/2006/main">
   <p:cSld>
     <p:spTree>
@@ -11298,7 +12013,7 @@
 </p:sld>
 </file>
 
-<file path=ppt/slides/slide25.xml><?xml version="1.0" encoding="utf-8"?>
+<file path=ppt/slides/slide28.xml><?xml version="1.0" encoding="utf-8"?>
 <p:sld xmlns:a="http://schemas.openxmlformats.org/drawingml/2006/main" xmlns:r="http://schemas.openxmlformats.org/officeDocument/2006/relationships" xmlns:p="http://schemas.openxmlformats.org/presentationml/2006/main">
   <p:cSld>
     <p:spTree>
@@ -11461,7 +12176,7 @@
 </p:sld>
 </file>
 
-<file path=ppt/slides/slide26.xml><?xml version="1.0" encoding="utf-8"?>
+<file path=ppt/slides/slide29.xml><?xml version="1.0" encoding="utf-8"?>
 <p:sld xmlns:a="http://schemas.openxmlformats.org/drawingml/2006/main" xmlns:r="http://schemas.openxmlformats.org/officeDocument/2006/relationships" xmlns:p="http://schemas.openxmlformats.org/presentationml/2006/main">
   <p:cSld>
     <p:spTree>
@@ -11868,7 +12583,259 @@
 </p:sld>
 </file>
 
-<file path=ppt/slides/slide27.xml><?xml version="1.0" encoding="utf-8"?>
+<file path=ppt/slides/slide3.xml><?xml version="1.0" encoding="utf-8"?>
+<p:sld xmlns:a="http://schemas.openxmlformats.org/drawingml/2006/main" xmlns:r="http://schemas.openxmlformats.org/officeDocument/2006/relationships" xmlns:p="http://schemas.openxmlformats.org/presentationml/2006/main">
+  <p:cSld>
+    <p:spTree>
+      <p:nvGrpSpPr>
+        <p:cNvPr id="1" name=""/>
+        <p:cNvGrpSpPr/>
+        <p:nvPr/>
+      </p:nvGrpSpPr>
+      <p:grpSpPr>
+        <a:xfrm>
+          <a:off x="0" y="0"/>
+          <a:ext cx="0" cy="0"/>
+          <a:chOff x="0" y="0"/>
+          <a:chExt cx="0" cy="0"/>
+        </a:xfrm>
+      </p:grpSpPr>
+      <p:sp>
+        <p:nvSpPr>
+          <p:cNvPr id="2" name="Title 1">
+            <a:extLst>
+              <a:ext uri="{FF2B5EF4-FFF2-40B4-BE49-F238E27FC236}">
+                <a16:creationId xmlns:a16="http://schemas.microsoft.com/office/drawing/2014/main" id="{A7E93ABD-AD03-4CA6-893B-E423C18A1FD8}"/>
+              </a:ext>
+            </a:extLst>
+          </p:cNvPr>
+          <p:cNvSpPr>
+            <a:spLocks noGrp="1"/>
+          </p:cNvSpPr>
+          <p:nvPr>
+            <p:ph type="title"/>
+          </p:nvPr>
+        </p:nvSpPr>
+        <p:spPr/>
+        <p:txBody>
+          <a:bodyPr/>
+          <a:lstStyle/>
+          <a:p>
+            <a:r>
+              <a:rPr lang="en-SG" dirty="0"/>
+              <a:t>Vocabulary</a:t>
+            </a:r>
+          </a:p>
+        </p:txBody>
+      </p:sp>
+      <p:sp>
+        <p:nvSpPr>
+          <p:cNvPr id="3" name="Content Placeholder 2">
+            <a:extLst>
+              <a:ext uri="{FF2B5EF4-FFF2-40B4-BE49-F238E27FC236}">
+                <a16:creationId xmlns:a16="http://schemas.microsoft.com/office/drawing/2014/main" id="{6667C15B-3A62-4A76-9665-566B0F49FD91}"/>
+              </a:ext>
+            </a:extLst>
+          </p:cNvPr>
+          <p:cNvSpPr>
+            <a:spLocks noGrp="1"/>
+          </p:cNvSpPr>
+          <p:nvPr>
+            <p:ph idx="1"/>
+          </p:nvPr>
+        </p:nvSpPr>
+        <p:spPr>
+          <a:xfrm>
+            <a:off x="838200" y="1690688"/>
+            <a:ext cx="10515600" cy="4750273"/>
+          </a:xfrm>
+        </p:spPr>
+        <p:txBody>
+          <a:bodyPr>
+            <a:normAutofit/>
+          </a:bodyPr>
+          <a:lstStyle/>
+          <a:p>
+            <a:r>
+              <a:rPr lang="en-US" sz="2000" dirty="0"/>
+              <a:t>Normally non-null properties must be initialized in the constructor, but sometimes that isn't practical. In those cases, a property can be marked with </a:t>
+            </a:r>
+            <a:r>
+              <a:rPr lang="en-US" sz="2000" dirty="0" err="1">
+                <a:highlight>
+                  <a:srgbClr val="FFFF00"/>
+                </a:highlight>
+                <a:latin typeface="Consolas" panose="020B0609020204030204" pitchFamily="49" charset="0"/>
+              </a:rPr>
+              <a:t>lateinit</a:t>
+            </a:r>
+            <a:r>
+              <a:rPr lang="en-US" sz="2000" dirty="0"/>
+              <a:t>, which is a promise that the variable will be initialized before it is used. Note that an exception will be thrown if that property is accessed before being initialized.</a:t>
+            </a:r>
+          </a:p>
+          <a:p>
+            <a:r>
+              <a:rPr lang="en-US" sz="2000" dirty="0"/>
+              <a:t>Null is a special value that means "no value". It's different from a default value, for example, a Double having a value of 0.0 or an empty String with zero characters, "". In Kotlin, it’s preferable to not allow null values and you have to use special operators to permit a </a:t>
+            </a:r>
+            <a:r>
+              <a:rPr lang="en-US" sz="2000" dirty="0">
+                <a:highlight>
+                  <a:srgbClr val="FFFF00"/>
+                </a:highlight>
+                <a:latin typeface="Consolas" panose="020B0609020204030204" pitchFamily="49" charset="0"/>
+              </a:rPr>
+              <a:t>null</a:t>
+            </a:r>
+            <a:r>
+              <a:rPr lang="en-US" sz="2000" dirty="0"/>
+              <a:t> value. </a:t>
+            </a:r>
+            <a:r>
+              <a:rPr lang="en-US" sz="2000" dirty="0">
+                <a:latin typeface="Consolas" panose="020B0609020204030204" pitchFamily="49" charset="0"/>
+              </a:rPr>
+              <a:t>null</a:t>
+            </a:r>
+            <a:r>
+              <a:rPr lang="en-US" sz="2000" dirty="0"/>
+              <a:t> means there is no value. If a method expects a value, passing null will cause an error.</a:t>
+            </a:r>
+          </a:p>
+          <a:p>
+            <a:r>
+              <a:rPr lang="en-US" sz="2000" dirty="0"/>
+              <a:t>To organize Views, you put them in a container. A </a:t>
+            </a:r>
+            <a:r>
+              <a:rPr lang="en-US" sz="2000" dirty="0" err="1">
+                <a:highlight>
+                  <a:srgbClr val="FFFF00"/>
+                </a:highlight>
+              </a:rPr>
+              <a:t>ViewGroup</a:t>
+            </a:r>
+            <a:r>
+              <a:rPr lang="en-US" sz="2000" dirty="0"/>
+              <a:t> is a container that </a:t>
+            </a:r>
+            <a:r>
+              <a:rPr lang="en-US" sz="2000" dirty="0">
+                <a:highlight>
+                  <a:srgbClr val="FFFF00"/>
+                </a:highlight>
+              </a:rPr>
+              <a:t>View</a:t>
+            </a:r>
+            <a:r>
+              <a:rPr lang="en-US" sz="2000" dirty="0"/>
+              <a:t> objects can sit in, and is responsible for arranging the Views inside it. One kind of </a:t>
+            </a:r>
+            <a:r>
+              <a:rPr lang="en-US" sz="2000" dirty="0" err="1"/>
+              <a:t>ViewGroup</a:t>
+            </a:r>
+            <a:r>
+              <a:rPr lang="en-US" sz="2000" dirty="0"/>
+              <a:t> is a </a:t>
+            </a:r>
+            <a:r>
+              <a:rPr lang="en-US" sz="2000" dirty="0">
+                <a:highlight>
+                  <a:srgbClr val="FFFF00"/>
+                </a:highlight>
+                <a:latin typeface="Consolas" panose="020B0609020204030204" pitchFamily="49" charset="0"/>
+              </a:rPr>
+              <a:t>ConstraintLayout</a:t>
+            </a:r>
+            <a:r>
+              <a:rPr lang="en-US" sz="2000" dirty="0"/>
+              <a:t>, which helps you arrange the Views inside it in a flexible way. </a:t>
+            </a:r>
+            <a:r>
+              <a:rPr lang="en-US" sz="2000" dirty="0">
+                <a:highlight>
+                  <a:srgbClr val="FFFF00"/>
+                </a:highlight>
+              </a:rPr>
+              <a:t>Views need to be constrained horizontally and vertically within a </a:t>
+            </a:r>
+            <a:r>
+              <a:rPr lang="en-US" sz="2000" dirty="0">
+                <a:highlight>
+                  <a:srgbClr val="FFFF00"/>
+                </a:highlight>
+                <a:latin typeface="Consolas" panose="020B0609020204030204" pitchFamily="49" charset="0"/>
+              </a:rPr>
+              <a:t>ConstraintLayout</a:t>
+            </a:r>
+            <a:r>
+              <a:rPr lang="en-US" sz="2000" dirty="0"/>
+              <a:t>.</a:t>
+            </a:r>
+          </a:p>
+          <a:p>
+            <a:r>
+              <a:rPr lang="en-US" sz="2000" dirty="0" err="1">
+                <a:highlight>
+                  <a:srgbClr val="FFFF00"/>
+                </a:highlight>
+              </a:rPr>
+              <a:t>dp</a:t>
+            </a:r>
+            <a:r>
+              <a:rPr lang="en-US" sz="2000" dirty="0"/>
+              <a:t> is a unit of measure for distances on the screen, </a:t>
+            </a:r>
+            <a:r>
+              <a:rPr lang="en-US" sz="2000" dirty="0" err="1">
+                <a:highlight>
+                  <a:srgbClr val="FFFF00"/>
+                </a:highlight>
+              </a:rPr>
+              <a:t>sp</a:t>
+            </a:r>
+            <a:r>
+              <a:rPr lang="en-US" sz="2000" dirty="0"/>
+              <a:t> is a unit of measure for the font size.</a:t>
+            </a:r>
+          </a:p>
+          <a:p>
+            <a:r>
+              <a:rPr lang="en-US" sz="2000" dirty="0"/>
+              <a:t>In Android, a graphic that can be drawn to the screen is generally referred to as a </a:t>
+            </a:r>
+            <a:r>
+              <a:rPr lang="en-US" sz="2000" dirty="0">
+                <a:highlight>
+                  <a:srgbClr val="FFFF00"/>
+                </a:highlight>
+              </a:rPr>
+              <a:t>drawable</a:t>
+            </a:r>
+            <a:r>
+              <a:rPr lang="en-US" sz="2000" dirty="0"/>
+              <a:t>.</a:t>
+            </a:r>
+            <a:endParaRPr lang="en-SG" sz="2000" dirty="0"/>
+          </a:p>
+        </p:txBody>
+      </p:sp>
+    </p:spTree>
+    <p:extLst>
+      <p:ext uri="{BB962C8B-B14F-4D97-AF65-F5344CB8AC3E}">
+        <p14:creationId xmlns:p14="http://schemas.microsoft.com/office/powerpoint/2010/main" val="3379137901"/>
+      </p:ext>
+    </p:extLst>
+  </p:cSld>
+  <p:clrMapOvr>
+    <a:masterClrMapping/>
+  </p:clrMapOvr>
+</p:sld>
+</file>
+
+<file path=ppt/slides/slide30.xml><?xml version="1.0" encoding="utf-8"?>
 <p:sld xmlns:a="http://schemas.openxmlformats.org/drawingml/2006/main" xmlns:r="http://schemas.openxmlformats.org/officeDocument/2006/relationships" xmlns:p="http://schemas.openxmlformats.org/presentationml/2006/main">
   <p:cSld>
     <p:spTree>
@@ -12139,7 +13106,7 @@
 </p:sld>
 </file>
 
-<file path=ppt/slides/slide28.xml><?xml version="1.0" encoding="utf-8"?>
+<file path=ppt/slides/slide31.xml><?xml version="1.0" encoding="utf-8"?>
 <p:sld xmlns:a="http://schemas.openxmlformats.org/drawingml/2006/main" xmlns:r="http://schemas.openxmlformats.org/officeDocument/2006/relationships" xmlns:p="http://schemas.openxmlformats.org/presentationml/2006/main">
   <p:cSld>
     <p:spTree>
@@ -12304,7 +13271,7 @@
 </p:sld>
 </file>
 
-<file path=ppt/slides/slide29.xml><?xml version="1.0" encoding="utf-8"?>
+<file path=ppt/slides/slide32.xml><?xml version="1.0" encoding="utf-8"?>
 <p:sld xmlns:a="http://schemas.openxmlformats.org/drawingml/2006/main" xmlns:r="http://schemas.openxmlformats.org/officeDocument/2006/relationships" xmlns:p="http://schemas.openxmlformats.org/presentationml/2006/main">
   <p:cSld>
     <p:spTree>
@@ -12689,7 +13656,7 @@
 </p:sld>
 </file>
 
-<file path=ppt/slides/slide3.xml><?xml version="1.0" encoding="utf-8"?>
+<file path=ppt/slides/slide33.xml><?xml version="1.0" encoding="utf-8"?>
 <p:sld xmlns:a="http://schemas.openxmlformats.org/drawingml/2006/main" xmlns:r="http://schemas.openxmlformats.org/officeDocument/2006/relationships" xmlns:p="http://schemas.openxmlformats.org/presentationml/2006/main">
   <p:cSld>
     <p:spTree>
@@ -12711,7 +13678,7 @@
           <p:cNvPr id="2" name="Title 1">
             <a:extLst>
               <a:ext uri="{FF2B5EF4-FFF2-40B4-BE49-F238E27FC236}">
-                <a16:creationId xmlns:a16="http://schemas.microsoft.com/office/drawing/2014/main" id="{A7E93ABD-AD03-4CA6-893B-E423C18A1FD8}"/>
+                <a16:creationId xmlns:a16="http://schemas.microsoft.com/office/drawing/2014/main" id="{7622DF46-D35E-4F8A-90BE-6F8FEE73E338}"/>
               </a:ext>
             </a:extLst>
           </p:cNvPr>
@@ -12729,7 +13696,7 @@
           <a:p>
             <a:r>
               <a:rPr lang="en-SG" dirty="0"/>
-              <a:t>Vocabulary</a:t>
+              <a:t>XML</a:t>
             </a:r>
           </a:p>
         </p:txBody>
@@ -12739,7 +13706,7 @@
           <p:cNvPr id="3" name="Content Placeholder 2">
             <a:extLst>
               <a:ext uri="{FF2B5EF4-FFF2-40B4-BE49-F238E27FC236}">
-                <a16:creationId xmlns:a16="http://schemas.microsoft.com/office/drawing/2014/main" id="{6667C15B-3A62-4A76-9665-566B0F49FD91}"/>
+                <a16:creationId xmlns:a16="http://schemas.microsoft.com/office/drawing/2014/main" id="{2AF5FAD8-8FD1-4CFC-A64E-169CEDC5BE34}"/>
               </a:ext>
             </a:extLst>
           </p:cNvPr>
@@ -12750,12 +13717,7 @@
             <p:ph idx="1"/>
           </p:nvPr>
         </p:nvSpPr>
-        <p:spPr>
-          <a:xfrm>
-            <a:off x="838200" y="1690688"/>
-            <a:ext cx="10515600" cy="4750273"/>
-          </a:xfrm>
-        </p:spPr>
+        <p:spPr/>
         <p:txBody>
           <a:bodyPr>
             <a:normAutofit/>
@@ -12763,175 +13725,43 @@
           <a:lstStyle/>
           <a:p>
             <a:r>
+              <a:rPr lang="en-SG" sz="2000" dirty="0"/>
+              <a:t>Padding vs. Margin?</a:t>
+            </a:r>
+          </a:p>
+          <a:p>
+            <a:pPr lvl="1"/>
+            <a:r>
+              <a:rPr lang="en-SG" sz="1800" dirty="0"/>
+              <a:t>Padding adds space within the element (e.g. ConstraintLayout), while margin adds space outside the element</a:t>
+            </a:r>
+          </a:p>
+          <a:p>
+            <a:r>
               <a:rPr lang="en-US" sz="2000" dirty="0"/>
-              <a:t>Normally non-null properties must be initialized in the constructor, but sometimes that isn't practical. In those cases, a property can be marked with </a:t>
+              <a:t>You cannot use </a:t>
             </a:r>
             <a:r>
               <a:rPr lang="en-US" sz="2000" dirty="0" err="1">
-                <a:highlight>
-                  <a:srgbClr val="FFFF00"/>
-                </a:highlight>
-                <a:latin typeface="Consolas" panose="020B0609020204030204" pitchFamily="49" charset="0"/>
-              </a:rPr>
-              <a:t>lateinit</a:t>
+                <a:latin typeface="Lucida Console" panose="020B0609040504020204" pitchFamily="49" charset="0"/>
+              </a:rPr>
+              <a:t>match_parent</a:t>
             </a:r>
             <a:r>
               <a:rPr lang="en-US" sz="2000" dirty="0"/>
-              <a:t>, which is a promise that the variable will be initialized before it is used. Note that an exception will be thrown if that property is accessed before being initialized.</a:t>
-            </a:r>
-          </a:p>
-          <a:p>
-            <a:r>
-              <a:rPr lang="en-US" sz="2000" dirty="0"/>
-              <a:t>Null is a special value that means "no value". It's different from a default value, for example, a Double having a value of 0.0 or an empty String with zero characters, "". In Kotlin, it’s preferable to not allow null values and you have to use special operators to permit a </a:t>
-            </a:r>
-            <a:r>
-              <a:rPr lang="en-US" sz="2000" dirty="0">
-                <a:highlight>
-                  <a:srgbClr val="FFFF00"/>
-                </a:highlight>
-                <a:latin typeface="Consolas" panose="020B0609020204030204" pitchFamily="49" charset="0"/>
-              </a:rPr>
-              <a:t>null</a:t>
-            </a:r>
-            <a:r>
-              <a:rPr lang="en-US" sz="2000" dirty="0"/>
-              <a:t> value. </a:t>
-            </a:r>
-            <a:r>
-              <a:rPr lang="en-US" sz="2000" dirty="0">
-                <a:latin typeface="Consolas" panose="020B0609020204030204" pitchFamily="49" charset="0"/>
-              </a:rPr>
-              <a:t>null</a:t>
-            </a:r>
-            <a:r>
-              <a:rPr lang="en-US" sz="2000" dirty="0"/>
-              <a:t> means there is no value. If a method expects a value, passing null will cause an error.</a:t>
-            </a:r>
-          </a:p>
-          <a:p>
-            <a:r>
-              <a:rPr lang="en-US" sz="2000" dirty="0"/>
-              <a:t>To organize Views, you put them in a container. A </a:t>
-            </a:r>
-            <a:r>
-              <a:rPr lang="en-US" sz="2000" dirty="0" err="1">
-                <a:highlight>
-                  <a:srgbClr val="FFFF00"/>
-                </a:highlight>
-              </a:rPr>
-              <a:t>ViewGroup</a:t>
-            </a:r>
-            <a:r>
-              <a:rPr lang="en-US" sz="2000" dirty="0"/>
-              <a:t> is a container that </a:t>
-            </a:r>
-            <a:r>
-              <a:rPr lang="en-US" sz="2000" dirty="0">
-                <a:highlight>
-                  <a:srgbClr val="FFFF00"/>
-                </a:highlight>
-              </a:rPr>
-              <a:t>View</a:t>
-            </a:r>
-            <a:r>
-              <a:rPr lang="en-US" sz="2000" dirty="0"/>
-              <a:t> objects can sit in, and is responsible for arranging the Views inside it. One kind of </a:t>
-            </a:r>
-            <a:r>
-              <a:rPr lang="en-US" sz="2000" dirty="0" err="1"/>
-              <a:t>ViewGroup</a:t>
-            </a:r>
-            <a:r>
-              <a:rPr lang="en-US" sz="2000" dirty="0"/>
-              <a:t> is a </a:t>
-            </a:r>
-            <a:r>
-              <a:rPr lang="en-US" sz="2000" dirty="0">
-                <a:highlight>
-                  <a:srgbClr val="FFFF00"/>
-                </a:highlight>
-                <a:latin typeface="Consolas" panose="020B0609020204030204" pitchFamily="49" charset="0"/>
-              </a:rPr>
-              <a:t>ConstraintLayout</a:t>
-            </a:r>
-            <a:r>
-              <a:rPr lang="en-US" sz="2000" dirty="0"/>
-              <a:t>, which helps you arrange the Views inside it in a flexible way. </a:t>
-            </a:r>
-            <a:r>
-              <a:rPr lang="en-US" sz="2000" dirty="0">
-                <a:highlight>
-                  <a:srgbClr val="FFFF00"/>
-                </a:highlight>
-              </a:rPr>
-              <a:t>Views need to be constrained horizontally and vertically within a </a:t>
-            </a:r>
-            <a:r>
-              <a:rPr lang="en-US" sz="2000" dirty="0">
-                <a:highlight>
-                  <a:srgbClr val="FFFF00"/>
-                </a:highlight>
-                <a:latin typeface="Consolas" panose="020B0609020204030204" pitchFamily="49" charset="0"/>
-              </a:rPr>
-              <a:t>ConstraintLayout</a:t>
-            </a:r>
-            <a:r>
-              <a:rPr lang="en-US" sz="2000" dirty="0"/>
-              <a:t>.</a:t>
-            </a:r>
-          </a:p>
-          <a:p>
-            <a:r>
-              <a:rPr lang="en-US" sz="2000" dirty="0" err="1">
-                <a:highlight>
-                  <a:srgbClr val="FFFF00"/>
-                </a:highlight>
-              </a:rPr>
-              <a:t>dp</a:t>
-            </a:r>
-            <a:r>
-              <a:rPr lang="en-US" sz="2000" dirty="0"/>
-              <a:t> is a unit of measure for distances on the screen, </a:t>
-            </a:r>
-            <a:r>
-              <a:rPr lang="en-US" sz="2000" dirty="0" err="1">
-                <a:highlight>
-                  <a:srgbClr val="FFFF00"/>
-                </a:highlight>
-              </a:rPr>
-              <a:t>sp</a:t>
-            </a:r>
-            <a:r>
-              <a:rPr lang="en-US" sz="2000" dirty="0"/>
-              <a:t> is a unit of measure for the font size.</a:t>
-            </a:r>
-          </a:p>
-          <a:p>
-            <a:r>
-              <a:rPr lang="en-US" sz="2000" dirty="0"/>
-              <a:t>In Android, a graphic that can be drawn to the screen is generally referred to as a </a:t>
-            </a:r>
-            <a:r>
-              <a:rPr lang="en-US" sz="2000" dirty="0">
-                <a:highlight>
-                  <a:srgbClr val="FFFF00"/>
-                </a:highlight>
-              </a:rPr>
-              <a:t>drawable</a:t>
-            </a:r>
-            <a:r>
-              <a:rPr lang="en-US" sz="2000" dirty="0"/>
-              <a:t>.</a:t>
-            </a:r>
-            <a:endParaRPr lang="en-SG" sz="2000" dirty="0"/>
+              <a:t> for any view in a ConstraintLayout. Instead use 0dp, which means match constraints.</a:t>
+            </a:r>
+          </a:p>
+          <a:p>
+            <a:pPr lvl="1"/>
+            <a:endParaRPr lang="en-SG" sz="1800" dirty="0"/>
           </a:p>
         </p:txBody>
       </p:sp>
     </p:spTree>
     <p:extLst>
       <p:ext uri="{BB962C8B-B14F-4D97-AF65-F5344CB8AC3E}">
-        <p14:creationId xmlns:p14="http://schemas.microsoft.com/office/powerpoint/2010/main" val="3379137901"/>
+        <p14:creationId xmlns:p14="http://schemas.microsoft.com/office/powerpoint/2010/main" val="146549033"/>
       </p:ext>
     </p:extLst>
   </p:cSld>
@@ -12941,7 +13771,7 @@
 </p:sld>
 </file>
 
-<file path=ppt/slides/slide30.xml><?xml version="1.0" encoding="utf-8"?>
+<file path=ppt/slides/slide34.xml><?xml version="1.0" encoding="utf-8"?>
 <p:sld xmlns:a="http://schemas.openxmlformats.org/drawingml/2006/main" xmlns:r="http://schemas.openxmlformats.org/officeDocument/2006/relationships" xmlns:p="http://schemas.openxmlformats.org/presentationml/2006/main">
   <p:cSld>
     <p:spTree>
@@ -12963,121 +13793,6 @@
           <p:cNvPr id="2" name="Title 1">
             <a:extLst>
               <a:ext uri="{FF2B5EF4-FFF2-40B4-BE49-F238E27FC236}">
-                <a16:creationId xmlns:a16="http://schemas.microsoft.com/office/drawing/2014/main" id="{7622DF46-D35E-4F8A-90BE-6F8FEE73E338}"/>
-              </a:ext>
-            </a:extLst>
-          </p:cNvPr>
-          <p:cNvSpPr>
-            <a:spLocks noGrp="1"/>
-          </p:cNvSpPr>
-          <p:nvPr>
-            <p:ph type="title"/>
-          </p:nvPr>
-        </p:nvSpPr>
-        <p:spPr/>
-        <p:txBody>
-          <a:bodyPr/>
-          <a:lstStyle/>
-          <a:p>
-            <a:r>
-              <a:rPr lang="en-SG" dirty="0"/>
-              <a:t>XML</a:t>
-            </a:r>
-          </a:p>
-        </p:txBody>
-      </p:sp>
-      <p:sp>
-        <p:nvSpPr>
-          <p:cNvPr id="3" name="Content Placeholder 2">
-            <a:extLst>
-              <a:ext uri="{FF2B5EF4-FFF2-40B4-BE49-F238E27FC236}">
-                <a16:creationId xmlns:a16="http://schemas.microsoft.com/office/drawing/2014/main" id="{2AF5FAD8-8FD1-4CFC-A64E-169CEDC5BE34}"/>
-              </a:ext>
-            </a:extLst>
-          </p:cNvPr>
-          <p:cNvSpPr>
-            <a:spLocks noGrp="1"/>
-          </p:cNvSpPr>
-          <p:nvPr>
-            <p:ph idx="1"/>
-          </p:nvPr>
-        </p:nvSpPr>
-        <p:spPr/>
-        <p:txBody>
-          <a:bodyPr>
-            <a:normAutofit/>
-          </a:bodyPr>
-          <a:lstStyle/>
-          <a:p>
-            <a:r>
-              <a:rPr lang="en-SG" sz="2000" dirty="0"/>
-              <a:t>Padding vs. Margin?</a:t>
-            </a:r>
-          </a:p>
-          <a:p>
-            <a:pPr lvl="1"/>
-            <a:r>
-              <a:rPr lang="en-SG" sz="1800" dirty="0"/>
-              <a:t>Padding adds space within the element (e.g. ConstraintLayout), while margin adds space outside the element</a:t>
-            </a:r>
-          </a:p>
-          <a:p>
-            <a:r>
-              <a:rPr lang="en-US" sz="2000" dirty="0"/>
-              <a:t>You cannot use </a:t>
-            </a:r>
-            <a:r>
-              <a:rPr lang="en-US" sz="2000" dirty="0" err="1">
-                <a:latin typeface="Lucida Console" panose="020B0609040504020204" pitchFamily="49" charset="0"/>
-              </a:rPr>
-              <a:t>match_parent</a:t>
-            </a:r>
-            <a:r>
-              <a:rPr lang="en-US" sz="2000" dirty="0"/>
-              <a:t> for any view in a ConstraintLayout. Instead use 0dp, which means match constraints.</a:t>
-            </a:r>
-          </a:p>
-          <a:p>
-            <a:pPr lvl="1"/>
-            <a:endParaRPr lang="en-SG" sz="1800" dirty="0"/>
-          </a:p>
-        </p:txBody>
-      </p:sp>
-    </p:spTree>
-    <p:extLst>
-      <p:ext uri="{BB962C8B-B14F-4D97-AF65-F5344CB8AC3E}">
-        <p14:creationId xmlns:p14="http://schemas.microsoft.com/office/powerpoint/2010/main" val="146549033"/>
-      </p:ext>
-    </p:extLst>
-  </p:cSld>
-  <p:clrMapOvr>
-    <a:masterClrMapping/>
-  </p:clrMapOvr>
-</p:sld>
-</file>
-
-<file path=ppt/slides/slide31.xml><?xml version="1.0" encoding="utf-8"?>
-<p:sld xmlns:a="http://schemas.openxmlformats.org/drawingml/2006/main" xmlns:r="http://schemas.openxmlformats.org/officeDocument/2006/relationships" xmlns:p="http://schemas.openxmlformats.org/presentationml/2006/main">
-  <p:cSld>
-    <p:spTree>
-      <p:nvGrpSpPr>
-        <p:cNvPr id="1" name=""/>
-        <p:cNvGrpSpPr/>
-        <p:nvPr/>
-      </p:nvGrpSpPr>
-      <p:grpSpPr>
-        <a:xfrm>
-          <a:off x="0" y="0"/>
-          <a:ext cx="0" cy="0"/>
-          <a:chOff x="0" y="0"/>
-          <a:chExt cx="0" cy="0"/>
-        </a:xfrm>
-      </p:grpSpPr>
-      <p:sp>
-        <p:nvSpPr>
-          <p:cNvPr id="2" name="Title 1">
-            <a:extLst>
-              <a:ext uri="{FF2B5EF4-FFF2-40B4-BE49-F238E27FC236}">
                 <a16:creationId xmlns:a16="http://schemas.microsoft.com/office/drawing/2014/main" id="{4B0E0EA7-832C-4C3F-B1EE-168966D09D16}"/>
               </a:ext>
             </a:extLst>
@@ -13208,7 +13923,7 @@
 </p:sld>
 </file>
 
-<file path=ppt/slides/slide32.xml><?xml version="1.0" encoding="utf-8"?>
+<file path=ppt/slides/slide35.xml><?xml version="1.0" encoding="utf-8"?>
 <p:sld xmlns:a="http://schemas.openxmlformats.org/drawingml/2006/main" xmlns:r="http://schemas.openxmlformats.org/officeDocument/2006/relationships" xmlns:p="http://schemas.openxmlformats.org/presentationml/2006/main">
   <p:cSld>
     <p:spTree>
@@ -14056,7 +14771,7 @@
 </p:sld>
 </file>
 
-<file path=ppt/slides/slide33.xml><?xml version="1.0" encoding="utf-8"?>
+<file path=ppt/slides/slide36.xml><?xml version="1.0" encoding="utf-8"?>
 <p:sld xmlns:a="http://schemas.openxmlformats.org/drawingml/2006/main" xmlns:r="http://schemas.openxmlformats.org/officeDocument/2006/relationships" xmlns:p="http://schemas.openxmlformats.org/presentationml/2006/main">
   <p:cSld>
     <p:spTree>
@@ -14775,7 +15490,7 @@
 </p:sld>
 </file>
 
-<file path=ppt/slides/slide34.xml><?xml version="1.0" encoding="utf-8"?>
+<file path=ppt/slides/slide37.xml><?xml version="1.0" encoding="utf-8"?>
 <p:sld xmlns:a="http://schemas.openxmlformats.org/drawingml/2006/main" xmlns:r="http://schemas.openxmlformats.org/officeDocument/2006/relationships" xmlns:p="http://schemas.openxmlformats.org/presentationml/2006/main">
   <p:cSld>
     <p:spTree>
@@ -14979,7 +15694,7 @@
 </p:sld>
 </file>
 
-<file path=ppt/slides/slide35.xml><?xml version="1.0" encoding="utf-8"?>
+<file path=ppt/slides/slide38.xml><?xml version="1.0" encoding="utf-8"?>
 <p:sld xmlns:a="http://schemas.openxmlformats.org/drawingml/2006/main" xmlns:r="http://schemas.openxmlformats.org/officeDocument/2006/relationships" xmlns:p="http://schemas.openxmlformats.org/presentationml/2006/main">
   <p:cSld>
     <p:spTree>
@@ -15371,7 +16086,7 @@
 </p:sld>
 </file>
 
-<file path=ppt/slides/slide36.xml><?xml version="1.0" encoding="utf-8"?>
+<file path=ppt/slides/slide39.xml><?xml version="1.0" encoding="utf-8"?>
 <p:sld xmlns:a="http://schemas.openxmlformats.org/drawingml/2006/main" xmlns:r="http://schemas.openxmlformats.org/officeDocument/2006/relationships" xmlns:p="http://schemas.openxmlformats.org/presentationml/2006/main">
   <p:cSld>
     <p:spTree>
@@ -15737,537 +16452,6 @@
     <p:extLst>
       <p:ext uri="{BB962C8B-B14F-4D97-AF65-F5344CB8AC3E}">
         <p14:creationId xmlns:p14="http://schemas.microsoft.com/office/powerpoint/2010/main" val="2722019150"/>
-      </p:ext>
-    </p:extLst>
-  </p:cSld>
-  <p:clrMapOvr>
-    <a:masterClrMapping/>
-  </p:clrMapOvr>
-</p:sld>
-</file>
-
-<file path=ppt/slides/slide37.xml><?xml version="1.0" encoding="utf-8"?>
-<p:sld xmlns:a="http://schemas.openxmlformats.org/drawingml/2006/main" xmlns:r="http://schemas.openxmlformats.org/officeDocument/2006/relationships" xmlns:p="http://schemas.openxmlformats.org/presentationml/2006/main">
-  <p:cSld>
-    <p:spTree>
-      <p:nvGrpSpPr>
-        <p:cNvPr id="1" name=""/>
-        <p:cNvGrpSpPr/>
-        <p:nvPr/>
-      </p:nvGrpSpPr>
-      <p:grpSpPr>
-        <a:xfrm>
-          <a:off x="0" y="0"/>
-          <a:ext cx="0" cy="0"/>
-          <a:chOff x="0" y="0"/>
-          <a:chExt cx="0" cy="0"/>
-        </a:xfrm>
-      </p:grpSpPr>
-      <p:sp>
-        <p:nvSpPr>
-          <p:cNvPr id="2" name="Title 1">
-            <a:extLst>
-              <a:ext uri="{FF2B5EF4-FFF2-40B4-BE49-F238E27FC236}">
-                <a16:creationId xmlns:a16="http://schemas.microsoft.com/office/drawing/2014/main" id="{F5220BC9-E72C-4477-933D-27007CC8CFD8}"/>
-              </a:ext>
-            </a:extLst>
-          </p:cNvPr>
-          <p:cNvSpPr>
-            <a:spLocks noGrp="1"/>
-          </p:cNvSpPr>
-          <p:nvPr>
-            <p:ph type="title"/>
-          </p:nvPr>
-        </p:nvSpPr>
-        <p:spPr/>
-        <p:txBody>
-          <a:bodyPr/>
-          <a:lstStyle/>
-          <a:p>
-            <a:r>
-              <a:rPr lang="en-SG" dirty="0"/>
-              <a:t>Testing Pyramid</a:t>
-            </a:r>
-          </a:p>
-        </p:txBody>
-      </p:sp>
-    </p:spTree>
-    <p:extLst>
-      <p:ext uri="{BB962C8B-B14F-4D97-AF65-F5344CB8AC3E}">
-        <p14:creationId xmlns:p14="http://schemas.microsoft.com/office/powerpoint/2010/main" val="3547282045"/>
-      </p:ext>
-    </p:extLst>
-  </p:cSld>
-  <p:clrMapOvr>
-    <a:masterClrMapping/>
-  </p:clrMapOvr>
-</p:sld>
-</file>
-
-<file path=ppt/slides/slide38.xml><?xml version="1.0" encoding="utf-8"?>
-<p:sld xmlns:a="http://schemas.openxmlformats.org/drawingml/2006/main" xmlns:r="http://schemas.openxmlformats.org/officeDocument/2006/relationships" xmlns:p="http://schemas.openxmlformats.org/presentationml/2006/main">
-  <p:cSld>
-    <p:spTree>
-      <p:nvGrpSpPr>
-        <p:cNvPr id="1" name=""/>
-        <p:cNvGrpSpPr/>
-        <p:nvPr/>
-      </p:nvGrpSpPr>
-      <p:grpSpPr>
-        <a:xfrm>
-          <a:off x="0" y="0"/>
-          <a:ext cx="0" cy="0"/>
-          <a:chOff x="0" y="0"/>
-          <a:chExt cx="0" cy="0"/>
-        </a:xfrm>
-      </p:grpSpPr>
-      <p:sp>
-        <p:nvSpPr>
-          <p:cNvPr id="2" name="Title 1">
-            <a:extLst>
-              <a:ext uri="{FF2B5EF4-FFF2-40B4-BE49-F238E27FC236}">
-                <a16:creationId xmlns:a16="http://schemas.microsoft.com/office/drawing/2014/main" id="{3A6E8525-26F5-4F75-AB39-AB3E80C0912F}"/>
-              </a:ext>
-            </a:extLst>
-          </p:cNvPr>
-          <p:cNvSpPr>
-            <a:spLocks noGrp="1"/>
-          </p:cNvSpPr>
-          <p:nvPr>
-            <p:ph type="title"/>
-          </p:nvPr>
-        </p:nvSpPr>
-        <p:spPr/>
-        <p:txBody>
-          <a:bodyPr/>
-          <a:lstStyle/>
-          <a:p>
-            <a:r>
-              <a:rPr lang="en-SG" dirty="0"/>
-              <a:t>Automated Testing</a:t>
-            </a:r>
-          </a:p>
-        </p:txBody>
-      </p:sp>
-      <p:sp>
-        <p:nvSpPr>
-          <p:cNvPr id="3" name="Content Placeholder 2">
-            <a:extLst>
-              <a:ext uri="{FF2B5EF4-FFF2-40B4-BE49-F238E27FC236}">
-                <a16:creationId xmlns:a16="http://schemas.microsoft.com/office/drawing/2014/main" id="{12495BD3-7FD8-4FFB-88EB-ADE6509A853F}"/>
-              </a:ext>
-            </a:extLst>
-          </p:cNvPr>
-          <p:cNvSpPr>
-            <a:spLocks noGrp="1"/>
-          </p:cNvSpPr>
-          <p:nvPr>
-            <p:ph idx="1"/>
-          </p:nvPr>
-        </p:nvSpPr>
-        <p:spPr>
-          <a:xfrm>
-            <a:off x="838200" y="1690688"/>
-            <a:ext cx="10515600" cy="4594630"/>
-          </a:xfrm>
-        </p:spPr>
-        <p:txBody>
-          <a:bodyPr>
-            <a:normAutofit/>
-          </a:bodyPr>
-          <a:lstStyle/>
-          <a:p>
-            <a:r>
-              <a:rPr lang="en-US" sz="2000" dirty="0"/>
-              <a:t>In the </a:t>
-            </a:r>
-            <a:r>
-              <a:rPr lang="en-US" sz="2000" dirty="0">
-                <a:latin typeface="Consolas" panose="020B0609020204030204" pitchFamily="49" charset="0"/>
-              </a:rPr>
-              <a:t>app</a:t>
-            </a:r>
-            <a:r>
-              <a:rPr lang="en-US" sz="2000" dirty="0"/>
-              <a:t> &gt; </a:t>
-            </a:r>
-            <a:r>
-              <a:rPr lang="en-US" sz="2000" dirty="0" err="1">
-                <a:latin typeface="Consolas" panose="020B0609020204030204" pitchFamily="49" charset="0"/>
-              </a:rPr>
-              <a:t>src</a:t>
-            </a:r>
-            <a:r>
-              <a:rPr lang="en-US" sz="2000" dirty="0"/>
-              <a:t> directory of </a:t>
-            </a:r>
-            <a:r>
-              <a:rPr lang="en-US" sz="2000" i="1" dirty="0"/>
-              <a:t>Project Source Files</a:t>
-            </a:r>
-            <a:r>
-              <a:rPr lang="en-US" sz="2000" dirty="0"/>
-              <a:t>, or </a:t>
-            </a:r>
-            <a:r>
-              <a:rPr lang="en-US" sz="2000" dirty="0">
-                <a:latin typeface="Consolas" panose="020B0609020204030204" pitchFamily="49" charset="0"/>
-              </a:rPr>
-              <a:t>app</a:t>
-            </a:r>
-            <a:r>
-              <a:rPr lang="en-US" sz="2000" dirty="0"/>
-              <a:t> &gt; </a:t>
-            </a:r>
-            <a:r>
-              <a:rPr lang="en-US" sz="2000" dirty="0">
-                <a:latin typeface="Consolas" panose="020B0609020204030204" pitchFamily="49" charset="0"/>
-              </a:rPr>
-              <a:t>java</a:t>
-            </a:r>
-            <a:r>
-              <a:rPr lang="en-US" sz="2000" dirty="0"/>
-              <a:t> directory in </a:t>
-            </a:r>
-            <a:r>
-              <a:rPr lang="en-US" sz="2000" i="1" dirty="0"/>
-              <a:t>Android</a:t>
-            </a:r>
-            <a:r>
-              <a:rPr lang="en-US" sz="2000" dirty="0"/>
-              <a:t> there are the </a:t>
-            </a:r>
-            <a:r>
-              <a:rPr lang="en-US" sz="2000" dirty="0">
-                <a:highlight>
-                  <a:srgbClr val="00FF00"/>
-                </a:highlight>
-                <a:latin typeface="Consolas" panose="020B0609020204030204" pitchFamily="49" charset="0"/>
-              </a:rPr>
-              <a:t>test</a:t>
-            </a:r>
-            <a:r>
-              <a:rPr lang="en-US" sz="2000" dirty="0"/>
-              <a:t> and </a:t>
-            </a:r>
-            <a:r>
-              <a:rPr lang="en-US" sz="2000" dirty="0" err="1">
-                <a:highlight>
-                  <a:srgbClr val="00FFFF"/>
-                </a:highlight>
-                <a:latin typeface="Consolas" panose="020B0609020204030204" pitchFamily="49" charset="0"/>
-              </a:rPr>
-              <a:t>androidTest</a:t>
-            </a:r>
-            <a:r>
-              <a:rPr lang="en-US" sz="2000" dirty="0"/>
-              <a:t> directories. There are two types of automated tests in Android development: </a:t>
-            </a:r>
-            <a:r>
-              <a:rPr lang="en-US" sz="2000" dirty="0">
-                <a:highlight>
-                  <a:srgbClr val="00FF00"/>
-                </a:highlight>
-              </a:rPr>
-              <a:t>unit tests</a:t>
-            </a:r>
-            <a:r>
-              <a:rPr lang="en-US" sz="2000" dirty="0"/>
-              <a:t> and </a:t>
-            </a:r>
-            <a:r>
-              <a:rPr lang="en-US" sz="2000" dirty="0">
-                <a:highlight>
-                  <a:srgbClr val="00FFFF"/>
-                </a:highlight>
-              </a:rPr>
-              <a:t>instrumentation tests</a:t>
-            </a:r>
-            <a:r>
-              <a:rPr lang="en-US" sz="2000" dirty="0"/>
-              <a:t>. The two directories represent these two categories of tests.</a:t>
-            </a:r>
-          </a:p>
-          <a:p>
-            <a:r>
-              <a:rPr lang="en-US" sz="2000" dirty="0"/>
-              <a:t>Android Studio automatically generates a simple unit test and instrumentation test each time you create a new project. They are just placeholders.</a:t>
-            </a:r>
-          </a:p>
-          <a:p>
-            <a:r>
-              <a:rPr lang="en-US" sz="2000" dirty="0"/>
-              <a:t>In the context of Android Development, </a:t>
-            </a:r>
-            <a:r>
-              <a:rPr lang="en-US" sz="2000" dirty="0">
-                <a:highlight>
-                  <a:srgbClr val="00FFFF"/>
-                </a:highlight>
-              </a:rPr>
-              <a:t>instrumentation test</a:t>
-            </a:r>
-            <a:r>
-              <a:rPr lang="en-US" sz="2000" dirty="0"/>
-              <a:t> is the term for what is, usually, a </a:t>
-            </a:r>
-            <a:r>
-              <a:rPr lang="en-US" sz="2000" dirty="0">
-                <a:highlight>
-                  <a:srgbClr val="00FFFF"/>
-                </a:highlight>
-              </a:rPr>
-              <a:t>user-interface test (UI test)</a:t>
-            </a:r>
-            <a:r>
-              <a:rPr lang="en-US" sz="2000" dirty="0"/>
-              <a:t>.</a:t>
-            </a:r>
-          </a:p>
-          <a:p>
-            <a:r>
-              <a:rPr lang="en-US" sz="2000" dirty="0"/>
-              <a:t>Instrumentation tests let you test parts of an app that depend on activity and fragment lifecycles, and platform APIs and services. Unlike unit tests, UI tests don't test code directly. Instead, they test the user interface to make sure that the correct UI components are displayed and that the user interface behaves as expected when actions are taken within the UI. </a:t>
-            </a:r>
-          </a:p>
-          <a:p>
-            <a:r>
-              <a:rPr lang="en-US" sz="2000" dirty="0"/>
-              <a:t>Creating a test every time you create a new feature in your app reduces your workload later as your app grows.</a:t>
-            </a:r>
-          </a:p>
-          <a:p>
-            <a:endParaRPr lang="en-SG" sz="2000" dirty="0"/>
-          </a:p>
-        </p:txBody>
-      </p:sp>
-    </p:spTree>
-    <p:extLst>
-      <p:ext uri="{BB962C8B-B14F-4D97-AF65-F5344CB8AC3E}">
-        <p14:creationId xmlns:p14="http://schemas.microsoft.com/office/powerpoint/2010/main" val="935912040"/>
-      </p:ext>
-    </p:extLst>
-  </p:cSld>
-  <p:clrMapOvr>
-    <a:masterClrMapping/>
-  </p:clrMapOvr>
-</p:sld>
-</file>
-
-<file path=ppt/slides/slide39.xml><?xml version="1.0" encoding="utf-8"?>
-<p:sld xmlns:a="http://schemas.openxmlformats.org/drawingml/2006/main" xmlns:r="http://schemas.openxmlformats.org/officeDocument/2006/relationships" xmlns:p="http://schemas.openxmlformats.org/presentationml/2006/main">
-  <p:cSld>
-    <p:spTree>
-      <p:nvGrpSpPr>
-        <p:cNvPr id="1" name=""/>
-        <p:cNvGrpSpPr/>
-        <p:nvPr/>
-      </p:nvGrpSpPr>
-      <p:grpSpPr>
-        <a:xfrm>
-          <a:off x="0" y="0"/>
-          <a:ext cx="0" cy="0"/>
-          <a:chOff x="0" y="0"/>
-          <a:chExt cx="0" cy="0"/>
-        </a:xfrm>
-      </p:grpSpPr>
-      <p:sp>
-        <p:nvSpPr>
-          <p:cNvPr id="2" name="Title 1">
-            <a:extLst>
-              <a:ext uri="{FF2B5EF4-FFF2-40B4-BE49-F238E27FC236}">
-                <a16:creationId xmlns:a16="http://schemas.microsoft.com/office/drawing/2014/main" id="{3A6E8525-26F5-4F75-AB39-AB3E80C0912F}"/>
-              </a:ext>
-            </a:extLst>
-          </p:cNvPr>
-          <p:cNvSpPr>
-            <a:spLocks noGrp="1"/>
-          </p:cNvSpPr>
-          <p:nvPr>
-            <p:ph type="title"/>
-          </p:nvPr>
-        </p:nvSpPr>
-        <p:spPr/>
-        <p:txBody>
-          <a:bodyPr/>
-          <a:lstStyle/>
-          <a:p>
-            <a:r>
-              <a:rPr lang="en-SG" dirty="0"/>
-              <a:t>Automated Testing</a:t>
-            </a:r>
-          </a:p>
-        </p:txBody>
-      </p:sp>
-      <p:sp>
-        <p:nvSpPr>
-          <p:cNvPr id="3" name="Content Placeholder 2">
-            <a:extLst>
-              <a:ext uri="{FF2B5EF4-FFF2-40B4-BE49-F238E27FC236}">
-                <a16:creationId xmlns:a16="http://schemas.microsoft.com/office/drawing/2014/main" id="{12495BD3-7FD8-4FFB-88EB-ADE6509A853F}"/>
-              </a:ext>
-            </a:extLst>
-          </p:cNvPr>
-          <p:cNvSpPr>
-            <a:spLocks noGrp="1"/>
-          </p:cNvSpPr>
-          <p:nvPr>
-            <p:ph idx="1"/>
-          </p:nvPr>
-        </p:nvSpPr>
-        <p:spPr>
-          <a:xfrm>
-            <a:off x="838200" y="1690688"/>
-            <a:ext cx="10515600" cy="4594630"/>
-          </a:xfrm>
-        </p:spPr>
-        <p:txBody>
-          <a:bodyPr>
-            <a:normAutofit/>
-          </a:bodyPr>
-          <a:lstStyle/>
-          <a:p>
-            <a:r>
-              <a:rPr lang="en-US" sz="2000" dirty="0"/>
-              <a:t>With unit tests, you can test functions, classes, and properties. Local tests are executed on the Java Virtual Machine (JVM), which means they run in a development environment without needing a device or emulator.</a:t>
-            </a:r>
-          </a:p>
-          <a:p>
-            <a:r>
-              <a:rPr lang="en-US" sz="2000" dirty="0"/>
-              <a:t>On the other hand, all instrumentation tests must run on a physical device or emulator. When you run an instrumentation test on Android, what's really happening is that the test code is actually built into its own test APK, just like a regular Android app. The test APK is installed on the device or emulator along with the regular app APK. The test APK then runs its tests against the app APK.</a:t>
-            </a:r>
-            <a:endParaRPr lang="en-SG" sz="2000" dirty="0"/>
-          </a:p>
-        </p:txBody>
-      </p:sp>
-      <p:pic>
-        <p:nvPicPr>
-          <p:cNvPr id="5" name="Picture 4">
-            <a:extLst>
-              <a:ext uri="{FF2B5EF4-FFF2-40B4-BE49-F238E27FC236}">
-                <a16:creationId xmlns:a16="http://schemas.microsoft.com/office/drawing/2014/main" id="{33F6736C-AFF3-4B4B-BAEB-F02840B77BA0}"/>
-              </a:ext>
-            </a:extLst>
-          </p:cNvPr>
-          <p:cNvPicPr>
-            <a:picLocks noChangeAspect="1"/>
-          </p:cNvPicPr>
-          <p:nvPr/>
-        </p:nvPicPr>
-        <p:blipFill>
-          <a:blip r:embed="rId2"/>
-          <a:stretch>
-            <a:fillRect/>
-          </a:stretch>
-        </p:blipFill>
-        <p:spPr>
-          <a:xfrm>
-            <a:off x="3238252" y="4326808"/>
-            <a:ext cx="5715495" cy="1958510"/>
-          </a:xfrm>
-          <a:prstGeom prst="rect">
-            <a:avLst/>
-          </a:prstGeom>
-        </p:spPr>
-      </p:pic>
-      <p:sp>
-        <p:nvSpPr>
-          <p:cNvPr id="6" name="TextBox 5">
-            <a:extLst>
-              <a:ext uri="{FF2B5EF4-FFF2-40B4-BE49-F238E27FC236}">
-                <a16:creationId xmlns:a16="http://schemas.microsoft.com/office/drawing/2014/main" id="{4A8496FC-3A07-4BE8-B68B-1451A5F0A4FC}"/>
-              </a:ext>
-            </a:extLst>
-          </p:cNvPr>
-          <p:cNvSpPr txBox="1"/>
-          <p:nvPr/>
-        </p:nvSpPr>
-        <p:spPr>
-          <a:xfrm>
-            <a:off x="8081696" y="4188308"/>
-            <a:ext cx="1529714" cy="276999"/>
-          </a:xfrm>
-          <a:prstGeom prst="rect">
-            <a:avLst/>
-          </a:prstGeom>
-          <a:solidFill>
-            <a:schemeClr val="accent4"/>
-          </a:solidFill>
-        </p:spPr>
-        <p:txBody>
-          <a:bodyPr wrap="none" rtlCol="0">
-            <a:spAutoFit/>
-          </a:bodyPr>
-          <a:lstStyle/>
-          <a:p>
-            <a:r>
-              <a:rPr lang="en-SG" sz="1200" dirty="0" err="1"/>
-              <a:t>build.gradle</a:t>
-            </a:r>
-            <a:r>
-              <a:rPr lang="en-SG" sz="1200" dirty="0"/>
-              <a:t> (module)</a:t>
-            </a:r>
-          </a:p>
-        </p:txBody>
-      </p:sp>
-      <p:sp>
-        <p:nvSpPr>
-          <p:cNvPr id="7" name="Rectangle 6">
-            <a:extLst>
-              <a:ext uri="{FF2B5EF4-FFF2-40B4-BE49-F238E27FC236}">
-                <a16:creationId xmlns:a16="http://schemas.microsoft.com/office/drawing/2014/main" id="{8DD20BDB-859E-470A-AC30-6694C4BA008E}"/>
-              </a:ext>
-            </a:extLst>
-          </p:cNvPr>
-          <p:cNvSpPr/>
-          <p:nvPr/>
-        </p:nvSpPr>
-        <p:spPr>
-          <a:xfrm>
-            <a:off x="3550596" y="5409088"/>
-            <a:ext cx="5340486" cy="660971"/>
-          </a:xfrm>
-          <a:prstGeom prst="rect">
-            <a:avLst/>
-          </a:prstGeom>
-          <a:noFill/>
-          <a:ln>
-            <a:solidFill>
-              <a:srgbClr val="FF0000"/>
-            </a:solidFill>
-          </a:ln>
-        </p:spPr>
-        <p:style>
-          <a:lnRef idx="2">
-            <a:schemeClr val="accent1">
-              <a:shade val="50000"/>
-            </a:schemeClr>
-          </a:lnRef>
-          <a:fillRef idx="1">
-            <a:schemeClr val="accent1"/>
-          </a:fillRef>
-          <a:effectRef idx="0">
-            <a:schemeClr val="accent1"/>
-          </a:effectRef>
-          <a:fontRef idx="minor">
-            <a:schemeClr val="lt1"/>
-          </a:fontRef>
-        </p:style>
-        <p:txBody>
-          <a:bodyPr rtlCol="0" anchor="ctr"/>
-          <a:lstStyle/>
-          <a:p>
-            <a:pPr algn="ctr"/>
-            <a:endParaRPr lang="en-SG"/>
-          </a:p>
-        </p:txBody>
-      </p:sp>
-    </p:spTree>
-    <p:extLst>
-      <p:ext uri="{BB962C8B-B14F-4D97-AF65-F5344CB8AC3E}">
-        <p14:creationId xmlns:p14="http://schemas.microsoft.com/office/powerpoint/2010/main" val="3962322152"/>
       </p:ext>
     </p:extLst>
   </p:cSld>
@@ -16989,6 +17173,64 @@
           <p:cNvPr id="2" name="Title 1">
             <a:extLst>
               <a:ext uri="{FF2B5EF4-FFF2-40B4-BE49-F238E27FC236}">
+                <a16:creationId xmlns:a16="http://schemas.microsoft.com/office/drawing/2014/main" id="{F5220BC9-E72C-4477-933D-27007CC8CFD8}"/>
+              </a:ext>
+            </a:extLst>
+          </p:cNvPr>
+          <p:cNvSpPr>
+            <a:spLocks noGrp="1"/>
+          </p:cNvSpPr>
+          <p:nvPr>
+            <p:ph type="title"/>
+          </p:nvPr>
+        </p:nvSpPr>
+        <p:spPr/>
+        <p:txBody>
+          <a:bodyPr/>
+          <a:lstStyle/>
+          <a:p>
+            <a:r>
+              <a:rPr lang="en-SG" dirty="0"/>
+              <a:t>Testing Pyramid</a:t>
+            </a:r>
+          </a:p>
+        </p:txBody>
+      </p:sp>
+    </p:spTree>
+    <p:extLst>
+      <p:ext uri="{BB962C8B-B14F-4D97-AF65-F5344CB8AC3E}">
+        <p14:creationId xmlns:p14="http://schemas.microsoft.com/office/powerpoint/2010/main" val="3547282045"/>
+      </p:ext>
+    </p:extLst>
+  </p:cSld>
+  <p:clrMapOvr>
+    <a:masterClrMapping/>
+  </p:clrMapOvr>
+</p:sld>
+</file>
+
+<file path=ppt/slides/slide41.xml><?xml version="1.0" encoding="utf-8"?>
+<p:sld xmlns:a="http://schemas.openxmlformats.org/drawingml/2006/main" xmlns:r="http://schemas.openxmlformats.org/officeDocument/2006/relationships" xmlns:p="http://schemas.openxmlformats.org/presentationml/2006/main">
+  <p:cSld>
+    <p:spTree>
+      <p:nvGrpSpPr>
+        <p:cNvPr id="1" name=""/>
+        <p:cNvGrpSpPr/>
+        <p:nvPr/>
+      </p:nvGrpSpPr>
+      <p:grpSpPr>
+        <a:xfrm>
+          <a:off x="0" y="0"/>
+          <a:ext cx="0" cy="0"/>
+          <a:chOff x="0" y="0"/>
+          <a:chExt cx="0" cy="0"/>
+        </a:xfrm>
+      </p:grpSpPr>
+      <p:sp>
+        <p:nvSpPr>
+          <p:cNvPr id="2" name="Title 1">
+            <a:extLst>
+              <a:ext uri="{FF2B5EF4-FFF2-40B4-BE49-F238E27FC236}">
                 <a16:creationId xmlns:a16="http://schemas.microsoft.com/office/drawing/2014/main" id="{3A6E8525-26F5-4F75-AB39-AB3E80C0912F}"/>
               </a:ext>
             </a:extLst>
@@ -17042,6 +17284,479 @@
           <a:p>
             <a:r>
               <a:rPr lang="en-US" sz="2000" dirty="0"/>
+              <a:t>In the </a:t>
+            </a:r>
+            <a:r>
+              <a:rPr lang="en-US" sz="2000" dirty="0">
+                <a:latin typeface="Consolas" panose="020B0609020204030204" pitchFamily="49" charset="0"/>
+              </a:rPr>
+              <a:t>app</a:t>
+            </a:r>
+            <a:r>
+              <a:rPr lang="en-US" sz="2000" dirty="0"/>
+              <a:t> &gt; </a:t>
+            </a:r>
+            <a:r>
+              <a:rPr lang="en-US" sz="2000" dirty="0" err="1">
+                <a:latin typeface="Consolas" panose="020B0609020204030204" pitchFamily="49" charset="0"/>
+              </a:rPr>
+              <a:t>src</a:t>
+            </a:r>
+            <a:r>
+              <a:rPr lang="en-US" sz="2000" dirty="0"/>
+              <a:t> directory of </a:t>
+            </a:r>
+            <a:r>
+              <a:rPr lang="en-US" sz="2000" i="1" dirty="0"/>
+              <a:t>Project Source Files</a:t>
+            </a:r>
+            <a:r>
+              <a:rPr lang="en-US" sz="2000" dirty="0"/>
+              <a:t>, or </a:t>
+            </a:r>
+            <a:r>
+              <a:rPr lang="en-US" sz="2000" dirty="0">
+                <a:latin typeface="Consolas" panose="020B0609020204030204" pitchFamily="49" charset="0"/>
+              </a:rPr>
+              <a:t>app</a:t>
+            </a:r>
+            <a:r>
+              <a:rPr lang="en-US" sz="2000" dirty="0"/>
+              <a:t> &gt; </a:t>
+            </a:r>
+            <a:r>
+              <a:rPr lang="en-US" sz="2000" dirty="0">
+                <a:latin typeface="Consolas" panose="020B0609020204030204" pitchFamily="49" charset="0"/>
+              </a:rPr>
+              <a:t>java</a:t>
+            </a:r>
+            <a:r>
+              <a:rPr lang="en-US" sz="2000" dirty="0"/>
+              <a:t> directory in </a:t>
+            </a:r>
+            <a:r>
+              <a:rPr lang="en-US" sz="2000" i="1" dirty="0"/>
+              <a:t>Android</a:t>
+            </a:r>
+            <a:r>
+              <a:rPr lang="en-US" sz="2000" dirty="0"/>
+              <a:t> there are the </a:t>
+            </a:r>
+            <a:r>
+              <a:rPr lang="en-US" sz="2000" dirty="0">
+                <a:highlight>
+                  <a:srgbClr val="00FF00"/>
+                </a:highlight>
+                <a:latin typeface="Consolas" panose="020B0609020204030204" pitchFamily="49" charset="0"/>
+              </a:rPr>
+              <a:t>test</a:t>
+            </a:r>
+            <a:r>
+              <a:rPr lang="en-US" sz="2000" dirty="0"/>
+              <a:t> and </a:t>
+            </a:r>
+            <a:r>
+              <a:rPr lang="en-US" sz="2000" dirty="0" err="1">
+                <a:highlight>
+                  <a:srgbClr val="00FFFF"/>
+                </a:highlight>
+                <a:latin typeface="Consolas" panose="020B0609020204030204" pitchFamily="49" charset="0"/>
+              </a:rPr>
+              <a:t>androidTest</a:t>
+            </a:r>
+            <a:r>
+              <a:rPr lang="en-US" sz="2000" dirty="0"/>
+              <a:t> directories. There are two types of automated tests in Android development: </a:t>
+            </a:r>
+            <a:r>
+              <a:rPr lang="en-US" sz="2000" dirty="0">
+                <a:highlight>
+                  <a:srgbClr val="00FF00"/>
+                </a:highlight>
+              </a:rPr>
+              <a:t>unit tests</a:t>
+            </a:r>
+            <a:r>
+              <a:rPr lang="en-US" sz="2000" dirty="0"/>
+              <a:t> and </a:t>
+            </a:r>
+            <a:r>
+              <a:rPr lang="en-US" sz="2000" dirty="0">
+                <a:highlight>
+                  <a:srgbClr val="00FFFF"/>
+                </a:highlight>
+              </a:rPr>
+              <a:t>instrumentation tests</a:t>
+            </a:r>
+            <a:r>
+              <a:rPr lang="en-US" sz="2000" dirty="0"/>
+              <a:t>. The two directories represent these two categories of tests.</a:t>
+            </a:r>
+          </a:p>
+          <a:p>
+            <a:r>
+              <a:rPr lang="en-US" sz="2000" dirty="0"/>
+              <a:t>Android Studio automatically generates a simple unit test and instrumentation test each time you create a new project. They are just placeholders.</a:t>
+            </a:r>
+          </a:p>
+          <a:p>
+            <a:r>
+              <a:rPr lang="en-US" sz="2000" dirty="0"/>
+              <a:t>In the context of Android Development, </a:t>
+            </a:r>
+            <a:r>
+              <a:rPr lang="en-US" sz="2000" dirty="0">
+                <a:highlight>
+                  <a:srgbClr val="00FFFF"/>
+                </a:highlight>
+              </a:rPr>
+              <a:t>instrumentation test</a:t>
+            </a:r>
+            <a:r>
+              <a:rPr lang="en-US" sz="2000" dirty="0"/>
+              <a:t> is the term for what is, usually, a </a:t>
+            </a:r>
+            <a:r>
+              <a:rPr lang="en-US" sz="2000" dirty="0">
+                <a:highlight>
+                  <a:srgbClr val="00FFFF"/>
+                </a:highlight>
+              </a:rPr>
+              <a:t>user-interface test (UI test)</a:t>
+            </a:r>
+            <a:r>
+              <a:rPr lang="en-US" sz="2000" dirty="0"/>
+              <a:t>.</a:t>
+            </a:r>
+          </a:p>
+          <a:p>
+            <a:r>
+              <a:rPr lang="en-US" sz="2000" dirty="0"/>
+              <a:t>Instrumentation tests let you test parts of an app that depend on activity and fragment lifecycles, and platform APIs and services. Unlike unit tests, UI tests don't test code directly. Instead, they test the user interface to make sure that the correct UI components are displayed and that the user interface behaves as expected when actions are taken within the UI. </a:t>
+            </a:r>
+          </a:p>
+          <a:p>
+            <a:r>
+              <a:rPr lang="en-US" sz="2000" dirty="0"/>
+              <a:t>Creating a test every time you create a new feature in your app reduces your workload later as your app grows.</a:t>
+            </a:r>
+          </a:p>
+          <a:p>
+            <a:endParaRPr lang="en-SG" sz="2000" dirty="0"/>
+          </a:p>
+        </p:txBody>
+      </p:sp>
+    </p:spTree>
+    <p:extLst>
+      <p:ext uri="{BB962C8B-B14F-4D97-AF65-F5344CB8AC3E}">
+        <p14:creationId xmlns:p14="http://schemas.microsoft.com/office/powerpoint/2010/main" val="935912040"/>
+      </p:ext>
+    </p:extLst>
+  </p:cSld>
+  <p:clrMapOvr>
+    <a:masterClrMapping/>
+  </p:clrMapOvr>
+</p:sld>
+</file>
+
+<file path=ppt/slides/slide42.xml><?xml version="1.0" encoding="utf-8"?>
+<p:sld xmlns:a="http://schemas.openxmlformats.org/drawingml/2006/main" xmlns:r="http://schemas.openxmlformats.org/officeDocument/2006/relationships" xmlns:p="http://schemas.openxmlformats.org/presentationml/2006/main">
+  <p:cSld>
+    <p:spTree>
+      <p:nvGrpSpPr>
+        <p:cNvPr id="1" name=""/>
+        <p:cNvGrpSpPr/>
+        <p:nvPr/>
+      </p:nvGrpSpPr>
+      <p:grpSpPr>
+        <a:xfrm>
+          <a:off x="0" y="0"/>
+          <a:ext cx="0" cy="0"/>
+          <a:chOff x="0" y="0"/>
+          <a:chExt cx="0" cy="0"/>
+        </a:xfrm>
+      </p:grpSpPr>
+      <p:sp>
+        <p:nvSpPr>
+          <p:cNvPr id="2" name="Title 1">
+            <a:extLst>
+              <a:ext uri="{FF2B5EF4-FFF2-40B4-BE49-F238E27FC236}">
+                <a16:creationId xmlns:a16="http://schemas.microsoft.com/office/drawing/2014/main" id="{3A6E8525-26F5-4F75-AB39-AB3E80C0912F}"/>
+              </a:ext>
+            </a:extLst>
+          </p:cNvPr>
+          <p:cNvSpPr>
+            <a:spLocks noGrp="1"/>
+          </p:cNvSpPr>
+          <p:nvPr>
+            <p:ph type="title"/>
+          </p:nvPr>
+        </p:nvSpPr>
+        <p:spPr/>
+        <p:txBody>
+          <a:bodyPr/>
+          <a:lstStyle/>
+          <a:p>
+            <a:r>
+              <a:rPr lang="en-SG" dirty="0"/>
+              <a:t>Automated Testing</a:t>
+            </a:r>
+          </a:p>
+        </p:txBody>
+      </p:sp>
+      <p:sp>
+        <p:nvSpPr>
+          <p:cNvPr id="3" name="Content Placeholder 2">
+            <a:extLst>
+              <a:ext uri="{FF2B5EF4-FFF2-40B4-BE49-F238E27FC236}">
+                <a16:creationId xmlns:a16="http://schemas.microsoft.com/office/drawing/2014/main" id="{12495BD3-7FD8-4FFB-88EB-ADE6509A853F}"/>
+              </a:ext>
+            </a:extLst>
+          </p:cNvPr>
+          <p:cNvSpPr>
+            <a:spLocks noGrp="1"/>
+          </p:cNvSpPr>
+          <p:nvPr>
+            <p:ph idx="1"/>
+          </p:nvPr>
+        </p:nvSpPr>
+        <p:spPr>
+          <a:xfrm>
+            <a:off x="838200" y="1690688"/>
+            <a:ext cx="10515600" cy="4594630"/>
+          </a:xfrm>
+        </p:spPr>
+        <p:txBody>
+          <a:bodyPr>
+            <a:normAutofit/>
+          </a:bodyPr>
+          <a:lstStyle/>
+          <a:p>
+            <a:r>
+              <a:rPr lang="en-US" sz="2000" dirty="0"/>
+              <a:t>With unit tests, you can test functions, classes, and properties. Local tests are executed on the Java Virtual Machine (JVM), which means they run in a development environment without needing a device or emulator.</a:t>
+            </a:r>
+          </a:p>
+          <a:p>
+            <a:r>
+              <a:rPr lang="en-US" sz="2000" dirty="0"/>
+              <a:t>On the other hand, all instrumentation tests must run on a physical device or emulator. When you run an instrumentation test on Android, what's really happening is that the test code is actually built into its own test APK, just like a regular Android app. The test APK is installed on the device or emulator along with the regular app APK. The test APK then runs its tests against the app APK.</a:t>
+            </a:r>
+            <a:endParaRPr lang="en-SG" sz="2000" dirty="0"/>
+          </a:p>
+        </p:txBody>
+      </p:sp>
+      <p:pic>
+        <p:nvPicPr>
+          <p:cNvPr id="5" name="Picture 4">
+            <a:extLst>
+              <a:ext uri="{FF2B5EF4-FFF2-40B4-BE49-F238E27FC236}">
+                <a16:creationId xmlns:a16="http://schemas.microsoft.com/office/drawing/2014/main" id="{33F6736C-AFF3-4B4B-BAEB-F02840B77BA0}"/>
+              </a:ext>
+            </a:extLst>
+          </p:cNvPr>
+          <p:cNvPicPr>
+            <a:picLocks noChangeAspect="1"/>
+          </p:cNvPicPr>
+          <p:nvPr/>
+        </p:nvPicPr>
+        <p:blipFill>
+          <a:blip r:embed="rId2"/>
+          <a:stretch>
+            <a:fillRect/>
+          </a:stretch>
+        </p:blipFill>
+        <p:spPr>
+          <a:xfrm>
+            <a:off x="3238252" y="4326808"/>
+            <a:ext cx="5715495" cy="1958510"/>
+          </a:xfrm>
+          <a:prstGeom prst="rect">
+            <a:avLst/>
+          </a:prstGeom>
+        </p:spPr>
+      </p:pic>
+      <p:sp>
+        <p:nvSpPr>
+          <p:cNvPr id="6" name="TextBox 5">
+            <a:extLst>
+              <a:ext uri="{FF2B5EF4-FFF2-40B4-BE49-F238E27FC236}">
+                <a16:creationId xmlns:a16="http://schemas.microsoft.com/office/drawing/2014/main" id="{4A8496FC-3A07-4BE8-B68B-1451A5F0A4FC}"/>
+              </a:ext>
+            </a:extLst>
+          </p:cNvPr>
+          <p:cNvSpPr txBox="1"/>
+          <p:nvPr/>
+        </p:nvSpPr>
+        <p:spPr>
+          <a:xfrm>
+            <a:off x="8081696" y="4188308"/>
+            <a:ext cx="1529714" cy="276999"/>
+          </a:xfrm>
+          <a:prstGeom prst="rect">
+            <a:avLst/>
+          </a:prstGeom>
+          <a:solidFill>
+            <a:schemeClr val="accent4"/>
+          </a:solidFill>
+        </p:spPr>
+        <p:txBody>
+          <a:bodyPr wrap="none" rtlCol="0">
+            <a:spAutoFit/>
+          </a:bodyPr>
+          <a:lstStyle/>
+          <a:p>
+            <a:r>
+              <a:rPr lang="en-SG" sz="1200" dirty="0" err="1"/>
+              <a:t>build.gradle</a:t>
+            </a:r>
+            <a:r>
+              <a:rPr lang="en-SG" sz="1200" dirty="0"/>
+              <a:t> (module)</a:t>
+            </a:r>
+          </a:p>
+        </p:txBody>
+      </p:sp>
+      <p:sp>
+        <p:nvSpPr>
+          <p:cNvPr id="7" name="Rectangle 6">
+            <a:extLst>
+              <a:ext uri="{FF2B5EF4-FFF2-40B4-BE49-F238E27FC236}">
+                <a16:creationId xmlns:a16="http://schemas.microsoft.com/office/drawing/2014/main" id="{8DD20BDB-859E-470A-AC30-6694C4BA008E}"/>
+              </a:ext>
+            </a:extLst>
+          </p:cNvPr>
+          <p:cNvSpPr/>
+          <p:nvPr/>
+        </p:nvSpPr>
+        <p:spPr>
+          <a:xfrm>
+            <a:off x="3550596" y="5409088"/>
+            <a:ext cx="5340486" cy="660971"/>
+          </a:xfrm>
+          <a:prstGeom prst="rect">
+            <a:avLst/>
+          </a:prstGeom>
+          <a:noFill/>
+          <a:ln>
+            <a:solidFill>
+              <a:srgbClr val="FF0000"/>
+            </a:solidFill>
+          </a:ln>
+        </p:spPr>
+        <p:style>
+          <a:lnRef idx="2">
+            <a:schemeClr val="accent1">
+              <a:shade val="50000"/>
+            </a:schemeClr>
+          </a:lnRef>
+          <a:fillRef idx="1">
+            <a:schemeClr val="accent1"/>
+          </a:fillRef>
+          <a:effectRef idx="0">
+            <a:schemeClr val="accent1"/>
+          </a:effectRef>
+          <a:fontRef idx="minor">
+            <a:schemeClr val="lt1"/>
+          </a:fontRef>
+        </p:style>
+        <p:txBody>
+          <a:bodyPr rtlCol="0" anchor="ctr"/>
+          <a:lstStyle/>
+          <a:p>
+            <a:pPr algn="ctr"/>
+            <a:endParaRPr lang="en-SG"/>
+          </a:p>
+        </p:txBody>
+      </p:sp>
+    </p:spTree>
+    <p:extLst>
+      <p:ext uri="{BB962C8B-B14F-4D97-AF65-F5344CB8AC3E}">
+        <p14:creationId xmlns:p14="http://schemas.microsoft.com/office/powerpoint/2010/main" val="3962322152"/>
+      </p:ext>
+    </p:extLst>
+  </p:cSld>
+  <p:clrMapOvr>
+    <a:masterClrMapping/>
+  </p:clrMapOvr>
+</p:sld>
+</file>
+
+<file path=ppt/slides/slide43.xml><?xml version="1.0" encoding="utf-8"?>
+<p:sld xmlns:a="http://schemas.openxmlformats.org/drawingml/2006/main" xmlns:r="http://schemas.openxmlformats.org/officeDocument/2006/relationships" xmlns:p="http://schemas.openxmlformats.org/presentationml/2006/main">
+  <p:cSld>
+    <p:spTree>
+      <p:nvGrpSpPr>
+        <p:cNvPr id="1" name=""/>
+        <p:cNvGrpSpPr/>
+        <p:nvPr/>
+      </p:nvGrpSpPr>
+      <p:grpSpPr>
+        <a:xfrm>
+          <a:off x="0" y="0"/>
+          <a:ext cx="0" cy="0"/>
+          <a:chOff x="0" y="0"/>
+          <a:chExt cx="0" cy="0"/>
+        </a:xfrm>
+      </p:grpSpPr>
+      <p:sp>
+        <p:nvSpPr>
+          <p:cNvPr id="2" name="Title 1">
+            <a:extLst>
+              <a:ext uri="{FF2B5EF4-FFF2-40B4-BE49-F238E27FC236}">
+                <a16:creationId xmlns:a16="http://schemas.microsoft.com/office/drawing/2014/main" id="{3A6E8525-26F5-4F75-AB39-AB3E80C0912F}"/>
+              </a:ext>
+            </a:extLst>
+          </p:cNvPr>
+          <p:cNvSpPr>
+            <a:spLocks noGrp="1"/>
+          </p:cNvSpPr>
+          <p:nvPr>
+            <p:ph type="title"/>
+          </p:nvPr>
+        </p:nvSpPr>
+        <p:spPr/>
+        <p:txBody>
+          <a:bodyPr/>
+          <a:lstStyle/>
+          <a:p>
+            <a:r>
+              <a:rPr lang="en-SG" dirty="0"/>
+              <a:t>Automated Testing</a:t>
+            </a:r>
+          </a:p>
+        </p:txBody>
+      </p:sp>
+      <p:sp>
+        <p:nvSpPr>
+          <p:cNvPr id="3" name="Content Placeholder 2">
+            <a:extLst>
+              <a:ext uri="{FF2B5EF4-FFF2-40B4-BE49-F238E27FC236}">
+                <a16:creationId xmlns:a16="http://schemas.microsoft.com/office/drawing/2014/main" id="{12495BD3-7FD8-4FFB-88EB-ADE6509A853F}"/>
+              </a:ext>
+            </a:extLst>
+          </p:cNvPr>
+          <p:cNvSpPr>
+            <a:spLocks noGrp="1"/>
+          </p:cNvSpPr>
+          <p:nvPr>
+            <p:ph idx="1"/>
+          </p:nvPr>
+        </p:nvSpPr>
+        <p:spPr>
+          <a:xfrm>
+            <a:off x="838200" y="1690688"/>
+            <a:ext cx="10515600" cy="4594630"/>
+          </a:xfrm>
+        </p:spPr>
+        <p:txBody>
+          <a:bodyPr>
+            <a:normAutofit/>
+          </a:bodyPr>
+          <a:lstStyle/>
+          <a:p>
+            <a:r>
+              <a:rPr lang="en-US" sz="2000" dirty="0"/>
               <a:t>By design, test code looks different from the business logic for an application. That's because tests are not supposed to contain logic; they are only supposed to test it. </a:t>
             </a:r>
           </a:p>
@@ -17073,7 +17788,7 @@
 </p:sld>
 </file>
 
-<file path=ppt/slides/slide41.xml><?xml version="1.0" encoding="utf-8"?>
+<file path=ppt/slides/slide44.xml><?xml version="1.0" encoding="utf-8"?>
 <p:sld xmlns:a="http://schemas.openxmlformats.org/drawingml/2006/main" xmlns:r="http://schemas.openxmlformats.org/officeDocument/2006/relationships" xmlns:p="http://schemas.openxmlformats.org/presentationml/2006/main">
   <p:cSld>
     <p:spTree>
@@ -17286,7 +18001,7 @@
 </p:sld>
 </file>
 
-<file path=ppt/slides/slide42.xml><?xml version="1.0" encoding="utf-8"?>
+<file path=ppt/slides/slide45.xml><?xml version="1.0" encoding="utf-8"?>
 <p:sld xmlns:a="http://schemas.openxmlformats.org/drawingml/2006/main" xmlns:r="http://schemas.openxmlformats.org/officeDocument/2006/relationships" xmlns:p="http://schemas.openxmlformats.org/presentationml/2006/main">
   <p:cSld>
     <p:spTree>
@@ -17645,7 +18360,7 @@
 </p:sld>
 </file>
 
-<file path=ppt/slides/slide43.xml><?xml version="1.0" encoding="utf-8"?>
+<file path=ppt/slides/slide46.xml><?xml version="1.0" encoding="utf-8"?>
 <p:sld xmlns:a="http://schemas.openxmlformats.org/drawingml/2006/main" xmlns:r="http://schemas.openxmlformats.org/officeDocument/2006/relationships" xmlns:p="http://schemas.openxmlformats.org/presentationml/2006/main">
   <p:cSld>
     <p:spTree>
@@ -17813,7 +18528,7 @@
 </p:sld>
 </file>
 
-<file path=ppt/slides/slide44.xml><?xml version="1.0" encoding="utf-8"?>
+<file path=ppt/slides/slide47.xml><?xml version="1.0" encoding="utf-8"?>
 <p:sld xmlns:a="http://schemas.openxmlformats.org/drawingml/2006/main" xmlns:r="http://schemas.openxmlformats.org/officeDocument/2006/relationships" xmlns:p="http://schemas.openxmlformats.org/presentationml/2006/main">
   <p:cSld>
     <p:spTree>
@@ -18720,7 +19435,7 @@
 </p:sld>
 </file>
 
-<file path=ppt/slides/slide45.xml><?xml version="1.0" encoding="utf-8"?>
+<file path=ppt/slides/slide48.xml><?xml version="1.0" encoding="utf-8"?>
 <p:sld xmlns:a="http://schemas.openxmlformats.org/drawingml/2006/main" xmlns:r="http://schemas.openxmlformats.org/officeDocument/2006/relationships" xmlns:p="http://schemas.openxmlformats.org/presentationml/2006/main">
   <p:cSld>
     <p:spTree>
@@ -19189,7 +19904,7 @@
 </p:sld>
 </file>
 
-<file path=ppt/slides/slide46.xml><?xml version="1.0" encoding="utf-8"?>
+<file path=ppt/slides/slide49.xml><?xml version="1.0" encoding="utf-8"?>
 <p:sld xmlns:a="http://schemas.openxmlformats.org/drawingml/2006/main" xmlns:r="http://schemas.openxmlformats.org/officeDocument/2006/relationships" xmlns:p="http://schemas.openxmlformats.org/presentationml/2006/main">
   <p:cSld>
     <p:spTree>
@@ -19326,7 +20041,286 @@
 </p:sld>
 </file>
 
-<file path=ppt/slides/slide47.xml><?xml version="1.0" encoding="utf-8"?>
+<file path=ppt/slides/slide5.xml><?xml version="1.0" encoding="utf-8"?>
+<p:sld xmlns:a="http://schemas.openxmlformats.org/drawingml/2006/main" xmlns:r="http://schemas.openxmlformats.org/officeDocument/2006/relationships" xmlns:p="http://schemas.openxmlformats.org/presentationml/2006/main">
+  <p:cSld>
+    <p:spTree>
+      <p:nvGrpSpPr>
+        <p:cNvPr id="1" name=""/>
+        <p:cNvGrpSpPr/>
+        <p:nvPr/>
+      </p:nvGrpSpPr>
+      <p:grpSpPr>
+        <a:xfrm>
+          <a:off x="0" y="0"/>
+          <a:ext cx="0" cy="0"/>
+          <a:chOff x="0" y="0"/>
+          <a:chExt cx="0" cy="0"/>
+        </a:xfrm>
+      </p:grpSpPr>
+      <p:sp>
+        <p:nvSpPr>
+          <p:cNvPr id="2" name="Title 1">
+            <a:extLst>
+              <a:ext uri="{FF2B5EF4-FFF2-40B4-BE49-F238E27FC236}">
+                <a16:creationId xmlns:a16="http://schemas.microsoft.com/office/drawing/2014/main" id="{EA43D4E4-589A-4470-9F99-06CBDDAE1385}"/>
+              </a:ext>
+            </a:extLst>
+          </p:cNvPr>
+          <p:cNvSpPr>
+            <a:spLocks noGrp="1"/>
+          </p:cNvSpPr>
+          <p:nvPr>
+            <p:ph type="title"/>
+          </p:nvPr>
+        </p:nvSpPr>
+        <p:spPr/>
+        <p:txBody>
+          <a:bodyPr/>
+          <a:lstStyle/>
+          <a:p>
+            <a:r>
+              <a:rPr lang="en-SG" dirty="0"/>
+              <a:t>Unit?</a:t>
+            </a:r>
+          </a:p>
+        </p:txBody>
+      </p:sp>
+      <p:sp>
+        <p:nvSpPr>
+          <p:cNvPr id="3" name="Content Placeholder 2">
+            <a:extLst>
+              <a:ext uri="{FF2B5EF4-FFF2-40B4-BE49-F238E27FC236}">
+                <a16:creationId xmlns:a16="http://schemas.microsoft.com/office/drawing/2014/main" id="{C4A86444-780C-48D3-B724-A0905CAB63AF}"/>
+              </a:ext>
+            </a:extLst>
+          </p:cNvPr>
+          <p:cNvSpPr>
+            <a:spLocks noGrp="1"/>
+          </p:cNvSpPr>
+          <p:nvPr>
+            <p:ph idx="1"/>
+          </p:nvPr>
+        </p:nvSpPr>
+        <p:spPr/>
+        <p:txBody>
+          <a:bodyPr>
+            <a:normAutofit/>
+          </a:bodyPr>
+          <a:lstStyle/>
+          <a:p>
+            <a:pPr marL="0" indent="0">
+              <a:buNone/>
+            </a:pPr>
+            <a:r>
+              <a:rPr lang="en-US" sz="1800" dirty="0">
+                <a:latin typeface="Lucida Console" panose="020B0609040504020204" pitchFamily="49" charset="0"/>
+              </a:rPr>
+              <a:t>fun </a:t>
+            </a:r>
+            <a:r>
+              <a:rPr lang="en-US" sz="1800" dirty="0" err="1">
+                <a:latin typeface="Lucida Console" panose="020B0609040504020204" pitchFamily="49" charset="0"/>
+              </a:rPr>
+              <a:t>printSum</a:t>
+            </a:r>
+            <a:r>
+              <a:rPr lang="en-US" sz="1800" dirty="0">
+                <a:latin typeface="Lucida Console" panose="020B0609040504020204" pitchFamily="49" charset="0"/>
+              </a:rPr>
+              <a:t>(a: Int, b: Int) : </a:t>
+            </a:r>
+            <a:r>
+              <a:rPr lang="en-US" sz="1800" dirty="0">
+                <a:highlight>
+                  <a:srgbClr val="FFFF00"/>
+                </a:highlight>
+                <a:latin typeface="Lucida Console" panose="020B0609040504020204" pitchFamily="49" charset="0"/>
+              </a:rPr>
+              <a:t>Unit</a:t>
+            </a:r>
+            <a:r>
+              <a:rPr lang="en-US" sz="1800" dirty="0">
+                <a:latin typeface="Lucida Console" panose="020B0609040504020204" pitchFamily="49" charset="0"/>
+              </a:rPr>
+              <a:t> {</a:t>
+            </a:r>
+          </a:p>
+          <a:p>
+            <a:pPr marL="0" indent="0">
+              <a:buNone/>
+            </a:pPr>
+            <a:r>
+              <a:rPr lang="en-US" sz="1800" dirty="0">
+                <a:latin typeface="Lucida Console" panose="020B0609040504020204" pitchFamily="49" charset="0"/>
+              </a:rPr>
+              <a:t>    </a:t>
+            </a:r>
+            <a:r>
+              <a:rPr lang="en-US" sz="1800" dirty="0" err="1">
+                <a:latin typeface="Lucida Console" panose="020B0609040504020204" pitchFamily="49" charset="0"/>
+              </a:rPr>
+              <a:t>println</a:t>
+            </a:r>
+            <a:r>
+              <a:rPr lang="en-US" sz="1800" dirty="0">
+                <a:latin typeface="Lucida Console" panose="020B0609040504020204" pitchFamily="49" charset="0"/>
+              </a:rPr>
+              <a:t>("sum of a and b is ${a + b}")</a:t>
+            </a:r>
+          </a:p>
+          <a:p>
+            <a:pPr marL="0" indent="0">
+              <a:buNone/>
+            </a:pPr>
+            <a:r>
+              <a:rPr lang="en-US" sz="1800" dirty="0">
+                <a:latin typeface="Lucida Console" panose="020B0609040504020204" pitchFamily="49" charset="0"/>
+              </a:rPr>
+              <a:t>}</a:t>
+            </a:r>
+          </a:p>
+          <a:p>
+            <a:pPr marL="0" indent="0">
+              <a:buNone/>
+            </a:pPr>
+            <a:endParaRPr lang="en-US" sz="1800" dirty="0">
+              <a:latin typeface="Lucida Console" panose="020B0609040504020204" pitchFamily="49" charset="0"/>
+            </a:endParaRPr>
+          </a:p>
+          <a:p>
+            <a:pPr marL="0" indent="0">
+              <a:buNone/>
+            </a:pPr>
+            <a:r>
+              <a:rPr lang="en-US" sz="2000" dirty="0">
+                <a:highlight>
+                  <a:srgbClr val="FFFF00"/>
+                </a:highlight>
+              </a:rPr>
+              <a:t>Basically it corresponds to </a:t>
+            </a:r>
+            <a:r>
+              <a:rPr lang="en-US" sz="2000" dirty="0">
+                <a:highlight>
+                  <a:srgbClr val="FFFF00"/>
+                </a:highlight>
+                <a:latin typeface="Lucida Console" panose="020B0609040504020204" pitchFamily="49" charset="0"/>
+              </a:rPr>
+              <a:t>void</a:t>
+            </a:r>
+            <a:r>
+              <a:rPr lang="en-US" sz="2000" dirty="0">
+                <a:highlight>
+                  <a:srgbClr val="FFFF00"/>
+                </a:highlight>
+              </a:rPr>
+              <a:t> in Java. </a:t>
+            </a:r>
+            <a:r>
+              <a:rPr lang="en-US" sz="2000" dirty="0"/>
+              <a:t>It is the return type of any function that does not return any meaningful value, and it is optional to mention </a:t>
+            </a:r>
+            <a:r>
+              <a:rPr lang="en-US" sz="2000" dirty="0">
+                <a:latin typeface="Lucida Console" panose="020B0609040504020204" pitchFamily="49" charset="0"/>
+              </a:rPr>
+              <a:t>Unit</a:t>
+            </a:r>
+            <a:r>
+              <a:rPr lang="en-US" sz="2000" dirty="0"/>
+              <a:t> as the return type. So it’s the same as:</a:t>
+            </a:r>
+          </a:p>
+          <a:p>
+            <a:pPr marL="0" indent="0">
+              <a:buNone/>
+            </a:pPr>
+            <a:endParaRPr lang="en-US" sz="1800" dirty="0">
+              <a:latin typeface="Lucida Console" panose="020B0609040504020204" pitchFamily="49" charset="0"/>
+            </a:endParaRPr>
+          </a:p>
+          <a:p>
+            <a:pPr marL="0" indent="0">
+              <a:buNone/>
+            </a:pPr>
+            <a:r>
+              <a:rPr lang="en-US" sz="1800" dirty="0">
+                <a:latin typeface="Lucida Console" panose="020B0609040504020204" pitchFamily="49" charset="0"/>
+              </a:rPr>
+              <a:t>fun </a:t>
+            </a:r>
+            <a:r>
+              <a:rPr lang="en-US" sz="1800" dirty="0" err="1">
+                <a:latin typeface="Lucida Console" panose="020B0609040504020204" pitchFamily="49" charset="0"/>
+              </a:rPr>
+              <a:t>printSum</a:t>
+            </a:r>
+            <a:r>
+              <a:rPr lang="en-US" sz="1800" dirty="0">
+                <a:latin typeface="Lucida Console" panose="020B0609040504020204" pitchFamily="49" charset="0"/>
+              </a:rPr>
+              <a:t>(a: Int, b: Int) {</a:t>
+            </a:r>
+          </a:p>
+          <a:p>
+            <a:pPr marL="0" indent="0">
+              <a:buNone/>
+            </a:pPr>
+            <a:r>
+              <a:rPr lang="en-US" sz="1800" dirty="0">
+                <a:latin typeface="Lucida Console" panose="020B0609040504020204" pitchFamily="49" charset="0"/>
+              </a:rPr>
+              <a:t>    </a:t>
+            </a:r>
+            <a:r>
+              <a:rPr lang="en-US" sz="1800" dirty="0" err="1">
+                <a:latin typeface="Lucida Console" panose="020B0609040504020204" pitchFamily="49" charset="0"/>
+              </a:rPr>
+              <a:t>println</a:t>
+            </a:r>
+            <a:r>
+              <a:rPr lang="en-US" sz="1800" dirty="0">
+                <a:latin typeface="Lucida Console" panose="020B0609040504020204" pitchFamily="49" charset="0"/>
+              </a:rPr>
+              <a:t>("sum of a and b is ${a + b}")</a:t>
+            </a:r>
+          </a:p>
+          <a:p>
+            <a:pPr marL="0" indent="0">
+              <a:buNone/>
+            </a:pPr>
+            <a:r>
+              <a:rPr lang="en-US" sz="1800" dirty="0">
+                <a:latin typeface="Lucida Console" panose="020B0609040504020204" pitchFamily="49" charset="0"/>
+              </a:rPr>
+              <a:t>}</a:t>
+            </a:r>
+          </a:p>
+          <a:p>
+            <a:pPr marL="0" indent="0">
+              <a:buNone/>
+            </a:pPr>
+            <a:endParaRPr lang="en-SG" sz="1800" dirty="0">
+              <a:latin typeface="Lucida Console" panose="020B0609040504020204" pitchFamily="49" charset="0"/>
+            </a:endParaRPr>
+          </a:p>
+        </p:txBody>
+      </p:sp>
+    </p:spTree>
+    <p:extLst>
+      <p:ext uri="{BB962C8B-B14F-4D97-AF65-F5344CB8AC3E}">
+        <p14:creationId xmlns:p14="http://schemas.microsoft.com/office/powerpoint/2010/main" val="788708609"/>
+      </p:ext>
+    </p:extLst>
+  </p:cSld>
+  <p:clrMapOvr>
+    <a:masterClrMapping/>
+  </p:clrMapOvr>
+</p:sld>
+</file>
+
+<file path=ppt/slides/slide50.xml><?xml version="1.0" encoding="utf-8"?>
 <p:sld xmlns:a="http://schemas.openxmlformats.org/drawingml/2006/main" xmlns:r="http://schemas.openxmlformats.org/officeDocument/2006/relationships" xmlns:p="http://schemas.openxmlformats.org/presentationml/2006/main">
   <p:cSld>
     <p:spTree>
@@ -20137,7 +21131,7 @@
 </p:sld>
 </file>
 
-<file path=ppt/slides/slide48.xml><?xml version="1.0" encoding="utf-8"?>
+<file path=ppt/slides/slide51.xml><?xml version="1.0" encoding="utf-8"?>
 <p:sld xmlns:a="http://schemas.openxmlformats.org/drawingml/2006/main" xmlns:r="http://schemas.openxmlformats.org/officeDocument/2006/relationships" xmlns:p="http://schemas.openxmlformats.org/presentationml/2006/main">
   <p:cSld>
     <p:spTree>
@@ -21293,7 +22287,7 @@
 </p:sld>
 </file>
 
-<file path=ppt/slides/slide49.xml><?xml version="1.0" encoding="utf-8"?>
+<file path=ppt/slides/slide52.xml><?xml version="1.0" encoding="utf-8"?>
 <p:sld xmlns:a="http://schemas.openxmlformats.org/drawingml/2006/main" xmlns:r="http://schemas.openxmlformats.org/officeDocument/2006/relationships" xmlns:p="http://schemas.openxmlformats.org/presentationml/2006/main">
   <p:cSld>
     <p:spTree>
@@ -21415,286 +22409,7 @@
 </p:sld>
 </file>
 
-<file path=ppt/slides/slide5.xml><?xml version="1.0" encoding="utf-8"?>
-<p:sld xmlns:a="http://schemas.openxmlformats.org/drawingml/2006/main" xmlns:r="http://schemas.openxmlformats.org/officeDocument/2006/relationships" xmlns:p="http://schemas.openxmlformats.org/presentationml/2006/main">
-  <p:cSld>
-    <p:spTree>
-      <p:nvGrpSpPr>
-        <p:cNvPr id="1" name=""/>
-        <p:cNvGrpSpPr/>
-        <p:nvPr/>
-      </p:nvGrpSpPr>
-      <p:grpSpPr>
-        <a:xfrm>
-          <a:off x="0" y="0"/>
-          <a:ext cx="0" cy="0"/>
-          <a:chOff x="0" y="0"/>
-          <a:chExt cx="0" cy="0"/>
-        </a:xfrm>
-      </p:grpSpPr>
-      <p:sp>
-        <p:nvSpPr>
-          <p:cNvPr id="2" name="Title 1">
-            <a:extLst>
-              <a:ext uri="{FF2B5EF4-FFF2-40B4-BE49-F238E27FC236}">
-                <a16:creationId xmlns:a16="http://schemas.microsoft.com/office/drawing/2014/main" id="{EA43D4E4-589A-4470-9F99-06CBDDAE1385}"/>
-              </a:ext>
-            </a:extLst>
-          </p:cNvPr>
-          <p:cNvSpPr>
-            <a:spLocks noGrp="1"/>
-          </p:cNvSpPr>
-          <p:nvPr>
-            <p:ph type="title"/>
-          </p:nvPr>
-        </p:nvSpPr>
-        <p:spPr/>
-        <p:txBody>
-          <a:bodyPr/>
-          <a:lstStyle/>
-          <a:p>
-            <a:r>
-              <a:rPr lang="en-SG" dirty="0"/>
-              <a:t>Unit?</a:t>
-            </a:r>
-          </a:p>
-        </p:txBody>
-      </p:sp>
-      <p:sp>
-        <p:nvSpPr>
-          <p:cNvPr id="3" name="Content Placeholder 2">
-            <a:extLst>
-              <a:ext uri="{FF2B5EF4-FFF2-40B4-BE49-F238E27FC236}">
-                <a16:creationId xmlns:a16="http://schemas.microsoft.com/office/drawing/2014/main" id="{C4A86444-780C-48D3-B724-A0905CAB63AF}"/>
-              </a:ext>
-            </a:extLst>
-          </p:cNvPr>
-          <p:cNvSpPr>
-            <a:spLocks noGrp="1"/>
-          </p:cNvSpPr>
-          <p:nvPr>
-            <p:ph idx="1"/>
-          </p:nvPr>
-        </p:nvSpPr>
-        <p:spPr/>
-        <p:txBody>
-          <a:bodyPr>
-            <a:normAutofit/>
-          </a:bodyPr>
-          <a:lstStyle/>
-          <a:p>
-            <a:pPr marL="0" indent="0">
-              <a:buNone/>
-            </a:pPr>
-            <a:r>
-              <a:rPr lang="en-US" sz="1800" dirty="0">
-                <a:latin typeface="Lucida Console" panose="020B0609040504020204" pitchFamily="49" charset="0"/>
-              </a:rPr>
-              <a:t>fun </a:t>
-            </a:r>
-            <a:r>
-              <a:rPr lang="en-US" sz="1800" dirty="0" err="1">
-                <a:latin typeface="Lucida Console" panose="020B0609040504020204" pitchFamily="49" charset="0"/>
-              </a:rPr>
-              <a:t>printSum</a:t>
-            </a:r>
-            <a:r>
-              <a:rPr lang="en-US" sz="1800" dirty="0">
-                <a:latin typeface="Lucida Console" panose="020B0609040504020204" pitchFamily="49" charset="0"/>
-              </a:rPr>
-              <a:t>(a: Int, b: Int) : </a:t>
-            </a:r>
-            <a:r>
-              <a:rPr lang="en-US" sz="1800" dirty="0">
-                <a:highlight>
-                  <a:srgbClr val="FFFF00"/>
-                </a:highlight>
-                <a:latin typeface="Lucida Console" panose="020B0609040504020204" pitchFamily="49" charset="0"/>
-              </a:rPr>
-              <a:t>Unit</a:t>
-            </a:r>
-            <a:r>
-              <a:rPr lang="en-US" sz="1800" dirty="0">
-                <a:latin typeface="Lucida Console" panose="020B0609040504020204" pitchFamily="49" charset="0"/>
-              </a:rPr>
-              <a:t> {</a:t>
-            </a:r>
-          </a:p>
-          <a:p>
-            <a:pPr marL="0" indent="0">
-              <a:buNone/>
-            </a:pPr>
-            <a:r>
-              <a:rPr lang="en-US" sz="1800" dirty="0">
-                <a:latin typeface="Lucida Console" panose="020B0609040504020204" pitchFamily="49" charset="0"/>
-              </a:rPr>
-              <a:t>    </a:t>
-            </a:r>
-            <a:r>
-              <a:rPr lang="en-US" sz="1800" dirty="0" err="1">
-                <a:latin typeface="Lucida Console" panose="020B0609040504020204" pitchFamily="49" charset="0"/>
-              </a:rPr>
-              <a:t>println</a:t>
-            </a:r>
-            <a:r>
-              <a:rPr lang="en-US" sz="1800" dirty="0">
-                <a:latin typeface="Lucida Console" panose="020B0609040504020204" pitchFamily="49" charset="0"/>
-              </a:rPr>
-              <a:t>("sum of a and b is ${a + b}")</a:t>
-            </a:r>
-          </a:p>
-          <a:p>
-            <a:pPr marL="0" indent="0">
-              <a:buNone/>
-            </a:pPr>
-            <a:r>
-              <a:rPr lang="en-US" sz="1800" dirty="0">
-                <a:latin typeface="Lucida Console" panose="020B0609040504020204" pitchFamily="49" charset="0"/>
-              </a:rPr>
-              <a:t>}</a:t>
-            </a:r>
-          </a:p>
-          <a:p>
-            <a:pPr marL="0" indent="0">
-              <a:buNone/>
-            </a:pPr>
-            <a:endParaRPr lang="en-US" sz="1800" dirty="0">
-              <a:latin typeface="Lucida Console" panose="020B0609040504020204" pitchFamily="49" charset="0"/>
-            </a:endParaRPr>
-          </a:p>
-          <a:p>
-            <a:pPr marL="0" indent="0">
-              <a:buNone/>
-            </a:pPr>
-            <a:r>
-              <a:rPr lang="en-US" sz="2000" dirty="0">
-                <a:highlight>
-                  <a:srgbClr val="FFFF00"/>
-                </a:highlight>
-              </a:rPr>
-              <a:t>Basically it corresponds to </a:t>
-            </a:r>
-            <a:r>
-              <a:rPr lang="en-US" sz="2000" dirty="0">
-                <a:highlight>
-                  <a:srgbClr val="FFFF00"/>
-                </a:highlight>
-                <a:latin typeface="Lucida Console" panose="020B0609040504020204" pitchFamily="49" charset="0"/>
-              </a:rPr>
-              <a:t>void</a:t>
-            </a:r>
-            <a:r>
-              <a:rPr lang="en-US" sz="2000" dirty="0">
-                <a:highlight>
-                  <a:srgbClr val="FFFF00"/>
-                </a:highlight>
-              </a:rPr>
-              <a:t> in Java. </a:t>
-            </a:r>
-            <a:r>
-              <a:rPr lang="en-US" sz="2000" dirty="0"/>
-              <a:t>It is the return type of any function that does not return any meaningful value, and it is optional to mention </a:t>
-            </a:r>
-            <a:r>
-              <a:rPr lang="en-US" sz="2000" dirty="0">
-                <a:latin typeface="Lucida Console" panose="020B0609040504020204" pitchFamily="49" charset="0"/>
-              </a:rPr>
-              <a:t>Unit</a:t>
-            </a:r>
-            <a:r>
-              <a:rPr lang="en-US" sz="2000" dirty="0"/>
-              <a:t> as the return type. So it’s the same as:</a:t>
-            </a:r>
-          </a:p>
-          <a:p>
-            <a:pPr marL="0" indent="0">
-              <a:buNone/>
-            </a:pPr>
-            <a:endParaRPr lang="en-US" sz="1800" dirty="0">
-              <a:latin typeface="Lucida Console" panose="020B0609040504020204" pitchFamily="49" charset="0"/>
-            </a:endParaRPr>
-          </a:p>
-          <a:p>
-            <a:pPr marL="0" indent="0">
-              <a:buNone/>
-            </a:pPr>
-            <a:r>
-              <a:rPr lang="en-US" sz="1800" dirty="0">
-                <a:latin typeface="Lucida Console" panose="020B0609040504020204" pitchFamily="49" charset="0"/>
-              </a:rPr>
-              <a:t>fun </a:t>
-            </a:r>
-            <a:r>
-              <a:rPr lang="en-US" sz="1800" dirty="0" err="1">
-                <a:latin typeface="Lucida Console" panose="020B0609040504020204" pitchFamily="49" charset="0"/>
-              </a:rPr>
-              <a:t>printSum</a:t>
-            </a:r>
-            <a:r>
-              <a:rPr lang="en-US" sz="1800" dirty="0">
-                <a:latin typeface="Lucida Console" panose="020B0609040504020204" pitchFamily="49" charset="0"/>
-              </a:rPr>
-              <a:t>(a: Int, b: Int) {</a:t>
-            </a:r>
-          </a:p>
-          <a:p>
-            <a:pPr marL="0" indent="0">
-              <a:buNone/>
-            </a:pPr>
-            <a:r>
-              <a:rPr lang="en-US" sz="1800" dirty="0">
-                <a:latin typeface="Lucida Console" panose="020B0609040504020204" pitchFamily="49" charset="0"/>
-              </a:rPr>
-              <a:t>    </a:t>
-            </a:r>
-            <a:r>
-              <a:rPr lang="en-US" sz="1800" dirty="0" err="1">
-                <a:latin typeface="Lucida Console" panose="020B0609040504020204" pitchFamily="49" charset="0"/>
-              </a:rPr>
-              <a:t>println</a:t>
-            </a:r>
-            <a:r>
-              <a:rPr lang="en-US" sz="1800" dirty="0">
-                <a:latin typeface="Lucida Console" panose="020B0609040504020204" pitchFamily="49" charset="0"/>
-              </a:rPr>
-              <a:t>("sum of a and b is ${a + b}")</a:t>
-            </a:r>
-          </a:p>
-          <a:p>
-            <a:pPr marL="0" indent="0">
-              <a:buNone/>
-            </a:pPr>
-            <a:r>
-              <a:rPr lang="en-US" sz="1800" dirty="0">
-                <a:latin typeface="Lucida Console" panose="020B0609040504020204" pitchFamily="49" charset="0"/>
-              </a:rPr>
-              <a:t>}</a:t>
-            </a:r>
-          </a:p>
-          <a:p>
-            <a:pPr marL="0" indent="0">
-              <a:buNone/>
-            </a:pPr>
-            <a:endParaRPr lang="en-SG" sz="1800" dirty="0">
-              <a:latin typeface="Lucida Console" panose="020B0609040504020204" pitchFamily="49" charset="0"/>
-            </a:endParaRPr>
-          </a:p>
-        </p:txBody>
-      </p:sp>
-    </p:spTree>
-    <p:extLst>
-      <p:ext uri="{BB962C8B-B14F-4D97-AF65-F5344CB8AC3E}">
-        <p14:creationId xmlns:p14="http://schemas.microsoft.com/office/powerpoint/2010/main" val="788708609"/>
-      </p:ext>
-    </p:extLst>
-  </p:cSld>
-  <p:clrMapOvr>
-    <a:masterClrMapping/>
-  </p:clrMapOvr>
-</p:sld>
-</file>
-
-<file path=ppt/slides/slide50.xml><?xml version="1.0" encoding="utf-8"?>
+<file path=ppt/slides/slide53.xml><?xml version="1.0" encoding="utf-8"?>
 <p:sld xmlns:a="http://schemas.openxmlformats.org/drawingml/2006/main" xmlns:r="http://schemas.openxmlformats.org/officeDocument/2006/relationships" xmlns:p="http://schemas.openxmlformats.org/presentationml/2006/main">
   <p:cSld>
     <p:spTree>
@@ -21754,7 +22469,7 @@
 </p:sld>
 </file>
 
-<file path=ppt/slides/slide51.xml><?xml version="1.0" encoding="utf-8"?>
+<file path=ppt/slides/slide54.xml><?xml version="1.0" encoding="utf-8"?>
 <p:sld xmlns:a="http://schemas.openxmlformats.org/drawingml/2006/main" xmlns:r="http://schemas.openxmlformats.org/officeDocument/2006/relationships" xmlns:p="http://schemas.openxmlformats.org/presentationml/2006/main">
   <p:cSld>
     <p:spTree>
@@ -21814,7 +22529,7 @@
 </p:sld>
 </file>
 
-<file path=ppt/slides/slide52.xml><?xml version="1.0" encoding="utf-8"?>
+<file path=ppt/slides/slide55.xml><?xml version="1.0" encoding="utf-8"?>
 <p:sld xmlns:a="http://schemas.openxmlformats.org/drawingml/2006/main" xmlns:r="http://schemas.openxmlformats.org/officeDocument/2006/relationships" xmlns:p="http://schemas.openxmlformats.org/presentationml/2006/main">
   <p:cSld>
     <p:spTree>
@@ -21874,7 +22589,7 @@
 </p:sld>
 </file>
 
-<file path=ppt/slides/slide53.xml><?xml version="1.0" encoding="utf-8"?>
+<file path=ppt/slides/slide56.xml><?xml version="1.0" encoding="utf-8"?>
 <p:sld xmlns:a="http://schemas.openxmlformats.org/drawingml/2006/main" xmlns:r="http://schemas.openxmlformats.org/officeDocument/2006/relationships" xmlns:p="http://schemas.openxmlformats.org/presentationml/2006/main">
   <p:cSld>
     <p:spTree>
@@ -21985,7 +22700,7 @@
 </p:sld>
 </file>
 
-<file path=ppt/slides/slide54.xml><?xml version="1.0" encoding="utf-8"?>
+<file path=ppt/slides/slide57.xml><?xml version="1.0" encoding="utf-8"?>
 <p:sld xmlns:a="http://schemas.openxmlformats.org/drawingml/2006/main" xmlns:r="http://schemas.openxmlformats.org/officeDocument/2006/relationships" xmlns:p="http://schemas.openxmlformats.org/presentationml/2006/main">
   <p:cSld>
     <p:spTree>

--- a/Android Basics in Kotlin.pptx
+++ b/Android Basics in Kotlin.pptx
@@ -5,7 +5,7 @@
     <p:sldMasterId id="2147483648" r:id="rId1"/>
   </p:sldMasterIdLst>
   <p:notesMasterIdLst>
-    <p:notesMasterId r:id="rId66"/>
+    <p:notesMasterId r:id="rId67"/>
   </p:notesMasterIdLst>
   <p:sldIdLst>
     <p:sldId id="256" r:id="rId2"/>
@@ -29,12 +29,12 @@
     <p:sldId id="312" r:id="rId20"/>
     <p:sldId id="311" r:id="rId21"/>
     <p:sldId id="313" r:id="rId22"/>
-    <p:sldId id="259" r:id="rId23"/>
-    <p:sldId id="316" r:id="rId24"/>
-    <p:sldId id="315" r:id="rId25"/>
-    <p:sldId id="317" r:id="rId26"/>
-    <p:sldId id="319" r:id="rId27"/>
-    <p:sldId id="318" r:id="rId28"/>
+    <p:sldId id="316" r:id="rId23"/>
+    <p:sldId id="315" r:id="rId24"/>
+    <p:sldId id="317" r:id="rId25"/>
+    <p:sldId id="319" r:id="rId26"/>
+    <p:sldId id="318" r:id="rId27"/>
+    <p:sldId id="259" r:id="rId28"/>
     <p:sldId id="279" r:id="rId29"/>
     <p:sldId id="278" r:id="rId30"/>
     <p:sldId id="292" r:id="rId31"/>
@@ -54,24 +54,25 @@
     <p:sldId id="299" r:id="rId45"/>
     <p:sldId id="300" r:id="rId46"/>
     <p:sldId id="301" r:id="rId47"/>
-    <p:sldId id="284" r:id="rId48"/>
-    <p:sldId id="264" r:id="rId49"/>
-    <p:sldId id="271" r:id="rId50"/>
-    <p:sldId id="309" r:id="rId51"/>
-    <p:sldId id="265" r:id="rId52"/>
-    <p:sldId id="289" r:id="rId53"/>
-    <p:sldId id="302" r:id="rId54"/>
-    <p:sldId id="303" r:id="rId55"/>
-    <p:sldId id="283" r:id="rId56"/>
-    <p:sldId id="282" r:id="rId57"/>
-    <p:sldId id="285" r:id="rId58"/>
-    <p:sldId id="286" r:id="rId59"/>
-    <p:sldId id="267" r:id="rId60"/>
-    <p:sldId id="268" r:id="rId61"/>
-    <p:sldId id="269" r:id="rId62"/>
-    <p:sldId id="270" r:id="rId63"/>
-    <p:sldId id="266" r:id="rId64"/>
-    <p:sldId id="261" r:id="rId65"/>
+    <p:sldId id="320" r:id="rId48"/>
+    <p:sldId id="284" r:id="rId49"/>
+    <p:sldId id="264" r:id="rId50"/>
+    <p:sldId id="271" r:id="rId51"/>
+    <p:sldId id="309" r:id="rId52"/>
+    <p:sldId id="265" r:id="rId53"/>
+    <p:sldId id="289" r:id="rId54"/>
+    <p:sldId id="302" r:id="rId55"/>
+    <p:sldId id="303" r:id="rId56"/>
+    <p:sldId id="283" r:id="rId57"/>
+    <p:sldId id="282" r:id="rId58"/>
+    <p:sldId id="285" r:id="rId59"/>
+    <p:sldId id="286" r:id="rId60"/>
+    <p:sldId id="267" r:id="rId61"/>
+    <p:sldId id="268" r:id="rId62"/>
+    <p:sldId id="269" r:id="rId63"/>
+    <p:sldId id="270" r:id="rId64"/>
+    <p:sldId id="266" r:id="rId65"/>
+    <p:sldId id="261" r:id="rId66"/>
   </p:sldIdLst>
   <p:sldSz cx="12192000" cy="6858000"/>
   <p:notesSz cx="6858000" cy="9144000"/>
@@ -196,12 +197,12 @@
             <p14:sldId id="312"/>
             <p14:sldId id="311"/>
             <p14:sldId id="313"/>
-            <p14:sldId id="259"/>
             <p14:sldId id="316"/>
             <p14:sldId id="315"/>
             <p14:sldId id="317"/>
             <p14:sldId id="319"/>
             <p14:sldId id="318"/>
+            <p14:sldId id="259"/>
           </p14:sldIdLst>
         </p14:section>
         <p14:section name="Gradle" id="{8862B42C-AB28-4740-92D7-08BBDECDF7E4}">
@@ -237,6 +238,11 @@
             <p14:sldId id="299"/>
             <p14:sldId id="300"/>
             <p14:sldId id="301"/>
+          </p14:sldIdLst>
+        </p14:section>
+        <p14:section name="Android Jetpack Navigation" id="{EE46AAA1-2FC4-4D22-8A9A-83AF7C2CF131}">
+          <p14:sldIdLst>
+            <p14:sldId id="320"/>
           </p14:sldIdLst>
         </p14:section>
         <p14:section name="All About Testing and Debugging" id="{1760EBF3-D43D-40CE-8F81-D3B0E7B48B84}">
@@ -788,7 +794,7 @@
           <a:p>
             <a:fld id="{0D292F0F-6BB4-4714-BDBB-674EE16F5C0C}" type="slidenum">
               <a:rPr lang="en-SG" smtClean="0"/>
-              <a:t>62</a:t>
+              <a:t>63</a:t>
             </a:fld>
             <a:endParaRPr lang="en-SG"/>
           </a:p>
@@ -8691,136 +8697,6 @@
           <p:cNvPr id="2" name="Title 1">
             <a:extLst>
               <a:ext uri="{FF2B5EF4-FFF2-40B4-BE49-F238E27FC236}">
-                <a16:creationId xmlns:a16="http://schemas.microsoft.com/office/drawing/2014/main" id="{9D9ADF61-2343-4150-8592-6E0680070EEA}"/>
-              </a:ext>
-            </a:extLst>
-          </p:cNvPr>
-          <p:cNvSpPr>
-            <a:spLocks noGrp="1"/>
-          </p:cNvSpPr>
-          <p:nvPr>
-            <p:ph type="title"/>
-          </p:nvPr>
-        </p:nvSpPr>
-        <p:spPr/>
-        <p:txBody>
-          <a:bodyPr/>
-          <a:lstStyle/>
-          <a:p>
-            <a:r>
-              <a:rPr lang="en-SG" dirty="0"/>
-              <a:t>Coding nuances that nobody really cares</a:t>
-            </a:r>
-          </a:p>
-        </p:txBody>
-      </p:sp>
-      <p:sp>
-        <p:nvSpPr>
-          <p:cNvPr id="3" name="Content Placeholder 2">
-            <a:extLst>
-              <a:ext uri="{FF2B5EF4-FFF2-40B4-BE49-F238E27FC236}">
-                <a16:creationId xmlns:a16="http://schemas.microsoft.com/office/drawing/2014/main" id="{A7912FF4-9187-4E0A-824C-E0D930645EAF}"/>
-              </a:ext>
-            </a:extLst>
-          </p:cNvPr>
-          <p:cNvSpPr>
-            <a:spLocks noGrp="1"/>
-          </p:cNvSpPr>
-          <p:nvPr>
-            <p:ph idx="1"/>
-          </p:nvPr>
-        </p:nvSpPr>
-        <p:spPr/>
-        <p:txBody>
-          <a:bodyPr>
-            <a:normAutofit/>
-          </a:bodyPr>
-          <a:lstStyle/>
-          <a:p>
-            <a:r>
-              <a:rPr lang="en-SG" sz="2400" dirty="0"/>
-              <a:t>Method or Function?</a:t>
-            </a:r>
-          </a:p>
-          <a:p>
-            <a:pPr lvl="1"/>
-            <a:r>
-              <a:rPr lang="en-SG" sz="2000" dirty="0"/>
-              <a:t>A method presumes the existence of an object (i.e. defined within a class), while a function is free and independent.</a:t>
-            </a:r>
-          </a:p>
-          <a:p>
-            <a:r>
-              <a:rPr lang="en-SG" sz="2400" dirty="0"/>
-              <a:t>Parameter or Argument?</a:t>
-            </a:r>
-          </a:p>
-          <a:p>
-            <a:pPr lvl="1"/>
-            <a:r>
-              <a:rPr lang="en-US" sz="2000" dirty="0"/>
-              <a:t>A parameter is variable declaration in the function/method definition. When the function/method is called, the arguments are the data you pass into its parameters.</a:t>
-            </a:r>
-          </a:p>
-          <a:p>
-            <a:r>
-              <a:rPr lang="en-US" sz="2400" dirty="0"/>
-              <a:t>Property or Attribute?</a:t>
-            </a:r>
-          </a:p>
-          <a:p>
-            <a:pPr lvl="1"/>
-            <a:r>
-              <a:rPr lang="en-US" sz="2000" dirty="0"/>
-              <a:t>A property is something that </a:t>
-            </a:r>
-            <a:r>
-              <a:rPr lang="en-US" sz="2000" dirty="0" err="1"/>
-              <a:t>characterises</a:t>
-            </a:r>
-            <a:r>
-              <a:rPr lang="en-US" sz="2000" dirty="0"/>
-              <a:t> a class (e.g. age and gender are properties of human) and the property becomes an attribute when it is given a value or description (e.g. age is 20, gender is female)</a:t>
-            </a:r>
-            <a:endParaRPr lang="en-SG" sz="2000" dirty="0"/>
-          </a:p>
-        </p:txBody>
-      </p:sp>
-    </p:spTree>
-    <p:extLst>
-      <p:ext uri="{BB962C8B-B14F-4D97-AF65-F5344CB8AC3E}">
-        <p14:creationId xmlns:p14="http://schemas.microsoft.com/office/powerpoint/2010/main" val="831621953"/>
-      </p:ext>
-    </p:extLst>
-  </p:cSld>
-  <p:clrMapOvr>
-    <a:masterClrMapping/>
-  </p:clrMapOvr>
-</p:sld>
-</file>
-
-<file path=ppt/slides/slide23.xml><?xml version="1.0" encoding="utf-8"?>
-<p:sld xmlns:a="http://schemas.openxmlformats.org/drawingml/2006/main" xmlns:r="http://schemas.openxmlformats.org/officeDocument/2006/relationships" xmlns:p="http://schemas.openxmlformats.org/presentationml/2006/main">
-  <p:cSld>
-    <p:spTree>
-      <p:nvGrpSpPr>
-        <p:cNvPr id="1" name=""/>
-        <p:cNvGrpSpPr/>
-        <p:nvPr/>
-      </p:nvGrpSpPr>
-      <p:grpSpPr>
-        <a:xfrm>
-          <a:off x="0" y="0"/>
-          <a:ext cx="0" cy="0"/>
-          <a:chOff x="0" y="0"/>
-          <a:chExt cx="0" cy="0"/>
-        </a:xfrm>
-      </p:grpSpPr>
-      <p:sp>
-        <p:nvSpPr>
-          <p:cNvPr id="2" name="Title 1">
-            <a:extLst>
-              <a:ext uri="{FF2B5EF4-FFF2-40B4-BE49-F238E27FC236}">
                 <a16:creationId xmlns:a16="http://schemas.microsoft.com/office/drawing/2014/main" id="{866048B1-9590-4D84-8C65-C827095DFC01}"/>
               </a:ext>
             </a:extLst>
@@ -8944,7 +8820,7 @@
 </p:sld>
 </file>
 
-<file path=ppt/slides/slide24.xml><?xml version="1.0" encoding="utf-8"?>
+<file path=ppt/slides/slide23.xml><?xml version="1.0" encoding="utf-8"?>
 <p:sld xmlns:a="http://schemas.openxmlformats.org/drawingml/2006/main" xmlns:r="http://schemas.openxmlformats.org/officeDocument/2006/relationships" xmlns:p="http://schemas.openxmlformats.org/presentationml/2006/main">
   <p:cSld>
     <p:spTree>
@@ -9381,7 +9257,7 @@
 </p:sld>
 </file>
 
-<file path=ppt/slides/slide25.xml><?xml version="1.0" encoding="utf-8"?>
+<file path=ppt/slides/slide24.xml><?xml version="1.0" encoding="utf-8"?>
 <p:sld xmlns:a="http://schemas.openxmlformats.org/drawingml/2006/main" xmlns:r="http://schemas.openxmlformats.org/officeDocument/2006/relationships" xmlns:p="http://schemas.openxmlformats.org/presentationml/2006/main">
   <p:cSld>
     <p:spTree>
@@ -9455,57 +9331,57 @@
           <a:lstStyle/>
           <a:p>
             <a:r>
-              <a:rPr lang="en-US" sz="2000" dirty="0"/>
+              <a:rPr lang="en-US" sz="1800" dirty="0"/>
               <a:t>Each fragment manages its own separate lifecycle.</a:t>
             </a:r>
           </a:p>
           <a:p>
             <a:r>
-              <a:rPr lang="en-US" sz="2000" dirty="0"/>
-              <a:t>Like activities, fragments can be initialized and removed from memory, and throughout their existence, appear, disappear, and reappear onscreen. </a:t>
-            </a:r>
-          </a:p>
-          <a:p>
-            <a:r>
-              <a:rPr lang="en-US" sz="2000" dirty="0"/>
+              <a:rPr lang="en-US" sz="1800" dirty="0"/>
+              <a:t>Like activities, fragments can be initialized and removed from memory, and throughout their existence, appear, disappear, and reappear onscreen.</a:t>
+            </a:r>
+          </a:p>
+          <a:p>
+            <a:r>
+              <a:rPr lang="en-US" sz="1800" dirty="0"/>
               <a:t>Also, just like activities, fragments have a lifecycle with several </a:t>
             </a:r>
             <a:r>
-              <a:rPr lang="en-US" sz="2000" u="sng" dirty="0"/>
+              <a:rPr lang="en-US" sz="1800" u="sng" dirty="0"/>
               <a:t>states</a:t>
             </a:r>
             <a:r>
-              <a:rPr lang="en-US" sz="2000" dirty="0"/>
+              <a:rPr lang="en-US" sz="1800" dirty="0"/>
               <a:t>, represented by the </a:t>
             </a:r>
             <a:r>
-              <a:rPr lang="en-US" sz="2000" dirty="0" err="1"/>
+              <a:rPr lang="en-US" sz="1800" dirty="0" err="1"/>
               <a:t>Lifecycle.State</a:t>
             </a:r>
             <a:r>
-              <a:rPr lang="en-US" sz="2000" dirty="0"/>
+              <a:rPr lang="en-US" sz="1800" dirty="0"/>
               <a:t> </a:t>
             </a:r>
             <a:r>
-              <a:rPr lang="en-US" sz="2000" dirty="0" err="1"/>
+              <a:rPr lang="en-US" sz="1800" dirty="0" err="1"/>
               <a:t>enum</a:t>
             </a:r>
             <a:r>
-              <a:rPr lang="en-US" sz="2000" dirty="0"/>
+              <a:rPr lang="en-US" sz="1800" dirty="0"/>
               <a:t>.</a:t>
             </a:r>
           </a:p>
           <a:p>
             <a:pPr lvl="1"/>
             <a:r>
-              <a:rPr lang="en-US" sz="1600" dirty="0"/>
+              <a:rPr lang="en-US" sz="1400" dirty="0"/>
               <a:t>INITIALIZED: A new instance of the fragment has been instantiated.</a:t>
             </a:r>
           </a:p>
           <a:p>
             <a:pPr lvl="1"/>
             <a:r>
-              <a:rPr lang="en-US" sz="1600" dirty="0">
+              <a:rPr lang="en-US" sz="1400" dirty="0">
                 <a:highlight>
                   <a:srgbClr val="00FFFF"/>
                 </a:highlight>
@@ -9513,14 +9389,14 @@
               <a:t>CREATED</a:t>
             </a:r>
             <a:r>
-              <a:rPr lang="en-US" sz="1600" dirty="0"/>
+              <a:rPr lang="en-US" sz="1400" dirty="0"/>
               <a:t>: The first fragment lifecycle methods are called. During this state, the view associated with the fragment is also created.</a:t>
             </a:r>
           </a:p>
           <a:p>
             <a:pPr lvl="1"/>
             <a:r>
-              <a:rPr lang="en-US" sz="1600" dirty="0">
+              <a:rPr lang="en-US" sz="1400" dirty="0">
                 <a:highlight>
                   <a:srgbClr val="00FF00"/>
                 </a:highlight>
@@ -9528,14 +9404,14 @@
               <a:t>STARTED</a:t>
             </a:r>
             <a:r>
-              <a:rPr lang="en-US" sz="1600" dirty="0"/>
+              <a:rPr lang="en-US" sz="1400" dirty="0"/>
               <a:t>: The fragment is visible onscreen but does not have "focus", meaning it can't respond to user input.</a:t>
             </a:r>
           </a:p>
           <a:p>
             <a:pPr lvl="1"/>
             <a:r>
-              <a:rPr lang="en-US" sz="1600" dirty="0">
+              <a:rPr lang="en-US" sz="1400" dirty="0">
                 <a:highlight>
                   <a:srgbClr val="FFF169"/>
                 </a:highlight>
@@ -9543,14 +9419,14 @@
               <a:t>RESUMED</a:t>
             </a:r>
             <a:r>
-              <a:rPr lang="en-US" sz="1600" dirty="0"/>
+              <a:rPr lang="en-US" sz="1400" dirty="0"/>
               <a:t>: The fragment is visible and has focus.</a:t>
             </a:r>
           </a:p>
           <a:p>
             <a:pPr lvl="1"/>
             <a:r>
-              <a:rPr lang="en-US" sz="1600" dirty="0">
+              <a:rPr lang="en-US" sz="1400" dirty="0">
                 <a:highlight>
                   <a:srgbClr val="C0C0C0"/>
                 </a:highlight>
@@ -9558,20 +9434,20 @@
               <a:t>DESTROYED</a:t>
             </a:r>
             <a:r>
-              <a:rPr lang="en-US" sz="1600" dirty="0"/>
+              <a:rPr lang="en-US" sz="1400" dirty="0"/>
               <a:t>: The fragment object has been de-instantiated.</a:t>
             </a:r>
           </a:p>
           <a:p>
             <a:r>
-              <a:rPr lang="en-US" sz="2000" dirty="0"/>
+              <a:rPr lang="en-US" sz="1800" dirty="0"/>
               <a:t>Also provide several methods you can override to respond to transitions between them.</a:t>
             </a:r>
           </a:p>
           <a:p>
             <a:pPr lvl="1"/>
             <a:r>
-              <a:rPr lang="en-US" sz="1600" dirty="0">
+              <a:rPr lang="en-US" sz="1400" dirty="0">
                 <a:highlight>
                   <a:srgbClr val="00FFFF"/>
                 </a:highlight>
@@ -9579,11 +9455,11 @@
               <a:t>OnCreate</a:t>
             </a:r>
             <a:r>
-              <a:rPr lang="en-US" sz="1600" dirty="0"/>
+              <a:rPr lang="en-US" sz="1400" dirty="0"/>
               <a:t>, </a:t>
             </a:r>
             <a:r>
-              <a:rPr lang="en-US" sz="1600" dirty="0" err="1">
+              <a:rPr lang="en-US" sz="1400" dirty="0" err="1">
                 <a:highlight>
                   <a:srgbClr val="00FFFF"/>
                 </a:highlight>
@@ -9591,11 +9467,11 @@
               <a:t>OnCreateView</a:t>
             </a:r>
             <a:r>
-              <a:rPr lang="en-US" sz="1600" dirty="0"/>
+              <a:rPr lang="en-US" sz="1400" dirty="0"/>
               <a:t>, </a:t>
             </a:r>
             <a:r>
-              <a:rPr lang="en-US" sz="1600" dirty="0" err="1">
+              <a:rPr lang="en-US" sz="1400" dirty="0" err="1">
                 <a:highlight>
                   <a:srgbClr val="00FFFF"/>
                 </a:highlight>
@@ -9603,11 +9479,11 @@
               <a:t>OnViewCreated</a:t>
             </a:r>
             <a:r>
-              <a:rPr lang="en-US" sz="1600" dirty="0"/>
+              <a:rPr lang="en-US" sz="1400" dirty="0"/>
               <a:t>, </a:t>
             </a:r>
             <a:r>
-              <a:rPr lang="en-US" sz="1600" dirty="0" err="1">
+              <a:rPr lang="en-US" sz="1400" dirty="0" err="1">
                 <a:highlight>
                   <a:srgbClr val="00FF00"/>
                 </a:highlight>
@@ -9615,11 +9491,11 @@
               <a:t>OnStart</a:t>
             </a:r>
             <a:r>
-              <a:rPr lang="en-US" sz="1600" dirty="0"/>
+              <a:rPr lang="en-US" sz="1400" dirty="0"/>
               <a:t>, </a:t>
             </a:r>
             <a:r>
-              <a:rPr lang="en-US" sz="1600" dirty="0" err="1">
+              <a:rPr lang="en-US" sz="1400" dirty="0" err="1">
                 <a:highlight>
                   <a:srgbClr val="FFF169"/>
                 </a:highlight>
@@ -9627,11 +9503,11 @@
               <a:t>OnResume</a:t>
             </a:r>
             <a:r>
-              <a:rPr lang="en-US" sz="1600" dirty="0"/>
+              <a:rPr lang="en-US" sz="1400" dirty="0"/>
               <a:t>, </a:t>
             </a:r>
             <a:r>
-              <a:rPr lang="en-US" sz="1600" dirty="0" err="1">
+              <a:rPr lang="en-US" sz="1400" dirty="0" err="1">
                 <a:highlight>
                   <a:srgbClr val="00FF00"/>
                 </a:highlight>
@@ -9639,11 +9515,11 @@
               <a:t>OnPause</a:t>
             </a:r>
             <a:r>
-              <a:rPr lang="en-US" sz="1600" dirty="0"/>
+              <a:rPr lang="en-US" sz="1400" dirty="0"/>
               <a:t>, </a:t>
             </a:r>
             <a:r>
-              <a:rPr lang="en-US" sz="1600" dirty="0" err="1">
+              <a:rPr lang="en-US" sz="1400" dirty="0" err="1">
                 <a:highlight>
                   <a:srgbClr val="00FFFF"/>
                 </a:highlight>
@@ -9651,11 +9527,11 @@
               <a:t>OnStop</a:t>
             </a:r>
             <a:r>
-              <a:rPr lang="en-US" sz="1600" dirty="0"/>
+              <a:rPr lang="en-US" sz="1400" dirty="0"/>
               <a:t>, </a:t>
             </a:r>
             <a:r>
-              <a:rPr lang="en-US" sz="1600" dirty="0" err="1">
+              <a:rPr lang="en-US" sz="1400" dirty="0" err="1">
                 <a:highlight>
                   <a:srgbClr val="00FFFF"/>
                 </a:highlight>
@@ -9663,26 +9539,29 @@
               <a:t>OnDestroyView</a:t>
             </a:r>
             <a:r>
-              <a:rPr lang="en-US" sz="1600" dirty="0"/>
+              <a:rPr lang="en-US" sz="1400" dirty="0"/>
               <a:t>, </a:t>
             </a:r>
             <a:r>
-              <a:rPr lang="en-US" sz="1600" dirty="0" err="1">
+              <a:rPr lang="en-US" sz="1400" dirty="0" err="1">
                 <a:highlight>
                   <a:srgbClr val="C0C0C0"/>
                 </a:highlight>
               </a:rPr>
               <a:t>OnDestroy</a:t>
             </a:r>
-            <a:endParaRPr lang="en-US" sz="1600" dirty="0">
+            <a:endParaRPr lang="en-US" sz="1400" dirty="0">
               <a:highlight>
                 <a:srgbClr val="C0C0C0"/>
               </a:highlight>
             </a:endParaRPr>
           </a:p>
           <a:p>
-            <a:pPr lvl="1"/>
-            <a:endParaRPr lang="en-SG" sz="1600" dirty="0"/>
+            <a:r>
+              <a:rPr lang="en-US" sz="1800" dirty="0"/>
+              <a:t>Fragments' views can be created and destroyed several times throughout the fragment's lifecycle.</a:t>
+            </a:r>
+            <a:endParaRPr lang="en-SG" sz="1800" dirty="0"/>
           </a:p>
         </p:txBody>
       </p:sp>
@@ -9699,7 +9578,7 @@
 </p:sld>
 </file>
 
-<file path=ppt/slides/slide26.xml><?xml version="1.0" encoding="utf-8"?>
+<file path=ppt/slides/slide25.xml><?xml version="1.0" encoding="utf-8"?>
 <p:sld xmlns:a="http://schemas.openxmlformats.org/drawingml/2006/main" xmlns:r="http://schemas.openxmlformats.org/officeDocument/2006/relationships" xmlns:p="http://schemas.openxmlformats.org/presentationml/2006/main">
   <p:cSld>
     <p:spTree>
@@ -9787,6 +9666,129 @@
 </p:sld>
 </file>
 
+<file path=ppt/slides/slide26.xml><?xml version="1.0" encoding="utf-8"?>
+<p:sld xmlns:a="http://schemas.openxmlformats.org/drawingml/2006/main" xmlns:r="http://schemas.openxmlformats.org/officeDocument/2006/relationships" xmlns:p="http://schemas.openxmlformats.org/presentationml/2006/main">
+  <p:cSld>
+    <p:spTree>
+      <p:nvGrpSpPr>
+        <p:cNvPr id="1" name=""/>
+        <p:cNvGrpSpPr/>
+        <p:nvPr/>
+      </p:nvGrpSpPr>
+      <p:grpSpPr>
+        <a:xfrm>
+          <a:off x="0" y="0"/>
+          <a:ext cx="0" cy="0"/>
+          <a:chOff x="0" y="0"/>
+          <a:chExt cx="0" cy="0"/>
+        </a:xfrm>
+      </p:grpSpPr>
+      <p:sp>
+        <p:nvSpPr>
+          <p:cNvPr id="2" name="Title 1">
+            <a:extLst>
+              <a:ext uri="{FF2B5EF4-FFF2-40B4-BE49-F238E27FC236}">
+                <a16:creationId xmlns:a16="http://schemas.microsoft.com/office/drawing/2014/main" id="{E8F9AF4A-E9D8-4BC4-BD5F-F48F72F5FED3}"/>
+              </a:ext>
+            </a:extLst>
+          </p:cNvPr>
+          <p:cNvSpPr>
+            <a:spLocks noGrp="1"/>
+          </p:cNvSpPr>
+          <p:nvPr>
+            <p:ph type="title"/>
+          </p:nvPr>
+        </p:nvSpPr>
+        <p:spPr/>
+        <p:txBody>
+          <a:bodyPr/>
+          <a:lstStyle/>
+          <a:p>
+            <a:r>
+              <a:rPr lang="en-SG" dirty="0"/>
+              <a:t>Fragment Lifecycle</a:t>
+            </a:r>
+          </a:p>
+        </p:txBody>
+      </p:sp>
+      <p:sp>
+        <p:nvSpPr>
+          <p:cNvPr id="3" name="Content Placeholder 2">
+            <a:extLst>
+              <a:ext uri="{FF2B5EF4-FFF2-40B4-BE49-F238E27FC236}">
+                <a16:creationId xmlns:a16="http://schemas.microsoft.com/office/drawing/2014/main" id="{5C6F7AF7-504F-49CD-AD64-8AB111B56198}"/>
+              </a:ext>
+            </a:extLst>
+          </p:cNvPr>
+          <p:cNvSpPr>
+            <a:spLocks noGrp="1"/>
+          </p:cNvSpPr>
+          <p:nvPr>
+            <p:ph idx="1"/>
+          </p:nvPr>
+        </p:nvSpPr>
+        <p:spPr/>
+        <p:txBody>
+          <a:bodyPr>
+            <a:normAutofit/>
+          </a:bodyPr>
+          <a:lstStyle/>
+          <a:p>
+            <a:r>
+              <a:rPr lang="en-US" sz="2000" dirty="0"/>
+              <a:t>OnCreate vs. </a:t>
+            </a:r>
+            <a:r>
+              <a:rPr lang="en-US" sz="2000" dirty="0" err="1"/>
+              <a:t>OnCreateView</a:t>
+            </a:r>
+            <a:endParaRPr lang="en-US" sz="2000" dirty="0"/>
+          </a:p>
+          <a:p>
+            <a:pPr lvl="1"/>
+            <a:r>
+              <a:rPr lang="en-US" sz="1600" dirty="0"/>
+              <a:t>Fragment has been instantiated and is in CREATED state, but corresponding view is not created yet / vs. / Layout inflated, and Fragment has entered CREATED state</a:t>
+            </a:r>
+          </a:p>
+          <a:p>
+            <a:r>
+              <a:rPr lang="en-US" sz="2000" dirty="0" err="1"/>
+              <a:t>OnDestroyView</a:t>
+            </a:r>
+            <a:r>
+              <a:rPr lang="en-US" sz="2000" dirty="0"/>
+              <a:t> vs. </a:t>
+            </a:r>
+            <a:r>
+              <a:rPr lang="en-US" sz="2000" dirty="0" err="1"/>
+              <a:t>OnDestroy</a:t>
+            </a:r>
+            <a:endParaRPr lang="en-US" sz="2000" dirty="0"/>
+          </a:p>
+          <a:p>
+            <a:pPr lvl="1"/>
+            <a:r>
+              <a:rPr lang="en-US" sz="1600" dirty="0"/>
+              <a:t>Has not entered DESTROYED state, view removed from memory but Fragment object still exists / vs. / Fragment has entered DESTROYED state</a:t>
+            </a:r>
+            <a:endParaRPr lang="en-SG" sz="1600" dirty="0"/>
+          </a:p>
+        </p:txBody>
+      </p:sp>
+    </p:spTree>
+    <p:extLst>
+      <p:ext uri="{BB962C8B-B14F-4D97-AF65-F5344CB8AC3E}">
+        <p14:creationId xmlns:p14="http://schemas.microsoft.com/office/powerpoint/2010/main" val="3984743441"/>
+      </p:ext>
+    </p:extLst>
+  </p:cSld>
+  <p:clrMapOvr>
+    <a:masterClrMapping/>
+  </p:clrMapOvr>
+</p:sld>
+</file>
+
 <file path=ppt/slides/slide27.xml><?xml version="1.0" encoding="utf-8"?>
 <p:sld xmlns:a="http://schemas.openxmlformats.org/drawingml/2006/main" xmlns:r="http://schemas.openxmlformats.org/officeDocument/2006/relationships" xmlns:p="http://schemas.openxmlformats.org/presentationml/2006/main">
   <p:cSld>
@@ -9809,7 +9811,7 @@
           <p:cNvPr id="2" name="Title 1">
             <a:extLst>
               <a:ext uri="{FF2B5EF4-FFF2-40B4-BE49-F238E27FC236}">
-                <a16:creationId xmlns:a16="http://schemas.microsoft.com/office/drawing/2014/main" id="{E8F9AF4A-E9D8-4BC4-BD5F-F48F72F5FED3}"/>
+                <a16:creationId xmlns:a16="http://schemas.microsoft.com/office/drawing/2014/main" id="{9D9ADF61-2343-4150-8592-6E0680070EEA}"/>
               </a:ext>
             </a:extLst>
           </p:cNvPr>
@@ -9827,7 +9829,7 @@
           <a:p>
             <a:r>
               <a:rPr lang="en-SG" dirty="0"/>
-              <a:t>Fragment Lifecycle</a:t>
+              <a:t>Coding nuances that nobody really cares</a:t>
             </a:r>
           </a:p>
         </p:txBody>
@@ -9837,7 +9839,7 @@
           <p:cNvPr id="3" name="Content Placeholder 2">
             <a:extLst>
               <a:ext uri="{FF2B5EF4-FFF2-40B4-BE49-F238E27FC236}">
-                <a16:creationId xmlns:a16="http://schemas.microsoft.com/office/drawing/2014/main" id="{5C6F7AF7-504F-49CD-AD64-8AB111B56198}"/>
+                <a16:creationId xmlns:a16="http://schemas.microsoft.com/office/drawing/2014/main" id="{A7912FF4-9187-4E0A-824C-E0D930645EAF}"/>
               </a:ext>
             </a:extLst>
           </p:cNvPr>
@@ -9856,51 +9858,58 @@
           <a:lstStyle/>
           <a:p>
             <a:r>
+              <a:rPr lang="en-SG" sz="2400" dirty="0"/>
+              <a:t>Method or Function?</a:t>
+            </a:r>
+          </a:p>
+          <a:p>
+            <a:pPr lvl="1"/>
+            <a:r>
+              <a:rPr lang="en-SG" sz="2000" dirty="0"/>
+              <a:t>A method presumes the existence of an object (i.e. defined within a class), while a function is free and independent.</a:t>
+            </a:r>
+          </a:p>
+          <a:p>
+            <a:r>
+              <a:rPr lang="en-SG" sz="2400" dirty="0"/>
+              <a:t>Parameter or Argument?</a:t>
+            </a:r>
+          </a:p>
+          <a:p>
+            <a:pPr lvl="1"/>
+            <a:r>
               <a:rPr lang="en-US" sz="2000" dirty="0"/>
-              <a:t>OnCreate vs. </a:t>
+              <a:t>A parameter is variable declaration in the function/method definition. When the function/method is called, the arguments are the data you pass into its parameters.</a:t>
+            </a:r>
+          </a:p>
+          <a:p>
+            <a:r>
+              <a:rPr lang="en-US" sz="2400" dirty="0"/>
+              <a:t>Property or Attribute?</a:t>
+            </a:r>
+          </a:p>
+          <a:p>
+            <a:pPr lvl="1"/>
+            <a:r>
+              <a:rPr lang="en-US" sz="2000" dirty="0"/>
+              <a:t>A property is something that </a:t>
             </a:r>
             <a:r>
               <a:rPr lang="en-US" sz="2000" dirty="0" err="1"/>
-              <a:t>OnCreateView</a:t>
-            </a:r>
-            <a:endParaRPr lang="en-US" sz="2000" dirty="0"/>
-          </a:p>
-          <a:p>
-            <a:pPr lvl="1"/>
-            <a:r>
-              <a:rPr lang="en-US" sz="1600" dirty="0"/>
-              <a:t>Fragment has been instantiated and is in CREATED state, but corresponding view is not created yet / vs. / Layout inflated, and Fragment has entered CREATED state</a:t>
-            </a:r>
-          </a:p>
-          <a:p>
-            <a:r>
-              <a:rPr lang="en-US" sz="2000" dirty="0" err="1"/>
-              <a:t>OnDestroyView</a:t>
+              <a:t>characterises</a:t>
             </a:r>
             <a:r>
               <a:rPr lang="en-US" sz="2000" dirty="0"/>
-              <a:t> vs. </a:t>
-            </a:r>
-            <a:r>
-              <a:rPr lang="en-US" sz="2000" dirty="0" err="1"/>
-              <a:t>OnDestroy</a:t>
-            </a:r>
-            <a:endParaRPr lang="en-US" sz="2000" dirty="0"/>
-          </a:p>
-          <a:p>
-            <a:pPr lvl="1"/>
-            <a:r>
-              <a:rPr lang="en-US" sz="1600" dirty="0"/>
-              <a:t>Has not entered DESTROYED state, view removed from memory but Fragment object still exists / vs. / Fragment has entered DESTROYED state</a:t>
-            </a:r>
-            <a:endParaRPr lang="en-SG" sz="1600" dirty="0"/>
+              <a:t> a class (e.g. age and gender are properties of human) and the property becomes an attribute when it is given a value or description (e.g. age is 20, gender is female)</a:t>
+            </a:r>
+            <a:endParaRPr lang="en-SG" sz="2000" dirty="0"/>
           </a:p>
         </p:txBody>
       </p:sp>
     </p:spTree>
     <p:extLst>
       <p:ext uri="{BB962C8B-B14F-4D97-AF65-F5344CB8AC3E}">
-        <p14:creationId xmlns:p14="http://schemas.microsoft.com/office/powerpoint/2010/main" val="3984743441"/>
+        <p14:creationId xmlns:p14="http://schemas.microsoft.com/office/powerpoint/2010/main" val="831621953"/>
       </p:ext>
     </p:extLst>
   </p:cSld>
@@ -19933,7 +19942,7 @@
           <p:cNvPr id="2" name="Title 1">
             <a:extLst>
               <a:ext uri="{FF2B5EF4-FFF2-40B4-BE49-F238E27FC236}">
-                <a16:creationId xmlns:a16="http://schemas.microsoft.com/office/drawing/2014/main" id="{F5220BC9-E72C-4477-933D-27007CC8CFD8}"/>
+                <a16:creationId xmlns:a16="http://schemas.microsoft.com/office/drawing/2014/main" id="{67F2DE74-2A5D-43C4-9D4B-7898A95BFF2F}"/>
               </a:ext>
             </a:extLst>
           </p:cNvPr>
@@ -19951,7 +19960,173 @@
           <a:p>
             <a:r>
               <a:rPr lang="en-SG" dirty="0"/>
-              <a:t>Testing Pyramid</a:t>
+              <a:t>Jetpack Navigation</a:t>
+            </a:r>
+          </a:p>
+        </p:txBody>
+      </p:sp>
+      <p:sp>
+        <p:nvSpPr>
+          <p:cNvPr id="3" name="Content Placeholder 2">
+            <a:extLst>
+              <a:ext uri="{FF2B5EF4-FFF2-40B4-BE49-F238E27FC236}">
+                <a16:creationId xmlns:a16="http://schemas.microsoft.com/office/drawing/2014/main" id="{391F087C-DAEB-492F-BB6C-4C663ADDEEB3}"/>
+              </a:ext>
+            </a:extLst>
+          </p:cNvPr>
+          <p:cNvSpPr>
+            <a:spLocks noGrp="1"/>
+          </p:cNvSpPr>
+          <p:nvPr>
+            <p:ph idx="1"/>
+          </p:nvPr>
+        </p:nvSpPr>
+        <p:spPr/>
+        <p:txBody>
+          <a:bodyPr>
+            <a:normAutofit fontScale="92500" lnSpcReduction="20000"/>
+          </a:bodyPr>
+          <a:lstStyle/>
+          <a:p>
+            <a:r>
+              <a:rPr lang="en-US" sz="2400" dirty="0"/>
+              <a:t>The navigation component simply refers to the collection of tools for implementing navigation, particularly between fragments.</a:t>
+            </a:r>
+            <a:endParaRPr lang="en-SG" sz="2400" dirty="0"/>
+          </a:p>
+          <a:p>
+            <a:r>
+              <a:rPr lang="en-SG" sz="2400" dirty="0"/>
+              <a:t>Navigation Graph</a:t>
+            </a:r>
+          </a:p>
+          <a:p>
+            <a:pPr lvl="1"/>
+            <a:r>
+              <a:rPr lang="en-SG" sz="1800" dirty="0"/>
+              <a:t>XML file that provides visual representation of navigation in an app.</a:t>
+            </a:r>
+          </a:p>
+          <a:p>
+            <a:pPr lvl="1"/>
+            <a:r>
+              <a:rPr lang="en-SG" sz="1800" dirty="0"/>
+              <a:t>Consists of destinations which corresponds to individual activities and fragments as well as actions between them which can be used in code to navigate from one destination to another.</a:t>
+            </a:r>
+          </a:p>
+          <a:p>
+            <a:r>
+              <a:rPr lang="en-SG" sz="2200" dirty="0" err="1"/>
+              <a:t>NavHost</a:t>
+            </a:r>
+            <a:endParaRPr lang="en-SG" sz="2200" dirty="0"/>
+          </a:p>
+          <a:p>
+            <a:pPr lvl="1"/>
+            <a:r>
+              <a:rPr lang="en-SG" sz="1800" dirty="0"/>
+              <a:t>Used to display destinations from Navigation Graph within an activity.</a:t>
+            </a:r>
+          </a:p>
+          <a:p>
+            <a:pPr lvl="1"/>
+            <a:r>
+              <a:rPr lang="en-SG" sz="1800" dirty="0"/>
+              <a:t>When navigating between fragments, the destination shown in the </a:t>
+            </a:r>
+            <a:r>
+              <a:rPr lang="en-SG" sz="1800" dirty="0" err="1"/>
+              <a:t>NavHost</a:t>
+            </a:r>
+            <a:r>
+              <a:rPr lang="en-SG" sz="1800" dirty="0"/>
+              <a:t> is updated.</a:t>
+            </a:r>
+          </a:p>
+          <a:p>
+            <a:r>
+              <a:rPr lang="en-SG" sz="2200" dirty="0" err="1"/>
+              <a:t>NavController</a:t>
+            </a:r>
+            <a:endParaRPr lang="en-SG" sz="2200" dirty="0"/>
+          </a:p>
+          <a:p>
+            <a:pPr lvl="1"/>
+            <a:r>
+              <a:rPr lang="en-SG" sz="1800" dirty="0"/>
+              <a:t>Lets you control navigation between destinations displayed in the </a:t>
+            </a:r>
+            <a:r>
+              <a:rPr lang="en-SG" sz="1800" dirty="0" err="1"/>
+              <a:t>NavHost</a:t>
+            </a:r>
+            <a:r>
+              <a:rPr lang="en-SG" sz="1800" dirty="0"/>
+              <a:t>.</a:t>
+            </a:r>
+          </a:p>
+          <a:p>
+            <a:pPr lvl="1"/>
+            <a:r>
+              <a:rPr lang="en-SG" sz="1800" dirty="0"/>
+              <a:t>When working with intents, you had to call </a:t>
+            </a:r>
+            <a:r>
+              <a:rPr lang="en-SG" sz="1800" dirty="0" err="1">
+                <a:latin typeface="Lucida Console" panose="020B0609040504020204" pitchFamily="49" charset="0"/>
+              </a:rPr>
+              <a:t>startActivity</a:t>
+            </a:r>
+            <a:r>
+              <a:rPr lang="en-SG" sz="1800" dirty="0">
+                <a:latin typeface="Lucida Console" panose="020B0609040504020204" pitchFamily="49" charset="0"/>
+              </a:rPr>
+              <a:t>()</a:t>
+            </a:r>
+            <a:r>
+              <a:rPr lang="en-SG" sz="1800" dirty="0"/>
+              <a:t> to navigate to a new screen. With the Navigation Component, you can instead call the </a:t>
+            </a:r>
+            <a:r>
+              <a:rPr lang="en-SG" sz="1800" dirty="0" err="1"/>
+              <a:t>NavController’s</a:t>
+            </a:r>
+            <a:r>
+              <a:rPr lang="en-SG" sz="1800" dirty="0"/>
+              <a:t> </a:t>
+            </a:r>
+            <a:r>
+              <a:rPr lang="en-SG" sz="1800" dirty="0">
+                <a:latin typeface="Lucida Console" panose="020B0609040504020204" pitchFamily="49" charset="0"/>
+              </a:rPr>
+              <a:t>navigate()</a:t>
+            </a:r>
+            <a:r>
+              <a:rPr lang="en-SG" sz="1800" dirty="0"/>
+              <a:t> method to swap the fragment that’s displayed.</a:t>
+            </a:r>
+          </a:p>
+          <a:p>
+            <a:pPr lvl="1"/>
+            <a:r>
+              <a:rPr lang="en-SG" sz="1800" dirty="0"/>
+              <a:t>Handles common tasks like responding to system “up” button to navigate back to the previously displayed fragment (i.e. with </a:t>
+            </a:r>
+            <a:r>
+              <a:rPr lang="en-SG" sz="1800" dirty="0" err="1">
+                <a:latin typeface="Lucida Console" panose="020B0609040504020204" pitchFamily="49" charset="0"/>
+              </a:rPr>
+              <a:t>onSupportNavigationUp</a:t>
+            </a:r>
+            <a:r>
+              <a:rPr lang="en-SG" sz="1800" dirty="0">
+                <a:latin typeface="Lucida Console" panose="020B0609040504020204" pitchFamily="49" charset="0"/>
+              </a:rPr>
+              <a:t>()</a:t>
+            </a:r>
+            <a:r>
+              <a:rPr lang="en-SG" sz="1800" dirty="0"/>
+              <a:t>)</a:t>
             </a:r>
           </a:p>
         </p:txBody>
@@ -19959,7 +20134,7 @@
     </p:spTree>
     <p:extLst>
       <p:ext uri="{BB962C8B-B14F-4D97-AF65-F5344CB8AC3E}">
-        <p14:creationId xmlns:p14="http://schemas.microsoft.com/office/powerpoint/2010/main" val="3547282045"/>
+        <p14:creationId xmlns:p14="http://schemas.microsoft.com/office/powerpoint/2010/main" val="829172611"/>
       </p:ext>
     </p:extLst>
   </p:cSld>
@@ -19991,6 +20166,64 @@
           <p:cNvPr id="2" name="Title 1">
             <a:extLst>
               <a:ext uri="{FF2B5EF4-FFF2-40B4-BE49-F238E27FC236}">
+                <a16:creationId xmlns:a16="http://schemas.microsoft.com/office/drawing/2014/main" id="{F5220BC9-E72C-4477-933D-27007CC8CFD8}"/>
+              </a:ext>
+            </a:extLst>
+          </p:cNvPr>
+          <p:cNvSpPr>
+            <a:spLocks noGrp="1"/>
+          </p:cNvSpPr>
+          <p:nvPr>
+            <p:ph type="title"/>
+          </p:nvPr>
+        </p:nvSpPr>
+        <p:spPr/>
+        <p:txBody>
+          <a:bodyPr/>
+          <a:lstStyle/>
+          <a:p>
+            <a:r>
+              <a:rPr lang="en-SG" dirty="0"/>
+              <a:t>Testing Pyramid</a:t>
+            </a:r>
+          </a:p>
+        </p:txBody>
+      </p:sp>
+    </p:spTree>
+    <p:extLst>
+      <p:ext uri="{BB962C8B-B14F-4D97-AF65-F5344CB8AC3E}">
+        <p14:creationId xmlns:p14="http://schemas.microsoft.com/office/powerpoint/2010/main" val="3547282045"/>
+      </p:ext>
+    </p:extLst>
+  </p:cSld>
+  <p:clrMapOvr>
+    <a:masterClrMapping/>
+  </p:clrMapOvr>
+</p:sld>
+</file>
+
+<file path=ppt/slides/slide49.xml><?xml version="1.0" encoding="utf-8"?>
+<p:sld xmlns:a="http://schemas.openxmlformats.org/drawingml/2006/main" xmlns:r="http://schemas.openxmlformats.org/officeDocument/2006/relationships" xmlns:p="http://schemas.openxmlformats.org/presentationml/2006/main">
+  <p:cSld>
+    <p:spTree>
+      <p:nvGrpSpPr>
+        <p:cNvPr id="1" name=""/>
+        <p:cNvGrpSpPr/>
+        <p:nvPr/>
+      </p:nvGrpSpPr>
+      <p:grpSpPr>
+        <a:xfrm>
+          <a:off x="0" y="0"/>
+          <a:ext cx="0" cy="0"/>
+          <a:chOff x="0" y="0"/>
+          <a:chExt cx="0" cy="0"/>
+        </a:xfrm>
+      </p:grpSpPr>
+      <p:sp>
+        <p:nvSpPr>
+          <p:cNvPr id="2" name="Title 1">
+            <a:extLst>
+              <a:ext uri="{FF2B5EF4-FFF2-40B4-BE49-F238E27FC236}">
                 <a16:creationId xmlns:a16="http://schemas.microsoft.com/office/drawing/2014/main" id="{3A6E8525-26F5-4F75-AB39-AB3E80C0912F}"/>
               </a:ext>
             </a:extLst>
@@ -20219,7 +20452,286 @@
 </p:sld>
 </file>
 
-<file path=ppt/slides/slide49.xml><?xml version="1.0" encoding="utf-8"?>
+<file path=ppt/slides/slide5.xml><?xml version="1.0" encoding="utf-8"?>
+<p:sld xmlns:a="http://schemas.openxmlformats.org/drawingml/2006/main" xmlns:r="http://schemas.openxmlformats.org/officeDocument/2006/relationships" xmlns:p="http://schemas.openxmlformats.org/presentationml/2006/main">
+  <p:cSld>
+    <p:spTree>
+      <p:nvGrpSpPr>
+        <p:cNvPr id="1" name=""/>
+        <p:cNvGrpSpPr/>
+        <p:nvPr/>
+      </p:nvGrpSpPr>
+      <p:grpSpPr>
+        <a:xfrm>
+          <a:off x="0" y="0"/>
+          <a:ext cx="0" cy="0"/>
+          <a:chOff x="0" y="0"/>
+          <a:chExt cx="0" cy="0"/>
+        </a:xfrm>
+      </p:grpSpPr>
+      <p:sp>
+        <p:nvSpPr>
+          <p:cNvPr id="2" name="Title 1">
+            <a:extLst>
+              <a:ext uri="{FF2B5EF4-FFF2-40B4-BE49-F238E27FC236}">
+                <a16:creationId xmlns:a16="http://schemas.microsoft.com/office/drawing/2014/main" id="{EA43D4E4-589A-4470-9F99-06CBDDAE1385}"/>
+              </a:ext>
+            </a:extLst>
+          </p:cNvPr>
+          <p:cNvSpPr>
+            <a:spLocks noGrp="1"/>
+          </p:cNvSpPr>
+          <p:nvPr>
+            <p:ph type="title"/>
+          </p:nvPr>
+        </p:nvSpPr>
+        <p:spPr/>
+        <p:txBody>
+          <a:bodyPr/>
+          <a:lstStyle/>
+          <a:p>
+            <a:r>
+              <a:rPr lang="en-SG" dirty="0"/>
+              <a:t>Unit?</a:t>
+            </a:r>
+          </a:p>
+        </p:txBody>
+      </p:sp>
+      <p:sp>
+        <p:nvSpPr>
+          <p:cNvPr id="3" name="Content Placeholder 2">
+            <a:extLst>
+              <a:ext uri="{FF2B5EF4-FFF2-40B4-BE49-F238E27FC236}">
+                <a16:creationId xmlns:a16="http://schemas.microsoft.com/office/drawing/2014/main" id="{C4A86444-780C-48D3-B724-A0905CAB63AF}"/>
+              </a:ext>
+            </a:extLst>
+          </p:cNvPr>
+          <p:cNvSpPr>
+            <a:spLocks noGrp="1"/>
+          </p:cNvSpPr>
+          <p:nvPr>
+            <p:ph idx="1"/>
+          </p:nvPr>
+        </p:nvSpPr>
+        <p:spPr/>
+        <p:txBody>
+          <a:bodyPr>
+            <a:normAutofit/>
+          </a:bodyPr>
+          <a:lstStyle/>
+          <a:p>
+            <a:pPr marL="0" indent="0">
+              <a:buNone/>
+            </a:pPr>
+            <a:r>
+              <a:rPr lang="en-US" sz="1800" dirty="0">
+                <a:latin typeface="Lucida Console" panose="020B0609040504020204" pitchFamily="49" charset="0"/>
+              </a:rPr>
+              <a:t>fun </a:t>
+            </a:r>
+            <a:r>
+              <a:rPr lang="en-US" sz="1800" dirty="0" err="1">
+                <a:latin typeface="Lucida Console" panose="020B0609040504020204" pitchFamily="49" charset="0"/>
+              </a:rPr>
+              <a:t>printSum</a:t>
+            </a:r>
+            <a:r>
+              <a:rPr lang="en-US" sz="1800" dirty="0">
+                <a:latin typeface="Lucida Console" panose="020B0609040504020204" pitchFamily="49" charset="0"/>
+              </a:rPr>
+              <a:t>(a: Int, b: Int) : </a:t>
+            </a:r>
+            <a:r>
+              <a:rPr lang="en-US" sz="1800" dirty="0">
+                <a:highlight>
+                  <a:srgbClr val="FFFF00"/>
+                </a:highlight>
+                <a:latin typeface="Lucida Console" panose="020B0609040504020204" pitchFamily="49" charset="0"/>
+              </a:rPr>
+              <a:t>Unit</a:t>
+            </a:r>
+            <a:r>
+              <a:rPr lang="en-US" sz="1800" dirty="0">
+                <a:latin typeface="Lucida Console" panose="020B0609040504020204" pitchFamily="49" charset="0"/>
+              </a:rPr>
+              <a:t> {</a:t>
+            </a:r>
+          </a:p>
+          <a:p>
+            <a:pPr marL="0" indent="0">
+              <a:buNone/>
+            </a:pPr>
+            <a:r>
+              <a:rPr lang="en-US" sz="1800" dirty="0">
+                <a:latin typeface="Lucida Console" panose="020B0609040504020204" pitchFamily="49" charset="0"/>
+              </a:rPr>
+              <a:t>    </a:t>
+            </a:r>
+            <a:r>
+              <a:rPr lang="en-US" sz="1800" dirty="0" err="1">
+                <a:latin typeface="Lucida Console" panose="020B0609040504020204" pitchFamily="49" charset="0"/>
+              </a:rPr>
+              <a:t>println</a:t>
+            </a:r>
+            <a:r>
+              <a:rPr lang="en-US" sz="1800" dirty="0">
+                <a:latin typeface="Lucida Console" panose="020B0609040504020204" pitchFamily="49" charset="0"/>
+              </a:rPr>
+              <a:t>("sum of a and b is ${a + b}")</a:t>
+            </a:r>
+          </a:p>
+          <a:p>
+            <a:pPr marL="0" indent="0">
+              <a:buNone/>
+            </a:pPr>
+            <a:r>
+              <a:rPr lang="en-US" sz="1800" dirty="0">
+                <a:latin typeface="Lucida Console" panose="020B0609040504020204" pitchFamily="49" charset="0"/>
+              </a:rPr>
+              <a:t>}</a:t>
+            </a:r>
+          </a:p>
+          <a:p>
+            <a:pPr marL="0" indent="0">
+              <a:buNone/>
+            </a:pPr>
+            <a:endParaRPr lang="en-US" sz="1800" dirty="0">
+              <a:latin typeface="Lucida Console" panose="020B0609040504020204" pitchFamily="49" charset="0"/>
+            </a:endParaRPr>
+          </a:p>
+          <a:p>
+            <a:pPr marL="0" indent="0">
+              <a:buNone/>
+            </a:pPr>
+            <a:r>
+              <a:rPr lang="en-US" sz="2000" dirty="0">
+                <a:highlight>
+                  <a:srgbClr val="FFFF00"/>
+                </a:highlight>
+              </a:rPr>
+              <a:t>Basically it corresponds to </a:t>
+            </a:r>
+            <a:r>
+              <a:rPr lang="en-US" sz="2000" dirty="0">
+                <a:highlight>
+                  <a:srgbClr val="FFFF00"/>
+                </a:highlight>
+                <a:latin typeface="Lucida Console" panose="020B0609040504020204" pitchFamily="49" charset="0"/>
+              </a:rPr>
+              <a:t>void</a:t>
+            </a:r>
+            <a:r>
+              <a:rPr lang="en-US" sz="2000" dirty="0">
+                <a:highlight>
+                  <a:srgbClr val="FFFF00"/>
+                </a:highlight>
+              </a:rPr>
+              <a:t> in Java. </a:t>
+            </a:r>
+            <a:r>
+              <a:rPr lang="en-US" sz="2000" dirty="0"/>
+              <a:t>It is the return type of any function that does not return any meaningful value, and it is optional to mention </a:t>
+            </a:r>
+            <a:r>
+              <a:rPr lang="en-US" sz="2000" dirty="0">
+                <a:latin typeface="Lucida Console" panose="020B0609040504020204" pitchFamily="49" charset="0"/>
+              </a:rPr>
+              <a:t>Unit</a:t>
+            </a:r>
+            <a:r>
+              <a:rPr lang="en-US" sz="2000" dirty="0"/>
+              <a:t> as the return type. So it’s the same as:</a:t>
+            </a:r>
+          </a:p>
+          <a:p>
+            <a:pPr marL="0" indent="0">
+              <a:buNone/>
+            </a:pPr>
+            <a:endParaRPr lang="en-US" sz="1800" dirty="0">
+              <a:latin typeface="Lucida Console" panose="020B0609040504020204" pitchFamily="49" charset="0"/>
+            </a:endParaRPr>
+          </a:p>
+          <a:p>
+            <a:pPr marL="0" indent="0">
+              <a:buNone/>
+            </a:pPr>
+            <a:r>
+              <a:rPr lang="en-US" sz="1800" dirty="0">
+                <a:latin typeface="Lucida Console" panose="020B0609040504020204" pitchFamily="49" charset="0"/>
+              </a:rPr>
+              <a:t>fun </a:t>
+            </a:r>
+            <a:r>
+              <a:rPr lang="en-US" sz="1800" dirty="0" err="1">
+                <a:latin typeface="Lucida Console" panose="020B0609040504020204" pitchFamily="49" charset="0"/>
+              </a:rPr>
+              <a:t>printSum</a:t>
+            </a:r>
+            <a:r>
+              <a:rPr lang="en-US" sz="1800" dirty="0">
+                <a:latin typeface="Lucida Console" panose="020B0609040504020204" pitchFamily="49" charset="0"/>
+              </a:rPr>
+              <a:t>(a: Int, b: Int) {</a:t>
+            </a:r>
+          </a:p>
+          <a:p>
+            <a:pPr marL="0" indent="0">
+              <a:buNone/>
+            </a:pPr>
+            <a:r>
+              <a:rPr lang="en-US" sz="1800" dirty="0">
+                <a:latin typeface="Lucida Console" panose="020B0609040504020204" pitchFamily="49" charset="0"/>
+              </a:rPr>
+              <a:t>    </a:t>
+            </a:r>
+            <a:r>
+              <a:rPr lang="en-US" sz="1800" dirty="0" err="1">
+                <a:latin typeface="Lucida Console" panose="020B0609040504020204" pitchFamily="49" charset="0"/>
+              </a:rPr>
+              <a:t>println</a:t>
+            </a:r>
+            <a:r>
+              <a:rPr lang="en-US" sz="1800" dirty="0">
+                <a:latin typeface="Lucida Console" panose="020B0609040504020204" pitchFamily="49" charset="0"/>
+              </a:rPr>
+              <a:t>("sum of a and b is ${a + b}")</a:t>
+            </a:r>
+          </a:p>
+          <a:p>
+            <a:pPr marL="0" indent="0">
+              <a:buNone/>
+            </a:pPr>
+            <a:r>
+              <a:rPr lang="en-US" sz="1800" dirty="0">
+                <a:latin typeface="Lucida Console" panose="020B0609040504020204" pitchFamily="49" charset="0"/>
+              </a:rPr>
+              <a:t>}</a:t>
+            </a:r>
+          </a:p>
+          <a:p>
+            <a:pPr marL="0" indent="0">
+              <a:buNone/>
+            </a:pPr>
+            <a:endParaRPr lang="en-SG" sz="1800" dirty="0">
+              <a:latin typeface="Lucida Console" panose="020B0609040504020204" pitchFamily="49" charset="0"/>
+            </a:endParaRPr>
+          </a:p>
+        </p:txBody>
+      </p:sp>
+    </p:spTree>
+    <p:extLst>
+      <p:ext uri="{BB962C8B-B14F-4D97-AF65-F5344CB8AC3E}">
+        <p14:creationId xmlns:p14="http://schemas.microsoft.com/office/powerpoint/2010/main" val="788708609"/>
+      </p:ext>
+    </p:extLst>
+  </p:cSld>
+  <p:clrMapOvr>
+    <a:masterClrMapping/>
+  </p:clrMapOvr>
+</p:sld>
+</file>
+
+<file path=ppt/slides/slide50.xml><?xml version="1.0" encoding="utf-8"?>
 <p:sld xmlns:a="http://schemas.openxmlformats.org/drawingml/2006/main" xmlns:r="http://schemas.openxmlformats.org/officeDocument/2006/relationships" xmlns:p="http://schemas.openxmlformats.org/presentationml/2006/main">
   <p:cSld>
     <p:spTree>
@@ -20442,7 +20954,7 @@
 </p:sld>
 </file>
 
-<file path=ppt/slides/slide5.xml><?xml version="1.0" encoding="utf-8"?>
+<file path=ppt/slides/slide51.xml><?xml version="1.0" encoding="utf-8"?>
 <p:sld xmlns:a="http://schemas.openxmlformats.org/drawingml/2006/main" xmlns:r="http://schemas.openxmlformats.org/officeDocument/2006/relationships" xmlns:p="http://schemas.openxmlformats.org/presentationml/2006/main">
   <p:cSld>
     <p:spTree>
@@ -20464,285 +20976,6 @@
           <p:cNvPr id="2" name="Title 1">
             <a:extLst>
               <a:ext uri="{FF2B5EF4-FFF2-40B4-BE49-F238E27FC236}">
-                <a16:creationId xmlns:a16="http://schemas.microsoft.com/office/drawing/2014/main" id="{EA43D4E4-589A-4470-9F99-06CBDDAE1385}"/>
-              </a:ext>
-            </a:extLst>
-          </p:cNvPr>
-          <p:cNvSpPr>
-            <a:spLocks noGrp="1"/>
-          </p:cNvSpPr>
-          <p:nvPr>
-            <p:ph type="title"/>
-          </p:nvPr>
-        </p:nvSpPr>
-        <p:spPr/>
-        <p:txBody>
-          <a:bodyPr/>
-          <a:lstStyle/>
-          <a:p>
-            <a:r>
-              <a:rPr lang="en-SG" dirty="0"/>
-              <a:t>Unit?</a:t>
-            </a:r>
-          </a:p>
-        </p:txBody>
-      </p:sp>
-      <p:sp>
-        <p:nvSpPr>
-          <p:cNvPr id="3" name="Content Placeholder 2">
-            <a:extLst>
-              <a:ext uri="{FF2B5EF4-FFF2-40B4-BE49-F238E27FC236}">
-                <a16:creationId xmlns:a16="http://schemas.microsoft.com/office/drawing/2014/main" id="{C4A86444-780C-48D3-B724-A0905CAB63AF}"/>
-              </a:ext>
-            </a:extLst>
-          </p:cNvPr>
-          <p:cNvSpPr>
-            <a:spLocks noGrp="1"/>
-          </p:cNvSpPr>
-          <p:nvPr>
-            <p:ph idx="1"/>
-          </p:nvPr>
-        </p:nvSpPr>
-        <p:spPr/>
-        <p:txBody>
-          <a:bodyPr>
-            <a:normAutofit/>
-          </a:bodyPr>
-          <a:lstStyle/>
-          <a:p>
-            <a:pPr marL="0" indent="0">
-              <a:buNone/>
-            </a:pPr>
-            <a:r>
-              <a:rPr lang="en-US" sz="1800" dirty="0">
-                <a:latin typeface="Lucida Console" panose="020B0609040504020204" pitchFamily="49" charset="0"/>
-              </a:rPr>
-              <a:t>fun </a:t>
-            </a:r>
-            <a:r>
-              <a:rPr lang="en-US" sz="1800" dirty="0" err="1">
-                <a:latin typeface="Lucida Console" panose="020B0609040504020204" pitchFamily="49" charset="0"/>
-              </a:rPr>
-              <a:t>printSum</a:t>
-            </a:r>
-            <a:r>
-              <a:rPr lang="en-US" sz="1800" dirty="0">
-                <a:latin typeface="Lucida Console" panose="020B0609040504020204" pitchFamily="49" charset="0"/>
-              </a:rPr>
-              <a:t>(a: Int, b: Int) : </a:t>
-            </a:r>
-            <a:r>
-              <a:rPr lang="en-US" sz="1800" dirty="0">
-                <a:highlight>
-                  <a:srgbClr val="FFFF00"/>
-                </a:highlight>
-                <a:latin typeface="Lucida Console" panose="020B0609040504020204" pitchFamily="49" charset="0"/>
-              </a:rPr>
-              <a:t>Unit</a:t>
-            </a:r>
-            <a:r>
-              <a:rPr lang="en-US" sz="1800" dirty="0">
-                <a:latin typeface="Lucida Console" panose="020B0609040504020204" pitchFamily="49" charset="0"/>
-              </a:rPr>
-              <a:t> {</a:t>
-            </a:r>
-          </a:p>
-          <a:p>
-            <a:pPr marL="0" indent="0">
-              <a:buNone/>
-            </a:pPr>
-            <a:r>
-              <a:rPr lang="en-US" sz="1800" dirty="0">
-                <a:latin typeface="Lucida Console" panose="020B0609040504020204" pitchFamily="49" charset="0"/>
-              </a:rPr>
-              <a:t>    </a:t>
-            </a:r>
-            <a:r>
-              <a:rPr lang="en-US" sz="1800" dirty="0" err="1">
-                <a:latin typeface="Lucida Console" panose="020B0609040504020204" pitchFamily="49" charset="0"/>
-              </a:rPr>
-              <a:t>println</a:t>
-            </a:r>
-            <a:r>
-              <a:rPr lang="en-US" sz="1800" dirty="0">
-                <a:latin typeface="Lucida Console" panose="020B0609040504020204" pitchFamily="49" charset="0"/>
-              </a:rPr>
-              <a:t>("sum of a and b is ${a + b}")</a:t>
-            </a:r>
-          </a:p>
-          <a:p>
-            <a:pPr marL="0" indent="0">
-              <a:buNone/>
-            </a:pPr>
-            <a:r>
-              <a:rPr lang="en-US" sz="1800" dirty="0">
-                <a:latin typeface="Lucida Console" panose="020B0609040504020204" pitchFamily="49" charset="0"/>
-              </a:rPr>
-              <a:t>}</a:t>
-            </a:r>
-          </a:p>
-          <a:p>
-            <a:pPr marL="0" indent="0">
-              <a:buNone/>
-            </a:pPr>
-            <a:endParaRPr lang="en-US" sz="1800" dirty="0">
-              <a:latin typeface="Lucida Console" panose="020B0609040504020204" pitchFamily="49" charset="0"/>
-            </a:endParaRPr>
-          </a:p>
-          <a:p>
-            <a:pPr marL="0" indent="0">
-              <a:buNone/>
-            </a:pPr>
-            <a:r>
-              <a:rPr lang="en-US" sz="2000" dirty="0">
-                <a:highlight>
-                  <a:srgbClr val="FFFF00"/>
-                </a:highlight>
-              </a:rPr>
-              <a:t>Basically it corresponds to </a:t>
-            </a:r>
-            <a:r>
-              <a:rPr lang="en-US" sz="2000" dirty="0">
-                <a:highlight>
-                  <a:srgbClr val="FFFF00"/>
-                </a:highlight>
-                <a:latin typeface="Lucida Console" panose="020B0609040504020204" pitchFamily="49" charset="0"/>
-              </a:rPr>
-              <a:t>void</a:t>
-            </a:r>
-            <a:r>
-              <a:rPr lang="en-US" sz="2000" dirty="0">
-                <a:highlight>
-                  <a:srgbClr val="FFFF00"/>
-                </a:highlight>
-              </a:rPr>
-              <a:t> in Java. </a:t>
-            </a:r>
-            <a:r>
-              <a:rPr lang="en-US" sz="2000" dirty="0"/>
-              <a:t>It is the return type of any function that does not return any meaningful value, and it is optional to mention </a:t>
-            </a:r>
-            <a:r>
-              <a:rPr lang="en-US" sz="2000" dirty="0">
-                <a:latin typeface="Lucida Console" panose="020B0609040504020204" pitchFamily="49" charset="0"/>
-              </a:rPr>
-              <a:t>Unit</a:t>
-            </a:r>
-            <a:r>
-              <a:rPr lang="en-US" sz="2000" dirty="0"/>
-              <a:t> as the return type. So it’s the same as:</a:t>
-            </a:r>
-          </a:p>
-          <a:p>
-            <a:pPr marL="0" indent="0">
-              <a:buNone/>
-            </a:pPr>
-            <a:endParaRPr lang="en-US" sz="1800" dirty="0">
-              <a:latin typeface="Lucida Console" panose="020B0609040504020204" pitchFamily="49" charset="0"/>
-            </a:endParaRPr>
-          </a:p>
-          <a:p>
-            <a:pPr marL="0" indent="0">
-              <a:buNone/>
-            </a:pPr>
-            <a:r>
-              <a:rPr lang="en-US" sz="1800" dirty="0">
-                <a:latin typeface="Lucida Console" panose="020B0609040504020204" pitchFamily="49" charset="0"/>
-              </a:rPr>
-              <a:t>fun </a:t>
-            </a:r>
-            <a:r>
-              <a:rPr lang="en-US" sz="1800" dirty="0" err="1">
-                <a:latin typeface="Lucida Console" panose="020B0609040504020204" pitchFamily="49" charset="0"/>
-              </a:rPr>
-              <a:t>printSum</a:t>
-            </a:r>
-            <a:r>
-              <a:rPr lang="en-US" sz="1800" dirty="0">
-                <a:latin typeface="Lucida Console" panose="020B0609040504020204" pitchFamily="49" charset="0"/>
-              </a:rPr>
-              <a:t>(a: Int, b: Int) {</a:t>
-            </a:r>
-          </a:p>
-          <a:p>
-            <a:pPr marL="0" indent="0">
-              <a:buNone/>
-            </a:pPr>
-            <a:r>
-              <a:rPr lang="en-US" sz="1800" dirty="0">
-                <a:latin typeface="Lucida Console" panose="020B0609040504020204" pitchFamily="49" charset="0"/>
-              </a:rPr>
-              <a:t>    </a:t>
-            </a:r>
-            <a:r>
-              <a:rPr lang="en-US" sz="1800" dirty="0" err="1">
-                <a:latin typeface="Lucida Console" panose="020B0609040504020204" pitchFamily="49" charset="0"/>
-              </a:rPr>
-              <a:t>println</a:t>
-            </a:r>
-            <a:r>
-              <a:rPr lang="en-US" sz="1800" dirty="0">
-                <a:latin typeface="Lucida Console" panose="020B0609040504020204" pitchFamily="49" charset="0"/>
-              </a:rPr>
-              <a:t>("sum of a and b is ${a + b}")</a:t>
-            </a:r>
-          </a:p>
-          <a:p>
-            <a:pPr marL="0" indent="0">
-              <a:buNone/>
-            </a:pPr>
-            <a:r>
-              <a:rPr lang="en-US" sz="1800" dirty="0">
-                <a:latin typeface="Lucida Console" panose="020B0609040504020204" pitchFamily="49" charset="0"/>
-              </a:rPr>
-              <a:t>}</a:t>
-            </a:r>
-          </a:p>
-          <a:p>
-            <a:pPr marL="0" indent="0">
-              <a:buNone/>
-            </a:pPr>
-            <a:endParaRPr lang="en-SG" sz="1800" dirty="0">
-              <a:latin typeface="Lucida Console" panose="020B0609040504020204" pitchFamily="49" charset="0"/>
-            </a:endParaRPr>
-          </a:p>
-        </p:txBody>
-      </p:sp>
-    </p:spTree>
-    <p:extLst>
-      <p:ext uri="{BB962C8B-B14F-4D97-AF65-F5344CB8AC3E}">
-        <p14:creationId xmlns:p14="http://schemas.microsoft.com/office/powerpoint/2010/main" val="788708609"/>
-      </p:ext>
-    </p:extLst>
-  </p:cSld>
-  <p:clrMapOvr>
-    <a:masterClrMapping/>
-  </p:clrMapOvr>
-</p:sld>
-</file>
-
-<file path=ppt/slides/slide50.xml><?xml version="1.0" encoding="utf-8"?>
-<p:sld xmlns:a="http://schemas.openxmlformats.org/drawingml/2006/main" xmlns:r="http://schemas.openxmlformats.org/officeDocument/2006/relationships" xmlns:p="http://schemas.openxmlformats.org/presentationml/2006/main">
-  <p:cSld>
-    <p:spTree>
-      <p:nvGrpSpPr>
-        <p:cNvPr id="1" name=""/>
-        <p:cNvGrpSpPr/>
-        <p:nvPr/>
-      </p:nvGrpSpPr>
-      <p:grpSpPr>
-        <a:xfrm>
-          <a:off x="0" y="0"/>
-          <a:ext cx="0" cy="0"/>
-          <a:chOff x="0" y="0"/>
-          <a:chExt cx="0" cy="0"/>
-        </a:xfrm>
-      </p:grpSpPr>
-      <p:sp>
-        <p:nvSpPr>
-          <p:cNvPr id="2" name="Title 1">
-            <a:extLst>
-              <a:ext uri="{FF2B5EF4-FFF2-40B4-BE49-F238E27FC236}">
                 <a16:creationId xmlns:a16="http://schemas.microsoft.com/office/drawing/2014/main" id="{3A6E8525-26F5-4F75-AB39-AB3E80C0912F}"/>
               </a:ext>
             </a:extLst>
@@ -20827,7 +21060,7 @@
 </p:sld>
 </file>
 
-<file path=ppt/slides/slide51.xml><?xml version="1.0" encoding="utf-8"?>
+<file path=ppt/slides/slide52.xml><?xml version="1.0" encoding="utf-8"?>
 <p:sld xmlns:a="http://schemas.openxmlformats.org/drawingml/2006/main" xmlns:r="http://schemas.openxmlformats.org/officeDocument/2006/relationships" xmlns:p="http://schemas.openxmlformats.org/presentationml/2006/main">
   <p:cSld>
     <p:spTree>
@@ -21040,7 +21273,7 @@
 </p:sld>
 </file>
 
-<file path=ppt/slides/slide52.xml><?xml version="1.0" encoding="utf-8"?>
+<file path=ppt/slides/slide53.xml><?xml version="1.0" encoding="utf-8"?>
 <p:sld xmlns:a="http://schemas.openxmlformats.org/drawingml/2006/main" xmlns:r="http://schemas.openxmlformats.org/officeDocument/2006/relationships" xmlns:p="http://schemas.openxmlformats.org/presentationml/2006/main">
   <p:cSld>
     <p:spTree>
@@ -21399,7 +21632,7 @@
 </p:sld>
 </file>
 
-<file path=ppt/slides/slide53.xml><?xml version="1.0" encoding="utf-8"?>
+<file path=ppt/slides/slide54.xml><?xml version="1.0" encoding="utf-8"?>
 <p:sld xmlns:a="http://schemas.openxmlformats.org/drawingml/2006/main" xmlns:r="http://schemas.openxmlformats.org/officeDocument/2006/relationships" xmlns:p="http://schemas.openxmlformats.org/presentationml/2006/main">
   <p:cSld>
     <p:spTree>
@@ -21567,7 +21800,7 @@
 </p:sld>
 </file>
 
-<file path=ppt/slides/slide54.xml><?xml version="1.0" encoding="utf-8"?>
+<file path=ppt/slides/slide55.xml><?xml version="1.0" encoding="utf-8"?>
 <p:sld xmlns:a="http://schemas.openxmlformats.org/drawingml/2006/main" xmlns:r="http://schemas.openxmlformats.org/officeDocument/2006/relationships" xmlns:p="http://schemas.openxmlformats.org/presentationml/2006/main">
   <p:cSld>
     <p:spTree>
@@ -22474,7 +22707,7 @@
 </p:sld>
 </file>
 
-<file path=ppt/slides/slide55.xml><?xml version="1.0" encoding="utf-8"?>
+<file path=ppt/slides/slide56.xml><?xml version="1.0" encoding="utf-8"?>
 <p:sld xmlns:a="http://schemas.openxmlformats.org/drawingml/2006/main" xmlns:r="http://schemas.openxmlformats.org/officeDocument/2006/relationships" xmlns:p="http://schemas.openxmlformats.org/presentationml/2006/main">
   <p:cSld>
     <p:spTree>
@@ -22943,7 +23176,7 @@
 </p:sld>
 </file>
 
-<file path=ppt/slides/slide56.xml><?xml version="1.0" encoding="utf-8"?>
+<file path=ppt/slides/slide57.xml><?xml version="1.0" encoding="utf-8"?>
 <p:sld xmlns:a="http://schemas.openxmlformats.org/drawingml/2006/main" xmlns:r="http://schemas.openxmlformats.org/officeDocument/2006/relationships" xmlns:p="http://schemas.openxmlformats.org/presentationml/2006/main">
   <p:cSld>
     <p:spTree>
@@ -23080,7 +23313,7 @@
 </p:sld>
 </file>
 
-<file path=ppt/slides/slide57.xml><?xml version="1.0" encoding="utf-8"?>
+<file path=ppt/slides/slide58.xml><?xml version="1.0" encoding="utf-8"?>
 <p:sld xmlns:a="http://schemas.openxmlformats.org/drawingml/2006/main" xmlns:r="http://schemas.openxmlformats.org/officeDocument/2006/relationships" xmlns:p="http://schemas.openxmlformats.org/presentationml/2006/main">
   <p:cSld>
     <p:spTree>
@@ -23891,7 +24124,7 @@
 </p:sld>
 </file>
 
-<file path=ppt/slides/slide58.xml><?xml version="1.0" encoding="utf-8"?>
+<file path=ppt/slides/slide59.xml><?xml version="1.0" encoding="utf-8"?>
 <p:sld xmlns:a="http://schemas.openxmlformats.org/drawingml/2006/main" xmlns:r="http://schemas.openxmlformats.org/officeDocument/2006/relationships" xmlns:p="http://schemas.openxmlformats.org/presentationml/2006/main">
   <p:cSld>
     <p:spTree>
@@ -25047,128 +25280,6 @@
 </p:sld>
 </file>
 
-<file path=ppt/slides/slide59.xml><?xml version="1.0" encoding="utf-8"?>
-<p:sld xmlns:a="http://schemas.openxmlformats.org/drawingml/2006/main" xmlns:r="http://schemas.openxmlformats.org/officeDocument/2006/relationships" xmlns:p="http://schemas.openxmlformats.org/presentationml/2006/main">
-  <p:cSld>
-    <p:spTree>
-      <p:nvGrpSpPr>
-        <p:cNvPr id="1" name=""/>
-        <p:cNvGrpSpPr/>
-        <p:nvPr/>
-      </p:nvGrpSpPr>
-      <p:grpSpPr>
-        <a:xfrm>
-          <a:off x="0" y="0"/>
-          <a:ext cx="0" cy="0"/>
-          <a:chOff x="0" y="0"/>
-          <a:chExt cx="0" cy="0"/>
-        </a:xfrm>
-      </p:grpSpPr>
-      <p:sp>
-        <p:nvSpPr>
-          <p:cNvPr id="2" name="Title 1">
-            <a:extLst>
-              <a:ext uri="{FF2B5EF4-FFF2-40B4-BE49-F238E27FC236}">
-                <a16:creationId xmlns:a16="http://schemas.microsoft.com/office/drawing/2014/main" id="{BB8E556B-5B6F-4633-A2EB-7FE36D45D86C}"/>
-              </a:ext>
-            </a:extLst>
-          </p:cNvPr>
-          <p:cNvSpPr>
-            <a:spLocks noGrp="1"/>
-          </p:cNvSpPr>
-          <p:nvPr>
-            <p:ph type="title"/>
-          </p:nvPr>
-        </p:nvSpPr>
-        <p:spPr/>
-        <p:txBody>
-          <a:bodyPr/>
-          <a:lstStyle/>
-          <a:p>
-            <a:r>
-              <a:rPr lang="en-SG" dirty="0"/>
-              <a:t>What is it??? Too abstract???</a:t>
-            </a:r>
-          </a:p>
-        </p:txBody>
-      </p:sp>
-      <p:sp>
-        <p:nvSpPr>
-          <p:cNvPr id="3" name="Content Placeholder 2">
-            <a:extLst>
-              <a:ext uri="{FF2B5EF4-FFF2-40B4-BE49-F238E27FC236}">
-                <a16:creationId xmlns:a16="http://schemas.microsoft.com/office/drawing/2014/main" id="{3623A9E3-951A-43B9-A39D-3EAC2F574922}"/>
-              </a:ext>
-            </a:extLst>
-          </p:cNvPr>
-          <p:cNvSpPr>
-            <a:spLocks noGrp="1"/>
-          </p:cNvSpPr>
-          <p:nvPr>
-            <p:ph idx="1"/>
-          </p:nvPr>
-        </p:nvSpPr>
-        <p:spPr/>
-        <p:txBody>
-          <a:bodyPr/>
-          <a:lstStyle/>
-          <a:p>
-            <a:r>
-              <a:rPr lang="en-SG" dirty="0"/>
-              <a:t>Releasing mobile apps without the right tooling is a complex process</a:t>
-            </a:r>
-          </a:p>
-          <a:p>
-            <a:r>
-              <a:rPr lang="en-SG" dirty="0"/>
-              <a:t>A mobile-focused CI/CD tool considers the unique challenges of building for mobile and has mobile-first features that help you build, test, and deploy mobile apps faster and more efficiently</a:t>
-            </a:r>
-          </a:p>
-        </p:txBody>
-      </p:sp>
-      <p:pic>
-        <p:nvPicPr>
-          <p:cNvPr id="5" name="Picture 4">
-            <a:extLst>
-              <a:ext uri="{FF2B5EF4-FFF2-40B4-BE49-F238E27FC236}">
-                <a16:creationId xmlns:a16="http://schemas.microsoft.com/office/drawing/2014/main" id="{314E9E67-3284-4D9A-BE30-A7E239A8DAB2}"/>
-              </a:ext>
-            </a:extLst>
-          </p:cNvPr>
-          <p:cNvPicPr>
-            <a:picLocks noChangeAspect="1"/>
-          </p:cNvPicPr>
-          <p:nvPr/>
-        </p:nvPicPr>
-        <p:blipFill>
-          <a:blip r:embed="rId2"/>
-          <a:stretch>
-            <a:fillRect/>
-          </a:stretch>
-        </p:blipFill>
-        <p:spPr>
-          <a:xfrm>
-            <a:off x="2068481" y="3899077"/>
-            <a:ext cx="8055038" cy="2133785"/>
-          </a:xfrm>
-          <a:prstGeom prst="rect">
-            <a:avLst/>
-          </a:prstGeom>
-        </p:spPr>
-      </p:pic>
-    </p:spTree>
-    <p:extLst>
-      <p:ext uri="{BB962C8B-B14F-4D97-AF65-F5344CB8AC3E}">
-        <p14:creationId xmlns:p14="http://schemas.microsoft.com/office/powerpoint/2010/main" val="2703211824"/>
-      </p:ext>
-    </p:extLst>
-  </p:cSld>
-  <p:clrMapOvr>
-    <a:masterClrMapping/>
-  </p:clrMapOvr>
-</p:sld>
-</file>
-
 <file path=ppt/slides/slide6.xml><?xml version="1.0" encoding="utf-8"?>
 <p:sld xmlns:a="http://schemas.openxmlformats.org/drawingml/2006/main" xmlns:r="http://schemas.openxmlformats.org/officeDocument/2006/relationships" xmlns:p="http://schemas.openxmlformats.org/presentationml/2006/main">
   <p:cSld>
@@ -25489,6 +25600,128 @@
           <a:chExt cx="0" cy="0"/>
         </a:xfrm>
       </p:grpSpPr>
+      <p:sp>
+        <p:nvSpPr>
+          <p:cNvPr id="2" name="Title 1">
+            <a:extLst>
+              <a:ext uri="{FF2B5EF4-FFF2-40B4-BE49-F238E27FC236}">
+                <a16:creationId xmlns:a16="http://schemas.microsoft.com/office/drawing/2014/main" id="{BB8E556B-5B6F-4633-A2EB-7FE36D45D86C}"/>
+              </a:ext>
+            </a:extLst>
+          </p:cNvPr>
+          <p:cNvSpPr>
+            <a:spLocks noGrp="1"/>
+          </p:cNvSpPr>
+          <p:nvPr>
+            <p:ph type="title"/>
+          </p:nvPr>
+        </p:nvSpPr>
+        <p:spPr/>
+        <p:txBody>
+          <a:bodyPr/>
+          <a:lstStyle/>
+          <a:p>
+            <a:r>
+              <a:rPr lang="en-SG" dirty="0"/>
+              <a:t>What is it??? Too abstract???</a:t>
+            </a:r>
+          </a:p>
+        </p:txBody>
+      </p:sp>
+      <p:sp>
+        <p:nvSpPr>
+          <p:cNvPr id="3" name="Content Placeholder 2">
+            <a:extLst>
+              <a:ext uri="{FF2B5EF4-FFF2-40B4-BE49-F238E27FC236}">
+                <a16:creationId xmlns:a16="http://schemas.microsoft.com/office/drawing/2014/main" id="{3623A9E3-951A-43B9-A39D-3EAC2F574922}"/>
+              </a:ext>
+            </a:extLst>
+          </p:cNvPr>
+          <p:cNvSpPr>
+            <a:spLocks noGrp="1"/>
+          </p:cNvSpPr>
+          <p:nvPr>
+            <p:ph idx="1"/>
+          </p:nvPr>
+        </p:nvSpPr>
+        <p:spPr/>
+        <p:txBody>
+          <a:bodyPr/>
+          <a:lstStyle/>
+          <a:p>
+            <a:r>
+              <a:rPr lang="en-SG" dirty="0"/>
+              <a:t>Releasing mobile apps without the right tooling is a complex process</a:t>
+            </a:r>
+          </a:p>
+          <a:p>
+            <a:r>
+              <a:rPr lang="en-SG" dirty="0"/>
+              <a:t>A mobile-focused CI/CD tool considers the unique challenges of building for mobile and has mobile-first features that help you build, test, and deploy mobile apps faster and more efficiently</a:t>
+            </a:r>
+          </a:p>
+        </p:txBody>
+      </p:sp>
+      <p:pic>
+        <p:nvPicPr>
+          <p:cNvPr id="5" name="Picture 4">
+            <a:extLst>
+              <a:ext uri="{FF2B5EF4-FFF2-40B4-BE49-F238E27FC236}">
+                <a16:creationId xmlns:a16="http://schemas.microsoft.com/office/drawing/2014/main" id="{314E9E67-3284-4D9A-BE30-A7E239A8DAB2}"/>
+              </a:ext>
+            </a:extLst>
+          </p:cNvPr>
+          <p:cNvPicPr>
+            <a:picLocks noChangeAspect="1"/>
+          </p:cNvPicPr>
+          <p:nvPr/>
+        </p:nvPicPr>
+        <p:blipFill>
+          <a:blip r:embed="rId2"/>
+          <a:stretch>
+            <a:fillRect/>
+          </a:stretch>
+        </p:blipFill>
+        <p:spPr>
+          <a:xfrm>
+            <a:off x="2068481" y="3899077"/>
+            <a:ext cx="8055038" cy="2133785"/>
+          </a:xfrm>
+          <a:prstGeom prst="rect">
+            <a:avLst/>
+          </a:prstGeom>
+        </p:spPr>
+      </p:pic>
+    </p:spTree>
+    <p:extLst>
+      <p:ext uri="{BB962C8B-B14F-4D97-AF65-F5344CB8AC3E}">
+        <p14:creationId xmlns:p14="http://schemas.microsoft.com/office/powerpoint/2010/main" val="2703211824"/>
+      </p:ext>
+    </p:extLst>
+  </p:cSld>
+  <p:clrMapOvr>
+    <a:masterClrMapping/>
+  </p:clrMapOvr>
+</p:sld>
+</file>
+
+<file path=ppt/slides/slide61.xml><?xml version="1.0" encoding="utf-8"?>
+<p:sld xmlns:a="http://schemas.openxmlformats.org/drawingml/2006/main" xmlns:r="http://schemas.openxmlformats.org/officeDocument/2006/relationships" xmlns:p="http://schemas.openxmlformats.org/presentationml/2006/main">
+  <p:cSld>
+    <p:spTree>
+      <p:nvGrpSpPr>
+        <p:cNvPr id="1" name=""/>
+        <p:cNvGrpSpPr/>
+        <p:nvPr/>
+      </p:nvGrpSpPr>
+      <p:grpSpPr>
+        <a:xfrm>
+          <a:off x="0" y="0"/>
+          <a:ext cx="0" cy="0"/>
+          <a:chOff x="0" y="0"/>
+          <a:chExt cx="0" cy="0"/>
+        </a:xfrm>
+      </p:grpSpPr>
       <p:pic>
         <p:nvPicPr>
           <p:cNvPr id="5" name="Picture 4">
@@ -25532,7 +25765,7 @@
 </p:sld>
 </file>
 
-<file path=ppt/slides/slide61.xml><?xml version="1.0" encoding="utf-8"?>
+<file path=ppt/slides/slide62.xml><?xml version="1.0" encoding="utf-8"?>
 <p:sld xmlns:a="http://schemas.openxmlformats.org/drawingml/2006/main" xmlns:r="http://schemas.openxmlformats.org/officeDocument/2006/relationships" xmlns:p="http://schemas.openxmlformats.org/presentationml/2006/main">
   <p:cSld>
     <p:spTree>
@@ -25592,7 +25825,7 @@
 </p:sld>
 </file>
 
-<file path=ppt/slides/slide62.xml><?xml version="1.0" encoding="utf-8"?>
+<file path=ppt/slides/slide63.xml><?xml version="1.0" encoding="utf-8"?>
 <p:sld xmlns:a="http://schemas.openxmlformats.org/drawingml/2006/main" xmlns:r="http://schemas.openxmlformats.org/officeDocument/2006/relationships" xmlns:p="http://schemas.openxmlformats.org/presentationml/2006/main">
   <p:cSld>
     <p:spTree>
@@ -25652,7 +25885,7 @@
 </p:sld>
 </file>
 
-<file path=ppt/slides/slide63.xml><?xml version="1.0" encoding="utf-8"?>
+<file path=ppt/slides/slide64.xml><?xml version="1.0" encoding="utf-8"?>
 <p:sld xmlns:a="http://schemas.openxmlformats.org/drawingml/2006/main" xmlns:r="http://schemas.openxmlformats.org/officeDocument/2006/relationships" xmlns:p="http://schemas.openxmlformats.org/presentationml/2006/main">
   <p:cSld>
     <p:spTree>
@@ -25763,7 +25996,7 @@
 </p:sld>
 </file>
 
-<file path=ppt/slides/slide64.xml><?xml version="1.0" encoding="utf-8"?>
+<file path=ppt/slides/slide65.xml><?xml version="1.0" encoding="utf-8"?>
 <p:sld xmlns:a="http://schemas.openxmlformats.org/drawingml/2006/main" xmlns:r="http://schemas.openxmlformats.org/officeDocument/2006/relationships" xmlns:p="http://schemas.openxmlformats.org/presentationml/2006/main">
   <p:cSld>
     <p:spTree>
